--- a/221114.pptx
+++ b/221114.pptx
@@ -3523,8 +3523,8 @@
         </p:nvSpPr>
         <p:spPr>
           <a:xfrm>
-            <a:off x="2700215" y="3239923"/>
-            <a:ext cx="758092" cy="276999"/>
+            <a:off x="2700215" y="3156412"/>
+            <a:ext cx="758092" cy="369332"/>
           </a:xfrm>
           <a:prstGeom prst="rect">
             <a:avLst/>
@@ -3539,14 +3539,14 @@
           <a:p>
             <a:pPr algn="ctr"/>
             <a:r>
-              <a:rPr kumimoji="1" lang="en-US" altLang="ko-Kore-KR" sz="1200" dirty="0">
+              <a:rPr kumimoji="1" lang="en-US" altLang="ko-Kore-KR" dirty="0">
                 <a:solidFill>
                   <a:schemeClr val="tx1"/>
                 </a:solidFill>
               </a:rPr>
               <a:t>0x200</a:t>
             </a:r>
-            <a:endParaRPr lang="ko-Kore-KR" altLang="en-US" sz="1200" dirty="0"/>
+            <a:endParaRPr lang="ko-Kore-KR" altLang="en-US" dirty="0"/>
           </a:p>
         </p:txBody>
       </p:sp>
@@ -4361,6 +4361,41 @@
                 <a:srgbClr val="FF0000"/>
               </a:solidFill>
             </a:endParaRPr>
+          </a:p>
+        </p:txBody>
+      </p:sp>
+      <p:sp>
+        <p:nvSpPr>
+          <p:cNvPr id="3" name="TextBox 2">
+            <a:extLst>
+              <a:ext uri="{FF2B5EF4-FFF2-40B4-BE49-F238E27FC236}">
+                <a16:creationId xmlns:a16="http://schemas.microsoft.com/office/drawing/2014/main" id="{880E5A32-27E8-04CF-3E91-5BF3EBCBAB9C}"/>
+              </a:ext>
+            </a:extLst>
+          </p:cNvPr>
+          <p:cNvSpPr txBox="1"/>
+          <p:nvPr/>
+        </p:nvSpPr>
+        <p:spPr>
+          <a:xfrm>
+            <a:off x="3458307" y="4562511"/>
+            <a:ext cx="6096000" cy="369332"/>
+          </a:xfrm>
+          <a:prstGeom prst="rect">
+            <a:avLst/>
+          </a:prstGeom>
+          <a:noFill/>
+        </p:spPr>
+        <p:txBody>
+          <a:bodyPr wrap="square">
+            <a:spAutoFit/>
+          </a:bodyPr>
+          <a:lstStyle/>
+          <a:p>
+            <a:r>
+              <a:rPr lang="ko-Kore-KR" altLang="en-US" dirty="0"/>
+              <a:t>기존 메모리에 새로운 이름(별명)을 부여합니다.</a:t>
+            </a:r>
           </a:p>
         </p:txBody>
       </p:sp>

--- a/221114.pptx
+++ b/221114.pptx
@@ -9,6 +9,12 @@
     <p:sldId id="257" r:id="rId3"/>
     <p:sldId id="258" r:id="rId4"/>
     <p:sldId id="259" r:id="rId5"/>
+    <p:sldId id="260" r:id="rId6"/>
+    <p:sldId id="261" r:id="rId7"/>
+    <p:sldId id="262" r:id="rId8"/>
+    <p:sldId id="263" r:id="rId9"/>
+    <p:sldId id="264" r:id="rId10"/>
+    <p:sldId id="265" r:id="rId11"/>
   </p:sldIdLst>
   <p:sldSz cx="12192000" cy="6858000"/>
   <p:notesSz cx="6858000" cy="9144000"/>
@@ -3695,10 +3701,643 @@
           </a:fontRef>
         </p:style>
       </p:cxnSp>
+      <p:sp>
+        <p:nvSpPr>
+          <p:cNvPr id="17" name="직사각형 16">
+            <a:extLst>
+              <a:ext uri="{FF2B5EF4-FFF2-40B4-BE49-F238E27FC236}">
+                <a16:creationId xmlns:a16="http://schemas.microsoft.com/office/drawing/2014/main" id="{D2A4943F-790A-7B68-74BC-52EEE64DD793}"/>
+              </a:ext>
+            </a:extLst>
+          </p:cNvPr>
+          <p:cNvSpPr/>
+          <p:nvPr/>
+        </p:nvSpPr>
+        <p:spPr>
+          <a:xfrm>
+            <a:off x="3091961" y="5868889"/>
+            <a:ext cx="1359877" cy="836247"/>
+          </a:xfrm>
+          <a:prstGeom prst="rect">
+            <a:avLst/>
+          </a:prstGeom>
+          <a:solidFill>
+            <a:srgbClr val="FFFF00"/>
+          </a:solidFill>
+        </p:spPr>
+        <p:style>
+          <a:lnRef idx="2">
+            <a:schemeClr val="accent1">
+              <a:shade val="50000"/>
+            </a:schemeClr>
+          </a:lnRef>
+          <a:fillRef idx="1">
+            <a:schemeClr val="accent1"/>
+          </a:fillRef>
+          <a:effectRef idx="0">
+            <a:schemeClr val="accent1"/>
+          </a:effectRef>
+          <a:fontRef idx="minor">
+            <a:schemeClr val="lt1"/>
+          </a:fontRef>
+        </p:style>
+        <p:txBody>
+          <a:bodyPr rtlCol="0" anchor="ctr"/>
+          <a:lstStyle/>
+          <a:p>
+            <a:pPr algn="ctr"/>
+            <a:r>
+              <a:rPr kumimoji="1" lang="en-US" altLang="ko-Kore-KR" sz="2400" dirty="0">
+                <a:solidFill>
+                  <a:schemeClr val="tx1"/>
+                </a:solidFill>
+                <a:latin typeface="DM Mono" panose="020B0509040201040103" pitchFamily="49" charset="0"/>
+              </a:rPr>
+              <a:t>NULL</a:t>
+            </a:r>
+            <a:endParaRPr kumimoji="1" lang="ko-Kore-KR" altLang="en-US" sz="2400" dirty="0">
+              <a:solidFill>
+                <a:schemeClr val="tx1"/>
+              </a:solidFill>
+              <a:latin typeface="DM Mono" panose="020B0509040201040103" pitchFamily="49" charset="0"/>
+            </a:endParaRPr>
+          </a:p>
+        </p:txBody>
+      </p:sp>
+      <p:sp>
+        <p:nvSpPr>
+          <p:cNvPr id="18" name="TextBox 17">
+            <a:extLst>
+              <a:ext uri="{FF2B5EF4-FFF2-40B4-BE49-F238E27FC236}">
+                <a16:creationId xmlns:a16="http://schemas.microsoft.com/office/drawing/2014/main" id="{99674C0B-222A-52F4-DA47-C9039C2E22D8}"/>
+              </a:ext>
+            </a:extLst>
+          </p:cNvPr>
+          <p:cNvSpPr txBox="1"/>
+          <p:nvPr/>
+        </p:nvSpPr>
+        <p:spPr>
+          <a:xfrm>
+            <a:off x="2375877" y="6025402"/>
+            <a:ext cx="661376" cy="523220"/>
+          </a:xfrm>
+          <a:prstGeom prst="rect">
+            <a:avLst/>
+          </a:prstGeom>
+          <a:noFill/>
+        </p:spPr>
+        <p:txBody>
+          <a:bodyPr wrap="square">
+            <a:spAutoFit/>
+          </a:bodyPr>
+          <a:lstStyle/>
+          <a:p>
+            <a:r>
+              <a:rPr lang="en-US" altLang="ko-Kore-KR" sz="2800" dirty="0">
+                <a:latin typeface="DM Mono" panose="020B0509040201040103" pitchFamily="49" charset="0"/>
+              </a:rPr>
+              <a:t>p</a:t>
+            </a:r>
+            <a:r>
+              <a:rPr lang="en-US" altLang="ko-KR" sz="2800" dirty="0">
+                <a:latin typeface="DM Mono" panose="020B0509040201040103" pitchFamily="49" charset="0"/>
+              </a:rPr>
+              <a:t>2</a:t>
+            </a:r>
+            <a:endParaRPr lang="ko-Kore-KR" altLang="en-US" sz="2800" dirty="0"/>
+          </a:p>
+        </p:txBody>
+      </p:sp>
     </p:spTree>
     <p:extLst>
       <p:ext uri="{BB962C8B-B14F-4D97-AF65-F5344CB8AC3E}">
         <p14:creationId xmlns:p14="http://schemas.microsoft.com/office/powerpoint/2010/main" val="3982576631"/>
+      </p:ext>
+    </p:extLst>
+  </p:cSld>
+  <p:clrMapOvr>
+    <a:masterClrMapping/>
+  </p:clrMapOvr>
+</p:sld>
+</file>
+
+<file path=ppt/slides/slide10.xml><?xml version="1.0" encoding="utf-8"?>
+<p:sld xmlns:a="http://schemas.openxmlformats.org/drawingml/2006/main" xmlns:r="http://schemas.openxmlformats.org/officeDocument/2006/relationships" xmlns:p="http://schemas.openxmlformats.org/presentationml/2006/main">
+  <p:cSld>
+    <p:spTree>
+      <p:nvGrpSpPr>
+        <p:cNvPr id="1" name=""/>
+        <p:cNvGrpSpPr/>
+        <p:nvPr/>
+      </p:nvGrpSpPr>
+      <p:grpSpPr>
+        <a:xfrm>
+          <a:off x="0" y="0"/>
+          <a:ext cx="0" cy="0"/>
+          <a:chOff x="0" y="0"/>
+          <a:chExt cx="0" cy="0"/>
+        </a:xfrm>
+      </p:grpSpPr>
+      <p:sp>
+        <p:nvSpPr>
+          <p:cNvPr id="8" name="직사각형 7">
+            <a:extLst>
+              <a:ext uri="{FF2B5EF4-FFF2-40B4-BE49-F238E27FC236}">
+                <a16:creationId xmlns:a16="http://schemas.microsoft.com/office/drawing/2014/main" id="{8291E139-DF43-5A1F-695A-673F6E3CC536}"/>
+              </a:ext>
+            </a:extLst>
+          </p:cNvPr>
+          <p:cNvSpPr/>
+          <p:nvPr/>
+        </p:nvSpPr>
+        <p:spPr>
+          <a:xfrm>
+            <a:off x="765908" y="3180862"/>
+            <a:ext cx="4360984" cy="2813538"/>
+          </a:xfrm>
+          <a:prstGeom prst="rect">
+            <a:avLst/>
+          </a:prstGeom>
+          <a:solidFill>
+            <a:schemeClr val="bg1"/>
+          </a:solidFill>
+        </p:spPr>
+        <p:style>
+          <a:lnRef idx="2">
+            <a:schemeClr val="accent1">
+              <a:shade val="50000"/>
+            </a:schemeClr>
+          </a:lnRef>
+          <a:fillRef idx="1">
+            <a:schemeClr val="accent1"/>
+          </a:fillRef>
+          <a:effectRef idx="0">
+            <a:schemeClr val="accent1"/>
+          </a:effectRef>
+          <a:fontRef idx="minor">
+            <a:schemeClr val="lt1"/>
+          </a:fontRef>
+        </p:style>
+        <p:txBody>
+          <a:bodyPr rtlCol="0" anchor="ctr"/>
+          <a:lstStyle/>
+          <a:p>
+            <a:pPr algn="ctr"/>
+            <a:endParaRPr kumimoji="1" lang="ko-Kore-KR" altLang="en-US" sz="2400" dirty="0">
+              <a:solidFill>
+                <a:schemeClr val="tx1"/>
+              </a:solidFill>
+              <a:latin typeface="DM Mono" panose="020B0509040201040103" pitchFamily="49" charset="0"/>
+            </a:endParaRPr>
+          </a:p>
+        </p:txBody>
+      </p:sp>
+      <p:sp>
+        <p:nvSpPr>
+          <p:cNvPr id="5" name="TextBox 4">
+            <a:extLst>
+              <a:ext uri="{FF2B5EF4-FFF2-40B4-BE49-F238E27FC236}">
+                <a16:creationId xmlns:a16="http://schemas.microsoft.com/office/drawing/2014/main" id="{AC187C75-B6A9-BEB4-69D3-D24A859AE470}"/>
+              </a:ext>
+            </a:extLst>
+          </p:cNvPr>
+          <p:cNvSpPr txBox="1"/>
+          <p:nvPr/>
+        </p:nvSpPr>
+        <p:spPr>
+          <a:xfrm>
+            <a:off x="406400" y="239155"/>
+            <a:ext cx="6096000" cy="2585323"/>
+          </a:xfrm>
+          <a:prstGeom prst="rect">
+            <a:avLst/>
+          </a:prstGeom>
+          <a:noFill/>
+        </p:spPr>
+        <p:txBody>
+          <a:bodyPr wrap="square">
+            <a:spAutoFit/>
+          </a:bodyPr>
+          <a:lstStyle/>
+          <a:p>
+            <a:r>
+              <a:rPr lang="en" altLang="ko-Kore-KR" dirty="0">
+                <a:latin typeface="DM Mono" panose="020B0509040201040103" pitchFamily="49" charset="0"/>
+              </a:rPr>
+              <a:t>void inc3(int &amp;r) { </a:t>
+            </a:r>
+            <a:r>
+              <a:rPr lang="en" altLang="ko-Kore-KR" dirty="0">
+                <a:solidFill>
+                  <a:srgbClr val="FF0000"/>
+                </a:solidFill>
+                <a:latin typeface="DM Mono" panose="020B0509040201040103" pitchFamily="49" charset="0"/>
+              </a:rPr>
+              <a:t>++r</a:t>
+            </a:r>
+            <a:r>
+              <a:rPr lang="en" altLang="ko-Kore-KR" dirty="0">
+                <a:latin typeface="DM Mono" panose="020B0509040201040103" pitchFamily="49" charset="0"/>
+              </a:rPr>
+              <a:t>; }</a:t>
+            </a:r>
+          </a:p>
+          <a:p>
+            <a:endParaRPr lang="en" altLang="ko-Kore-KR" dirty="0">
+              <a:latin typeface="DM Mono" panose="020B0509040201040103" pitchFamily="49" charset="0"/>
+            </a:endParaRPr>
+          </a:p>
+          <a:p>
+            <a:r>
+              <a:rPr lang="en" altLang="ko-Kore-KR" dirty="0">
+                <a:latin typeface="DM Mono" panose="020B0509040201040103" pitchFamily="49" charset="0"/>
+              </a:rPr>
+              <a:t>int main()</a:t>
+            </a:r>
+          </a:p>
+          <a:p>
+            <a:r>
+              <a:rPr lang="en" altLang="ko-Kore-KR" dirty="0">
+                <a:latin typeface="DM Mono" panose="020B0509040201040103" pitchFamily="49" charset="0"/>
+              </a:rPr>
+              <a:t>{</a:t>
+            </a:r>
+          </a:p>
+          <a:p>
+            <a:r>
+              <a:rPr lang="en" altLang="ko-Kore-KR" dirty="0">
+                <a:latin typeface="DM Mono" panose="020B0509040201040103" pitchFamily="49" charset="0"/>
+              </a:rPr>
+              <a:t>  int x;</a:t>
+            </a:r>
+          </a:p>
+          <a:p>
+            <a:endParaRPr lang="en" altLang="ko-Kore-KR" dirty="0">
+              <a:latin typeface="DM Mono" panose="020B0509040201040103" pitchFamily="49" charset="0"/>
+            </a:endParaRPr>
+          </a:p>
+          <a:p>
+            <a:r>
+              <a:rPr lang="en" altLang="ko-Kore-KR" dirty="0">
+                <a:latin typeface="DM Mono" panose="020B0509040201040103" pitchFamily="49" charset="0"/>
+              </a:rPr>
+              <a:t>  x = 10;</a:t>
+            </a:r>
+          </a:p>
+          <a:p>
+            <a:r>
+              <a:rPr lang="en" altLang="ko-Kore-KR" dirty="0">
+                <a:solidFill>
+                  <a:srgbClr val="FF0000"/>
+                </a:solidFill>
+                <a:latin typeface="DM Mono" panose="020B0509040201040103" pitchFamily="49" charset="0"/>
+              </a:rPr>
+              <a:t>  inc3(x);</a:t>
+            </a:r>
+          </a:p>
+          <a:p>
+            <a:r>
+              <a:rPr lang="en" altLang="ko-Kore-KR" dirty="0">
+                <a:latin typeface="DM Mono" panose="020B0509040201040103" pitchFamily="49" charset="0"/>
+              </a:rPr>
+              <a:t>}</a:t>
+            </a:r>
+            <a:endParaRPr lang="ko-Kore-KR" altLang="en-US" dirty="0">
+              <a:latin typeface="DM Mono" panose="020B0509040201040103" pitchFamily="49" charset="0"/>
+            </a:endParaRPr>
+          </a:p>
+        </p:txBody>
+      </p:sp>
+      <p:sp>
+        <p:nvSpPr>
+          <p:cNvPr id="6" name="직사각형 5">
+            <a:extLst>
+              <a:ext uri="{FF2B5EF4-FFF2-40B4-BE49-F238E27FC236}">
+                <a16:creationId xmlns:a16="http://schemas.microsoft.com/office/drawing/2014/main" id="{B9B4CC84-6E91-698C-E744-F34F5640D871}"/>
+              </a:ext>
+            </a:extLst>
+          </p:cNvPr>
+          <p:cNvSpPr/>
+          <p:nvPr/>
+        </p:nvSpPr>
+        <p:spPr>
+          <a:xfrm>
+            <a:off x="2149231" y="3712307"/>
+            <a:ext cx="1359877" cy="836247"/>
+          </a:xfrm>
+          <a:prstGeom prst="rect">
+            <a:avLst/>
+          </a:prstGeom>
+          <a:solidFill>
+            <a:srgbClr val="FFFF00"/>
+          </a:solidFill>
+        </p:spPr>
+        <p:style>
+          <a:lnRef idx="2">
+            <a:schemeClr val="accent1">
+              <a:shade val="50000"/>
+            </a:schemeClr>
+          </a:lnRef>
+          <a:fillRef idx="1">
+            <a:schemeClr val="accent1"/>
+          </a:fillRef>
+          <a:effectRef idx="0">
+            <a:schemeClr val="accent1"/>
+          </a:effectRef>
+          <a:fontRef idx="minor">
+            <a:schemeClr val="lt1"/>
+          </a:fontRef>
+        </p:style>
+        <p:txBody>
+          <a:bodyPr rtlCol="0" anchor="ctr"/>
+          <a:lstStyle/>
+          <a:p>
+            <a:pPr algn="ctr"/>
+            <a:r>
+              <a:rPr kumimoji="1" lang="en-US" altLang="ko-Kore-KR" sz="2400" dirty="0">
+                <a:solidFill>
+                  <a:srgbClr val="FF0000"/>
+                </a:solidFill>
+                <a:latin typeface="DM Mono" panose="020B0509040201040103" pitchFamily="49" charset="0"/>
+              </a:rPr>
+              <a:t>11</a:t>
+            </a:r>
+            <a:endParaRPr kumimoji="1" lang="ko-Kore-KR" altLang="en-US" sz="2400" dirty="0">
+              <a:solidFill>
+                <a:srgbClr val="FF0000"/>
+              </a:solidFill>
+              <a:latin typeface="DM Mono" panose="020B0509040201040103" pitchFamily="49" charset="0"/>
+            </a:endParaRPr>
+          </a:p>
+        </p:txBody>
+      </p:sp>
+      <p:sp>
+        <p:nvSpPr>
+          <p:cNvPr id="7" name="TextBox 6">
+            <a:extLst>
+              <a:ext uri="{FF2B5EF4-FFF2-40B4-BE49-F238E27FC236}">
+                <a16:creationId xmlns:a16="http://schemas.microsoft.com/office/drawing/2014/main" id="{7D5A258A-18C0-F68D-D028-EE6BFAC81C43}"/>
+              </a:ext>
+            </a:extLst>
+          </p:cNvPr>
+          <p:cNvSpPr txBox="1"/>
+          <p:nvPr/>
+        </p:nvSpPr>
+        <p:spPr>
+          <a:xfrm>
+            <a:off x="1711569" y="3627160"/>
+            <a:ext cx="382954" cy="523220"/>
+          </a:xfrm>
+          <a:prstGeom prst="rect">
+            <a:avLst/>
+          </a:prstGeom>
+          <a:noFill/>
+        </p:spPr>
+        <p:txBody>
+          <a:bodyPr wrap="square">
+            <a:spAutoFit/>
+          </a:bodyPr>
+          <a:lstStyle/>
+          <a:p>
+            <a:r>
+              <a:rPr lang="en-US" altLang="ko-Kore-KR" sz="2800" dirty="0">
+                <a:latin typeface="DM Mono" panose="020B0509040201040103" pitchFamily="49" charset="0"/>
+              </a:rPr>
+              <a:t>x</a:t>
+            </a:r>
+            <a:endParaRPr lang="ko-Kore-KR" altLang="en-US" sz="2800" dirty="0"/>
+          </a:p>
+        </p:txBody>
+      </p:sp>
+      <p:sp>
+        <p:nvSpPr>
+          <p:cNvPr id="10" name="TextBox 9">
+            <a:extLst>
+              <a:ext uri="{FF2B5EF4-FFF2-40B4-BE49-F238E27FC236}">
+                <a16:creationId xmlns:a16="http://schemas.microsoft.com/office/drawing/2014/main" id="{F6185ED7-4853-19F8-76BD-ED511470CD4A}"/>
+              </a:ext>
+            </a:extLst>
+          </p:cNvPr>
+          <p:cNvSpPr txBox="1"/>
+          <p:nvPr/>
+        </p:nvSpPr>
+        <p:spPr>
+          <a:xfrm>
+            <a:off x="2461846" y="2811530"/>
+            <a:ext cx="969107" cy="369332"/>
+          </a:xfrm>
+          <a:prstGeom prst="rect">
+            <a:avLst/>
+          </a:prstGeom>
+          <a:noFill/>
+        </p:spPr>
+        <p:txBody>
+          <a:bodyPr wrap="square">
+            <a:spAutoFit/>
+          </a:bodyPr>
+          <a:lstStyle/>
+          <a:p>
+            <a:pPr algn="ctr"/>
+            <a:r>
+              <a:rPr lang="ko-Kore-KR" altLang="en-US" dirty="0">
+                <a:latin typeface="DM Mono" panose="020B0509040201040103" pitchFamily="49" charset="0"/>
+              </a:rPr>
+              <a:t>main</a:t>
+            </a:r>
+            <a:endParaRPr lang="ko-Kore-KR" altLang="en-US" dirty="0"/>
+          </a:p>
+        </p:txBody>
+      </p:sp>
+      <p:sp>
+        <p:nvSpPr>
+          <p:cNvPr id="11" name="직사각형 10">
+            <a:extLst>
+              <a:ext uri="{FF2B5EF4-FFF2-40B4-BE49-F238E27FC236}">
+                <a16:creationId xmlns:a16="http://schemas.microsoft.com/office/drawing/2014/main" id="{52D7E20E-9190-30D0-6766-C7B9D71E43FB}"/>
+              </a:ext>
+            </a:extLst>
+          </p:cNvPr>
+          <p:cNvSpPr/>
+          <p:nvPr/>
+        </p:nvSpPr>
+        <p:spPr>
+          <a:xfrm>
+            <a:off x="5857632" y="3180862"/>
+            <a:ext cx="4360984" cy="2813538"/>
+          </a:xfrm>
+          <a:prstGeom prst="rect">
+            <a:avLst/>
+          </a:prstGeom>
+          <a:solidFill>
+            <a:schemeClr val="bg1"/>
+          </a:solidFill>
+        </p:spPr>
+        <p:style>
+          <a:lnRef idx="2">
+            <a:schemeClr val="accent1">
+              <a:shade val="50000"/>
+            </a:schemeClr>
+          </a:lnRef>
+          <a:fillRef idx="1">
+            <a:schemeClr val="accent1"/>
+          </a:fillRef>
+          <a:effectRef idx="0">
+            <a:schemeClr val="accent1"/>
+          </a:effectRef>
+          <a:fontRef idx="minor">
+            <a:schemeClr val="lt1"/>
+          </a:fontRef>
+        </p:style>
+        <p:txBody>
+          <a:bodyPr rtlCol="0" anchor="ctr"/>
+          <a:lstStyle/>
+          <a:p>
+            <a:pPr algn="ctr"/>
+            <a:endParaRPr kumimoji="1" lang="ko-Kore-KR" altLang="en-US" sz="2400" dirty="0">
+              <a:solidFill>
+                <a:schemeClr val="tx1"/>
+              </a:solidFill>
+              <a:latin typeface="DM Mono" panose="020B0509040201040103" pitchFamily="49" charset="0"/>
+            </a:endParaRPr>
+          </a:p>
+        </p:txBody>
+      </p:sp>
+      <p:sp>
+        <p:nvSpPr>
+          <p:cNvPr id="12" name="TextBox 11">
+            <a:extLst>
+              <a:ext uri="{FF2B5EF4-FFF2-40B4-BE49-F238E27FC236}">
+                <a16:creationId xmlns:a16="http://schemas.microsoft.com/office/drawing/2014/main" id="{A5A8D9B0-7B9E-99CE-0D09-EE5FF749B5B2}"/>
+              </a:ext>
+            </a:extLst>
+          </p:cNvPr>
+          <p:cNvSpPr txBox="1"/>
+          <p:nvPr/>
+        </p:nvSpPr>
+        <p:spPr>
+          <a:xfrm>
+            <a:off x="7553570" y="2811530"/>
+            <a:ext cx="969107" cy="369332"/>
+          </a:xfrm>
+          <a:prstGeom prst="rect">
+            <a:avLst/>
+          </a:prstGeom>
+          <a:noFill/>
+        </p:spPr>
+        <p:txBody>
+          <a:bodyPr wrap="square">
+            <a:spAutoFit/>
+          </a:bodyPr>
+          <a:lstStyle/>
+          <a:p>
+            <a:pPr algn="ctr"/>
+            <a:r>
+              <a:rPr lang="en-US" altLang="ko-Kore-KR" dirty="0">
+                <a:latin typeface="DM Mono" panose="020B0509040201040103" pitchFamily="49" charset="0"/>
+              </a:rPr>
+              <a:t>inc3</a:t>
+            </a:r>
+            <a:endParaRPr lang="ko-Kore-KR" altLang="en-US" dirty="0"/>
+          </a:p>
+        </p:txBody>
+      </p:sp>
+      <p:sp>
+        <p:nvSpPr>
+          <p:cNvPr id="14" name="TextBox 13">
+            <a:extLst>
+              <a:ext uri="{FF2B5EF4-FFF2-40B4-BE49-F238E27FC236}">
+                <a16:creationId xmlns:a16="http://schemas.microsoft.com/office/drawing/2014/main" id="{C09DD0A5-4A2C-AD1F-27AA-48E77B6A1A2D}"/>
+              </a:ext>
+            </a:extLst>
+          </p:cNvPr>
+          <p:cNvSpPr txBox="1"/>
+          <p:nvPr/>
+        </p:nvSpPr>
+        <p:spPr>
+          <a:xfrm>
+            <a:off x="6725138" y="3616258"/>
+            <a:ext cx="382954" cy="523220"/>
+          </a:xfrm>
+          <a:prstGeom prst="rect">
+            <a:avLst/>
+          </a:prstGeom>
+          <a:noFill/>
+        </p:spPr>
+        <p:txBody>
+          <a:bodyPr wrap="square">
+            <a:spAutoFit/>
+          </a:bodyPr>
+          <a:lstStyle/>
+          <a:p>
+            <a:r>
+              <a:rPr lang="en-US" altLang="ko-Kore-KR" sz="2800" dirty="0">
+                <a:solidFill>
+                  <a:srgbClr val="FF0000"/>
+                </a:solidFill>
+                <a:latin typeface="DM Mono" panose="020B0509040201040103" pitchFamily="49" charset="0"/>
+              </a:rPr>
+              <a:t>r</a:t>
+            </a:r>
+            <a:endParaRPr lang="ko-Kore-KR" altLang="en-US" sz="2800" dirty="0">
+              <a:solidFill>
+                <a:srgbClr val="FF0000"/>
+              </a:solidFill>
+            </a:endParaRPr>
+          </a:p>
+        </p:txBody>
+      </p:sp>
+      <p:cxnSp>
+        <p:nvCxnSpPr>
+          <p:cNvPr id="3" name="구부러진 연결선[U] 2">
+            <a:extLst>
+              <a:ext uri="{FF2B5EF4-FFF2-40B4-BE49-F238E27FC236}">
+                <a16:creationId xmlns:a16="http://schemas.microsoft.com/office/drawing/2014/main" id="{F5DDE7C9-36A1-696A-2296-1AC4456A8D2D}"/>
+              </a:ext>
+            </a:extLst>
+          </p:cNvPr>
+          <p:cNvCxnSpPr>
+            <a:cxnSpLocks/>
+            <a:stCxn id="14" idx="2"/>
+            <a:endCxn id="6" idx="2"/>
+          </p:cNvCxnSpPr>
+          <p:nvPr/>
+        </p:nvCxnSpPr>
+        <p:spPr>
+          <a:xfrm rot="5400000">
+            <a:off x="4668355" y="2300294"/>
+            <a:ext cx="409076" cy="4087445"/>
+          </a:xfrm>
+          <a:prstGeom prst="curvedConnector3">
+            <a:avLst>
+              <a:gd name="adj1" fmla="val 274333"/>
+            </a:avLst>
+          </a:prstGeom>
+          <a:ln w="12700">
+            <a:solidFill>
+              <a:srgbClr val="FF0000"/>
+            </a:solidFill>
+            <a:tailEnd type="triangle"/>
+          </a:ln>
+        </p:spPr>
+        <p:style>
+          <a:lnRef idx="1">
+            <a:schemeClr val="dk1"/>
+          </a:lnRef>
+          <a:fillRef idx="0">
+            <a:schemeClr val="dk1"/>
+          </a:fillRef>
+          <a:effectRef idx="0">
+            <a:schemeClr val="dk1"/>
+          </a:effectRef>
+          <a:fontRef idx="minor">
+            <a:schemeClr val="tx1"/>
+          </a:fontRef>
+        </p:style>
+      </p:cxnSp>
+    </p:spTree>
+    <p:extLst>
+      <p:ext uri="{BB962C8B-B14F-4D97-AF65-F5344CB8AC3E}">
+        <p14:creationId xmlns:p14="http://schemas.microsoft.com/office/powerpoint/2010/main" val="3795499190"/>
       </p:ext>
     </p:extLst>
   </p:cSld>
@@ -4692,6 +5331,2724 @@
     <p:extLst>
       <p:ext uri="{BB962C8B-B14F-4D97-AF65-F5344CB8AC3E}">
         <p14:creationId xmlns:p14="http://schemas.microsoft.com/office/powerpoint/2010/main" val="1395930787"/>
+      </p:ext>
+    </p:extLst>
+  </p:cSld>
+  <p:clrMapOvr>
+    <a:masterClrMapping/>
+  </p:clrMapOvr>
+</p:sld>
+</file>
+
+<file path=ppt/slides/slide5.xml><?xml version="1.0" encoding="utf-8"?>
+<p:sld xmlns:a="http://schemas.openxmlformats.org/drawingml/2006/main" xmlns:r="http://schemas.openxmlformats.org/officeDocument/2006/relationships" xmlns:p="http://schemas.openxmlformats.org/presentationml/2006/main">
+  <p:cSld>
+    <p:spTree>
+      <p:nvGrpSpPr>
+        <p:cNvPr id="1" name=""/>
+        <p:cNvGrpSpPr/>
+        <p:nvPr/>
+      </p:nvGrpSpPr>
+      <p:grpSpPr>
+        <a:xfrm>
+          <a:off x="0" y="0"/>
+          <a:ext cx="0" cy="0"/>
+          <a:chOff x="0" y="0"/>
+          <a:chExt cx="0" cy="0"/>
+        </a:xfrm>
+      </p:grpSpPr>
+      <p:sp>
+        <p:nvSpPr>
+          <p:cNvPr id="8" name="직사각형 7">
+            <a:extLst>
+              <a:ext uri="{FF2B5EF4-FFF2-40B4-BE49-F238E27FC236}">
+                <a16:creationId xmlns:a16="http://schemas.microsoft.com/office/drawing/2014/main" id="{8291E139-DF43-5A1F-695A-673F6E3CC536}"/>
+              </a:ext>
+            </a:extLst>
+          </p:cNvPr>
+          <p:cNvSpPr/>
+          <p:nvPr/>
+        </p:nvSpPr>
+        <p:spPr>
+          <a:xfrm>
+            <a:off x="765908" y="3180862"/>
+            <a:ext cx="4360984" cy="2813538"/>
+          </a:xfrm>
+          <a:prstGeom prst="rect">
+            <a:avLst/>
+          </a:prstGeom>
+          <a:solidFill>
+            <a:schemeClr val="bg1"/>
+          </a:solidFill>
+        </p:spPr>
+        <p:style>
+          <a:lnRef idx="2">
+            <a:schemeClr val="accent1">
+              <a:shade val="50000"/>
+            </a:schemeClr>
+          </a:lnRef>
+          <a:fillRef idx="1">
+            <a:schemeClr val="accent1"/>
+          </a:fillRef>
+          <a:effectRef idx="0">
+            <a:schemeClr val="accent1"/>
+          </a:effectRef>
+          <a:fontRef idx="minor">
+            <a:schemeClr val="lt1"/>
+          </a:fontRef>
+        </p:style>
+        <p:txBody>
+          <a:bodyPr rtlCol="0" anchor="ctr"/>
+          <a:lstStyle/>
+          <a:p>
+            <a:pPr algn="ctr"/>
+            <a:endParaRPr kumimoji="1" lang="ko-Kore-KR" altLang="en-US" sz="2400" dirty="0">
+              <a:solidFill>
+                <a:schemeClr val="tx1"/>
+              </a:solidFill>
+              <a:latin typeface="DM Mono" panose="020B0509040201040103" pitchFamily="49" charset="0"/>
+            </a:endParaRPr>
+          </a:p>
+        </p:txBody>
+      </p:sp>
+      <p:sp>
+        <p:nvSpPr>
+          <p:cNvPr id="5" name="TextBox 4">
+            <a:extLst>
+              <a:ext uri="{FF2B5EF4-FFF2-40B4-BE49-F238E27FC236}">
+                <a16:creationId xmlns:a16="http://schemas.microsoft.com/office/drawing/2014/main" id="{AC187C75-B6A9-BEB4-69D3-D24A859AE470}"/>
+              </a:ext>
+            </a:extLst>
+          </p:cNvPr>
+          <p:cNvSpPr txBox="1"/>
+          <p:nvPr/>
+        </p:nvSpPr>
+        <p:spPr>
+          <a:xfrm>
+            <a:off x="406400" y="239155"/>
+            <a:ext cx="6096000" cy="2585323"/>
+          </a:xfrm>
+          <a:prstGeom prst="rect">
+            <a:avLst/>
+          </a:prstGeom>
+          <a:noFill/>
+        </p:spPr>
+        <p:txBody>
+          <a:bodyPr wrap="square">
+            <a:spAutoFit/>
+          </a:bodyPr>
+          <a:lstStyle/>
+          <a:p>
+            <a:r>
+              <a:rPr lang="ko-Kore-KR" altLang="en-US" dirty="0">
+                <a:latin typeface="DM Mono" panose="020B0509040201040103" pitchFamily="49" charset="0"/>
+              </a:rPr>
+              <a:t>void inc1(int n) { ++n; }</a:t>
+            </a:r>
+          </a:p>
+          <a:p>
+            <a:endParaRPr lang="ko-Kore-KR" altLang="en-US" dirty="0">
+              <a:latin typeface="DM Mono" panose="020B0509040201040103" pitchFamily="49" charset="0"/>
+            </a:endParaRPr>
+          </a:p>
+          <a:p>
+            <a:r>
+              <a:rPr lang="ko-Kore-KR" altLang="en-US" dirty="0">
+                <a:latin typeface="DM Mono" panose="020B0509040201040103" pitchFamily="49" charset="0"/>
+              </a:rPr>
+              <a:t>int main()</a:t>
+            </a:r>
+          </a:p>
+          <a:p>
+            <a:r>
+              <a:rPr lang="ko-Kore-KR" altLang="en-US" dirty="0">
+                <a:latin typeface="DM Mono" panose="020B0509040201040103" pitchFamily="49" charset="0"/>
+              </a:rPr>
+              <a:t>{</a:t>
+            </a:r>
+          </a:p>
+          <a:p>
+            <a:r>
+              <a:rPr lang="ko-Kore-KR" altLang="en-US" dirty="0">
+                <a:latin typeface="DM Mono" panose="020B0509040201040103" pitchFamily="49" charset="0"/>
+              </a:rPr>
+              <a:t>  int x = 10;</a:t>
+            </a:r>
+          </a:p>
+          <a:p>
+            <a:endParaRPr lang="ko-Kore-KR" altLang="en-US" dirty="0">
+              <a:latin typeface="DM Mono" panose="020B0509040201040103" pitchFamily="49" charset="0"/>
+            </a:endParaRPr>
+          </a:p>
+          <a:p>
+            <a:r>
+              <a:rPr lang="ko-Kore-KR" altLang="en-US" dirty="0">
+                <a:latin typeface="DM Mono" panose="020B0509040201040103" pitchFamily="49" charset="0"/>
+              </a:rPr>
+              <a:t>  inc1(x);</a:t>
+            </a:r>
+          </a:p>
+          <a:p>
+            <a:r>
+              <a:rPr lang="ko-Kore-KR" altLang="en-US" dirty="0">
+                <a:latin typeface="DM Mono" panose="020B0509040201040103" pitchFamily="49" charset="0"/>
+              </a:rPr>
+              <a:t>  cout &lt;&lt; x &lt;&lt; endl;</a:t>
+            </a:r>
+          </a:p>
+          <a:p>
+            <a:r>
+              <a:rPr lang="ko-Kore-KR" altLang="en-US" dirty="0">
+                <a:latin typeface="DM Mono" panose="020B0509040201040103" pitchFamily="49" charset="0"/>
+              </a:rPr>
+              <a:t>}</a:t>
+            </a:r>
+          </a:p>
+        </p:txBody>
+      </p:sp>
+      <p:sp>
+        <p:nvSpPr>
+          <p:cNvPr id="6" name="직사각형 5">
+            <a:extLst>
+              <a:ext uri="{FF2B5EF4-FFF2-40B4-BE49-F238E27FC236}">
+                <a16:creationId xmlns:a16="http://schemas.microsoft.com/office/drawing/2014/main" id="{B9B4CC84-6E91-698C-E744-F34F5640D871}"/>
+              </a:ext>
+            </a:extLst>
+          </p:cNvPr>
+          <p:cNvSpPr/>
+          <p:nvPr/>
+        </p:nvSpPr>
+        <p:spPr>
+          <a:xfrm>
+            <a:off x="2149231" y="3712307"/>
+            <a:ext cx="1359877" cy="836247"/>
+          </a:xfrm>
+          <a:prstGeom prst="rect">
+            <a:avLst/>
+          </a:prstGeom>
+          <a:solidFill>
+            <a:srgbClr val="FFFF00"/>
+          </a:solidFill>
+        </p:spPr>
+        <p:style>
+          <a:lnRef idx="2">
+            <a:schemeClr val="accent1">
+              <a:shade val="50000"/>
+            </a:schemeClr>
+          </a:lnRef>
+          <a:fillRef idx="1">
+            <a:schemeClr val="accent1"/>
+          </a:fillRef>
+          <a:effectRef idx="0">
+            <a:schemeClr val="accent1"/>
+          </a:effectRef>
+          <a:fontRef idx="minor">
+            <a:schemeClr val="lt1"/>
+          </a:fontRef>
+        </p:style>
+        <p:txBody>
+          <a:bodyPr rtlCol="0" anchor="ctr"/>
+          <a:lstStyle/>
+          <a:p>
+            <a:pPr algn="ctr"/>
+            <a:r>
+              <a:rPr kumimoji="1" lang="en-US" altLang="ko-Kore-KR" sz="2400" dirty="0">
+                <a:solidFill>
+                  <a:schemeClr val="tx1"/>
+                </a:solidFill>
+                <a:latin typeface="DM Mono" panose="020B0509040201040103" pitchFamily="49" charset="0"/>
+              </a:rPr>
+              <a:t>10</a:t>
+            </a:r>
+            <a:endParaRPr kumimoji="1" lang="ko-Kore-KR" altLang="en-US" sz="2400" dirty="0">
+              <a:solidFill>
+                <a:schemeClr val="tx1"/>
+              </a:solidFill>
+              <a:latin typeface="DM Mono" panose="020B0509040201040103" pitchFamily="49" charset="0"/>
+            </a:endParaRPr>
+          </a:p>
+        </p:txBody>
+      </p:sp>
+      <p:sp>
+        <p:nvSpPr>
+          <p:cNvPr id="7" name="TextBox 6">
+            <a:extLst>
+              <a:ext uri="{FF2B5EF4-FFF2-40B4-BE49-F238E27FC236}">
+                <a16:creationId xmlns:a16="http://schemas.microsoft.com/office/drawing/2014/main" id="{7D5A258A-18C0-F68D-D028-EE6BFAC81C43}"/>
+              </a:ext>
+            </a:extLst>
+          </p:cNvPr>
+          <p:cNvSpPr txBox="1"/>
+          <p:nvPr/>
+        </p:nvSpPr>
+        <p:spPr>
+          <a:xfrm>
+            <a:off x="1711569" y="3627160"/>
+            <a:ext cx="382954" cy="523220"/>
+          </a:xfrm>
+          <a:prstGeom prst="rect">
+            <a:avLst/>
+          </a:prstGeom>
+          <a:noFill/>
+        </p:spPr>
+        <p:txBody>
+          <a:bodyPr wrap="square">
+            <a:spAutoFit/>
+          </a:bodyPr>
+          <a:lstStyle/>
+          <a:p>
+            <a:r>
+              <a:rPr lang="en-US" altLang="ko-Kore-KR" sz="2800" dirty="0">
+                <a:latin typeface="DM Mono" panose="020B0509040201040103" pitchFamily="49" charset="0"/>
+              </a:rPr>
+              <a:t>x</a:t>
+            </a:r>
+            <a:endParaRPr lang="ko-Kore-KR" altLang="en-US" sz="2800" dirty="0"/>
+          </a:p>
+        </p:txBody>
+      </p:sp>
+      <p:sp>
+        <p:nvSpPr>
+          <p:cNvPr id="10" name="TextBox 9">
+            <a:extLst>
+              <a:ext uri="{FF2B5EF4-FFF2-40B4-BE49-F238E27FC236}">
+                <a16:creationId xmlns:a16="http://schemas.microsoft.com/office/drawing/2014/main" id="{F6185ED7-4853-19F8-76BD-ED511470CD4A}"/>
+              </a:ext>
+            </a:extLst>
+          </p:cNvPr>
+          <p:cNvSpPr txBox="1"/>
+          <p:nvPr/>
+        </p:nvSpPr>
+        <p:spPr>
+          <a:xfrm>
+            <a:off x="2461846" y="2811530"/>
+            <a:ext cx="969107" cy="369332"/>
+          </a:xfrm>
+          <a:prstGeom prst="rect">
+            <a:avLst/>
+          </a:prstGeom>
+          <a:noFill/>
+        </p:spPr>
+        <p:txBody>
+          <a:bodyPr wrap="square">
+            <a:spAutoFit/>
+          </a:bodyPr>
+          <a:lstStyle/>
+          <a:p>
+            <a:pPr algn="ctr"/>
+            <a:r>
+              <a:rPr lang="ko-Kore-KR" altLang="en-US" dirty="0">
+                <a:latin typeface="DM Mono" panose="020B0509040201040103" pitchFamily="49" charset="0"/>
+              </a:rPr>
+              <a:t>main</a:t>
+            </a:r>
+            <a:endParaRPr lang="ko-Kore-KR" altLang="en-US" dirty="0"/>
+          </a:p>
+        </p:txBody>
+      </p:sp>
+      <p:sp>
+        <p:nvSpPr>
+          <p:cNvPr id="11" name="직사각형 10">
+            <a:extLst>
+              <a:ext uri="{FF2B5EF4-FFF2-40B4-BE49-F238E27FC236}">
+                <a16:creationId xmlns:a16="http://schemas.microsoft.com/office/drawing/2014/main" id="{52D7E20E-9190-30D0-6766-C7B9D71E43FB}"/>
+              </a:ext>
+            </a:extLst>
+          </p:cNvPr>
+          <p:cNvSpPr/>
+          <p:nvPr/>
+        </p:nvSpPr>
+        <p:spPr>
+          <a:xfrm>
+            <a:off x="5857632" y="3180862"/>
+            <a:ext cx="4360984" cy="2813538"/>
+          </a:xfrm>
+          <a:prstGeom prst="rect">
+            <a:avLst/>
+          </a:prstGeom>
+          <a:solidFill>
+            <a:schemeClr val="bg1"/>
+          </a:solidFill>
+        </p:spPr>
+        <p:style>
+          <a:lnRef idx="2">
+            <a:schemeClr val="accent1">
+              <a:shade val="50000"/>
+            </a:schemeClr>
+          </a:lnRef>
+          <a:fillRef idx="1">
+            <a:schemeClr val="accent1"/>
+          </a:fillRef>
+          <a:effectRef idx="0">
+            <a:schemeClr val="accent1"/>
+          </a:effectRef>
+          <a:fontRef idx="minor">
+            <a:schemeClr val="lt1"/>
+          </a:fontRef>
+        </p:style>
+        <p:txBody>
+          <a:bodyPr rtlCol="0" anchor="ctr"/>
+          <a:lstStyle/>
+          <a:p>
+            <a:pPr algn="ctr"/>
+            <a:endParaRPr kumimoji="1" lang="ko-Kore-KR" altLang="en-US" sz="2400" dirty="0">
+              <a:solidFill>
+                <a:schemeClr val="tx1"/>
+              </a:solidFill>
+              <a:latin typeface="DM Mono" panose="020B0509040201040103" pitchFamily="49" charset="0"/>
+            </a:endParaRPr>
+          </a:p>
+        </p:txBody>
+      </p:sp>
+      <p:sp>
+        <p:nvSpPr>
+          <p:cNvPr id="12" name="TextBox 11">
+            <a:extLst>
+              <a:ext uri="{FF2B5EF4-FFF2-40B4-BE49-F238E27FC236}">
+                <a16:creationId xmlns:a16="http://schemas.microsoft.com/office/drawing/2014/main" id="{A5A8D9B0-7B9E-99CE-0D09-EE5FF749B5B2}"/>
+              </a:ext>
+            </a:extLst>
+          </p:cNvPr>
+          <p:cNvSpPr txBox="1"/>
+          <p:nvPr/>
+        </p:nvSpPr>
+        <p:spPr>
+          <a:xfrm>
+            <a:off x="7553570" y="2811530"/>
+            <a:ext cx="969107" cy="369332"/>
+          </a:xfrm>
+          <a:prstGeom prst="rect">
+            <a:avLst/>
+          </a:prstGeom>
+          <a:noFill/>
+        </p:spPr>
+        <p:txBody>
+          <a:bodyPr wrap="square">
+            <a:spAutoFit/>
+          </a:bodyPr>
+          <a:lstStyle/>
+          <a:p>
+            <a:pPr algn="ctr"/>
+            <a:r>
+              <a:rPr lang="en-US" altLang="ko-Kore-KR" dirty="0" err="1">
+                <a:latin typeface="DM Mono" panose="020B0509040201040103" pitchFamily="49" charset="0"/>
+              </a:rPr>
+              <a:t>inc</a:t>
+            </a:r>
+            <a:endParaRPr lang="ko-Kore-KR" altLang="en-US" dirty="0"/>
+          </a:p>
+        </p:txBody>
+      </p:sp>
+      <p:sp>
+        <p:nvSpPr>
+          <p:cNvPr id="13" name="직사각형 12">
+            <a:extLst>
+              <a:ext uri="{FF2B5EF4-FFF2-40B4-BE49-F238E27FC236}">
+                <a16:creationId xmlns:a16="http://schemas.microsoft.com/office/drawing/2014/main" id="{5A34AAAD-AB0B-0963-6FA0-00F712F9EDDC}"/>
+              </a:ext>
+            </a:extLst>
+          </p:cNvPr>
+          <p:cNvSpPr/>
+          <p:nvPr/>
+        </p:nvSpPr>
+        <p:spPr>
+          <a:xfrm>
+            <a:off x="7162800" y="3701405"/>
+            <a:ext cx="1359877" cy="836247"/>
+          </a:xfrm>
+          <a:prstGeom prst="rect">
+            <a:avLst/>
+          </a:prstGeom>
+          <a:solidFill>
+            <a:srgbClr val="FFFF00"/>
+          </a:solidFill>
+        </p:spPr>
+        <p:style>
+          <a:lnRef idx="2">
+            <a:schemeClr val="accent1">
+              <a:shade val="50000"/>
+            </a:schemeClr>
+          </a:lnRef>
+          <a:fillRef idx="1">
+            <a:schemeClr val="accent1"/>
+          </a:fillRef>
+          <a:effectRef idx="0">
+            <a:schemeClr val="accent1"/>
+          </a:effectRef>
+          <a:fontRef idx="minor">
+            <a:schemeClr val="lt1"/>
+          </a:fontRef>
+        </p:style>
+        <p:txBody>
+          <a:bodyPr rtlCol="0" anchor="ctr"/>
+          <a:lstStyle/>
+          <a:p>
+            <a:pPr algn="ctr"/>
+            <a:r>
+              <a:rPr kumimoji="1" lang="en-US" altLang="ko-Kore-KR" sz="2400" dirty="0">
+                <a:solidFill>
+                  <a:schemeClr val="tx1"/>
+                </a:solidFill>
+                <a:latin typeface="DM Mono" panose="020B0509040201040103" pitchFamily="49" charset="0"/>
+              </a:rPr>
+              <a:t>10</a:t>
+            </a:r>
+            <a:endParaRPr kumimoji="1" lang="ko-Kore-KR" altLang="en-US" sz="2400" dirty="0">
+              <a:solidFill>
+                <a:schemeClr val="tx1"/>
+              </a:solidFill>
+              <a:latin typeface="DM Mono" panose="020B0509040201040103" pitchFamily="49" charset="0"/>
+            </a:endParaRPr>
+          </a:p>
+        </p:txBody>
+      </p:sp>
+      <p:sp>
+        <p:nvSpPr>
+          <p:cNvPr id="14" name="TextBox 13">
+            <a:extLst>
+              <a:ext uri="{FF2B5EF4-FFF2-40B4-BE49-F238E27FC236}">
+                <a16:creationId xmlns:a16="http://schemas.microsoft.com/office/drawing/2014/main" id="{C09DD0A5-4A2C-AD1F-27AA-48E77B6A1A2D}"/>
+              </a:ext>
+            </a:extLst>
+          </p:cNvPr>
+          <p:cNvSpPr txBox="1"/>
+          <p:nvPr/>
+        </p:nvSpPr>
+        <p:spPr>
+          <a:xfrm>
+            <a:off x="6725138" y="3616258"/>
+            <a:ext cx="382954" cy="523220"/>
+          </a:xfrm>
+          <a:prstGeom prst="rect">
+            <a:avLst/>
+          </a:prstGeom>
+          <a:noFill/>
+        </p:spPr>
+        <p:txBody>
+          <a:bodyPr wrap="square">
+            <a:spAutoFit/>
+          </a:bodyPr>
+          <a:lstStyle/>
+          <a:p>
+            <a:r>
+              <a:rPr lang="en-US" altLang="ko-Kore-KR" sz="2800" dirty="0">
+                <a:latin typeface="DM Mono" panose="020B0509040201040103" pitchFamily="49" charset="0"/>
+              </a:rPr>
+              <a:t>n</a:t>
+            </a:r>
+            <a:endParaRPr lang="ko-Kore-KR" altLang="en-US" sz="2800" dirty="0"/>
+          </a:p>
+        </p:txBody>
+      </p:sp>
+    </p:spTree>
+    <p:extLst>
+      <p:ext uri="{BB962C8B-B14F-4D97-AF65-F5344CB8AC3E}">
+        <p14:creationId xmlns:p14="http://schemas.microsoft.com/office/powerpoint/2010/main" val="3988476556"/>
+      </p:ext>
+    </p:extLst>
+  </p:cSld>
+  <p:clrMapOvr>
+    <a:masterClrMapping/>
+  </p:clrMapOvr>
+</p:sld>
+</file>
+
+<file path=ppt/slides/slide6.xml><?xml version="1.0" encoding="utf-8"?>
+<p:sld xmlns:a="http://schemas.openxmlformats.org/drawingml/2006/main" xmlns:r="http://schemas.openxmlformats.org/officeDocument/2006/relationships" xmlns:p="http://schemas.openxmlformats.org/presentationml/2006/main">
+  <p:cSld>
+    <p:spTree>
+      <p:nvGrpSpPr>
+        <p:cNvPr id="1" name=""/>
+        <p:cNvGrpSpPr/>
+        <p:nvPr/>
+      </p:nvGrpSpPr>
+      <p:grpSpPr>
+        <a:xfrm>
+          <a:off x="0" y="0"/>
+          <a:ext cx="0" cy="0"/>
+          <a:chOff x="0" y="0"/>
+          <a:chExt cx="0" cy="0"/>
+        </a:xfrm>
+      </p:grpSpPr>
+      <p:sp>
+        <p:nvSpPr>
+          <p:cNvPr id="8" name="직사각형 7">
+            <a:extLst>
+              <a:ext uri="{FF2B5EF4-FFF2-40B4-BE49-F238E27FC236}">
+                <a16:creationId xmlns:a16="http://schemas.microsoft.com/office/drawing/2014/main" id="{8291E139-DF43-5A1F-695A-673F6E3CC536}"/>
+              </a:ext>
+            </a:extLst>
+          </p:cNvPr>
+          <p:cNvSpPr/>
+          <p:nvPr/>
+        </p:nvSpPr>
+        <p:spPr>
+          <a:xfrm>
+            <a:off x="765908" y="3180862"/>
+            <a:ext cx="4360984" cy="2813538"/>
+          </a:xfrm>
+          <a:prstGeom prst="rect">
+            <a:avLst/>
+          </a:prstGeom>
+          <a:solidFill>
+            <a:schemeClr val="bg1"/>
+          </a:solidFill>
+        </p:spPr>
+        <p:style>
+          <a:lnRef idx="2">
+            <a:schemeClr val="accent1">
+              <a:shade val="50000"/>
+            </a:schemeClr>
+          </a:lnRef>
+          <a:fillRef idx="1">
+            <a:schemeClr val="accent1"/>
+          </a:fillRef>
+          <a:effectRef idx="0">
+            <a:schemeClr val="accent1"/>
+          </a:effectRef>
+          <a:fontRef idx="minor">
+            <a:schemeClr val="lt1"/>
+          </a:fontRef>
+        </p:style>
+        <p:txBody>
+          <a:bodyPr rtlCol="0" anchor="ctr"/>
+          <a:lstStyle/>
+          <a:p>
+            <a:pPr algn="ctr"/>
+            <a:endParaRPr kumimoji="1" lang="ko-Kore-KR" altLang="en-US" sz="2400" dirty="0">
+              <a:solidFill>
+                <a:schemeClr val="tx1"/>
+              </a:solidFill>
+              <a:latin typeface="DM Mono" panose="020B0509040201040103" pitchFamily="49" charset="0"/>
+            </a:endParaRPr>
+          </a:p>
+        </p:txBody>
+      </p:sp>
+      <p:sp>
+        <p:nvSpPr>
+          <p:cNvPr id="5" name="TextBox 4">
+            <a:extLst>
+              <a:ext uri="{FF2B5EF4-FFF2-40B4-BE49-F238E27FC236}">
+                <a16:creationId xmlns:a16="http://schemas.microsoft.com/office/drawing/2014/main" id="{AC187C75-B6A9-BEB4-69D3-D24A859AE470}"/>
+              </a:ext>
+            </a:extLst>
+          </p:cNvPr>
+          <p:cNvSpPr txBox="1"/>
+          <p:nvPr/>
+        </p:nvSpPr>
+        <p:spPr>
+          <a:xfrm>
+            <a:off x="406400" y="239155"/>
+            <a:ext cx="6096000" cy="2585323"/>
+          </a:xfrm>
+          <a:prstGeom prst="rect">
+            <a:avLst/>
+          </a:prstGeom>
+          <a:noFill/>
+        </p:spPr>
+        <p:txBody>
+          <a:bodyPr wrap="square">
+            <a:spAutoFit/>
+          </a:bodyPr>
+          <a:lstStyle/>
+          <a:p>
+            <a:r>
+              <a:rPr lang="ko-Kore-KR" altLang="en-US" dirty="0">
+                <a:latin typeface="DM Mono" panose="020B0509040201040103" pitchFamily="49" charset="0"/>
+              </a:rPr>
+              <a:t>void inc1(int n) { </a:t>
+            </a:r>
+            <a:r>
+              <a:rPr lang="ko-Kore-KR" altLang="en-US" dirty="0">
+                <a:solidFill>
+                  <a:srgbClr val="FF0000"/>
+                </a:solidFill>
+                <a:latin typeface="DM Mono" panose="020B0509040201040103" pitchFamily="49" charset="0"/>
+              </a:rPr>
+              <a:t>++n;</a:t>
+            </a:r>
+            <a:r>
+              <a:rPr lang="ko-Kore-KR" altLang="en-US" dirty="0">
+                <a:latin typeface="DM Mono" panose="020B0509040201040103" pitchFamily="49" charset="0"/>
+              </a:rPr>
+              <a:t> }</a:t>
+            </a:r>
+          </a:p>
+          <a:p>
+            <a:endParaRPr lang="ko-Kore-KR" altLang="en-US" dirty="0">
+              <a:latin typeface="DM Mono" panose="020B0509040201040103" pitchFamily="49" charset="0"/>
+            </a:endParaRPr>
+          </a:p>
+          <a:p>
+            <a:r>
+              <a:rPr lang="ko-Kore-KR" altLang="en-US" dirty="0">
+                <a:latin typeface="DM Mono" panose="020B0509040201040103" pitchFamily="49" charset="0"/>
+              </a:rPr>
+              <a:t>int main()</a:t>
+            </a:r>
+          </a:p>
+          <a:p>
+            <a:r>
+              <a:rPr lang="ko-Kore-KR" altLang="en-US" dirty="0">
+                <a:latin typeface="DM Mono" panose="020B0509040201040103" pitchFamily="49" charset="0"/>
+              </a:rPr>
+              <a:t>{</a:t>
+            </a:r>
+          </a:p>
+          <a:p>
+            <a:r>
+              <a:rPr lang="ko-Kore-KR" altLang="en-US" dirty="0">
+                <a:latin typeface="DM Mono" panose="020B0509040201040103" pitchFamily="49" charset="0"/>
+              </a:rPr>
+              <a:t>  int x = 10;</a:t>
+            </a:r>
+          </a:p>
+          <a:p>
+            <a:endParaRPr lang="ko-Kore-KR" altLang="en-US" dirty="0">
+              <a:latin typeface="DM Mono" panose="020B0509040201040103" pitchFamily="49" charset="0"/>
+            </a:endParaRPr>
+          </a:p>
+          <a:p>
+            <a:r>
+              <a:rPr lang="ko-Kore-KR" altLang="en-US" dirty="0">
+                <a:latin typeface="DM Mono" panose="020B0509040201040103" pitchFamily="49" charset="0"/>
+              </a:rPr>
+              <a:t>  inc1(x);</a:t>
+            </a:r>
+          </a:p>
+          <a:p>
+            <a:r>
+              <a:rPr lang="ko-Kore-KR" altLang="en-US" dirty="0">
+                <a:latin typeface="DM Mono" panose="020B0509040201040103" pitchFamily="49" charset="0"/>
+              </a:rPr>
+              <a:t>  cout &lt;&lt; x &lt;&lt; endl;</a:t>
+            </a:r>
+          </a:p>
+          <a:p>
+            <a:r>
+              <a:rPr lang="ko-Kore-KR" altLang="en-US" dirty="0">
+                <a:latin typeface="DM Mono" panose="020B0509040201040103" pitchFamily="49" charset="0"/>
+              </a:rPr>
+              <a:t>}</a:t>
+            </a:r>
+          </a:p>
+        </p:txBody>
+      </p:sp>
+      <p:sp>
+        <p:nvSpPr>
+          <p:cNvPr id="6" name="직사각형 5">
+            <a:extLst>
+              <a:ext uri="{FF2B5EF4-FFF2-40B4-BE49-F238E27FC236}">
+                <a16:creationId xmlns:a16="http://schemas.microsoft.com/office/drawing/2014/main" id="{B9B4CC84-6E91-698C-E744-F34F5640D871}"/>
+              </a:ext>
+            </a:extLst>
+          </p:cNvPr>
+          <p:cNvSpPr/>
+          <p:nvPr/>
+        </p:nvSpPr>
+        <p:spPr>
+          <a:xfrm>
+            <a:off x="2149231" y="3712307"/>
+            <a:ext cx="1359877" cy="836247"/>
+          </a:xfrm>
+          <a:prstGeom prst="rect">
+            <a:avLst/>
+          </a:prstGeom>
+          <a:solidFill>
+            <a:srgbClr val="FFFF00"/>
+          </a:solidFill>
+        </p:spPr>
+        <p:style>
+          <a:lnRef idx="2">
+            <a:schemeClr val="accent1">
+              <a:shade val="50000"/>
+            </a:schemeClr>
+          </a:lnRef>
+          <a:fillRef idx="1">
+            <a:schemeClr val="accent1"/>
+          </a:fillRef>
+          <a:effectRef idx="0">
+            <a:schemeClr val="accent1"/>
+          </a:effectRef>
+          <a:fontRef idx="minor">
+            <a:schemeClr val="lt1"/>
+          </a:fontRef>
+        </p:style>
+        <p:txBody>
+          <a:bodyPr rtlCol="0" anchor="ctr"/>
+          <a:lstStyle/>
+          <a:p>
+            <a:pPr algn="ctr"/>
+            <a:r>
+              <a:rPr kumimoji="1" lang="en-US" altLang="ko-Kore-KR" sz="2400" dirty="0">
+                <a:solidFill>
+                  <a:schemeClr val="tx1"/>
+                </a:solidFill>
+                <a:latin typeface="DM Mono" panose="020B0509040201040103" pitchFamily="49" charset="0"/>
+              </a:rPr>
+              <a:t>10</a:t>
+            </a:r>
+            <a:endParaRPr kumimoji="1" lang="ko-Kore-KR" altLang="en-US" sz="2400" dirty="0">
+              <a:solidFill>
+                <a:schemeClr val="tx1"/>
+              </a:solidFill>
+              <a:latin typeface="DM Mono" panose="020B0509040201040103" pitchFamily="49" charset="0"/>
+            </a:endParaRPr>
+          </a:p>
+        </p:txBody>
+      </p:sp>
+      <p:sp>
+        <p:nvSpPr>
+          <p:cNvPr id="7" name="TextBox 6">
+            <a:extLst>
+              <a:ext uri="{FF2B5EF4-FFF2-40B4-BE49-F238E27FC236}">
+                <a16:creationId xmlns:a16="http://schemas.microsoft.com/office/drawing/2014/main" id="{7D5A258A-18C0-F68D-D028-EE6BFAC81C43}"/>
+              </a:ext>
+            </a:extLst>
+          </p:cNvPr>
+          <p:cNvSpPr txBox="1"/>
+          <p:nvPr/>
+        </p:nvSpPr>
+        <p:spPr>
+          <a:xfrm>
+            <a:off x="1711569" y="3627160"/>
+            <a:ext cx="382954" cy="523220"/>
+          </a:xfrm>
+          <a:prstGeom prst="rect">
+            <a:avLst/>
+          </a:prstGeom>
+          <a:noFill/>
+        </p:spPr>
+        <p:txBody>
+          <a:bodyPr wrap="square">
+            <a:spAutoFit/>
+          </a:bodyPr>
+          <a:lstStyle/>
+          <a:p>
+            <a:r>
+              <a:rPr lang="en-US" altLang="ko-Kore-KR" sz="2800" dirty="0">
+                <a:latin typeface="DM Mono" panose="020B0509040201040103" pitchFamily="49" charset="0"/>
+              </a:rPr>
+              <a:t>x</a:t>
+            </a:r>
+            <a:endParaRPr lang="ko-Kore-KR" altLang="en-US" sz="2800" dirty="0"/>
+          </a:p>
+        </p:txBody>
+      </p:sp>
+      <p:sp>
+        <p:nvSpPr>
+          <p:cNvPr id="10" name="TextBox 9">
+            <a:extLst>
+              <a:ext uri="{FF2B5EF4-FFF2-40B4-BE49-F238E27FC236}">
+                <a16:creationId xmlns:a16="http://schemas.microsoft.com/office/drawing/2014/main" id="{F6185ED7-4853-19F8-76BD-ED511470CD4A}"/>
+              </a:ext>
+            </a:extLst>
+          </p:cNvPr>
+          <p:cNvSpPr txBox="1"/>
+          <p:nvPr/>
+        </p:nvSpPr>
+        <p:spPr>
+          <a:xfrm>
+            <a:off x="2461846" y="2811530"/>
+            <a:ext cx="969107" cy="369332"/>
+          </a:xfrm>
+          <a:prstGeom prst="rect">
+            <a:avLst/>
+          </a:prstGeom>
+          <a:noFill/>
+        </p:spPr>
+        <p:txBody>
+          <a:bodyPr wrap="square">
+            <a:spAutoFit/>
+          </a:bodyPr>
+          <a:lstStyle/>
+          <a:p>
+            <a:pPr algn="ctr"/>
+            <a:r>
+              <a:rPr lang="ko-Kore-KR" altLang="en-US" dirty="0">
+                <a:latin typeface="DM Mono" panose="020B0509040201040103" pitchFamily="49" charset="0"/>
+              </a:rPr>
+              <a:t>main</a:t>
+            </a:r>
+            <a:endParaRPr lang="ko-Kore-KR" altLang="en-US" dirty="0"/>
+          </a:p>
+        </p:txBody>
+      </p:sp>
+      <p:sp>
+        <p:nvSpPr>
+          <p:cNvPr id="11" name="직사각형 10">
+            <a:extLst>
+              <a:ext uri="{FF2B5EF4-FFF2-40B4-BE49-F238E27FC236}">
+                <a16:creationId xmlns:a16="http://schemas.microsoft.com/office/drawing/2014/main" id="{52D7E20E-9190-30D0-6766-C7B9D71E43FB}"/>
+              </a:ext>
+            </a:extLst>
+          </p:cNvPr>
+          <p:cNvSpPr/>
+          <p:nvPr/>
+        </p:nvSpPr>
+        <p:spPr>
+          <a:xfrm>
+            <a:off x="5857632" y="3180862"/>
+            <a:ext cx="4360984" cy="2813538"/>
+          </a:xfrm>
+          <a:prstGeom prst="rect">
+            <a:avLst/>
+          </a:prstGeom>
+          <a:solidFill>
+            <a:schemeClr val="bg1"/>
+          </a:solidFill>
+        </p:spPr>
+        <p:style>
+          <a:lnRef idx="2">
+            <a:schemeClr val="accent1">
+              <a:shade val="50000"/>
+            </a:schemeClr>
+          </a:lnRef>
+          <a:fillRef idx="1">
+            <a:schemeClr val="accent1"/>
+          </a:fillRef>
+          <a:effectRef idx="0">
+            <a:schemeClr val="accent1"/>
+          </a:effectRef>
+          <a:fontRef idx="minor">
+            <a:schemeClr val="lt1"/>
+          </a:fontRef>
+        </p:style>
+        <p:txBody>
+          <a:bodyPr rtlCol="0" anchor="ctr"/>
+          <a:lstStyle/>
+          <a:p>
+            <a:pPr algn="ctr"/>
+            <a:endParaRPr kumimoji="1" lang="ko-Kore-KR" altLang="en-US" sz="2400" dirty="0">
+              <a:solidFill>
+                <a:schemeClr val="tx1"/>
+              </a:solidFill>
+              <a:latin typeface="DM Mono" panose="020B0509040201040103" pitchFamily="49" charset="0"/>
+            </a:endParaRPr>
+          </a:p>
+        </p:txBody>
+      </p:sp>
+      <p:sp>
+        <p:nvSpPr>
+          <p:cNvPr id="12" name="TextBox 11">
+            <a:extLst>
+              <a:ext uri="{FF2B5EF4-FFF2-40B4-BE49-F238E27FC236}">
+                <a16:creationId xmlns:a16="http://schemas.microsoft.com/office/drawing/2014/main" id="{A5A8D9B0-7B9E-99CE-0D09-EE5FF749B5B2}"/>
+              </a:ext>
+            </a:extLst>
+          </p:cNvPr>
+          <p:cNvSpPr txBox="1"/>
+          <p:nvPr/>
+        </p:nvSpPr>
+        <p:spPr>
+          <a:xfrm>
+            <a:off x="7553570" y="2811530"/>
+            <a:ext cx="969107" cy="369332"/>
+          </a:xfrm>
+          <a:prstGeom prst="rect">
+            <a:avLst/>
+          </a:prstGeom>
+          <a:noFill/>
+        </p:spPr>
+        <p:txBody>
+          <a:bodyPr wrap="square">
+            <a:spAutoFit/>
+          </a:bodyPr>
+          <a:lstStyle/>
+          <a:p>
+            <a:pPr algn="ctr"/>
+            <a:r>
+              <a:rPr lang="en-US" altLang="ko-Kore-KR" dirty="0" err="1">
+                <a:latin typeface="DM Mono" panose="020B0509040201040103" pitchFamily="49" charset="0"/>
+              </a:rPr>
+              <a:t>inc</a:t>
+            </a:r>
+            <a:endParaRPr lang="ko-Kore-KR" altLang="en-US" dirty="0"/>
+          </a:p>
+        </p:txBody>
+      </p:sp>
+      <p:sp>
+        <p:nvSpPr>
+          <p:cNvPr id="13" name="직사각형 12">
+            <a:extLst>
+              <a:ext uri="{FF2B5EF4-FFF2-40B4-BE49-F238E27FC236}">
+                <a16:creationId xmlns:a16="http://schemas.microsoft.com/office/drawing/2014/main" id="{5A34AAAD-AB0B-0963-6FA0-00F712F9EDDC}"/>
+              </a:ext>
+            </a:extLst>
+          </p:cNvPr>
+          <p:cNvSpPr/>
+          <p:nvPr/>
+        </p:nvSpPr>
+        <p:spPr>
+          <a:xfrm>
+            <a:off x="7162800" y="3701405"/>
+            <a:ext cx="1359877" cy="836247"/>
+          </a:xfrm>
+          <a:prstGeom prst="rect">
+            <a:avLst/>
+          </a:prstGeom>
+          <a:solidFill>
+            <a:srgbClr val="FFFF00"/>
+          </a:solidFill>
+        </p:spPr>
+        <p:style>
+          <a:lnRef idx="2">
+            <a:schemeClr val="accent1">
+              <a:shade val="50000"/>
+            </a:schemeClr>
+          </a:lnRef>
+          <a:fillRef idx="1">
+            <a:schemeClr val="accent1"/>
+          </a:fillRef>
+          <a:effectRef idx="0">
+            <a:schemeClr val="accent1"/>
+          </a:effectRef>
+          <a:fontRef idx="minor">
+            <a:schemeClr val="lt1"/>
+          </a:fontRef>
+        </p:style>
+        <p:txBody>
+          <a:bodyPr rtlCol="0" anchor="ctr"/>
+          <a:lstStyle/>
+          <a:p>
+            <a:pPr algn="ctr"/>
+            <a:r>
+              <a:rPr kumimoji="1" lang="en-US" altLang="ko-Kore-KR" sz="2400" dirty="0">
+                <a:solidFill>
+                  <a:srgbClr val="FF0000"/>
+                </a:solidFill>
+                <a:latin typeface="DM Mono" panose="020B0509040201040103" pitchFamily="49" charset="0"/>
+              </a:rPr>
+              <a:t>11</a:t>
+            </a:r>
+            <a:endParaRPr kumimoji="1" lang="ko-Kore-KR" altLang="en-US" sz="2400" dirty="0">
+              <a:solidFill>
+                <a:srgbClr val="FF0000"/>
+              </a:solidFill>
+              <a:latin typeface="DM Mono" panose="020B0509040201040103" pitchFamily="49" charset="0"/>
+            </a:endParaRPr>
+          </a:p>
+        </p:txBody>
+      </p:sp>
+      <p:sp>
+        <p:nvSpPr>
+          <p:cNvPr id="14" name="TextBox 13">
+            <a:extLst>
+              <a:ext uri="{FF2B5EF4-FFF2-40B4-BE49-F238E27FC236}">
+                <a16:creationId xmlns:a16="http://schemas.microsoft.com/office/drawing/2014/main" id="{C09DD0A5-4A2C-AD1F-27AA-48E77B6A1A2D}"/>
+              </a:ext>
+            </a:extLst>
+          </p:cNvPr>
+          <p:cNvSpPr txBox="1"/>
+          <p:nvPr/>
+        </p:nvSpPr>
+        <p:spPr>
+          <a:xfrm>
+            <a:off x="6725138" y="3616258"/>
+            <a:ext cx="382954" cy="523220"/>
+          </a:xfrm>
+          <a:prstGeom prst="rect">
+            <a:avLst/>
+          </a:prstGeom>
+          <a:noFill/>
+        </p:spPr>
+        <p:txBody>
+          <a:bodyPr wrap="square">
+            <a:spAutoFit/>
+          </a:bodyPr>
+          <a:lstStyle/>
+          <a:p>
+            <a:r>
+              <a:rPr lang="en-US" altLang="ko-Kore-KR" sz="2800" dirty="0">
+                <a:latin typeface="DM Mono" panose="020B0509040201040103" pitchFamily="49" charset="0"/>
+              </a:rPr>
+              <a:t>n</a:t>
+            </a:r>
+            <a:endParaRPr lang="ko-Kore-KR" altLang="en-US" sz="2800" dirty="0"/>
+          </a:p>
+        </p:txBody>
+      </p:sp>
+    </p:spTree>
+    <p:extLst>
+      <p:ext uri="{BB962C8B-B14F-4D97-AF65-F5344CB8AC3E}">
+        <p14:creationId xmlns:p14="http://schemas.microsoft.com/office/powerpoint/2010/main" val="2275638849"/>
+      </p:ext>
+    </p:extLst>
+  </p:cSld>
+  <p:clrMapOvr>
+    <a:masterClrMapping/>
+  </p:clrMapOvr>
+</p:sld>
+</file>
+
+<file path=ppt/slides/slide7.xml><?xml version="1.0" encoding="utf-8"?>
+<p:sld xmlns:a="http://schemas.openxmlformats.org/drawingml/2006/main" xmlns:r="http://schemas.openxmlformats.org/officeDocument/2006/relationships" xmlns:p="http://schemas.openxmlformats.org/presentationml/2006/main">
+  <p:cSld>
+    <p:spTree>
+      <p:nvGrpSpPr>
+        <p:cNvPr id="1" name=""/>
+        <p:cNvGrpSpPr/>
+        <p:nvPr/>
+      </p:nvGrpSpPr>
+      <p:grpSpPr>
+        <a:xfrm>
+          <a:off x="0" y="0"/>
+          <a:ext cx="0" cy="0"/>
+          <a:chOff x="0" y="0"/>
+          <a:chExt cx="0" cy="0"/>
+        </a:xfrm>
+      </p:grpSpPr>
+      <p:sp>
+        <p:nvSpPr>
+          <p:cNvPr id="8" name="직사각형 7">
+            <a:extLst>
+              <a:ext uri="{FF2B5EF4-FFF2-40B4-BE49-F238E27FC236}">
+                <a16:creationId xmlns:a16="http://schemas.microsoft.com/office/drawing/2014/main" id="{8291E139-DF43-5A1F-695A-673F6E3CC536}"/>
+              </a:ext>
+            </a:extLst>
+          </p:cNvPr>
+          <p:cNvSpPr/>
+          <p:nvPr/>
+        </p:nvSpPr>
+        <p:spPr>
+          <a:xfrm>
+            <a:off x="765908" y="3180862"/>
+            <a:ext cx="4360984" cy="2813538"/>
+          </a:xfrm>
+          <a:prstGeom prst="rect">
+            <a:avLst/>
+          </a:prstGeom>
+          <a:solidFill>
+            <a:schemeClr val="bg1"/>
+          </a:solidFill>
+        </p:spPr>
+        <p:style>
+          <a:lnRef idx="2">
+            <a:schemeClr val="accent1">
+              <a:shade val="50000"/>
+            </a:schemeClr>
+          </a:lnRef>
+          <a:fillRef idx="1">
+            <a:schemeClr val="accent1"/>
+          </a:fillRef>
+          <a:effectRef idx="0">
+            <a:schemeClr val="accent1"/>
+          </a:effectRef>
+          <a:fontRef idx="minor">
+            <a:schemeClr val="lt1"/>
+          </a:fontRef>
+        </p:style>
+        <p:txBody>
+          <a:bodyPr rtlCol="0" anchor="ctr"/>
+          <a:lstStyle/>
+          <a:p>
+            <a:pPr algn="ctr"/>
+            <a:endParaRPr kumimoji="1" lang="ko-Kore-KR" altLang="en-US" sz="2400" dirty="0">
+              <a:solidFill>
+                <a:schemeClr val="tx1"/>
+              </a:solidFill>
+              <a:latin typeface="DM Mono" panose="020B0509040201040103" pitchFamily="49" charset="0"/>
+            </a:endParaRPr>
+          </a:p>
+        </p:txBody>
+      </p:sp>
+      <p:sp>
+        <p:nvSpPr>
+          <p:cNvPr id="5" name="TextBox 4">
+            <a:extLst>
+              <a:ext uri="{FF2B5EF4-FFF2-40B4-BE49-F238E27FC236}">
+                <a16:creationId xmlns:a16="http://schemas.microsoft.com/office/drawing/2014/main" id="{AC187C75-B6A9-BEB4-69D3-D24A859AE470}"/>
+              </a:ext>
+            </a:extLst>
+          </p:cNvPr>
+          <p:cNvSpPr txBox="1"/>
+          <p:nvPr/>
+        </p:nvSpPr>
+        <p:spPr>
+          <a:xfrm>
+            <a:off x="406400" y="239155"/>
+            <a:ext cx="6096000" cy="2585323"/>
+          </a:xfrm>
+          <a:prstGeom prst="rect">
+            <a:avLst/>
+          </a:prstGeom>
+          <a:noFill/>
+        </p:spPr>
+        <p:txBody>
+          <a:bodyPr wrap="square">
+            <a:spAutoFit/>
+          </a:bodyPr>
+          <a:lstStyle/>
+          <a:p>
+            <a:r>
+              <a:rPr lang="en" altLang="ko-Kore-KR" dirty="0">
+                <a:latin typeface="DM Mono" panose="020B0509040201040103" pitchFamily="49" charset="0"/>
+              </a:rPr>
+              <a:t>void inc2(int *p) { ++(*p); }</a:t>
+            </a:r>
+          </a:p>
+          <a:p>
+            <a:endParaRPr lang="en" altLang="ko-Kore-KR" dirty="0">
+              <a:latin typeface="DM Mono" panose="020B0509040201040103" pitchFamily="49" charset="0"/>
+            </a:endParaRPr>
+          </a:p>
+          <a:p>
+            <a:r>
+              <a:rPr lang="en" altLang="ko-Kore-KR" dirty="0">
+                <a:latin typeface="DM Mono" panose="020B0509040201040103" pitchFamily="49" charset="0"/>
+              </a:rPr>
+              <a:t>int main()</a:t>
+            </a:r>
+          </a:p>
+          <a:p>
+            <a:r>
+              <a:rPr lang="en" altLang="ko-Kore-KR" dirty="0">
+                <a:latin typeface="DM Mono" panose="020B0509040201040103" pitchFamily="49" charset="0"/>
+              </a:rPr>
+              <a:t>{</a:t>
+            </a:r>
+          </a:p>
+          <a:p>
+            <a:r>
+              <a:rPr lang="en" altLang="ko-Kore-KR" dirty="0">
+                <a:latin typeface="DM Mono" panose="020B0509040201040103" pitchFamily="49" charset="0"/>
+              </a:rPr>
+              <a:t>  int x;</a:t>
+            </a:r>
+          </a:p>
+          <a:p>
+            <a:endParaRPr lang="en" altLang="ko-Kore-KR" dirty="0">
+              <a:latin typeface="DM Mono" panose="020B0509040201040103" pitchFamily="49" charset="0"/>
+            </a:endParaRPr>
+          </a:p>
+          <a:p>
+            <a:r>
+              <a:rPr lang="en" altLang="ko-Kore-KR" dirty="0">
+                <a:latin typeface="DM Mono" panose="020B0509040201040103" pitchFamily="49" charset="0"/>
+              </a:rPr>
+              <a:t>  x = 10;</a:t>
+            </a:r>
+          </a:p>
+          <a:p>
+            <a:r>
+              <a:rPr lang="en" altLang="ko-Kore-KR" dirty="0">
+                <a:solidFill>
+                  <a:srgbClr val="FF0000"/>
+                </a:solidFill>
+                <a:latin typeface="DM Mono" panose="020B0509040201040103" pitchFamily="49" charset="0"/>
+              </a:rPr>
+              <a:t>  inc2(&amp;x);</a:t>
+            </a:r>
+          </a:p>
+          <a:p>
+            <a:r>
+              <a:rPr lang="en" altLang="ko-Kore-KR" dirty="0">
+                <a:latin typeface="DM Mono" panose="020B0509040201040103" pitchFamily="49" charset="0"/>
+              </a:rPr>
+              <a:t>}</a:t>
+            </a:r>
+            <a:endParaRPr lang="ko-Kore-KR" altLang="en-US" dirty="0">
+              <a:latin typeface="DM Mono" panose="020B0509040201040103" pitchFamily="49" charset="0"/>
+            </a:endParaRPr>
+          </a:p>
+        </p:txBody>
+      </p:sp>
+      <p:sp>
+        <p:nvSpPr>
+          <p:cNvPr id="6" name="직사각형 5">
+            <a:extLst>
+              <a:ext uri="{FF2B5EF4-FFF2-40B4-BE49-F238E27FC236}">
+                <a16:creationId xmlns:a16="http://schemas.microsoft.com/office/drawing/2014/main" id="{B9B4CC84-6E91-698C-E744-F34F5640D871}"/>
+              </a:ext>
+            </a:extLst>
+          </p:cNvPr>
+          <p:cNvSpPr/>
+          <p:nvPr/>
+        </p:nvSpPr>
+        <p:spPr>
+          <a:xfrm>
+            <a:off x="2149231" y="3712307"/>
+            <a:ext cx="1359877" cy="836247"/>
+          </a:xfrm>
+          <a:prstGeom prst="rect">
+            <a:avLst/>
+          </a:prstGeom>
+          <a:solidFill>
+            <a:srgbClr val="FFFF00"/>
+          </a:solidFill>
+        </p:spPr>
+        <p:style>
+          <a:lnRef idx="2">
+            <a:schemeClr val="accent1">
+              <a:shade val="50000"/>
+            </a:schemeClr>
+          </a:lnRef>
+          <a:fillRef idx="1">
+            <a:schemeClr val="accent1"/>
+          </a:fillRef>
+          <a:effectRef idx="0">
+            <a:schemeClr val="accent1"/>
+          </a:effectRef>
+          <a:fontRef idx="minor">
+            <a:schemeClr val="lt1"/>
+          </a:fontRef>
+        </p:style>
+        <p:txBody>
+          <a:bodyPr rtlCol="0" anchor="ctr"/>
+          <a:lstStyle/>
+          <a:p>
+            <a:pPr algn="ctr"/>
+            <a:r>
+              <a:rPr kumimoji="1" lang="en-US" altLang="ko-Kore-KR" sz="2400" dirty="0">
+                <a:solidFill>
+                  <a:schemeClr val="tx1"/>
+                </a:solidFill>
+                <a:latin typeface="DM Mono" panose="020B0509040201040103" pitchFamily="49" charset="0"/>
+              </a:rPr>
+              <a:t>10</a:t>
+            </a:r>
+            <a:endParaRPr kumimoji="1" lang="ko-Kore-KR" altLang="en-US" sz="2400" dirty="0">
+              <a:solidFill>
+                <a:schemeClr val="tx1"/>
+              </a:solidFill>
+              <a:latin typeface="DM Mono" panose="020B0509040201040103" pitchFamily="49" charset="0"/>
+            </a:endParaRPr>
+          </a:p>
+        </p:txBody>
+      </p:sp>
+      <p:sp>
+        <p:nvSpPr>
+          <p:cNvPr id="7" name="TextBox 6">
+            <a:extLst>
+              <a:ext uri="{FF2B5EF4-FFF2-40B4-BE49-F238E27FC236}">
+                <a16:creationId xmlns:a16="http://schemas.microsoft.com/office/drawing/2014/main" id="{7D5A258A-18C0-F68D-D028-EE6BFAC81C43}"/>
+              </a:ext>
+            </a:extLst>
+          </p:cNvPr>
+          <p:cNvSpPr txBox="1"/>
+          <p:nvPr/>
+        </p:nvSpPr>
+        <p:spPr>
+          <a:xfrm>
+            <a:off x="1711569" y="3627160"/>
+            <a:ext cx="382954" cy="523220"/>
+          </a:xfrm>
+          <a:prstGeom prst="rect">
+            <a:avLst/>
+          </a:prstGeom>
+          <a:noFill/>
+        </p:spPr>
+        <p:txBody>
+          <a:bodyPr wrap="square">
+            <a:spAutoFit/>
+          </a:bodyPr>
+          <a:lstStyle/>
+          <a:p>
+            <a:r>
+              <a:rPr lang="en-US" altLang="ko-Kore-KR" sz="2800" dirty="0">
+                <a:latin typeface="DM Mono" panose="020B0509040201040103" pitchFamily="49" charset="0"/>
+              </a:rPr>
+              <a:t>x</a:t>
+            </a:r>
+            <a:endParaRPr lang="ko-Kore-KR" altLang="en-US" sz="2800" dirty="0"/>
+          </a:p>
+        </p:txBody>
+      </p:sp>
+      <p:sp>
+        <p:nvSpPr>
+          <p:cNvPr id="10" name="TextBox 9">
+            <a:extLst>
+              <a:ext uri="{FF2B5EF4-FFF2-40B4-BE49-F238E27FC236}">
+                <a16:creationId xmlns:a16="http://schemas.microsoft.com/office/drawing/2014/main" id="{F6185ED7-4853-19F8-76BD-ED511470CD4A}"/>
+              </a:ext>
+            </a:extLst>
+          </p:cNvPr>
+          <p:cNvSpPr txBox="1"/>
+          <p:nvPr/>
+        </p:nvSpPr>
+        <p:spPr>
+          <a:xfrm>
+            <a:off x="2461846" y="2811530"/>
+            <a:ext cx="969107" cy="369332"/>
+          </a:xfrm>
+          <a:prstGeom prst="rect">
+            <a:avLst/>
+          </a:prstGeom>
+          <a:noFill/>
+        </p:spPr>
+        <p:txBody>
+          <a:bodyPr wrap="square">
+            <a:spAutoFit/>
+          </a:bodyPr>
+          <a:lstStyle/>
+          <a:p>
+            <a:pPr algn="ctr"/>
+            <a:r>
+              <a:rPr lang="ko-Kore-KR" altLang="en-US" dirty="0">
+                <a:latin typeface="DM Mono" panose="020B0509040201040103" pitchFamily="49" charset="0"/>
+              </a:rPr>
+              <a:t>main</a:t>
+            </a:r>
+            <a:endParaRPr lang="ko-Kore-KR" altLang="en-US" dirty="0"/>
+          </a:p>
+        </p:txBody>
+      </p:sp>
+      <p:sp>
+        <p:nvSpPr>
+          <p:cNvPr id="11" name="직사각형 10">
+            <a:extLst>
+              <a:ext uri="{FF2B5EF4-FFF2-40B4-BE49-F238E27FC236}">
+                <a16:creationId xmlns:a16="http://schemas.microsoft.com/office/drawing/2014/main" id="{52D7E20E-9190-30D0-6766-C7B9D71E43FB}"/>
+              </a:ext>
+            </a:extLst>
+          </p:cNvPr>
+          <p:cNvSpPr/>
+          <p:nvPr/>
+        </p:nvSpPr>
+        <p:spPr>
+          <a:xfrm>
+            <a:off x="5857632" y="3180862"/>
+            <a:ext cx="4360984" cy="2813538"/>
+          </a:xfrm>
+          <a:prstGeom prst="rect">
+            <a:avLst/>
+          </a:prstGeom>
+          <a:solidFill>
+            <a:schemeClr val="bg1"/>
+          </a:solidFill>
+        </p:spPr>
+        <p:style>
+          <a:lnRef idx="2">
+            <a:schemeClr val="accent1">
+              <a:shade val="50000"/>
+            </a:schemeClr>
+          </a:lnRef>
+          <a:fillRef idx="1">
+            <a:schemeClr val="accent1"/>
+          </a:fillRef>
+          <a:effectRef idx="0">
+            <a:schemeClr val="accent1"/>
+          </a:effectRef>
+          <a:fontRef idx="minor">
+            <a:schemeClr val="lt1"/>
+          </a:fontRef>
+        </p:style>
+        <p:txBody>
+          <a:bodyPr rtlCol="0" anchor="ctr"/>
+          <a:lstStyle/>
+          <a:p>
+            <a:pPr algn="ctr"/>
+            <a:endParaRPr kumimoji="1" lang="ko-Kore-KR" altLang="en-US" sz="2400" dirty="0">
+              <a:solidFill>
+                <a:schemeClr val="tx1"/>
+              </a:solidFill>
+              <a:latin typeface="DM Mono" panose="020B0509040201040103" pitchFamily="49" charset="0"/>
+            </a:endParaRPr>
+          </a:p>
+        </p:txBody>
+      </p:sp>
+      <p:sp>
+        <p:nvSpPr>
+          <p:cNvPr id="12" name="TextBox 11">
+            <a:extLst>
+              <a:ext uri="{FF2B5EF4-FFF2-40B4-BE49-F238E27FC236}">
+                <a16:creationId xmlns:a16="http://schemas.microsoft.com/office/drawing/2014/main" id="{A5A8D9B0-7B9E-99CE-0D09-EE5FF749B5B2}"/>
+              </a:ext>
+            </a:extLst>
+          </p:cNvPr>
+          <p:cNvSpPr txBox="1"/>
+          <p:nvPr/>
+        </p:nvSpPr>
+        <p:spPr>
+          <a:xfrm>
+            <a:off x="7553570" y="2811530"/>
+            <a:ext cx="969107" cy="369332"/>
+          </a:xfrm>
+          <a:prstGeom prst="rect">
+            <a:avLst/>
+          </a:prstGeom>
+          <a:noFill/>
+        </p:spPr>
+        <p:txBody>
+          <a:bodyPr wrap="square">
+            <a:spAutoFit/>
+          </a:bodyPr>
+          <a:lstStyle/>
+          <a:p>
+            <a:pPr algn="ctr"/>
+            <a:r>
+              <a:rPr lang="en-US" altLang="ko-Kore-KR" dirty="0">
+                <a:latin typeface="DM Mono" panose="020B0509040201040103" pitchFamily="49" charset="0"/>
+              </a:rPr>
+              <a:t>inc2</a:t>
+            </a:r>
+            <a:endParaRPr lang="ko-Kore-KR" altLang="en-US" dirty="0"/>
+          </a:p>
+        </p:txBody>
+      </p:sp>
+      <p:sp>
+        <p:nvSpPr>
+          <p:cNvPr id="13" name="직사각형 12">
+            <a:extLst>
+              <a:ext uri="{FF2B5EF4-FFF2-40B4-BE49-F238E27FC236}">
+                <a16:creationId xmlns:a16="http://schemas.microsoft.com/office/drawing/2014/main" id="{5A34AAAD-AB0B-0963-6FA0-00F712F9EDDC}"/>
+              </a:ext>
+            </a:extLst>
+          </p:cNvPr>
+          <p:cNvSpPr/>
+          <p:nvPr/>
+        </p:nvSpPr>
+        <p:spPr>
+          <a:xfrm>
+            <a:off x="7162800" y="3701405"/>
+            <a:ext cx="1359877" cy="836247"/>
+          </a:xfrm>
+          <a:prstGeom prst="rect">
+            <a:avLst/>
+          </a:prstGeom>
+          <a:solidFill>
+            <a:srgbClr val="FFFF00"/>
+          </a:solidFill>
+        </p:spPr>
+        <p:style>
+          <a:lnRef idx="2">
+            <a:schemeClr val="accent1">
+              <a:shade val="50000"/>
+            </a:schemeClr>
+          </a:lnRef>
+          <a:fillRef idx="1">
+            <a:schemeClr val="accent1"/>
+          </a:fillRef>
+          <a:effectRef idx="0">
+            <a:schemeClr val="accent1"/>
+          </a:effectRef>
+          <a:fontRef idx="minor">
+            <a:schemeClr val="lt1"/>
+          </a:fontRef>
+        </p:style>
+        <p:txBody>
+          <a:bodyPr rtlCol="0" anchor="ctr"/>
+          <a:lstStyle/>
+          <a:p>
+            <a:pPr algn="ctr"/>
+            <a:r>
+              <a:rPr kumimoji="1" lang="en-US" altLang="ko-Kore-KR" sz="2400" dirty="0">
+                <a:solidFill>
+                  <a:srgbClr val="FF0000"/>
+                </a:solidFill>
+                <a:latin typeface="DM Mono" panose="020B0509040201040103" pitchFamily="49" charset="0"/>
+              </a:rPr>
+              <a:t>0x1000</a:t>
+            </a:r>
+            <a:endParaRPr kumimoji="1" lang="ko-Kore-KR" altLang="en-US" sz="2400" dirty="0">
+              <a:solidFill>
+                <a:srgbClr val="FF0000"/>
+              </a:solidFill>
+              <a:latin typeface="DM Mono" panose="020B0509040201040103" pitchFamily="49" charset="0"/>
+            </a:endParaRPr>
+          </a:p>
+        </p:txBody>
+      </p:sp>
+      <p:sp>
+        <p:nvSpPr>
+          <p:cNvPr id="14" name="TextBox 13">
+            <a:extLst>
+              <a:ext uri="{FF2B5EF4-FFF2-40B4-BE49-F238E27FC236}">
+                <a16:creationId xmlns:a16="http://schemas.microsoft.com/office/drawing/2014/main" id="{C09DD0A5-4A2C-AD1F-27AA-48E77B6A1A2D}"/>
+              </a:ext>
+            </a:extLst>
+          </p:cNvPr>
+          <p:cNvSpPr txBox="1"/>
+          <p:nvPr/>
+        </p:nvSpPr>
+        <p:spPr>
+          <a:xfrm>
+            <a:off x="6725138" y="3616258"/>
+            <a:ext cx="382954" cy="523220"/>
+          </a:xfrm>
+          <a:prstGeom prst="rect">
+            <a:avLst/>
+          </a:prstGeom>
+          <a:noFill/>
+        </p:spPr>
+        <p:txBody>
+          <a:bodyPr wrap="square">
+            <a:spAutoFit/>
+          </a:bodyPr>
+          <a:lstStyle/>
+          <a:p>
+            <a:r>
+              <a:rPr lang="en-US" altLang="ko-Kore-KR" sz="2800" dirty="0">
+                <a:latin typeface="DM Mono" panose="020B0509040201040103" pitchFamily="49" charset="0"/>
+              </a:rPr>
+              <a:t>p</a:t>
+            </a:r>
+            <a:endParaRPr lang="ko-Kore-KR" altLang="en-US" sz="2800" dirty="0"/>
+          </a:p>
+        </p:txBody>
+      </p:sp>
+      <p:sp>
+        <p:nvSpPr>
+          <p:cNvPr id="2" name="TextBox 1">
+            <a:extLst>
+              <a:ext uri="{FF2B5EF4-FFF2-40B4-BE49-F238E27FC236}">
+                <a16:creationId xmlns:a16="http://schemas.microsoft.com/office/drawing/2014/main" id="{3B1FCD0D-447A-AAE2-4261-5B3CD15ECC69}"/>
+              </a:ext>
+            </a:extLst>
+          </p:cNvPr>
+          <p:cNvSpPr txBox="1"/>
+          <p:nvPr/>
+        </p:nvSpPr>
+        <p:spPr>
+          <a:xfrm>
+            <a:off x="1520093" y="3355923"/>
+            <a:ext cx="1203569" cy="369332"/>
+          </a:xfrm>
+          <a:prstGeom prst="rect">
+            <a:avLst/>
+          </a:prstGeom>
+          <a:noFill/>
+        </p:spPr>
+        <p:txBody>
+          <a:bodyPr wrap="square">
+            <a:spAutoFit/>
+          </a:bodyPr>
+          <a:lstStyle/>
+          <a:p>
+            <a:pPr algn="ctr"/>
+            <a:r>
+              <a:rPr lang="en-US" altLang="ko-Kore-KR" dirty="0">
+                <a:latin typeface="DM Mono" panose="020B0509040201040103" pitchFamily="49" charset="0"/>
+              </a:rPr>
+              <a:t>0x1000</a:t>
+            </a:r>
+            <a:endParaRPr lang="ko-Kore-KR" altLang="en-US" dirty="0"/>
+          </a:p>
+        </p:txBody>
+      </p:sp>
+    </p:spTree>
+    <p:extLst>
+      <p:ext uri="{BB962C8B-B14F-4D97-AF65-F5344CB8AC3E}">
+        <p14:creationId xmlns:p14="http://schemas.microsoft.com/office/powerpoint/2010/main" val="2913505324"/>
+      </p:ext>
+    </p:extLst>
+  </p:cSld>
+  <p:clrMapOvr>
+    <a:masterClrMapping/>
+  </p:clrMapOvr>
+</p:sld>
+</file>
+
+<file path=ppt/slides/slide8.xml><?xml version="1.0" encoding="utf-8"?>
+<p:sld xmlns:a="http://schemas.openxmlformats.org/drawingml/2006/main" xmlns:r="http://schemas.openxmlformats.org/officeDocument/2006/relationships" xmlns:p="http://schemas.openxmlformats.org/presentationml/2006/main">
+  <p:cSld>
+    <p:spTree>
+      <p:nvGrpSpPr>
+        <p:cNvPr id="1" name=""/>
+        <p:cNvGrpSpPr/>
+        <p:nvPr/>
+      </p:nvGrpSpPr>
+      <p:grpSpPr>
+        <a:xfrm>
+          <a:off x="0" y="0"/>
+          <a:ext cx="0" cy="0"/>
+          <a:chOff x="0" y="0"/>
+          <a:chExt cx="0" cy="0"/>
+        </a:xfrm>
+      </p:grpSpPr>
+      <p:sp>
+        <p:nvSpPr>
+          <p:cNvPr id="8" name="직사각형 7">
+            <a:extLst>
+              <a:ext uri="{FF2B5EF4-FFF2-40B4-BE49-F238E27FC236}">
+                <a16:creationId xmlns:a16="http://schemas.microsoft.com/office/drawing/2014/main" id="{8291E139-DF43-5A1F-695A-673F6E3CC536}"/>
+              </a:ext>
+            </a:extLst>
+          </p:cNvPr>
+          <p:cNvSpPr/>
+          <p:nvPr/>
+        </p:nvSpPr>
+        <p:spPr>
+          <a:xfrm>
+            <a:off x="765908" y="3180862"/>
+            <a:ext cx="4360984" cy="2813538"/>
+          </a:xfrm>
+          <a:prstGeom prst="rect">
+            <a:avLst/>
+          </a:prstGeom>
+          <a:solidFill>
+            <a:schemeClr val="bg1"/>
+          </a:solidFill>
+        </p:spPr>
+        <p:style>
+          <a:lnRef idx="2">
+            <a:schemeClr val="accent1">
+              <a:shade val="50000"/>
+            </a:schemeClr>
+          </a:lnRef>
+          <a:fillRef idx="1">
+            <a:schemeClr val="accent1"/>
+          </a:fillRef>
+          <a:effectRef idx="0">
+            <a:schemeClr val="accent1"/>
+          </a:effectRef>
+          <a:fontRef idx="minor">
+            <a:schemeClr val="lt1"/>
+          </a:fontRef>
+        </p:style>
+        <p:txBody>
+          <a:bodyPr rtlCol="0" anchor="ctr"/>
+          <a:lstStyle/>
+          <a:p>
+            <a:pPr algn="ctr"/>
+            <a:endParaRPr kumimoji="1" lang="ko-Kore-KR" altLang="en-US" sz="2400" dirty="0">
+              <a:solidFill>
+                <a:schemeClr val="tx1"/>
+              </a:solidFill>
+              <a:latin typeface="DM Mono" panose="020B0509040201040103" pitchFamily="49" charset="0"/>
+            </a:endParaRPr>
+          </a:p>
+        </p:txBody>
+      </p:sp>
+      <p:sp>
+        <p:nvSpPr>
+          <p:cNvPr id="5" name="TextBox 4">
+            <a:extLst>
+              <a:ext uri="{FF2B5EF4-FFF2-40B4-BE49-F238E27FC236}">
+                <a16:creationId xmlns:a16="http://schemas.microsoft.com/office/drawing/2014/main" id="{AC187C75-B6A9-BEB4-69D3-D24A859AE470}"/>
+              </a:ext>
+            </a:extLst>
+          </p:cNvPr>
+          <p:cNvSpPr txBox="1"/>
+          <p:nvPr/>
+        </p:nvSpPr>
+        <p:spPr>
+          <a:xfrm>
+            <a:off x="406400" y="239155"/>
+            <a:ext cx="6096000" cy="2585323"/>
+          </a:xfrm>
+          <a:prstGeom prst="rect">
+            <a:avLst/>
+          </a:prstGeom>
+          <a:noFill/>
+        </p:spPr>
+        <p:txBody>
+          <a:bodyPr wrap="square">
+            <a:spAutoFit/>
+          </a:bodyPr>
+          <a:lstStyle/>
+          <a:p>
+            <a:r>
+              <a:rPr lang="en" altLang="ko-Kore-KR" dirty="0">
+                <a:latin typeface="DM Mono" panose="020B0509040201040103" pitchFamily="49" charset="0"/>
+              </a:rPr>
+              <a:t>void inc2(int *p) { </a:t>
+            </a:r>
+            <a:r>
+              <a:rPr lang="en" altLang="ko-Kore-KR" dirty="0">
+                <a:solidFill>
+                  <a:srgbClr val="FF0000"/>
+                </a:solidFill>
+                <a:latin typeface="DM Mono" panose="020B0509040201040103" pitchFamily="49" charset="0"/>
+              </a:rPr>
+              <a:t>++(*p); </a:t>
+            </a:r>
+            <a:r>
+              <a:rPr lang="en" altLang="ko-Kore-KR" dirty="0">
+                <a:latin typeface="DM Mono" panose="020B0509040201040103" pitchFamily="49" charset="0"/>
+              </a:rPr>
+              <a:t>}</a:t>
+            </a:r>
+          </a:p>
+          <a:p>
+            <a:endParaRPr lang="en" altLang="ko-Kore-KR" dirty="0">
+              <a:latin typeface="DM Mono" panose="020B0509040201040103" pitchFamily="49" charset="0"/>
+            </a:endParaRPr>
+          </a:p>
+          <a:p>
+            <a:r>
+              <a:rPr lang="en" altLang="ko-Kore-KR" dirty="0">
+                <a:latin typeface="DM Mono" panose="020B0509040201040103" pitchFamily="49" charset="0"/>
+              </a:rPr>
+              <a:t>int main()</a:t>
+            </a:r>
+          </a:p>
+          <a:p>
+            <a:r>
+              <a:rPr lang="en" altLang="ko-Kore-KR" dirty="0">
+                <a:latin typeface="DM Mono" panose="020B0509040201040103" pitchFamily="49" charset="0"/>
+              </a:rPr>
+              <a:t>{</a:t>
+            </a:r>
+          </a:p>
+          <a:p>
+            <a:r>
+              <a:rPr lang="en" altLang="ko-Kore-KR" dirty="0">
+                <a:latin typeface="DM Mono" panose="020B0509040201040103" pitchFamily="49" charset="0"/>
+              </a:rPr>
+              <a:t>  int x;</a:t>
+            </a:r>
+          </a:p>
+          <a:p>
+            <a:endParaRPr lang="en" altLang="ko-Kore-KR" dirty="0">
+              <a:latin typeface="DM Mono" panose="020B0509040201040103" pitchFamily="49" charset="0"/>
+            </a:endParaRPr>
+          </a:p>
+          <a:p>
+            <a:r>
+              <a:rPr lang="en" altLang="ko-Kore-KR" dirty="0">
+                <a:latin typeface="DM Mono" panose="020B0509040201040103" pitchFamily="49" charset="0"/>
+              </a:rPr>
+              <a:t>  x = 10;</a:t>
+            </a:r>
+          </a:p>
+          <a:p>
+            <a:r>
+              <a:rPr lang="en" altLang="ko-Kore-KR" dirty="0">
+                <a:solidFill>
+                  <a:srgbClr val="FF0000"/>
+                </a:solidFill>
+                <a:latin typeface="DM Mono" panose="020B0509040201040103" pitchFamily="49" charset="0"/>
+              </a:rPr>
+              <a:t>  inc2(&amp;x);</a:t>
+            </a:r>
+          </a:p>
+          <a:p>
+            <a:r>
+              <a:rPr lang="en" altLang="ko-Kore-KR" dirty="0">
+                <a:latin typeface="DM Mono" panose="020B0509040201040103" pitchFamily="49" charset="0"/>
+              </a:rPr>
+              <a:t>}</a:t>
+            </a:r>
+            <a:endParaRPr lang="ko-Kore-KR" altLang="en-US" dirty="0">
+              <a:latin typeface="DM Mono" panose="020B0509040201040103" pitchFamily="49" charset="0"/>
+            </a:endParaRPr>
+          </a:p>
+        </p:txBody>
+      </p:sp>
+      <p:sp>
+        <p:nvSpPr>
+          <p:cNvPr id="6" name="직사각형 5">
+            <a:extLst>
+              <a:ext uri="{FF2B5EF4-FFF2-40B4-BE49-F238E27FC236}">
+                <a16:creationId xmlns:a16="http://schemas.microsoft.com/office/drawing/2014/main" id="{B9B4CC84-6E91-698C-E744-F34F5640D871}"/>
+              </a:ext>
+            </a:extLst>
+          </p:cNvPr>
+          <p:cNvSpPr/>
+          <p:nvPr/>
+        </p:nvSpPr>
+        <p:spPr>
+          <a:xfrm>
+            <a:off x="2149231" y="3712307"/>
+            <a:ext cx="1359877" cy="836247"/>
+          </a:xfrm>
+          <a:prstGeom prst="rect">
+            <a:avLst/>
+          </a:prstGeom>
+          <a:solidFill>
+            <a:srgbClr val="FFFF00"/>
+          </a:solidFill>
+        </p:spPr>
+        <p:style>
+          <a:lnRef idx="2">
+            <a:schemeClr val="accent1">
+              <a:shade val="50000"/>
+            </a:schemeClr>
+          </a:lnRef>
+          <a:fillRef idx="1">
+            <a:schemeClr val="accent1"/>
+          </a:fillRef>
+          <a:effectRef idx="0">
+            <a:schemeClr val="accent1"/>
+          </a:effectRef>
+          <a:fontRef idx="minor">
+            <a:schemeClr val="lt1"/>
+          </a:fontRef>
+        </p:style>
+        <p:txBody>
+          <a:bodyPr rtlCol="0" anchor="ctr"/>
+          <a:lstStyle/>
+          <a:p>
+            <a:pPr algn="ctr"/>
+            <a:r>
+              <a:rPr kumimoji="1" lang="en-US" altLang="ko-Kore-KR" sz="2400" dirty="0">
+                <a:solidFill>
+                  <a:srgbClr val="FF0000"/>
+                </a:solidFill>
+                <a:latin typeface="DM Mono" panose="020B0509040201040103" pitchFamily="49" charset="0"/>
+              </a:rPr>
+              <a:t>11</a:t>
+            </a:r>
+            <a:endParaRPr kumimoji="1" lang="ko-Kore-KR" altLang="en-US" sz="2400" dirty="0">
+              <a:solidFill>
+                <a:srgbClr val="FF0000"/>
+              </a:solidFill>
+              <a:latin typeface="DM Mono" panose="020B0509040201040103" pitchFamily="49" charset="0"/>
+            </a:endParaRPr>
+          </a:p>
+        </p:txBody>
+      </p:sp>
+      <p:sp>
+        <p:nvSpPr>
+          <p:cNvPr id="7" name="TextBox 6">
+            <a:extLst>
+              <a:ext uri="{FF2B5EF4-FFF2-40B4-BE49-F238E27FC236}">
+                <a16:creationId xmlns:a16="http://schemas.microsoft.com/office/drawing/2014/main" id="{7D5A258A-18C0-F68D-D028-EE6BFAC81C43}"/>
+              </a:ext>
+            </a:extLst>
+          </p:cNvPr>
+          <p:cNvSpPr txBox="1"/>
+          <p:nvPr/>
+        </p:nvSpPr>
+        <p:spPr>
+          <a:xfrm>
+            <a:off x="1711569" y="3627160"/>
+            <a:ext cx="382954" cy="523220"/>
+          </a:xfrm>
+          <a:prstGeom prst="rect">
+            <a:avLst/>
+          </a:prstGeom>
+          <a:noFill/>
+        </p:spPr>
+        <p:txBody>
+          <a:bodyPr wrap="square">
+            <a:spAutoFit/>
+          </a:bodyPr>
+          <a:lstStyle/>
+          <a:p>
+            <a:r>
+              <a:rPr lang="en-US" altLang="ko-Kore-KR" sz="2800" dirty="0">
+                <a:latin typeface="DM Mono" panose="020B0509040201040103" pitchFamily="49" charset="0"/>
+              </a:rPr>
+              <a:t>x</a:t>
+            </a:r>
+            <a:endParaRPr lang="ko-Kore-KR" altLang="en-US" sz="2800" dirty="0"/>
+          </a:p>
+        </p:txBody>
+      </p:sp>
+      <p:sp>
+        <p:nvSpPr>
+          <p:cNvPr id="10" name="TextBox 9">
+            <a:extLst>
+              <a:ext uri="{FF2B5EF4-FFF2-40B4-BE49-F238E27FC236}">
+                <a16:creationId xmlns:a16="http://schemas.microsoft.com/office/drawing/2014/main" id="{F6185ED7-4853-19F8-76BD-ED511470CD4A}"/>
+              </a:ext>
+            </a:extLst>
+          </p:cNvPr>
+          <p:cNvSpPr txBox="1"/>
+          <p:nvPr/>
+        </p:nvSpPr>
+        <p:spPr>
+          <a:xfrm>
+            <a:off x="2461846" y="2811530"/>
+            <a:ext cx="969107" cy="369332"/>
+          </a:xfrm>
+          <a:prstGeom prst="rect">
+            <a:avLst/>
+          </a:prstGeom>
+          <a:noFill/>
+        </p:spPr>
+        <p:txBody>
+          <a:bodyPr wrap="square">
+            <a:spAutoFit/>
+          </a:bodyPr>
+          <a:lstStyle/>
+          <a:p>
+            <a:pPr algn="ctr"/>
+            <a:r>
+              <a:rPr lang="ko-Kore-KR" altLang="en-US" dirty="0">
+                <a:latin typeface="DM Mono" panose="020B0509040201040103" pitchFamily="49" charset="0"/>
+              </a:rPr>
+              <a:t>main</a:t>
+            </a:r>
+            <a:endParaRPr lang="ko-Kore-KR" altLang="en-US" dirty="0"/>
+          </a:p>
+        </p:txBody>
+      </p:sp>
+      <p:sp>
+        <p:nvSpPr>
+          <p:cNvPr id="11" name="직사각형 10">
+            <a:extLst>
+              <a:ext uri="{FF2B5EF4-FFF2-40B4-BE49-F238E27FC236}">
+                <a16:creationId xmlns:a16="http://schemas.microsoft.com/office/drawing/2014/main" id="{52D7E20E-9190-30D0-6766-C7B9D71E43FB}"/>
+              </a:ext>
+            </a:extLst>
+          </p:cNvPr>
+          <p:cNvSpPr/>
+          <p:nvPr/>
+        </p:nvSpPr>
+        <p:spPr>
+          <a:xfrm>
+            <a:off x="5857632" y="3180862"/>
+            <a:ext cx="4360984" cy="2813538"/>
+          </a:xfrm>
+          <a:prstGeom prst="rect">
+            <a:avLst/>
+          </a:prstGeom>
+          <a:solidFill>
+            <a:schemeClr val="bg1"/>
+          </a:solidFill>
+        </p:spPr>
+        <p:style>
+          <a:lnRef idx="2">
+            <a:schemeClr val="accent1">
+              <a:shade val="50000"/>
+            </a:schemeClr>
+          </a:lnRef>
+          <a:fillRef idx="1">
+            <a:schemeClr val="accent1"/>
+          </a:fillRef>
+          <a:effectRef idx="0">
+            <a:schemeClr val="accent1"/>
+          </a:effectRef>
+          <a:fontRef idx="minor">
+            <a:schemeClr val="lt1"/>
+          </a:fontRef>
+        </p:style>
+        <p:txBody>
+          <a:bodyPr rtlCol="0" anchor="ctr"/>
+          <a:lstStyle/>
+          <a:p>
+            <a:pPr algn="ctr"/>
+            <a:endParaRPr kumimoji="1" lang="ko-Kore-KR" altLang="en-US" sz="2400" dirty="0">
+              <a:solidFill>
+                <a:schemeClr val="tx1"/>
+              </a:solidFill>
+              <a:latin typeface="DM Mono" panose="020B0509040201040103" pitchFamily="49" charset="0"/>
+            </a:endParaRPr>
+          </a:p>
+        </p:txBody>
+      </p:sp>
+      <p:sp>
+        <p:nvSpPr>
+          <p:cNvPr id="12" name="TextBox 11">
+            <a:extLst>
+              <a:ext uri="{FF2B5EF4-FFF2-40B4-BE49-F238E27FC236}">
+                <a16:creationId xmlns:a16="http://schemas.microsoft.com/office/drawing/2014/main" id="{A5A8D9B0-7B9E-99CE-0D09-EE5FF749B5B2}"/>
+              </a:ext>
+            </a:extLst>
+          </p:cNvPr>
+          <p:cNvSpPr txBox="1"/>
+          <p:nvPr/>
+        </p:nvSpPr>
+        <p:spPr>
+          <a:xfrm>
+            <a:off x="7553570" y="2811530"/>
+            <a:ext cx="969107" cy="369332"/>
+          </a:xfrm>
+          <a:prstGeom prst="rect">
+            <a:avLst/>
+          </a:prstGeom>
+          <a:noFill/>
+        </p:spPr>
+        <p:txBody>
+          <a:bodyPr wrap="square">
+            <a:spAutoFit/>
+          </a:bodyPr>
+          <a:lstStyle/>
+          <a:p>
+            <a:pPr algn="ctr"/>
+            <a:r>
+              <a:rPr lang="en-US" altLang="ko-Kore-KR" dirty="0">
+                <a:latin typeface="DM Mono" panose="020B0509040201040103" pitchFamily="49" charset="0"/>
+              </a:rPr>
+              <a:t>inc2</a:t>
+            </a:r>
+            <a:endParaRPr lang="ko-Kore-KR" altLang="en-US" dirty="0"/>
+          </a:p>
+        </p:txBody>
+      </p:sp>
+      <p:sp>
+        <p:nvSpPr>
+          <p:cNvPr id="13" name="직사각형 12">
+            <a:extLst>
+              <a:ext uri="{FF2B5EF4-FFF2-40B4-BE49-F238E27FC236}">
+                <a16:creationId xmlns:a16="http://schemas.microsoft.com/office/drawing/2014/main" id="{5A34AAAD-AB0B-0963-6FA0-00F712F9EDDC}"/>
+              </a:ext>
+            </a:extLst>
+          </p:cNvPr>
+          <p:cNvSpPr/>
+          <p:nvPr/>
+        </p:nvSpPr>
+        <p:spPr>
+          <a:xfrm>
+            <a:off x="7162800" y="3701405"/>
+            <a:ext cx="1359877" cy="836247"/>
+          </a:xfrm>
+          <a:prstGeom prst="rect">
+            <a:avLst/>
+          </a:prstGeom>
+          <a:solidFill>
+            <a:srgbClr val="FFFF00"/>
+          </a:solidFill>
+        </p:spPr>
+        <p:style>
+          <a:lnRef idx="2">
+            <a:schemeClr val="accent1">
+              <a:shade val="50000"/>
+            </a:schemeClr>
+          </a:lnRef>
+          <a:fillRef idx="1">
+            <a:schemeClr val="accent1"/>
+          </a:fillRef>
+          <a:effectRef idx="0">
+            <a:schemeClr val="accent1"/>
+          </a:effectRef>
+          <a:fontRef idx="minor">
+            <a:schemeClr val="lt1"/>
+          </a:fontRef>
+        </p:style>
+        <p:txBody>
+          <a:bodyPr rtlCol="0" anchor="ctr"/>
+          <a:lstStyle/>
+          <a:p>
+            <a:pPr algn="ctr"/>
+            <a:r>
+              <a:rPr kumimoji="1" lang="en-US" altLang="ko-Kore-KR" sz="2400" dirty="0">
+                <a:solidFill>
+                  <a:srgbClr val="FF0000"/>
+                </a:solidFill>
+                <a:latin typeface="DM Mono" panose="020B0509040201040103" pitchFamily="49" charset="0"/>
+              </a:rPr>
+              <a:t>0x1000</a:t>
+            </a:r>
+            <a:endParaRPr kumimoji="1" lang="ko-Kore-KR" altLang="en-US" sz="2400" dirty="0">
+              <a:solidFill>
+                <a:srgbClr val="FF0000"/>
+              </a:solidFill>
+              <a:latin typeface="DM Mono" panose="020B0509040201040103" pitchFamily="49" charset="0"/>
+            </a:endParaRPr>
+          </a:p>
+        </p:txBody>
+      </p:sp>
+      <p:sp>
+        <p:nvSpPr>
+          <p:cNvPr id="14" name="TextBox 13">
+            <a:extLst>
+              <a:ext uri="{FF2B5EF4-FFF2-40B4-BE49-F238E27FC236}">
+                <a16:creationId xmlns:a16="http://schemas.microsoft.com/office/drawing/2014/main" id="{C09DD0A5-4A2C-AD1F-27AA-48E77B6A1A2D}"/>
+              </a:ext>
+            </a:extLst>
+          </p:cNvPr>
+          <p:cNvSpPr txBox="1"/>
+          <p:nvPr/>
+        </p:nvSpPr>
+        <p:spPr>
+          <a:xfrm>
+            <a:off x="6725138" y="3616258"/>
+            <a:ext cx="382954" cy="523220"/>
+          </a:xfrm>
+          <a:prstGeom prst="rect">
+            <a:avLst/>
+          </a:prstGeom>
+          <a:noFill/>
+        </p:spPr>
+        <p:txBody>
+          <a:bodyPr wrap="square">
+            <a:spAutoFit/>
+          </a:bodyPr>
+          <a:lstStyle/>
+          <a:p>
+            <a:r>
+              <a:rPr lang="en-US" altLang="ko-Kore-KR" sz="2800" dirty="0">
+                <a:latin typeface="DM Mono" panose="020B0509040201040103" pitchFamily="49" charset="0"/>
+              </a:rPr>
+              <a:t>p</a:t>
+            </a:r>
+            <a:endParaRPr lang="ko-Kore-KR" altLang="en-US" sz="2800" dirty="0"/>
+          </a:p>
+        </p:txBody>
+      </p:sp>
+      <p:sp>
+        <p:nvSpPr>
+          <p:cNvPr id="2" name="TextBox 1">
+            <a:extLst>
+              <a:ext uri="{FF2B5EF4-FFF2-40B4-BE49-F238E27FC236}">
+                <a16:creationId xmlns:a16="http://schemas.microsoft.com/office/drawing/2014/main" id="{3B1FCD0D-447A-AAE2-4261-5B3CD15ECC69}"/>
+              </a:ext>
+            </a:extLst>
+          </p:cNvPr>
+          <p:cNvSpPr txBox="1"/>
+          <p:nvPr/>
+        </p:nvSpPr>
+        <p:spPr>
+          <a:xfrm>
+            <a:off x="1520093" y="3355923"/>
+            <a:ext cx="1203569" cy="369332"/>
+          </a:xfrm>
+          <a:prstGeom prst="rect">
+            <a:avLst/>
+          </a:prstGeom>
+          <a:noFill/>
+        </p:spPr>
+        <p:txBody>
+          <a:bodyPr wrap="square">
+            <a:spAutoFit/>
+          </a:bodyPr>
+          <a:lstStyle/>
+          <a:p>
+            <a:pPr algn="ctr"/>
+            <a:r>
+              <a:rPr lang="en-US" altLang="ko-Kore-KR" dirty="0">
+                <a:latin typeface="DM Mono" panose="020B0509040201040103" pitchFamily="49" charset="0"/>
+              </a:rPr>
+              <a:t>0x1000</a:t>
+            </a:r>
+            <a:endParaRPr lang="ko-Kore-KR" altLang="en-US" dirty="0"/>
+          </a:p>
+        </p:txBody>
+      </p:sp>
+      <p:cxnSp>
+        <p:nvCxnSpPr>
+          <p:cNvPr id="4" name="구부러진 연결선[U] 3">
+            <a:extLst>
+              <a:ext uri="{FF2B5EF4-FFF2-40B4-BE49-F238E27FC236}">
+                <a16:creationId xmlns:a16="http://schemas.microsoft.com/office/drawing/2014/main" id="{8DBA2858-B4F6-63C8-C1A9-3132CB51B2A9}"/>
+              </a:ext>
+            </a:extLst>
+          </p:cNvPr>
+          <p:cNvCxnSpPr>
+            <a:cxnSpLocks/>
+            <a:stCxn id="13" idx="2"/>
+            <a:endCxn id="6" idx="2"/>
+          </p:cNvCxnSpPr>
+          <p:nvPr/>
+        </p:nvCxnSpPr>
+        <p:spPr>
+          <a:xfrm rot="5400000">
+            <a:off x="5330504" y="2036319"/>
+            <a:ext cx="10902" cy="5013569"/>
+          </a:xfrm>
+          <a:prstGeom prst="curvedConnector3">
+            <a:avLst>
+              <a:gd name="adj1" fmla="val 5207751"/>
+            </a:avLst>
+          </a:prstGeom>
+          <a:ln w="12700">
+            <a:tailEnd type="triangle"/>
+          </a:ln>
+        </p:spPr>
+        <p:style>
+          <a:lnRef idx="1">
+            <a:schemeClr val="dk1"/>
+          </a:lnRef>
+          <a:fillRef idx="0">
+            <a:schemeClr val="dk1"/>
+          </a:fillRef>
+          <a:effectRef idx="0">
+            <a:schemeClr val="dk1"/>
+          </a:effectRef>
+          <a:fontRef idx="minor">
+            <a:schemeClr val="tx1"/>
+          </a:fontRef>
+        </p:style>
+      </p:cxnSp>
+    </p:spTree>
+    <p:extLst>
+      <p:ext uri="{BB962C8B-B14F-4D97-AF65-F5344CB8AC3E}">
+        <p14:creationId xmlns:p14="http://schemas.microsoft.com/office/powerpoint/2010/main" val="1182952729"/>
+      </p:ext>
+    </p:extLst>
+  </p:cSld>
+  <p:clrMapOvr>
+    <a:masterClrMapping/>
+  </p:clrMapOvr>
+</p:sld>
+</file>
+
+<file path=ppt/slides/slide9.xml><?xml version="1.0" encoding="utf-8"?>
+<p:sld xmlns:a="http://schemas.openxmlformats.org/drawingml/2006/main" xmlns:r="http://schemas.openxmlformats.org/officeDocument/2006/relationships" xmlns:p="http://schemas.openxmlformats.org/presentationml/2006/main">
+  <p:cSld>
+    <p:spTree>
+      <p:nvGrpSpPr>
+        <p:cNvPr id="1" name=""/>
+        <p:cNvGrpSpPr/>
+        <p:nvPr/>
+      </p:nvGrpSpPr>
+      <p:grpSpPr>
+        <a:xfrm>
+          <a:off x="0" y="0"/>
+          <a:ext cx="0" cy="0"/>
+          <a:chOff x="0" y="0"/>
+          <a:chExt cx="0" cy="0"/>
+        </a:xfrm>
+      </p:grpSpPr>
+      <p:sp>
+        <p:nvSpPr>
+          <p:cNvPr id="8" name="직사각형 7">
+            <a:extLst>
+              <a:ext uri="{FF2B5EF4-FFF2-40B4-BE49-F238E27FC236}">
+                <a16:creationId xmlns:a16="http://schemas.microsoft.com/office/drawing/2014/main" id="{8291E139-DF43-5A1F-695A-673F6E3CC536}"/>
+              </a:ext>
+            </a:extLst>
+          </p:cNvPr>
+          <p:cNvSpPr/>
+          <p:nvPr/>
+        </p:nvSpPr>
+        <p:spPr>
+          <a:xfrm>
+            <a:off x="765908" y="3180862"/>
+            <a:ext cx="4360984" cy="2813538"/>
+          </a:xfrm>
+          <a:prstGeom prst="rect">
+            <a:avLst/>
+          </a:prstGeom>
+          <a:solidFill>
+            <a:schemeClr val="bg1"/>
+          </a:solidFill>
+        </p:spPr>
+        <p:style>
+          <a:lnRef idx="2">
+            <a:schemeClr val="accent1">
+              <a:shade val="50000"/>
+            </a:schemeClr>
+          </a:lnRef>
+          <a:fillRef idx="1">
+            <a:schemeClr val="accent1"/>
+          </a:fillRef>
+          <a:effectRef idx="0">
+            <a:schemeClr val="accent1"/>
+          </a:effectRef>
+          <a:fontRef idx="minor">
+            <a:schemeClr val="lt1"/>
+          </a:fontRef>
+        </p:style>
+        <p:txBody>
+          <a:bodyPr rtlCol="0" anchor="ctr"/>
+          <a:lstStyle/>
+          <a:p>
+            <a:pPr algn="ctr"/>
+            <a:endParaRPr kumimoji="1" lang="ko-Kore-KR" altLang="en-US" sz="2400" dirty="0">
+              <a:solidFill>
+                <a:schemeClr val="tx1"/>
+              </a:solidFill>
+              <a:latin typeface="DM Mono" panose="020B0509040201040103" pitchFamily="49" charset="0"/>
+            </a:endParaRPr>
+          </a:p>
+        </p:txBody>
+      </p:sp>
+      <p:sp>
+        <p:nvSpPr>
+          <p:cNvPr id="5" name="TextBox 4">
+            <a:extLst>
+              <a:ext uri="{FF2B5EF4-FFF2-40B4-BE49-F238E27FC236}">
+                <a16:creationId xmlns:a16="http://schemas.microsoft.com/office/drawing/2014/main" id="{AC187C75-B6A9-BEB4-69D3-D24A859AE470}"/>
+              </a:ext>
+            </a:extLst>
+          </p:cNvPr>
+          <p:cNvSpPr txBox="1"/>
+          <p:nvPr/>
+        </p:nvSpPr>
+        <p:spPr>
+          <a:xfrm>
+            <a:off x="406400" y="239155"/>
+            <a:ext cx="6096000" cy="2585323"/>
+          </a:xfrm>
+          <a:prstGeom prst="rect">
+            <a:avLst/>
+          </a:prstGeom>
+          <a:noFill/>
+        </p:spPr>
+        <p:txBody>
+          <a:bodyPr wrap="square">
+            <a:spAutoFit/>
+          </a:bodyPr>
+          <a:lstStyle/>
+          <a:p>
+            <a:r>
+              <a:rPr lang="en" altLang="ko-Kore-KR" dirty="0">
+                <a:latin typeface="DM Mono" panose="020B0509040201040103" pitchFamily="49" charset="0"/>
+              </a:rPr>
+              <a:t>void inc3(int &amp;r) { ++r; }</a:t>
+            </a:r>
+          </a:p>
+          <a:p>
+            <a:endParaRPr lang="en" altLang="ko-Kore-KR" dirty="0">
+              <a:latin typeface="DM Mono" panose="020B0509040201040103" pitchFamily="49" charset="0"/>
+            </a:endParaRPr>
+          </a:p>
+          <a:p>
+            <a:r>
+              <a:rPr lang="en" altLang="ko-Kore-KR" dirty="0">
+                <a:latin typeface="DM Mono" panose="020B0509040201040103" pitchFamily="49" charset="0"/>
+              </a:rPr>
+              <a:t>int main()</a:t>
+            </a:r>
+          </a:p>
+          <a:p>
+            <a:r>
+              <a:rPr lang="en" altLang="ko-Kore-KR" dirty="0">
+                <a:latin typeface="DM Mono" panose="020B0509040201040103" pitchFamily="49" charset="0"/>
+              </a:rPr>
+              <a:t>{</a:t>
+            </a:r>
+          </a:p>
+          <a:p>
+            <a:r>
+              <a:rPr lang="en" altLang="ko-Kore-KR" dirty="0">
+                <a:latin typeface="DM Mono" panose="020B0509040201040103" pitchFamily="49" charset="0"/>
+              </a:rPr>
+              <a:t>  int x;</a:t>
+            </a:r>
+          </a:p>
+          <a:p>
+            <a:endParaRPr lang="en" altLang="ko-Kore-KR" dirty="0">
+              <a:latin typeface="DM Mono" panose="020B0509040201040103" pitchFamily="49" charset="0"/>
+            </a:endParaRPr>
+          </a:p>
+          <a:p>
+            <a:r>
+              <a:rPr lang="en" altLang="ko-Kore-KR" dirty="0">
+                <a:latin typeface="DM Mono" panose="020B0509040201040103" pitchFamily="49" charset="0"/>
+              </a:rPr>
+              <a:t>  x = 10;</a:t>
+            </a:r>
+          </a:p>
+          <a:p>
+            <a:r>
+              <a:rPr lang="en" altLang="ko-Kore-KR" dirty="0">
+                <a:solidFill>
+                  <a:srgbClr val="FF0000"/>
+                </a:solidFill>
+                <a:latin typeface="DM Mono" panose="020B0509040201040103" pitchFamily="49" charset="0"/>
+              </a:rPr>
+              <a:t>  inc3(x);</a:t>
+            </a:r>
+          </a:p>
+          <a:p>
+            <a:r>
+              <a:rPr lang="en" altLang="ko-Kore-KR" dirty="0">
+                <a:latin typeface="DM Mono" panose="020B0509040201040103" pitchFamily="49" charset="0"/>
+              </a:rPr>
+              <a:t>}</a:t>
+            </a:r>
+            <a:endParaRPr lang="ko-Kore-KR" altLang="en-US" dirty="0">
+              <a:latin typeface="DM Mono" panose="020B0509040201040103" pitchFamily="49" charset="0"/>
+            </a:endParaRPr>
+          </a:p>
+        </p:txBody>
+      </p:sp>
+      <p:sp>
+        <p:nvSpPr>
+          <p:cNvPr id="6" name="직사각형 5">
+            <a:extLst>
+              <a:ext uri="{FF2B5EF4-FFF2-40B4-BE49-F238E27FC236}">
+                <a16:creationId xmlns:a16="http://schemas.microsoft.com/office/drawing/2014/main" id="{B9B4CC84-6E91-698C-E744-F34F5640D871}"/>
+              </a:ext>
+            </a:extLst>
+          </p:cNvPr>
+          <p:cNvSpPr/>
+          <p:nvPr/>
+        </p:nvSpPr>
+        <p:spPr>
+          <a:xfrm>
+            <a:off x="2149231" y="3712307"/>
+            <a:ext cx="1359877" cy="836247"/>
+          </a:xfrm>
+          <a:prstGeom prst="rect">
+            <a:avLst/>
+          </a:prstGeom>
+          <a:solidFill>
+            <a:srgbClr val="FFFF00"/>
+          </a:solidFill>
+        </p:spPr>
+        <p:style>
+          <a:lnRef idx="2">
+            <a:schemeClr val="accent1">
+              <a:shade val="50000"/>
+            </a:schemeClr>
+          </a:lnRef>
+          <a:fillRef idx="1">
+            <a:schemeClr val="accent1"/>
+          </a:fillRef>
+          <a:effectRef idx="0">
+            <a:schemeClr val="accent1"/>
+          </a:effectRef>
+          <a:fontRef idx="minor">
+            <a:schemeClr val="lt1"/>
+          </a:fontRef>
+        </p:style>
+        <p:txBody>
+          <a:bodyPr rtlCol="0" anchor="ctr"/>
+          <a:lstStyle/>
+          <a:p>
+            <a:pPr algn="ctr"/>
+            <a:r>
+              <a:rPr kumimoji="1" lang="en-US" altLang="ko-Kore-KR" sz="2400" dirty="0">
+                <a:solidFill>
+                  <a:schemeClr val="tx1"/>
+                </a:solidFill>
+                <a:latin typeface="DM Mono" panose="020B0509040201040103" pitchFamily="49" charset="0"/>
+              </a:rPr>
+              <a:t>10</a:t>
+            </a:r>
+            <a:endParaRPr kumimoji="1" lang="ko-Kore-KR" altLang="en-US" sz="2400" dirty="0">
+              <a:solidFill>
+                <a:schemeClr val="tx1"/>
+              </a:solidFill>
+              <a:latin typeface="DM Mono" panose="020B0509040201040103" pitchFamily="49" charset="0"/>
+            </a:endParaRPr>
+          </a:p>
+        </p:txBody>
+      </p:sp>
+      <p:sp>
+        <p:nvSpPr>
+          <p:cNvPr id="7" name="TextBox 6">
+            <a:extLst>
+              <a:ext uri="{FF2B5EF4-FFF2-40B4-BE49-F238E27FC236}">
+                <a16:creationId xmlns:a16="http://schemas.microsoft.com/office/drawing/2014/main" id="{7D5A258A-18C0-F68D-D028-EE6BFAC81C43}"/>
+              </a:ext>
+            </a:extLst>
+          </p:cNvPr>
+          <p:cNvSpPr txBox="1"/>
+          <p:nvPr/>
+        </p:nvSpPr>
+        <p:spPr>
+          <a:xfrm>
+            <a:off x="1711569" y="3627160"/>
+            <a:ext cx="382954" cy="523220"/>
+          </a:xfrm>
+          <a:prstGeom prst="rect">
+            <a:avLst/>
+          </a:prstGeom>
+          <a:noFill/>
+        </p:spPr>
+        <p:txBody>
+          <a:bodyPr wrap="square">
+            <a:spAutoFit/>
+          </a:bodyPr>
+          <a:lstStyle/>
+          <a:p>
+            <a:r>
+              <a:rPr lang="en-US" altLang="ko-Kore-KR" sz="2800" dirty="0">
+                <a:latin typeface="DM Mono" panose="020B0509040201040103" pitchFamily="49" charset="0"/>
+              </a:rPr>
+              <a:t>x</a:t>
+            </a:r>
+            <a:endParaRPr lang="ko-Kore-KR" altLang="en-US" sz="2800" dirty="0"/>
+          </a:p>
+        </p:txBody>
+      </p:sp>
+      <p:sp>
+        <p:nvSpPr>
+          <p:cNvPr id="10" name="TextBox 9">
+            <a:extLst>
+              <a:ext uri="{FF2B5EF4-FFF2-40B4-BE49-F238E27FC236}">
+                <a16:creationId xmlns:a16="http://schemas.microsoft.com/office/drawing/2014/main" id="{F6185ED7-4853-19F8-76BD-ED511470CD4A}"/>
+              </a:ext>
+            </a:extLst>
+          </p:cNvPr>
+          <p:cNvSpPr txBox="1"/>
+          <p:nvPr/>
+        </p:nvSpPr>
+        <p:spPr>
+          <a:xfrm>
+            <a:off x="2461846" y="2811530"/>
+            <a:ext cx="969107" cy="369332"/>
+          </a:xfrm>
+          <a:prstGeom prst="rect">
+            <a:avLst/>
+          </a:prstGeom>
+          <a:noFill/>
+        </p:spPr>
+        <p:txBody>
+          <a:bodyPr wrap="square">
+            <a:spAutoFit/>
+          </a:bodyPr>
+          <a:lstStyle/>
+          <a:p>
+            <a:pPr algn="ctr"/>
+            <a:r>
+              <a:rPr lang="ko-Kore-KR" altLang="en-US" dirty="0">
+                <a:latin typeface="DM Mono" panose="020B0509040201040103" pitchFamily="49" charset="0"/>
+              </a:rPr>
+              <a:t>main</a:t>
+            </a:r>
+            <a:endParaRPr lang="ko-Kore-KR" altLang="en-US" dirty="0"/>
+          </a:p>
+        </p:txBody>
+      </p:sp>
+      <p:sp>
+        <p:nvSpPr>
+          <p:cNvPr id="11" name="직사각형 10">
+            <a:extLst>
+              <a:ext uri="{FF2B5EF4-FFF2-40B4-BE49-F238E27FC236}">
+                <a16:creationId xmlns:a16="http://schemas.microsoft.com/office/drawing/2014/main" id="{52D7E20E-9190-30D0-6766-C7B9D71E43FB}"/>
+              </a:ext>
+            </a:extLst>
+          </p:cNvPr>
+          <p:cNvSpPr/>
+          <p:nvPr/>
+        </p:nvSpPr>
+        <p:spPr>
+          <a:xfrm>
+            <a:off x="5857632" y="3180862"/>
+            <a:ext cx="4360984" cy="2813538"/>
+          </a:xfrm>
+          <a:prstGeom prst="rect">
+            <a:avLst/>
+          </a:prstGeom>
+          <a:solidFill>
+            <a:schemeClr val="bg1"/>
+          </a:solidFill>
+        </p:spPr>
+        <p:style>
+          <a:lnRef idx="2">
+            <a:schemeClr val="accent1">
+              <a:shade val="50000"/>
+            </a:schemeClr>
+          </a:lnRef>
+          <a:fillRef idx="1">
+            <a:schemeClr val="accent1"/>
+          </a:fillRef>
+          <a:effectRef idx="0">
+            <a:schemeClr val="accent1"/>
+          </a:effectRef>
+          <a:fontRef idx="minor">
+            <a:schemeClr val="lt1"/>
+          </a:fontRef>
+        </p:style>
+        <p:txBody>
+          <a:bodyPr rtlCol="0" anchor="ctr"/>
+          <a:lstStyle/>
+          <a:p>
+            <a:pPr algn="ctr"/>
+            <a:endParaRPr kumimoji="1" lang="ko-Kore-KR" altLang="en-US" sz="2400" dirty="0">
+              <a:solidFill>
+                <a:schemeClr val="tx1"/>
+              </a:solidFill>
+              <a:latin typeface="DM Mono" panose="020B0509040201040103" pitchFamily="49" charset="0"/>
+            </a:endParaRPr>
+          </a:p>
+        </p:txBody>
+      </p:sp>
+      <p:sp>
+        <p:nvSpPr>
+          <p:cNvPr id="12" name="TextBox 11">
+            <a:extLst>
+              <a:ext uri="{FF2B5EF4-FFF2-40B4-BE49-F238E27FC236}">
+                <a16:creationId xmlns:a16="http://schemas.microsoft.com/office/drawing/2014/main" id="{A5A8D9B0-7B9E-99CE-0D09-EE5FF749B5B2}"/>
+              </a:ext>
+            </a:extLst>
+          </p:cNvPr>
+          <p:cNvSpPr txBox="1"/>
+          <p:nvPr/>
+        </p:nvSpPr>
+        <p:spPr>
+          <a:xfrm>
+            <a:off x="7553570" y="2811530"/>
+            <a:ext cx="969107" cy="369332"/>
+          </a:xfrm>
+          <a:prstGeom prst="rect">
+            <a:avLst/>
+          </a:prstGeom>
+          <a:noFill/>
+        </p:spPr>
+        <p:txBody>
+          <a:bodyPr wrap="square">
+            <a:spAutoFit/>
+          </a:bodyPr>
+          <a:lstStyle/>
+          <a:p>
+            <a:pPr algn="ctr"/>
+            <a:r>
+              <a:rPr lang="en-US" altLang="ko-Kore-KR" dirty="0">
+                <a:latin typeface="DM Mono" panose="020B0509040201040103" pitchFamily="49" charset="0"/>
+              </a:rPr>
+              <a:t>inc3</a:t>
+            </a:r>
+            <a:endParaRPr lang="ko-Kore-KR" altLang="en-US" dirty="0"/>
+          </a:p>
+        </p:txBody>
+      </p:sp>
+      <p:sp>
+        <p:nvSpPr>
+          <p:cNvPr id="14" name="TextBox 13">
+            <a:extLst>
+              <a:ext uri="{FF2B5EF4-FFF2-40B4-BE49-F238E27FC236}">
+                <a16:creationId xmlns:a16="http://schemas.microsoft.com/office/drawing/2014/main" id="{C09DD0A5-4A2C-AD1F-27AA-48E77B6A1A2D}"/>
+              </a:ext>
+            </a:extLst>
+          </p:cNvPr>
+          <p:cNvSpPr txBox="1"/>
+          <p:nvPr/>
+        </p:nvSpPr>
+        <p:spPr>
+          <a:xfrm>
+            <a:off x="6725138" y="3616258"/>
+            <a:ext cx="382954" cy="523220"/>
+          </a:xfrm>
+          <a:prstGeom prst="rect">
+            <a:avLst/>
+          </a:prstGeom>
+          <a:noFill/>
+        </p:spPr>
+        <p:txBody>
+          <a:bodyPr wrap="square">
+            <a:spAutoFit/>
+          </a:bodyPr>
+          <a:lstStyle/>
+          <a:p>
+            <a:r>
+              <a:rPr lang="en-US" altLang="ko-Kore-KR" sz="2800" dirty="0">
+                <a:latin typeface="DM Mono" panose="020B0509040201040103" pitchFamily="49" charset="0"/>
+              </a:rPr>
+              <a:t>r</a:t>
+            </a:r>
+            <a:endParaRPr lang="ko-Kore-KR" altLang="en-US" sz="2800" dirty="0"/>
+          </a:p>
+        </p:txBody>
+      </p:sp>
+      <p:cxnSp>
+        <p:nvCxnSpPr>
+          <p:cNvPr id="3" name="구부러진 연결선[U] 2">
+            <a:extLst>
+              <a:ext uri="{FF2B5EF4-FFF2-40B4-BE49-F238E27FC236}">
+                <a16:creationId xmlns:a16="http://schemas.microsoft.com/office/drawing/2014/main" id="{F5DDE7C9-36A1-696A-2296-1AC4456A8D2D}"/>
+              </a:ext>
+            </a:extLst>
+          </p:cNvPr>
+          <p:cNvCxnSpPr>
+            <a:cxnSpLocks/>
+            <a:stCxn id="14" idx="2"/>
+            <a:endCxn id="6" idx="2"/>
+          </p:cNvCxnSpPr>
+          <p:nvPr/>
+        </p:nvCxnSpPr>
+        <p:spPr>
+          <a:xfrm rot="5400000">
+            <a:off x="4668355" y="2300294"/>
+            <a:ext cx="409076" cy="4087445"/>
+          </a:xfrm>
+          <a:prstGeom prst="curvedConnector3">
+            <a:avLst>
+              <a:gd name="adj1" fmla="val 274333"/>
+            </a:avLst>
+          </a:prstGeom>
+          <a:ln w="12700">
+            <a:tailEnd type="triangle"/>
+          </a:ln>
+        </p:spPr>
+        <p:style>
+          <a:lnRef idx="1">
+            <a:schemeClr val="dk1"/>
+          </a:lnRef>
+          <a:fillRef idx="0">
+            <a:schemeClr val="dk1"/>
+          </a:fillRef>
+          <a:effectRef idx="0">
+            <a:schemeClr val="dk1"/>
+          </a:effectRef>
+          <a:fontRef idx="minor">
+            <a:schemeClr val="tx1"/>
+          </a:fontRef>
+        </p:style>
+      </p:cxnSp>
+    </p:spTree>
+    <p:extLst>
+      <p:ext uri="{BB962C8B-B14F-4D97-AF65-F5344CB8AC3E}">
+        <p14:creationId xmlns:p14="http://schemas.microsoft.com/office/powerpoint/2010/main" val="4020676180"/>
       </p:ext>
     </p:extLst>
   </p:cSld>

--- a/221114.pptx
+++ b/221114.pptx
@@ -15,6 +15,11 @@
     <p:sldId id="263" r:id="rId9"/>
     <p:sldId id="264" r:id="rId10"/>
     <p:sldId id="265" r:id="rId11"/>
+    <p:sldId id="266" r:id="rId12"/>
+    <p:sldId id="267" r:id="rId13"/>
+    <p:sldId id="268" r:id="rId14"/>
+    <p:sldId id="269" r:id="rId15"/>
+    <p:sldId id="270" r:id="rId16"/>
   </p:sldIdLst>
   <p:sldSz cx="12192000" cy="6858000"/>
   <p:notesSz cx="6858000" cy="9144000"/>
@@ -113,6 +118,11 @@
       </a:defRPr>
     </a:lvl9pPr>
   </p:defaultTextStyle>
+  <p:extLst>
+    <p:ext uri="{EFAFB233-063F-42B5-8137-9DF3F51BA10A}">
+      <p15:sldGuideLst xmlns:p15="http://schemas.microsoft.com/office/powerpoint/2012/main"/>
+    </p:ext>
+  </p:extLst>
 </p:presentation>
 </file>
 
@@ -265,7 +275,7 @@
           <a:p>
             <a:fld id="{68D41F46-5DC1-0141-9D84-04124483FB01}" type="datetimeFigureOut">
               <a:rPr kumimoji="1" lang="ko-Kore-KR" altLang="en-US" smtClean="0"/>
-              <a:t>2022. 11. 15.</a:t>
+              <a:t>2022. 11. 16.</a:t>
             </a:fld>
             <a:endParaRPr kumimoji="1" lang="ko-Kore-KR" altLang="en-US"/>
           </a:p>
@@ -465,7 +475,7 @@
           <a:p>
             <a:fld id="{68D41F46-5DC1-0141-9D84-04124483FB01}" type="datetimeFigureOut">
               <a:rPr kumimoji="1" lang="ko-Kore-KR" altLang="en-US" smtClean="0"/>
-              <a:t>2022. 11. 15.</a:t>
+              <a:t>2022. 11. 16.</a:t>
             </a:fld>
             <a:endParaRPr kumimoji="1" lang="ko-Kore-KR" altLang="en-US"/>
           </a:p>
@@ -675,7 +685,7 @@
           <a:p>
             <a:fld id="{68D41F46-5DC1-0141-9D84-04124483FB01}" type="datetimeFigureOut">
               <a:rPr kumimoji="1" lang="ko-Kore-KR" altLang="en-US" smtClean="0"/>
-              <a:t>2022. 11. 15.</a:t>
+              <a:t>2022. 11. 16.</a:t>
             </a:fld>
             <a:endParaRPr kumimoji="1" lang="ko-Kore-KR" altLang="en-US"/>
           </a:p>
@@ -875,7 +885,7 @@
           <a:p>
             <a:fld id="{68D41F46-5DC1-0141-9D84-04124483FB01}" type="datetimeFigureOut">
               <a:rPr kumimoji="1" lang="ko-Kore-KR" altLang="en-US" smtClean="0"/>
-              <a:t>2022. 11. 15.</a:t>
+              <a:t>2022. 11. 16.</a:t>
             </a:fld>
             <a:endParaRPr kumimoji="1" lang="ko-Kore-KR" altLang="en-US"/>
           </a:p>
@@ -1151,7 +1161,7 @@
           <a:p>
             <a:fld id="{68D41F46-5DC1-0141-9D84-04124483FB01}" type="datetimeFigureOut">
               <a:rPr kumimoji="1" lang="ko-Kore-KR" altLang="en-US" smtClean="0"/>
-              <a:t>2022. 11. 15.</a:t>
+              <a:t>2022. 11. 16.</a:t>
             </a:fld>
             <a:endParaRPr kumimoji="1" lang="ko-Kore-KR" altLang="en-US"/>
           </a:p>
@@ -1419,7 +1429,7 @@
           <a:p>
             <a:fld id="{68D41F46-5DC1-0141-9D84-04124483FB01}" type="datetimeFigureOut">
               <a:rPr kumimoji="1" lang="ko-Kore-KR" altLang="en-US" smtClean="0"/>
-              <a:t>2022. 11. 15.</a:t>
+              <a:t>2022. 11. 16.</a:t>
             </a:fld>
             <a:endParaRPr kumimoji="1" lang="ko-Kore-KR" altLang="en-US"/>
           </a:p>
@@ -1834,7 +1844,7 @@
           <a:p>
             <a:fld id="{68D41F46-5DC1-0141-9D84-04124483FB01}" type="datetimeFigureOut">
               <a:rPr kumimoji="1" lang="ko-Kore-KR" altLang="en-US" smtClean="0"/>
-              <a:t>2022. 11. 15.</a:t>
+              <a:t>2022. 11. 16.</a:t>
             </a:fld>
             <a:endParaRPr kumimoji="1" lang="ko-Kore-KR" altLang="en-US"/>
           </a:p>
@@ -1976,7 +1986,7 @@
           <a:p>
             <a:fld id="{68D41F46-5DC1-0141-9D84-04124483FB01}" type="datetimeFigureOut">
               <a:rPr kumimoji="1" lang="ko-Kore-KR" altLang="en-US" smtClean="0"/>
-              <a:t>2022. 11. 15.</a:t>
+              <a:t>2022. 11. 16.</a:t>
             </a:fld>
             <a:endParaRPr kumimoji="1" lang="ko-Kore-KR" altLang="en-US"/>
           </a:p>
@@ -2089,7 +2099,7 @@
           <a:p>
             <a:fld id="{68D41F46-5DC1-0141-9D84-04124483FB01}" type="datetimeFigureOut">
               <a:rPr kumimoji="1" lang="ko-Kore-KR" altLang="en-US" smtClean="0"/>
-              <a:t>2022. 11. 15.</a:t>
+              <a:t>2022. 11. 16.</a:t>
             </a:fld>
             <a:endParaRPr kumimoji="1" lang="ko-Kore-KR" altLang="en-US"/>
           </a:p>
@@ -2402,7 +2412,7 @@
           <a:p>
             <a:fld id="{68D41F46-5DC1-0141-9D84-04124483FB01}" type="datetimeFigureOut">
               <a:rPr kumimoji="1" lang="ko-Kore-KR" altLang="en-US" smtClean="0"/>
-              <a:t>2022. 11. 15.</a:t>
+              <a:t>2022. 11. 16.</a:t>
             </a:fld>
             <a:endParaRPr kumimoji="1" lang="ko-Kore-KR" altLang="en-US"/>
           </a:p>
@@ -2691,7 +2701,7 @@
           <a:p>
             <a:fld id="{68D41F46-5DC1-0141-9D84-04124483FB01}" type="datetimeFigureOut">
               <a:rPr kumimoji="1" lang="ko-Kore-KR" altLang="en-US" smtClean="0"/>
-              <a:t>2022. 11. 15.</a:t>
+              <a:t>2022. 11. 16.</a:t>
             </a:fld>
             <a:endParaRPr kumimoji="1" lang="ko-Kore-KR" altLang="en-US"/>
           </a:p>
@@ -2934,7 +2944,7 @@
           <a:p>
             <a:fld id="{68D41F46-5DC1-0141-9D84-04124483FB01}" type="datetimeFigureOut">
               <a:rPr kumimoji="1" lang="ko-Kore-KR" altLang="en-US" smtClean="0"/>
-              <a:t>2022. 11. 15.</a:t>
+              <a:t>2022. 11. 16.</a:t>
             </a:fld>
             <a:endParaRPr kumimoji="1" lang="ko-Kore-KR" altLang="en-US"/>
           </a:p>
@@ -3547,12 +3557,16 @@
             <a:r>
               <a:rPr kumimoji="1" lang="en-US" altLang="ko-Kore-KR" dirty="0">
                 <a:solidFill>
-                  <a:schemeClr val="tx1"/>
+                  <a:srgbClr val="FF0000"/>
                 </a:solidFill>
               </a:rPr>
               <a:t>0x200</a:t>
             </a:r>
-            <a:endParaRPr lang="ko-Kore-KR" altLang="en-US" dirty="0"/>
+            <a:endParaRPr lang="ko-Kore-KR" altLang="en-US" dirty="0">
+              <a:solidFill>
+                <a:srgbClr val="FF0000"/>
+              </a:solidFill>
+            </a:endParaRPr>
           </a:p>
         </p:txBody>
       </p:sp>
@@ -3604,7 +3618,7 @@
             <a:r>
               <a:rPr kumimoji="1" lang="en-US" altLang="ko-Kore-KR" sz="2400" dirty="0">
                 <a:solidFill>
-                  <a:schemeClr val="tx1"/>
+                  <a:srgbClr val="FF0000"/>
                 </a:solidFill>
                 <a:latin typeface="DM Mono" panose="020B0509040201040103" pitchFamily="49" charset="0"/>
               </a:rPr>
@@ -3612,7 +3626,7 @@
             </a:r>
             <a:endParaRPr kumimoji="1" lang="ko-Kore-KR" altLang="en-US" sz="2400" dirty="0">
               <a:solidFill>
-                <a:schemeClr val="tx1"/>
+                <a:srgbClr val="FF0000"/>
               </a:solidFill>
               <a:latin typeface="DM Mono" panose="020B0509040201040103" pitchFamily="49" charset="0"/>
             </a:endParaRPr>
@@ -4338,6 +4352,2575 @@
     <p:extLst>
       <p:ext uri="{BB962C8B-B14F-4D97-AF65-F5344CB8AC3E}">
         <p14:creationId xmlns:p14="http://schemas.microsoft.com/office/powerpoint/2010/main" val="3795499190"/>
+      </p:ext>
+    </p:extLst>
+  </p:cSld>
+  <p:clrMapOvr>
+    <a:masterClrMapping/>
+  </p:clrMapOvr>
+</p:sld>
+</file>
+
+<file path=ppt/slides/slide11.xml><?xml version="1.0" encoding="utf-8"?>
+<p:sld xmlns:a="http://schemas.openxmlformats.org/drawingml/2006/main" xmlns:r="http://schemas.openxmlformats.org/officeDocument/2006/relationships" xmlns:p="http://schemas.openxmlformats.org/presentationml/2006/main">
+  <p:cSld>
+    <p:spTree>
+      <p:nvGrpSpPr>
+        <p:cNvPr id="1" name=""/>
+        <p:cNvGrpSpPr/>
+        <p:nvPr/>
+      </p:nvGrpSpPr>
+      <p:grpSpPr>
+        <a:xfrm>
+          <a:off x="0" y="0"/>
+          <a:ext cx="0" cy="0"/>
+          <a:chOff x="0" y="0"/>
+          <a:chExt cx="0" cy="0"/>
+        </a:xfrm>
+      </p:grpSpPr>
+      <p:sp>
+        <p:nvSpPr>
+          <p:cNvPr id="5" name="TextBox 4">
+            <a:extLst>
+              <a:ext uri="{FF2B5EF4-FFF2-40B4-BE49-F238E27FC236}">
+                <a16:creationId xmlns:a16="http://schemas.microsoft.com/office/drawing/2014/main" id="{3DCF8D29-0578-7A32-22A6-F449CA6FFA74}"/>
+              </a:ext>
+            </a:extLst>
+          </p:cNvPr>
+          <p:cNvSpPr txBox="1"/>
+          <p:nvPr/>
+        </p:nvSpPr>
+        <p:spPr>
+          <a:xfrm>
+            <a:off x="512909" y="270105"/>
+            <a:ext cx="6097280" cy="2862322"/>
+          </a:xfrm>
+          <a:prstGeom prst="rect">
+            <a:avLst/>
+          </a:prstGeom>
+          <a:noFill/>
+        </p:spPr>
+        <p:txBody>
+          <a:bodyPr wrap="square">
+            <a:spAutoFit/>
+          </a:bodyPr>
+          <a:lstStyle/>
+          <a:p>
+            <a:r>
+              <a:rPr lang="ko-Kore-KR" altLang="en-US" dirty="0">
+                <a:latin typeface="DM Mono" panose="020B0509040201040103" pitchFamily="49" charset="0"/>
+              </a:rPr>
+              <a:t>int main()</a:t>
+            </a:r>
+          </a:p>
+          <a:p>
+            <a:r>
+              <a:rPr lang="ko-Kore-KR" altLang="en-US" dirty="0">
+                <a:latin typeface="DM Mono" panose="020B0509040201040103" pitchFamily="49" charset="0"/>
+              </a:rPr>
+              <a:t>{</a:t>
+            </a:r>
+          </a:p>
+          <a:p>
+            <a:r>
+              <a:rPr lang="ko-Kore-KR" altLang="en-US" dirty="0">
+                <a:latin typeface="DM Mono" panose="020B0509040201040103" pitchFamily="49" charset="0"/>
+              </a:rPr>
+              <a:t>  int a = 10;</a:t>
+            </a:r>
+          </a:p>
+          <a:p>
+            <a:r>
+              <a:rPr lang="ko-Kore-KR" altLang="en-US" dirty="0">
+                <a:latin typeface="DM Mono" panose="020B0509040201040103" pitchFamily="49" charset="0"/>
+              </a:rPr>
+              <a:t>  int &amp;r = a;</a:t>
+            </a:r>
+          </a:p>
+          <a:p>
+            <a:endParaRPr lang="ko-Kore-KR" altLang="en-US" dirty="0">
+              <a:latin typeface="DM Mono" panose="020B0509040201040103" pitchFamily="49" charset="0"/>
+            </a:endParaRPr>
+          </a:p>
+          <a:p>
+            <a:r>
+              <a:rPr lang="ko-Kore-KR" altLang="en-US" dirty="0">
+                <a:latin typeface="DM Mono" panose="020B0509040201040103" pitchFamily="49" charset="0"/>
+              </a:rPr>
+              <a:t>  const int &amp;cr = 100;</a:t>
+            </a:r>
+            <a:endParaRPr lang="en-US" altLang="ko-Kore-KR" dirty="0">
+              <a:latin typeface="DM Mono" panose="020B0509040201040103" pitchFamily="49" charset="0"/>
+            </a:endParaRPr>
+          </a:p>
+          <a:p>
+            <a:endParaRPr lang="ko-Kore-KR" altLang="en-US" dirty="0">
+              <a:latin typeface="DM Mono" panose="020B0509040201040103" pitchFamily="49" charset="0"/>
+            </a:endParaRPr>
+          </a:p>
+          <a:p>
+            <a:r>
+              <a:rPr lang="ko-Kore-KR" altLang="en-US" dirty="0">
+                <a:latin typeface="DM Mono" panose="020B0509040201040103" pitchFamily="49" charset="0"/>
+              </a:rPr>
+              <a:t>  int &amp;&amp;rr = 100;</a:t>
+            </a:r>
+          </a:p>
+          <a:p>
+            <a:r>
+              <a:rPr lang="ko-Kore-KR" altLang="en-US" dirty="0">
+                <a:latin typeface="DM Mono" panose="020B0509040201040103" pitchFamily="49" charset="0"/>
+              </a:rPr>
+              <a:t>  rr = 42; /* OK */</a:t>
+            </a:r>
+            <a:endParaRPr lang="en-US" altLang="ko-Kore-KR" dirty="0">
+              <a:latin typeface="DM Mono" panose="020B0509040201040103" pitchFamily="49" charset="0"/>
+            </a:endParaRPr>
+          </a:p>
+          <a:p>
+            <a:r>
+              <a:rPr lang="ko-Kore-KR" altLang="en-US" dirty="0">
+                <a:latin typeface="DM Mono" panose="020B0509040201040103" pitchFamily="49" charset="0"/>
+              </a:rPr>
+              <a:t>}</a:t>
+            </a:r>
+          </a:p>
+        </p:txBody>
+      </p:sp>
+      <p:sp>
+        <p:nvSpPr>
+          <p:cNvPr id="6" name="직사각형 5">
+            <a:extLst>
+              <a:ext uri="{FF2B5EF4-FFF2-40B4-BE49-F238E27FC236}">
+                <a16:creationId xmlns:a16="http://schemas.microsoft.com/office/drawing/2014/main" id="{00AB4ED8-28F1-B79E-B6FE-89B47212A1F9}"/>
+              </a:ext>
+            </a:extLst>
+          </p:cNvPr>
+          <p:cNvSpPr/>
+          <p:nvPr/>
+        </p:nvSpPr>
+        <p:spPr>
+          <a:xfrm>
+            <a:off x="4938339" y="2022231"/>
+            <a:ext cx="4360984" cy="2813538"/>
+          </a:xfrm>
+          <a:prstGeom prst="rect">
+            <a:avLst/>
+          </a:prstGeom>
+          <a:solidFill>
+            <a:schemeClr val="bg1"/>
+          </a:solidFill>
+        </p:spPr>
+        <p:style>
+          <a:lnRef idx="2">
+            <a:schemeClr val="accent1">
+              <a:shade val="50000"/>
+            </a:schemeClr>
+          </a:lnRef>
+          <a:fillRef idx="1">
+            <a:schemeClr val="accent1"/>
+          </a:fillRef>
+          <a:effectRef idx="0">
+            <a:schemeClr val="accent1"/>
+          </a:effectRef>
+          <a:fontRef idx="minor">
+            <a:schemeClr val="lt1"/>
+          </a:fontRef>
+        </p:style>
+        <p:txBody>
+          <a:bodyPr rtlCol="0" anchor="ctr"/>
+          <a:lstStyle/>
+          <a:p>
+            <a:pPr algn="ctr"/>
+            <a:endParaRPr kumimoji="1" lang="ko-Kore-KR" altLang="en-US" sz="2400" dirty="0">
+              <a:solidFill>
+                <a:schemeClr val="tx1"/>
+              </a:solidFill>
+              <a:latin typeface="DM Mono" panose="020B0509040201040103" pitchFamily="49" charset="0"/>
+            </a:endParaRPr>
+          </a:p>
+        </p:txBody>
+      </p:sp>
+      <p:sp>
+        <p:nvSpPr>
+          <p:cNvPr id="7" name="직사각형 6">
+            <a:extLst>
+              <a:ext uri="{FF2B5EF4-FFF2-40B4-BE49-F238E27FC236}">
+                <a16:creationId xmlns:a16="http://schemas.microsoft.com/office/drawing/2014/main" id="{025268B9-BD29-87D8-281D-41747E0EC98F}"/>
+              </a:ext>
+            </a:extLst>
+          </p:cNvPr>
+          <p:cNvSpPr/>
+          <p:nvPr/>
+        </p:nvSpPr>
+        <p:spPr>
+          <a:xfrm>
+            <a:off x="6321662" y="2553676"/>
+            <a:ext cx="801437" cy="523221"/>
+          </a:xfrm>
+          <a:prstGeom prst="rect">
+            <a:avLst/>
+          </a:prstGeom>
+          <a:solidFill>
+            <a:srgbClr val="FFFF00"/>
+          </a:solidFill>
+        </p:spPr>
+        <p:style>
+          <a:lnRef idx="2">
+            <a:schemeClr val="accent1">
+              <a:shade val="50000"/>
+            </a:schemeClr>
+          </a:lnRef>
+          <a:fillRef idx="1">
+            <a:schemeClr val="accent1"/>
+          </a:fillRef>
+          <a:effectRef idx="0">
+            <a:schemeClr val="accent1"/>
+          </a:effectRef>
+          <a:fontRef idx="minor">
+            <a:schemeClr val="lt1"/>
+          </a:fontRef>
+        </p:style>
+        <p:txBody>
+          <a:bodyPr rtlCol="0" anchor="ctr"/>
+          <a:lstStyle/>
+          <a:p>
+            <a:pPr algn="ctr"/>
+            <a:r>
+              <a:rPr kumimoji="1" lang="en-US" altLang="ko-Kore-KR" dirty="0">
+                <a:solidFill>
+                  <a:schemeClr val="tx1"/>
+                </a:solidFill>
+                <a:latin typeface="DM Mono" panose="020B0509040201040103" pitchFamily="49" charset="0"/>
+              </a:rPr>
+              <a:t>10</a:t>
+            </a:r>
+            <a:endParaRPr kumimoji="1" lang="ko-Kore-KR" altLang="en-US" dirty="0">
+              <a:solidFill>
+                <a:schemeClr val="tx1"/>
+              </a:solidFill>
+              <a:latin typeface="DM Mono" panose="020B0509040201040103" pitchFamily="49" charset="0"/>
+            </a:endParaRPr>
+          </a:p>
+        </p:txBody>
+      </p:sp>
+      <p:sp>
+        <p:nvSpPr>
+          <p:cNvPr id="8" name="TextBox 7">
+            <a:extLst>
+              <a:ext uri="{FF2B5EF4-FFF2-40B4-BE49-F238E27FC236}">
+                <a16:creationId xmlns:a16="http://schemas.microsoft.com/office/drawing/2014/main" id="{47758263-3513-C694-D74F-4B55861B0C11}"/>
+              </a:ext>
+            </a:extLst>
+          </p:cNvPr>
+          <p:cNvSpPr txBox="1"/>
+          <p:nvPr/>
+        </p:nvSpPr>
+        <p:spPr>
+          <a:xfrm>
+            <a:off x="5938708" y="2630620"/>
+            <a:ext cx="382954" cy="369332"/>
+          </a:xfrm>
+          <a:prstGeom prst="rect">
+            <a:avLst/>
+          </a:prstGeom>
+          <a:noFill/>
+        </p:spPr>
+        <p:txBody>
+          <a:bodyPr wrap="square">
+            <a:spAutoFit/>
+          </a:bodyPr>
+          <a:lstStyle/>
+          <a:p>
+            <a:r>
+              <a:rPr lang="en-US" altLang="ko-KR" dirty="0">
+                <a:latin typeface="DM Mono" panose="020B0509040201040103" pitchFamily="49" charset="0"/>
+              </a:rPr>
+              <a:t>a</a:t>
+            </a:r>
+            <a:endParaRPr lang="ko-Kore-KR" altLang="en-US" dirty="0"/>
+          </a:p>
+        </p:txBody>
+      </p:sp>
+      <p:sp>
+        <p:nvSpPr>
+          <p:cNvPr id="9" name="TextBox 8">
+            <a:extLst>
+              <a:ext uri="{FF2B5EF4-FFF2-40B4-BE49-F238E27FC236}">
+                <a16:creationId xmlns:a16="http://schemas.microsoft.com/office/drawing/2014/main" id="{BBDC2977-F77D-59F0-20FE-52884C452F8A}"/>
+              </a:ext>
+            </a:extLst>
+          </p:cNvPr>
+          <p:cNvSpPr txBox="1"/>
+          <p:nvPr/>
+        </p:nvSpPr>
+        <p:spPr>
+          <a:xfrm>
+            <a:off x="6634277" y="1652899"/>
+            <a:ext cx="969107" cy="369332"/>
+          </a:xfrm>
+          <a:prstGeom prst="rect">
+            <a:avLst/>
+          </a:prstGeom>
+          <a:noFill/>
+        </p:spPr>
+        <p:txBody>
+          <a:bodyPr wrap="square">
+            <a:spAutoFit/>
+          </a:bodyPr>
+          <a:lstStyle/>
+          <a:p>
+            <a:pPr algn="ctr"/>
+            <a:r>
+              <a:rPr lang="ko-Kore-KR" altLang="en-US" dirty="0">
+                <a:latin typeface="DM Mono" panose="020B0509040201040103" pitchFamily="49" charset="0"/>
+              </a:rPr>
+              <a:t>main</a:t>
+            </a:r>
+            <a:endParaRPr lang="ko-Kore-KR" altLang="en-US" dirty="0"/>
+          </a:p>
+        </p:txBody>
+      </p:sp>
+    </p:spTree>
+    <p:extLst>
+      <p:ext uri="{BB962C8B-B14F-4D97-AF65-F5344CB8AC3E}">
+        <p14:creationId xmlns:p14="http://schemas.microsoft.com/office/powerpoint/2010/main" val="1203324718"/>
+      </p:ext>
+    </p:extLst>
+  </p:cSld>
+  <p:clrMapOvr>
+    <a:masterClrMapping/>
+  </p:clrMapOvr>
+</p:sld>
+</file>
+
+<file path=ppt/slides/slide12.xml><?xml version="1.0" encoding="utf-8"?>
+<p:sld xmlns:a="http://schemas.openxmlformats.org/drawingml/2006/main" xmlns:r="http://schemas.openxmlformats.org/officeDocument/2006/relationships" xmlns:p="http://schemas.openxmlformats.org/presentationml/2006/main">
+  <p:cSld>
+    <p:spTree>
+      <p:nvGrpSpPr>
+        <p:cNvPr id="1" name=""/>
+        <p:cNvGrpSpPr/>
+        <p:nvPr/>
+      </p:nvGrpSpPr>
+      <p:grpSpPr>
+        <a:xfrm>
+          <a:off x="0" y="0"/>
+          <a:ext cx="0" cy="0"/>
+          <a:chOff x="0" y="0"/>
+          <a:chExt cx="0" cy="0"/>
+        </a:xfrm>
+      </p:grpSpPr>
+      <p:sp>
+        <p:nvSpPr>
+          <p:cNvPr id="5" name="TextBox 4">
+            <a:extLst>
+              <a:ext uri="{FF2B5EF4-FFF2-40B4-BE49-F238E27FC236}">
+                <a16:creationId xmlns:a16="http://schemas.microsoft.com/office/drawing/2014/main" id="{3DCF8D29-0578-7A32-22A6-F449CA6FFA74}"/>
+              </a:ext>
+            </a:extLst>
+          </p:cNvPr>
+          <p:cNvSpPr txBox="1"/>
+          <p:nvPr/>
+        </p:nvSpPr>
+        <p:spPr>
+          <a:xfrm>
+            <a:off x="512909" y="270105"/>
+            <a:ext cx="6097280" cy="2862322"/>
+          </a:xfrm>
+          <a:prstGeom prst="rect">
+            <a:avLst/>
+          </a:prstGeom>
+          <a:noFill/>
+        </p:spPr>
+        <p:txBody>
+          <a:bodyPr wrap="square">
+            <a:spAutoFit/>
+          </a:bodyPr>
+          <a:lstStyle/>
+          <a:p>
+            <a:r>
+              <a:rPr lang="ko-Kore-KR" altLang="en-US" dirty="0">
+                <a:latin typeface="DM Mono" panose="020B0509040201040103" pitchFamily="49" charset="0"/>
+              </a:rPr>
+              <a:t>int main()</a:t>
+            </a:r>
+          </a:p>
+          <a:p>
+            <a:r>
+              <a:rPr lang="ko-Kore-KR" altLang="en-US" dirty="0">
+                <a:latin typeface="DM Mono" panose="020B0509040201040103" pitchFamily="49" charset="0"/>
+              </a:rPr>
+              <a:t>{</a:t>
+            </a:r>
+          </a:p>
+          <a:p>
+            <a:r>
+              <a:rPr lang="ko-Kore-KR" altLang="en-US" dirty="0">
+                <a:latin typeface="DM Mono" panose="020B0509040201040103" pitchFamily="49" charset="0"/>
+              </a:rPr>
+              <a:t>  int a = 10;</a:t>
+            </a:r>
+          </a:p>
+          <a:p>
+            <a:r>
+              <a:rPr lang="ko-Kore-KR" altLang="en-US" dirty="0">
+                <a:solidFill>
+                  <a:srgbClr val="FF0000"/>
+                </a:solidFill>
+                <a:latin typeface="DM Mono" panose="020B0509040201040103" pitchFamily="49" charset="0"/>
+              </a:rPr>
+              <a:t>  int &amp;r = a;</a:t>
+            </a:r>
+          </a:p>
+          <a:p>
+            <a:endParaRPr lang="ko-Kore-KR" altLang="en-US" dirty="0">
+              <a:latin typeface="DM Mono" panose="020B0509040201040103" pitchFamily="49" charset="0"/>
+            </a:endParaRPr>
+          </a:p>
+          <a:p>
+            <a:r>
+              <a:rPr lang="ko-Kore-KR" altLang="en-US" dirty="0">
+                <a:latin typeface="DM Mono" panose="020B0509040201040103" pitchFamily="49" charset="0"/>
+              </a:rPr>
+              <a:t>  const int &amp;cr = 100;</a:t>
+            </a:r>
+            <a:endParaRPr lang="en-US" altLang="ko-Kore-KR" dirty="0">
+              <a:latin typeface="DM Mono" panose="020B0509040201040103" pitchFamily="49" charset="0"/>
+            </a:endParaRPr>
+          </a:p>
+          <a:p>
+            <a:endParaRPr lang="ko-Kore-KR" altLang="en-US" dirty="0">
+              <a:latin typeface="DM Mono" panose="020B0509040201040103" pitchFamily="49" charset="0"/>
+            </a:endParaRPr>
+          </a:p>
+          <a:p>
+            <a:r>
+              <a:rPr lang="ko-Kore-KR" altLang="en-US" dirty="0">
+                <a:latin typeface="DM Mono" panose="020B0509040201040103" pitchFamily="49" charset="0"/>
+              </a:rPr>
+              <a:t>  int &amp;&amp;rr = 100;</a:t>
+            </a:r>
+          </a:p>
+          <a:p>
+            <a:r>
+              <a:rPr lang="ko-Kore-KR" altLang="en-US" dirty="0">
+                <a:latin typeface="DM Mono" panose="020B0509040201040103" pitchFamily="49" charset="0"/>
+              </a:rPr>
+              <a:t>  rr = 42; /* OK */</a:t>
+            </a:r>
+            <a:endParaRPr lang="en-US" altLang="ko-Kore-KR" dirty="0">
+              <a:latin typeface="DM Mono" panose="020B0509040201040103" pitchFamily="49" charset="0"/>
+            </a:endParaRPr>
+          </a:p>
+          <a:p>
+            <a:r>
+              <a:rPr lang="ko-Kore-KR" altLang="en-US" dirty="0">
+                <a:latin typeface="DM Mono" panose="020B0509040201040103" pitchFamily="49" charset="0"/>
+              </a:rPr>
+              <a:t>}</a:t>
+            </a:r>
+          </a:p>
+        </p:txBody>
+      </p:sp>
+      <p:sp>
+        <p:nvSpPr>
+          <p:cNvPr id="6" name="직사각형 5">
+            <a:extLst>
+              <a:ext uri="{FF2B5EF4-FFF2-40B4-BE49-F238E27FC236}">
+                <a16:creationId xmlns:a16="http://schemas.microsoft.com/office/drawing/2014/main" id="{00AB4ED8-28F1-B79E-B6FE-89B47212A1F9}"/>
+              </a:ext>
+            </a:extLst>
+          </p:cNvPr>
+          <p:cNvSpPr/>
+          <p:nvPr/>
+        </p:nvSpPr>
+        <p:spPr>
+          <a:xfrm>
+            <a:off x="4938339" y="2022231"/>
+            <a:ext cx="4360984" cy="2813538"/>
+          </a:xfrm>
+          <a:prstGeom prst="rect">
+            <a:avLst/>
+          </a:prstGeom>
+          <a:solidFill>
+            <a:schemeClr val="bg1"/>
+          </a:solidFill>
+        </p:spPr>
+        <p:style>
+          <a:lnRef idx="2">
+            <a:schemeClr val="accent1">
+              <a:shade val="50000"/>
+            </a:schemeClr>
+          </a:lnRef>
+          <a:fillRef idx="1">
+            <a:schemeClr val="accent1"/>
+          </a:fillRef>
+          <a:effectRef idx="0">
+            <a:schemeClr val="accent1"/>
+          </a:effectRef>
+          <a:fontRef idx="minor">
+            <a:schemeClr val="lt1"/>
+          </a:fontRef>
+        </p:style>
+        <p:txBody>
+          <a:bodyPr rtlCol="0" anchor="ctr"/>
+          <a:lstStyle/>
+          <a:p>
+            <a:pPr algn="ctr"/>
+            <a:endParaRPr kumimoji="1" lang="ko-Kore-KR" altLang="en-US" sz="2400" dirty="0">
+              <a:solidFill>
+                <a:schemeClr val="tx1"/>
+              </a:solidFill>
+              <a:latin typeface="DM Mono" panose="020B0509040201040103" pitchFamily="49" charset="0"/>
+            </a:endParaRPr>
+          </a:p>
+        </p:txBody>
+      </p:sp>
+      <p:sp>
+        <p:nvSpPr>
+          <p:cNvPr id="7" name="직사각형 6">
+            <a:extLst>
+              <a:ext uri="{FF2B5EF4-FFF2-40B4-BE49-F238E27FC236}">
+                <a16:creationId xmlns:a16="http://schemas.microsoft.com/office/drawing/2014/main" id="{025268B9-BD29-87D8-281D-41747E0EC98F}"/>
+              </a:ext>
+            </a:extLst>
+          </p:cNvPr>
+          <p:cNvSpPr/>
+          <p:nvPr/>
+        </p:nvSpPr>
+        <p:spPr>
+          <a:xfrm>
+            <a:off x="6321662" y="2553676"/>
+            <a:ext cx="801437" cy="523221"/>
+          </a:xfrm>
+          <a:prstGeom prst="rect">
+            <a:avLst/>
+          </a:prstGeom>
+          <a:solidFill>
+            <a:srgbClr val="FFFF00"/>
+          </a:solidFill>
+        </p:spPr>
+        <p:style>
+          <a:lnRef idx="2">
+            <a:schemeClr val="accent1">
+              <a:shade val="50000"/>
+            </a:schemeClr>
+          </a:lnRef>
+          <a:fillRef idx="1">
+            <a:schemeClr val="accent1"/>
+          </a:fillRef>
+          <a:effectRef idx="0">
+            <a:schemeClr val="accent1"/>
+          </a:effectRef>
+          <a:fontRef idx="minor">
+            <a:schemeClr val="lt1"/>
+          </a:fontRef>
+        </p:style>
+        <p:txBody>
+          <a:bodyPr rtlCol="0" anchor="ctr"/>
+          <a:lstStyle/>
+          <a:p>
+            <a:pPr algn="ctr"/>
+            <a:r>
+              <a:rPr kumimoji="1" lang="en-US" altLang="ko-Kore-KR" dirty="0">
+                <a:solidFill>
+                  <a:schemeClr val="tx1"/>
+                </a:solidFill>
+                <a:latin typeface="DM Mono" panose="020B0509040201040103" pitchFamily="49" charset="0"/>
+              </a:rPr>
+              <a:t>10</a:t>
+            </a:r>
+            <a:endParaRPr kumimoji="1" lang="ko-Kore-KR" altLang="en-US" dirty="0">
+              <a:solidFill>
+                <a:schemeClr val="tx1"/>
+              </a:solidFill>
+              <a:latin typeface="DM Mono" panose="020B0509040201040103" pitchFamily="49" charset="0"/>
+            </a:endParaRPr>
+          </a:p>
+        </p:txBody>
+      </p:sp>
+      <p:sp>
+        <p:nvSpPr>
+          <p:cNvPr id="8" name="TextBox 7">
+            <a:extLst>
+              <a:ext uri="{FF2B5EF4-FFF2-40B4-BE49-F238E27FC236}">
+                <a16:creationId xmlns:a16="http://schemas.microsoft.com/office/drawing/2014/main" id="{47758263-3513-C694-D74F-4B55861B0C11}"/>
+              </a:ext>
+            </a:extLst>
+          </p:cNvPr>
+          <p:cNvSpPr txBox="1"/>
+          <p:nvPr/>
+        </p:nvSpPr>
+        <p:spPr>
+          <a:xfrm>
+            <a:off x="6034447" y="2507182"/>
+            <a:ext cx="382954" cy="369332"/>
+          </a:xfrm>
+          <a:prstGeom prst="rect">
+            <a:avLst/>
+          </a:prstGeom>
+          <a:noFill/>
+        </p:spPr>
+        <p:txBody>
+          <a:bodyPr wrap="square">
+            <a:spAutoFit/>
+          </a:bodyPr>
+          <a:lstStyle/>
+          <a:p>
+            <a:r>
+              <a:rPr lang="en-US" altLang="ko-KR" dirty="0">
+                <a:latin typeface="DM Mono" panose="020B0509040201040103" pitchFamily="49" charset="0"/>
+              </a:rPr>
+              <a:t>a</a:t>
+            </a:r>
+            <a:endParaRPr lang="ko-Kore-KR" altLang="en-US" dirty="0"/>
+          </a:p>
+        </p:txBody>
+      </p:sp>
+      <p:sp>
+        <p:nvSpPr>
+          <p:cNvPr id="9" name="TextBox 8">
+            <a:extLst>
+              <a:ext uri="{FF2B5EF4-FFF2-40B4-BE49-F238E27FC236}">
+                <a16:creationId xmlns:a16="http://schemas.microsoft.com/office/drawing/2014/main" id="{BBDC2977-F77D-59F0-20FE-52884C452F8A}"/>
+              </a:ext>
+            </a:extLst>
+          </p:cNvPr>
+          <p:cNvSpPr txBox="1"/>
+          <p:nvPr/>
+        </p:nvSpPr>
+        <p:spPr>
+          <a:xfrm>
+            <a:off x="6634277" y="1652899"/>
+            <a:ext cx="969107" cy="369332"/>
+          </a:xfrm>
+          <a:prstGeom prst="rect">
+            <a:avLst/>
+          </a:prstGeom>
+          <a:noFill/>
+        </p:spPr>
+        <p:txBody>
+          <a:bodyPr wrap="square">
+            <a:spAutoFit/>
+          </a:bodyPr>
+          <a:lstStyle/>
+          <a:p>
+            <a:pPr algn="ctr"/>
+            <a:r>
+              <a:rPr lang="ko-Kore-KR" altLang="en-US" dirty="0">
+                <a:latin typeface="DM Mono" panose="020B0509040201040103" pitchFamily="49" charset="0"/>
+              </a:rPr>
+              <a:t>main</a:t>
+            </a:r>
+            <a:endParaRPr lang="ko-Kore-KR" altLang="en-US" dirty="0"/>
+          </a:p>
+        </p:txBody>
+      </p:sp>
+      <p:sp>
+        <p:nvSpPr>
+          <p:cNvPr id="2" name="TextBox 1">
+            <a:extLst>
+              <a:ext uri="{FF2B5EF4-FFF2-40B4-BE49-F238E27FC236}">
+                <a16:creationId xmlns:a16="http://schemas.microsoft.com/office/drawing/2014/main" id="{BAD87C29-E975-5EC2-3712-62940096AFF2}"/>
+              </a:ext>
+            </a:extLst>
+          </p:cNvPr>
+          <p:cNvSpPr txBox="1"/>
+          <p:nvPr/>
+        </p:nvSpPr>
+        <p:spPr>
+          <a:xfrm>
+            <a:off x="6034447" y="2767027"/>
+            <a:ext cx="382954" cy="369332"/>
+          </a:xfrm>
+          <a:prstGeom prst="rect">
+            <a:avLst/>
+          </a:prstGeom>
+          <a:noFill/>
+        </p:spPr>
+        <p:txBody>
+          <a:bodyPr wrap="square">
+            <a:spAutoFit/>
+          </a:bodyPr>
+          <a:lstStyle/>
+          <a:p>
+            <a:r>
+              <a:rPr lang="en-US" altLang="ko-KR" dirty="0">
+                <a:latin typeface="DM Mono" panose="020B0509040201040103" pitchFamily="49" charset="0"/>
+              </a:rPr>
+              <a:t>r</a:t>
+            </a:r>
+            <a:endParaRPr lang="ko-Kore-KR" altLang="en-US" dirty="0"/>
+          </a:p>
+        </p:txBody>
+      </p:sp>
+    </p:spTree>
+    <p:extLst>
+      <p:ext uri="{BB962C8B-B14F-4D97-AF65-F5344CB8AC3E}">
+        <p14:creationId xmlns:p14="http://schemas.microsoft.com/office/powerpoint/2010/main" val="342578850"/>
+      </p:ext>
+    </p:extLst>
+  </p:cSld>
+  <p:clrMapOvr>
+    <a:masterClrMapping/>
+  </p:clrMapOvr>
+</p:sld>
+</file>
+
+<file path=ppt/slides/slide13.xml><?xml version="1.0" encoding="utf-8"?>
+<p:sld xmlns:a="http://schemas.openxmlformats.org/drawingml/2006/main" xmlns:r="http://schemas.openxmlformats.org/officeDocument/2006/relationships" xmlns:p="http://schemas.openxmlformats.org/presentationml/2006/main">
+  <p:cSld>
+    <p:spTree>
+      <p:nvGrpSpPr>
+        <p:cNvPr id="1" name=""/>
+        <p:cNvGrpSpPr/>
+        <p:nvPr/>
+      </p:nvGrpSpPr>
+      <p:grpSpPr>
+        <a:xfrm>
+          <a:off x="0" y="0"/>
+          <a:ext cx="0" cy="0"/>
+          <a:chOff x="0" y="0"/>
+          <a:chExt cx="0" cy="0"/>
+        </a:xfrm>
+      </p:grpSpPr>
+      <p:sp>
+        <p:nvSpPr>
+          <p:cNvPr id="5" name="TextBox 4">
+            <a:extLst>
+              <a:ext uri="{FF2B5EF4-FFF2-40B4-BE49-F238E27FC236}">
+                <a16:creationId xmlns:a16="http://schemas.microsoft.com/office/drawing/2014/main" id="{3DCF8D29-0578-7A32-22A6-F449CA6FFA74}"/>
+              </a:ext>
+            </a:extLst>
+          </p:cNvPr>
+          <p:cNvSpPr txBox="1"/>
+          <p:nvPr/>
+        </p:nvSpPr>
+        <p:spPr>
+          <a:xfrm>
+            <a:off x="512909" y="270105"/>
+            <a:ext cx="6097280" cy="2862322"/>
+          </a:xfrm>
+          <a:prstGeom prst="rect">
+            <a:avLst/>
+          </a:prstGeom>
+          <a:noFill/>
+        </p:spPr>
+        <p:txBody>
+          <a:bodyPr wrap="square">
+            <a:spAutoFit/>
+          </a:bodyPr>
+          <a:lstStyle/>
+          <a:p>
+            <a:r>
+              <a:rPr lang="ko-Kore-KR" altLang="en-US" dirty="0">
+                <a:latin typeface="DM Mono" panose="020B0509040201040103" pitchFamily="49" charset="0"/>
+              </a:rPr>
+              <a:t>int main()</a:t>
+            </a:r>
+          </a:p>
+          <a:p>
+            <a:r>
+              <a:rPr lang="ko-Kore-KR" altLang="en-US" dirty="0">
+                <a:latin typeface="DM Mono" panose="020B0509040201040103" pitchFamily="49" charset="0"/>
+              </a:rPr>
+              <a:t>{</a:t>
+            </a:r>
+          </a:p>
+          <a:p>
+            <a:r>
+              <a:rPr lang="ko-Kore-KR" altLang="en-US" dirty="0">
+                <a:latin typeface="DM Mono" panose="020B0509040201040103" pitchFamily="49" charset="0"/>
+              </a:rPr>
+              <a:t>  int a = 10;</a:t>
+            </a:r>
+          </a:p>
+          <a:p>
+            <a:r>
+              <a:rPr lang="ko-Kore-KR" altLang="en-US" dirty="0">
+                <a:latin typeface="DM Mono" panose="020B0509040201040103" pitchFamily="49" charset="0"/>
+              </a:rPr>
+              <a:t>  int &amp;r = a;</a:t>
+            </a:r>
+          </a:p>
+          <a:p>
+            <a:endParaRPr lang="ko-Kore-KR" altLang="en-US" dirty="0">
+              <a:latin typeface="DM Mono" panose="020B0509040201040103" pitchFamily="49" charset="0"/>
+            </a:endParaRPr>
+          </a:p>
+          <a:p>
+            <a:r>
+              <a:rPr lang="ko-Kore-KR" altLang="en-US" dirty="0">
+                <a:solidFill>
+                  <a:srgbClr val="FF0000"/>
+                </a:solidFill>
+                <a:latin typeface="DM Mono" panose="020B0509040201040103" pitchFamily="49" charset="0"/>
+              </a:rPr>
+              <a:t>  const int &amp;cr = 100;</a:t>
+            </a:r>
+            <a:endParaRPr lang="en-US" altLang="ko-Kore-KR" dirty="0">
+              <a:solidFill>
+                <a:srgbClr val="FF0000"/>
+              </a:solidFill>
+              <a:latin typeface="DM Mono" panose="020B0509040201040103" pitchFamily="49" charset="0"/>
+            </a:endParaRPr>
+          </a:p>
+          <a:p>
+            <a:endParaRPr lang="ko-Kore-KR" altLang="en-US" dirty="0">
+              <a:latin typeface="DM Mono" panose="020B0509040201040103" pitchFamily="49" charset="0"/>
+            </a:endParaRPr>
+          </a:p>
+          <a:p>
+            <a:r>
+              <a:rPr lang="ko-Kore-KR" altLang="en-US" dirty="0">
+                <a:latin typeface="DM Mono" panose="020B0509040201040103" pitchFamily="49" charset="0"/>
+              </a:rPr>
+              <a:t>  int &amp;&amp;rr = 100;</a:t>
+            </a:r>
+          </a:p>
+          <a:p>
+            <a:r>
+              <a:rPr lang="ko-Kore-KR" altLang="en-US" dirty="0">
+                <a:latin typeface="DM Mono" panose="020B0509040201040103" pitchFamily="49" charset="0"/>
+              </a:rPr>
+              <a:t>  rr = 42; /* OK */</a:t>
+            </a:r>
+            <a:endParaRPr lang="en-US" altLang="ko-Kore-KR" dirty="0">
+              <a:latin typeface="DM Mono" panose="020B0509040201040103" pitchFamily="49" charset="0"/>
+            </a:endParaRPr>
+          </a:p>
+          <a:p>
+            <a:r>
+              <a:rPr lang="ko-Kore-KR" altLang="en-US" dirty="0">
+                <a:latin typeface="DM Mono" panose="020B0509040201040103" pitchFamily="49" charset="0"/>
+              </a:rPr>
+              <a:t>}</a:t>
+            </a:r>
+          </a:p>
+        </p:txBody>
+      </p:sp>
+      <p:sp>
+        <p:nvSpPr>
+          <p:cNvPr id="6" name="직사각형 5">
+            <a:extLst>
+              <a:ext uri="{FF2B5EF4-FFF2-40B4-BE49-F238E27FC236}">
+                <a16:creationId xmlns:a16="http://schemas.microsoft.com/office/drawing/2014/main" id="{00AB4ED8-28F1-B79E-B6FE-89B47212A1F9}"/>
+              </a:ext>
+            </a:extLst>
+          </p:cNvPr>
+          <p:cNvSpPr/>
+          <p:nvPr/>
+        </p:nvSpPr>
+        <p:spPr>
+          <a:xfrm>
+            <a:off x="4938339" y="2022231"/>
+            <a:ext cx="4360984" cy="2813538"/>
+          </a:xfrm>
+          <a:prstGeom prst="rect">
+            <a:avLst/>
+          </a:prstGeom>
+          <a:solidFill>
+            <a:schemeClr val="bg1"/>
+          </a:solidFill>
+        </p:spPr>
+        <p:style>
+          <a:lnRef idx="2">
+            <a:schemeClr val="accent1">
+              <a:shade val="50000"/>
+            </a:schemeClr>
+          </a:lnRef>
+          <a:fillRef idx="1">
+            <a:schemeClr val="accent1"/>
+          </a:fillRef>
+          <a:effectRef idx="0">
+            <a:schemeClr val="accent1"/>
+          </a:effectRef>
+          <a:fontRef idx="minor">
+            <a:schemeClr val="lt1"/>
+          </a:fontRef>
+        </p:style>
+        <p:txBody>
+          <a:bodyPr rtlCol="0" anchor="ctr"/>
+          <a:lstStyle/>
+          <a:p>
+            <a:pPr algn="ctr"/>
+            <a:endParaRPr kumimoji="1" lang="ko-Kore-KR" altLang="en-US" sz="2400" dirty="0">
+              <a:solidFill>
+                <a:schemeClr val="tx1"/>
+              </a:solidFill>
+              <a:latin typeface="DM Mono" panose="020B0509040201040103" pitchFamily="49" charset="0"/>
+            </a:endParaRPr>
+          </a:p>
+        </p:txBody>
+      </p:sp>
+      <p:sp>
+        <p:nvSpPr>
+          <p:cNvPr id="7" name="직사각형 6">
+            <a:extLst>
+              <a:ext uri="{FF2B5EF4-FFF2-40B4-BE49-F238E27FC236}">
+                <a16:creationId xmlns:a16="http://schemas.microsoft.com/office/drawing/2014/main" id="{025268B9-BD29-87D8-281D-41747E0EC98F}"/>
+              </a:ext>
+            </a:extLst>
+          </p:cNvPr>
+          <p:cNvSpPr/>
+          <p:nvPr/>
+        </p:nvSpPr>
+        <p:spPr>
+          <a:xfrm>
+            <a:off x="6321662" y="2553676"/>
+            <a:ext cx="801437" cy="523221"/>
+          </a:xfrm>
+          <a:prstGeom prst="rect">
+            <a:avLst/>
+          </a:prstGeom>
+          <a:solidFill>
+            <a:srgbClr val="FFFF00"/>
+          </a:solidFill>
+        </p:spPr>
+        <p:style>
+          <a:lnRef idx="2">
+            <a:schemeClr val="accent1">
+              <a:shade val="50000"/>
+            </a:schemeClr>
+          </a:lnRef>
+          <a:fillRef idx="1">
+            <a:schemeClr val="accent1"/>
+          </a:fillRef>
+          <a:effectRef idx="0">
+            <a:schemeClr val="accent1"/>
+          </a:effectRef>
+          <a:fontRef idx="minor">
+            <a:schemeClr val="lt1"/>
+          </a:fontRef>
+        </p:style>
+        <p:txBody>
+          <a:bodyPr rtlCol="0" anchor="ctr"/>
+          <a:lstStyle/>
+          <a:p>
+            <a:pPr algn="ctr"/>
+            <a:r>
+              <a:rPr kumimoji="1" lang="en-US" altLang="ko-Kore-KR" dirty="0">
+                <a:solidFill>
+                  <a:schemeClr val="tx1"/>
+                </a:solidFill>
+                <a:latin typeface="DM Mono" panose="020B0509040201040103" pitchFamily="49" charset="0"/>
+              </a:rPr>
+              <a:t>10</a:t>
+            </a:r>
+            <a:endParaRPr kumimoji="1" lang="ko-Kore-KR" altLang="en-US" dirty="0">
+              <a:solidFill>
+                <a:schemeClr val="tx1"/>
+              </a:solidFill>
+              <a:latin typeface="DM Mono" panose="020B0509040201040103" pitchFamily="49" charset="0"/>
+            </a:endParaRPr>
+          </a:p>
+        </p:txBody>
+      </p:sp>
+      <p:sp>
+        <p:nvSpPr>
+          <p:cNvPr id="8" name="TextBox 7">
+            <a:extLst>
+              <a:ext uri="{FF2B5EF4-FFF2-40B4-BE49-F238E27FC236}">
+                <a16:creationId xmlns:a16="http://schemas.microsoft.com/office/drawing/2014/main" id="{47758263-3513-C694-D74F-4B55861B0C11}"/>
+              </a:ext>
+            </a:extLst>
+          </p:cNvPr>
+          <p:cNvSpPr txBox="1"/>
+          <p:nvPr/>
+        </p:nvSpPr>
+        <p:spPr>
+          <a:xfrm>
+            <a:off x="6034447" y="2507182"/>
+            <a:ext cx="382954" cy="369332"/>
+          </a:xfrm>
+          <a:prstGeom prst="rect">
+            <a:avLst/>
+          </a:prstGeom>
+          <a:noFill/>
+        </p:spPr>
+        <p:txBody>
+          <a:bodyPr wrap="square">
+            <a:spAutoFit/>
+          </a:bodyPr>
+          <a:lstStyle/>
+          <a:p>
+            <a:r>
+              <a:rPr lang="en-US" altLang="ko-KR" dirty="0">
+                <a:latin typeface="DM Mono" panose="020B0509040201040103" pitchFamily="49" charset="0"/>
+              </a:rPr>
+              <a:t>a</a:t>
+            </a:r>
+            <a:endParaRPr lang="ko-Kore-KR" altLang="en-US" dirty="0"/>
+          </a:p>
+        </p:txBody>
+      </p:sp>
+      <p:sp>
+        <p:nvSpPr>
+          <p:cNvPr id="9" name="TextBox 8">
+            <a:extLst>
+              <a:ext uri="{FF2B5EF4-FFF2-40B4-BE49-F238E27FC236}">
+                <a16:creationId xmlns:a16="http://schemas.microsoft.com/office/drawing/2014/main" id="{BBDC2977-F77D-59F0-20FE-52884C452F8A}"/>
+              </a:ext>
+            </a:extLst>
+          </p:cNvPr>
+          <p:cNvSpPr txBox="1"/>
+          <p:nvPr/>
+        </p:nvSpPr>
+        <p:spPr>
+          <a:xfrm>
+            <a:off x="6634277" y="1652899"/>
+            <a:ext cx="969107" cy="369332"/>
+          </a:xfrm>
+          <a:prstGeom prst="rect">
+            <a:avLst/>
+          </a:prstGeom>
+          <a:noFill/>
+        </p:spPr>
+        <p:txBody>
+          <a:bodyPr wrap="square">
+            <a:spAutoFit/>
+          </a:bodyPr>
+          <a:lstStyle/>
+          <a:p>
+            <a:pPr algn="ctr"/>
+            <a:r>
+              <a:rPr lang="ko-Kore-KR" altLang="en-US" dirty="0">
+                <a:latin typeface="DM Mono" panose="020B0509040201040103" pitchFamily="49" charset="0"/>
+              </a:rPr>
+              <a:t>main</a:t>
+            </a:r>
+            <a:endParaRPr lang="ko-Kore-KR" altLang="en-US" dirty="0"/>
+          </a:p>
+        </p:txBody>
+      </p:sp>
+      <p:sp>
+        <p:nvSpPr>
+          <p:cNvPr id="2" name="TextBox 1">
+            <a:extLst>
+              <a:ext uri="{FF2B5EF4-FFF2-40B4-BE49-F238E27FC236}">
+                <a16:creationId xmlns:a16="http://schemas.microsoft.com/office/drawing/2014/main" id="{BAD87C29-E975-5EC2-3712-62940096AFF2}"/>
+              </a:ext>
+            </a:extLst>
+          </p:cNvPr>
+          <p:cNvSpPr txBox="1"/>
+          <p:nvPr/>
+        </p:nvSpPr>
+        <p:spPr>
+          <a:xfrm>
+            <a:off x="6034447" y="2767027"/>
+            <a:ext cx="382954" cy="369332"/>
+          </a:xfrm>
+          <a:prstGeom prst="rect">
+            <a:avLst/>
+          </a:prstGeom>
+          <a:noFill/>
+        </p:spPr>
+        <p:txBody>
+          <a:bodyPr wrap="square">
+            <a:spAutoFit/>
+          </a:bodyPr>
+          <a:lstStyle/>
+          <a:p>
+            <a:r>
+              <a:rPr lang="en-US" altLang="ko-KR" dirty="0">
+                <a:latin typeface="DM Mono" panose="020B0509040201040103" pitchFamily="49" charset="0"/>
+              </a:rPr>
+              <a:t>r</a:t>
+            </a:r>
+            <a:endParaRPr lang="ko-Kore-KR" altLang="en-US" dirty="0"/>
+          </a:p>
+        </p:txBody>
+      </p:sp>
+      <p:sp>
+        <p:nvSpPr>
+          <p:cNvPr id="3" name="직사각형 2">
+            <a:extLst>
+              <a:ext uri="{FF2B5EF4-FFF2-40B4-BE49-F238E27FC236}">
+                <a16:creationId xmlns:a16="http://schemas.microsoft.com/office/drawing/2014/main" id="{1AACF9CC-742F-29B4-4DCB-4FAD88DC5E71}"/>
+              </a:ext>
+            </a:extLst>
+          </p:cNvPr>
+          <p:cNvSpPr/>
+          <p:nvPr/>
+        </p:nvSpPr>
+        <p:spPr>
+          <a:xfrm>
+            <a:off x="8717800" y="154977"/>
+            <a:ext cx="801437" cy="523221"/>
+          </a:xfrm>
+          <a:prstGeom prst="rect">
+            <a:avLst/>
+          </a:prstGeom>
+          <a:solidFill>
+            <a:srgbClr val="FFFF00"/>
+          </a:solidFill>
+        </p:spPr>
+        <p:style>
+          <a:lnRef idx="2">
+            <a:schemeClr val="accent1">
+              <a:shade val="50000"/>
+            </a:schemeClr>
+          </a:lnRef>
+          <a:fillRef idx="1">
+            <a:schemeClr val="accent1"/>
+          </a:fillRef>
+          <a:effectRef idx="0">
+            <a:schemeClr val="accent1"/>
+          </a:effectRef>
+          <a:fontRef idx="minor">
+            <a:schemeClr val="lt1"/>
+          </a:fontRef>
+        </p:style>
+        <p:txBody>
+          <a:bodyPr rtlCol="0" anchor="ctr"/>
+          <a:lstStyle/>
+          <a:p>
+            <a:pPr algn="ctr"/>
+            <a:r>
+              <a:rPr kumimoji="1" lang="en-US" altLang="ko-Kore-KR" dirty="0">
+                <a:solidFill>
+                  <a:schemeClr val="tx1"/>
+                </a:solidFill>
+                <a:latin typeface="DM Mono" panose="020B0509040201040103" pitchFamily="49" charset="0"/>
+              </a:rPr>
+              <a:t>100</a:t>
+            </a:r>
+            <a:endParaRPr kumimoji="1" lang="ko-Kore-KR" altLang="en-US" dirty="0">
+              <a:solidFill>
+                <a:schemeClr val="tx1"/>
+              </a:solidFill>
+              <a:latin typeface="DM Mono" panose="020B0509040201040103" pitchFamily="49" charset="0"/>
+            </a:endParaRPr>
+          </a:p>
+        </p:txBody>
+      </p:sp>
+      <p:sp>
+        <p:nvSpPr>
+          <p:cNvPr id="10" name="TextBox 9">
+            <a:extLst>
+              <a:ext uri="{FF2B5EF4-FFF2-40B4-BE49-F238E27FC236}">
+                <a16:creationId xmlns:a16="http://schemas.microsoft.com/office/drawing/2014/main" id="{D36789F7-24F5-0385-1789-F77D238126A1}"/>
+              </a:ext>
+            </a:extLst>
+          </p:cNvPr>
+          <p:cNvSpPr txBox="1"/>
+          <p:nvPr/>
+        </p:nvSpPr>
+        <p:spPr>
+          <a:xfrm>
+            <a:off x="7603384" y="2206897"/>
+            <a:ext cx="560670" cy="369332"/>
+          </a:xfrm>
+          <a:prstGeom prst="rect">
+            <a:avLst/>
+          </a:prstGeom>
+          <a:noFill/>
+        </p:spPr>
+        <p:txBody>
+          <a:bodyPr wrap="square">
+            <a:spAutoFit/>
+          </a:bodyPr>
+          <a:lstStyle/>
+          <a:p>
+            <a:pPr algn="ctr"/>
+            <a:r>
+              <a:rPr lang="ko-Kore-KR" altLang="en-US" dirty="0">
+                <a:solidFill>
+                  <a:srgbClr val="FF0000"/>
+                </a:solidFill>
+                <a:latin typeface="DM Mono" panose="020B0509040201040103" pitchFamily="49" charset="0"/>
+              </a:rPr>
+              <a:t>cr</a:t>
+            </a:r>
+            <a:endParaRPr lang="ko-Kore-KR" altLang="en-US" dirty="0"/>
+          </a:p>
+        </p:txBody>
+      </p:sp>
+      <p:cxnSp>
+        <p:nvCxnSpPr>
+          <p:cNvPr id="12" name="구부러진 연결선[U] 11">
+            <a:extLst>
+              <a:ext uri="{FF2B5EF4-FFF2-40B4-BE49-F238E27FC236}">
+                <a16:creationId xmlns:a16="http://schemas.microsoft.com/office/drawing/2014/main" id="{2D8C6B29-DCFF-0468-B475-6E46FA491B39}"/>
+              </a:ext>
+            </a:extLst>
+          </p:cNvPr>
+          <p:cNvCxnSpPr>
+            <a:stCxn id="10" idx="0"/>
+            <a:endCxn id="3" idx="1"/>
+          </p:cNvCxnSpPr>
+          <p:nvPr/>
+        </p:nvCxnSpPr>
+        <p:spPr>
+          <a:xfrm rot="5400000" flipH="1" flipV="1">
+            <a:off x="7405605" y="894703"/>
+            <a:ext cx="1790309" cy="834081"/>
+          </a:xfrm>
+          <a:prstGeom prst="curvedConnector2">
+            <a:avLst/>
+          </a:prstGeom>
+          <a:ln w="12700">
+            <a:tailEnd type="triangle"/>
+          </a:ln>
+        </p:spPr>
+        <p:style>
+          <a:lnRef idx="1">
+            <a:schemeClr val="dk1"/>
+          </a:lnRef>
+          <a:fillRef idx="0">
+            <a:schemeClr val="dk1"/>
+          </a:fillRef>
+          <a:effectRef idx="0">
+            <a:schemeClr val="dk1"/>
+          </a:effectRef>
+          <a:fontRef idx="minor">
+            <a:schemeClr val="tx1"/>
+          </a:fontRef>
+        </p:style>
+      </p:cxnSp>
+    </p:spTree>
+    <p:extLst>
+      <p:ext uri="{BB962C8B-B14F-4D97-AF65-F5344CB8AC3E}">
+        <p14:creationId xmlns:p14="http://schemas.microsoft.com/office/powerpoint/2010/main" val="573536408"/>
+      </p:ext>
+    </p:extLst>
+  </p:cSld>
+  <p:clrMapOvr>
+    <a:masterClrMapping/>
+  </p:clrMapOvr>
+</p:sld>
+</file>
+
+<file path=ppt/slides/slide14.xml><?xml version="1.0" encoding="utf-8"?>
+<p:sld xmlns:a="http://schemas.openxmlformats.org/drawingml/2006/main" xmlns:r="http://schemas.openxmlformats.org/officeDocument/2006/relationships" xmlns:p="http://schemas.openxmlformats.org/presentationml/2006/main">
+  <p:cSld>
+    <p:spTree>
+      <p:nvGrpSpPr>
+        <p:cNvPr id="1" name=""/>
+        <p:cNvGrpSpPr/>
+        <p:nvPr/>
+      </p:nvGrpSpPr>
+      <p:grpSpPr>
+        <a:xfrm>
+          <a:off x="0" y="0"/>
+          <a:ext cx="0" cy="0"/>
+          <a:chOff x="0" y="0"/>
+          <a:chExt cx="0" cy="0"/>
+        </a:xfrm>
+      </p:grpSpPr>
+      <p:sp>
+        <p:nvSpPr>
+          <p:cNvPr id="5" name="TextBox 4">
+            <a:extLst>
+              <a:ext uri="{FF2B5EF4-FFF2-40B4-BE49-F238E27FC236}">
+                <a16:creationId xmlns:a16="http://schemas.microsoft.com/office/drawing/2014/main" id="{3DCF8D29-0578-7A32-22A6-F449CA6FFA74}"/>
+              </a:ext>
+            </a:extLst>
+          </p:cNvPr>
+          <p:cNvSpPr txBox="1"/>
+          <p:nvPr/>
+        </p:nvSpPr>
+        <p:spPr>
+          <a:xfrm>
+            <a:off x="512909" y="270105"/>
+            <a:ext cx="6097280" cy="2862322"/>
+          </a:xfrm>
+          <a:prstGeom prst="rect">
+            <a:avLst/>
+          </a:prstGeom>
+          <a:noFill/>
+        </p:spPr>
+        <p:txBody>
+          <a:bodyPr wrap="square">
+            <a:spAutoFit/>
+          </a:bodyPr>
+          <a:lstStyle/>
+          <a:p>
+            <a:r>
+              <a:rPr lang="ko-Kore-KR" altLang="en-US" dirty="0">
+                <a:latin typeface="DM Mono" panose="020B0509040201040103" pitchFamily="49" charset="0"/>
+              </a:rPr>
+              <a:t>int main()</a:t>
+            </a:r>
+          </a:p>
+          <a:p>
+            <a:r>
+              <a:rPr lang="ko-Kore-KR" altLang="en-US" dirty="0">
+                <a:latin typeface="DM Mono" panose="020B0509040201040103" pitchFamily="49" charset="0"/>
+              </a:rPr>
+              <a:t>{</a:t>
+            </a:r>
+          </a:p>
+          <a:p>
+            <a:r>
+              <a:rPr lang="ko-Kore-KR" altLang="en-US" dirty="0">
+                <a:latin typeface="DM Mono" panose="020B0509040201040103" pitchFamily="49" charset="0"/>
+              </a:rPr>
+              <a:t>  int a = 10;</a:t>
+            </a:r>
+          </a:p>
+          <a:p>
+            <a:r>
+              <a:rPr lang="ko-Kore-KR" altLang="en-US" dirty="0">
+                <a:latin typeface="DM Mono" panose="020B0509040201040103" pitchFamily="49" charset="0"/>
+              </a:rPr>
+              <a:t>  int &amp;r = a;</a:t>
+            </a:r>
+          </a:p>
+          <a:p>
+            <a:endParaRPr lang="ko-Kore-KR" altLang="en-US" dirty="0">
+              <a:latin typeface="DM Mono" panose="020B0509040201040103" pitchFamily="49" charset="0"/>
+            </a:endParaRPr>
+          </a:p>
+          <a:p>
+            <a:r>
+              <a:rPr lang="ko-Kore-KR" altLang="en-US" dirty="0">
+                <a:latin typeface="DM Mono" panose="020B0509040201040103" pitchFamily="49" charset="0"/>
+              </a:rPr>
+              <a:t>  const int &amp;cr = 100;</a:t>
+            </a:r>
+            <a:endParaRPr lang="en-US" altLang="ko-Kore-KR" dirty="0">
+              <a:latin typeface="DM Mono" panose="020B0509040201040103" pitchFamily="49" charset="0"/>
+            </a:endParaRPr>
+          </a:p>
+          <a:p>
+            <a:endParaRPr lang="ko-Kore-KR" altLang="en-US" dirty="0">
+              <a:latin typeface="DM Mono" panose="020B0509040201040103" pitchFamily="49" charset="0"/>
+            </a:endParaRPr>
+          </a:p>
+          <a:p>
+            <a:r>
+              <a:rPr lang="ko-Kore-KR" altLang="en-US" dirty="0">
+                <a:solidFill>
+                  <a:srgbClr val="FF0000"/>
+                </a:solidFill>
+                <a:latin typeface="DM Mono" panose="020B0509040201040103" pitchFamily="49" charset="0"/>
+              </a:rPr>
+              <a:t>  int &amp;&amp;rr = 100;</a:t>
+            </a:r>
+          </a:p>
+          <a:p>
+            <a:r>
+              <a:rPr lang="ko-Kore-KR" altLang="en-US" dirty="0">
+                <a:latin typeface="DM Mono" panose="020B0509040201040103" pitchFamily="49" charset="0"/>
+              </a:rPr>
+              <a:t>  rr = 42; /* OK */</a:t>
+            </a:r>
+            <a:endParaRPr lang="en-US" altLang="ko-Kore-KR" dirty="0">
+              <a:latin typeface="DM Mono" panose="020B0509040201040103" pitchFamily="49" charset="0"/>
+            </a:endParaRPr>
+          </a:p>
+          <a:p>
+            <a:r>
+              <a:rPr lang="ko-Kore-KR" altLang="en-US" dirty="0">
+                <a:latin typeface="DM Mono" panose="020B0509040201040103" pitchFamily="49" charset="0"/>
+              </a:rPr>
+              <a:t>}</a:t>
+            </a:r>
+          </a:p>
+        </p:txBody>
+      </p:sp>
+      <p:sp>
+        <p:nvSpPr>
+          <p:cNvPr id="6" name="직사각형 5">
+            <a:extLst>
+              <a:ext uri="{FF2B5EF4-FFF2-40B4-BE49-F238E27FC236}">
+                <a16:creationId xmlns:a16="http://schemas.microsoft.com/office/drawing/2014/main" id="{00AB4ED8-28F1-B79E-B6FE-89B47212A1F9}"/>
+              </a:ext>
+            </a:extLst>
+          </p:cNvPr>
+          <p:cNvSpPr/>
+          <p:nvPr/>
+        </p:nvSpPr>
+        <p:spPr>
+          <a:xfrm>
+            <a:off x="4938339" y="2022231"/>
+            <a:ext cx="4360984" cy="2813538"/>
+          </a:xfrm>
+          <a:prstGeom prst="rect">
+            <a:avLst/>
+          </a:prstGeom>
+          <a:solidFill>
+            <a:schemeClr val="bg1"/>
+          </a:solidFill>
+        </p:spPr>
+        <p:style>
+          <a:lnRef idx="2">
+            <a:schemeClr val="accent1">
+              <a:shade val="50000"/>
+            </a:schemeClr>
+          </a:lnRef>
+          <a:fillRef idx="1">
+            <a:schemeClr val="accent1"/>
+          </a:fillRef>
+          <a:effectRef idx="0">
+            <a:schemeClr val="accent1"/>
+          </a:effectRef>
+          <a:fontRef idx="minor">
+            <a:schemeClr val="lt1"/>
+          </a:fontRef>
+        </p:style>
+        <p:txBody>
+          <a:bodyPr rtlCol="0" anchor="ctr"/>
+          <a:lstStyle/>
+          <a:p>
+            <a:pPr algn="ctr"/>
+            <a:endParaRPr kumimoji="1" lang="ko-Kore-KR" altLang="en-US" sz="2400" dirty="0">
+              <a:solidFill>
+                <a:schemeClr val="tx1"/>
+              </a:solidFill>
+              <a:latin typeface="DM Mono" panose="020B0509040201040103" pitchFamily="49" charset="0"/>
+            </a:endParaRPr>
+          </a:p>
+        </p:txBody>
+      </p:sp>
+      <p:sp>
+        <p:nvSpPr>
+          <p:cNvPr id="7" name="직사각형 6">
+            <a:extLst>
+              <a:ext uri="{FF2B5EF4-FFF2-40B4-BE49-F238E27FC236}">
+                <a16:creationId xmlns:a16="http://schemas.microsoft.com/office/drawing/2014/main" id="{025268B9-BD29-87D8-281D-41747E0EC98F}"/>
+              </a:ext>
+            </a:extLst>
+          </p:cNvPr>
+          <p:cNvSpPr/>
+          <p:nvPr/>
+        </p:nvSpPr>
+        <p:spPr>
+          <a:xfrm>
+            <a:off x="6321662" y="2553676"/>
+            <a:ext cx="801437" cy="523221"/>
+          </a:xfrm>
+          <a:prstGeom prst="rect">
+            <a:avLst/>
+          </a:prstGeom>
+          <a:solidFill>
+            <a:srgbClr val="FFFF00"/>
+          </a:solidFill>
+        </p:spPr>
+        <p:style>
+          <a:lnRef idx="2">
+            <a:schemeClr val="accent1">
+              <a:shade val="50000"/>
+            </a:schemeClr>
+          </a:lnRef>
+          <a:fillRef idx="1">
+            <a:schemeClr val="accent1"/>
+          </a:fillRef>
+          <a:effectRef idx="0">
+            <a:schemeClr val="accent1"/>
+          </a:effectRef>
+          <a:fontRef idx="minor">
+            <a:schemeClr val="lt1"/>
+          </a:fontRef>
+        </p:style>
+        <p:txBody>
+          <a:bodyPr rtlCol="0" anchor="ctr"/>
+          <a:lstStyle/>
+          <a:p>
+            <a:pPr algn="ctr"/>
+            <a:r>
+              <a:rPr kumimoji="1" lang="en-US" altLang="ko-Kore-KR" dirty="0">
+                <a:solidFill>
+                  <a:schemeClr val="tx1"/>
+                </a:solidFill>
+                <a:latin typeface="DM Mono" panose="020B0509040201040103" pitchFamily="49" charset="0"/>
+              </a:rPr>
+              <a:t>10</a:t>
+            </a:r>
+            <a:endParaRPr kumimoji="1" lang="ko-Kore-KR" altLang="en-US" dirty="0">
+              <a:solidFill>
+                <a:schemeClr val="tx1"/>
+              </a:solidFill>
+              <a:latin typeface="DM Mono" panose="020B0509040201040103" pitchFamily="49" charset="0"/>
+            </a:endParaRPr>
+          </a:p>
+        </p:txBody>
+      </p:sp>
+      <p:sp>
+        <p:nvSpPr>
+          <p:cNvPr id="8" name="TextBox 7">
+            <a:extLst>
+              <a:ext uri="{FF2B5EF4-FFF2-40B4-BE49-F238E27FC236}">
+                <a16:creationId xmlns:a16="http://schemas.microsoft.com/office/drawing/2014/main" id="{47758263-3513-C694-D74F-4B55861B0C11}"/>
+              </a:ext>
+            </a:extLst>
+          </p:cNvPr>
+          <p:cNvSpPr txBox="1"/>
+          <p:nvPr/>
+        </p:nvSpPr>
+        <p:spPr>
+          <a:xfrm>
+            <a:off x="6034447" y="2507182"/>
+            <a:ext cx="382954" cy="369332"/>
+          </a:xfrm>
+          <a:prstGeom prst="rect">
+            <a:avLst/>
+          </a:prstGeom>
+          <a:noFill/>
+        </p:spPr>
+        <p:txBody>
+          <a:bodyPr wrap="square">
+            <a:spAutoFit/>
+          </a:bodyPr>
+          <a:lstStyle/>
+          <a:p>
+            <a:r>
+              <a:rPr lang="en-US" altLang="ko-KR" dirty="0">
+                <a:latin typeface="DM Mono" panose="020B0509040201040103" pitchFamily="49" charset="0"/>
+              </a:rPr>
+              <a:t>a</a:t>
+            </a:r>
+            <a:endParaRPr lang="ko-Kore-KR" altLang="en-US" dirty="0"/>
+          </a:p>
+        </p:txBody>
+      </p:sp>
+      <p:sp>
+        <p:nvSpPr>
+          <p:cNvPr id="9" name="TextBox 8">
+            <a:extLst>
+              <a:ext uri="{FF2B5EF4-FFF2-40B4-BE49-F238E27FC236}">
+                <a16:creationId xmlns:a16="http://schemas.microsoft.com/office/drawing/2014/main" id="{BBDC2977-F77D-59F0-20FE-52884C452F8A}"/>
+              </a:ext>
+            </a:extLst>
+          </p:cNvPr>
+          <p:cNvSpPr txBox="1"/>
+          <p:nvPr/>
+        </p:nvSpPr>
+        <p:spPr>
+          <a:xfrm>
+            <a:off x="6634277" y="1652899"/>
+            <a:ext cx="969107" cy="369332"/>
+          </a:xfrm>
+          <a:prstGeom prst="rect">
+            <a:avLst/>
+          </a:prstGeom>
+          <a:noFill/>
+        </p:spPr>
+        <p:txBody>
+          <a:bodyPr wrap="square">
+            <a:spAutoFit/>
+          </a:bodyPr>
+          <a:lstStyle/>
+          <a:p>
+            <a:pPr algn="ctr"/>
+            <a:r>
+              <a:rPr lang="ko-Kore-KR" altLang="en-US" dirty="0">
+                <a:latin typeface="DM Mono" panose="020B0509040201040103" pitchFamily="49" charset="0"/>
+              </a:rPr>
+              <a:t>main</a:t>
+            </a:r>
+            <a:endParaRPr lang="ko-Kore-KR" altLang="en-US" dirty="0"/>
+          </a:p>
+        </p:txBody>
+      </p:sp>
+      <p:sp>
+        <p:nvSpPr>
+          <p:cNvPr id="2" name="TextBox 1">
+            <a:extLst>
+              <a:ext uri="{FF2B5EF4-FFF2-40B4-BE49-F238E27FC236}">
+                <a16:creationId xmlns:a16="http://schemas.microsoft.com/office/drawing/2014/main" id="{BAD87C29-E975-5EC2-3712-62940096AFF2}"/>
+              </a:ext>
+            </a:extLst>
+          </p:cNvPr>
+          <p:cNvSpPr txBox="1"/>
+          <p:nvPr/>
+        </p:nvSpPr>
+        <p:spPr>
+          <a:xfrm>
+            <a:off x="6034447" y="2767027"/>
+            <a:ext cx="382954" cy="369332"/>
+          </a:xfrm>
+          <a:prstGeom prst="rect">
+            <a:avLst/>
+          </a:prstGeom>
+          <a:noFill/>
+        </p:spPr>
+        <p:txBody>
+          <a:bodyPr wrap="square">
+            <a:spAutoFit/>
+          </a:bodyPr>
+          <a:lstStyle/>
+          <a:p>
+            <a:r>
+              <a:rPr lang="en-US" altLang="ko-KR" dirty="0">
+                <a:latin typeface="DM Mono" panose="020B0509040201040103" pitchFamily="49" charset="0"/>
+              </a:rPr>
+              <a:t>r</a:t>
+            </a:r>
+            <a:endParaRPr lang="ko-Kore-KR" altLang="en-US" dirty="0"/>
+          </a:p>
+        </p:txBody>
+      </p:sp>
+      <p:sp>
+        <p:nvSpPr>
+          <p:cNvPr id="3" name="직사각형 2">
+            <a:extLst>
+              <a:ext uri="{FF2B5EF4-FFF2-40B4-BE49-F238E27FC236}">
+                <a16:creationId xmlns:a16="http://schemas.microsoft.com/office/drawing/2014/main" id="{1AACF9CC-742F-29B4-4DCB-4FAD88DC5E71}"/>
+              </a:ext>
+            </a:extLst>
+          </p:cNvPr>
+          <p:cNvSpPr/>
+          <p:nvPr/>
+        </p:nvSpPr>
+        <p:spPr>
+          <a:xfrm>
+            <a:off x="8717800" y="154977"/>
+            <a:ext cx="801437" cy="523221"/>
+          </a:xfrm>
+          <a:prstGeom prst="rect">
+            <a:avLst/>
+          </a:prstGeom>
+          <a:solidFill>
+            <a:srgbClr val="FFFF00"/>
+          </a:solidFill>
+        </p:spPr>
+        <p:style>
+          <a:lnRef idx="2">
+            <a:schemeClr val="accent1">
+              <a:shade val="50000"/>
+            </a:schemeClr>
+          </a:lnRef>
+          <a:fillRef idx="1">
+            <a:schemeClr val="accent1"/>
+          </a:fillRef>
+          <a:effectRef idx="0">
+            <a:schemeClr val="accent1"/>
+          </a:effectRef>
+          <a:fontRef idx="minor">
+            <a:schemeClr val="lt1"/>
+          </a:fontRef>
+        </p:style>
+        <p:txBody>
+          <a:bodyPr rtlCol="0" anchor="ctr"/>
+          <a:lstStyle/>
+          <a:p>
+            <a:pPr algn="ctr"/>
+            <a:r>
+              <a:rPr kumimoji="1" lang="en-US" altLang="ko-Kore-KR" dirty="0">
+                <a:solidFill>
+                  <a:schemeClr val="tx1"/>
+                </a:solidFill>
+                <a:latin typeface="DM Mono" panose="020B0509040201040103" pitchFamily="49" charset="0"/>
+              </a:rPr>
+              <a:t>100</a:t>
+            </a:r>
+            <a:endParaRPr kumimoji="1" lang="ko-Kore-KR" altLang="en-US" dirty="0">
+              <a:solidFill>
+                <a:schemeClr val="tx1"/>
+              </a:solidFill>
+              <a:latin typeface="DM Mono" panose="020B0509040201040103" pitchFamily="49" charset="0"/>
+            </a:endParaRPr>
+          </a:p>
+        </p:txBody>
+      </p:sp>
+      <p:sp>
+        <p:nvSpPr>
+          <p:cNvPr id="10" name="TextBox 9">
+            <a:extLst>
+              <a:ext uri="{FF2B5EF4-FFF2-40B4-BE49-F238E27FC236}">
+                <a16:creationId xmlns:a16="http://schemas.microsoft.com/office/drawing/2014/main" id="{D36789F7-24F5-0385-1789-F77D238126A1}"/>
+              </a:ext>
+            </a:extLst>
+          </p:cNvPr>
+          <p:cNvSpPr txBox="1"/>
+          <p:nvPr/>
+        </p:nvSpPr>
+        <p:spPr>
+          <a:xfrm>
+            <a:off x="7603384" y="2206897"/>
+            <a:ext cx="560670" cy="369332"/>
+          </a:xfrm>
+          <a:prstGeom prst="rect">
+            <a:avLst/>
+          </a:prstGeom>
+          <a:noFill/>
+        </p:spPr>
+        <p:txBody>
+          <a:bodyPr wrap="square">
+            <a:spAutoFit/>
+          </a:bodyPr>
+          <a:lstStyle/>
+          <a:p>
+            <a:pPr algn="ctr"/>
+            <a:r>
+              <a:rPr lang="ko-Kore-KR" altLang="en-US" dirty="0">
+                <a:latin typeface="DM Mono" panose="020B0509040201040103" pitchFamily="49" charset="0"/>
+              </a:rPr>
+              <a:t>cr</a:t>
+            </a:r>
+            <a:endParaRPr lang="ko-Kore-KR" altLang="en-US" dirty="0"/>
+          </a:p>
+        </p:txBody>
+      </p:sp>
+      <p:cxnSp>
+        <p:nvCxnSpPr>
+          <p:cNvPr id="12" name="구부러진 연결선[U] 11">
+            <a:extLst>
+              <a:ext uri="{FF2B5EF4-FFF2-40B4-BE49-F238E27FC236}">
+                <a16:creationId xmlns:a16="http://schemas.microsoft.com/office/drawing/2014/main" id="{2D8C6B29-DCFF-0468-B475-6E46FA491B39}"/>
+              </a:ext>
+            </a:extLst>
+          </p:cNvPr>
+          <p:cNvCxnSpPr>
+            <a:stCxn id="10" idx="0"/>
+            <a:endCxn id="3" idx="1"/>
+          </p:cNvCxnSpPr>
+          <p:nvPr/>
+        </p:nvCxnSpPr>
+        <p:spPr>
+          <a:xfrm rot="5400000" flipH="1" flipV="1">
+            <a:off x="7405605" y="894703"/>
+            <a:ext cx="1790309" cy="834081"/>
+          </a:xfrm>
+          <a:prstGeom prst="curvedConnector2">
+            <a:avLst/>
+          </a:prstGeom>
+          <a:ln w="12700">
+            <a:tailEnd type="triangle"/>
+          </a:ln>
+        </p:spPr>
+        <p:style>
+          <a:lnRef idx="1">
+            <a:schemeClr val="dk1"/>
+          </a:lnRef>
+          <a:fillRef idx="0">
+            <a:schemeClr val="dk1"/>
+          </a:fillRef>
+          <a:effectRef idx="0">
+            <a:schemeClr val="dk1"/>
+          </a:effectRef>
+          <a:fontRef idx="minor">
+            <a:schemeClr val="tx1"/>
+          </a:fontRef>
+        </p:style>
+      </p:cxnSp>
+      <p:sp>
+        <p:nvSpPr>
+          <p:cNvPr id="4" name="직사각형 3">
+            <a:extLst>
+              <a:ext uri="{FF2B5EF4-FFF2-40B4-BE49-F238E27FC236}">
+                <a16:creationId xmlns:a16="http://schemas.microsoft.com/office/drawing/2014/main" id="{80686E38-9230-51DA-FFD8-E4E4E25A01DD}"/>
+              </a:ext>
+            </a:extLst>
+          </p:cNvPr>
+          <p:cNvSpPr/>
+          <p:nvPr/>
+        </p:nvSpPr>
+        <p:spPr>
+          <a:xfrm>
+            <a:off x="9118518" y="884558"/>
+            <a:ext cx="801437" cy="523221"/>
+          </a:xfrm>
+          <a:prstGeom prst="rect">
+            <a:avLst/>
+          </a:prstGeom>
+          <a:solidFill>
+            <a:srgbClr val="FFFF00"/>
+          </a:solidFill>
+        </p:spPr>
+        <p:style>
+          <a:lnRef idx="2">
+            <a:schemeClr val="accent1">
+              <a:shade val="50000"/>
+            </a:schemeClr>
+          </a:lnRef>
+          <a:fillRef idx="1">
+            <a:schemeClr val="accent1"/>
+          </a:fillRef>
+          <a:effectRef idx="0">
+            <a:schemeClr val="accent1"/>
+          </a:effectRef>
+          <a:fontRef idx="minor">
+            <a:schemeClr val="lt1"/>
+          </a:fontRef>
+        </p:style>
+        <p:txBody>
+          <a:bodyPr rtlCol="0" anchor="ctr"/>
+          <a:lstStyle/>
+          <a:p>
+            <a:pPr algn="ctr"/>
+            <a:r>
+              <a:rPr kumimoji="1" lang="en-US" altLang="ko-Kore-KR" dirty="0">
+                <a:solidFill>
+                  <a:srgbClr val="FF0000"/>
+                </a:solidFill>
+                <a:latin typeface="DM Mono" panose="020B0509040201040103" pitchFamily="49" charset="0"/>
+              </a:rPr>
+              <a:t>100</a:t>
+            </a:r>
+            <a:endParaRPr kumimoji="1" lang="ko-Kore-KR" altLang="en-US" dirty="0">
+              <a:solidFill>
+                <a:srgbClr val="FF0000"/>
+              </a:solidFill>
+              <a:latin typeface="DM Mono" panose="020B0509040201040103" pitchFamily="49" charset="0"/>
+            </a:endParaRPr>
+          </a:p>
+        </p:txBody>
+      </p:sp>
+      <p:sp>
+        <p:nvSpPr>
+          <p:cNvPr id="11" name="TextBox 10">
+            <a:extLst>
+              <a:ext uri="{FF2B5EF4-FFF2-40B4-BE49-F238E27FC236}">
+                <a16:creationId xmlns:a16="http://schemas.microsoft.com/office/drawing/2014/main" id="{0C887B7E-430B-9347-0CB2-893C65BF2377}"/>
+              </a:ext>
+            </a:extLst>
+          </p:cNvPr>
+          <p:cNvSpPr txBox="1"/>
+          <p:nvPr/>
+        </p:nvSpPr>
+        <p:spPr>
+          <a:xfrm>
+            <a:off x="8116294" y="2533060"/>
+            <a:ext cx="560670" cy="369332"/>
+          </a:xfrm>
+          <a:prstGeom prst="rect">
+            <a:avLst/>
+          </a:prstGeom>
+          <a:noFill/>
+        </p:spPr>
+        <p:txBody>
+          <a:bodyPr wrap="square">
+            <a:spAutoFit/>
+          </a:bodyPr>
+          <a:lstStyle/>
+          <a:p>
+            <a:pPr algn="ctr"/>
+            <a:r>
+              <a:rPr lang="en-US" altLang="ko-Kore-KR" dirty="0" err="1">
+                <a:latin typeface="DM Mono" panose="020B0509040201040103" pitchFamily="49" charset="0"/>
+              </a:rPr>
+              <a:t>rr</a:t>
+            </a:r>
+            <a:endParaRPr lang="ko-Kore-KR" altLang="en-US" dirty="0"/>
+          </a:p>
+        </p:txBody>
+      </p:sp>
+      <p:cxnSp>
+        <p:nvCxnSpPr>
+          <p:cNvPr id="13" name="구부러진 연결선[U] 12">
+            <a:extLst>
+              <a:ext uri="{FF2B5EF4-FFF2-40B4-BE49-F238E27FC236}">
+                <a16:creationId xmlns:a16="http://schemas.microsoft.com/office/drawing/2014/main" id="{ABD32151-FC76-F1FC-7B01-45DBC2950031}"/>
+              </a:ext>
+            </a:extLst>
+          </p:cNvPr>
+          <p:cNvCxnSpPr>
+            <a:cxnSpLocks/>
+            <a:stCxn id="11" idx="0"/>
+            <a:endCxn id="4" idx="1"/>
+          </p:cNvCxnSpPr>
+          <p:nvPr/>
+        </p:nvCxnSpPr>
+        <p:spPr>
+          <a:xfrm rot="5400000" flipH="1" flipV="1">
+            <a:off x="8064128" y="1478671"/>
+            <a:ext cx="1386891" cy="721889"/>
+          </a:xfrm>
+          <a:prstGeom prst="curvedConnector2">
+            <a:avLst/>
+          </a:prstGeom>
+          <a:ln w="12700">
+            <a:tailEnd type="triangle"/>
+          </a:ln>
+        </p:spPr>
+        <p:style>
+          <a:lnRef idx="1">
+            <a:schemeClr val="dk1"/>
+          </a:lnRef>
+          <a:fillRef idx="0">
+            <a:schemeClr val="dk1"/>
+          </a:fillRef>
+          <a:effectRef idx="0">
+            <a:schemeClr val="dk1"/>
+          </a:effectRef>
+          <a:fontRef idx="minor">
+            <a:schemeClr val="tx1"/>
+          </a:fontRef>
+        </p:style>
+      </p:cxnSp>
+    </p:spTree>
+    <p:extLst>
+      <p:ext uri="{BB962C8B-B14F-4D97-AF65-F5344CB8AC3E}">
+        <p14:creationId xmlns:p14="http://schemas.microsoft.com/office/powerpoint/2010/main" val="1584616652"/>
+      </p:ext>
+    </p:extLst>
+  </p:cSld>
+  <p:clrMapOvr>
+    <a:masterClrMapping/>
+  </p:clrMapOvr>
+</p:sld>
+</file>
+
+<file path=ppt/slides/slide15.xml><?xml version="1.0" encoding="utf-8"?>
+<p:sld xmlns:a="http://schemas.openxmlformats.org/drawingml/2006/main" xmlns:r="http://schemas.openxmlformats.org/officeDocument/2006/relationships" xmlns:p="http://schemas.openxmlformats.org/presentationml/2006/main">
+  <p:cSld>
+    <p:spTree>
+      <p:nvGrpSpPr>
+        <p:cNvPr id="1" name=""/>
+        <p:cNvGrpSpPr/>
+        <p:nvPr/>
+      </p:nvGrpSpPr>
+      <p:grpSpPr>
+        <a:xfrm>
+          <a:off x="0" y="0"/>
+          <a:ext cx="0" cy="0"/>
+          <a:chOff x="0" y="0"/>
+          <a:chExt cx="0" cy="0"/>
+        </a:xfrm>
+      </p:grpSpPr>
+      <p:sp>
+        <p:nvSpPr>
+          <p:cNvPr id="5" name="TextBox 4">
+            <a:extLst>
+              <a:ext uri="{FF2B5EF4-FFF2-40B4-BE49-F238E27FC236}">
+                <a16:creationId xmlns:a16="http://schemas.microsoft.com/office/drawing/2014/main" id="{3DCF8D29-0578-7A32-22A6-F449CA6FFA74}"/>
+              </a:ext>
+            </a:extLst>
+          </p:cNvPr>
+          <p:cNvSpPr txBox="1"/>
+          <p:nvPr/>
+        </p:nvSpPr>
+        <p:spPr>
+          <a:xfrm>
+            <a:off x="512909" y="270105"/>
+            <a:ext cx="6097280" cy="2862322"/>
+          </a:xfrm>
+          <a:prstGeom prst="rect">
+            <a:avLst/>
+          </a:prstGeom>
+          <a:noFill/>
+        </p:spPr>
+        <p:txBody>
+          <a:bodyPr wrap="square">
+            <a:spAutoFit/>
+          </a:bodyPr>
+          <a:lstStyle/>
+          <a:p>
+            <a:r>
+              <a:rPr lang="ko-Kore-KR" altLang="en-US" dirty="0">
+                <a:latin typeface="DM Mono" panose="020B0509040201040103" pitchFamily="49" charset="0"/>
+              </a:rPr>
+              <a:t>int main()</a:t>
+            </a:r>
+          </a:p>
+          <a:p>
+            <a:r>
+              <a:rPr lang="ko-Kore-KR" altLang="en-US" dirty="0">
+                <a:latin typeface="DM Mono" panose="020B0509040201040103" pitchFamily="49" charset="0"/>
+              </a:rPr>
+              <a:t>{</a:t>
+            </a:r>
+          </a:p>
+          <a:p>
+            <a:r>
+              <a:rPr lang="ko-Kore-KR" altLang="en-US" dirty="0">
+                <a:latin typeface="DM Mono" panose="020B0509040201040103" pitchFamily="49" charset="0"/>
+              </a:rPr>
+              <a:t>  int a = 10;</a:t>
+            </a:r>
+          </a:p>
+          <a:p>
+            <a:r>
+              <a:rPr lang="ko-Kore-KR" altLang="en-US" dirty="0">
+                <a:latin typeface="DM Mono" panose="020B0509040201040103" pitchFamily="49" charset="0"/>
+              </a:rPr>
+              <a:t>  int &amp;r = a;</a:t>
+            </a:r>
+          </a:p>
+          <a:p>
+            <a:endParaRPr lang="ko-Kore-KR" altLang="en-US" dirty="0">
+              <a:latin typeface="DM Mono" panose="020B0509040201040103" pitchFamily="49" charset="0"/>
+            </a:endParaRPr>
+          </a:p>
+          <a:p>
+            <a:r>
+              <a:rPr lang="ko-Kore-KR" altLang="en-US" dirty="0">
+                <a:latin typeface="DM Mono" panose="020B0509040201040103" pitchFamily="49" charset="0"/>
+              </a:rPr>
+              <a:t>  const int &amp;cr = 100;</a:t>
+            </a:r>
+            <a:endParaRPr lang="en-US" altLang="ko-Kore-KR" dirty="0">
+              <a:latin typeface="DM Mono" panose="020B0509040201040103" pitchFamily="49" charset="0"/>
+            </a:endParaRPr>
+          </a:p>
+          <a:p>
+            <a:endParaRPr lang="ko-Kore-KR" altLang="en-US" dirty="0">
+              <a:latin typeface="DM Mono" panose="020B0509040201040103" pitchFamily="49" charset="0"/>
+            </a:endParaRPr>
+          </a:p>
+          <a:p>
+            <a:r>
+              <a:rPr lang="ko-Kore-KR" altLang="en-US" dirty="0">
+                <a:latin typeface="DM Mono" panose="020B0509040201040103" pitchFamily="49" charset="0"/>
+              </a:rPr>
+              <a:t>  int &amp;&amp;rr = 100;</a:t>
+            </a:r>
+          </a:p>
+          <a:p>
+            <a:r>
+              <a:rPr lang="ko-Kore-KR" altLang="en-US" dirty="0">
+                <a:latin typeface="DM Mono" panose="020B0509040201040103" pitchFamily="49" charset="0"/>
+              </a:rPr>
+              <a:t>  </a:t>
+            </a:r>
+            <a:r>
+              <a:rPr lang="ko-Kore-KR" altLang="en-US" dirty="0">
+                <a:solidFill>
+                  <a:srgbClr val="FF0000"/>
+                </a:solidFill>
+                <a:latin typeface="DM Mono" panose="020B0509040201040103" pitchFamily="49" charset="0"/>
+              </a:rPr>
+              <a:t>rr = 42; </a:t>
+            </a:r>
+            <a:r>
+              <a:rPr lang="ko-Kore-KR" altLang="en-US" dirty="0">
+                <a:latin typeface="DM Mono" panose="020B0509040201040103" pitchFamily="49" charset="0"/>
+              </a:rPr>
+              <a:t>/* OK */</a:t>
+            </a:r>
+            <a:endParaRPr lang="en-US" altLang="ko-Kore-KR" dirty="0">
+              <a:latin typeface="DM Mono" panose="020B0509040201040103" pitchFamily="49" charset="0"/>
+            </a:endParaRPr>
+          </a:p>
+          <a:p>
+            <a:r>
+              <a:rPr lang="ko-Kore-KR" altLang="en-US" dirty="0">
+                <a:latin typeface="DM Mono" panose="020B0509040201040103" pitchFamily="49" charset="0"/>
+              </a:rPr>
+              <a:t>}</a:t>
+            </a:r>
+          </a:p>
+        </p:txBody>
+      </p:sp>
+      <p:sp>
+        <p:nvSpPr>
+          <p:cNvPr id="6" name="직사각형 5">
+            <a:extLst>
+              <a:ext uri="{FF2B5EF4-FFF2-40B4-BE49-F238E27FC236}">
+                <a16:creationId xmlns:a16="http://schemas.microsoft.com/office/drawing/2014/main" id="{00AB4ED8-28F1-B79E-B6FE-89B47212A1F9}"/>
+              </a:ext>
+            </a:extLst>
+          </p:cNvPr>
+          <p:cNvSpPr/>
+          <p:nvPr/>
+        </p:nvSpPr>
+        <p:spPr>
+          <a:xfrm>
+            <a:off x="4938339" y="2022231"/>
+            <a:ext cx="4360984" cy="2813538"/>
+          </a:xfrm>
+          <a:prstGeom prst="rect">
+            <a:avLst/>
+          </a:prstGeom>
+          <a:solidFill>
+            <a:schemeClr val="bg1"/>
+          </a:solidFill>
+        </p:spPr>
+        <p:style>
+          <a:lnRef idx="2">
+            <a:schemeClr val="accent1">
+              <a:shade val="50000"/>
+            </a:schemeClr>
+          </a:lnRef>
+          <a:fillRef idx="1">
+            <a:schemeClr val="accent1"/>
+          </a:fillRef>
+          <a:effectRef idx="0">
+            <a:schemeClr val="accent1"/>
+          </a:effectRef>
+          <a:fontRef idx="minor">
+            <a:schemeClr val="lt1"/>
+          </a:fontRef>
+        </p:style>
+        <p:txBody>
+          <a:bodyPr rtlCol="0" anchor="ctr"/>
+          <a:lstStyle/>
+          <a:p>
+            <a:pPr algn="ctr"/>
+            <a:endParaRPr kumimoji="1" lang="ko-Kore-KR" altLang="en-US" sz="2400" dirty="0">
+              <a:solidFill>
+                <a:schemeClr val="tx1"/>
+              </a:solidFill>
+              <a:latin typeface="DM Mono" panose="020B0509040201040103" pitchFamily="49" charset="0"/>
+            </a:endParaRPr>
+          </a:p>
+        </p:txBody>
+      </p:sp>
+      <p:sp>
+        <p:nvSpPr>
+          <p:cNvPr id="7" name="직사각형 6">
+            <a:extLst>
+              <a:ext uri="{FF2B5EF4-FFF2-40B4-BE49-F238E27FC236}">
+                <a16:creationId xmlns:a16="http://schemas.microsoft.com/office/drawing/2014/main" id="{025268B9-BD29-87D8-281D-41747E0EC98F}"/>
+              </a:ext>
+            </a:extLst>
+          </p:cNvPr>
+          <p:cNvSpPr/>
+          <p:nvPr/>
+        </p:nvSpPr>
+        <p:spPr>
+          <a:xfrm>
+            <a:off x="6321662" y="2553676"/>
+            <a:ext cx="801437" cy="523221"/>
+          </a:xfrm>
+          <a:prstGeom prst="rect">
+            <a:avLst/>
+          </a:prstGeom>
+          <a:solidFill>
+            <a:srgbClr val="FFFF00"/>
+          </a:solidFill>
+        </p:spPr>
+        <p:style>
+          <a:lnRef idx="2">
+            <a:schemeClr val="accent1">
+              <a:shade val="50000"/>
+            </a:schemeClr>
+          </a:lnRef>
+          <a:fillRef idx="1">
+            <a:schemeClr val="accent1"/>
+          </a:fillRef>
+          <a:effectRef idx="0">
+            <a:schemeClr val="accent1"/>
+          </a:effectRef>
+          <a:fontRef idx="minor">
+            <a:schemeClr val="lt1"/>
+          </a:fontRef>
+        </p:style>
+        <p:txBody>
+          <a:bodyPr rtlCol="0" anchor="ctr"/>
+          <a:lstStyle/>
+          <a:p>
+            <a:pPr algn="ctr"/>
+            <a:r>
+              <a:rPr kumimoji="1" lang="en-US" altLang="ko-Kore-KR" dirty="0">
+                <a:solidFill>
+                  <a:schemeClr val="tx1"/>
+                </a:solidFill>
+                <a:latin typeface="DM Mono" panose="020B0509040201040103" pitchFamily="49" charset="0"/>
+              </a:rPr>
+              <a:t>10</a:t>
+            </a:r>
+            <a:endParaRPr kumimoji="1" lang="ko-Kore-KR" altLang="en-US" dirty="0">
+              <a:solidFill>
+                <a:schemeClr val="tx1"/>
+              </a:solidFill>
+              <a:latin typeface="DM Mono" panose="020B0509040201040103" pitchFamily="49" charset="0"/>
+            </a:endParaRPr>
+          </a:p>
+        </p:txBody>
+      </p:sp>
+      <p:sp>
+        <p:nvSpPr>
+          <p:cNvPr id="8" name="TextBox 7">
+            <a:extLst>
+              <a:ext uri="{FF2B5EF4-FFF2-40B4-BE49-F238E27FC236}">
+                <a16:creationId xmlns:a16="http://schemas.microsoft.com/office/drawing/2014/main" id="{47758263-3513-C694-D74F-4B55861B0C11}"/>
+              </a:ext>
+            </a:extLst>
+          </p:cNvPr>
+          <p:cNvSpPr txBox="1"/>
+          <p:nvPr/>
+        </p:nvSpPr>
+        <p:spPr>
+          <a:xfrm>
+            <a:off x="6034447" y="2507182"/>
+            <a:ext cx="382954" cy="369332"/>
+          </a:xfrm>
+          <a:prstGeom prst="rect">
+            <a:avLst/>
+          </a:prstGeom>
+          <a:noFill/>
+        </p:spPr>
+        <p:txBody>
+          <a:bodyPr wrap="square">
+            <a:spAutoFit/>
+          </a:bodyPr>
+          <a:lstStyle/>
+          <a:p>
+            <a:r>
+              <a:rPr lang="en-US" altLang="ko-KR" dirty="0">
+                <a:latin typeface="DM Mono" panose="020B0509040201040103" pitchFamily="49" charset="0"/>
+              </a:rPr>
+              <a:t>a</a:t>
+            </a:r>
+            <a:endParaRPr lang="ko-Kore-KR" altLang="en-US" dirty="0"/>
+          </a:p>
+        </p:txBody>
+      </p:sp>
+      <p:sp>
+        <p:nvSpPr>
+          <p:cNvPr id="9" name="TextBox 8">
+            <a:extLst>
+              <a:ext uri="{FF2B5EF4-FFF2-40B4-BE49-F238E27FC236}">
+                <a16:creationId xmlns:a16="http://schemas.microsoft.com/office/drawing/2014/main" id="{BBDC2977-F77D-59F0-20FE-52884C452F8A}"/>
+              </a:ext>
+            </a:extLst>
+          </p:cNvPr>
+          <p:cNvSpPr txBox="1"/>
+          <p:nvPr/>
+        </p:nvSpPr>
+        <p:spPr>
+          <a:xfrm>
+            <a:off x="6634277" y="1652899"/>
+            <a:ext cx="969107" cy="369332"/>
+          </a:xfrm>
+          <a:prstGeom prst="rect">
+            <a:avLst/>
+          </a:prstGeom>
+          <a:noFill/>
+        </p:spPr>
+        <p:txBody>
+          <a:bodyPr wrap="square">
+            <a:spAutoFit/>
+          </a:bodyPr>
+          <a:lstStyle/>
+          <a:p>
+            <a:pPr algn="ctr"/>
+            <a:r>
+              <a:rPr lang="ko-Kore-KR" altLang="en-US" dirty="0">
+                <a:latin typeface="DM Mono" panose="020B0509040201040103" pitchFamily="49" charset="0"/>
+              </a:rPr>
+              <a:t>main</a:t>
+            </a:r>
+            <a:endParaRPr lang="ko-Kore-KR" altLang="en-US" dirty="0"/>
+          </a:p>
+        </p:txBody>
+      </p:sp>
+      <p:sp>
+        <p:nvSpPr>
+          <p:cNvPr id="2" name="TextBox 1">
+            <a:extLst>
+              <a:ext uri="{FF2B5EF4-FFF2-40B4-BE49-F238E27FC236}">
+                <a16:creationId xmlns:a16="http://schemas.microsoft.com/office/drawing/2014/main" id="{BAD87C29-E975-5EC2-3712-62940096AFF2}"/>
+              </a:ext>
+            </a:extLst>
+          </p:cNvPr>
+          <p:cNvSpPr txBox="1"/>
+          <p:nvPr/>
+        </p:nvSpPr>
+        <p:spPr>
+          <a:xfrm>
+            <a:off x="6034447" y="2767027"/>
+            <a:ext cx="382954" cy="369332"/>
+          </a:xfrm>
+          <a:prstGeom prst="rect">
+            <a:avLst/>
+          </a:prstGeom>
+          <a:noFill/>
+        </p:spPr>
+        <p:txBody>
+          <a:bodyPr wrap="square">
+            <a:spAutoFit/>
+          </a:bodyPr>
+          <a:lstStyle/>
+          <a:p>
+            <a:r>
+              <a:rPr lang="en-US" altLang="ko-KR" dirty="0">
+                <a:latin typeface="DM Mono" panose="020B0509040201040103" pitchFamily="49" charset="0"/>
+              </a:rPr>
+              <a:t>r</a:t>
+            </a:r>
+            <a:endParaRPr lang="ko-Kore-KR" altLang="en-US" dirty="0"/>
+          </a:p>
+        </p:txBody>
+      </p:sp>
+      <p:sp>
+        <p:nvSpPr>
+          <p:cNvPr id="3" name="직사각형 2">
+            <a:extLst>
+              <a:ext uri="{FF2B5EF4-FFF2-40B4-BE49-F238E27FC236}">
+                <a16:creationId xmlns:a16="http://schemas.microsoft.com/office/drawing/2014/main" id="{1AACF9CC-742F-29B4-4DCB-4FAD88DC5E71}"/>
+              </a:ext>
+            </a:extLst>
+          </p:cNvPr>
+          <p:cNvSpPr/>
+          <p:nvPr/>
+        </p:nvSpPr>
+        <p:spPr>
+          <a:xfrm>
+            <a:off x="8717800" y="154977"/>
+            <a:ext cx="801437" cy="523221"/>
+          </a:xfrm>
+          <a:prstGeom prst="rect">
+            <a:avLst/>
+          </a:prstGeom>
+          <a:solidFill>
+            <a:srgbClr val="FFFF00"/>
+          </a:solidFill>
+        </p:spPr>
+        <p:style>
+          <a:lnRef idx="2">
+            <a:schemeClr val="accent1">
+              <a:shade val="50000"/>
+            </a:schemeClr>
+          </a:lnRef>
+          <a:fillRef idx="1">
+            <a:schemeClr val="accent1"/>
+          </a:fillRef>
+          <a:effectRef idx="0">
+            <a:schemeClr val="accent1"/>
+          </a:effectRef>
+          <a:fontRef idx="minor">
+            <a:schemeClr val="lt1"/>
+          </a:fontRef>
+        </p:style>
+        <p:txBody>
+          <a:bodyPr rtlCol="0" anchor="ctr"/>
+          <a:lstStyle/>
+          <a:p>
+            <a:pPr algn="ctr"/>
+            <a:r>
+              <a:rPr kumimoji="1" lang="en-US" altLang="ko-Kore-KR" dirty="0">
+                <a:solidFill>
+                  <a:schemeClr val="tx1"/>
+                </a:solidFill>
+                <a:latin typeface="DM Mono" panose="020B0509040201040103" pitchFamily="49" charset="0"/>
+              </a:rPr>
+              <a:t>100</a:t>
+            </a:r>
+            <a:endParaRPr kumimoji="1" lang="ko-Kore-KR" altLang="en-US" dirty="0">
+              <a:solidFill>
+                <a:schemeClr val="tx1"/>
+              </a:solidFill>
+              <a:latin typeface="DM Mono" panose="020B0509040201040103" pitchFamily="49" charset="0"/>
+            </a:endParaRPr>
+          </a:p>
+        </p:txBody>
+      </p:sp>
+      <p:sp>
+        <p:nvSpPr>
+          <p:cNvPr id="10" name="TextBox 9">
+            <a:extLst>
+              <a:ext uri="{FF2B5EF4-FFF2-40B4-BE49-F238E27FC236}">
+                <a16:creationId xmlns:a16="http://schemas.microsoft.com/office/drawing/2014/main" id="{D36789F7-24F5-0385-1789-F77D238126A1}"/>
+              </a:ext>
+            </a:extLst>
+          </p:cNvPr>
+          <p:cNvSpPr txBox="1"/>
+          <p:nvPr/>
+        </p:nvSpPr>
+        <p:spPr>
+          <a:xfrm>
+            <a:off x="7603384" y="2206897"/>
+            <a:ext cx="560670" cy="369332"/>
+          </a:xfrm>
+          <a:prstGeom prst="rect">
+            <a:avLst/>
+          </a:prstGeom>
+          <a:noFill/>
+        </p:spPr>
+        <p:txBody>
+          <a:bodyPr wrap="square">
+            <a:spAutoFit/>
+          </a:bodyPr>
+          <a:lstStyle/>
+          <a:p>
+            <a:pPr algn="ctr"/>
+            <a:r>
+              <a:rPr lang="ko-Kore-KR" altLang="en-US" dirty="0">
+                <a:latin typeface="DM Mono" panose="020B0509040201040103" pitchFamily="49" charset="0"/>
+              </a:rPr>
+              <a:t>cr</a:t>
+            </a:r>
+            <a:endParaRPr lang="ko-Kore-KR" altLang="en-US" dirty="0"/>
+          </a:p>
+        </p:txBody>
+      </p:sp>
+      <p:cxnSp>
+        <p:nvCxnSpPr>
+          <p:cNvPr id="12" name="구부러진 연결선[U] 11">
+            <a:extLst>
+              <a:ext uri="{FF2B5EF4-FFF2-40B4-BE49-F238E27FC236}">
+                <a16:creationId xmlns:a16="http://schemas.microsoft.com/office/drawing/2014/main" id="{2D8C6B29-DCFF-0468-B475-6E46FA491B39}"/>
+              </a:ext>
+            </a:extLst>
+          </p:cNvPr>
+          <p:cNvCxnSpPr>
+            <a:stCxn id="10" idx="0"/>
+            <a:endCxn id="3" idx="1"/>
+          </p:cNvCxnSpPr>
+          <p:nvPr/>
+        </p:nvCxnSpPr>
+        <p:spPr>
+          <a:xfrm rot="5400000" flipH="1" flipV="1">
+            <a:off x="7405605" y="894703"/>
+            <a:ext cx="1790309" cy="834081"/>
+          </a:xfrm>
+          <a:prstGeom prst="curvedConnector2">
+            <a:avLst/>
+          </a:prstGeom>
+          <a:ln w="12700">
+            <a:tailEnd type="triangle"/>
+          </a:ln>
+        </p:spPr>
+        <p:style>
+          <a:lnRef idx="1">
+            <a:schemeClr val="dk1"/>
+          </a:lnRef>
+          <a:fillRef idx="0">
+            <a:schemeClr val="dk1"/>
+          </a:fillRef>
+          <a:effectRef idx="0">
+            <a:schemeClr val="dk1"/>
+          </a:effectRef>
+          <a:fontRef idx="minor">
+            <a:schemeClr val="tx1"/>
+          </a:fontRef>
+        </p:style>
+      </p:cxnSp>
+      <p:sp>
+        <p:nvSpPr>
+          <p:cNvPr id="4" name="직사각형 3">
+            <a:extLst>
+              <a:ext uri="{FF2B5EF4-FFF2-40B4-BE49-F238E27FC236}">
+                <a16:creationId xmlns:a16="http://schemas.microsoft.com/office/drawing/2014/main" id="{80686E38-9230-51DA-FFD8-E4E4E25A01DD}"/>
+              </a:ext>
+            </a:extLst>
+          </p:cNvPr>
+          <p:cNvSpPr/>
+          <p:nvPr/>
+        </p:nvSpPr>
+        <p:spPr>
+          <a:xfrm>
+            <a:off x="9118518" y="884558"/>
+            <a:ext cx="801437" cy="523221"/>
+          </a:xfrm>
+          <a:prstGeom prst="rect">
+            <a:avLst/>
+          </a:prstGeom>
+          <a:solidFill>
+            <a:srgbClr val="FFFF00"/>
+          </a:solidFill>
+        </p:spPr>
+        <p:style>
+          <a:lnRef idx="2">
+            <a:schemeClr val="accent1">
+              <a:shade val="50000"/>
+            </a:schemeClr>
+          </a:lnRef>
+          <a:fillRef idx="1">
+            <a:schemeClr val="accent1"/>
+          </a:fillRef>
+          <a:effectRef idx="0">
+            <a:schemeClr val="accent1"/>
+          </a:effectRef>
+          <a:fontRef idx="minor">
+            <a:schemeClr val="lt1"/>
+          </a:fontRef>
+        </p:style>
+        <p:txBody>
+          <a:bodyPr rtlCol="0" anchor="ctr"/>
+          <a:lstStyle/>
+          <a:p>
+            <a:pPr algn="ctr"/>
+            <a:r>
+              <a:rPr kumimoji="1" lang="en-US" altLang="ko-Kore-KR" dirty="0">
+                <a:solidFill>
+                  <a:srgbClr val="FF0000"/>
+                </a:solidFill>
+                <a:latin typeface="DM Mono" panose="020B0509040201040103" pitchFamily="49" charset="0"/>
+              </a:rPr>
+              <a:t>42</a:t>
+            </a:r>
+            <a:endParaRPr kumimoji="1" lang="ko-Kore-KR" altLang="en-US" dirty="0">
+              <a:solidFill>
+                <a:srgbClr val="FF0000"/>
+              </a:solidFill>
+              <a:latin typeface="DM Mono" panose="020B0509040201040103" pitchFamily="49" charset="0"/>
+            </a:endParaRPr>
+          </a:p>
+        </p:txBody>
+      </p:sp>
+      <p:sp>
+        <p:nvSpPr>
+          <p:cNvPr id="11" name="TextBox 10">
+            <a:extLst>
+              <a:ext uri="{FF2B5EF4-FFF2-40B4-BE49-F238E27FC236}">
+                <a16:creationId xmlns:a16="http://schemas.microsoft.com/office/drawing/2014/main" id="{0C887B7E-430B-9347-0CB2-893C65BF2377}"/>
+              </a:ext>
+            </a:extLst>
+          </p:cNvPr>
+          <p:cNvSpPr txBox="1"/>
+          <p:nvPr/>
+        </p:nvSpPr>
+        <p:spPr>
+          <a:xfrm>
+            <a:off x="8116294" y="2533060"/>
+            <a:ext cx="560670" cy="369332"/>
+          </a:xfrm>
+          <a:prstGeom prst="rect">
+            <a:avLst/>
+          </a:prstGeom>
+          <a:noFill/>
+        </p:spPr>
+        <p:txBody>
+          <a:bodyPr wrap="square">
+            <a:spAutoFit/>
+          </a:bodyPr>
+          <a:lstStyle/>
+          <a:p>
+            <a:pPr algn="ctr"/>
+            <a:r>
+              <a:rPr lang="en-US" altLang="ko-Kore-KR" dirty="0" err="1">
+                <a:latin typeface="DM Mono" panose="020B0509040201040103" pitchFamily="49" charset="0"/>
+              </a:rPr>
+              <a:t>rr</a:t>
+            </a:r>
+            <a:endParaRPr lang="ko-Kore-KR" altLang="en-US" dirty="0"/>
+          </a:p>
+        </p:txBody>
+      </p:sp>
+      <p:cxnSp>
+        <p:nvCxnSpPr>
+          <p:cNvPr id="13" name="구부러진 연결선[U] 12">
+            <a:extLst>
+              <a:ext uri="{FF2B5EF4-FFF2-40B4-BE49-F238E27FC236}">
+                <a16:creationId xmlns:a16="http://schemas.microsoft.com/office/drawing/2014/main" id="{ABD32151-FC76-F1FC-7B01-45DBC2950031}"/>
+              </a:ext>
+            </a:extLst>
+          </p:cNvPr>
+          <p:cNvCxnSpPr>
+            <a:cxnSpLocks/>
+            <a:stCxn id="11" idx="0"/>
+            <a:endCxn id="4" idx="1"/>
+          </p:cNvCxnSpPr>
+          <p:nvPr/>
+        </p:nvCxnSpPr>
+        <p:spPr>
+          <a:xfrm rot="5400000" flipH="1" flipV="1">
+            <a:off x="8064128" y="1478671"/>
+            <a:ext cx="1386891" cy="721889"/>
+          </a:xfrm>
+          <a:prstGeom prst="curvedConnector2">
+            <a:avLst/>
+          </a:prstGeom>
+          <a:ln w="12700">
+            <a:tailEnd type="triangle"/>
+          </a:ln>
+        </p:spPr>
+        <p:style>
+          <a:lnRef idx="1">
+            <a:schemeClr val="dk1"/>
+          </a:lnRef>
+          <a:fillRef idx="0">
+            <a:schemeClr val="dk1"/>
+          </a:fillRef>
+          <a:effectRef idx="0">
+            <a:schemeClr val="dk1"/>
+          </a:effectRef>
+          <a:fontRef idx="minor">
+            <a:schemeClr val="tx1"/>
+          </a:fontRef>
+        </p:style>
+      </p:cxnSp>
+    </p:spTree>
+    <p:extLst>
+      <p:ext uri="{BB962C8B-B14F-4D97-AF65-F5344CB8AC3E}">
+        <p14:creationId xmlns:p14="http://schemas.microsoft.com/office/powerpoint/2010/main" val="2023805242"/>
       </p:ext>
     </p:extLst>
   </p:cSld>
@@ -5483,6 +8066,9 @@
           <a:p>
             <a:r>
               <a:rPr lang="ko-Kore-KR" altLang="en-US" dirty="0">
+                <a:solidFill>
+                  <a:srgbClr val="FF0000"/>
+                </a:solidFill>
                 <a:latin typeface="DM Mono" panose="020B0509040201040103" pitchFamily="49" charset="0"/>
               </a:rPr>
               <a:t>  inc1(x);</a:t>
@@ -5787,7 +8373,7 @@
             <a:r>
               <a:rPr kumimoji="1" lang="en-US" altLang="ko-Kore-KR" sz="2400" dirty="0">
                 <a:solidFill>
-                  <a:schemeClr val="tx1"/>
+                  <a:srgbClr val="FF0000"/>
                 </a:solidFill>
                 <a:latin typeface="DM Mono" panose="020B0509040201040103" pitchFamily="49" charset="0"/>
               </a:rPr>
@@ -5795,7 +8381,7 @@
             </a:r>
             <a:endParaRPr kumimoji="1" lang="ko-Kore-KR" altLang="en-US" sz="2400" dirty="0">
               <a:solidFill>
-                <a:schemeClr val="tx1"/>
+                <a:srgbClr val="FF0000"/>
               </a:solidFill>
               <a:latin typeface="DM Mono" panose="020B0509040201040103" pitchFamily="49" charset="0"/>
             </a:endParaRPr>
@@ -6918,11 +9504,18 @@
             <a:pPr algn="ctr"/>
             <a:r>
               <a:rPr lang="en-US" altLang="ko-Kore-KR" dirty="0">
+                <a:solidFill>
+                  <a:srgbClr val="FF0000"/>
+                </a:solidFill>
                 <a:latin typeface="DM Mono" panose="020B0509040201040103" pitchFamily="49" charset="0"/>
               </a:rPr>
               <a:t>0x1000</a:t>
             </a:r>
-            <a:endParaRPr lang="ko-Kore-KR" altLang="en-US" dirty="0"/>
+            <a:endParaRPr lang="ko-Kore-KR" altLang="en-US" dirty="0">
+              <a:solidFill>
+                <a:srgbClr val="FF0000"/>
+              </a:solidFill>
+            </a:endParaRPr>
           </a:p>
         </p:txBody>
       </p:sp>

--- a/221114.pptx
+++ b/221114.pptx
@@ -16,10 +16,11 @@
     <p:sldId id="264" r:id="rId10"/>
     <p:sldId id="265" r:id="rId11"/>
     <p:sldId id="266" r:id="rId12"/>
-    <p:sldId id="267" r:id="rId13"/>
-    <p:sldId id="268" r:id="rId14"/>
-    <p:sldId id="269" r:id="rId15"/>
-    <p:sldId id="270" r:id="rId16"/>
+    <p:sldId id="271" r:id="rId13"/>
+    <p:sldId id="267" r:id="rId14"/>
+    <p:sldId id="268" r:id="rId15"/>
+    <p:sldId id="269" r:id="rId16"/>
+    <p:sldId id="270" r:id="rId17"/>
   </p:sldIdLst>
   <p:sldSz cx="12192000" cy="6858000"/>
   <p:notesSz cx="6858000" cy="9144000"/>
@@ -4424,6 +4425,9 @@
           <a:p>
             <a:r>
               <a:rPr lang="ko-Kore-KR" altLang="en-US" dirty="0">
+                <a:solidFill>
+                  <a:srgbClr val="FF0000"/>
+                </a:solidFill>
                 <a:latin typeface="DM Mono" panose="020B0509040201040103" pitchFamily="49" charset="0"/>
               </a:rPr>
               <a:t>  int a = 10;</a:t>
@@ -4676,6 +4680,152 @@
                 <a:latin typeface="DM Mono" panose="020B0509040201040103" pitchFamily="49" charset="0"/>
               </a:rPr>
               <a:t>main</a:t>
+            </a:r>
+            <a:endParaRPr lang="ko-Kore-KR" altLang="en-US" dirty="0"/>
+          </a:p>
+        </p:txBody>
+      </p:sp>
+      <p:sp>
+        <p:nvSpPr>
+          <p:cNvPr id="11" name="직사각형 10">
+            <a:extLst>
+              <a:ext uri="{FF2B5EF4-FFF2-40B4-BE49-F238E27FC236}">
+                <a16:creationId xmlns:a16="http://schemas.microsoft.com/office/drawing/2014/main" id="{A39EA523-116B-7B42-D95E-91C2D3D96EF6}"/>
+              </a:ext>
+            </a:extLst>
+          </p:cNvPr>
+          <p:cNvSpPr/>
+          <p:nvPr/>
+        </p:nvSpPr>
+        <p:spPr>
+          <a:xfrm>
+            <a:off x="8497886" y="270105"/>
+            <a:ext cx="801437" cy="523221"/>
+          </a:xfrm>
+          <a:prstGeom prst="rect">
+            <a:avLst/>
+          </a:prstGeom>
+          <a:solidFill>
+            <a:srgbClr val="FFFF00"/>
+          </a:solidFill>
+        </p:spPr>
+        <p:style>
+          <a:lnRef idx="2">
+            <a:schemeClr val="accent1">
+              <a:shade val="50000"/>
+            </a:schemeClr>
+          </a:lnRef>
+          <a:fillRef idx="1">
+            <a:schemeClr val="accent1"/>
+          </a:fillRef>
+          <a:effectRef idx="0">
+            <a:schemeClr val="accent1"/>
+          </a:effectRef>
+          <a:fontRef idx="minor">
+            <a:schemeClr val="lt1"/>
+          </a:fontRef>
+        </p:style>
+        <p:txBody>
+          <a:bodyPr rtlCol="0" anchor="ctr"/>
+          <a:lstStyle/>
+          <a:p>
+            <a:pPr algn="ctr"/>
+            <a:r>
+              <a:rPr kumimoji="1" lang="en-US" altLang="ko-Kore-KR" dirty="0">
+                <a:solidFill>
+                  <a:schemeClr val="tx1"/>
+                </a:solidFill>
+                <a:latin typeface="DM Mono" panose="020B0509040201040103" pitchFamily="49" charset="0"/>
+              </a:rPr>
+              <a:t>10</a:t>
+            </a:r>
+            <a:endParaRPr kumimoji="1" lang="ko-Kore-KR" altLang="en-US" dirty="0">
+              <a:solidFill>
+                <a:schemeClr val="tx1"/>
+              </a:solidFill>
+              <a:latin typeface="DM Mono" panose="020B0509040201040103" pitchFamily="49" charset="0"/>
+            </a:endParaRPr>
+          </a:p>
+        </p:txBody>
+      </p:sp>
+      <p:cxnSp>
+        <p:nvCxnSpPr>
+          <p:cNvPr id="13" name="직선 화살표 연결선 12">
+            <a:extLst>
+              <a:ext uri="{FF2B5EF4-FFF2-40B4-BE49-F238E27FC236}">
+                <a16:creationId xmlns:a16="http://schemas.microsoft.com/office/drawing/2014/main" id="{7CDA7019-B818-4F56-0642-AB9DCB6A594A}"/>
+              </a:ext>
+            </a:extLst>
+          </p:cNvPr>
+          <p:cNvCxnSpPr>
+            <a:stCxn id="11" idx="1"/>
+            <a:endCxn id="7" idx="3"/>
+          </p:cNvCxnSpPr>
+          <p:nvPr/>
+        </p:nvCxnSpPr>
+        <p:spPr>
+          <a:xfrm flipH="1">
+            <a:off x="7123099" y="531716"/>
+            <a:ext cx="1374787" cy="2283571"/>
+          </a:xfrm>
+          <a:prstGeom prst="straightConnector1">
+            <a:avLst/>
+          </a:prstGeom>
+          <a:ln w="12700">
+            <a:tailEnd type="triangle"/>
+          </a:ln>
+        </p:spPr>
+        <p:style>
+          <a:lnRef idx="1">
+            <a:schemeClr val="dk1"/>
+          </a:lnRef>
+          <a:fillRef idx="0">
+            <a:schemeClr val="dk1"/>
+          </a:fillRef>
+          <a:effectRef idx="0">
+            <a:schemeClr val="dk1"/>
+          </a:effectRef>
+          <a:fontRef idx="minor">
+            <a:schemeClr val="tx1"/>
+          </a:fontRef>
+        </p:style>
+      </p:cxnSp>
+      <p:sp>
+        <p:nvSpPr>
+          <p:cNvPr id="15" name="TextBox 14">
+            <a:extLst>
+              <a:ext uri="{FF2B5EF4-FFF2-40B4-BE49-F238E27FC236}">
+                <a16:creationId xmlns:a16="http://schemas.microsoft.com/office/drawing/2014/main" id="{5614843E-1A3D-A107-DBEC-7EEC461EBA77}"/>
+              </a:ext>
+            </a:extLst>
+          </p:cNvPr>
+          <p:cNvSpPr txBox="1"/>
+          <p:nvPr/>
+        </p:nvSpPr>
+        <p:spPr>
+          <a:xfrm rot="18152905">
+            <a:off x="7738022" y="1300768"/>
+            <a:ext cx="785693" cy="369332"/>
+          </a:xfrm>
+          <a:prstGeom prst="rect">
+            <a:avLst/>
+          </a:prstGeom>
+          <a:noFill/>
+        </p:spPr>
+        <p:txBody>
+          <a:bodyPr wrap="square">
+            <a:spAutoFit/>
+          </a:bodyPr>
+          <a:lstStyle/>
+          <a:p>
+            <a:r>
+              <a:rPr kumimoji="1" lang="en-US" altLang="ko-Kore-KR" dirty="0">
+                <a:solidFill>
+                  <a:schemeClr val="tx1"/>
+                </a:solidFill>
+                <a:latin typeface="DM Mono" panose="020B0509040201040103" pitchFamily="49" charset="0"/>
+              </a:rPr>
+              <a:t>copy</a:t>
             </a:r>
             <a:endParaRPr lang="ko-Kore-KR" altLang="en-US" dirty="0"/>
           </a:p>
@@ -4765,9 +4915,6 @@
           <a:p>
             <a:r>
               <a:rPr lang="ko-Kore-KR" altLang="en-US" dirty="0">
-                <a:solidFill>
-                  <a:srgbClr val="FF0000"/>
-                </a:solidFill>
                 <a:latin typeface="DM Mono" panose="020B0509040201040103" pitchFamily="49" charset="0"/>
               </a:rPr>
               <a:t>  int &amp;r = a;</a:t>
@@ -4954,7 +5101,7 @@
         </p:nvSpPr>
         <p:spPr>
           <a:xfrm>
-            <a:off x="6034447" y="2507182"/>
+            <a:off x="5938708" y="2630620"/>
             <a:ext cx="382954" cy="369332"/>
           </a:xfrm>
           <a:prstGeom prst="rect">
@@ -5019,10 +5166,103 @@
       </p:sp>
       <p:sp>
         <p:nvSpPr>
-          <p:cNvPr id="2" name="TextBox 1">
-            <a:extLst>
-              <a:ext uri="{FF2B5EF4-FFF2-40B4-BE49-F238E27FC236}">
-                <a16:creationId xmlns:a16="http://schemas.microsoft.com/office/drawing/2014/main" id="{BAD87C29-E975-5EC2-3712-62940096AFF2}"/>
+          <p:cNvPr id="11" name="직사각형 10">
+            <a:extLst>
+              <a:ext uri="{FF2B5EF4-FFF2-40B4-BE49-F238E27FC236}">
+                <a16:creationId xmlns:a16="http://schemas.microsoft.com/office/drawing/2014/main" id="{A39EA523-116B-7B42-D95E-91C2D3D96EF6}"/>
+              </a:ext>
+            </a:extLst>
+          </p:cNvPr>
+          <p:cNvSpPr/>
+          <p:nvPr/>
+        </p:nvSpPr>
+        <p:spPr>
+          <a:xfrm>
+            <a:off x="8497886" y="270105"/>
+            <a:ext cx="801437" cy="523221"/>
+          </a:xfrm>
+          <a:prstGeom prst="rect">
+            <a:avLst/>
+          </a:prstGeom>
+          <a:solidFill>
+            <a:srgbClr val="FF0000"/>
+          </a:solidFill>
+        </p:spPr>
+        <p:style>
+          <a:lnRef idx="2">
+            <a:schemeClr val="accent1">
+              <a:shade val="50000"/>
+            </a:schemeClr>
+          </a:lnRef>
+          <a:fillRef idx="1">
+            <a:schemeClr val="accent1"/>
+          </a:fillRef>
+          <a:effectRef idx="0">
+            <a:schemeClr val="accent1"/>
+          </a:effectRef>
+          <a:fontRef idx="minor">
+            <a:schemeClr val="lt1"/>
+          </a:fontRef>
+        </p:style>
+        <p:txBody>
+          <a:bodyPr rtlCol="0" anchor="ctr"/>
+          <a:lstStyle/>
+          <a:p>
+            <a:pPr algn="ctr"/>
+            <a:r>
+              <a:rPr kumimoji="1" lang="en-US" altLang="ko-Kore-KR" dirty="0">
+                <a:solidFill>
+                  <a:schemeClr val="tx1"/>
+                </a:solidFill>
+                <a:latin typeface="DM Mono" panose="020B0509040201040103" pitchFamily="49" charset="0"/>
+              </a:rPr>
+              <a:t>10</a:t>
+            </a:r>
+            <a:endParaRPr kumimoji="1" lang="ko-Kore-KR" altLang="en-US" dirty="0">
+              <a:solidFill>
+                <a:schemeClr val="tx1"/>
+              </a:solidFill>
+              <a:latin typeface="DM Mono" panose="020B0509040201040103" pitchFamily="49" charset="0"/>
+            </a:endParaRPr>
+          </a:p>
+        </p:txBody>
+      </p:sp>
+    </p:spTree>
+    <p:extLst>
+      <p:ext uri="{BB962C8B-B14F-4D97-AF65-F5344CB8AC3E}">
+        <p14:creationId xmlns:p14="http://schemas.microsoft.com/office/powerpoint/2010/main" val="3034665982"/>
+      </p:ext>
+    </p:extLst>
+  </p:cSld>
+  <p:clrMapOvr>
+    <a:masterClrMapping/>
+  </p:clrMapOvr>
+</p:sld>
+</file>
+
+<file path=ppt/slides/slide13.xml><?xml version="1.0" encoding="utf-8"?>
+<p:sld xmlns:a="http://schemas.openxmlformats.org/drawingml/2006/main" xmlns:r="http://schemas.openxmlformats.org/officeDocument/2006/relationships" xmlns:p="http://schemas.openxmlformats.org/presentationml/2006/main">
+  <p:cSld>
+    <p:spTree>
+      <p:nvGrpSpPr>
+        <p:cNvPr id="1" name=""/>
+        <p:cNvGrpSpPr/>
+        <p:nvPr/>
+      </p:nvGrpSpPr>
+      <p:grpSpPr>
+        <a:xfrm>
+          <a:off x="0" y="0"/>
+          <a:ext cx="0" cy="0"/>
+          <a:chOff x="0" y="0"/>
+          <a:chExt cx="0" cy="0"/>
+        </a:xfrm>
+      </p:grpSpPr>
+      <p:sp>
+        <p:nvSpPr>
+          <p:cNvPr id="5" name="TextBox 4">
+            <a:extLst>
+              <a:ext uri="{FF2B5EF4-FFF2-40B4-BE49-F238E27FC236}">
+                <a16:creationId xmlns:a16="http://schemas.microsoft.com/office/drawing/2014/main" id="{3DCF8D29-0578-7A32-22A6-F449CA6FFA74}"/>
               </a:ext>
             </a:extLst>
           </p:cNvPr>
@@ -5031,8 +5271,8 @@
         </p:nvSpPr>
         <p:spPr>
           <a:xfrm>
-            <a:off x="6034447" y="2767027"/>
-            <a:ext cx="382954" cy="369332"/>
+            <a:off x="512909" y="270105"/>
+            <a:ext cx="6097280" cy="2862322"/>
           </a:xfrm>
           <a:prstGeom prst="rect">
             <a:avLst/>
@@ -5046,12 +5286,325 @@
           <a:lstStyle/>
           <a:p>
             <a:r>
+              <a:rPr lang="ko-Kore-KR" altLang="en-US" dirty="0">
+                <a:latin typeface="DM Mono" panose="020B0509040201040103" pitchFamily="49" charset="0"/>
+              </a:rPr>
+              <a:t>int main()</a:t>
+            </a:r>
+          </a:p>
+          <a:p>
+            <a:r>
+              <a:rPr lang="ko-Kore-KR" altLang="en-US" dirty="0">
+                <a:latin typeface="DM Mono" panose="020B0509040201040103" pitchFamily="49" charset="0"/>
+              </a:rPr>
+              <a:t>{</a:t>
+            </a:r>
+          </a:p>
+          <a:p>
+            <a:r>
+              <a:rPr lang="ko-Kore-KR" altLang="en-US" dirty="0">
+                <a:latin typeface="DM Mono" panose="020B0509040201040103" pitchFamily="49" charset="0"/>
+              </a:rPr>
+              <a:t>  int a = 10;</a:t>
+            </a:r>
+          </a:p>
+          <a:p>
+            <a:r>
+              <a:rPr lang="ko-Kore-KR" altLang="en-US" dirty="0">
+                <a:solidFill>
+                  <a:srgbClr val="FF0000"/>
+                </a:solidFill>
+                <a:latin typeface="DM Mono" panose="020B0509040201040103" pitchFamily="49" charset="0"/>
+              </a:rPr>
+              <a:t>  int &amp;r = a;</a:t>
+            </a:r>
+          </a:p>
+          <a:p>
+            <a:endParaRPr lang="ko-Kore-KR" altLang="en-US" dirty="0">
+              <a:latin typeface="DM Mono" panose="020B0509040201040103" pitchFamily="49" charset="0"/>
+            </a:endParaRPr>
+          </a:p>
+          <a:p>
+            <a:r>
+              <a:rPr lang="ko-Kore-KR" altLang="en-US" dirty="0">
+                <a:latin typeface="DM Mono" panose="020B0509040201040103" pitchFamily="49" charset="0"/>
+              </a:rPr>
+              <a:t>  const int &amp;cr = 100;</a:t>
+            </a:r>
+            <a:endParaRPr lang="en-US" altLang="ko-Kore-KR" dirty="0">
+              <a:latin typeface="DM Mono" panose="020B0509040201040103" pitchFamily="49" charset="0"/>
+            </a:endParaRPr>
+          </a:p>
+          <a:p>
+            <a:endParaRPr lang="ko-Kore-KR" altLang="en-US" dirty="0">
+              <a:latin typeface="DM Mono" panose="020B0509040201040103" pitchFamily="49" charset="0"/>
+            </a:endParaRPr>
+          </a:p>
+          <a:p>
+            <a:r>
+              <a:rPr lang="ko-Kore-KR" altLang="en-US" dirty="0">
+                <a:latin typeface="DM Mono" panose="020B0509040201040103" pitchFamily="49" charset="0"/>
+              </a:rPr>
+              <a:t>  int &amp;&amp;rr = 100;</a:t>
+            </a:r>
+          </a:p>
+          <a:p>
+            <a:r>
+              <a:rPr lang="ko-Kore-KR" altLang="en-US" dirty="0">
+                <a:latin typeface="DM Mono" panose="020B0509040201040103" pitchFamily="49" charset="0"/>
+              </a:rPr>
+              <a:t>  rr = 42; /* OK */</a:t>
+            </a:r>
+            <a:endParaRPr lang="en-US" altLang="ko-Kore-KR" dirty="0">
+              <a:latin typeface="DM Mono" panose="020B0509040201040103" pitchFamily="49" charset="0"/>
+            </a:endParaRPr>
+          </a:p>
+          <a:p>
+            <a:r>
+              <a:rPr lang="ko-Kore-KR" altLang="en-US" dirty="0">
+                <a:latin typeface="DM Mono" panose="020B0509040201040103" pitchFamily="49" charset="0"/>
+              </a:rPr>
+              <a:t>}</a:t>
+            </a:r>
+          </a:p>
+        </p:txBody>
+      </p:sp>
+      <p:sp>
+        <p:nvSpPr>
+          <p:cNvPr id="6" name="직사각형 5">
+            <a:extLst>
+              <a:ext uri="{FF2B5EF4-FFF2-40B4-BE49-F238E27FC236}">
+                <a16:creationId xmlns:a16="http://schemas.microsoft.com/office/drawing/2014/main" id="{00AB4ED8-28F1-B79E-B6FE-89B47212A1F9}"/>
+              </a:ext>
+            </a:extLst>
+          </p:cNvPr>
+          <p:cNvSpPr/>
+          <p:nvPr/>
+        </p:nvSpPr>
+        <p:spPr>
+          <a:xfrm>
+            <a:off x="4938339" y="2022231"/>
+            <a:ext cx="4360984" cy="2813538"/>
+          </a:xfrm>
+          <a:prstGeom prst="rect">
+            <a:avLst/>
+          </a:prstGeom>
+          <a:solidFill>
+            <a:schemeClr val="bg1"/>
+          </a:solidFill>
+        </p:spPr>
+        <p:style>
+          <a:lnRef idx="2">
+            <a:schemeClr val="accent1">
+              <a:shade val="50000"/>
+            </a:schemeClr>
+          </a:lnRef>
+          <a:fillRef idx="1">
+            <a:schemeClr val="accent1"/>
+          </a:fillRef>
+          <a:effectRef idx="0">
+            <a:schemeClr val="accent1"/>
+          </a:effectRef>
+          <a:fontRef idx="minor">
+            <a:schemeClr val="lt1"/>
+          </a:fontRef>
+        </p:style>
+        <p:txBody>
+          <a:bodyPr rtlCol="0" anchor="ctr"/>
+          <a:lstStyle/>
+          <a:p>
+            <a:pPr algn="ctr"/>
+            <a:endParaRPr kumimoji="1" lang="ko-Kore-KR" altLang="en-US" sz="2400" dirty="0">
+              <a:solidFill>
+                <a:schemeClr val="tx1"/>
+              </a:solidFill>
+              <a:latin typeface="DM Mono" panose="020B0509040201040103" pitchFamily="49" charset="0"/>
+            </a:endParaRPr>
+          </a:p>
+        </p:txBody>
+      </p:sp>
+      <p:sp>
+        <p:nvSpPr>
+          <p:cNvPr id="7" name="직사각형 6">
+            <a:extLst>
+              <a:ext uri="{FF2B5EF4-FFF2-40B4-BE49-F238E27FC236}">
+                <a16:creationId xmlns:a16="http://schemas.microsoft.com/office/drawing/2014/main" id="{025268B9-BD29-87D8-281D-41747E0EC98F}"/>
+              </a:ext>
+            </a:extLst>
+          </p:cNvPr>
+          <p:cNvSpPr/>
+          <p:nvPr/>
+        </p:nvSpPr>
+        <p:spPr>
+          <a:xfrm>
+            <a:off x="6321662" y="2553676"/>
+            <a:ext cx="801437" cy="523221"/>
+          </a:xfrm>
+          <a:prstGeom prst="rect">
+            <a:avLst/>
+          </a:prstGeom>
+          <a:solidFill>
+            <a:srgbClr val="FFFF00"/>
+          </a:solidFill>
+        </p:spPr>
+        <p:style>
+          <a:lnRef idx="2">
+            <a:schemeClr val="accent1">
+              <a:shade val="50000"/>
+            </a:schemeClr>
+          </a:lnRef>
+          <a:fillRef idx="1">
+            <a:schemeClr val="accent1"/>
+          </a:fillRef>
+          <a:effectRef idx="0">
+            <a:schemeClr val="accent1"/>
+          </a:effectRef>
+          <a:fontRef idx="minor">
+            <a:schemeClr val="lt1"/>
+          </a:fontRef>
+        </p:style>
+        <p:txBody>
+          <a:bodyPr rtlCol="0" anchor="ctr"/>
+          <a:lstStyle/>
+          <a:p>
+            <a:pPr algn="ctr"/>
+            <a:r>
+              <a:rPr kumimoji="1" lang="en-US" altLang="ko-Kore-KR" dirty="0">
+                <a:solidFill>
+                  <a:schemeClr val="tx1"/>
+                </a:solidFill>
+                <a:latin typeface="DM Mono" panose="020B0509040201040103" pitchFamily="49" charset="0"/>
+              </a:rPr>
+              <a:t>10</a:t>
+            </a:r>
+            <a:endParaRPr kumimoji="1" lang="ko-Kore-KR" altLang="en-US" dirty="0">
+              <a:solidFill>
+                <a:schemeClr val="tx1"/>
+              </a:solidFill>
+              <a:latin typeface="DM Mono" panose="020B0509040201040103" pitchFamily="49" charset="0"/>
+            </a:endParaRPr>
+          </a:p>
+        </p:txBody>
+      </p:sp>
+      <p:sp>
+        <p:nvSpPr>
+          <p:cNvPr id="8" name="TextBox 7">
+            <a:extLst>
+              <a:ext uri="{FF2B5EF4-FFF2-40B4-BE49-F238E27FC236}">
+                <a16:creationId xmlns:a16="http://schemas.microsoft.com/office/drawing/2014/main" id="{47758263-3513-C694-D74F-4B55861B0C11}"/>
+              </a:ext>
+            </a:extLst>
+          </p:cNvPr>
+          <p:cNvSpPr txBox="1"/>
+          <p:nvPr/>
+        </p:nvSpPr>
+        <p:spPr>
+          <a:xfrm>
+            <a:off x="6034447" y="2507182"/>
+            <a:ext cx="382954" cy="369332"/>
+          </a:xfrm>
+          <a:prstGeom prst="rect">
+            <a:avLst/>
+          </a:prstGeom>
+          <a:noFill/>
+        </p:spPr>
+        <p:txBody>
+          <a:bodyPr wrap="square">
+            <a:spAutoFit/>
+          </a:bodyPr>
+          <a:lstStyle/>
+          <a:p>
+            <a:r>
               <a:rPr lang="en-US" altLang="ko-KR" dirty="0">
                 <a:latin typeface="DM Mono" panose="020B0509040201040103" pitchFamily="49" charset="0"/>
               </a:rPr>
+              <a:t>a</a:t>
+            </a:r>
+            <a:endParaRPr lang="ko-Kore-KR" altLang="en-US" dirty="0"/>
+          </a:p>
+        </p:txBody>
+      </p:sp>
+      <p:sp>
+        <p:nvSpPr>
+          <p:cNvPr id="9" name="TextBox 8">
+            <a:extLst>
+              <a:ext uri="{FF2B5EF4-FFF2-40B4-BE49-F238E27FC236}">
+                <a16:creationId xmlns:a16="http://schemas.microsoft.com/office/drawing/2014/main" id="{BBDC2977-F77D-59F0-20FE-52884C452F8A}"/>
+              </a:ext>
+            </a:extLst>
+          </p:cNvPr>
+          <p:cNvSpPr txBox="1"/>
+          <p:nvPr/>
+        </p:nvSpPr>
+        <p:spPr>
+          <a:xfrm>
+            <a:off x="6634277" y="1652899"/>
+            <a:ext cx="969107" cy="369332"/>
+          </a:xfrm>
+          <a:prstGeom prst="rect">
+            <a:avLst/>
+          </a:prstGeom>
+          <a:noFill/>
+        </p:spPr>
+        <p:txBody>
+          <a:bodyPr wrap="square">
+            <a:spAutoFit/>
+          </a:bodyPr>
+          <a:lstStyle/>
+          <a:p>
+            <a:pPr algn="ctr"/>
+            <a:r>
+              <a:rPr lang="ko-Kore-KR" altLang="en-US" dirty="0">
+                <a:latin typeface="DM Mono" panose="020B0509040201040103" pitchFamily="49" charset="0"/>
+              </a:rPr>
+              <a:t>main</a:t>
+            </a:r>
+            <a:endParaRPr lang="ko-Kore-KR" altLang="en-US" dirty="0"/>
+          </a:p>
+        </p:txBody>
+      </p:sp>
+      <p:sp>
+        <p:nvSpPr>
+          <p:cNvPr id="2" name="TextBox 1">
+            <a:extLst>
+              <a:ext uri="{FF2B5EF4-FFF2-40B4-BE49-F238E27FC236}">
+                <a16:creationId xmlns:a16="http://schemas.microsoft.com/office/drawing/2014/main" id="{BAD87C29-E975-5EC2-3712-62940096AFF2}"/>
+              </a:ext>
+            </a:extLst>
+          </p:cNvPr>
+          <p:cNvSpPr txBox="1"/>
+          <p:nvPr/>
+        </p:nvSpPr>
+        <p:spPr>
+          <a:xfrm>
+            <a:off x="6034447" y="2767027"/>
+            <a:ext cx="382954" cy="369332"/>
+          </a:xfrm>
+          <a:prstGeom prst="rect">
+            <a:avLst/>
+          </a:prstGeom>
+          <a:noFill/>
+        </p:spPr>
+        <p:txBody>
+          <a:bodyPr wrap="square">
+            <a:spAutoFit/>
+          </a:bodyPr>
+          <a:lstStyle/>
+          <a:p>
+            <a:r>
+              <a:rPr lang="en-US" altLang="ko-KR" dirty="0">
+                <a:solidFill>
+                  <a:srgbClr val="FF0000"/>
+                </a:solidFill>
+                <a:latin typeface="DM Mono" panose="020B0509040201040103" pitchFamily="49" charset="0"/>
+              </a:rPr>
               <a:t>r</a:t>
             </a:r>
-            <a:endParaRPr lang="ko-Kore-KR" altLang="en-US" dirty="0"/>
+            <a:endParaRPr lang="ko-Kore-KR" altLang="en-US" dirty="0">
+              <a:solidFill>
+                <a:srgbClr val="FF0000"/>
+              </a:solidFill>
+            </a:endParaRPr>
           </a:p>
         </p:txBody>
       </p:sp>
@@ -5068,7 +5621,7 @@
 </p:sld>
 </file>
 
-<file path=ppt/slides/slide13.xml><?xml version="1.0" encoding="utf-8"?>
+<file path=ppt/slides/slide14.xml><?xml version="1.0" encoding="utf-8"?>
 <p:sld xmlns:a="http://schemas.openxmlformats.org/drawingml/2006/main" xmlns:r="http://schemas.openxmlformats.org/officeDocument/2006/relationships" xmlns:p="http://schemas.openxmlformats.org/presentationml/2006/main">
   <p:cSld>
     <p:spTree>
@@ -5592,7 +6145,7 @@
 </p:sld>
 </file>
 
-<file path=ppt/slides/slide14.xml><?xml version="1.0" encoding="utf-8"?>
+<file path=ppt/slides/slide15.xml><?xml version="1.0" encoding="utf-8"?>
 <p:sld xmlns:a="http://schemas.openxmlformats.org/drawingml/2006/main" xmlns:r="http://schemas.openxmlformats.org/officeDocument/2006/relationships" xmlns:p="http://schemas.openxmlformats.org/presentationml/2006/main">
   <p:cSld>
     <p:spTree>
@@ -6255,7 +6808,7 @@
 </p:sld>
 </file>
 
-<file path=ppt/slides/slide15.xml><?xml version="1.0" encoding="utf-8"?>
+<file path=ppt/slides/slide16.xml><?xml version="1.0" encoding="utf-8"?>
 <p:sld xmlns:a="http://schemas.openxmlformats.org/drawingml/2006/main" xmlns:r="http://schemas.openxmlformats.org/officeDocument/2006/relationships" xmlns:p="http://schemas.openxmlformats.org/presentationml/2006/main">
   <p:cSld>
     <p:spTree>

--- a/221114.pptx
+++ b/221114.pptx
@@ -21,6 +21,10 @@
     <p:sldId id="268" r:id="rId15"/>
     <p:sldId id="269" r:id="rId16"/>
     <p:sldId id="270" r:id="rId17"/>
+    <p:sldId id="272" r:id="rId18"/>
+    <p:sldId id="273" r:id="rId19"/>
+    <p:sldId id="274" r:id="rId20"/>
+    <p:sldId id="275" r:id="rId21"/>
   </p:sldIdLst>
   <p:sldSz cx="12192000" cy="6858000"/>
   <p:notesSz cx="6858000" cy="9144000"/>
@@ -7483,6 +7487,2482 @@
 </p:sld>
 </file>
 
+<file path=ppt/slides/slide17.xml><?xml version="1.0" encoding="utf-8"?>
+<p:sld xmlns:a="http://schemas.openxmlformats.org/drawingml/2006/main" xmlns:r="http://schemas.openxmlformats.org/officeDocument/2006/relationships" xmlns:p="http://schemas.openxmlformats.org/presentationml/2006/main">
+  <p:cSld>
+    <p:spTree>
+      <p:nvGrpSpPr>
+        <p:cNvPr id="1" name=""/>
+        <p:cNvGrpSpPr/>
+        <p:nvPr/>
+      </p:nvGrpSpPr>
+      <p:grpSpPr>
+        <a:xfrm>
+          <a:off x="0" y="0"/>
+          <a:ext cx="0" cy="0"/>
+          <a:chOff x="0" y="0"/>
+          <a:chExt cx="0" cy="0"/>
+        </a:xfrm>
+      </p:grpSpPr>
+      <p:sp>
+        <p:nvSpPr>
+          <p:cNvPr id="5" name="TextBox 4">
+            <a:extLst>
+              <a:ext uri="{FF2B5EF4-FFF2-40B4-BE49-F238E27FC236}">
+                <a16:creationId xmlns:a16="http://schemas.microsoft.com/office/drawing/2014/main" id="{04768E63-C952-0B5C-868B-F1DC2F637A8B}"/>
+              </a:ext>
+            </a:extLst>
+          </p:cNvPr>
+          <p:cNvSpPr txBox="1"/>
+          <p:nvPr/>
+        </p:nvSpPr>
+        <p:spPr>
+          <a:xfrm>
+            <a:off x="382280" y="289679"/>
+            <a:ext cx="4197404" cy="5355312"/>
+          </a:xfrm>
+          <a:prstGeom prst="rect">
+            <a:avLst/>
+          </a:prstGeom>
+          <a:noFill/>
+        </p:spPr>
+        <p:txBody>
+          <a:bodyPr wrap="square">
+            <a:spAutoFit/>
+          </a:bodyPr>
+          <a:lstStyle/>
+          <a:p>
+            <a:r>
+              <a:rPr lang="ko-Kore-KR" altLang="en-US" dirty="0">
+                <a:latin typeface="DM Mono" panose="020B0509040201040103" pitchFamily="49" charset="0"/>
+              </a:rPr>
+              <a:t>struct Point</a:t>
+            </a:r>
+          </a:p>
+          <a:p>
+            <a:r>
+              <a:rPr lang="ko-Kore-KR" altLang="en-US" dirty="0">
+                <a:latin typeface="DM Mono" panose="020B0509040201040103" pitchFamily="49" charset="0"/>
+              </a:rPr>
+              <a:t>{</a:t>
+            </a:r>
+          </a:p>
+          <a:p>
+            <a:r>
+              <a:rPr lang="ko-Kore-KR" altLang="en-US" dirty="0">
+                <a:latin typeface="DM Mono" panose="020B0509040201040103" pitchFamily="49" charset="0"/>
+              </a:rPr>
+              <a:t>  int x;</a:t>
+            </a:r>
+          </a:p>
+          <a:p>
+            <a:r>
+              <a:rPr lang="ko-Kore-KR" altLang="en-US" dirty="0">
+                <a:latin typeface="DM Mono" panose="020B0509040201040103" pitchFamily="49" charset="0"/>
+              </a:rPr>
+              <a:t>  int y;</a:t>
+            </a:r>
+          </a:p>
+          <a:p>
+            <a:endParaRPr lang="ko-Kore-KR" altLang="en-US" dirty="0">
+              <a:latin typeface="DM Mono" panose="020B0509040201040103" pitchFamily="49" charset="0"/>
+            </a:endParaRPr>
+          </a:p>
+          <a:p>
+            <a:r>
+              <a:rPr lang="ko-Kore-KR" altLang="en-US" dirty="0">
+                <a:latin typeface="DM Mono" panose="020B0509040201040103" pitchFamily="49" charset="0"/>
+              </a:rPr>
+              <a:t>  void Set(int a, int b)</a:t>
+            </a:r>
+          </a:p>
+          <a:p>
+            <a:r>
+              <a:rPr lang="ko-Kore-KR" altLang="en-US" dirty="0">
+                <a:latin typeface="DM Mono" panose="020B0509040201040103" pitchFamily="49" charset="0"/>
+              </a:rPr>
+              <a:t>  {</a:t>
+            </a:r>
+          </a:p>
+          <a:p>
+            <a:r>
+              <a:rPr lang="ko-Kore-KR" altLang="en-US" dirty="0">
+                <a:latin typeface="DM Mono" panose="020B0509040201040103" pitchFamily="49" charset="0"/>
+              </a:rPr>
+              <a:t>    x = a;</a:t>
+            </a:r>
+          </a:p>
+          <a:p>
+            <a:r>
+              <a:rPr lang="ko-Kore-KR" altLang="en-US" dirty="0">
+                <a:latin typeface="DM Mono" panose="020B0509040201040103" pitchFamily="49" charset="0"/>
+              </a:rPr>
+              <a:t>    y = b;</a:t>
+            </a:r>
+          </a:p>
+          <a:p>
+            <a:r>
+              <a:rPr lang="ko-Kore-KR" altLang="en-US" dirty="0">
+                <a:latin typeface="DM Mono" panose="020B0509040201040103" pitchFamily="49" charset="0"/>
+              </a:rPr>
+              <a:t>  }</a:t>
+            </a:r>
+          </a:p>
+          <a:p>
+            <a:r>
+              <a:rPr lang="ko-Kore-KR" altLang="en-US" dirty="0">
+                <a:latin typeface="DM Mono" panose="020B0509040201040103" pitchFamily="49" charset="0"/>
+              </a:rPr>
+              <a:t>};</a:t>
+            </a:r>
+            <a:endParaRPr lang="en-US" altLang="ko-Kore-KR" dirty="0">
+              <a:latin typeface="DM Mono" panose="020B0509040201040103" pitchFamily="49" charset="0"/>
+            </a:endParaRPr>
+          </a:p>
+          <a:p>
+            <a:endParaRPr lang="en-US" altLang="ko-Kore-KR" dirty="0">
+              <a:latin typeface="DM Mono" panose="020B0509040201040103" pitchFamily="49" charset="0"/>
+            </a:endParaRPr>
+          </a:p>
+          <a:p>
+            <a:r>
+              <a:rPr lang="en" altLang="ko-Kore-KR" dirty="0">
+                <a:latin typeface="DM Mono" panose="020B0509040201040103" pitchFamily="49" charset="0"/>
+              </a:rPr>
+              <a:t>int main()</a:t>
+            </a:r>
+          </a:p>
+          <a:p>
+            <a:r>
+              <a:rPr lang="en" altLang="ko-Kore-KR" dirty="0">
+                <a:latin typeface="DM Mono" panose="020B0509040201040103" pitchFamily="49" charset="0"/>
+              </a:rPr>
+              <a:t>{</a:t>
+            </a:r>
+          </a:p>
+          <a:p>
+            <a:r>
+              <a:rPr lang="en" altLang="ko-Kore-KR" dirty="0">
+                <a:latin typeface="DM Mono" panose="020B0509040201040103" pitchFamily="49" charset="0"/>
+              </a:rPr>
+              <a:t>  Point pt1, pt2;</a:t>
+            </a:r>
+          </a:p>
+          <a:p>
+            <a:endParaRPr lang="en" altLang="ko-Kore-KR" dirty="0">
+              <a:latin typeface="DM Mono" panose="020B0509040201040103" pitchFamily="49" charset="0"/>
+            </a:endParaRPr>
+          </a:p>
+          <a:p>
+            <a:r>
+              <a:rPr lang="en" altLang="ko-Kore-KR" dirty="0">
+                <a:latin typeface="DM Mono" panose="020B0509040201040103" pitchFamily="49" charset="0"/>
+              </a:rPr>
+              <a:t>  pt1.Set(10, 20);</a:t>
+            </a:r>
+          </a:p>
+          <a:p>
+            <a:r>
+              <a:rPr lang="en" altLang="ko-Kore-KR" dirty="0">
+                <a:latin typeface="DM Mono" panose="020B0509040201040103" pitchFamily="49" charset="0"/>
+              </a:rPr>
+              <a:t>  pt2.Set(20, 30);</a:t>
+            </a:r>
+          </a:p>
+          <a:p>
+            <a:r>
+              <a:rPr lang="en" altLang="ko-Kore-KR" dirty="0">
+                <a:latin typeface="DM Mono" panose="020B0509040201040103" pitchFamily="49" charset="0"/>
+              </a:rPr>
+              <a:t>}</a:t>
+            </a:r>
+            <a:endParaRPr lang="ko-Kore-KR" altLang="en-US" dirty="0">
+              <a:latin typeface="DM Mono" panose="020B0509040201040103" pitchFamily="49" charset="0"/>
+            </a:endParaRPr>
+          </a:p>
+        </p:txBody>
+      </p:sp>
+      <p:sp>
+        <p:nvSpPr>
+          <p:cNvPr id="6" name="직사각형 5">
+            <a:extLst>
+              <a:ext uri="{FF2B5EF4-FFF2-40B4-BE49-F238E27FC236}">
+                <a16:creationId xmlns:a16="http://schemas.microsoft.com/office/drawing/2014/main" id="{A5637955-00D9-0B29-0484-0672EFB202E0}"/>
+              </a:ext>
+            </a:extLst>
+          </p:cNvPr>
+          <p:cNvSpPr/>
+          <p:nvPr/>
+        </p:nvSpPr>
+        <p:spPr>
+          <a:xfrm>
+            <a:off x="5936945" y="2905779"/>
+            <a:ext cx="664577" cy="355953"/>
+          </a:xfrm>
+          <a:prstGeom prst="rect">
+            <a:avLst/>
+          </a:prstGeom>
+          <a:solidFill>
+            <a:srgbClr val="FFFF00"/>
+          </a:solidFill>
+        </p:spPr>
+        <p:style>
+          <a:lnRef idx="2">
+            <a:schemeClr val="accent1">
+              <a:shade val="50000"/>
+            </a:schemeClr>
+          </a:lnRef>
+          <a:fillRef idx="1">
+            <a:schemeClr val="accent1"/>
+          </a:fillRef>
+          <a:effectRef idx="0">
+            <a:schemeClr val="accent1"/>
+          </a:effectRef>
+          <a:fontRef idx="minor">
+            <a:schemeClr val="lt1"/>
+          </a:fontRef>
+        </p:style>
+        <p:txBody>
+          <a:bodyPr rtlCol="0" anchor="ctr"/>
+          <a:lstStyle/>
+          <a:p>
+            <a:pPr algn="ctr"/>
+            <a:endParaRPr kumimoji="1" lang="ko-Kore-KR" altLang="en-US" dirty="0">
+              <a:solidFill>
+                <a:schemeClr val="tx1"/>
+              </a:solidFill>
+              <a:latin typeface="DM Mono" panose="020B0509040201040103" pitchFamily="49" charset="0"/>
+            </a:endParaRPr>
+          </a:p>
+        </p:txBody>
+      </p:sp>
+      <p:sp>
+        <p:nvSpPr>
+          <p:cNvPr id="7" name="직사각형 6">
+            <a:extLst>
+              <a:ext uri="{FF2B5EF4-FFF2-40B4-BE49-F238E27FC236}">
+                <a16:creationId xmlns:a16="http://schemas.microsoft.com/office/drawing/2014/main" id="{5A27A090-CB0D-F7EF-AC5D-9CF35DBEC304}"/>
+              </a:ext>
+            </a:extLst>
+          </p:cNvPr>
+          <p:cNvSpPr/>
+          <p:nvPr/>
+        </p:nvSpPr>
+        <p:spPr>
+          <a:xfrm>
+            <a:off x="5936944" y="3261732"/>
+            <a:ext cx="664577" cy="355953"/>
+          </a:xfrm>
+          <a:prstGeom prst="rect">
+            <a:avLst/>
+          </a:prstGeom>
+          <a:solidFill>
+            <a:srgbClr val="FFFF00"/>
+          </a:solidFill>
+        </p:spPr>
+        <p:style>
+          <a:lnRef idx="2">
+            <a:schemeClr val="accent1">
+              <a:shade val="50000"/>
+            </a:schemeClr>
+          </a:lnRef>
+          <a:fillRef idx="1">
+            <a:schemeClr val="accent1"/>
+          </a:fillRef>
+          <a:effectRef idx="0">
+            <a:schemeClr val="accent1"/>
+          </a:effectRef>
+          <a:fontRef idx="minor">
+            <a:schemeClr val="lt1"/>
+          </a:fontRef>
+        </p:style>
+        <p:txBody>
+          <a:bodyPr rtlCol="0" anchor="ctr"/>
+          <a:lstStyle/>
+          <a:p>
+            <a:pPr algn="ctr"/>
+            <a:endParaRPr kumimoji="1" lang="ko-Kore-KR" altLang="en-US" dirty="0">
+              <a:solidFill>
+                <a:schemeClr val="tx1"/>
+              </a:solidFill>
+              <a:latin typeface="DM Mono" panose="020B0509040201040103" pitchFamily="49" charset="0"/>
+            </a:endParaRPr>
+          </a:p>
+        </p:txBody>
+      </p:sp>
+      <p:sp>
+        <p:nvSpPr>
+          <p:cNvPr id="9" name="TextBox 8">
+            <a:extLst>
+              <a:ext uri="{FF2B5EF4-FFF2-40B4-BE49-F238E27FC236}">
+                <a16:creationId xmlns:a16="http://schemas.microsoft.com/office/drawing/2014/main" id="{F91B9C4F-5466-A11E-4C61-18E0E3DC75AB}"/>
+              </a:ext>
+            </a:extLst>
+          </p:cNvPr>
+          <p:cNvSpPr txBox="1"/>
+          <p:nvPr/>
+        </p:nvSpPr>
+        <p:spPr>
+          <a:xfrm>
+            <a:off x="5588781" y="2899089"/>
+            <a:ext cx="348162" cy="369332"/>
+          </a:xfrm>
+          <a:prstGeom prst="rect">
+            <a:avLst/>
+          </a:prstGeom>
+          <a:noFill/>
+        </p:spPr>
+        <p:txBody>
+          <a:bodyPr wrap="square">
+            <a:spAutoFit/>
+          </a:bodyPr>
+          <a:lstStyle/>
+          <a:p>
+            <a:r>
+              <a:rPr lang="ko-Kore-KR" altLang="en-US" dirty="0">
+                <a:latin typeface="DM Mono" panose="020B0509040201040103" pitchFamily="49" charset="0"/>
+              </a:rPr>
+              <a:t>x</a:t>
+            </a:r>
+            <a:endParaRPr lang="ko-Kore-KR" altLang="en-US" dirty="0"/>
+          </a:p>
+        </p:txBody>
+      </p:sp>
+      <p:sp>
+        <p:nvSpPr>
+          <p:cNvPr id="10" name="TextBox 9">
+            <a:extLst>
+              <a:ext uri="{FF2B5EF4-FFF2-40B4-BE49-F238E27FC236}">
+                <a16:creationId xmlns:a16="http://schemas.microsoft.com/office/drawing/2014/main" id="{BEB48056-8A63-7378-3AC6-28B4496662C1}"/>
+              </a:ext>
+            </a:extLst>
+          </p:cNvPr>
+          <p:cNvSpPr txBox="1"/>
+          <p:nvPr/>
+        </p:nvSpPr>
+        <p:spPr>
+          <a:xfrm>
+            <a:off x="5588779" y="3248353"/>
+            <a:ext cx="348162" cy="369332"/>
+          </a:xfrm>
+          <a:prstGeom prst="rect">
+            <a:avLst/>
+          </a:prstGeom>
+          <a:noFill/>
+        </p:spPr>
+        <p:txBody>
+          <a:bodyPr wrap="square">
+            <a:spAutoFit/>
+          </a:bodyPr>
+          <a:lstStyle/>
+          <a:p>
+            <a:r>
+              <a:rPr lang="en-US" altLang="ko-Kore-KR" dirty="0">
+                <a:latin typeface="DM Mono" panose="020B0509040201040103" pitchFamily="49" charset="0"/>
+              </a:rPr>
+              <a:t>y</a:t>
+            </a:r>
+            <a:endParaRPr lang="ko-Kore-KR" altLang="en-US" dirty="0"/>
+          </a:p>
+        </p:txBody>
+      </p:sp>
+      <p:sp>
+        <p:nvSpPr>
+          <p:cNvPr id="12" name="TextBox 11">
+            <a:extLst>
+              <a:ext uri="{FF2B5EF4-FFF2-40B4-BE49-F238E27FC236}">
+                <a16:creationId xmlns:a16="http://schemas.microsoft.com/office/drawing/2014/main" id="{8B559D80-8CDE-F211-6C1D-D2AA8B3DD072}"/>
+              </a:ext>
+            </a:extLst>
+          </p:cNvPr>
+          <p:cNvSpPr txBox="1"/>
+          <p:nvPr/>
+        </p:nvSpPr>
+        <p:spPr>
+          <a:xfrm>
+            <a:off x="5917038" y="2539337"/>
+            <a:ext cx="676042" cy="369332"/>
+          </a:xfrm>
+          <a:prstGeom prst="rect">
+            <a:avLst/>
+          </a:prstGeom>
+          <a:noFill/>
+        </p:spPr>
+        <p:txBody>
+          <a:bodyPr wrap="square">
+            <a:spAutoFit/>
+          </a:bodyPr>
+          <a:lstStyle/>
+          <a:p>
+            <a:pPr algn="ctr"/>
+            <a:r>
+              <a:rPr lang="en" altLang="ko-Kore-KR" dirty="0">
+                <a:latin typeface="DM Mono" panose="020B0509040201040103" pitchFamily="49" charset="0"/>
+              </a:rPr>
+              <a:t>pt1</a:t>
+            </a:r>
+            <a:endParaRPr lang="ko-Kore-KR" altLang="en-US" dirty="0"/>
+          </a:p>
+        </p:txBody>
+      </p:sp>
+      <p:sp>
+        <p:nvSpPr>
+          <p:cNvPr id="13" name="직사각형 12">
+            <a:extLst>
+              <a:ext uri="{FF2B5EF4-FFF2-40B4-BE49-F238E27FC236}">
+                <a16:creationId xmlns:a16="http://schemas.microsoft.com/office/drawing/2014/main" id="{1CCBB3B3-98B0-5509-973F-3E80C3819950}"/>
+              </a:ext>
+            </a:extLst>
+          </p:cNvPr>
+          <p:cNvSpPr/>
+          <p:nvPr/>
+        </p:nvSpPr>
+        <p:spPr>
+          <a:xfrm>
+            <a:off x="7930434" y="2879015"/>
+            <a:ext cx="664577" cy="355953"/>
+          </a:xfrm>
+          <a:prstGeom prst="rect">
+            <a:avLst/>
+          </a:prstGeom>
+          <a:solidFill>
+            <a:srgbClr val="FFFF00"/>
+          </a:solidFill>
+        </p:spPr>
+        <p:style>
+          <a:lnRef idx="2">
+            <a:schemeClr val="accent1">
+              <a:shade val="50000"/>
+            </a:schemeClr>
+          </a:lnRef>
+          <a:fillRef idx="1">
+            <a:schemeClr val="accent1"/>
+          </a:fillRef>
+          <a:effectRef idx="0">
+            <a:schemeClr val="accent1"/>
+          </a:effectRef>
+          <a:fontRef idx="minor">
+            <a:schemeClr val="lt1"/>
+          </a:fontRef>
+        </p:style>
+        <p:txBody>
+          <a:bodyPr rtlCol="0" anchor="ctr"/>
+          <a:lstStyle/>
+          <a:p>
+            <a:pPr algn="ctr"/>
+            <a:endParaRPr kumimoji="1" lang="ko-Kore-KR" altLang="en-US" dirty="0">
+              <a:solidFill>
+                <a:schemeClr val="tx1"/>
+              </a:solidFill>
+              <a:latin typeface="DM Mono" panose="020B0509040201040103" pitchFamily="49" charset="0"/>
+            </a:endParaRPr>
+          </a:p>
+        </p:txBody>
+      </p:sp>
+      <p:sp>
+        <p:nvSpPr>
+          <p:cNvPr id="14" name="직사각형 13">
+            <a:extLst>
+              <a:ext uri="{FF2B5EF4-FFF2-40B4-BE49-F238E27FC236}">
+                <a16:creationId xmlns:a16="http://schemas.microsoft.com/office/drawing/2014/main" id="{0AB56B5B-13E3-79CF-4805-C89D1B3C6989}"/>
+              </a:ext>
+            </a:extLst>
+          </p:cNvPr>
+          <p:cNvSpPr/>
+          <p:nvPr/>
+        </p:nvSpPr>
+        <p:spPr>
+          <a:xfrm>
+            <a:off x="7930433" y="3234968"/>
+            <a:ext cx="664577" cy="355953"/>
+          </a:xfrm>
+          <a:prstGeom prst="rect">
+            <a:avLst/>
+          </a:prstGeom>
+          <a:solidFill>
+            <a:srgbClr val="FFFF00"/>
+          </a:solidFill>
+        </p:spPr>
+        <p:style>
+          <a:lnRef idx="2">
+            <a:schemeClr val="accent1">
+              <a:shade val="50000"/>
+            </a:schemeClr>
+          </a:lnRef>
+          <a:fillRef idx="1">
+            <a:schemeClr val="accent1"/>
+          </a:fillRef>
+          <a:effectRef idx="0">
+            <a:schemeClr val="accent1"/>
+          </a:effectRef>
+          <a:fontRef idx="minor">
+            <a:schemeClr val="lt1"/>
+          </a:fontRef>
+        </p:style>
+        <p:txBody>
+          <a:bodyPr rtlCol="0" anchor="ctr"/>
+          <a:lstStyle/>
+          <a:p>
+            <a:pPr algn="ctr"/>
+            <a:endParaRPr kumimoji="1" lang="ko-Kore-KR" altLang="en-US" dirty="0">
+              <a:solidFill>
+                <a:schemeClr val="tx1"/>
+              </a:solidFill>
+              <a:latin typeface="DM Mono" panose="020B0509040201040103" pitchFamily="49" charset="0"/>
+            </a:endParaRPr>
+          </a:p>
+        </p:txBody>
+      </p:sp>
+      <p:sp>
+        <p:nvSpPr>
+          <p:cNvPr id="15" name="TextBox 14">
+            <a:extLst>
+              <a:ext uri="{FF2B5EF4-FFF2-40B4-BE49-F238E27FC236}">
+                <a16:creationId xmlns:a16="http://schemas.microsoft.com/office/drawing/2014/main" id="{3A67CD80-D2C2-5FFF-F7FE-543245F8EFE1}"/>
+              </a:ext>
+            </a:extLst>
+          </p:cNvPr>
+          <p:cNvSpPr txBox="1"/>
+          <p:nvPr/>
+        </p:nvSpPr>
+        <p:spPr>
+          <a:xfrm>
+            <a:off x="7582270" y="2872325"/>
+            <a:ext cx="348162" cy="369332"/>
+          </a:xfrm>
+          <a:prstGeom prst="rect">
+            <a:avLst/>
+          </a:prstGeom>
+          <a:noFill/>
+        </p:spPr>
+        <p:txBody>
+          <a:bodyPr wrap="square">
+            <a:spAutoFit/>
+          </a:bodyPr>
+          <a:lstStyle/>
+          <a:p>
+            <a:r>
+              <a:rPr lang="ko-Kore-KR" altLang="en-US" dirty="0">
+                <a:latin typeface="DM Mono" panose="020B0509040201040103" pitchFamily="49" charset="0"/>
+              </a:rPr>
+              <a:t>x</a:t>
+            </a:r>
+            <a:endParaRPr lang="ko-Kore-KR" altLang="en-US" dirty="0"/>
+          </a:p>
+        </p:txBody>
+      </p:sp>
+      <p:sp>
+        <p:nvSpPr>
+          <p:cNvPr id="16" name="TextBox 15">
+            <a:extLst>
+              <a:ext uri="{FF2B5EF4-FFF2-40B4-BE49-F238E27FC236}">
+                <a16:creationId xmlns:a16="http://schemas.microsoft.com/office/drawing/2014/main" id="{C77C901A-2A8F-D9B2-8F83-2A13FE7C4BCF}"/>
+              </a:ext>
+            </a:extLst>
+          </p:cNvPr>
+          <p:cNvSpPr txBox="1"/>
+          <p:nvPr/>
+        </p:nvSpPr>
+        <p:spPr>
+          <a:xfrm>
+            <a:off x="7582268" y="3221589"/>
+            <a:ext cx="348162" cy="369332"/>
+          </a:xfrm>
+          <a:prstGeom prst="rect">
+            <a:avLst/>
+          </a:prstGeom>
+          <a:noFill/>
+        </p:spPr>
+        <p:txBody>
+          <a:bodyPr wrap="square">
+            <a:spAutoFit/>
+          </a:bodyPr>
+          <a:lstStyle/>
+          <a:p>
+            <a:r>
+              <a:rPr lang="en-US" altLang="ko-Kore-KR" dirty="0">
+                <a:latin typeface="DM Mono" panose="020B0509040201040103" pitchFamily="49" charset="0"/>
+              </a:rPr>
+              <a:t>y</a:t>
+            </a:r>
+            <a:endParaRPr lang="ko-Kore-KR" altLang="en-US" dirty="0"/>
+          </a:p>
+        </p:txBody>
+      </p:sp>
+      <p:sp>
+        <p:nvSpPr>
+          <p:cNvPr id="17" name="TextBox 16">
+            <a:extLst>
+              <a:ext uri="{FF2B5EF4-FFF2-40B4-BE49-F238E27FC236}">
+                <a16:creationId xmlns:a16="http://schemas.microsoft.com/office/drawing/2014/main" id="{CAE1322B-1612-35C9-7E17-F25F480DD972}"/>
+              </a:ext>
+            </a:extLst>
+          </p:cNvPr>
+          <p:cNvSpPr txBox="1"/>
+          <p:nvPr/>
+        </p:nvSpPr>
+        <p:spPr>
+          <a:xfrm>
+            <a:off x="7910527" y="2512573"/>
+            <a:ext cx="676042" cy="369332"/>
+          </a:xfrm>
+          <a:prstGeom prst="rect">
+            <a:avLst/>
+          </a:prstGeom>
+          <a:noFill/>
+        </p:spPr>
+        <p:txBody>
+          <a:bodyPr wrap="square">
+            <a:spAutoFit/>
+          </a:bodyPr>
+          <a:lstStyle/>
+          <a:p>
+            <a:pPr algn="ctr"/>
+            <a:r>
+              <a:rPr lang="en" altLang="ko-Kore-KR" dirty="0">
+                <a:latin typeface="DM Mono" panose="020B0509040201040103" pitchFamily="49" charset="0"/>
+              </a:rPr>
+              <a:t>pt2</a:t>
+            </a:r>
+            <a:endParaRPr lang="ko-Kore-KR" altLang="en-US" dirty="0"/>
+          </a:p>
+        </p:txBody>
+      </p:sp>
+      <p:sp>
+        <p:nvSpPr>
+          <p:cNvPr id="19" name="TextBox 18">
+            <a:extLst>
+              <a:ext uri="{FF2B5EF4-FFF2-40B4-BE49-F238E27FC236}">
+                <a16:creationId xmlns:a16="http://schemas.microsoft.com/office/drawing/2014/main" id="{ABC1A19B-9F2B-7D01-A21B-B00191EBAE64}"/>
+              </a:ext>
+            </a:extLst>
+          </p:cNvPr>
+          <p:cNvSpPr txBox="1"/>
+          <p:nvPr/>
+        </p:nvSpPr>
+        <p:spPr>
+          <a:xfrm>
+            <a:off x="5707550" y="4703131"/>
+            <a:ext cx="5031074" cy="1477328"/>
+          </a:xfrm>
+          <a:prstGeom prst="rect">
+            <a:avLst/>
+          </a:prstGeom>
+          <a:noFill/>
+        </p:spPr>
+        <p:txBody>
+          <a:bodyPr wrap="square">
+            <a:spAutoFit/>
+          </a:bodyPr>
+          <a:lstStyle/>
+          <a:p>
+            <a:r>
+              <a:rPr lang="ko-Kore-KR" altLang="en-US" dirty="0">
+                <a:latin typeface="DM Mono" panose="020B0509040201040103" pitchFamily="49" charset="0"/>
+              </a:rPr>
+              <a:t> void </a:t>
+            </a:r>
+            <a:r>
+              <a:rPr lang="en-US" altLang="ko-Kore-KR" dirty="0">
+                <a:latin typeface="DM Mono" panose="020B0509040201040103" pitchFamily="49" charset="0"/>
+              </a:rPr>
+              <a:t>Point::</a:t>
+            </a:r>
+            <a:r>
+              <a:rPr lang="ko-Kore-KR" altLang="en-US" dirty="0">
+                <a:latin typeface="DM Mono" panose="020B0509040201040103" pitchFamily="49" charset="0"/>
+              </a:rPr>
+              <a:t>Set(int a, int b)</a:t>
+            </a:r>
+          </a:p>
+          <a:p>
+            <a:r>
+              <a:rPr lang="en-US" altLang="ko-Kore-KR" dirty="0">
+                <a:latin typeface="DM Mono" panose="020B0509040201040103" pitchFamily="49" charset="0"/>
+              </a:rPr>
+              <a:t> </a:t>
+            </a:r>
+            <a:r>
+              <a:rPr lang="ko-Kore-KR" altLang="en-US" dirty="0">
+                <a:latin typeface="DM Mono" panose="020B0509040201040103" pitchFamily="49" charset="0"/>
+              </a:rPr>
+              <a:t>{</a:t>
+            </a:r>
+          </a:p>
+          <a:p>
+            <a:r>
+              <a:rPr lang="ko-Kore-KR" altLang="en-US" dirty="0">
+                <a:latin typeface="DM Mono" panose="020B0509040201040103" pitchFamily="49" charset="0"/>
+              </a:rPr>
+              <a:t>    x = a;</a:t>
+            </a:r>
+          </a:p>
+          <a:p>
+            <a:r>
+              <a:rPr lang="ko-Kore-KR" altLang="en-US" dirty="0">
+                <a:latin typeface="DM Mono" panose="020B0509040201040103" pitchFamily="49" charset="0"/>
+              </a:rPr>
+              <a:t>    y = b;</a:t>
+            </a:r>
+          </a:p>
+          <a:p>
+            <a:r>
+              <a:rPr lang="ko-Kore-KR" altLang="en-US" dirty="0">
+                <a:latin typeface="DM Mono" panose="020B0509040201040103" pitchFamily="49" charset="0"/>
+              </a:rPr>
+              <a:t> }</a:t>
+            </a:r>
+            <a:endParaRPr lang="ko-Kore-KR" altLang="en-US" dirty="0"/>
+          </a:p>
+        </p:txBody>
+      </p:sp>
+    </p:spTree>
+    <p:extLst>
+      <p:ext uri="{BB962C8B-B14F-4D97-AF65-F5344CB8AC3E}">
+        <p14:creationId xmlns:p14="http://schemas.microsoft.com/office/powerpoint/2010/main" val="2740429434"/>
+      </p:ext>
+    </p:extLst>
+  </p:cSld>
+  <p:clrMapOvr>
+    <a:masterClrMapping/>
+  </p:clrMapOvr>
+</p:sld>
+</file>
+
+<file path=ppt/slides/slide18.xml><?xml version="1.0" encoding="utf-8"?>
+<p:sld xmlns:a="http://schemas.openxmlformats.org/drawingml/2006/main" xmlns:r="http://schemas.openxmlformats.org/officeDocument/2006/relationships" xmlns:p="http://schemas.openxmlformats.org/presentationml/2006/main">
+  <p:cSld>
+    <p:spTree>
+      <p:nvGrpSpPr>
+        <p:cNvPr id="1" name=""/>
+        <p:cNvGrpSpPr/>
+        <p:nvPr/>
+      </p:nvGrpSpPr>
+      <p:grpSpPr>
+        <a:xfrm>
+          <a:off x="0" y="0"/>
+          <a:ext cx="0" cy="0"/>
+          <a:chOff x="0" y="0"/>
+          <a:chExt cx="0" cy="0"/>
+        </a:xfrm>
+      </p:grpSpPr>
+      <p:sp>
+        <p:nvSpPr>
+          <p:cNvPr id="5" name="TextBox 4">
+            <a:extLst>
+              <a:ext uri="{FF2B5EF4-FFF2-40B4-BE49-F238E27FC236}">
+                <a16:creationId xmlns:a16="http://schemas.microsoft.com/office/drawing/2014/main" id="{04768E63-C952-0B5C-868B-F1DC2F637A8B}"/>
+              </a:ext>
+            </a:extLst>
+          </p:cNvPr>
+          <p:cNvSpPr txBox="1"/>
+          <p:nvPr/>
+        </p:nvSpPr>
+        <p:spPr>
+          <a:xfrm>
+            <a:off x="382280" y="289679"/>
+            <a:ext cx="4197404" cy="5355312"/>
+          </a:xfrm>
+          <a:prstGeom prst="rect">
+            <a:avLst/>
+          </a:prstGeom>
+          <a:noFill/>
+        </p:spPr>
+        <p:txBody>
+          <a:bodyPr wrap="square">
+            <a:spAutoFit/>
+          </a:bodyPr>
+          <a:lstStyle/>
+          <a:p>
+            <a:r>
+              <a:rPr lang="ko-Kore-KR" altLang="en-US" dirty="0">
+                <a:latin typeface="DM Mono" panose="020B0509040201040103" pitchFamily="49" charset="0"/>
+              </a:rPr>
+              <a:t>struct Point</a:t>
+            </a:r>
+          </a:p>
+          <a:p>
+            <a:r>
+              <a:rPr lang="ko-Kore-KR" altLang="en-US" dirty="0">
+                <a:latin typeface="DM Mono" panose="020B0509040201040103" pitchFamily="49" charset="0"/>
+              </a:rPr>
+              <a:t>{</a:t>
+            </a:r>
+          </a:p>
+          <a:p>
+            <a:r>
+              <a:rPr lang="ko-Kore-KR" altLang="en-US" dirty="0">
+                <a:latin typeface="DM Mono" panose="020B0509040201040103" pitchFamily="49" charset="0"/>
+              </a:rPr>
+              <a:t>  int x;</a:t>
+            </a:r>
+          </a:p>
+          <a:p>
+            <a:r>
+              <a:rPr lang="ko-Kore-KR" altLang="en-US" dirty="0">
+                <a:latin typeface="DM Mono" panose="020B0509040201040103" pitchFamily="49" charset="0"/>
+              </a:rPr>
+              <a:t>  int y;</a:t>
+            </a:r>
+          </a:p>
+          <a:p>
+            <a:endParaRPr lang="ko-Kore-KR" altLang="en-US" dirty="0">
+              <a:latin typeface="DM Mono" panose="020B0509040201040103" pitchFamily="49" charset="0"/>
+            </a:endParaRPr>
+          </a:p>
+          <a:p>
+            <a:r>
+              <a:rPr lang="ko-Kore-KR" altLang="en-US" dirty="0">
+                <a:latin typeface="DM Mono" panose="020B0509040201040103" pitchFamily="49" charset="0"/>
+              </a:rPr>
+              <a:t>  void Set(int a, int b)</a:t>
+            </a:r>
+          </a:p>
+          <a:p>
+            <a:r>
+              <a:rPr lang="ko-Kore-KR" altLang="en-US" dirty="0">
+                <a:latin typeface="DM Mono" panose="020B0509040201040103" pitchFamily="49" charset="0"/>
+              </a:rPr>
+              <a:t>  {</a:t>
+            </a:r>
+          </a:p>
+          <a:p>
+            <a:r>
+              <a:rPr lang="ko-Kore-KR" altLang="en-US" dirty="0">
+                <a:latin typeface="DM Mono" panose="020B0509040201040103" pitchFamily="49" charset="0"/>
+              </a:rPr>
+              <a:t>    x = a;</a:t>
+            </a:r>
+          </a:p>
+          <a:p>
+            <a:r>
+              <a:rPr lang="ko-Kore-KR" altLang="en-US" dirty="0">
+                <a:latin typeface="DM Mono" panose="020B0509040201040103" pitchFamily="49" charset="0"/>
+              </a:rPr>
+              <a:t>    y = b;</a:t>
+            </a:r>
+          </a:p>
+          <a:p>
+            <a:r>
+              <a:rPr lang="ko-Kore-KR" altLang="en-US" dirty="0">
+                <a:latin typeface="DM Mono" panose="020B0509040201040103" pitchFamily="49" charset="0"/>
+              </a:rPr>
+              <a:t>  }</a:t>
+            </a:r>
+          </a:p>
+          <a:p>
+            <a:r>
+              <a:rPr lang="ko-Kore-KR" altLang="en-US" dirty="0">
+                <a:latin typeface="DM Mono" panose="020B0509040201040103" pitchFamily="49" charset="0"/>
+              </a:rPr>
+              <a:t>};</a:t>
+            </a:r>
+            <a:endParaRPr lang="en-US" altLang="ko-Kore-KR" dirty="0">
+              <a:latin typeface="DM Mono" panose="020B0509040201040103" pitchFamily="49" charset="0"/>
+            </a:endParaRPr>
+          </a:p>
+          <a:p>
+            <a:endParaRPr lang="en-US" altLang="ko-Kore-KR" dirty="0">
+              <a:latin typeface="DM Mono" panose="020B0509040201040103" pitchFamily="49" charset="0"/>
+            </a:endParaRPr>
+          </a:p>
+          <a:p>
+            <a:r>
+              <a:rPr lang="en" altLang="ko-Kore-KR" dirty="0">
+                <a:latin typeface="DM Mono" panose="020B0509040201040103" pitchFamily="49" charset="0"/>
+              </a:rPr>
+              <a:t>int main()</a:t>
+            </a:r>
+          </a:p>
+          <a:p>
+            <a:r>
+              <a:rPr lang="en" altLang="ko-Kore-KR" dirty="0">
+                <a:latin typeface="DM Mono" panose="020B0509040201040103" pitchFamily="49" charset="0"/>
+              </a:rPr>
+              <a:t>{</a:t>
+            </a:r>
+          </a:p>
+          <a:p>
+            <a:r>
+              <a:rPr lang="en" altLang="ko-Kore-KR" dirty="0">
+                <a:latin typeface="DM Mono" panose="020B0509040201040103" pitchFamily="49" charset="0"/>
+              </a:rPr>
+              <a:t>  Point pt1, pt2;</a:t>
+            </a:r>
+          </a:p>
+          <a:p>
+            <a:endParaRPr lang="en" altLang="ko-Kore-KR" dirty="0">
+              <a:latin typeface="DM Mono" panose="020B0509040201040103" pitchFamily="49" charset="0"/>
+            </a:endParaRPr>
+          </a:p>
+          <a:p>
+            <a:r>
+              <a:rPr lang="en" altLang="ko-Kore-KR" dirty="0">
+                <a:latin typeface="DM Mono" panose="020B0509040201040103" pitchFamily="49" charset="0"/>
+              </a:rPr>
+              <a:t>  pt1.Set(10, 20);</a:t>
+            </a:r>
+          </a:p>
+          <a:p>
+            <a:r>
+              <a:rPr lang="en" altLang="ko-Kore-KR" dirty="0">
+                <a:latin typeface="DM Mono" panose="020B0509040201040103" pitchFamily="49" charset="0"/>
+              </a:rPr>
+              <a:t>  pt2.Set(20, 30);</a:t>
+            </a:r>
+          </a:p>
+          <a:p>
+            <a:r>
+              <a:rPr lang="en" altLang="ko-Kore-KR" dirty="0">
+                <a:latin typeface="DM Mono" panose="020B0509040201040103" pitchFamily="49" charset="0"/>
+              </a:rPr>
+              <a:t>}</a:t>
+            </a:r>
+            <a:endParaRPr lang="ko-Kore-KR" altLang="en-US" dirty="0">
+              <a:latin typeface="DM Mono" panose="020B0509040201040103" pitchFamily="49" charset="0"/>
+            </a:endParaRPr>
+          </a:p>
+        </p:txBody>
+      </p:sp>
+      <p:sp>
+        <p:nvSpPr>
+          <p:cNvPr id="6" name="직사각형 5">
+            <a:extLst>
+              <a:ext uri="{FF2B5EF4-FFF2-40B4-BE49-F238E27FC236}">
+                <a16:creationId xmlns:a16="http://schemas.microsoft.com/office/drawing/2014/main" id="{A5637955-00D9-0B29-0484-0672EFB202E0}"/>
+              </a:ext>
+            </a:extLst>
+          </p:cNvPr>
+          <p:cNvSpPr/>
+          <p:nvPr/>
+        </p:nvSpPr>
+        <p:spPr>
+          <a:xfrm>
+            <a:off x="5936945" y="2905779"/>
+            <a:ext cx="664577" cy="355953"/>
+          </a:xfrm>
+          <a:prstGeom prst="rect">
+            <a:avLst/>
+          </a:prstGeom>
+          <a:solidFill>
+            <a:srgbClr val="FFFF00"/>
+          </a:solidFill>
+        </p:spPr>
+        <p:style>
+          <a:lnRef idx="2">
+            <a:schemeClr val="accent1">
+              <a:shade val="50000"/>
+            </a:schemeClr>
+          </a:lnRef>
+          <a:fillRef idx="1">
+            <a:schemeClr val="accent1"/>
+          </a:fillRef>
+          <a:effectRef idx="0">
+            <a:schemeClr val="accent1"/>
+          </a:effectRef>
+          <a:fontRef idx="minor">
+            <a:schemeClr val="lt1"/>
+          </a:fontRef>
+        </p:style>
+        <p:txBody>
+          <a:bodyPr rtlCol="0" anchor="ctr"/>
+          <a:lstStyle/>
+          <a:p>
+            <a:pPr algn="ctr"/>
+            <a:endParaRPr kumimoji="1" lang="ko-Kore-KR" altLang="en-US" dirty="0">
+              <a:solidFill>
+                <a:schemeClr val="tx1"/>
+              </a:solidFill>
+              <a:latin typeface="DM Mono" panose="020B0509040201040103" pitchFamily="49" charset="0"/>
+            </a:endParaRPr>
+          </a:p>
+        </p:txBody>
+      </p:sp>
+      <p:sp>
+        <p:nvSpPr>
+          <p:cNvPr id="7" name="직사각형 6">
+            <a:extLst>
+              <a:ext uri="{FF2B5EF4-FFF2-40B4-BE49-F238E27FC236}">
+                <a16:creationId xmlns:a16="http://schemas.microsoft.com/office/drawing/2014/main" id="{5A27A090-CB0D-F7EF-AC5D-9CF35DBEC304}"/>
+              </a:ext>
+            </a:extLst>
+          </p:cNvPr>
+          <p:cNvSpPr/>
+          <p:nvPr/>
+        </p:nvSpPr>
+        <p:spPr>
+          <a:xfrm>
+            <a:off x="5936944" y="3261732"/>
+            <a:ext cx="664577" cy="355953"/>
+          </a:xfrm>
+          <a:prstGeom prst="rect">
+            <a:avLst/>
+          </a:prstGeom>
+          <a:solidFill>
+            <a:srgbClr val="FFFF00"/>
+          </a:solidFill>
+        </p:spPr>
+        <p:style>
+          <a:lnRef idx="2">
+            <a:schemeClr val="accent1">
+              <a:shade val="50000"/>
+            </a:schemeClr>
+          </a:lnRef>
+          <a:fillRef idx="1">
+            <a:schemeClr val="accent1"/>
+          </a:fillRef>
+          <a:effectRef idx="0">
+            <a:schemeClr val="accent1"/>
+          </a:effectRef>
+          <a:fontRef idx="minor">
+            <a:schemeClr val="lt1"/>
+          </a:fontRef>
+        </p:style>
+        <p:txBody>
+          <a:bodyPr rtlCol="0" anchor="ctr"/>
+          <a:lstStyle/>
+          <a:p>
+            <a:pPr algn="ctr"/>
+            <a:endParaRPr kumimoji="1" lang="ko-Kore-KR" altLang="en-US" dirty="0">
+              <a:solidFill>
+                <a:schemeClr val="tx1"/>
+              </a:solidFill>
+              <a:latin typeface="DM Mono" panose="020B0509040201040103" pitchFamily="49" charset="0"/>
+            </a:endParaRPr>
+          </a:p>
+        </p:txBody>
+      </p:sp>
+      <p:sp>
+        <p:nvSpPr>
+          <p:cNvPr id="9" name="TextBox 8">
+            <a:extLst>
+              <a:ext uri="{FF2B5EF4-FFF2-40B4-BE49-F238E27FC236}">
+                <a16:creationId xmlns:a16="http://schemas.microsoft.com/office/drawing/2014/main" id="{F91B9C4F-5466-A11E-4C61-18E0E3DC75AB}"/>
+              </a:ext>
+            </a:extLst>
+          </p:cNvPr>
+          <p:cNvSpPr txBox="1"/>
+          <p:nvPr/>
+        </p:nvSpPr>
+        <p:spPr>
+          <a:xfrm>
+            <a:off x="5588781" y="2899089"/>
+            <a:ext cx="348162" cy="369332"/>
+          </a:xfrm>
+          <a:prstGeom prst="rect">
+            <a:avLst/>
+          </a:prstGeom>
+          <a:noFill/>
+        </p:spPr>
+        <p:txBody>
+          <a:bodyPr wrap="square">
+            <a:spAutoFit/>
+          </a:bodyPr>
+          <a:lstStyle/>
+          <a:p>
+            <a:r>
+              <a:rPr lang="ko-Kore-KR" altLang="en-US" dirty="0">
+                <a:latin typeface="DM Mono" panose="020B0509040201040103" pitchFamily="49" charset="0"/>
+              </a:rPr>
+              <a:t>x</a:t>
+            </a:r>
+            <a:endParaRPr lang="ko-Kore-KR" altLang="en-US" dirty="0"/>
+          </a:p>
+        </p:txBody>
+      </p:sp>
+      <p:sp>
+        <p:nvSpPr>
+          <p:cNvPr id="10" name="TextBox 9">
+            <a:extLst>
+              <a:ext uri="{FF2B5EF4-FFF2-40B4-BE49-F238E27FC236}">
+                <a16:creationId xmlns:a16="http://schemas.microsoft.com/office/drawing/2014/main" id="{BEB48056-8A63-7378-3AC6-28B4496662C1}"/>
+              </a:ext>
+            </a:extLst>
+          </p:cNvPr>
+          <p:cNvSpPr txBox="1"/>
+          <p:nvPr/>
+        </p:nvSpPr>
+        <p:spPr>
+          <a:xfrm>
+            <a:off x="5588779" y="3248353"/>
+            <a:ext cx="348162" cy="369332"/>
+          </a:xfrm>
+          <a:prstGeom prst="rect">
+            <a:avLst/>
+          </a:prstGeom>
+          <a:noFill/>
+        </p:spPr>
+        <p:txBody>
+          <a:bodyPr wrap="square">
+            <a:spAutoFit/>
+          </a:bodyPr>
+          <a:lstStyle/>
+          <a:p>
+            <a:r>
+              <a:rPr lang="en-US" altLang="ko-Kore-KR" dirty="0">
+                <a:latin typeface="DM Mono" panose="020B0509040201040103" pitchFamily="49" charset="0"/>
+              </a:rPr>
+              <a:t>y</a:t>
+            </a:r>
+            <a:endParaRPr lang="ko-Kore-KR" altLang="en-US" dirty="0"/>
+          </a:p>
+        </p:txBody>
+      </p:sp>
+      <p:sp>
+        <p:nvSpPr>
+          <p:cNvPr id="12" name="TextBox 11">
+            <a:extLst>
+              <a:ext uri="{FF2B5EF4-FFF2-40B4-BE49-F238E27FC236}">
+                <a16:creationId xmlns:a16="http://schemas.microsoft.com/office/drawing/2014/main" id="{8B559D80-8CDE-F211-6C1D-D2AA8B3DD072}"/>
+              </a:ext>
+            </a:extLst>
+          </p:cNvPr>
+          <p:cNvSpPr txBox="1"/>
+          <p:nvPr/>
+        </p:nvSpPr>
+        <p:spPr>
+          <a:xfrm>
+            <a:off x="5917038" y="2539337"/>
+            <a:ext cx="676042" cy="369332"/>
+          </a:xfrm>
+          <a:prstGeom prst="rect">
+            <a:avLst/>
+          </a:prstGeom>
+          <a:noFill/>
+        </p:spPr>
+        <p:txBody>
+          <a:bodyPr wrap="square">
+            <a:spAutoFit/>
+          </a:bodyPr>
+          <a:lstStyle/>
+          <a:p>
+            <a:pPr algn="ctr"/>
+            <a:r>
+              <a:rPr lang="en" altLang="ko-Kore-KR" dirty="0">
+                <a:latin typeface="DM Mono" panose="020B0509040201040103" pitchFamily="49" charset="0"/>
+              </a:rPr>
+              <a:t>pt1</a:t>
+            </a:r>
+            <a:endParaRPr lang="ko-Kore-KR" altLang="en-US" dirty="0"/>
+          </a:p>
+        </p:txBody>
+      </p:sp>
+      <p:sp>
+        <p:nvSpPr>
+          <p:cNvPr id="13" name="직사각형 12">
+            <a:extLst>
+              <a:ext uri="{FF2B5EF4-FFF2-40B4-BE49-F238E27FC236}">
+                <a16:creationId xmlns:a16="http://schemas.microsoft.com/office/drawing/2014/main" id="{1CCBB3B3-98B0-5509-973F-3E80C3819950}"/>
+              </a:ext>
+            </a:extLst>
+          </p:cNvPr>
+          <p:cNvSpPr/>
+          <p:nvPr/>
+        </p:nvSpPr>
+        <p:spPr>
+          <a:xfrm>
+            <a:off x="7930434" y="2879015"/>
+            <a:ext cx="664577" cy="355953"/>
+          </a:xfrm>
+          <a:prstGeom prst="rect">
+            <a:avLst/>
+          </a:prstGeom>
+          <a:solidFill>
+            <a:srgbClr val="FFFF00"/>
+          </a:solidFill>
+        </p:spPr>
+        <p:style>
+          <a:lnRef idx="2">
+            <a:schemeClr val="accent1">
+              <a:shade val="50000"/>
+            </a:schemeClr>
+          </a:lnRef>
+          <a:fillRef idx="1">
+            <a:schemeClr val="accent1"/>
+          </a:fillRef>
+          <a:effectRef idx="0">
+            <a:schemeClr val="accent1"/>
+          </a:effectRef>
+          <a:fontRef idx="minor">
+            <a:schemeClr val="lt1"/>
+          </a:fontRef>
+        </p:style>
+        <p:txBody>
+          <a:bodyPr rtlCol="0" anchor="ctr"/>
+          <a:lstStyle/>
+          <a:p>
+            <a:pPr algn="ctr"/>
+            <a:endParaRPr kumimoji="1" lang="ko-Kore-KR" altLang="en-US" dirty="0">
+              <a:solidFill>
+                <a:schemeClr val="tx1"/>
+              </a:solidFill>
+              <a:latin typeface="DM Mono" panose="020B0509040201040103" pitchFamily="49" charset="0"/>
+            </a:endParaRPr>
+          </a:p>
+        </p:txBody>
+      </p:sp>
+      <p:sp>
+        <p:nvSpPr>
+          <p:cNvPr id="14" name="직사각형 13">
+            <a:extLst>
+              <a:ext uri="{FF2B5EF4-FFF2-40B4-BE49-F238E27FC236}">
+                <a16:creationId xmlns:a16="http://schemas.microsoft.com/office/drawing/2014/main" id="{0AB56B5B-13E3-79CF-4805-C89D1B3C6989}"/>
+              </a:ext>
+            </a:extLst>
+          </p:cNvPr>
+          <p:cNvSpPr/>
+          <p:nvPr/>
+        </p:nvSpPr>
+        <p:spPr>
+          <a:xfrm>
+            <a:off x="7930433" y="3234968"/>
+            <a:ext cx="664577" cy="355953"/>
+          </a:xfrm>
+          <a:prstGeom prst="rect">
+            <a:avLst/>
+          </a:prstGeom>
+          <a:solidFill>
+            <a:srgbClr val="FFFF00"/>
+          </a:solidFill>
+        </p:spPr>
+        <p:style>
+          <a:lnRef idx="2">
+            <a:schemeClr val="accent1">
+              <a:shade val="50000"/>
+            </a:schemeClr>
+          </a:lnRef>
+          <a:fillRef idx="1">
+            <a:schemeClr val="accent1"/>
+          </a:fillRef>
+          <a:effectRef idx="0">
+            <a:schemeClr val="accent1"/>
+          </a:effectRef>
+          <a:fontRef idx="minor">
+            <a:schemeClr val="lt1"/>
+          </a:fontRef>
+        </p:style>
+        <p:txBody>
+          <a:bodyPr rtlCol="0" anchor="ctr"/>
+          <a:lstStyle/>
+          <a:p>
+            <a:pPr algn="ctr"/>
+            <a:endParaRPr kumimoji="1" lang="ko-Kore-KR" altLang="en-US" dirty="0">
+              <a:solidFill>
+                <a:schemeClr val="tx1"/>
+              </a:solidFill>
+              <a:latin typeface="DM Mono" panose="020B0509040201040103" pitchFamily="49" charset="0"/>
+            </a:endParaRPr>
+          </a:p>
+        </p:txBody>
+      </p:sp>
+      <p:sp>
+        <p:nvSpPr>
+          <p:cNvPr id="15" name="TextBox 14">
+            <a:extLst>
+              <a:ext uri="{FF2B5EF4-FFF2-40B4-BE49-F238E27FC236}">
+                <a16:creationId xmlns:a16="http://schemas.microsoft.com/office/drawing/2014/main" id="{3A67CD80-D2C2-5FFF-F7FE-543245F8EFE1}"/>
+              </a:ext>
+            </a:extLst>
+          </p:cNvPr>
+          <p:cNvSpPr txBox="1"/>
+          <p:nvPr/>
+        </p:nvSpPr>
+        <p:spPr>
+          <a:xfrm>
+            <a:off x="7582270" y="2872325"/>
+            <a:ext cx="348162" cy="369332"/>
+          </a:xfrm>
+          <a:prstGeom prst="rect">
+            <a:avLst/>
+          </a:prstGeom>
+          <a:noFill/>
+        </p:spPr>
+        <p:txBody>
+          <a:bodyPr wrap="square">
+            <a:spAutoFit/>
+          </a:bodyPr>
+          <a:lstStyle/>
+          <a:p>
+            <a:r>
+              <a:rPr lang="ko-Kore-KR" altLang="en-US" dirty="0">
+                <a:latin typeface="DM Mono" panose="020B0509040201040103" pitchFamily="49" charset="0"/>
+              </a:rPr>
+              <a:t>x</a:t>
+            </a:r>
+            <a:endParaRPr lang="ko-Kore-KR" altLang="en-US" dirty="0"/>
+          </a:p>
+        </p:txBody>
+      </p:sp>
+      <p:sp>
+        <p:nvSpPr>
+          <p:cNvPr id="16" name="TextBox 15">
+            <a:extLst>
+              <a:ext uri="{FF2B5EF4-FFF2-40B4-BE49-F238E27FC236}">
+                <a16:creationId xmlns:a16="http://schemas.microsoft.com/office/drawing/2014/main" id="{C77C901A-2A8F-D9B2-8F83-2A13FE7C4BCF}"/>
+              </a:ext>
+            </a:extLst>
+          </p:cNvPr>
+          <p:cNvSpPr txBox="1"/>
+          <p:nvPr/>
+        </p:nvSpPr>
+        <p:spPr>
+          <a:xfrm>
+            <a:off x="7582268" y="3221589"/>
+            <a:ext cx="348162" cy="369332"/>
+          </a:xfrm>
+          <a:prstGeom prst="rect">
+            <a:avLst/>
+          </a:prstGeom>
+          <a:noFill/>
+        </p:spPr>
+        <p:txBody>
+          <a:bodyPr wrap="square">
+            <a:spAutoFit/>
+          </a:bodyPr>
+          <a:lstStyle/>
+          <a:p>
+            <a:r>
+              <a:rPr lang="en-US" altLang="ko-Kore-KR" dirty="0">
+                <a:latin typeface="DM Mono" panose="020B0509040201040103" pitchFamily="49" charset="0"/>
+              </a:rPr>
+              <a:t>y</a:t>
+            </a:r>
+            <a:endParaRPr lang="ko-Kore-KR" altLang="en-US" dirty="0"/>
+          </a:p>
+        </p:txBody>
+      </p:sp>
+      <p:sp>
+        <p:nvSpPr>
+          <p:cNvPr id="17" name="TextBox 16">
+            <a:extLst>
+              <a:ext uri="{FF2B5EF4-FFF2-40B4-BE49-F238E27FC236}">
+                <a16:creationId xmlns:a16="http://schemas.microsoft.com/office/drawing/2014/main" id="{CAE1322B-1612-35C9-7E17-F25F480DD972}"/>
+              </a:ext>
+            </a:extLst>
+          </p:cNvPr>
+          <p:cNvSpPr txBox="1"/>
+          <p:nvPr/>
+        </p:nvSpPr>
+        <p:spPr>
+          <a:xfrm>
+            <a:off x="7910527" y="2512573"/>
+            <a:ext cx="676042" cy="369332"/>
+          </a:xfrm>
+          <a:prstGeom prst="rect">
+            <a:avLst/>
+          </a:prstGeom>
+          <a:noFill/>
+        </p:spPr>
+        <p:txBody>
+          <a:bodyPr wrap="square">
+            <a:spAutoFit/>
+          </a:bodyPr>
+          <a:lstStyle/>
+          <a:p>
+            <a:pPr algn="ctr"/>
+            <a:r>
+              <a:rPr lang="en" altLang="ko-Kore-KR" dirty="0">
+                <a:latin typeface="DM Mono" panose="020B0509040201040103" pitchFamily="49" charset="0"/>
+              </a:rPr>
+              <a:t>pt2</a:t>
+            </a:r>
+            <a:endParaRPr lang="ko-Kore-KR" altLang="en-US" dirty="0"/>
+          </a:p>
+        </p:txBody>
+      </p:sp>
+      <p:sp>
+        <p:nvSpPr>
+          <p:cNvPr id="19" name="TextBox 18">
+            <a:extLst>
+              <a:ext uri="{FF2B5EF4-FFF2-40B4-BE49-F238E27FC236}">
+                <a16:creationId xmlns:a16="http://schemas.microsoft.com/office/drawing/2014/main" id="{ABC1A19B-9F2B-7D01-A21B-B00191EBAE64}"/>
+              </a:ext>
+            </a:extLst>
+          </p:cNvPr>
+          <p:cNvSpPr txBox="1"/>
+          <p:nvPr/>
+        </p:nvSpPr>
+        <p:spPr>
+          <a:xfrm>
+            <a:off x="4793150" y="4485682"/>
+            <a:ext cx="6352494" cy="1477328"/>
+          </a:xfrm>
+          <a:prstGeom prst="rect">
+            <a:avLst/>
+          </a:prstGeom>
+          <a:noFill/>
+        </p:spPr>
+        <p:txBody>
+          <a:bodyPr wrap="square">
+            <a:spAutoFit/>
+          </a:bodyPr>
+          <a:lstStyle/>
+          <a:p>
+            <a:r>
+              <a:rPr lang="ko-Kore-KR" altLang="en-US" dirty="0">
+                <a:latin typeface="DM Mono" panose="020B0509040201040103" pitchFamily="49" charset="0"/>
+              </a:rPr>
+              <a:t> void </a:t>
+            </a:r>
+            <a:r>
+              <a:rPr lang="en-US" altLang="ko-Kore-KR" dirty="0">
+                <a:latin typeface="DM Mono" panose="020B0509040201040103" pitchFamily="49" charset="0"/>
+              </a:rPr>
+              <a:t>Point::</a:t>
+            </a:r>
+            <a:r>
+              <a:rPr lang="ko-Kore-KR" altLang="en-US" dirty="0">
+                <a:latin typeface="DM Mono" panose="020B0509040201040103" pitchFamily="49" charset="0"/>
+              </a:rPr>
+              <a:t>Set(</a:t>
+            </a:r>
+            <a:r>
+              <a:rPr lang="en-US" altLang="ko-Kore-KR" dirty="0">
+                <a:solidFill>
+                  <a:srgbClr val="FF0000"/>
+                </a:solidFill>
+                <a:latin typeface="DM Mono" panose="020B0509040201040103" pitchFamily="49" charset="0"/>
+              </a:rPr>
+              <a:t>Point* this</a:t>
+            </a:r>
+            <a:r>
+              <a:rPr lang="en-US" altLang="ko-Kore-KR" dirty="0">
+                <a:latin typeface="DM Mono" panose="020B0509040201040103" pitchFamily="49" charset="0"/>
+              </a:rPr>
+              <a:t>, </a:t>
+            </a:r>
+            <a:r>
+              <a:rPr lang="ko-Kore-KR" altLang="en-US" dirty="0">
+                <a:latin typeface="DM Mono" panose="020B0509040201040103" pitchFamily="49" charset="0"/>
+              </a:rPr>
+              <a:t>int a, int b)</a:t>
+            </a:r>
+          </a:p>
+          <a:p>
+            <a:r>
+              <a:rPr lang="en-US" altLang="ko-Kore-KR" dirty="0">
+                <a:latin typeface="DM Mono" panose="020B0509040201040103" pitchFamily="49" charset="0"/>
+              </a:rPr>
+              <a:t> </a:t>
+            </a:r>
+            <a:r>
+              <a:rPr lang="ko-Kore-KR" altLang="en-US" dirty="0">
+                <a:latin typeface="DM Mono" panose="020B0509040201040103" pitchFamily="49" charset="0"/>
+              </a:rPr>
+              <a:t>{</a:t>
+            </a:r>
+          </a:p>
+          <a:p>
+            <a:r>
+              <a:rPr lang="ko-Kore-KR" altLang="en-US" dirty="0">
+                <a:latin typeface="DM Mono" panose="020B0509040201040103" pitchFamily="49" charset="0"/>
+              </a:rPr>
+              <a:t>    </a:t>
+            </a:r>
+            <a:r>
+              <a:rPr lang="en-US" altLang="ko-Kore-KR" dirty="0">
+                <a:solidFill>
+                  <a:srgbClr val="FF0000"/>
+                </a:solidFill>
+                <a:latin typeface="DM Mono" panose="020B0509040201040103" pitchFamily="49" charset="0"/>
+              </a:rPr>
+              <a:t>this-&gt;</a:t>
+            </a:r>
+            <a:r>
+              <a:rPr lang="ko-Kore-KR" altLang="en-US" dirty="0">
+                <a:solidFill>
+                  <a:srgbClr val="FF0000"/>
+                </a:solidFill>
+                <a:latin typeface="DM Mono" panose="020B0509040201040103" pitchFamily="49" charset="0"/>
+              </a:rPr>
+              <a:t>x </a:t>
+            </a:r>
+            <a:r>
+              <a:rPr lang="ko-Kore-KR" altLang="en-US" dirty="0">
+                <a:latin typeface="DM Mono" panose="020B0509040201040103" pitchFamily="49" charset="0"/>
+              </a:rPr>
+              <a:t>= a;</a:t>
+            </a:r>
+          </a:p>
+          <a:p>
+            <a:r>
+              <a:rPr lang="ko-Kore-KR" altLang="en-US" dirty="0">
+                <a:latin typeface="DM Mono" panose="020B0509040201040103" pitchFamily="49" charset="0"/>
+              </a:rPr>
+              <a:t>    </a:t>
+            </a:r>
+            <a:r>
+              <a:rPr lang="en-US" altLang="ko-Kore-KR" dirty="0">
+                <a:solidFill>
+                  <a:srgbClr val="FF0000"/>
+                </a:solidFill>
+                <a:latin typeface="DM Mono" panose="020B0509040201040103" pitchFamily="49" charset="0"/>
+              </a:rPr>
+              <a:t>this-&gt;</a:t>
+            </a:r>
+            <a:r>
+              <a:rPr lang="ko-Kore-KR" altLang="en-US" dirty="0">
+                <a:solidFill>
+                  <a:srgbClr val="FF0000"/>
+                </a:solidFill>
+                <a:latin typeface="DM Mono" panose="020B0509040201040103" pitchFamily="49" charset="0"/>
+              </a:rPr>
+              <a:t>y</a:t>
+            </a:r>
+            <a:r>
+              <a:rPr lang="ko-Kore-KR" altLang="en-US" dirty="0">
+                <a:latin typeface="DM Mono" panose="020B0509040201040103" pitchFamily="49" charset="0"/>
+              </a:rPr>
+              <a:t> = b;</a:t>
+            </a:r>
+          </a:p>
+          <a:p>
+            <a:r>
+              <a:rPr lang="ko-Kore-KR" altLang="en-US" dirty="0">
+                <a:latin typeface="DM Mono" panose="020B0509040201040103" pitchFamily="49" charset="0"/>
+              </a:rPr>
+              <a:t> }</a:t>
+            </a:r>
+            <a:endParaRPr lang="ko-Kore-KR" altLang="en-US" dirty="0"/>
+          </a:p>
+        </p:txBody>
+      </p:sp>
+    </p:spTree>
+    <p:extLst>
+      <p:ext uri="{BB962C8B-B14F-4D97-AF65-F5344CB8AC3E}">
+        <p14:creationId xmlns:p14="http://schemas.microsoft.com/office/powerpoint/2010/main" val="1373135957"/>
+      </p:ext>
+    </p:extLst>
+  </p:cSld>
+  <p:clrMapOvr>
+    <a:masterClrMapping/>
+  </p:clrMapOvr>
+</p:sld>
+</file>
+
+<file path=ppt/slides/slide19.xml><?xml version="1.0" encoding="utf-8"?>
+<p:sld xmlns:a="http://schemas.openxmlformats.org/drawingml/2006/main" xmlns:r="http://schemas.openxmlformats.org/officeDocument/2006/relationships" xmlns:p="http://schemas.openxmlformats.org/presentationml/2006/main">
+  <p:cSld>
+    <p:spTree>
+      <p:nvGrpSpPr>
+        <p:cNvPr id="1" name=""/>
+        <p:cNvGrpSpPr/>
+        <p:nvPr/>
+      </p:nvGrpSpPr>
+      <p:grpSpPr>
+        <a:xfrm>
+          <a:off x="0" y="0"/>
+          <a:ext cx="0" cy="0"/>
+          <a:chOff x="0" y="0"/>
+          <a:chExt cx="0" cy="0"/>
+        </a:xfrm>
+      </p:grpSpPr>
+      <p:sp>
+        <p:nvSpPr>
+          <p:cNvPr id="5" name="TextBox 4">
+            <a:extLst>
+              <a:ext uri="{FF2B5EF4-FFF2-40B4-BE49-F238E27FC236}">
+                <a16:creationId xmlns:a16="http://schemas.microsoft.com/office/drawing/2014/main" id="{04768E63-C952-0B5C-868B-F1DC2F637A8B}"/>
+              </a:ext>
+            </a:extLst>
+          </p:cNvPr>
+          <p:cNvSpPr txBox="1"/>
+          <p:nvPr/>
+        </p:nvSpPr>
+        <p:spPr>
+          <a:xfrm>
+            <a:off x="382279" y="289679"/>
+            <a:ext cx="5198058" cy="4185761"/>
+          </a:xfrm>
+          <a:prstGeom prst="rect">
+            <a:avLst/>
+          </a:prstGeom>
+          <a:noFill/>
+        </p:spPr>
+        <p:txBody>
+          <a:bodyPr wrap="square">
+            <a:spAutoFit/>
+          </a:bodyPr>
+          <a:lstStyle/>
+          <a:p>
+            <a:r>
+              <a:rPr lang="ko-Kore-KR" altLang="en-US" sz="1400" dirty="0">
+                <a:latin typeface="DM Mono" panose="020B0509040201040103" pitchFamily="49" charset="0"/>
+              </a:rPr>
+              <a:t>struct Point</a:t>
+            </a:r>
+          </a:p>
+          <a:p>
+            <a:r>
+              <a:rPr lang="ko-Kore-KR" altLang="en-US" sz="1400" dirty="0">
+                <a:latin typeface="DM Mono" panose="020B0509040201040103" pitchFamily="49" charset="0"/>
+              </a:rPr>
+              <a:t>{</a:t>
+            </a:r>
+          </a:p>
+          <a:p>
+            <a:r>
+              <a:rPr lang="ko-Kore-KR" altLang="en-US" sz="1400" dirty="0">
+                <a:latin typeface="DM Mono" panose="020B0509040201040103" pitchFamily="49" charset="0"/>
+              </a:rPr>
+              <a:t>  int x;</a:t>
+            </a:r>
+          </a:p>
+          <a:p>
+            <a:r>
+              <a:rPr lang="ko-Kore-KR" altLang="en-US" sz="1400" dirty="0">
+                <a:latin typeface="DM Mono" panose="020B0509040201040103" pitchFamily="49" charset="0"/>
+              </a:rPr>
+              <a:t>  int y;</a:t>
+            </a:r>
+          </a:p>
+          <a:p>
+            <a:endParaRPr lang="ko-Kore-KR" altLang="en-US" sz="1400" dirty="0">
+              <a:latin typeface="DM Mono" panose="020B0509040201040103" pitchFamily="49" charset="0"/>
+            </a:endParaRPr>
+          </a:p>
+          <a:p>
+            <a:r>
+              <a:rPr lang="ko-Kore-KR" altLang="en-US" sz="1400" dirty="0">
+                <a:latin typeface="DM Mono" panose="020B0509040201040103" pitchFamily="49" charset="0"/>
+              </a:rPr>
+              <a:t>  void Set(int a, int b)</a:t>
+            </a:r>
+          </a:p>
+          <a:p>
+            <a:r>
+              <a:rPr lang="ko-Kore-KR" altLang="en-US" sz="1400" dirty="0">
+                <a:latin typeface="DM Mono" panose="020B0509040201040103" pitchFamily="49" charset="0"/>
+              </a:rPr>
+              <a:t>  {</a:t>
+            </a:r>
+          </a:p>
+          <a:p>
+            <a:r>
+              <a:rPr lang="ko-Kore-KR" altLang="en-US" sz="1400" dirty="0">
+                <a:latin typeface="DM Mono" panose="020B0509040201040103" pitchFamily="49" charset="0"/>
+              </a:rPr>
+              <a:t>    x = a;</a:t>
+            </a:r>
+          </a:p>
+          <a:p>
+            <a:r>
+              <a:rPr lang="ko-Kore-KR" altLang="en-US" sz="1400" dirty="0">
+                <a:latin typeface="DM Mono" panose="020B0509040201040103" pitchFamily="49" charset="0"/>
+              </a:rPr>
+              <a:t>    y = b;</a:t>
+            </a:r>
+          </a:p>
+          <a:p>
+            <a:r>
+              <a:rPr lang="ko-Kore-KR" altLang="en-US" sz="1400" dirty="0">
+                <a:latin typeface="DM Mono" panose="020B0509040201040103" pitchFamily="49" charset="0"/>
+              </a:rPr>
+              <a:t>  }</a:t>
+            </a:r>
+          </a:p>
+          <a:p>
+            <a:r>
+              <a:rPr lang="ko-Kore-KR" altLang="en-US" sz="1400" dirty="0">
+                <a:latin typeface="DM Mono" panose="020B0509040201040103" pitchFamily="49" charset="0"/>
+              </a:rPr>
+              <a:t>};</a:t>
+            </a:r>
+            <a:endParaRPr lang="en-US" altLang="ko-Kore-KR" sz="1400" dirty="0">
+              <a:latin typeface="DM Mono" panose="020B0509040201040103" pitchFamily="49" charset="0"/>
+            </a:endParaRPr>
+          </a:p>
+          <a:p>
+            <a:endParaRPr lang="en-US" altLang="ko-Kore-KR" sz="1400" dirty="0">
+              <a:latin typeface="DM Mono" panose="020B0509040201040103" pitchFamily="49" charset="0"/>
+            </a:endParaRPr>
+          </a:p>
+          <a:p>
+            <a:r>
+              <a:rPr lang="en" altLang="ko-Kore-KR" sz="1400" dirty="0">
+                <a:latin typeface="DM Mono" panose="020B0509040201040103" pitchFamily="49" charset="0"/>
+              </a:rPr>
+              <a:t>int main()</a:t>
+            </a:r>
+          </a:p>
+          <a:p>
+            <a:r>
+              <a:rPr lang="en" altLang="ko-Kore-KR" sz="1400" dirty="0">
+                <a:latin typeface="DM Mono" panose="020B0509040201040103" pitchFamily="49" charset="0"/>
+              </a:rPr>
+              <a:t>{</a:t>
+            </a:r>
+          </a:p>
+          <a:p>
+            <a:r>
+              <a:rPr lang="en" altLang="ko-Kore-KR" sz="1400" dirty="0">
+                <a:latin typeface="DM Mono" panose="020B0509040201040103" pitchFamily="49" charset="0"/>
+              </a:rPr>
+              <a:t>  Point pt1, pt2;</a:t>
+            </a:r>
+          </a:p>
+          <a:p>
+            <a:endParaRPr lang="en" altLang="ko-Kore-KR" sz="1400" dirty="0">
+              <a:latin typeface="DM Mono" panose="020B0509040201040103" pitchFamily="49" charset="0"/>
+            </a:endParaRPr>
+          </a:p>
+          <a:p>
+            <a:r>
+              <a:rPr lang="en" altLang="ko-Kore-KR" sz="1400" dirty="0">
+                <a:latin typeface="DM Mono" panose="020B0509040201040103" pitchFamily="49" charset="0"/>
+              </a:rPr>
+              <a:t>  pt1.Set(10, 20); // </a:t>
+            </a:r>
+            <a:r>
+              <a:rPr lang="en" altLang="ko-Kore-KR" sz="1400" dirty="0">
+                <a:solidFill>
+                  <a:srgbClr val="FF0000"/>
+                </a:solidFill>
+                <a:latin typeface="DM Mono" panose="020B0509040201040103" pitchFamily="49" charset="0"/>
+              </a:rPr>
+              <a:t>Point::Set(&amp;pt1, 10, 20)</a:t>
+            </a:r>
+          </a:p>
+          <a:p>
+            <a:r>
+              <a:rPr lang="en" altLang="ko-Kore-KR" sz="1400" dirty="0">
+                <a:latin typeface="DM Mono" panose="020B0509040201040103" pitchFamily="49" charset="0"/>
+              </a:rPr>
+              <a:t>  pt2.Set(20, 30);</a:t>
+            </a:r>
+          </a:p>
+          <a:p>
+            <a:r>
+              <a:rPr lang="en" altLang="ko-Kore-KR" sz="1400" dirty="0">
+                <a:latin typeface="DM Mono" panose="020B0509040201040103" pitchFamily="49" charset="0"/>
+              </a:rPr>
+              <a:t>}</a:t>
+            </a:r>
+            <a:endParaRPr lang="ko-Kore-KR" altLang="en-US" sz="1400" dirty="0">
+              <a:latin typeface="DM Mono" panose="020B0509040201040103" pitchFamily="49" charset="0"/>
+            </a:endParaRPr>
+          </a:p>
+        </p:txBody>
+      </p:sp>
+      <p:sp>
+        <p:nvSpPr>
+          <p:cNvPr id="6" name="직사각형 5">
+            <a:extLst>
+              <a:ext uri="{FF2B5EF4-FFF2-40B4-BE49-F238E27FC236}">
+                <a16:creationId xmlns:a16="http://schemas.microsoft.com/office/drawing/2014/main" id="{A5637955-00D9-0B29-0484-0672EFB202E0}"/>
+              </a:ext>
+            </a:extLst>
+          </p:cNvPr>
+          <p:cNvSpPr/>
+          <p:nvPr/>
+        </p:nvSpPr>
+        <p:spPr>
+          <a:xfrm>
+            <a:off x="5936945" y="2905779"/>
+            <a:ext cx="664577" cy="355953"/>
+          </a:xfrm>
+          <a:prstGeom prst="rect">
+            <a:avLst/>
+          </a:prstGeom>
+          <a:solidFill>
+            <a:srgbClr val="FFFF00"/>
+          </a:solidFill>
+        </p:spPr>
+        <p:style>
+          <a:lnRef idx="2">
+            <a:schemeClr val="accent1">
+              <a:shade val="50000"/>
+            </a:schemeClr>
+          </a:lnRef>
+          <a:fillRef idx="1">
+            <a:schemeClr val="accent1"/>
+          </a:fillRef>
+          <a:effectRef idx="0">
+            <a:schemeClr val="accent1"/>
+          </a:effectRef>
+          <a:fontRef idx="minor">
+            <a:schemeClr val="lt1"/>
+          </a:fontRef>
+        </p:style>
+        <p:txBody>
+          <a:bodyPr rtlCol="0" anchor="ctr"/>
+          <a:lstStyle/>
+          <a:p>
+            <a:pPr algn="ctr"/>
+            <a:r>
+              <a:rPr kumimoji="1" lang="en-US" altLang="ko-Kore-KR" dirty="0">
+                <a:solidFill>
+                  <a:srgbClr val="FF0000"/>
+                </a:solidFill>
+                <a:latin typeface="DM Mono" panose="020B0509040201040103" pitchFamily="49" charset="0"/>
+              </a:rPr>
+              <a:t>10</a:t>
+            </a:r>
+            <a:endParaRPr kumimoji="1" lang="ko-Kore-KR" altLang="en-US" dirty="0">
+              <a:solidFill>
+                <a:srgbClr val="FF0000"/>
+              </a:solidFill>
+              <a:latin typeface="DM Mono" panose="020B0509040201040103" pitchFamily="49" charset="0"/>
+            </a:endParaRPr>
+          </a:p>
+        </p:txBody>
+      </p:sp>
+      <p:sp>
+        <p:nvSpPr>
+          <p:cNvPr id="7" name="직사각형 6">
+            <a:extLst>
+              <a:ext uri="{FF2B5EF4-FFF2-40B4-BE49-F238E27FC236}">
+                <a16:creationId xmlns:a16="http://schemas.microsoft.com/office/drawing/2014/main" id="{5A27A090-CB0D-F7EF-AC5D-9CF35DBEC304}"/>
+              </a:ext>
+            </a:extLst>
+          </p:cNvPr>
+          <p:cNvSpPr/>
+          <p:nvPr/>
+        </p:nvSpPr>
+        <p:spPr>
+          <a:xfrm>
+            <a:off x="5936944" y="3261732"/>
+            <a:ext cx="664577" cy="355953"/>
+          </a:xfrm>
+          <a:prstGeom prst="rect">
+            <a:avLst/>
+          </a:prstGeom>
+          <a:solidFill>
+            <a:srgbClr val="FFFF00"/>
+          </a:solidFill>
+        </p:spPr>
+        <p:style>
+          <a:lnRef idx="2">
+            <a:schemeClr val="accent1">
+              <a:shade val="50000"/>
+            </a:schemeClr>
+          </a:lnRef>
+          <a:fillRef idx="1">
+            <a:schemeClr val="accent1"/>
+          </a:fillRef>
+          <a:effectRef idx="0">
+            <a:schemeClr val="accent1"/>
+          </a:effectRef>
+          <a:fontRef idx="minor">
+            <a:schemeClr val="lt1"/>
+          </a:fontRef>
+        </p:style>
+        <p:txBody>
+          <a:bodyPr rtlCol="0" anchor="ctr"/>
+          <a:lstStyle/>
+          <a:p>
+            <a:pPr algn="ctr"/>
+            <a:r>
+              <a:rPr kumimoji="1" lang="en-US" altLang="ko-Kore-KR" dirty="0">
+                <a:solidFill>
+                  <a:srgbClr val="FF0000"/>
+                </a:solidFill>
+                <a:latin typeface="DM Mono" panose="020B0509040201040103" pitchFamily="49" charset="0"/>
+              </a:rPr>
+              <a:t>20</a:t>
+            </a:r>
+            <a:endParaRPr kumimoji="1" lang="ko-Kore-KR" altLang="en-US" dirty="0">
+              <a:solidFill>
+                <a:srgbClr val="FF0000"/>
+              </a:solidFill>
+              <a:latin typeface="DM Mono" panose="020B0509040201040103" pitchFamily="49" charset="0"/>
+            </a:endParaRPr>
+          </a:p>
+        </p:txBody>
+      </p:sp>
+      <p:sp>
+        <p:nvSpPr>
+          <p:cNvPr id="9" name="TextBox 8">
+            <a:extLst>
+              <a:ext uri="{FF2B5EF4-FFF2-40B4-BE49-F238E27FC236}">
+                <a16:creationId xmlns:a16="http://schemas.microsoft.com/office/drawing/2014/main" id="{F91B9C4F-5466-A11E-4C61-18E0E3DC75AB}"/>
+              </a:ext>
+            </a:extLst>
+          </p:cNvPr>
+          <p:cNvSpPr txBox="1"/>
+          <p:nvPr/>
+        </p:nvSpPr>
+        <p:spPr>
+          <a:xfrm>
+            <a:off x="5588781" y="2899089"/>
+            <a:ext cx="348162" cy="369332"/>
+          </a:xfrm>
+          <a:prstGeom prst="rect">
+            <a:avLst/>
+          </a:prstGeom>
+          <a:noFill/>
+        </p:spPr>
+        <p:txBody>
+          <a:bodyPr wrap="square">
+            <a:spAutoFit/>
+          </a:bodyPr>
+          <a:lstStyle/>
+          <a:p>
+            <a:r>
+              <a:rPr lang="ko-Kore-KR" altLang="en-US" dirty="0">
+                <a:latin typeface="DM Mono" panose="020B0509040201040103" pitchFamily="49" charset="0"/>
+              </a:rPr>
+              <a:t>x</a:t>
+            </a:r>
+            <a:endParaRPr lang="ko-Kore-KR" altLang="en-US" dirty="0"/>
+          </a:p>
+        </p:txBody>
+      </p:sp>
+      <p:sp>
+        <p:nvSpPr>
+          <p:cNvPr id="10" name="TextBox 9">
+            <a:extLst>
+              <a:ext uri="{FF2B5EF4-FFF2-40B4-BE49-F238E27FC236}">
+                <a16:creationId xmlns:a16="http://schemas.microsoft.com/office/drawing/2014/main" id="{BEB48056-8A63-7378-3AC6-28B4496662C1}"/>
+              </a:ext>
+            </a:extLst>
+          </p:cNvPr>
+          <p:cNvSpPr txBox="1"/>
+          <p:nvPr/>
+        </p:nvSpPr>
+        <p:spPr>
+          <a:xfrm>
+            <a:off x="5588779" y="3248353"/>
+            <a:ext cx="348162" cy="369332"/>
+          </a:xfrm>
+          <a:prstGeom prst="rect">
+            <a:avLst/>
+          </a:prstGeom>
+          <a:noFill/>
+        </p:spPr>
+        <p:txBody>
+          <a:bodyPr wrap="square">
+            <a:spAutoFit/>
+          </a:bodyPr>
+          <a:lstStyle/>
+          <a:p>
+            <a:r>
+              <a:rPr lang="en-US" altLang="ko-Kore-KR" dirty="0">
+                <a:latin typeface="DM Mono" panose="020B0509040201040103" pitchFamily="49" charset="0"/>
+              </a:rPr>
+              <a:t>y</a:t>
+            </a:r>
+            <a:endParaRPr lang="ko-Kore-KR" altLang="en-US" dirty="0"/>
+          </a:p>
+        </p:txBody>
+      </p:sp>
+      <p:sp>
+        <p:nvSpPr>
+          <p:cNvPr id="12" name="TextBox 11">
+            <a:extLst>
+              <a:ext uri="{FF2B5EF4-FFF2-40B4-BE49-F238E27FC236}">
+                <a16:creationId xmlns:a16="http://schemas.microsoft.com/office/drawing/2014/main" id="{8B559D80-8CDE-F211-6C1D-D2AA8B3DD072}"/>
+              </a:ext>
+            </a:extLst>
+          </p:cNvPr>
+          <p:cNvSpPr txBox="1"/>
+          <p:nvPr/>
+        </p:nvSpPr>
+        <p:spPr>
+          <a:xfrm>
+            <a:off x="5917038" y="2539337"/>
+            <a:ext cx="676042" cy="369332"/>
+          </a:xfrm>
+          <a:prstGeom prst="rect">
+            <a:avLst/>
+          </a:prstGeom>
+          <a:noFill/>
+        </p:spPr>
+        <p:txBody>
+          <a:bodyPr wrap="square">
+            <a:spAutoFit/>
+          </a:bodyPr>
+          <a:lstStyle/>
+          <a:p>
+            <a:pPr algn="ctr"/>
+            <a:r>
+              <a:rPr lang="en" altLang="ko-Kore-KR" dirty="0">
+                <a:latin typeface="DM Mono" panose="020B0509040201040103" pitchFamily="49" charset="0"/>
+              </a:rPr>
+              <a:t>pt1</a:t>
+            </a:r>
+            <a:endParaRPr lang="ko-Kore-KR" altLang="en-US" dirty="0"/>
+          </a:p>
+        </p:txBody>
+      </p:sp>
+      <p:sp>
+        <p:nvSpPr>
+          <p:cNvPr id="13" name="직사각형 12">
+            <a:extLst>
+              <a:ext uri="{FF2B5EF4-FFF2-40B4-BE49-F238E27FC236}">
+                <a16:creationId xmlns:a16="http://schemas.microsoft.com/office/drawing/2014/main" id="{1CCBB3B3-98B0-5509-973F-3E80C3819950}"/>
+              </a:ext>
+            </a:extLst>
+          </p:cNvPr>
+          <p:cNvSpPr/>
+          <p:nvPr/>
+        </p:nvSpPr>
+        <p:spPr>
+          <a:xfrm>
+            <a:off x="9341063" y="2802049"/>
+            <a:ext cx="664577" cy="355953"/>
+          </a:xfrm>
+          <a:prstGeom prst="rect">
+            <a:avLst/>
+          </a:prstGeom>
+          <a:solidFill>
+            <a:srgbClr val="FFFF00"/>
+          </a:solidFill>
+        </p:spPr>
+        <p:style>
+          <a:lnRef idx="2">
+            <a:schemeClr val="accent1">
+              <a:shade val="50000"/>
+            </a:schemeClr>
+          </a:lnRef>
+          <a:fillRef idx="1">
+            <a:schemeClr val="accent1"/>
+          </a:fillRef>
+          <a:effectRef idx="0">
+            <a:schemeClr val="accent1"/>
+          </a:effectRef>
+          <a:fontRef idx="minor">
+            <a:schemeClr val="lt1"/>
+          </a:fontRef>
+        </p:style>
+        <p:txBody>
+          <a:bodyPr rtlCol="0" anchor="ctr"/>
+          <a:lstStyle/>
+          <a:p>
+            <a:pPr algn="ctr"/>
+            <a:endParaRPr kumimoji="1" lang="ko-Kore-KR" altLang="en-US" dirty="0">
+              <a:solidFill>
+                <a:schemeClr val="tx1"/>
+              </a:solidFill>
+              <a:latin typeface="DM Mono" panose="020B0509040201040103" pitchFamily="49" charset="0"/>
+            </a:endParaRPr>
+          </a:p>
+        </p:txBody>
+      </p:sp>
+      <p:sp>
+        <p:nvSpPr>
+          <p:cNvPr id="14" name="직사각형 13">
+            <a:extLst>
+              <a:ext uri="{FF2B5EF4-FFF2-40B4-BE49-F238E27FC236}">
+                <a16:creationId xmlns:a16="http://schemas.microsoft.com/office/drawing/2014/main" id="{0AB56B5B-13E3-79CF-4805-C89D1B3C6989}"/>
+              </a:ext>
+            </a:extLst>
+          </p:cNvPr>
+          <p:cNvSpPr/>
+          <p:nvPr/>
+        </p:nvSpPr>
+        <p:spPr>
+          <a:xfrm>
+            <a:off x="9341062" y="3158002"/>
+            <a:ext cx="664577" cy="355953"/>
+          </a:xfrm>
+          <a:prstGeom prst="rect">
+            <a:avLst/>
+          </a:prstGeom>
+          <a:solidFill>
+            <a:srgbClr val="FFFF00"/>
+          </a:solidFill>
+        </p:spPr>
+        <p:style>
+          <a:lnRef idx="2">
+            <a:schemeClr val="accent1">
+              <a:shade val="50000"/>
+            </a:schemeClr>
+          </a:lnRef>
+          <a:fillRef idx="1">
+            <a:schemeClr val="accent1"/>
+          </a:fillRef>
+          <a:effectRef idx="0">
+            <a:schemeClr val="accent1"/>
+          </a:effectRef>
+          <a:fontRef idx="minor">
+            <a:schemeClr val="lt1"/>
+          </a:fontRef>
+        </p:style>
+        <p:txBody>
+          <a:bodyPr rtlCol="0" anchor="ctr"/>
+          <a:lstStyle/>
+          <a:p>
+            <a:pPr algn="ctr"/>
+            <a:endParaRPr kumimoji="1" lang="ko-Kore-KR" altLang="en-US" dirty="0">
+              <a:solidFill>
+                <a:schemeClr val="tx1"/>
+              </a:solidFill>
+              <a:latin typeface="DM Mono" panose="020B0509040201040103" pitchFamily="49" charset="0"/>
+            </a:endParaRPr>
+          </a:p>
+        </p:txBody>
+      </p:sp>
+      <p:sp>
+        <p:nvSpPr>
+          <p:cNvPr id="15" name="TextBox 14">
+            <a:extLst>
+              <a:ext uri="{FF2B5EF4-FFF2-40B4-BE49-F238E27FC236}">
+                <a16:creationId xmlns:a16="http://schemas.microsoft.com/office/drawing/2014/main" id="{3A67CD80-D2C2-5FFF-F7FE-543245F8EFE1}"/>
+              </a:ext>
+            </a:extLst>
+          </p:cNvPr>
+          <p:cNvSpPr txBox="1"/>
+          <p:nvPr/>
+        </p:nvSpPr>
+        <p:spPr>
+          <a:xfrm>
+            <a:off x="8992899" y="2795359"/>
+            <a:ext cx="348162" cy="369332"/>
+          </a:xfrm>
+          <a:prstGeom prst="rect">
+            <a:avLst/>
+          </a:prstGeom>
+          <a:noFill/>
+        </p:spPr>
+        <p:txBody>
+          <a:bodyPr wrap="square">
+            <a:spAutoFit/>
+          </a:bodyPr>
+          <a:lstStyle/>
+          <a:p>
+            <a:r>
+              <a:rPr lang="ko-Kore-KR" altLang="en-US" dirty="0">
+                <a:latin typeface="DM Mono" panose="020B0509040201040103" pitchFamily="49" charset="0"/>
+              </a:rPr>
+              <a:t>x</a:t>
+            </a:r>
+            <a:endParaRPr lang="ko-Kore-KR" altLang="en-US" dirty="0"/>
+          </a:p>
+        </p:txBody>
+      </p:sp>
+      <p:sp>
+        <p:nvSpPr>
+          <p:cNvPr id="16" name="TextBox 15">
+            <a:extLst>
+              <a:ext uri="{FF2B5EF4-FFF2-40B4-BE49-F238E27FC236}">
+                <a16:creationId xmlns:a16="http://schemas.microsoft.com/office/drawing/2014/main" id="{C77C901A-2A8F-D9B2-8F83-2A13FE7C4BCF}"/>
+              </a:ext>
+            </a:extLst>
+          </p:cNvPr>
+          <p:cNvSpPr txBox="1"/>
+          <p:nvPr/>
+        </p:nvSpPr>
+        <p:spPr>
+          <a:xfrm>
+            <a:off x="8992897" y="3144623"/>
+            <a:ext cx="348162" cy="369332"/>
+          </a:xfrm>
+          <a:prstGeom prst="rect">
+            <a:avLst/>
+          </a:prstGeom>
+          <a:noFill/>
+        </p:spPr>
+        <p:txBody>
+          <a:bodyPr wrap="square">
+            <a:spAutoFit/>
+          </a:bodyPr>
+          <a:lstStyle/>
+          <a:p>
+            <a:r>
+              <a:rPr lang="en-US" altLang="ko-Kore-KR" dirty="0">
+                <a:latin typeface="DM Mono" panose="020B0509040201040103" pitchFamily="49" charset="0"/>
+              </a:rPr>
+              <a:t>y</a:t>
+            </a:r>
+            <a:endParaRPr lang="ko-Kore-KR" altLang="en-US" dirty="0"/>
+          </a:p>
+        </p:txBody>
+      </p:sp>
+      <p:sp>
+        <p:nvSpPr>
+          <p:cNvPr id="17" name="TextBox 16">
+            <a:extLst>
+              <a:ext uri="{FF2B5EF4-FFF2-40B4-BE49-F238E27FC236}">
+                <a16:creationId xmlns:a16="http://schemas.microsoft.com/office/drawing/2014/main" id="{CAE1322B-1612-35C9-7E17-F25F480DD972}"/>
+              </a:ext>
+            </a:extLst>
+          </p:cNvPr>
+          <p:cNvSpPr txBox="1"/>
+          <p:nvPr/>
+        </p:nvSpPr>
+        <p:spPr>
+          <a:xfrm>
+            <a:off x="9321156" y="2435607"/>
+            <a:ext cx="676042" cy="369332"/>
+          </a:xfrm>
+          <a:prstGeom prst="rect">
+            <a:avLst/>
+          </a:prstGeom>
+          <a:noFill/>
+        </p:spPr>
+        <p:txBody>
+          <a:bodyPr wrap="square">
+            <a:spAutoFit/>
+          </a:bodyPr>
+          <a:lstStyle/>
+          <a:p>
+            <a:pPr algn="ctr"/>
+            <a:r>
+              <a:rPr lang="en" altLang="ko-Kore-KR" dirty="0">
+                <a:latin typeface="DM Mono" panose="020B0509040201040103" pitchFamily="49" charset="0"/>
+              </a:rPr>
+              <a:t>pt2</a:t>
+            </a:r>
+            <a:endParaRPr lang="ko-Kore-KR" altLang="en-US" dirty="0"/>
+          </a:p>
+        </p:txBody>
+      </p:sp>
+      <p:sp>
+        <p:nvSpPr>
+          <p:cNvPr id="19" name="TextBox 18">
+            <a:extLst>
+              <a:ext uri="{FF2B5EF4-FFF2-40B4-BE49-F238E27FC236}">
+                <a16:creationId xmlns:a16="http://schemas.microsoft.com/office/drawing/2014/main" id="{ABC1A19B-9F2B-7D01-A21B-B00191EBAE64}"/>
+              </a:ext>
+            </a:extLst>
+          </p:cNvPr>
+          <p:cNvSpPr txBox="1"/>
+          <p:nvPr/>
+        </p:nvSpPr>
+        <p:spPr>
+          <a:xfrm>
+            <a:off x="4793150" y="4485682"/>
+            <a:ext cx="6240982" cy="1477328"/>
+          </a:xfrm>
+          <a:prstGeom prst="rect">
+            <a:avLst/>
+          </a:prstGeom>
+          <a:noFill/>
+        </p:spPr>
+        <p:txBody>
+          <a:bodyPr wrap="square">
+            <a:spAutoFit/>
+          </a:bodyPr>
+          <a:lstStyle/>
+          <a:p>
+            <a:r>
+              <a:rPr lang="ko-Kore-KR" altLang="en-US" dirty="0">
+                <a:latin typeface="DM Mono" panose="020B0509040201040103" pitchFamily="49" charset="0"/>
+              </a:rPr>
+              <a:t> void </a:t>
+            </a:r>
+            <a:r>
+              <a:rPr lang="en-US" altLang="ko-Kore-KR" dirty="0">
+                <a:latin typeface="DM Mono" panose="020B0509040201040103" pitchFamily="49" charset="0"/>
+              </a:rPr>
+              <a:t>Point::</a:t>
+            </a:r>
+            <a:r>
+              <a:rPr lang="ko-Kore-KR" altLang="en-US" dirty="0">
+                <a:latin typeface="DM Mono" panose="020B0509040201040103" pitchFamily="49" charset="0"/>
+              </a:rPr>
+              <a:t>Set(</a:t>
+            </a:r>
+            <a:r>
+              <a:rPr lang="en-US" altLang="ko-Kore-KR" dirty="0">
+                <a:solidFill>
+                  <a:srgbClr val="FF0000"/>
+                </a:solidFill>
+                <a:latin typeface="DM Mono" panose="020B0509040201040103" pitchFamily="49" charset="0"/>
+              </a:rPr>
+              <a:t>Point* this</a:t>
+            </a:r>
+            <a:r>
+              <a:rPr lang="en-US" altLang="ko-Kore-KR" dirty="0">
+                <a:latin typeface="DM Mono" panose="020B0509040201040103" pitchFamily="49" charset="0"/>
+              </a:rPr>
+              <a:t>, </a:t>
+            </a:r>
+            <a:r>
+              <a:rPr lang="ko-Kore-KR" altLang="en-US" dirty="0">
+                <a:latin typeface="DM Mono" panose="020B0509040201040103" pitchFamily="49" charset="0"/>
+              </a:rPr>
+              <a:t>int a, int b)</a:t>
+            </a:r>
+          </a:p>
+          <a:p>
+            <a:r>
+              <a:rPr lang="en-US" altLang="ko-Kore-KR" dirty="0">
+                <a:latin typeface="DM Mono" panose="020B0509040201040103" pitchFamily="49" charset="0"/>
+              </a:rPr>
+              <a:t> </a:t>
+            </a:r>
+            <a:r>
+              <a:rPr lang="ko-Kore-KR" altLang="en-US" dirty="0">
+                <a:latin typeface="DM Mono" panose="020B0509040201040103" pitchFamily="49" charset="0"/>
+              </a:rPr>
+              <a:t>{</a:t>
+            </a:r>
+          </a:p>
+          <a:p>
+            <a:r>
+              <a:rPr lang="ko-Kore-KR" altLang="en-US" dirty="0">
+                <a:latin typeface="DM Mono" panose="020B0509040201040103" pitchFamily="49" charset="0"/>
+              </a:rPr>
+              <a:t>    </a:t>
+            </a:r>
+            <a:r>
+              <a:rPr lang="en-US" altLang="ko-Kore-KR" dirty="0">
+                <a:solidFill>
+                  <a:srgbClr val="FF0000"/>
+                </a:solidFill>
+                <a:latin typeface="DM Mono" panose="020B0509040201040103" pitchFamily="49" charset="0"/>
+              </a:rPr>
+              <a:t>this-&gt;</a:t>
+            </a:r>
+            <a:r>
+              <a:rPr lang="ko-Kore-KR" altLang="en-US" dirty="0">
+                <a:solidFill>
+                  <a:srgbClr val="FF0000"/>
+                </a:solidFill>
+                <a:latin typeface="DM Mono" panose="020B0509040201040103" pitchFamily="49" charset="0"/>
+              </a:rPr>
+              <a:t>x </a:t>
+            </a:r>
+            <a:r>
+              <a:rPr lang="ko-Kore-KR" altLang="en-US" dirty="0">
+                <a:latin typeface="DM Mono" panose="020B0509040201040103" pitchFamily="49" charset="0"/>
+              </a:rPr>
+              <a:t>= a;</a:t>
+            </a:r>
+          </a:p>
+          <a:p>
+            <a:r>
+              <a:rPr lang="ko-Kore-KR" altLang="en-US" dirty="0">
+                <a:latin typeface="DM Mono" panose="020B0509040201040103" pitchFamily="49" charset="0"/>
+              </a:rPr>
+              <a:t>    </a:t>
+            </a:r>
+            <a:r>
+              <a:rPr lang="en-US" altLang="ko-Kore-KR" dirty="0">
+                <a:solidFill>
+                  <a:srgbClr val="FF0000"/>
+                </a:solidFill>
+                <a:latin typeface="DM Mono" panose="020B0509040201040103" pitchFamily="49" charset="0"/>
+              </a:rPr>
+              <a:t>this-&gt;</a:t>
+            </a:r>
+            <a:r>
+              <a:rPr lang="ko-Kore-KR" altLang="en-US" dirty="0">
+                <a:solidFill>
+                  <a:srgbClr val="FF0000"/>
+                </a:solidFill>
+                <a:latin typeface="DM Mono" panose="020B0509040201040103" pitchFamily="49" charset="0"/>
+              </a:rPr>
+              <a:t>y</a:t>
+            </a:r>
+            <a:r>
+              <a:rPr lang="ko-Kore-KR" altLang="en-US" dirty="0">
+                <a:latin typeface="DM Mono" panose="020B0509040201040103" pitchFamily="49" charset="0"/>
+              </a:rPr>
+              <a:t> = b;</a:t>
+            </a:r>
+          </a:p>
+          <a:p>
+            <a:r>
+              <a:rPr lang="ko-Kore-KR" altLang="en-US" dirty="0">
+                <a:latin typeface="DM Mono" panose="020B0509040201040103" pitchFamily="49" charset="0"/>
+              </a:rPr>
+              <a:t> }</a:t>
+            </a:r>
+            <a:endParaRPr lang="ko-Kore-KR" altLang="en-US" dirty="0"/>
+          </a:p>
+        </p:txBody>
+      </p:sp>
+      <p:sp>
+        <p:nvSpPr>
+          <p:cNvPr id="3" name="TextBox 2">
+            <a:extLst>
+              <a:ext uri="{FF2B5EF4-FFF2-40B4-BE49-F238E27FC236}">
+                <a16:creationId xmlns:a16="http://schemas.microsoft.com/office/drawing/2014/main" id="{EEEE67B5-630C-C4A7-8E00-888BFFAFF0B1}"/>
+              </a:ext>
+            </a:extLst>
+          </p:cNvPr>
+          <p:cNvSpPr txBox="1"/>
+          <p:nvPr/>
+        </p:nvSpPr>
+        <p:spPr>
+          <a:xfrm>
+            <a:off x="8066514" y="4485682"/>
+            <a:ext cx="759676" cy="369332"/>
+          </a:xfrm>
+          <a:prstGeom prst="rect">
+            <a:avLst/>
+          </a:prstGeom>
+          <a:noFill/>
+        </p:spPr>
+        <p:txBody>
+          <a:bodyPr wrap="square">
+            <a:spAutoFit/>
+          </a:bodyPr>
+          <a:lstStyle/>
+          <a:p>
+            <a:r>
+              <a:rPr lang="en-US" altLang="ko-Kore-KR" dirty="0">
+                <a:solidFill>
+                  <a:srgbClr val="FF0000"/>
+                </a:solidFill>
+                <a:latin typeface="DM Mono" panose="020B0509040201040103" pitchFamily="49" charset="0"/>
+              </a:rPr>
+              <a:t>this</a:t>
+            </a:r>
+            <a:endParaRPr lang="ko-Kore-KR" altLang="en-US" dirty="0"/>
+          </a:p>
+        </p:txBody>
+      </p:sp>
+      <p:cxnSp>
+        <p:nvCxnSpPr>
+          <p:cNvPr id="8" name="구부러진 연결선[U] 7">
+            <a:extLst>
+              <a:ext uri="{FF2B5EF4-FFF2-40B4-BE49-F238E27FC236}">
+                <a16:creationId xmlns:a16="http://schemas.microsoft.com/office/drawing/2014/main" id="{1D19F3D0-7FCE-DDB6-CEB4-61947FF2D9D8}"/>
+              </a:ext>
+            </a:extLst>
+          </p:cNvPr>
+          <p:cNvCxnSpPr>
+            <a:stCxn id="3" idx="0"/>
+            <a:endCxn id="12" idx="0"/>
+          </p:cNvCxnSpPr>
+          <p:nvPr/>
+        </p:nvCxnSpPr>
+        <p:spPr>
+          <a:xfrm rot="16200000" flipV="1">
+            <a:off x="6377534" y="2416863"/>
+            <a:ext cx="1946345" cy="2191293"/>
+          </a:xfrm>
+          <a:prstGeom prst="curvedConnector3">
+            <a:avLst>
+              <a:gd name="adj1" fmla="val 118907"/>
+            </a:avLst>
+          </a:prstGeom>
+          <a:ln w="12700">
+            <a:tailEnd type="triangle"/>
+          </a:ln>
+        </p:spPr>
+        <p:style>
+          <a:lnRef idx="1">
+            <a:schemeClr val="dk1"/>
+          </a:lnRef>
+          <a:fillRef idx="0">
+            <a:schemeClr val="dk1"/>
+          </a:fillRef>
+          <a:effectRef idx="0">
+            <a:schemeClr val="dk1"/>
+          </a:effectRef>
+          <a:fontRef idx="minor">
+            <a:schemeClr val="tx1"/>
+          </a:fontRef>
+        </p:style>
+      </p:cxnSp>
+    </p:spTree>
+    <p:extLst>
+      <p:ext uri="{BB962C8B-B14F-4D97-AF65-F5344CB8AC3E}">
+        <p14:creationId xmlns:p14="http://schemas.microsoft.com/office/powerpoint/2010/main" val="484117673"/>
+      </p:ext>
+    </p:extLst>
+  </p:cSld>
+  <p:clrMapOvr>
+    <a:masterClrMapping/>
+  </p:clrMapOvr>
+</p:sld>
+</file>
+
 <file path=ppt/slides/slide2.xml><?xml version="1.0" encoding="utf-8"?>
 <p:sld xmlns:a="http://schemas.openxmlformats.org/drawingml/2006/main" xmlns:r="http://schemas.openxmlformats.org/officeDocument/2006/relationships" xmlns:p="http://schemas.openxmlformats.org/presentationml/2006/main">
   <p:cSld>
@@ -7857,6 +10337,951 @@
     <p:extLst>
       <p:ext uri="{BB962C8B-B14F-4D97-AF65-F5344CB8AC3E}">
         <p14:creationId xmlns:p14="http://schemas.microsoft.com/office/powerpoint/2010/main" val="2230774051"/>
+      </p:ext>
+    </p:extLst>
+  </p:cSld>
+  <p:clrMapOvr>
+    <a:masterClrMapping/>
+  </p:clrMapOvr>
+</p:sld>
+</file>
+
+<file path=ppt/slides/slide20.xml><?xml version="1.0" encoding="utf-8"?>
+<p:sld xmlns:a="http://schemas.openxmlformats.org/drawingml/2006/main" xmlns:r="http://schemas.openxmlformats.org/officeDocument/2006/relationships" xmlns:p="http://schemas.openxmlformats.org/presentationml/2006/main">
+  <p:cSld>
+    <p:spTree>
+      <p:nvGrpSpPr>
+        <p:cNvPr id="1" name=""/>
+        <p:cNvGrpSpPr/>
+        <p:nvPr/>
+      </p:nvGrpSpPr>
+      <p:grpSpPr>
+        <a:xfrm>
+          <a:off x="0" y="0"/>
+          <a:ext cx="0" cy="0"/>
+          <a:chOff x="0" y="0"/>
+          <a:chExt cx="0" cy="0"/>
+        </a:xfrm>
+      </p:grpSpPr>
+      <p:sp>
+        <p:nvSpPr>
+          <p:cNvPr id="5" name="TextBox 4">
+            <a:extLst>
+              <a:ext uri="{FF2B5EF4-FFF2-40B4-BE49-F238E27FC236}">
+                <a16:creationId xmlns:a16="http://schemas.microsoft.com/office/drawing/2014/main" id="{04768E63-C952-0B5C-868B-F1DC2F637A8B}"/>
+              </a:ext>
+            </a:extLst>
+          </p:cNvPr>
+          <p:cNvSpPr txBox="1"/>
+          <p:nvPr/>
+        </p:nvSpPr>
+        <p:spPr>
+          <a:xfrm>
+            <a:off x="382279" y="289679"/>
+            <a:ext cx="5198058" cy="4185761"/>
+          </a:xfrm>
+          <a:prstGeom prst="rect">
+            <a:avLst/>
+          </a:prstGeom>
+          <a:noFill/>
+        </p:spPr>
+        <p:txBody>
+          <a:bodyPr wrap="square">
+            <a:spAutoFit/>
+          </a:bodyPr>
+          <a:lstStyle/>
+          <a:p>
+            <a:r>
+              <a:rPr lang="ko-Kore-KR" altLang="en-US" sz="1400" dirty="0">
+                <a:latin typeface="DM Mono" panose="020B0509040201040103" pitchFamily="49" charset="0"/>
+              </a:rPr>
+              <a:t>struct Point</a:t>
+            </a:r>
+          </a:p>
+          <a:p>
+            <a:r>
+              <a:rPr lang="ko-Kore-KR" altLang="en-US" sz="1400" dirty="0">
+                <a:latin typeface="DM Mono" panose="020B0509040201040103" pitchFamily="49" charset="0"/>
+              </a:rPr>
+              <a:t>{</a:t>
+            </a:r>
+          </a:p>
+          <a:p>
+            <a:r>
+              <a:rPr lang="ko-Kore-KR" altLang="en-US" sz="1400" dirty="0">
+                <a:latin typeface="DM Mono" panose="020B0509040201040103" pitchFamily="49" charset="0"/>
+              </a:rPr>
+              <a:t>  int x;</a:t>
+            </a:r>
+          </a:p>
+          <a:p>
+            <a:r>
+              <a:rPr lang="ko-Kore-KR" altLang="en-US" sz="1400" dirty="0">
+                <a:latin typeface="DM Mono" panose="020B0509040201040103" pitchFamily="49" charset="0"/>
+              </a:rPr>
+              <a:t>  int y;</a:t>
+            </a:r>
+          </a:p>
+          <a:p>
+            <a:endParaRPr lang="ko-Kore-KR" altLang="en-US" sz="1400" dirty="0">
+              <a:latin typeface="DM Mono" panose="020B0509040201040103" pitchFamily="49" charset="0"/>
+            </a:endParaRPr>
+          </a:p>
+          <a:p>
+            <a:r>
+              <a:rPr lang="ko-Kore-KR" altLang="en-US" sz="1400" dirty="0">
+                <a:latin typeface="DM Mono" panose="020B0509040201040103" pitchFamily="49" charset="0"/>
+              </a:rPr>
+              <a:t>  void Set(int a, int b)</a:t>
+            </a:r>
+          </a:p>
+          <a:p>
+            <a:r>
+              <a:rPr lang="ko-Kore-KR" altLang="en-US" sz="1400" dirty="0">
+                <a:latin typeface="DM Mono" panose="020B0509040201040103" pitchFamily="49" charset="0"/>
+              </a:rPr>
+              <a:t>  {</a:t>
+            </a:r>
+          </a:p>
+          <a:p>
+            <a:r>
+              <a:rPr lang="ko-Kore-KR" altLang="en-US" sz="1400" dirty="0">
+                <a:latin typeface="DM Mono" panose="020B0509040201040103" pitchFamily="49" charset="0"/>
+              </a:rPr>
+              <a:t>    x = a;</a:t>
+            </a:r>
+          </a:p>
+          <a:p>
+            <a:r>
+              <a:rPr lang="ko-Kore-KR" altLang="en-US" sz="1400" dirty="0">
+                <a:latin typeface="DM Mono" panose="020B0509040201040103" pitchFamily="49" charset="0"/>
+              </a:rPr>
+              <a:t>    y = b;</a:t>
+            </a:r>
+          </a:p>
+          <a:p>
+            <a:r>
+              <a:rPr lang="ko-Kore-KR" altLang="en-US" sz="1400" dirty="0">
+                <a:latin typeface="DM Mono" panose="020B0509040201040103" pitchFamily="49" charset="0"/>
+              </a:rPr>
+              <a:t>  }</a:t>
+            </a:r>
+          </a:p>
+          <a:p>
+            <a:r>
+              <a:rPr lang="ko-Kore-KR" altLang="en-US" sz="1400" dirty="0">
+                <a:latin typeface="DM Mono" panose="020B0509040201040103" pitchFamily="49" charset="0"/>
+              </a:rPr>
+              <a:t>};</a:t>
+            </a:r>
+            <a:endParaRPr lang="en-US" altLang="ko-Kore-KR" sz="1400" dirty="0">
+              <a:latin typeface="DM Mono" panose="020B0509040201040103" pitchFamily="49" charset="0"/>
+            </a:endParaRPr>
+          </a:p>
+          <a:p>
+            <a:endParaRPr lang="en-US" altLang="ko-Kore-KR" sz="1400" dirty="0">
+              <a:latin typeface="DM Mono" panose="020B0509040201040103" pitchFamily="49" charset="0"/>
+            </a:endParaRPr>
+          </a:p>
+          <a:p>
+            <a:r>
+              <a:rPr lang="en" altLang="ko-Kore-KR" sz="1400" dirty="0">
+                <a:latin typeface="DM Mono" panose="020B0509040201040103" pitchFamily="49" charset="0"/>
+              </a:rPr>
+              <a:t>int main()</a:t>
+            </a:r>
+          </a:p>
+          <a:p>
+            <a:r>
+              <a:rPr lang="en" altLang="ko-Kore-KR" sz="1400" dirty="0">
+                <a:latin typeface="DM Mono" panose="020B0509040201040103" pitchFamily="49" charset="0"/>
+              </a:rPr>
+              <a:t>{</a:t>
+            </a:r>
+          </a:p>
+          <a:p>
+            <a:r>
+              <a:rPr lang="en" altLang="ko-Kore-KR" sz="1400" dirty="0">
+                <a:latin typeface="DM Mono" panose="020B0509040201040103" pitchFamily="49" charset="0"/>
+              </a:rPr>
+              <a:t>  Point pt1, pt2;</a:t>
+            </a:r>
+          </a:p>
+          <a:p>
+            <a:endParaRPr lang="en" altLang="ko-Kore-KR" sz="1400" dirty="0">
+              <a:latin typeface="DM Mono" panose="020B0509040201040103" pitchFamily="49" charset="0"/>
+            </a:endParaRPr>
+          </a:p>
+          <a:p>
+            <a:r>
+              <a:rPr lang="en" altLang="ko-Kore-KR" sz="1400" dirty="0">
+                <a:latin typeface="DM Mono" panose="020B0509040201040103" pitchFamily="49" charset="0"/>
+              </a:rPr>
+              <a:t>  pt1.Set(10, 20); // Point::Set(&amp;pt1, 10, 20)</a:t>
+            </a:r>
+          </a:p>
+          <a:p>
+            <a:r>
+              <a:rPr lang="en" altLang="ko-Kore-KR" sz="1400" dirty="0">
+                <a:latin typeface="DM Mono" panose="020B0509040201040103" pitchFamily="49" charset="0"/>
+              </a:rPr>
+              <a:t>  pt2.Set(20, 30); // </a:t>
+            </a:r>
+            <a:r>
+              <a:rPr lang="en" altLang="ko-Kore-KR" sz="1400" dirty="0">
+                <a:solidFill>
+                  <a:srgbClr val="FF0000"/>
+                </a:solidFill>
+                <a:latin typeface="DM Mono" panose="020B0509040201040103" pitchFamily="49" charset="0"/>
+              </a:rPr>
+              <a:t>Point::Set(&amp;pt2, 20, 30)</a:t>
+            </a:r>
+            <a:endParaRPr lang="en" altLang="ko-Kore-KR" sz="1400" dirty="0">
+              <a:latin typeface="DM Mono" panose="020B0509040201040103" pitchFamily="49" charset="0"/>
+            </a:endParaRPr>
+          </a:p>
+          <a:p>
+            <a:r>
+              <a:rPr lang="en" altLang="ko-Kore-KR" sz="1400" dirty="0">
+                <a:latin typeface="DM Mono" panose="020B0509040201040103" pitchFamily="49" charset="0"/>
+              </a:rPr>
+              <a:t>}</a:t>
+            </a:r>
+            <a:endParaRPr lang="ko-Kore-KR" altLang="en-US" sz="1400" dirty="0">
+              <a:latin typeface="DM Mono" panose="020B0509040201040103" pitchFamily="49" charset="0"/>
+            </a:endParaRPr>
+          </a:p>
+        </p:txBody>
+      </p:sp>
+      <p:sp>
+        <p:nvSpPr>
+          <p:cNvPr id="6" name="직사각형 5">
+            <a:extLst>
+              <a:ext uri="{FF2B5EF4-FFF2-40B4-BE49-F238E27FC236}">
+                <a16:creationId xmlns:a16="http://schemas.microsoft.com/office/drawing/2014/main" id="{A5637955-00D9-0B29-0484-0672EFB202E0}"/>
+              </a:ext>
+            </a:extLst>
+          </p:cNvPr>
+          <p:cNvSpPr/>
+          <p:nvPr/>
+        </p:nvSpPr>
+        <p:spPr>
+          <a:xfrm>
+            <a:off x="5936945" y="2905779"/>
+            <a:ext cx="664577" cy="355953"/>
+          </a:xfrm>
+          <a:prstGeom prst="rect">
+            <a:avLst/>
+          </a:prstGeom>
+          <a:solidFill>
+            <a:srgbClr val="FFFF00"/>
+          </a:solidFill>
+        </p:spPr>
+        <p:style>
+          <a:lnRef idx="2">
+            <a:schemeClr val="accent1">
+              <a:shade val="50000"/>
+            </a:schemeClr>
+          </a:lnRef>
+          <a:fillRef idx="1">
+            <a:schemeClr val="accent1"/>
+          </a:fillRef>
+          <a:effectRef idx="0">
+            <a:schemeClr val="accent1"/>
+          </a:effectRef>
+          <a:fontRef idx="minor">
+            <a:schemeClr val="lt1"/>
+          </a:fontRef>
+        </p:style>
+        <p:txBody>
+          <a:bodyPr rtlCol="0" anchor="ctr"/>
+          <a:lstStyle/>
+          <a:p>
+            <a:pPr algn="ctr"/>
+            <a:r>
+              <a:rPr kumimoji="1" lang="en-US" altLang="ko-Kore-KR" dirty="0">
+                <a:solidFill>
+                  <a:schemeClr val="tx1"/>
+                </a:solidFill>
+                <a:latin typeface="DM Mono" panose="020B0509040201040103" pitchFamily="49" charset="0"/>
+              </a:rPr>
+              <a:t>10</a:t>
+            </a:r>
+            <a:endParaRPr kumimoji="1" lang="ko-Kore-KR" altLang="en-US" dirty="0">
+              <a:solidFill>
+                <a:schemeClr val="tx1"/>
+              </a:solidFill>
+              <a:latin typeface="DM Mono" panose="020B0509040201040103" pitchFamily="49" charset="0"/>
+            </a:endParaRPr>
+          </a:p>
+        </p:txBody>
+      </p:sp>
+      <p:sp>
+        <p:nvSpPr>
+          <p:cNvPr id="7" name="직사각형 6">
+            <a:extLst>
+              <a:ext uri="{FF2B5EF4-FFF2-40B4-BE49-F238E27FC236}">
+                <a16:creationId xmlns:a16="http://schemas.microsoft.com/office/drawing/2014/main" id="{5A27A090-CB0D-F7EF-AC5D-9CF35DBEC304}"/>
+              </a:ext>
+            </a:extLst>
+          </p:cNvPr>
+          <p:cNvSpPr/>
+          <p:nvPr/>
+        </p:nvSpPr>
+        <p:spPr>
+          <a:xfrm>
+            <a:off x="5936944" y="3261732"/>
+            <a:ext cx="664577" cy="355953"/>
+          </a:xfrm>
+          <a:prstGeom prst="rect">
+            <a:avLst/>
+          </a:prstGeom>
+          <a:solidFill>
+            <a:srgbClr val="FFFF00"/>
+          </a:solidFill>
+        </p:spPr>
+        <p:style>
+          <a:lnRef idx="2">
+            <a:schemeClr val="accent1">
+              <a:shade val="50000"/>
+            </a:schemeClr>
+          </a:lnRef>
+          <a:fillRef idx="1">
+            <a:schemeClr val="accent1"/>
+          </a:fillRef>
+          <a:effectRef idx="0">
+            <a:schemeClr val="accent1"/>
+          </a:effectRef>
+          <a:fontRef idx="minor">
+            <a:schemeClr val="lt1"/>
+          </a:fontRef>
+        </p:style>
+        <p:txBody>
+          <a:bodyPr rtlCol="0" anchor="ctr"/>
+          <a:lstStyle/>
+          <a:p>
+            <a:pPr algn="ctr"/>
+            <a:r>
+              <a:rPr kumimoji="1" lang="en-US" altLang="ko-Kore-KR" dirty="0">
+                <a:solidFill>
+                  <a:schemeClr val="tx1"/>
+                </a:solidFill>
+                <a:latin typeface="DM Mono" panose="020B0509040201040103" pitchFamily="49" charset="0"/>
+              </a:rPr>
+              <a:t>20</a:t>
+            </a:r>
+            <a:endParaRPr kumimoji="1" lang="ko-Kore-KR" altLang="en-US" dirty="0">
+              <a:solidFill>
+                <a:schemeClr val="tx1"/>
+              </a:solidFill>
+              <a:latin typeface="DM Mono" panose="020B0509040201040103" pitchFamily="49" charset="0"/>
+            </a:endParaRPr>
+          </a:p>
+        </p:txBody>
+      </p:sp>
+      <p:sp>
+        <p:nvSpPr>
+          <p:cNvPr id="9" name="TextBox 8">
+            <a:extLst>
+              <a:ext uri="{FF2B5EF4-FFF2-40B4-BE49-F238E27FC236}">
+                <a16:creationId xmlns:a16="http://schemas.microsoft.com/office/drawing/2014/main" id="{F91B9C4F-5466-A11E-4C61-18E0E3DC75AB}"/>
+              </a:ext>
+            </a:extLst>
+          </p:cNvPr>
+          <p:cNvSpPr txBox="1"/>
+          <p:nvPr/>
+        </p:nvSpPr>
+        <p:spPr>
+          <a:xfrm>
+            <a:off x="5588781" y="2899089"/>
+            <a:ext cx="348162" cy="369332"/>
+          </a:xfrm>
+          <a:prstGeom prst="rect">
+            <a:avLst/>
+          </a:prstGeom>
+          <a:noFill/>
+        </p:spPr>
+        <p:txBody>
+          <a:bodyPr wrap="square">
+            <a:spAutoFit/>
+          </a:bodyPr>
+          <a:lstStyle/>
+          <a:p>
+            <a:r>
+              <a:rPr lang="ko-Kore-KR" altLang="en-US" dirty="0">
+                <a:latin typeface="DM Mono" panose="020B0509040201040103" pitchFamily="49" charset="0"/>
+              </a:rPr>
+              <a:t>x</a:t>
+            </a:r>
+            <a:endParaRPr lang="ko-Kore-KR" altLang="en-US" dirty="0"/>
+          </a:p>
+        </p:txBody>
+      </p:sp>
+      <p:sp>
+        <p:nvSpPr>
+          <p:cNvPr id="10" name="TextBox 9">
+            <a:extLst>
+              <a:ext uri="{FF2B5EF4-FFF2-40B4-BE49-F238E27FC236}">
+                <a16:creationId xmlns:a16="http://schemas.microsoft.com/office/drawing/2014/main" id="{BEB48056-8A63-7378-3AC6-28B4496662C1}"/>
+              </a:ext>
+            </a:extLst>
+          </p:cNvPr>
+          <p:cNvSpPr txBox="1"/>
+          <p:nvPr/>
+        </p:nvSpPr>
+        <p:spPr>
+          <a:xfrm>
+            <a:off x="5588779" y="3248353"/>
+            <a:ext cx="348162" cy="369332"/>
+          </a:xfrm>
+          <a:prstGeom prst="rect">
+            <a:avLst/>
+          </a:prstGeom>
+          <a:noFill/>
+        </p:spPr>
+        <p:txBody>
+          <a:bodyPr wrap="square">
+            <a:spAutoFit/>
+          </a:bodyPr>
+          <a:lstStyle/>
+          <a:p>
+            <a:r>
+              <a:rPr lang="en-US" altLang="ko-Kore-KR" dirty="0">
+                <a:latin typeface="DM Mono" panose="020B0509040201040103" pitchFamily="49" charset="0"/>
+              </a:rPr>
+              <a:t>y</a:t>
+            </a:r>
+            <a:endParaRPr lang="ko-Kore-KR" altLang="en-US" dirty="0"/>
+          </a:p>
+        </p:txBody>
+      </p:sp>
+      <p:sp>
+        <p:nvSpPr>
+          <p:cNvPr id="12" name="TextBox 11">
+            <a:extLst>
+              <a:ext uri="{FF2B5EF4-FFF2-40B4-BE49-F238E27FC236}">
+                <a16:creationId xmlns:a16="http://schemas.microsoft.com/office/drawing/2014/main" id="{8B559D80-8CDE-F211-6C1D-D2AA8B3DD072}"/>
+              </a:ext>
+            </a:extLst>
+          </p:cNvPr>
+          <p:cNvSpPr txBox="1"/>
+          <p:nvPr/>
+        </p:nvSpPr>
+        <p:spPr>
+          <a:xfrm>
+            <a:off x="5917038" y="2539337"/>
+            <a:ext cx="676042" cy="369332"/>
+          </a:xfrm>
+          <a:prstGeom prst="rect">
+            <a:avLst/>
+          </a:prstGeom>
+          <a:noFill/>
+        </p:spPr>
+        <p:txBody>
+          <a:bodyPr wrap="square">
+            <a:spAutoFit/>
+          </a:bodyPr>
+          <a:lstStyle/>
+          <a:p>
+            <a:pPr algn="ctr"/>
+            <a:r>
+              <a:rPr lang="en" altLang="ko-Kore-KR" dirty="0">
+                <a:latin typeface="DM Mono" panose="020B0509040201040103" pitchFamily="49" charset="0"/>
+              </a:rPr>
+              <a:t>pt1</a:t>
+            </a:r>
+            <a:endParaRPr lang="ko-Kore-KR" altLang="en-US" dirty="0"/>
+          </a:p>
+        </p:txBody>
+      </p:sp>
+      <p:sp>
+        <p:nvSpPr>
+          <p:cNvPr id="13" name="직사각형 12">
+            <a:extLst>
+              <a:ext uri="{FF2B5EF4-FFF2-40B4-BE49-F238E27FC236}">
+                <a16:creationId xmlns:a16="http://schemas.microsoft.com/office/drawing/2014/main" id="{1CCBB3B3-98B0-5509-973F-3E80C3819950}"/>
+              </a:ext>
+            </a:extLst>
+          </p:cNvPr>
+          <p:cNvSpPr/>
+          <p:nvPr/>
+        </p:nvSpPr>
+        <p:spPr>
+          <a:xfrm>
+            <a:off x="9341063" y="2802049"/>
+            <a:ext cx="664577" cy="355953"/>
+          </a:xfrm>
+          <a:prstGeom prst="rect">
+            <a:avLst/>
+          </a:prstGeom>
+          <a:solidFill>
+            <a:srgbClr val="FFFF00"/>
+          </a:solidFill>
+        </p:spPr>
+        <p:style>
+          <a:lnRef idx="2">
+            <a:schemeClr val="accent1">
+              <a:shade val="50000"/>
+            </a:schemeClr>
+          </a:lnRef>
+          <a:fillRef idx="1">
+            <a:schemeClr val="accent1"/>
+          </a:fillRef>
+          <a:effectRef idx="0">
+            <a:schemeClr val="accent1"/>
+          </a:effectRef>
+          <a:fontRef idx="minor">
+            <a:schemeClr val="lt1"/>
+          </a:fontRef>
+        </p:style>
+        <p:txBody>
+          <a:bodyPr rtlCol="0" anchor="ctr"/>
+          <a:lstStyle/>
+          <a:p>
+            <a:pPr algn="ctr"/>
+            <a:r>
+              <a:rPr kumimoji="1" lang="en-US" altLang="ko-Kore-KR" dirty="0">
+                <a:solidFill>
+                  <a:srgbClr val="FF0000"/>
+                </a:solidFill>
+                <a:latin typeface="DM Mono" panose="020B0509040201040103" pitchFamily="49" charset="0"/>
+              </a:rPr>
+              <a:t>20</a:t>
+            </a:r>
+            <a:endParaRPr kumimoji="1" lang="ko-Kore-KR" altLang="en-US" dirty="0">
+              <a:solidFill>
+                <a:srgbClr val="FF0000"/>
+              </a:solidFill>
+              <a:latin typeface="DM Mono" panose="020B0509040201040103" pitchFamily="49" charset="0"/>
+            </a:endParaRPr>
+          </a:p>
+        </p:txBody>
+      </p:sp>
+      <p:sp>
+        <p:nvSpPr>
+          <p:cNvPr id="14" name="직사각형 13">
+            <a:extLst>
+              <a:ext uri="{FF2B5EF4-FFF2-40B4-BE49-F238E27FC236}">
+                <a16:creationId xmlns:a16="http://schemas.microsoft.com/office/drawing/2014/main" id="{0AB56B5B-13E3-79CF-4805-C89D1B3C6989}"/>
+              </a:ext>
+            </a:extLst>
+          </p:cNvPr>
+          <p:cNvSpPr/>
+          <p:nvPr/>
+        </p:nvSpPr>
+        <p:spPr>
+          <a:xfrm>
+            <a:off x="9341062" y="3158002"/>
+            <a:ext cx="664577" cy="355953"/>
+          </a:xfrm>
+          <a:prstGeom prst="rect">
+            <a:avLst/>
+          </a:prstGeom>
+          <a:solidFill>
+            <a:srgbClr val="FFFF00"/>
+          </a:solidFill>
+        </p:spPr>
+        <p:style>
+          <a:lnRef idx="2">
+            <a:schemeClr val="accent1">
+              <a:shade val="50000"/>
+            </a:schemeClr>
+          </a:lnRef>
+          <a:fillRef idx="1">
+            <a:schemeClr val="accent1"/>
+          </a:fillRef>
+          <a:effectRef idx="0">
+            <a:schemeClr val="accent1"/>
+          </a:effectRef>
+          <a:fontRef idx="minor">
+            <a:schemeClr val="lt1"/>
+          </a:fontRef>
+        </p:style>
+        <p:txBody>
+          <a:bodyPr rtlCol="0" anchor="ctr"/>
+          <a:lstStyle/>
+          <a:p>
+            <a:pPr algn="ctr"/>
+            <a:r>
+              <a:rPr kumimoji="1" lang="en-US" altLang="ko-Kore-KR" dirty="0">
+                <a:solidFill>
+                  <a:srgbClr val="FF0000"/>
+                </a:solidFill>
+                <a:latin typeface="DM Mono" panose="020B0509040201040103" pitchFamily="49" charset="0"/>
+              </a:rPr>
+              <a:t>30</a:t>
+            </a:r>
+            <a:endParaRPr kumimoji="1" lang="ko-Kore-KR" altLang="en-US" dirty="0">
+              <a:solidFill>
+                <a:srgbClr val="FF0000"/>
+              </a:solidFill>
+              <a:latin typeface="DM Mono" panose="020B0509040201040103" pitchFamily="49" charset="0"/>
+            </a:endParaRPr>
+          </a:p>
+        </p:txBody>
+      </p:sp>
+      <p:sp>
+        <p:nvSpPr>
+          <p:cNvPr id="15" name="TextBox 14">
+            <a:extLst>
+              <a:ext uri="{FF2B5EF4-FFF2-40B4-BE49-F238E27FC236}">
+                <a16:creationId xmlns:a16="http://schemas.microsoft.com/office/drawing/2014/main" id="{3A67CD80-D2C2-5FFF-F7FE-543245F8EFE1}"/>
+              </a:ext>
+            </a:extLst>
+          </p:cNvPr>
+          <p:cNvSpPr txBox="1"/>
+          <p:nvPr/>
+        </p:nvSpPr>
+        <p:spPr>
+          <a:xfrm>
+            <a:off x="8992899" y="2795359"/>
+            <a:ext cx="348162" cy="369332"/>
+          </a:xfrm>
+          <a:prstGeom prst="rect">
+            <a:avLst/>
+          </a:prstGeom>
+          <a:noFill/>
+        </p:spPr>
+        <p:txBody>
+          <a:bodyPr wrap="square">
+            <a:spAutoFit/>
+          </a:bodyPr>
+          <a:lstStyle/>
+          <a:p>
+            <a:r>
+              <a:rPr lang="ko-Kore-KR" altLang="en-US" dirty="0">
+                <a:latin typeface="DM Mono" panose="020B0509040201040103" pitchFamily="49" charset="0"/>
+              </a:rPr>
+              <a:t>x</a:t>
+            </a:r>
+            <a:endParaRPr lang="ko-Kore-KR" altLang="en-US" dirty="0"/>
+          </a:p>
+        </p:txBody>
+      </p:sp>
+      <p:sp>
+        <p:nvSpPr>
+          <p:cNvPr id="16" name="TextBox 15">
+            <a:extLst>
+              <a:ext uri="{FF2B5EF4-FFF2-40B4-BE49-F238E27FC236}">
+                <a16:creationId xmlns:a16="http://schemas.microsoft.com/office/drawing/2014/main" id="{C77C901A-2A8F-D9B2-8F83-2A13FE7C4BCF}"/>
+              </a:ext>
+            </a:extLst>
+          </p:cNvPr>
+          <p:cNvSpPr txBox="1"/>
+          <p:nvPr/>
+        </p:nvSpPr>
+        <p:spPr>
+          <a:xfrm>
+            <a:off x="8992897" y="3144623"/>
+            <a:ext cx="348162" cy="369332"/>
+          </a:xfrm>
+          <a:prstGeom prst="rect">
+            <a:avLst/>
+          </a:prstGeom>
+          <a:noFill/>
+        </p:spPr>
+        <p:txBody>
+          <a:bodyPr wrap="square">
+            <a:spAutoFit/>
+          </a:bodyPr>
+          <a:lstStyle/>
+          <a:p>
+            <a:r>
+              <a:rPr lang="en-US" altLang="ko-Kore-KR" dirty="0">
+                <a:latin typeface="DM Mono" panose="020B0509040201040103" pitchFamily="49" charset="0"/>
+              </a:rPr>
+              <a:t>y</a:t>
+            </a:r>
+            <a:endParaRPr lang="ko-Kore-KR" altLang="en-US" dirty="0"/>
+          </a:p>
+        </p:txBody>
+      </p:sp>
+      <p:sp>
+        <p:nvSpPr>
+          <p:cNvPr id="17" name="TextBox 16">
+            <a:extLst>
+              <a:ext uri="{FF2B5EF4-FFF2-40B4-BE49-F238E27FC236}">
+                <a16:creationId xmlns:a16="http://schemas.microsoft.com/office/drawing/2014/main" id="{CAE1322B-1612-35C9-7E17-F25F480DD972}"/>
+              </a:ext>
+            </a:extLst>
+          </p:cNvPr>
+          <p:cNvSpPr txBox="1"/>
+          <p:nvPr/>
+        </p:nvSpPr>
+        <p:spPr>
+          <a:xfrm>
+            <a:off x="9321156" y="2435607"/>
+            <a:ext cx="676042" cy="369332"/>
+          </a:xfrm>
+          <a:prstGeom prst="rect">
+            <a:avLst/>
+          </a:prstGeom>
+          <a:noFill/>
+        </p:spPr>
+        <p:txBody>
+          <a:bodyPr wrap="square">
+            <a:spAutoFit/>
+          </a:bodyPr>
+          <a:lstStyle/>
+          <a:p>
+            <a:pPr algn="ctr"/>
+            <a:r>
+              <a:rPr lang="en" altLang="ko-Kore-KR" dirty="0">
+                <a:latin typeface="DM Mono" panose="020B0509040201040103" pitchFamily="49" charset="0"/>
+              </a:rPr>
+              <a:t>pt2</a:t>
+            </a:r>
+            <a:endParaRPr lang="ko-Kore-KR" altLang="en-US" dirty="0"/>
+          </a:p>
+        </p:txBody>
+      </p:sp>
+      <p:sp>
+        <p:nvSpPr>
+          <p:cNvPr id="19" name="TextBox 18">
+            <a:extLst>
+              <a:ext uri="{FF2B5EF4-FFF2-40B4-BE49-F238E27FC236}">
+                <a16:creationId xmlns:a16="http://schemas.microsoft.com/office/drawing/2014/main" id="{ABC1A19B-9F2B-7D01-A21B-B00191EBAE64}"/>
+              </a:ext>
+            </a:extLst>
+          </p:cNvPr>
+          <p:cNvSpPr txBox="1"/>
+          <p:nvPr/>
+        </p:nvSpPr>
+        <p:spPr>
+          <a:xfrm>
+            <a:off x="4793150" y="4485682"/>
+            <a:ext cx="6240982" cy="1477328"/>
+          </a:xfrm>
+          <a:prstGeom prst="rect">
+            <a:avLst/>
+          </a:prstGeom>
+          <a:noFill/>
+        </p:spPr>
+        <p:txBody>
+          <a:bodyPr wrap="square">
+            <a:spAutoFit/>
+          </a:bodyPr>
+          <a:lstStyle/>
+          <a:p>
+            <a:r>
+              <a:rPr lang="ko-Kore-KR" altLang="en-US" dirty="0">
+                <a:latin typeface="DM Mono" panose="020B0509040201040103" pitchFamily="49" charset="0"/>
+              </a:rPr>
+              <a:t> void </a:t>
+            </a:r>
+            <a:r>
+              <a:rPr lang="en-US" altLang="ko-Kore-KR" dirty="0">
+                <a:latin typeface="DM Mono" panose="020B0509040201040103" pitchFamily="49" charset="0"/>
+              </a:rPr>
+              <a:t>Point::</a:t>
+            </a:r>
+            <a:r>
+              <a:rPr lang="ko-Kore-KR" altLang="en-US" dirty="0">
+                <a:latin typeface="DM Mono" panose="020B0509040201040103" pitchFamily="49" charset="0"/>
+              </a:rPr>
+              <a:t>Set(</a:t>
+            </a:r>
+            <a:r>
+              <a:rPr lang="en-US" altLang="ko-Kore-KR" dirty="0">
+                <a:solidFill>
+                  <a:srgbClr val="FF0000"/>
+                </a:solidFill>
+                <a:latin typeface="DM Mono" panose="020B0509040201040103" pitchFamily="49" charset="0"/>
+              </a:rPr>
+              <a:t>Point* this</a:t>
+            </a:r>
+            <a:r>
+              <a:rPr lang="en-US" altLang="ko-Kore-KR" dirty="0">
+                <a:latin typeface="DM Mono" panose="020B0509040201040103" pitchFamily="49" charset="0"/>
+              </a:rPr>
+              <a:t>, </a:t>
+            </a:r>
+            <a:r>
+              <a:rPr lang="ko-Kore-KR" altLang="en-US" dirty="0">
+                <a:latin typeface="DM Mono" panose="020B0509040201040103" pitchFamily="49" charset="0"/>
+              </a:rPr>
+              <a:t>int a, int b)</a:t>
+            </a:r>
+          </a:p>
+          <a:p>
+            <a:r>
+              <a:rPr lang="en-US" altLang="ko-Kore-KR" dirty="0">
+                <a:latin typeface="DM Mono" panose="020B0509040201040103" pitchFamily="49" charset="0"/>
+              </a:rPr>
+              <a:t> </a:t>
+            </a:r>
+            <a:r>
+              <a:rPr lang="ko-Kore-KR" altLang="en-US" dirty="0">
+                <a:latin typeface="DM Mono" panose="020B0509040201040103" pitchFamily="49" charset="0"/>
+              </a:rPr>
+              <a:t>{</a:t>
+            </a:r>
+          </a:p>
+          <a:p>
+            <a:r>
+              <a:rPr lang="ko-Kore-KR" altLang="en-US" dirty="0">
+                <a:latin typeface="DM Mono" panose="020B0509040201040103" pitchFamily="49" charset="0"/>
+              </a:rPr>
+              <a:t>    </a:t>
+            </a:r>
+            <a:r>
+              <a:rPr lang="en-US" altLang="ko-Kore-KR" dirty="0">
+                <a:solidFill>
+                  <a:srgbClr val="FF0000"/>
+                </a:solidFill>
+                <a:latin typeface="DM Mono" panose="020B0509040201040103" pitchFamily="49" charset="0"/>
+              </a:rPr>
+              <a:t>this-&gt;</a:t>
+            </a:r>
+            <a:r>
+              <a:rPr lang="ko-Kore-KR" altLang="en-US" dirty="0">
+                <a:solidFill>
+                  <a:srgbClr val="FF0000"/>
+                </a:solidFill>
+                <a:latin typeface="DM Mono" panose="020B0509040201040103" pitchFamily="49" charset="0"/>
+              </a:rPr>
+              <a:t>x </a:t>
+            </a:r>
+            <a:r>
+              <a:rPr lang="ko-Kore-KR" altLang="en-US" dirty="0">
+                <a:latin typeface="DM Mono" panose="020B0509040201040103" pitchFamily="49" charset="0"/>
+              </a:rPr>
+              <a:t>= a;</a:t>
+            </a:r>
+          </a:p>
+          <a:p>
+            <a:r>
+              <a:rPr lang="ko-Kore-KR" altLang="en-US" dirty="0">
+                <a:latin typeface="DM Mono" panose="020B0509040201040103" pitchFamily="49" charset="0"/>
+              </a:rPr>
+              <a:t>    </a:t>
+            </a:r>
+            <a:r>
+              <a:rPr lang="en-US" altLang="ko-Kore-KR" dirty="0">
+                <a:solidFill>
+                  <a:srgbClr val="FF0000"/>
+                </a:solidFill>
+                <a:latin typeface="DM Mono" panose="020B0509040201040103" pitchFamily="49" charset="0"/>
+              </a:rPr>
+              <a:t>this-&gt;</a:t>
+            </a:r>
+            <a:r>
+              <a:rPr lang="ko-Kore-KR" altLang="en-US" dirty="0">
+                <a:solidFill>
+                  <a:srgbClr val="FF0000"/>
+                </a:solidFill>
+                <a:latin typeface="DM Mono" panose="020B0509040201040103" pitchFamily="49" charset="0"/>
+              </a:rPr>
+              <a:t>y</a:t>
+            </a:r>
+            <a:r>
+              <a:rPr lang="ko-Kore-KR" altLang="en-US" dirty="0">
+                <a:latin typeface="DM Mono" panose="020B0509040201040103" pitchFamily="49" charset="0"/>
+              </a:rPr>
+              <a:t> = b;</a:t>
+            </a:r>
+          </a:p>
+          <a:p>
+            <a:r>
+              <a:rPr lang="ko-Kore-KR" altLang="en-US" dirty="0">
+                <a:latin typeface="DM Mono" panose="020B0509040201040103" pitchFamily="49" charset="0"/>
+              </a:rPr>
+              <a:t> }</a:t>
+            </a:r>
+            <a:endParaRPr lang="ko-Kore-KR" altLang="en-US" dirty="0"/>
+          </a:p>
+        </p:txBody>
+      </p:sp>
+      <p:sp>
+        <p:nvSpPr>
+          <p:cNvPr id="3" name="TextBox 2">
+            <a:extLst>
+              <a:ext uri="{FF2B5EF4-FFF2-40B4-BE49-F238E27FC236}">
+                <a16:creationId xmlns:a16="http://schemas.microsoft.com/office/drawing/2014/main" id="{EEEE67B5-630C-C4A7-8E00-888BFFAFF0B1}"/>
+              </a:ext>
+            </a:extLst>
+          </p:cNvPr>
+          <p:cNvSpPr txBox="1"/>
+          <p:nvPr/>
+        </p:nvSpPr>
+        <p:spPr>
+          <a:xfrm>
+            <a:off x="8066514" y="4485682"/>
+            <a:ext cx="759676" cy="369332"/>
+          </a:xfrm>
+          <a:prstGeom prst="rect">
+            <a:avLst/>
+          </a:prstGeom>
+          <a:noFill/>
+        </p:spPr>
+        <p:txBody>
+          <a:bodyPr wrap="square">
+            <a:spAutoFit/>
+          </a:bodyPr>
+          <a:lstStyle/>
+          <a:p>
+            <a:r>
+              <a:rPr lang="en-US" altLang="ko-Kore-KR" dirty="0">
+                <a:solidFill>
+                  <a:srgbClr val="FF0000"/>
+                </a:solidFill>
+                <a:latin typeface="DM Mono" panose="020B0509040201040103" pitchFamily="49" charset="0"/>
+              </a:rPr>
+              <a:t>this</a:t>
+            </a:r>
+            <a:endParaRPr lang="ko-Kore-KR" altLang="en-US" dirty="0"/>
+          </a:p>
+        </p:txBody>
+      </p:sp>
+      <p:cxnSp>
+        <p:nvCxnSpPr>
+          <p:cNvPr id="8" name="구부러진 연결선[U] 7">
+            <a:extLst>
+              <a:ext uri="{FF2B5EF4-FFF2-40B4-BE49-F238E27FC236}">
+                <a16:creationId xmlns:a16="http://schemas.microsoft.com/office/drawing/2014/main" id="{1D19F3D0-7FCE-DDB6-CEB4-61947FF2D9D8}"/>
+              </a:ext>
+            </a:extLst>
+          </p:cNvPr>
+          <p:cNvCxnSpPr>
+            <a:cxnSpLocks/>
+            <a:stCxn id="3" idx="0"/>
+            <a:endCxn id="17" idx="0"/>
+          </p:cNvCxnSpPr>
+          <p:nvPr/>
+        </p:nvCxnSpPr>
+        <p:spPr>
+          <a:xfrm rot="5400000" flipH="1" flipV="1">
+            <a:off x="8027727" y="2854233"/>
+            <a:ext cx="2050075" cy="1212825"/>
+          </a:xfrm>
+          <a:prstGeom prst="curvedConnector3">
+            <a:avLst>
+              <a:gd name="adj1" fmla="val 114415"/>
+            </a:avLst>
+          </a:prstGeom>
+          <a:ln w="12700">
+            <a:tailEnd type="triangle"/>
+          </a:ln>
+        </p:spPr>
+        <p:style>
+          <a:lnRef idx="1">
+            <a:schemeClr val="dk1"/>
+          </a:lnRef>
+          <a:fillRef idx="0">
+            <a:schemeClr val="dk1"/>
+          </a:fillRef>
+          <a:effectRef idx="0">
+            <a:schemeClr val="dk1"/>
+          </a:effectRef>
+          <a:fontRef idx="minor">
+            <a:schemeClr val="tx1"/>
+          </a:fontRef>
+        </p:style>
+      </p:cxnSp>
+    </p:spTree>
+    <p:extLst>
+      <p:ext uri="{BB962C8B-B14F-4D97-AF65-F5344CB8AC3E}">
+        <p14:creationId xmlns:p14="http://schemas.microsoft.com/office/powerpoint/2010/main" val="2917920279"/>
       </p:ext>
     </p:extLst>
   </p:cSld>
@@ -11547,6 +14972,21 @@
         </a:fontRef>
       </a:style>
     </a:lnDef>
+    <a:txDef>
+      <a:spPr>
+        <a:noFill/>
+      </a:spPr>
+      <a:bodyPr wrap="square">
+        <a:spAutoFit/>
+      </a:bodyPr>
+      <a:lstStyle>
+        <a:defPPr algn="l">
+          <a:defRPr dirty="0">
+            <a:latin typeface="DM Mono" panose="020B0509040201040103" pitchFamily="49" charset="0"/>
+          </a:defRPr>
+        </a:defPPr>
+      </a:lstStyle>
+    </a:txDef>
   </a:objectDefaults>
   <a:extraClrSchemeLst/>
   <a:extLst>

--- a/221114.pptx
+++ b/221114.pptx
@@ -25,6 +25,8 @@
     <p:sldId id="273" r:id="rId19"/>
     <p:sldId id="274" r:id="rId20"/>
     <p:sldId id="275" r:id="rId21"/>
+    <p:sldId id="276" r:id="rId22"/>
+    <p:sldId id="277" r:id="rId23"/>
   </p:sldIdLst>
   <p:sldSz cx="12192000" cy="6858000"/>
   <p:notesSz cx="6858000" cy="9144000"/>
@@ -11282,6 +11284,845 @@
     <p:extLst>
       <p:ext uri="{BB962C8B-B14F-4D97-AF65-F5344CB8AC3E}">
         <p14:creationId xmlns:p14="http://schemas.microsoft.com/office/powerpoint/2010/main" val="2917920279"/>
+      </p:ext>
+    </p:extLst>
+  </p:cSld>
+  <p:clrMapOvr>
+    <a:masterClrMapping/>
+  </p:clrMapOvr>
+</p:sld>
+</file>
+
+<file path=ppt/slides/slide21.xml><?xml version="1.0" encoding="utf-8"?>
+<p:sld xmlns:a="http://schemas.openxmlformats.org/drawingml/2006/main" xmlns:r="http://schemas.openxmlformats.org/officeDocument/2006/relationships" xmlns:p="http://schemas.openxmlformats.org/presentationml/2006/main">
+  <p:cSld>
+    <p:spTree>
+      <p:nvGrpSpPr>
+        <p:cNvPr id="1" name=""/>
+        <p:cNvGrpSpPr/>
+        <p:nvPr/>
+      </p:nvGrpSpPr>
+      <p:grpSpPr>
+        <a:xfrm>
+          <a:off x="0" y="0"/>
+          <a:ext cx="0" cy="0"/>
+          <a:chOff x="0" y="0"/>
+          <a:chExt cx="0" cy="0"/>
+        </a:xfrm>
+      </p:grpSpPr>
+      <p:sp>
+        <p:nvSpPr>
+          <p:cNvPr id="5" name="TextBox 4">
+            <a:extLst>
+              <a:ext uri="{FF2B5EF4-FFF2-40B4-BE49-F238E27FC236}">
+                <a16:creationId xmlns:a16="http://schemas.microsoft.com/office/drawing/2014/main" id="{99C2F9B1-935D-7385-144F-79CD692BC18A}"/>
+              </a:ext>
+            </a:extLst>
+          </p:cNvPr>
+          <p:cNvSpPr txBox="1"/>
+          <p:nvPr/>
+        </p:nvSpPr>
+        <p:spPr>
+          <a:xfrm>
+            <a:off x="401893" y="336103"/>
+            <a:ext cx="6098458" cy="2862322"/>
+          </a:xfrm>
+          <a:prstGeom prst="rect">
+            <a:avLst/>
+          </a:prstGeom>
+          <a:noFill/>
+        </p:spPr>
+        <p:txBody>
+          <a:bodyPr wrap="square">
+            <a:spAutoFit/>
+          </a:bodyPr>
+          <a:lstStyle/>
+          <a:p>
+            <a:r>
+              <a:rPr lang="ko-Kore-KR" altLang="en-US" dirty="0">
+                <a:latin typeface="DM Mono" panose="020B0509040201040103" pitchFamily="49" charset="0"/>
+              </a:rPr>
+              <a:t>Sample g;</a:t>
+            </a:r>
+          </a:p>
+          <a:p>
+            <a:r>
+              <a:rPr lang="ko-Kore-KR" altLang="en-US" dirty="0">
+                <a:latin typeface="DM Mono" panose="020B0509040201040103" pitchFamily="49" charset="0"/>
+              </a:rPr>
+              <a:t>Sample goo()</a:t>
+            </a:r>
+          </a:p>
+          <a:p>
+            <a:r>
+              <a:rPr lang="ko-Kore-KR" altLang="en-US" dirty="0">
+                <a:latin typeface="DM Mono" panose="020B0509040201040103" pitchFamily="49" charset="0"/>
+              </a:rPr>
+              <a:t>{</a:t>
+            </a:r>
+          </a:p>
+          <a:p>
+            <a:r>
+              <a:rPr lang="ko-Kore-KR" altLang="en-US" dirty="0">
+                <a:latin typeface="DM Mono" panose="020B0509040201040103" pitchFamily="49" charset="0"/>
+              </a:rPr>
+              <a:t>  return g;</a:t>
+            </a:r>
+          </a:p>
+          <a:p>
+            <a:r>
+              <a:rPr lang="ko-Kore-KR" altLang="en-US" dirty="0">
+                <a:latin typeface="DM Mono" panose="020B0509040201040103" pitchFamily="49" charset="0"/>
+              </a:rPr>
+              <a:t>}</a:t>
+            </a:r>
+          </a:p>
+          <a:p>
+            <a:endParaRPr lang="ko-Kore-KR" altLang="en-US" dirty="0">
+              <a:latin typeface="DM Mono" panose="020B0509040201040103" pitchFamily="49" charset="0"/>
+            </a:endParaRPr>
+          </a:p>
+          <a:p>
+            <a:r>
+              <a:rPr lang="ko-Kore-KR" altLang="en-US" dirty="0">
+                <a:latin typeface="DM Mono" panose="020B0509040201040103" pitchFamily="49" charset="0"/>
+              </a:rPr>
+              <a:t>int main()</a:t>
+            </a:r>
+          </a:p>
+          <a:p>
+            <a:r>
+              <a:rPr lang="ko-Kore-KR" altLang="en-US" dirty="0">
+                <a:latin typeface="DM Mono" panose="020B0509040201040103" pitchFamily="49" charset="0"/>
+              </a:rPr>
+              <a:t>{</a:t>
+            </a:r>
+          </a:p>
+          <a:p>
+            <a:r>
+              <a:rPr lang="ko-Kore-KR" altLang="en-US" dirty="0">
+                <a:latin typeface="DM Mono" panose="020B0509040201040103" pitchFamily="49" charset="0"/>
+              </a:rPr>
+              <a:t>  goo();</a:t>
+            </a:r>
+          </a:p>
+          <a:p>
+            <a:r>
+              <a:rPr lang="ko-Kore-KR" altLang="en-US" dirty="0">
+                <a:latin typeface="DM Mono" panose="020B0509040201040103" pitchFamily="49" charset="0"/>
+              </a:rPr>
+              <a:t>}</a:t>
+            </a:r>
+          </a:p>
+        </p:txBody>
+      </p:sp>
+      <p:sp>
+        <p:nvSpPr>
+          <p:cNvPr id="6" name="직사각형 5">
+            <a:extLst>
+              <a:ext uri="{FF2B5EF4-FFF2-40B4-BE49-F238E27FC236}">
+                <a16:creationId xmlns:a16="http://schemas.microsoft.com/office/drawing/2014/main" id="{259E51A1-0AC0-80D5-EBDE-946D798DF948}"/>
+              </a:ext>
+            </a:extLst>
+          </p:cNvPr>
+          <p:cNvSpPr/>
+          <p:nvPr/>
+        </p:nvSpPr>
+        <p:spPr>
+          <a:xfrm>
+            <a:off x="7220054" y="331378"/>
+            <a:ext cx="664577" cy="355953"/>
+          </a:xfrm>
+          <a:prstGeom prst="rect">
+            <a:avLst/>
+          </a:prstGeom>
+          <a:solidFill>
+            <a:srgbClr val="FFFF00"/>
+          </a:solidFill>
+        </p:spPr>
+        <p:style>
+          <a:lnRef idx="2">
+            <a:schemeClr val="accent1">
+              <a:shade val="50000"/>
+            </a:schemeClr>
+          </a:lnRef>
+          <a:fillRef idx="1">
+            <a:schemeClr val="accent1"/>
+          </a:fillRef>
+          <a:effectRef idx="0">
+            <a:schemeClr val="accent1"/>
+          </a:effectRef>
+          <a:fontRef idx="minor">
+            <a:schemeClr val="lt1"/>
+          </a:fontRef>
+        </p:style>
+        <p:txBody>
+          <a:bodyPr rtlCol="0" anchor="ctr"/>
+          <a:lstStyle/>
+          <a:p>
+            <a:pPr algn="ctr"/>
+            <a:endParaRPr kumimoji="1" lang="ko-Kore-KR" altLang="en-US" dirty="0">
+              <a:solidFill>
+                <a:schemeClr val="tx1"/>
+              </a:solidFill>
+              <a:latin typeface="DM Mono" panose="020B0509040201040103" pitchFamily="49" charset="0"/>
+            </a:endParaRPr>
+          </a:p>
+        </p:txBody>
+      </p:sp>
+      <p:sp>
+        <p:nvSpPr>
+          <p:cNvPr id="8" name="TextBox 7">
+            <a:extLst>
+              <a:ext uri="{FF2B5EF4-FFF2-40B4-BE49-F238E27FC236}">
+                <a16:creationId xmlns:a16="http://schemas.microsoft.com/office/drawing/2014/main" id="{AA382AF0-DC4D-D2CE-9208-0E12FE0CFD2A}"/>
+              </a:ext>
+            </a:extLst>
+          </p:cNvPr>
+          <p:cNvSpPr txBox="1"/>
+          <p:nvPr/>
+        </p:nvSpPr>
+        <p:spPr>
+          <a:xfrm>
+            <a:off x="6862406" y="313980"/>
+            <a:ext cx="357648" cy="369332"/>
+          </a:xfrm>
+          <a:prstGeom prst="rect">
+            <a:avLst/>
+          </a:prstGeom>
+          <a:noFill/>
+        </p:spPr>
+        <p:txBody>
+          <a:bodyPr wrap="square">
+            <a:spAutoFit/>
+          </a:bodyPr>
+          <a:lstStyle/>
+          <a:p>
+            <a:r>
+              <a:rPr lang="ko-Kore-KR" altLang="en-US" dirty="0">
+                <a:latin typeface="DM Mono" panose="020B0509040201040103" pitchFamily="49" charset="0"/>
+              </a:rPr>
+              <a:t>g</a:t>
+            </a:r>
+            <a:endParaRPr lang="ko-Kore-KR" altLang="en-US" dirty="0"/>
+          </a:p>
+        </p:txBody>
+      </p:sp>
+      <p:sp>
+        <p:nvSpPr>
+          <p:cNvPr id="10" name="TextBox 9">
+            <a:extLst>
+              <a:ext uri="{FF2B5EF4-FFF2-40B4-BE49-F238E27FC236}">
+                <a16:creationId xmlns:a16="http://schemas.microsoft.com/office/drawing/2014/main" id="{7CF0B87B-0386-C826-074B-2BFCBA3A078C}"/>
+              </a:ext>
+            </a:extLst>
+          </p:cNvPr>
+          <p:cNvSpPr txBox="1"/>
+          <p:nvPr/>
+        </p:nvSpPr>
+        <p:spPr>
+          <a:xfrm>
+            <a:off x="5114003" y="1280255"/>
+            <a:ext cx="6098458" cy="1200329"/>
+          </a:xfrm>
+          <a:prstGeom prst="rect">
+            <a:avLst/>
+          </a:prstGeom>
+          <a:noFill/>
+        </p:spPr>
+        <p:txBody>
+          <a:bodyPr wrap="square">
+            <a:spAutoFit/>
+          </a:bodyPr>
+          <a:lstStyle/>
+          <a:p>
+            <a:r>
+              <a:rPr lang="ko-Kore-KR" altLang="en-US" dirty="0">
+                <a:latin typeface="DM Mono" panose="020B0509040201040103" pitchFamily="49" charset="0"/>
+              </a:rPr>
+              <a:t>Sample goo()</a:t>
+            </a:r>
+          </a:p>
+          <a:p>
+            <a:r>
+              <a:rPr lang="ko-Kore-KR" altLang="en-US" dirty="0">
+                <a:latin typeface="DM Mono" panose="020B0509040201040103" pitchFamily="49" charset="0"/>
+              </a:rPr>
+              <a:t>{</a:t>
+            </a:r>
+          </a:p>
+          <a:p>
+            <a:r>
+              <a:rPr lang="ko-Kore-KR" altLang="en-US" dirty="0">
+                <a:latin typeface="DM Mono" panose="020B0509040201040103" pitchFamily="49" charset="0"/>
+              </a:rPr>
+              <a:t>  </a:t>
+            </a:r>
+            <a:r>
+              <a:rPr lang="ko-Kore-KR" altLang="en-US" dirty="0">
+                <a:solidFill>
+                  <a:srgbClr val="FF0000"/>
+                </a:solidFill>
+                <a:latin typeface="DM Mono" panose="020B0509040201040103" pitchFamily="49" charset="0"/>
+              </a:rPr>
+              <a:t>return g;</a:t>
+            </a:r>
+          </a:p>
+          <a:p>
+            <a:r>
+              <a:rPr lang="ko-Kore-KR" altLang="en-US" dirty="0">
+                <a:latin typeface="DM Mono" panose="020B0509040201040103" pitchFamily="49" charset="0"/>
+              </a:rPr>
+              <a:t>}</a:t>
+            </a:r>
+          </a:p>
+        </p:txBody>
+      </p:sp>
+      <p:sp>
+        <p:nvSpPr>
+          <p:cNvPr id="11" name="직사각형 10">
+            <a:extLst>
+              <a:ext uri="{FF2B5EF4-FFF2-40B4-BE49-F238E27FC236}">
+                <a16:creationId xmlns:a16="http://schemas.microsoft.com/office/drawing/2014/main" id="{12F626AC-885E-4BCF-0CFE-45E6E1015005}"/>
+              </a:ext>
+            </a:extLst>
+          </p:cNvPr>
+          <p:cNvSpPr/>
+          <p:nvPr/>
+        </p:nvSpPr>
+        <p:spPr>
+          <a:xfrm>
+            <a:off x="5114003" y="331378"/>
+            <a:ext cx="664577" cy="355953"/>
+          </a:xfrm>
+          <a:prstGeom prst="rect">
+            <a:avLst/>
+          </a:prstGeom>
+          <a:solidFill>
+            <a:srgbClr val="FFFF00"/>
+          </a:solidFill>
+        </p:spPr>
+        <p:style>
+          <a:lnRef idx="2">
+            <a:schemeClr val="accent1">
+              <a:shade val="50000"/>
+            </a:schemeClr>
+          </a:lnRef>
+          <a:fillRef idx="1">
+            <a:schemeClr val="accent1"/>
+          </a:fillRef>
+          <a:effectRef idx="0">
+            <a:schemeClr val="accent1"/>
+          </a:effectRef>
+          <a:fontRef idx="minor">
+            <a:schemeClr val="lt1"/>
+          </a:fontRef>
+        </p:style>
+        <p:txBody>
+          <a:bodyPr rtlCol="0" anchor="ctr"/>
+          <a:lstStyle/>
+          <a:p>
+            <a:pPr algn="ctr"/>
+            <a:endParaRPr kumimoji="1" lang="ko-Kore-KR" altLang="en-US" dirty="0">
+              <a:solidFill>
+                <a:schemeClr val="tx1"/>
+              </a:solidFill>
+              <a:latin typeface="DM Mono" panose="020B0509040201040103" pitchFamily="49" charset="0"/>
+            </a:endParaRPr>
+          </a:p>
+        </p:txBody>
+      </p:sp>
+      <p:cxnSp>
+        <p:nvCxnSpPr>
+          <p:cNvPr id="14" name="구부러진 연결선[U] 13">
+            <a:extLst>
+              <a:ext uri="{FF2B5EF4-FFF2-40B4-BE49-F238E27FC236}">
+                <a16:creationId xmlns:a16="http://schemas.microsoft.com/office/drawing/2014/main" id="{B84EC49C-30E0-D09D-B8B9-F527F73CB574}"/>
+              </a:ext>
+            </a:extLst>
+          </p:cNvPr>
+          <p:cNvCxnSpPr>
+            <a:stCxn id="6" idx="2"/>
+            <a:endCxn id="11" idx="2"/>
+          </p:cNvCxnSpPr>
+          <p:nvPr/>
+        </p:nvCxnSpPr>
+        <p:spPr>
+          <a:xfrm rot="5400000">
+            <a:off x="6499318" y="-365694"/>
+            <a:ext cx="12700" cy="2106051"/>
+          </a:xfrm>
+          <a:prstGeom prst="curvedConnector3">
+            <a:avLst>
+              <a:gd name="adj1" fmla="val 2903220"/>
+            </a:avLst>
+          </a:prstGeom>
+          <a:ln w="12700">
+            <a:tailEnd type="triangle"/>
+          </a:ln>
+        </p:spPr>
+        <p:style>
+          <a:lnRef idx="1">
+            <a:schemeClr val="dk1"/>
+          </a:lnRef>
+          <a:fillRef idx="0">
+            <a:schemeClr val="dk1"/>
+          </a:fillRef>
+          <a:effectRef idx="0">
+            <a:schemeClr val="dk1"/>
+          </a:effectRef>
+          <a:fontRef idx="minor">
+            <a:schemeClr val="tx1"/>
+          </a:fontRef>
+        </p:style>
+      </p:cxnSp>
+      <p:sp>
+        <p:nvSpPr>
+          <p:cNvPr id="17" name="TextBox 16">
+            <a:extLst>
+              <a:ext uri="{FF2B5EF4-FFF2-40B4-BE49-F238E27FC236}">
+                <a16:creationId xmlns:a16="http://schemas.microsoft.com/office/drawing/2014/main" id="{9E67E8B8-2126-AE53-3354-8901FFF7FDA5}"/>
+              </a:ext>
+            </a:extLst>
+          </p:cNvPr>
+          <p:cNvSpPr txBox="1"/>
+          <p:nvPr/>
+        </p:nvSpPr>
+        <p:spPr>
+          <a:xfrm>
+            <a:off x="6129798" y="693682"/>
+            <a:ext cx="741106" cy="369332"/>
+          </a:xfrm>
+          <a:prstGeom prst="rect">
+            <a:avLst/>
+          </a:prstGeom>
+          <a:noFill/>
+        </p:spPr>
+        <p:txBody>
+          <a:bodyPr wrap="square">
+            <a:spAutoFit/>
+          </a:bodyPr>
+          <a:lstStyle/>
+          <a:p>
+            <a:r>
+              <a:rPr lang="en-US" altLang="ko-Kore-KR" dirty="0">
+                <a:latin typeface="DM Mono" panose="020B0509040201040103" pitchFamily="49" charset="0"/>
+              </a:rPr>
+              <a:t>copy</a:t>
+            </a:r>
+            <a:endParaRPr lang="ko-Kore-KR" altLang="en-US" dirty="0"/>
+          </a:p>
+        </p:txBody>
+      </p:sp>
+    </p:spTree>
+    <p:extLst>
+      <p:ext uri="{BB962C8B-B14F-4D97-AF65-F5344CB8AC3E}">
+        <p14:creationId xmlns:p14="http://schemas.microsoft.com/office/powerpoint/2010/main" val="4280177316"/>
+      </p:ext>
+    </p:extLst>
+  </p:cSld>
+  <p:clrMapOvr>
+    <a:masterClrMapping/>
+  </p:clrMapOvr>
+</p:sld>
+</file>
+
+<file path=ppt/slides/slide22.xml><?xml version="1.0" encoding="utf-8"?>
+<p:sld xmlns:a="http://schemas.openxmlformats.org/drawingml/2006/main" xmlns:r="http://schemas.openxmlformats.org/officeDocument/2006/relationships" xmlns:p="http://schemas.openxmlformats.org/presentationml/2006/main">
+  <p:cSld>
+    <p:spTree>
+      <p:nvGrpSpPr>
+        <p:cNvPr id="1" name=""/>
+        <p:cNvGrpSpPr/>
+        <p:nvPr/>
+      </p:nvGrpSpPr>
+      <p:grpSpPr>
+        <a:xfrm>
+          <a:off x="0" y="0"/>
+          <a:ext cx="0" cy="0"/>
+          <a:chOff x="0" y="0"/>
+          <a:chExt cx="0" cy="0"/>
+        </a:xfrm>
+      </p:grpSpPr>
+      <p:sp>
+        <p:nvSpPr>
+          <p:cNvPr id="5" name="TextBox 4">
+            <a:extLst>
+              <a:ext uri="{FF2B5EF4-FFF2-40B4-BE49-F238E27FC236}">
+                <a16:creationId xmlns:a16="http://schemas.microsoft.com/office/drawing/2014/main" id="{99C2F9B1-935D-7385-144F-79CD692BC18A}"/>
+              </a:ext>
+            </a:extLst>
+          </p:cNvPr>
+          <p:cNvSpPr txBox="1"/>
+          <p:nvPr/>
+        </p:nvSpPr>
+        <p:spPr>
+          <a:xfrm>
+            <a:off x="401893" y="336103"/>
+            <a:ext cx="6098458" cy="2862322"/>
+          </a:xfrm>
+          <a:prstGeom prst="rect">
+            <a:avLst/>
+          </a:prstGeom>
+          <a:noFill/>
+        </p:spPr>
+        <p:txBody>
+          <a:bodyPr wrap="square">
+            <a:spAutoFit/>
+          </a:bodyPr>
+          <a:lstStyle/>
+          <a:p>
+            <a:r>
+              <a:rPr lang="ko-Kore-KR" altLang="en-US" dirty="0">
+                <a:latin typeface="DM Mono" panose="020B0509040201040103" pitchFamily="49" charset="0"/>
+              </a:rPr>
+              <a:t>Sample g;</a:t>
+            </a:r>
+          </a:p>
+          <a:p>
+            <a:r>
+              <a:rPr lang="ko-Kore-KR" altLang="en-US" dirty="0">
+                <a:latin typeface="DM Mono" panose="020B0509040201040103" pitchFamily="49" charset="0"/>
+              </a:rPr>
+              <a:t>Sample goo()</a:t>
+            </a:r>
+          </a:p>
+          <a:p>
+            <a:r>
+              <a:rPr lang="ko-Kore-KR" altLang="en-US" dirty="0">
+                <a:latin typeface="DM Mono" panose="020B0509040201040103" pitchFamily="49" charset="0"/>
+              </a:rPr>
+              <a:t>{</a:t>
+            </a:r>
+          </a:p>
+          <a:p>
+            <a:r>
+              <a:rPr lang="ko-Kore-KR" altLang="en-US" dirty="0">
+                <a:latin typeface="DM Mono" panose="020B0509040201040103" pitchFamily="49" charset="0"/>
+              </a:rPr>
+              <a:t>  return g;</a:t>
+            </a:r>
+          </a:p>
+          <a:p>
+            <a:r>
+              <a:rPr lang="ko-Kore-KR" altLang="en-US" dirty="0">
+                <a:latin typeface="DM Mono" panose="020B0509040201040103" pitchFamily="49" charset="0"/>
+              </a:rPr>
+              <a:t>}</a:t>
+            </a:r>
+          </a:p>
+          <a:p>
+            <a:endParaRPr lang="ko-Kore-KR" altLang="en-US" dirty="0">
+              <a:latin typeface="DM Mono" panose="020B0509040201040103" pitchFamily="49" charset="0"/>
+            </a:endParaRPr>
+          </a:p>
+          <a:p>
+            <a:r>
+              <a:rPr lang="ko-Kore-KR" altLang="en-US" dirty="0">
+                <a:latin typeface="DM Mono" panose="020B0509040201040103" pitchFamily="49" charset="0"/>
+              </a:rPr>
+              <a:t>int main()</a:t>
+            </a:r>
+          </a:p>
+          <a:p>
+            <a:r>
+              <a:rPr lang="ko-Kore-KR" altLang="en-US" dirty="0">
+                <a:latin typeface="DM Mono" panose="020B0509040201040103" pitchFamily="49" charset="0"/>
+              </a:rPr>
+              <a:t>{</a:t>
+            </a:r>
+          </a:p>
+          <a:p>
+            <a:r>
+              <a:rPr lang="ko-Kore-KR" altLang="en-US" dirty="0">
+                <a:solidFill>
+                  <a:srgbClr val="FF0000"/>
+                </a:solidFill>
+                <a:latin typeface="DM Mono" panose="020B0509040201040103" pitchFamily="49" charset="0"/>
+              </a:rPr>
+              <a:t>  goo();</a:t>
+            </a:r>
+          </a:p>
+          <a:p>
+            <a:r>
+              <a:rPr lang="ko-Kore-KR" altLang="en-US" dirty="0">
+                <a:latin typeface="DM Mono" panose="020B0509040201040103" pitchFamily="49" charset="0"/>
+              </a:rPr>
+              <a:t>}</a:t>
+            </a:r>
+          </a:p>
+        </p:txBody>
+      </p:sp>
+      <p:sp>
+        <p:nvSpPr>
+          <p:cNvPr id="6" name="직사각형 5">
+            <a:extLst>
+              <a:ext uri="{FF2B5EF4-FFF2-40B4-BE49-F238E27FC236}">
+                <a16:creationId xmlns:a16="http://schemas.microsoft.com/office/drawing/2014/main" id="{259E51A1-0AC0-80D5-EBDE-946D798DF948}"/>
+              </a:ext>
+            </a:extLst>
+          </p:cNvPr>
+          <p:cNvSpPr/>
+          <p:nvPr/>
+        </p:nvSpPr>
+        <p:spPr>
+          <a:xfrm>
+            <a:off x="7220054" y="331378"/>
+            <a:ext cx="664577" cy="355953"/>
+          </a:xfrm>
+          <a:prstGeom prst="rect">
+            <a:avLst/>
+          </a:prstGeom>
+          <a:solidFill>
+            <a:srgbClr val="FFFF00"/>
+          </a:solidFill>
+        </p:spPr>
+        <p:style>
+          <a:lnRef idx="2">
+            <a:schemeClr val="accent1">
+              <a:shade val="50000"/>
+            </a:schemeClr>
+          </a:lnRef>
+          <a:fillRef idx="1">
+            <a:schemeClr val="accent1"/>
+          </a:fillRef>
+          <a:effectRef idx="0">
+            <a:schemeClr val="accent1"/>
+          </a:effectRef>
+          <a:fontRef idx="minor">
+            <a:schemeClr val="lt1"/>
+          </a:fontRef>
+        </p:style>
+        <p:txBody>
+          <a:bodyPr rtlCol="0" anchor="ctr"/>
+          <a:lstStyle/>
+          <a:p>
+            <a:pPr algn="ctr"/>
+            <a:endParaRPr kumimoji="1" lang="ko-Kore-KR" altLang="en-US" dirty="0">
+              <a:solidFill>
+                <a:schemeClr val="tx1"/>
+              </a:solidFill>
+              <a:latin typeface="DM Mono" panose="020B0509040201040103" pitchFamily="49" charset="0"/>
+            </a:endParaRPr>
+          </a:p>
+        </p:txBody>
+      </p:sp>
+      <p:sp>
+        <p:nvSpPr>
+          <p:cNvPr id="8" name="TextBox 7">
+            <a:extLst>
+              <a:ext uri="{FF2B5EF4-FFF2-40B4-BE49-F238E27FC236}">
+                <a16:creationId xmlns:a16="http://schemas.microsoft.com/office/drawing/2014/main" id="{AA382AF0-DC4D-D2CE-9208-0E12FE0CFD2A}"/>
+              </a:ext>
+            </a:extLst>
+          </p:cNvPr>
+          <p:cNvSpPr txBox="1"/>
+          <p:nvPr/>
+        </p:nvSpPr>
+        <p:spPr>
+          <a:xfrm>
+            <a:off x="6862406" y="313980"/>
+            <a:ext cx="357648" cy="369332"/>
+          </a:xfrm>
+          <a:prstGeom prst="rect">
+            <a:avLst/>
+          </a:prstGeom>
+          <a:noFill/>
+        </p:spPr>
+        <p:txBody>
+          <a:bodyPr wrap="square">
+            <a:spAutoFit/>
+          </a:bodyPr>
+          <a:lstStyle/>
+          <a:p>
+            <a:r>
+              <a:rPr lang="ko-Kore-KR" altLang="en-US" dirty="0">
+                <a:latin typeface="DM Mono" panose="020B0509040201040103" pitchFamily="49" charset="0"/>
+              </a:rPr>
+              <a:t>g</a:t>
+            </a:r>
+            <a:endParaRPr lang="ko-Kore-KR" altLang="en-US" dirty="0"/>
+          </a:p>
+        </p:txBody>
+      </p:sp>
+      <p:sp>
+        <p:nvSpPr>
+          <p:cNvPr id="11" name="직사각형 10">
+            <a:extLst>
+              <a:ext uri="{FF2B5EF4-FFF2-40B4-BE49-F238E27FC236}">
+                <a16:creationId xmlns:a16="http://schemas.microsoft.com/office/drawing/2014/main" id="{12F626AC-885E-4BCF-0CFE-45E6E1015005}"/>
+              </a:ext>
+            </a:extLst>
+          </p:cNvPr>
+          <p:cNvSpPr/>
+          <p:nvPr/>
+        </p:nvSpPr>
+        <p:spPr>
+          <a:xfrm>
+            <a:off x="5114003" y="331378"/>
+            <a:ext cx="664577" cy="355953"/>
+          </a:xfrm>
+          <a:prstGeom prst="rect">
+            <a:avLst/>
+          </a:prstGeom>
+          <a:solidFill>
+            <a:srgbClr val="FF0000"/>
+          </a:solidFill>
+        </p:spPr>
+        <p:style>
+          <a:lnRef idx="2">
+            <a:schemeClr val="accent1">
+              <a:shade val="50000"/>
+            </a:schemeClr>
+          </a:lnRef>
+          <a:fillRef idx="1">
+            <a:schemeClr val="accent1"/>
+          </a:fillRef>
+          <a:effectRef idx="0">
+            <a:schemeClr val="accent1"/>
+          </a:effectRef>
+          <a:fontRef idx="minor">
+            <a:schemeClr val="lt1"/>
+          </a:fontRef>
+        </p:style>
+        <p:txBody>
+          <a:bodyPr rtlCol="0" anchor="ctr"/>
+          <a:lstStyle/>
+          <a:p>
+            <a:pPr algn="ctr"/>
+            <a:endParaRPr kumimoji="1" lang="ko-Kore-KR" altLang="en-US" dirty="0">
+              <a:solidFill>
+                <a:schemeClr val="tx1"/>
+              </a:solidFill>
+              <a:latin typeface="DM Mono" panose="020B0509040201040103" pitchFamily="49" charset="0"/>
+            </a:endParaRPr>
+          </a:p>
+        </p:txBody>
+      </p:sp>
+      <p:cxnSp>
+        <p:nvCxnSpPr>
+          <p:cNvPr id="14" name="구부러진 연결선[U] 13">
+            <a:extLst>
+              <a:ext uri="{FF2B5EF4-FFF2-40B4-BE49-F238E27FC236}">
+                <a16:creationId xmlns:a16="http://schemas.microsoft.com/office/drawing/2014/main" id="{B84EC49C-30E0-D09D-B8B9-F527F73CB574}"/>
+              </a:ext>
+            </a:extLst>
+          </p:cNvPr>
+          <p:cNvCxnSpPr>
+            <a:stCxn id="6" idx="2"/>
+            <a:endCxn id="11" idx="2"/>
+          </p:cNvCxnSpPr>
+          <p:nvPr/>
+        </p:nvCxnSpPr>
+        <p:spPr>
+          <a:xfrm rot="5400000">
+            <a:off x="6499318" y="-365694"/>
+            <a:ext cx="12700" cy="2106051"/>
+          </a:xfrm>
+          <a:prstGeom prst="curvedConnector3">
+            <a:avLst>
+              <a:gd name="adj1" fmla="val 2903220"/>
+            </a:avLst>
+          </a:prstGeom>
+          <a:ln w="12700">
+            <a:tailEnd type="triangle"/>
+          </a:ln>
+        </p:spPr>
+        <p:style>
+          <a:lnRef idx="1">
+            <a:schemeClr val="dk1"/>
+          </a:lnRef>
+          <a:fillRef idx="0">
+            <a:schemeClr val="dk1"/>
+          </a:fillRef>
+          <a:effectRef idx="0">
+            <a:schemeClr val="dk1"/>
+          </a:effectRef>
+          <a:fontRef idx="minor">
+            <a:schemeClr val="tx1"/>
+          </a:fontRef>
+        </p:style>
+      </p:cxnSp>
+      <p:sp>
+        <p:nvSpPr>
+          <p:cNvPr id="17" name="TextBox 16">
+            <a:extLst>
+              <a:ext uri="{FF2B5EF4-FFF2-40B4-BE49-F238E27FC236}">
+                <a16:creationId xmlns:a16="http://schemas.microsoft.com/office/drawing/2014/main" id="{9E67E8B8-2126-AE53-3354-8901FFF7FDA5}"/>
+              </a:ext>
+            </a:extLst>
+          </p:cNvPr>
+          <p:cNvSpPr txBox="1"/>
+          <p:nvPr/>
+        </p:nvSpPr>
+        <p:spPr>
+          <a:xfrm>
+            <a:off x="6129798" y="693682"/>
+            <a:ext cx="741106" cy="369332"/>
+          </a:xfrm>
+          <a:prstGeom prst="rect">
+            <a:avLst/>
+          </a:prstGeom>
+          <a:noFill/>
+        </p:spPr>
+        <p:txBody>
+          <a:bodyPr wrap="square">
+            <a:spAutoFit/>
+          </a:bodyPr>
+          <a:lstStyle/>
+          <a:p>
+            <a:r>
+              <a:rPr lang="en-US" altLang="ko-Kore-KR" dirty="0">
+                <a:latin typeface="DM Mono" panose="020B0509040201040103" pitchFamily="49" charset="0"/>
+              </a:rPr>
+              <a:t>copy</a:t>
+            </a:r>
+            <a:endParaRPr lang="ko-Kore-KR" altLang="en-US" dirty="0"/>
+          </a:p>
+        </p:txBody>
+      </p:sp>
+      <p:sp>
+        <p:nvSpPr>
+          <p:cNvPr id="2" name="TextBox 1">
+            <a:extLst>
+              <a:ext uri="{FF2B5EF4-FFF2-40B4-BE49-F238E27FC236}">
+                <a16:creationId xmlns:a16="http://schemas.microsoft.com/office/drawing/2014/main" id="{D0C2DFB8-753F-DF03-7AD2-306B467E693D}"/>
+              </a:ext>
+            </a:extLst>
+          </p:cNvPr>
+          <p:cNvSpPr txBox="1"/>
+          <p:nvPr/>
+        </p:nvSpPr>
+        <p:spPr>
+          <a:xfrm>
+            <a:off x="5082089" y="0"/>
+            <a:ext cx="741106" cy="369332"/>
+          </a:xfrm>
+          <a:prstGeom prst="rect">
+            <a:avLst/>
+          </a:prstGeom>
+          <a:noFill/>
+        </p:spPr>
+        <p:txBody>
+          <a:bodyPr wrap="square">
+            <a:spAutoFit/>
+          </a:bodyPr>
+          <a:lstStyle/>
+          <a:p>
+            <a:r>
+              <a:rPr lang="ko-KR" altLang="en-US" dirty="0">
+                <a:latin typeface="DM Mono" panose="020B0509040201040103" pitchFamily="49" charset="0"/>
+              </a:rPr>
+              <a:t>파괴</a:t>
+            </a:r>
+            <a:endParaRPr lang="ko-Kore-KR" altLang="en-US" dirty="0"/>
+          </a:p>
+        </p:txBody>
+      </p:sp>
+    </p:spTree>
+    <p:extLst>
+      <p:ext uri="{BB962C8B-B14F-4D97-AF65-F5344CB8AC3E}">
+        <p14:creationId xmlns:p14="http://schemas.microsoft.com/office/powerpoint/2010/main" val="3150664680"/>
       </p:ext>
     </p:extLst>
   </p:cSld>

--- a/221114.pptx
+++ b/221114.pptx
@@ -16814,6 +16814,99 @@
           </a:fontRef>
         </p:style>
       </p:cxnSp>
+      <p:sp>
+        <p:nvSpPr>
+          <p:cNvPr id="27" name="TextBox 26">
+            <a:extLst>
+              <a:ext uri="{FF2B5EF4-FFF2-40B4-BE49-F238E27FC236}">
+                <a16:creationId xmlns:a16="http://schemas.microsoft.com/office/drawing/2014/main" id="{2CFA9D36-4658-80FC-1FEC-47216F49F7FB}"/>
+              </a:ext>
+            </a:extLst>
+          </p:cNvPr>
+          <p:cNvSpPr txBox="1"/>
+          <p:nvPr/>
+        </p:nvSpPr>
+        <p:spPr>
+          <a:xfrm>
+            <a:off x="440831" y="258209"/>
+            <a:ext cx="4935641" cy="1815882"/>
+          </a:xfrm>
+          <a:prstGeom prst="rect">
+            <a:avLst/>
+          </a:prstGeom>
+          <a:noFill/>
+        </p:spPr>
+        <p:txBody>
+          <a:bodyPr wrap="square">
+            <a:spAutoFit/>
+          </a:bodyPr>
+          <a:lstStyle/>
+          <a:p>
+            <a:r>
+              <a:rPr lang="ko-Kore-KR" altLang="en-US" sz="1400" dirty="0">
+                <a:latin typeface="DM Mono" panose="020B0509040201040103" pitchFamily="49" charset="0"/>
+              </a:rPr>
+              <a:t> User(const char *s, int n)</a:t>
+            </a:r>
+          </a:p>
+          <a:p>
+            <a:r>
+              <a:rPr lang="ko-Kore-KR" altLang="en-US" sz="1400" dirty="0">
+                <a:latin typeface="DM Mono" panose="020B0509040201040103" pitchFamily="49" charset="0"/>
+              </a:rPr>
+              <a:t>      : age(n)</a:t>
+            </a:r>
+          </a:p>
+          <a:p>
+            <a:r>
+              <a:rPr lang="ko-Kore-KR" altLang="en-US" sz="1400" dirty="0">
+                <a:latin typeface="DM Mono" panose="020B0509040201040103" pitchFamily="49" charset="0"/>
+              </a:rPr>
+              <a:t>  {</a:t>
+            </a:r>
+          </a:p>
+          <a:p>
+            <a:r>
+              <a:rPr lang="ko-Kore-KR" altLang="en-US" sz="1400" dirty="0">
+                <a:latin typeface="DM Mono" panose="020B0509040201040103" pitchFamily="49" charset="0"/>
+              </a:rPr>
+              <a:t>    name = new char[strlen(s) + 1];</a:t>
+            </a:r>
+          </a:p>
+          <a:p>
+            <a:r>
+              <a:rPr lang="ko-Kore-KR" altLang="en-US" sz="1400" dirty="0">
+                <a:latin typeface="DM Mono" panose="020B0509040201040103" pitchFamily="49" charset="0"/>
+              </a:rPr>
+              <a:t>    strcpy(name, s);</a:t>
+            </a:r>
+          </a:p>
+          <a:p>
+            <a:endParaRPr lang="ko-Kore-KR" altLang="en-US" sz="1400" dirty="0">
+              <a:latin typeface="DM Mono" panose="020B0509040201040103" pitchFamily="49" charset="0"/>
+            </a:endParaRPr>
+          </a:p>
+          <a:p>
+            <a:r>
+              <a:rPr lang="ko-Kore-KR" altLang="en-US" sz="1400" dirty="0">
+                <a:solidFill>
+                  <a:srgbClr val="FF0000"/>
+                </a:solidFill>
+                <a:latin typeface="DM Mono" panose="020B0509040201040103" pitchFamily="49" charset="0"/>
+              </a:rPr>
+              <a:t>    ref = new int(1);</a:t>
+            </a:r>
+          </a:p>
+          <a:p>
+            <a:r>
+              <a:rPr lang="ko-Kore-KR" altLang="en-US" sz="1400" dirty="0">
+                <a:latin typeface="DM Mono" panose="020B0509040201040103" pitchFamily="49" charset="0"/>
+              </a:rPr>
+              <a:t>  }</a:t>
+            </a:r>
+          </a:p>
+        </p:txBody>
+      </p:sp>
     </p:spTree>
     <p:extLst>
       <p:ext uri="{BB962C8B-B14F-4D97-AF65-F5344CB8AC3E}">
@@ -17850,6 +17943,78 @@
           </a:fontRef>
         </p:style>
       </p:cxnSp>
+      <p:sp>
+        <p:nvSpPr>
+          <p:cNvPr id="33" name="TextBox 32">
+            <a:extLst>
+              <a:ext uri="{FF2B5EF4-FFF2-40B4-BE49-F238E27FC236}">
+                <a16:creationId xmlns:a16="http://schemas.microsoft.com/office/drawing/2014/main" id="{7B8756E5-F22B-D9CF-CA34-343A3E385C31}"/>
+              </a:ext>
+            </a:extLst>
+          </p:cNvPr>
+          <p:cNvSpPr txBox="1"/>
+          <p:nvPr/>
+        </p:nvSpPr>
+        <p:spPr>
+          <a:xfrm>
+            <a:off x="189875" y="361473"/>
+            <a:ext cx="5151620" cy="1015663"/>
+          </a:xfrm>
+          <a:prstGeom prst="rect">
+            <a:avLst/>
+          </a:prstGeom>
+          <a:noFill/>
+        </p:spPr>
+        <p:txBody>
+          <a:bodyPr wrap="square">
+            <a:spAutoFit/>
+          </a:bodyPr>
+          <a:lstStyle/>
+          <a:p>
+            <a:r>
+              <a:rPr lang="ko-Kore-KR" altLang="en-US" sz="1200" dirty="0">
+                <a:latin typeface="DM Mono" panose="020B0509040201040103" pitchFamily="49" charset="0"/>
+              </a:rPr>
+              <a:t> User(const User &amp;rhs)</a:t>
+            </a:r>
+          </a:p>
+          <a:p>
+            <a:r>
+              <a:rPr lang="ko-Kore-KR" altLang="en-US" sz="1200" dirty="0">
+                <a:latin typeface="DM Mono" panose="020B0509040201040103" pitchFamily="49" charset="0"/>
+              </a:rPr>
+              <a:t>      : name(rhs.name), age(rhs.age), ref(rhs.ref)</a:t>
+            </a:r>
+          </a:p>
+          <a:p>
+            <a:r>
+              <a:rPr lang="ko-Kore-KR" altLang="en-US" sz="1200" dirty="0">
+                <a:latin typeface="DM Mono" panose="020B0509040201040103" pitchFamily="49" charset="0"/>
+              </a:rPr>
+              <a:t>  {</a:t>
+            </a:r>
+          </a:p>
+          <a:p>
+            <a:r>
+              <a:rPr lang="ko-Kore-KR" altLang="en-US" sz="1200" dirty="0">
+                <a:solidFill>
+                  <a:srgbClr val="FF0000"/>
+                </a:solidFill>
+                <a:latin typeface="DM Mono" panose="020B0509040201040103" pitchFamily="49" charset="0"/>
+              </a:rPr>
+              <a:t>    ++(*ref);</a:t>
+            </a:r>
+          </a:p>
+          <a:p>
+            <a:r>
+              <a:rPr lang="ko-Kore-KR" altLang="en-US" sz="1200" dirty="0">
+                <a:latin typeface="DM Mono" panose="020B0509040201040103" pitchFamily="49" charset="0"/>
+              </a:rPr>
+              <a:t>  }</a:t>
+            </a:r>
+          </a:p>
+        </p:txBody>
+      </p:sp>
     </p:spTree>
     <p:extLst>
       <p:ext uri="{BB962C8B-B14F-4D97-AF65-F5344CB8AC3E}">
@@ -18239,17 +18404,11 @@
           <a:p>
             <a:r>
               <a:rPr lang="ko-Kore-KR" altLang="en-US" dirty="0">
-                <a:solidFill>
-                  <a:srgbClr val="FF0000"/>
-                </a:solidFill>
                 <a:latin typeface="DM Mono" panose="020B0509040201040103" pitchFamily="49" charset="0"/>
               </a:rPr>
               <a:t>User user2 = user1;</a:t>
             </a:r>
             <a:endParaRPr lang="en-US" altLang="ko-Kore-KR" dirty="0">
-              <a:solidFill>
-                <a:srgbClr val="FF0000"/>
-              </a:solidFill>
               <a:latin typeface="DM Mono" panose="020B0509040201040103" pitchFamily="49" charset="0"/>
             </a:endParaRPr>
           </a:p>
@@ -19651,6 +19810,78 @@
           </a:fontRef>
         </p:style>
       </p:cxnSp>
+      <p:sp>
+        <p:nvSpPr>
+          <p:cNvPr id="42" name="TextBox 41">
+            <a:extLst>
+              <a:ext uri="{FF2B5EF4-FFF2-40B4-BE49-F238E27FC236}">
+                <a16:creationId xmlns:a16="http://schemas.microsoft.com/office/drawing/2014/main" id="{07DD01B5-4215-35DF-3A32-A0FF9BDB01FE}"/>
+              </a:ext>
+            </a:extLst>
+          </p:cNvPr>
+          <p:cNvSpPr txBox="1"/>
+          <p:nvPr/>
+        </p:nvSpPr>
+        <p:spPr>
+          <a:xfrm>
+            <a:off x="189875" y="361473"/>
+            <a:ext cx="5151620" cy="1015663"/>
+          </a:xfrm>
+          <a:prstGeom prst="rect">
+            <a:avLst/>
+          </a:prstGeom>
+          <a:noFill/>
+        </p:spPr>
+        <p:txBody>
+          <a:bodyPr wrap="square">
+            <a:spAutoFit/>
+          </a:bodyPr>
+          <a:lstStyle/>
+          <a:p>
+            <a:r>
+              <a:rPr lang="ko-Kore-KR" altLang="en-US" sz="1200" dirty="0">
+                <a:latin typeface="DM Mono" panose="020B0509040201040103" pitchFamily="49" charset="0"/>
+              </a:rPr>
+              <a:t> User(const User &amp;rhs)</a:t>
+            </a:r>
+          </a:p>
+          <a:p>
+            <a:r>
+              <a:rPr lang="ko-Kore-KR" altLang="en-US" sz="1200" dirty="0">
+                <a:latin typeface="DM Mono" panose="020B0509040201040103" pitchFamily="49" charset="0"/>
+              </a:rPr>
+              <a:t>      : name(rhs.name), age(rhs.age), ref(rhs.ref)</a:t>
+            </a:r>
+          </a:p>
+          <a:p>
+            <a:r>
+              <a:rPr lang="ko-Kore-KR" altLang="en-US" sz="1200" dirty="0">
+                <a:latin typeface="DM Mono" panose="020B0509040201040103" pitchFamily="49" charset="0"/>
+              </a:rPr>
+              <a:t>  {</a:t>
+            </a:r>
+          </a:p>
+          <a:p>
+            <a:r>
+              <a:rPr lang="ko-Kore-KR" altLang="en-US" sz="1200" dirty="0">
+                <a:solidFill>
+                  <a:srgbClr val="FF0000"/>
+                </a:solidFill>
+                <a:latin typeface="DM Mono" panose="020B0509040201040103" pitchFamily="49" charset="0"/>
+              </a:rPr>
+              <a:t>    ++(*ref);</a:t>
+            </a:r>
+          </a:p>
+          <a:p>
+            <a:r>
+              <a:rPr lang="ko-Kore-KR" altLang="en-US" sz="1200" dirty="0">
+                <a:latin typeface="DM Mono" panose="020B0509040201040103" pitchFamily="49" charset="0"/>
+              </a:rPr>
+              <a:t>  }</a:t>
+            </a:r>
+          </a:p>
+        </p:txBody>
+      </p:sp>
     </p:spTree>
     <p:extLst>
       <p:ext uri="{BB962C8B-B14F-4D97-AF65-F5344CB8AC3E}">
@@ -21031,6 +21262,99 @@
           </a:p>
         </p:txBody>
       </p:sp>
+      <p:sp>
+        <p:nvSpPr>
+          <p:cNvPr id="32" name="TextBox 31">
+            <a:extLst>
+              <a:ext uri="{FF2B5EF4-FFF2-40B4-BE49-F238E27FC236}">
+                <a16:creationId xmlns:a16="http://schemas.microsoft.com/office/drawing/2014/main" id="{04E91AED-7733-054C-C5AE-488EF33A8F33}"/>
+              </a:ext>
+            </a:extLst>
+          </p:cNvPr>
+          <p:cNvSpPr txBox="1"/>
+          <p:nvPr/>
+        </p:nvSpPr>
+        <p:spPr>
+          <a:xfrm>
+            <a:off x="422997" y="394197"/>
+            <a:ext cx="4178983" cy="2308324"/>
+          </a:xfrm>
+          <a:prstGeom prst="rect">
+            <a:avLst/>
+          </a:prstGeom>
+          <a:noFill/>
+        </p:spPr>
+        <p:txBody>
+          <a:bodyPr wrap="square">
+            <a:spAutoFit/>
+          </a:bodyPr>
+          <a:lstStyle/>
+          <a:p>
+            <a:r>
+              <a:rPr lang="ko-Kore-KR" altLang="en-US" dirty="0">
+                <a:latin typeface="DM Mono" panose="020B0509040201040103" pitchFamily="49" charset="0"/>
+              </a:rPr>
+              <a:t> ~User()</a:t>
+            </a:r>
+          </a:p>
+          <a:p>
+            <a:r>
+              <a:rPr lang="ko-Kore-KR" altLang="en-US" dirty="0">
+                <a:latin typeface="DM Mono" panose="020B0509040201040103" pitchFamily="49" charset="0"/>
+              </a:rPr>
+              <a:t>  {</a:t>
+            </a:r>
+          </a:p>
+          <a:p>
+            <a:r>
+              <a:rPr lang="ko-Kore-KR" altLang="en-US" dirty="0">
+                <a:latin typeface="DM Mono" panose="020B0509040201040103" pitchFamily="49" charset="0"/>
+              </a:rPr>
+              <a:t>    if (--(*ref) == 0)</a:t>
+            </a:r>
+          </a:p>
+          <a:p>
+            <a:r>
+              <a:rPr lang="ko-Kore-KR" altLang="en-US" dirty="0">
+                <a:latin typeface="DM Mono" panose="020B0509040201040103" pitchFamily="49" charset="0"/>
+              </a:rPr>
+              <a:t>    {</a:t>
+            </a:r>
+          </a:p>
+          <a:p>
+            <a:r>
+              <a:rPr lang="ko-Kore-KR" altLang="en-US" dirty="0">
+                <a:latin typeface="DM Mono" panose="020B0509040201040103" pitchFamily="49" charset="0"/>
+              </a:rPr>
+              <a:t>      delete[] name;</a:t>
+            </a:r>
+          </a:p>
+          <a:p>
+            <a:r>
+              <a:rPr lang="ko-Kore-KR" altLang="en-US" dirty="0">
+                <a:latin typeface="DM Mono" panose="020B0509040201040103" pitchFamily="49" charset="0"/>
+              </a:rPr>
+              <a:t>      delete ref;</a:t>
+            </a:r>
+          </a:p>
+          <a:p>
+            <a:r>
+              <a:rPr lang="ko-Kore-KR" altLang="en-US" dirty="0">
+                <a:latin typeface="DM Mono" panose="020B0509040201040103" pitchFamily="49" charset="0"/>
+              </a:rPr>
+              <a:t>    }</a:t>
+            </a:r>
+          </a:p>
+          <a:p>
+            <a:r>
+              <a:rPr lang="ko-Kore-KR" altLang="en-US" dirty="0">
+                <a:latin typeface="DM Mono" panose="020B0509040201040103" pitchFamily="49" charset="0"/>
+              </a:rPr>
+              <a:t>  }</a:t>
+            </a:r>
+          </a:p>
+        </p:txBody>
+      </p:sp>
     </p:spTree>
     <p:extLst>
       <p:ext uri="{BB962C8B-B14F-4D97-AF65-F5344CB8AC3E}">
@@ -21992,6 +22316,99 @@
           </a:p>
         </p:txBody>
       </p:sp>
+      <p:sp>
+        <p:nvSpPr>
+          <p:cNvPr id="30" name="TextBox 29">
+            <a:extLst>
+              <a:ext uri="{FF2B5EF4-FFF2-40B4-BE49-F238E27FC236}">
+                <a16:creationId xmlns:a16="http://schemas.microsoft.com/office/drawing/2014/main" id="{A64F064F-3FA3-6A21-C7BF-AED3D2BF22EE}"/>
+              </a:ext>
+            </a:extLst>
+          </p:cNvPr>
+          <p:cNvSpPr txBox="1"/>
+          <p:nvPr/>
+        </p:nvSpPr>
+        <p:spPr>
+          <a:xfrm>
+            <a:off x="422997" y="394197"/>
+            <a:ext cx="4178983" cy="2308324"/>
+          </a:xfrm>
+          <a:prstGeom prst="rect">
+            <a:avLst/>
+          </a:prstGeom>
+          <a:noFill/>
+        </p:spPr>
+        <p:txBody>
+          <a:bodyPr wrap="square">
+            <a:spAutoFit/>
+          </a:bodyPr>
+          <a:lstStyle/>
+          <a:p>
+            <a:r>
+              <a:rPr lang="ko-Kore-KR" altLang="en-US" dirty="0">
+                <a:latin typeface="DM Mono" panose="020B0509040201040103" pitchFamily="49" charset="0"/>
+              </a:rPr>
+              <a:t> ~User()</a:t>
+            </a:r>
+          </a:p>
+          <a:p>
+            <a:r>
+              <a:rPr lang="ko-Kore-KR" altLang="en-US" dirty="0">
+                <a:latin typeface="DM Mono" panose="020B0509040201040103" pitchFamily="49" charset="0"/>
+              </a:rPr>
+              <a:t>  {</a:t>
+            </a:r>
+          </a:p>
+          <a:p>
+            <a:r>
+              <a:rPr lang="ko-Kore-KR" altLang="en-US" dirty="0">
+                <a:latin typeface="DM Mono" panose="020B0509040201040103" pitchFamily="49" charset="0"/>
+              </a:rPr>
+              <a:t>    if (--(*ref) == 0)</a:t>
+            </a:r>
+          </a:p>
+          <a:p>
+            <a:r>
+              <a:rPr lang="ko-Kore-KR" altLang="en-US" dirty="0">
+                <a:latin typeface="DM Mono" panose="020B0509040201040103" pitchFamily="49" charset="0"/>
+              </a:rPr>
+              <a:t>    {</a:t>
+            </a:r>
+          </a:p>
+          <a:p>
+            <a:r>
+              <a:rPr lang="ko-Kore-KR" altLang="en-US" dirty="0">
+                <a:latin typeface="DM Mono" panose="020B0509040201040103" pitchFamily="49" charset="0"/>
+              </a:rPr>
+              <a:t>      delete[] name;</a:t>
+            </a:r>
+          </a:p>
+          <a:p>
+            <a:r>
+              <a:rPr lang="ko-Kore-KR" altLang="en-US" dirty="0">
+                <a:latin typeface="DM Mono" panose="020B0509040201040103" pitchFamily="49" charset="0"/>
+              </a:rPr>
+              <a:t>      delete ref;</a:t>
+            </a:r>
+          </a:p>
+          <a:p>
+            <a:r>
+              <a:rPr lang="ko-Kore-KR" altLang="en-US" dirty="0">
+                <a:latin typeface="DM Mono" panose="020B0509040201040103" pitchFamily="49" charset="0"/>
+              </a:rPr>
+              <a:t>    }</a:t>
+            </a:r>
+          </a:p>
+          <a:p>
+            <a:r>
+              <a:rPr lang="ko-Kore-KR" altLang="en-US" dirty="0">
+                <a:latin typeface="DM Mono" panose="020B0509040201040103" pitchFamily="49" charset="0"/>
+              </a:rPr>
+              <a:t>  }</a:t>
+            </a:r>
+          </a:p>
+        </p:txBody>
+      </p:sp>
     </p:spTree>
     <p:extLst>
       <p:ext uri="{BB962C8B-B14F-4D97-AF65-F5344CB8AC3E}">
@@ -22620,6 +23037,120 @@
           </a:fontRef>
         </p:style>
       </p:cxnSp>
+      <p:sp>
+        <p:nvSpPr>
+          <p:cNvPr id="16" name="TextBox 15">
+            <a:extLst>
+              <a:ext uri="{FF2B5EF4-FFF2-40B4-BE49-F238E27FC236}">
+                <a16:creationId xmlns:a16="http://schemas.microsoft.com/office/drawing/2014/main" id="{EC79B4E7-29D9-6607-7ED3-5D19F8A96935}"/>
+              </a:ext>
+            </a:extLst>
+          </p:cNvPr>
+          <p:cNvSpPr txBox="1"/>
+          <p:nvPr/>
+        </p:nvSpPr>
+        <p:spPr>
+          <a:xfrm>
+            <a:off x="422997" y="394197"/>
+            <a:ext cx="4178983" cy="2308324"/>
+          </a:xfrm>
+          <a:prstGeom prst="rect">
+            <a:avLst/>
+          </a:prstGeom>
+          <a:noFill/>
+        </p:spPr>
+        <p:txBody>
+          <a:bodyPr wrap="square">
+            <a:spAutoFit/>
+          </a:bodyPr>
+          <a:lstStyle/>
+          <a:p>
+            <a:r>
+              <a:rPr lang="ko-Kore-KR" altLang="en-US" dirty="0">
+                <a:latin typeface="DM Mono" panose="020B0509040201040103" pitchFamily="49" charset="0"/>
+              </a:rPr>
+              <a:t> ~User()</a:t>
+            </a:r>
+          </a:p>
+          <a:p>
+            <a:r>
+              <a:rPr lang="ko-Kore-KR" altLang="en-US" dirty="0">
+                <a:latin typeface="DM Mono" panose="020B0509040201040103" pitchFamily="49" charset="0"/>
+              </a:rPr>
+              <a:t>  {</a:t>
+            </a:r>
+          </a:p>
+          <a:p>
+            <a:r>
+              <a:rPr lang="ko-Kore-KR" altLang="en-US" dirty="0">
+                <a:latin typeface="DM Mono" panose="020B0509040201040103" pitchFamily="49" charset="0"/>
+              </a:rPr>
+              <a:t>    if (--(*ref) </a:t>
+            </a:r>
+            <a:r>
+              <a:rPr lang="ko-Kore-KR" altLang="en-US" dirty="0">
+                <a:solidFill>
+                  <a:srgbClr val="FF0000"/>
+                </a:solidFill>
+                <a:latin typeface="DM Mono" panose="020B0509040201040103" pitchFamily="49" charset="0"/>
+              </a:rPr>
+              <a:t>== 0</a:t>
+            </a:r>
+            <a:r>
+              <a:rPr lang="ko-Kore-KR" altLang="en-US" dirty="0">
+                <a:latin typeface="DM Mono" panose="020B0509040201040103" pitchFamily="49" charset="0"/>
+              </a:rPr>
+              <a:t>)</a:t>
+            </a:r>
+          </a:p>
+          <a:p>
+            <a:r>
+              <a:rPr lang="ko-Kore-KR" altLang="en-US" dirty="0">
+                <a:latin typeface="DM Mono" panose="020B0509040201040103" pitchFamily="49" charset="0"/>
+              </a:rPr>
+              <a:t>    {</a:t>
+            </a:r>
+          </a:p>
+          <a:p>
+            <a:r>
+              <a:rPr lang="ko-Kore-KR" altLang="en-US" dirty="0">
+                <a:solidFill>
+                  <a:srgbClr val="FF0000"/>
+                </a:solidFill>
+                <a:latin typeface="DM Mono" panose="020B0509040201040103" pitchFamily="49" charset="0"/>
+              </a:rPr>
+              <a:t>      delete[] name;</a:t>
+            </a:r>
+          </a:p>
+          <a:p>
+            <a:r>
+              <a:rPr lang="ko-Kore-KR" altLang="en-US" dirty="0">
+                <a:solidFill>
+                  <a:srgbClr val="FF0000"/>
+                </a:solidFill>
+                <a:latin typeface="DM Mono" panose="020B0509040201040103" pitchFamily="49" charset="0"/>
+              </a:rPr>
+              <a:t>      delete ref;</a:t>
+            </a:r>
+          </a:p>
+          <a:p>
+            <a:r>
+              <a:rPr lang="ko-Kore-KR" altLang="en-US" dirty="0">
+                <a:latin typeface="DM Mono" panose="020B0509040201040103" pitchFamily="49" charset="0"/>
+              </a:rPr>
+              <a:t>    }</a:t>
+            </a:r>
+          </a:p>
+          <a:p>
+            <a:r>
+              <a:rPr lang="ko-Kore-KR" altLang="en-US" dirty="0">
+                <a:latin typeface="DM Mono" panose="020B0509040201040103" pitchFamily="49" charset="0"/>
+              </a:rPr>
+              <a:t>  }</a:t>
+            </a:r>
+          </a:p>
+        </p:txBody>
+      </p:sp>
     </p:spTree>
     <p:extLst>
       <p:ext uri="{BB962C8B-B14F-4D97-AF65-F5344CB8AC3E}">

--- a/221114.pptx
+++ b/221114.pptx
@@ -38,6 +38,7 @@
     <p:sldId id="286" r:id="rId32"/>
     <p:sldId id="287" r:id="rId33"/>
     <p:sldId id="288" r:id="rId34"/>
+    <p:sldId id="290" r:id="rId35"/>
   </p:sldIdLst>
   <p:sldSz cx="12192000" cy="6858000"/>
   <p:notesSz cx="6858000" cy="9144000"/>
@@ -23155,6 +23156,577 @@
     <p:extLst>
       <p:ext uri="{BB962C8B-B14F-4D97-AF65-F5344CB8AC3E}">
         <p14:creationId xmlns:p14="http://schemas.microsoft.com/office/powerpoint/2010/main" val="2381189931"/>
+      </p:ext>
+    </p:extLst>
+  </p:cSld>
+  <p:clrMapOvr>
+    <a:masterClrMapping/>
+  </p:clrMapOvr>
+</p:sld>
+</file>
+
+<file path=ppt/slides/slide34.xml><?xml version="1.0" encoding="utf-8"?>
+<p:sld xmlns:a="http://schemas.openxmlformats.org/drawingml/2006/main" xmlns:r="http://schemas.openxmlformats.org/officeDocument/2006/relationships" xmlns:p="http://schemas.openxmlformats.org/presentationml/2006/main">
+  <p:cSld>
+    <p:spTree>
+      <p:nvGrpSpPr>
+        <p:cNvPr id="1" name=""/>
+        <p:cNvGrpSpPr/>
+        <p:nvPr/>
+      </p:nvGrpSpPr>
+      <p:grpSpPr>
+        <a:xfrm>
+          <a:off x="0" y="0"/>
+          <a:ext cx="0" cy="0"/>
+          <a:chOff x="0" y="0"/>
+          <a:chExt cx="0" cy="0"/>
+        </a:xfrm>
+      </p:grpSpPr>
+      <p:sp>
+        <p:nvSpPr>
+          <p:cNvPr id="8" name="직사각형 7">
+            <a:extLst>
+              <a:ext uri="{FF2B5EF4-FFF2-40B4-BE49-F238E27FC236}">
+                <a16:creationId xmlns:a16="http://schemas.microsoft.com/office/drawing/2014/main" id="{8A41E5E3-1733-19EA-47D5-21BE914E1DC5}"/>
+              </a:ext>
+            </a:extLst>
+          </p:cNvPr>
+          <p:cNvSpPr/>
+          <p:nvPr/>
+        </p:nvSpPr>
+        <p:spPr>
+          <a:xfrm>
+            <a:off x="2495414" y="1156000"/>
+            <a:ext cx="664577" cy="355953"/>
+          </a:xfrm>
+          <a:prstGeom prst="rect">
+            <a:avLst/>
+          </a:prstGeom>
+          <a:solidFill>
+            <a:srgbClr val="FFFF00"/>
+          </a:solidFill>
+        </p:spPr>
+        <p:style>
+          <a:lnRef idx="2">
+            <a:schemeClr val="accent1">
+              <a:shade val="50000"/>
+            </a:schemeClr>
+          </a:lnRef>
+          <a:fillRef idx="1">
+            <a:schemeClr val="accent1"/>
+          </a:fillRef>
+          <a:effectRef idx="0">
+            <a:schemeClr val="accent1"/>
+          </a:effectRef>
+          <a:fontRef idx="minor">
+            <a:schemeClr val="lt1"/>
+          </a:fontRef>
+        </p:style>
+        <p:txBody>
+          <a:bodyPr rtlCol="0" anchor="ctr"/>
+          <a:lstStyle/>
+          <a:p>
+            <a:pPr algn="ctr"/>
+            <a:endParaRPr kumimoji="1" lang="ko-Kore-KR" altLang="en-US" dirty="0">
+              <a:solidFill>
+                <a:schemeClr val="tx1"/>
+              </a:solidFill>
+              <a:latin typeface="DM Mono" panose="020B0509040201040103" pitchFamily="49" charset="0"/>
+            </a:endParaRPr>
+          </a:p>
+        </p:txBody>
+      </p:sp>
+      <p:sp>
+        <p:nvSpPr>
+          <p:cNvPr id="9" name="직사각형 8">
+            <a:extLst>
+              <a:ext uri="{FF2B5EF4-FFF2-40B4-BE49-F238E27FC236}">
+                <a16:creationId xmlns:a16="http://schemas.microsoft.com/office/drawing/2014/main" id="{FDFB2798-A3AF-1AEE-8599-EBF7F679C7CE}"/>
+              </a:ext>
+            </a:extLst>
+          </p:cNvPr>
+          <p:cNvSpPr/>
+          <p:nvPr/>
+        </p:nvSpPr>
+        <p:spPr>
+          <a:xfrm>
+            <a:off x="2495413" y="1511953"/>
+            <a:ext cx="664577" cy="355953"/>
+          </a:xfrm>
+          <a:prstGeom prst="rect">
+            <a:avLst/>
+          </a:prstGeom>
+          <a:solidFill>
+            <a:srgbClr val="FFFF00"/>
+          </a:solidFill>
+        </p:spPr>
+        <p:style>
+          <a:lnRef idx="2">
+            <a:schemeClr val="accent1">
+              <a:shade val="50000"/>
+            </a:schemeClr>
+          </a:lnRef>
+          <a:fillRef idx="1">
+            <a:schemeClr val="accent1"/>
+          </a:fillRef>
+          <a:effectRef idx="0">
+            <a:schemeClr val="accent1"/>
+          </a:effectRef>
+          <a:fontRef idx="minor">
+            <a:schemeClr val="lt1"/>
+          </a:fontRef>
+        </p:style>
+        <p:txBody>
+          <a:bodyPr rtlCol="0" anchor="ctr"/>
+          <a:lstStyle/>
+          <a:p>
+            <a:pPr algn="ctr"/>
+            <a:r>
+              <a:rPr kumimoji="1" lang="en-US" altLang="ko-Kore-KR" dirty="0">
+                <a:solidFill>
+                  <a:schemeClr val="tx1"/>
+                </a:solidFill>
+                <a:latin typeface="DM Mono" panose="020B0509040201040103" pitchFamily="49" charset="0"/>
+              </a:rPr>
+              <a:t>42</a:t>
+            </a:r>
+            <a:endParaRPr kumimoji="1" lang="ko-Kore-KR" altLang="en-US" dirty="0">
+              <a:solidFill>
+                <a:schemeClr val="tx1"/>
+              </a:solidFill>
+              <a:latin typeface="DM Mono" panose="020B0509040201040103" pitchFamily="49" charset="0"/>
+            </a:endParaRPr>
+          </a:p>
+        </p:txBody>
+      </p:sp>
+      <p:sp>
+        <p:nvSpPr>
+          <p:cNvPr id="10" name="TextBox 9">
+            <a:extLst>
+              <a:ext uri="{FF2B5EF4-FFF2-40B4-BE49-F238E27FC236}">
+                <a16:creationId xmlns:a16="http://schemas.microsoft.com/office/drawing/2014/main" id="{DA762D66-0A34-464F-1138-57E97C93527A}"/>
+              </a:ext>
+            </a:extLst>
+          </p:cNvPr>
+          <p:cNvSpPr txBox="1"/>
+          <p:nvPr/>
+        </p:nvSpPr>
+        <p:spPr>
+          <a:xfrm>
+            <a:off x="1469682" y="1149310"/>
+            <a:ext cx="1025730" cy="369332"/>
+          </a:xfrm>
+          <a:prstGeom prst="rect">
+            <a:avLst/>
+          </a:prstGeom>
+          <a:noFill/>
+        </p:spPr>
+        <p:txBody>
+          <a:bodyPr wrap="square">
+            <a:spAutoFit/>
+          </a:bodyPr>
+          <a:lstStyle/>
+          <a:p>
+            <a:pPr algn="r"/>
+            <a:r>
+              <a:rPr lang="en-US" altLang="ko-Kore-KR" dirty="0">
+                <a:latin typeface="DM Mono" panose="020B0509040201040103" pitchFamily="49" charset="0"/>
+              </a:rPr>
+              <a:t>name</a:t>
+            </a:r>
+            <a:endParaRPr lang="ko-Kore-KR" altLang="en-US" dirty="0"/>
+          </a:p>
+        </p:txBody>
+      </p:sp>
+      <p:sp>
+        <p:nvSpPr>
+          <p:cNvPr id="12" name="TextBox 11">
+            <a:extLst>
+              <a:ext uri="{FF2B5EF4-FFF2-40B4-BE49-F238E27FC236}">
+                <a16:creationId xmlns:a16="http://schemas.microsoft.com/office/drawing/2014/main" id="{453F0A90-27EE-8312-7754-3ED420B6DB56}"/>
+              </a:ext>
+            </a:extLst>
+          </p:cNvPr>
+          <p:cNvSpPr txBox="1"/>
+          <p:nvPr/>
+        </p:nvSpPr>
+        <p:spPr>
+          <a:xfrm>
+            <a:off x="1469682" y="1513203"/>
+            <a:ext cx="1025730" cy="369332"/>
+          </a:xfrm>
+          <a:prstGeom prst="rect">
+            <a:avLst/>
+          </a:prstGeom>
+          <a:noFill/>
+        </p:spPr>
+        <p:txBody>
+          <a:bodyPr wrap="square">
+            <a:spAutoFit/>
+          </a:bodyPr>
+          <a:lstStyle/>
+          <a:p>
+            <a:pPr algn="r"/>
+            <a:r>
+              <a:rPr lang="en-US" altLang="ko-Kore-KR" dirty="0">
+                <a:latin typeface="DM Mono" panose="020B0509040201040103" pitchFamily="49" charset="0"/>
+              </a:rPr>
+              <a:t>age</a:t>
+            </a:r>
+            <a:endParaRPr lang="ko-Kore-KR" altLang="en-US" dirty="0"/>
+          </a:p>
+        </p:txBody>
+      </p:sp>
+      <p:sp>
+        <p:nvSpPr>
+          <p:cNvPr id="15" name="직사각형 14">
+            <a:extLst>
+              <a:ext uri="{FF2B5EF4-FFF2-40B4-BE49-F238E27FC236}">
+                <a16:creationId xmlns:a16="http://schemas.microsoft.com/office/drawing/2014/main" id="{7A16B02E-1A08-71E5-7962-609C44370CA0}"/>
+              </a:ext>
+            </a:extLst>
+          </p:cNvPr>
+          <p:cNvSpPr/>
+          <p:nvPr/>
+        </p:nvSpPr>
+        <p:spPr>
+          <a:xfrm>
+            <a:off x="4911692" y="1341916"/>
+            <a:ext cx="1277473" cy="355953"/>
+          </a:xfrm>
+          <a:prstGeom prst="rect">
+            <a:avLst/>
+          </a:prstGeom>
+          <a:solidFill>
+            <a:srgbClr val="FFFF00"/>
+          </a:solidFill>
+        </p:spPr>
+        <p:style>
+          <a:lnRef idx="2">
+            <a:schemeClr val="accent1">
+              <a:shade val="50000"/>
+            </a:schemeClr>
+          </a:lnRef>
+          <a:fillRef idx="1">
+            <a:schemeClr val="accent1"/>
+          </a:fillRef>
+          <a:effectRef idx="0">
+            <a:schemeClr val="accent1"/>
+          </a:effectRef>
+          <a:fontRef idx="minor">
+            <a:schemeClr val="lt1"/>
+          </a:fontRef>
+        </p:style>
+        <p:txBody>
+          <a:bodyPr rtlCol="0" anchor="ctr"/>
+          <a:lstStyle/>
+          <a:p>
+            <a:pPr algn="ctr"/>
+            <a:r>
+              <a:rPr kumimoji="1" lang="en-US" altLang="ko-Kore-KR" dirty="0">
+                <a:solidFill>
+                  <a:schemeClr val="tx1"/>
+                </a:solidFill>
+                <a:latin typeface="DM Mono" panose="020B0509040201040103" pitchFamily="49" charset="0"/>
+              </a:rPr>
+              <a:t>“Tom”</a:t>
+            </a:r>
+            <a:endParaRPr kumimoji="1" lang="ko-Kore-KR" altLang="en-US" dirty="0">
+              <a:solidFill>
+                <a:schemeClr val="tx1"/>
+              </a:solidFill>
+              <a:latin typeface="DM Mono" panose="020B0509040201040103" pitchFamily="49" charset="0"/>
+            </a:endParaRPr>
+          </a:p>
+        </p:txBody>
+      </p:sp>
+      <p:cxnSp>
+        <p:nvCxnSpPr>
+          <p:cNvPr id="17" name="구부러진 연결선[U] 16">
+            <a:extLst>
+              <a:ext uri="{FF2B5EF4-FFF2-40B4-BE49-F238E27FC236}">
+                <a16:creationId xmlns:a16="http://schemas.microsoft.com/office/drawing/2014/main" id="{63421589-E197-DBB2-6F75-3AE72C204FEB}"/>
+              </a:ext>
+            </a:extLst>
+          </p:cNvPr>
+          <p:cNvCxnSpPr>
+            <a:cxnSpLocks/>
+            <a:stCxn id="2" idx="3"/>
+            <a:endCxn id="15" idx="1"/>
+          </p:cNvCxnSpPr>
+          <p:nvPr/>
+        </p:nvCxnSpPr>
+        <p:spPr>
+          <a:xfrm flipV="1">
+            <a:off x="3037572" y="1519893"/>
+            <a:ext cx="1874120" cy="1775297"/>
+          </a:xfrm>
+          <a:prstGeom prst="curvedConnector3">
+            <a:avLst/>
+          </a:prstGeom>
+          <a:ln w="12700">
+            <a:tailEnd type="triangle"/>
+          </a:ln>
+        </p:spPr>
+        <p:style>
+          <a:lnRef idx="1">
+            <a:schemeClr val="dk1"/>
+          </a:lnRef>
+          <a:fillRef idx="0">
+            <a:schemeClr val="dk1"/>
+          </a:fillRef>
+          <a:effectRef idx="0">
+            <a:schemeClr val="dk1"/>
+          </a:effectRef>
+          <a:fontRef idx="minor">
+            <a:schemeClr val="tx1"/>
+          </a:fontRef>
+        </p:style>
+      </p:cxnSp>
+      <p:sp>
+        <p:nvSpPr>
+          <p:cNvPr id="2" name="직사각형 1">
+            <a:extLst>
+              <a:ext uri="{FF2B5EF4-FFF2-40B4-BE49-F238E27FC236}">
+                <a16:creationId xmlns:a16="http://schemas.microsoft.com/office/drawing/2014/main" id="{AD96695B-28B9-EBFF-318A-4778DB0242E9}"/>
+              </a:ext>
+            </a:extLst>
+          </p:cNvPr>
+          <p:cNvSpPr/>
+          <p:nvPr/>
+        </p:nvSpPr>
+        <p:spPr>
+          <a:xfrm>
+            <a:off x="2372995" y="3117213"/>
+            <a:ext cx="664577" cy="355953"/>
+          </a:xfrm>
+          <a:prstGeom prst="rect">
+            <a:avLst/>
+          </a:prstGeom>
+          <a:solidFill>
+            <a:srgbClr val="FFFF00"/>
+          </a:solidFill>
+        </p:spPr>
+        <p:style>
+          <a:lnRef idx="2">
+            <a:schemeClr val="accent1">
+              <a:shade val="50000"/>
+            </a:schemeClr>
+          </a:lnRef>
+          <a:fillRef idx="1">
+            <a:schemeClr val="accent1"/>
+          </a:fillRef>
+          <a:effectRef idx="0">
+            <a:schemeClr val="accent1"/>
+          </a:effectRef>
+          <a:fontRef idx="minor">
+            <a:schemeClr val="lt1"/>
+          </a:fontRef>
+        </p:style>
+        <p:txBody>
+          <a:bodyPr rtlCol="0" anchor="ctr"/>
+          <a:lstStyle/>
+          <a:p>
+            <a:pPr algn="ctr"/>
+            <a:endParaRPr kumimoji="1" lang="ko-Kore-KR" altLang="en-US" dirty="0">
+              <a:solidFill>
+                <a:schemeClr val="tx1"/>
+              </a:solidFill>
+              <a:latin typeface="DM Mono" panose="020B0509040201040103" pitchFamily="49" charset="0"/>
+            </a:endParaRPr>
+          </a:p>
+        </p:txBody>
+      </p:sp>
+      <p:sp>
+        <p:nvSpPr>
+          <p:cNvPr id="3" name="직사각형 2">
+            <a:extLst>
+              <a:ext uri="{FF2B5EF4-FFF2-40B4-BE49-F238E27FC236}">
+                <a16:creationId xmlns:a16="http://schemas.microsoft.com/office/drawing/2014/main" id="{77A4C80D-AD81-78C6-A4E1-167757C0DDF7}"/>
+              </a:ext>
+            </a:extLst>
+          </p:cNvPr>
+          <p:cNvSpPr/>
+          <p:nvPr/>
+        </p:nvSpPr>
+        <p:spPr>
+          <a:xfrm>
+            <a:off x="2372994" y="3473166"/>
+            <a:ext cx="664577" cy="355953"/>
+          </a:xfrm>
+          <a:prstGeom prst="rect">
+            <a:avLst/>
+          </a:prstGeom>
+          <a:solidFill>
+            <a:srgbClr val="FFFF00"/>
+          </a:solidFill>
+        </p:spPr>
+        <p:style>
+          <a:lnRef idx="2">
+            <a:schemeClr val="accent1">
+              <a:shade val="50000"/>
+            </a:schemeClr>
+          </a:lnRef>
+          <a:fillRef idx="1">
+            <a:schemeClr val="accent1"/>
+          </a:fillRef>
+          <a:effectRef idx="0">
+            <a:schemeClr val="accent1"/>
+          </a:effectRef>
+          <a:fontRef idx="minor">
+            <a:schemeClr val="lt1"/>
+          </a:fontRef>
+        </p:style>
+        <p:txBody>
+          <a:bodyPr rtlCol="0" anchor="ctr"/>
+          <a:lstStyle/>
+          <a:p>
+            <a:pPr algn="ctr"/>
+            <a:r>
+              <a:rPr kumimoji="1" lang="en-US" altLang="ko-Kore-KR" dirty="0">
+                <a:solidFill>
+                  <a:schemeClr val="tx1"/>
+                </a:solidFill>
+                <a:latin typeface="DM Mono" panose="020B0509040201040103" pitchFamily="49" charset="0"/>
+              </a:rPr>
+              <a:t>42</a:t>
+            </a:r>
+            <a:endParaRPr kumimoji="1" lang="ko-Kore-KR" altLang="en-US" dirty="0">
+              <a:solidFill>
+                <a:schemeClr val="tx1"/>
+              </a:solidFill>
+              <a:latin typeface="DM Mono" panose="020B0509040201040103" pitchFamily="49" charset="0"/>
+            </a:endParaRPr>
+          </a:p>
+        </p:txBody>
+      </p:sp>
+      <p:sp>
+        <p:nvSpPr>
+          <p:cNvPr id="4" name="TextBox 3">
+            <a:extLst>
+              <a:ext uri="{FF2B5EF4-FFF2-40B4-BE49-F238E27FC236}">
+                <a16:creationId xmlns:a16="http://schemas.microsoft.com/office/drawing/2014/main" id="{464A7624-0615-4887-0856-A559075B1586}"/>
+              </a:ext>
+            </a:extLst>
+          </p:cNvPr>
+          <p:cNvSpPr txBox="1"/>
+          <p:nvPr/>
+        </p:nvSpPr>
+        <p:spPr>
+          <a:xfrm>
+            <a:off x="1347263" y="3110523"/>
+            <a:ext cx="1025730" cy="369332"/>
+          </a:xfrm>
+          <a:prstGeom prst="rect">
+            <a:avLst/>
+          </a:prstGeom>
+          <a:noFill/>
+        </p:spPr>
+        <p:txBody>
+          <a:bodyPr wrap="square">
+            <a:spAutoFit/>
+          </a:bodyPr>
+          <a:lstStyle/>
+          <a:p>
+            <a:pPr algn="r"/>
+            <a:r>
+              <a:rPr lang="en-US" altLang="ko-Kore-KR" dirty="0">
+                <a:latin typeface="DM Mono" panose="020B0509040201040103" pitchFamily="49" charset="0"/>
+              </a:rPr>
+              <a:t>name</a:t>
+            </a:r>
+            <a:endParaRPr lang="ko-Kore-KR" altLang="en-US" dirty="0"/>
+          </a:p>
+        </p:txBody>
+      </p:sp>
+      <p:sp>
+        <p:nvSpPr>
+          <p:cNvPr id="6" name="TextBox 5">
+            <a:extLst>
+              <a:ext uri="{FF2B5EF4-FFF2-40B4-BE49-F238E27FC236}">
+                <a16:creationId xmlns:a16="http://schemas.microsoft.com/office/drawing/2014/main" id="{B1811E5B-9F1D-96B1-8678-9C8D3A95984A}"/>
+              </a:ext>
+            </a:extLst>
+          </p:cNvPr>
+          <p:cNvSpPr txBox="1"/>
+          <p:nvPr/>
+        </p:nvSpPr>
+        <p:spPr>
+          <a:xfrm>
+            <a:off x="1347263" y="3474416"/>
+            <a:ext cx="1025730" cy="369332"/>
+          </a:xfrm>
+          <a:prstGeom prst="rect">
+            <a:avLst/>
+          </a:prstGeom>
+          <a:noFill/>
+        </p:spPr>
+        <p:txBody>
+          <a:bodyPr wrap="square">
+            <a:spAutoFit/>
+          </a:bodyPr>
+          <a:lstStyle/>
+          <a:p>
+            <a:pPr algn="r"/>
+            <a:r>
+              <a:rPr lang="en-US" altLang="ko-Kore-KR" dirty="0">
+                <a:latin typeface="DM Mono" panose="020B0509040201040103" pitchFamily="49" charset="0"/>
+              </a:rPr>
+              <a:t>age</a:t>
+            </a:r>
+            <a:endParaRPr lang="ko-Kore-KR" altLang="en-US" dirty="0"/>
+          </a:p>
+        </p:txBody>
+      </p:sp>
+      <p:sp>
+        <p:nvSpPr>
+          <p:cNvPr id="11" name="TextBox 10">
+            <a:extLst>
+              <a:ext uri="{FF2B5EF4-FFF2-40B4-BE49-F238E27FC236}">
+                <a16:creationId xmlns:a16="http://schemas.microsoft.com/office/drawing/2014/main" id="{FDD13FC8-D56A-E81E-1B7E-5FE9EA20F940}"/>
+              </a:ext>
+            </a:extLst>
+          </p:cNvPr>
+          <p:cNvSpPr txBox="1"/>
+          <p:nvPr/>
+        </p:nvSpPr>
+        <p:spPr>
+          <a:xfrm>
+            <a:off x="2097091" y="2776906"/>
+            <a:ext cx="1216382" cy="369332"/>
+          </a:xfrm>
+          <a:prstGeom prst="rect">
+            <a:avLst/>
+          </a:prstGeom>
+          <a:noFill/>
+        </p:spPr>
+        <p:txBody>
+          <a:bodyPr wrap="square">
+            <a:spAutoFit/>
+          </a:bodyPr>
+          <a:lstStyle/>
+          <a:p>
+            <a:pPr algn="ctr"/>
+            <a:r>
+              <a:rPr lang="ko-Kore-KR" altLang="en-US" dirty="0">
+                <a:latin typeface="DM Mono" panose="020B0509040201040103" pitchFamily="49" charset="0"/>
+              </a:rPr>
+              <a:t>user</a:t>
+            </a:r>
+            <a:r>
+              <a:rPr lang="en-US" altLang="ko-Kore-KR" dirty="0">
+                <a:latin typeface="DM Mono" panose="020B0509040201040103" pitchFamily="49" charset="0"/>
+              </a:rPr>
+              <a:t>2</a:t>
+            </a:r>
+            <a:endParaRPr lang="ko-Kore-KR" altLang="en-US" dirty="0"/>
+          </a:p>
+        </p:txBody>
+      </p:sp>
+    </p:spTree>
+    <p:extLst>
+      <p:ext uri="{BB962C8B-B14F-4D97-AF65-F5344CB8AC3E}">
+        <p14:creationId xmlns:p14="http://schemas.microsoft.com/office/powerpoint/2010/main" val="2471088663"/>
       </p:ext>
     </p:extLst>
   </p:cSld>

--- a/221114.pptx
+++ b/221114.pptx
@@ -30,15 +30,16 @@
     <p:sldId id="278" r:id="rId24"/>
     <p:sldId id="279" r:id="rId25"/>
     <p:sldId id="280" r:id="rId26"/>
-    <p:sldId id="281" r:id="rId27"/>
-    <p:sldId id="282" r:id="rId28"/>
-    <p:sldId id="283" r:id="rId29"/>
-    <p:sldId id="284" r:id="rId30"/>
-    <p:sldId id="285" r:id="rId31"/>
-    <p:sldId id="286" r:id="rId32"/>
-    <p:sldId id="287" r:id="rId33"/>
-    <p:sldId id="288" r:id="rId34"/>
-    <p:sldId id="290" r:id="rId35"/>
+    <p:sldId id="282" r:id="rId27"/>
+    <p:sldId id="283" r:id="rId28"/>
+    <p:sldId id="284" r:id="rId29"/>
+    <p:sldId id="285" r:id="rId30"/>
+    <p:sldId id="286" r:id="rId31"/>
+    <p:sldId id="287" r:id="rId32"/>
+    <p:sldId id="288" r:id="rId33"/>
+    <p:sldId id="290" r:id="rId34"/>
+    <p:sldId id="291" r:id="rId35"/>
+    <p:sldId id="292" r:id="rId36"/>
   </p:sldIdLst>
   <p:sldSz cx="12192000" cy="6858000"/>
   <p:notesSz cx="6858000" cy="9144000"/>
@@ -294,7 +295,7 @@
           <a:p>
             <a:fld id="{68D41F46-5DC1-0141-9D84-04124483FB01}" type="datetimeFigureOut">
               <a:rPr kumimoji="1" lang="ko-Kore-KR" altLang="en-US" smtClean="0"/>
-              <a:t>2022. 11. 16.</a:t>
+              <a:t>2022. 11. 17.</a:t>
             </a:fld>
             <a:endParaRPr kumimoji="1" lang="ko-Kore-KR" altLang="en-US"/>
           </a:p>
@@ -494,7 +495,7 @@
           <a:p>
             <a:fld id="{68D41F46-5DC1-0141-9D84-04124483FB01}" type="datetimeFigureOut">
               <a:rPr kumimoji="1" lang="ko-Kore-KR" altLang="en-US" smtClean="0"/>
-              <a:t>2022. 11. 16.</a:t>
+              <a:t>2022. 11. 17.</a:t>
             </a:fld>
             <a:endParaRPr kumimoji="1" lang="ko-Kore-KR" altLang="en-US"/>
           </a:p>
@@ -704,7 +705,7 @@
           <a:p>
             <a:fld id="{68D41F46-5DC1-0141-9D84-04124483FB01}" type="datetimeFigureOut">
               <a:rPr kumimoji="1" lang="ko-Kore-KR" altLang="en-US" smtClean="0"/>
-              <a:t>2022. 11. 16.</a:t>
+              <a:t>2022. 11. 17.</a:t>
             </a:fld>
             <a:endParaRPr kumimoji="1" lang="ko-Kore-KR" altLang="en-US"/>
           </a:p>
@@ -904,7 +905,7 @@
           <a:p>
             <a:fld id="{68D41F46-5DC1-0141-9D84-04124483FB01}" type="datetimeFigureOut">
               <a:rPr kumimoji="1" lang="ko-Kore-KR" altLang="en-US" smtClean="0"/>
-              <a:t>2022. 11. 16.</a:t>
+              <a:t>2022. 11. 17.</a:t>
             </a:fld>
             <a:endParaRPr kumimoji="1" lang="ko-Kore-KR" altLang="en-US"/>
           </a:p>
@@ -1180,7 +1181,7 @@
           <a:p>
             <a:fld id="{68D41F46-5DC1-0141-9D84-04124483FB01}" type="datetimeFigureOut">
               <a:rPr kumimoji="1" lang="ko-Kore-KR" altLang="en-US" smtClean="0"/>
-              <a:t>2022. 11. 16.</a:t>
+              <a:t>2022. 11. 17.</a:t>
             </a:fld>
             <a:endParaRPr kumimoji="1" lang="ko-Kore-KR" altLang="en-US"/>
           </a:p>
@@ -1448,7 +1449,7 @@
           <a:p>
             <a:fld id="{68D41F46-5DC1-0141-9D84-04124483FB01}" type="datetimeFigureOut">
               <a:rPr kumimoji="1" lang="ko-Kore-KR" altLang="en-US" smtClean="0"/>
-              <a:t>2022. 11. 16.</a:t>
+              <a:t>2022. 11. 17.</a:t>
             </a:fld>
             <a:endParaRPr kumimoji="1" lang="ko-Kore-KR" altLang="en-US"/>
           </a:p>
@@ -1863,7 +1864,7 @@
           <a:p>
             <a:fld id="{68D41F46-5DC1-0141-9D84-04124483FB01}" type="datetimeFigureOut">
               <a:rPr kumimoji="1" lang="ko-Kore-KR" altLang="en-US" smtClean="0"/>
-              <a:t>2022. 11. 16.</a:t>
+              <a:t>2022. 11. 17.</a:t>
             </a:fld>
             <a:endParaRPr kumimoji="1" lang="ko-Kore-KR" altLang="en-US"/>
           </a:p>
@@ -2005,7 +2006,7 @@
           <a:p>
             <a:fld id="{68D41F46-5DC1-0141-9D84-04124483FB01}" type="datetimeFigureOut">
               <a:rPr kumimoji="1" lang="ko-Kore-KR" altLang="en-US" smtClean="0"/>
-              <a:t>2022. 11. 16.</a:t>
+              <a:t>2022. 11. 17.</a:t>
             </a:fld>
             <a:endParaRPr kumimoji="1" lang="ko-Kore-KR" altLang="en-US"/>
           </a:p>
@@ -2118,7 +2119,7 @@
           <a:p>
             <a:fld id="{68D41F46-5DC1-0141-9D84-04124483FB01}" type="datetimeFigureOut">
               <a:rPr kumimoji="1" lang="ko-Kore-KR" altLang="en-US" smtClean="0"/>
-              <a:t>2022. 11. 16.</a:t>
+              <a:t>2022. 11. 17.</a:t>
             </a:fld>
             <a:endParaRPr kumimoji="1" lang="ko-Kore-KR" altLang="en-US"/>
           </a:p>
@@ -2431,7 +2432,7 @@
           <a:p>
             <a:fld id="{68D41F46-5DC1-0141-9D84-04124483FB01}" type="datetimeFigureOut">
               <a:rPr kumimoji="1" lang="ko-Kore-KR" altLang="en-US" smtClean="0"/>
-              <a:t>2022. 11. 16.</a:t>
+              <a:t>2022. 11. 17.</a:t>
             </a:fld>
             <a:endParaRPr kumimoji="1" lang="ko-Kore-KR" altLang="en-US"/>
           </a:p>
@@ -2720,7 +2721,7 @@
           <a:p>
             <a:fld id="{68D41F46-5DC1-0141-9D84-04124483FB01}" type="datetimeFigureOut">
               <a:rPr kumimoji="1" lang="ko-Kore-KR" altLang="en-US" smtClean="0"/>
-              <a:t>2022. 11. 16.</a:t>
+              <a:t>2022. 11. 17.</a:t>
             </a:fld>
             <a:endParaRPr kumimoji="1" lang="ko-Kore-KR" altLang="en-US"/>
           </a:p>
@@ -2963,7 +2964,7 @@
           <a:p>
             <a:fld id="{68D41F46-5DC1-0141-9D84-04124483FB01}" type="datetimeFigureOut">
               <a:rPr kumimoji="1" lang="ko-Kore-KR" altLang="en-US" smtClean="0"/>
-              <a:t>2022. 11. 16.</a:t>
+              <a:t>2022. 11. 17.</a:t>
             </a:fld>
             <a:endParaRPr kumimoji="1" lang="ko-Kore-KR" altLang="en-US"/>
           </a:p>
@@ -14460,10 +14461,10 @@
       </p:grpSpPr>
       <p:sp>
         <p:nvSpPr>
-          <p:cNvPr id="5" name="TextBox 4">
-            <a:extLst>
-              <a:ext uri="{FF2B5EF4-FFF2-40B4-BE49-F238E27FC236}">
-                <a16:creationId xmlns:a16="http://schemas.microsoft.com/office/drawing/2014/main" id="{6E508B51-2758-1847-32E4-AB6DCD763BE9}"/>
+          <p:cNvPr id="7" name="TextBox 6">
+            <a:extLst>
+              <a:ext uri="{FF2B5EF4-FFF2-40B4-BE49-F238E27FC236}">
+                <a16:creationId xmlns:a16="http://schemas.microsoft.com/office/drawing/2014/main" id="{B055207C-16A6-67B9-03C1-59B54A446E67}"/>
               </a:ext>
             </a:extLst>
           </p:cNvPr>
@@ -14472,8 +14473,8 @@
         </p:nvSpPr>
         <p:spPr>
           <a:xfrm>
-            <a:off x="291280" y="294822"/>
-            <a:ext cx="5434512" cy="2585323"/>
+            <a:off x="291280" y="5470939"/>
+            <a:ext cx="6098458" cy="646331"/>
           </a:xfrm>
           <a:prstGeom prst="rect">
             <a:avLst/>
@@ -14487,176 +14488,6 @@
           <a:lstStyle/>
           <a:p>
             <a:r>
-              <a:rPr lang="en" altLang="ko-Kore-KR" dirty="0">
-                <a:solidFill>
-                  <a:srgbClr val="FF0000"/>
-                </a:solidFill>
-                <a:latin typeface="DM Mono" panose="020B0509040201040103" pitchFamily="49" charset="0"/>
-              </a:rPr>
-              <a:t>User(const User &amp;</a:t>
-            </a:r>
-            <a:r>
-              <a:rPr lang="en" altLang="ko-Kore-KR" dirty="0" err="1">
-                <a:solidFill>
-                  <a:srgbClr val="FF0000"/>
-                </a:solidFill>
-                <a:latin typeface="DM Mono" panose="020B0509040201040103" pitchFamily="49" charset="0"/>
-              </a:rPr>
-              <a:t>rhs</a:t>
-            </a:r>
-            <a:r>
-              <a:rPr lang="en" altLang="ko-Kore-KR" dirty="0">
-                <a:solidFill>
-                  <a:srgbClr val="FF0000"/>
-                </a:solidFill>
-                <a:latin typeface="DM Mono" panose="020B0509040201040103" pitchFamily="49" charset="0"/>
-              </a:rPr>
-              <a:t>)</a:t>
-            </a:r>
-          </a:p>
-          <a:p>
-            <a:r>
-              <a:rPr lang="en" altLang="ko-Kore-KR" dirty="0">
-                <a:solidFill>
-                  <a:srgbClr val="FF0000"/>
-                </a:solidFill>
-                <a:latin typeface="DM Mono" panose="020B0509040201040103" pitchFamily="49" charset="0"/>
-              </a:rPr>
-              <a:t>      : name(</a:t>
-            </a:r>
-            <a:r>
-              <a:rPr lang="en" altLang="ko-Kore-KR" dirty="0" err="1">
-                <a:solidFill>
-                  <a:srgbClr val="FF0000"/>
-                </a:solidFill>
-                <a:latin typeface="DM Mono" panose="020B0509040201040103" pitchFamily="49" charset="0"/>
-              </a:rPr>
-              <a:t>rhs.name</a:t>
-            </a:r>
-            <a:r>
-              <a:rPr lang="en" altLang="ko-Kore-KR" dirty="0">
-                <a:solidFill>
-                  <a:srgbClr val="FF0000"/>
-                </a:solidFill>
-                <a:latin typeface="DM Mono" panose="020B0509040201040103" pitchFamily="49" charset="0"/>
-              </a:rPr>
-              <a:t>), age(</a:t>
-            </a:r>
-            <a:r>
-              <a:rPr lang="en" altLang="ko-Kore-KR" dirty="0" err="1">
-                <a:solidFill>
-                  <a:srgbClr val="FF0000"/>
-                </a:solidFill>
-                <a:latin typeface="DM Mono" panose="020B0509040201040103" pitchFamily="49" charset="0"/>
-              </a:rPr>
-              <a:t>rhs.age</a:t>
-            </a:r>
-            <a:r>
-              <a:rPr lang="en" altLang="ko-Kore-KR" dirty="0">
-                <a:solidFill>
-                  <a:srgbClr val="FF0000"/>
-                </a:solidFill>
-                <a:latin typeface="DM Mono" panose="020B0509040201040103" pitchFamily="49" charset="0"/>
-              </a:rPr>
-              <a:t>)</a:t>
-            </a:r>
-          </a:p>
-          <a:p>
-            <a:r>
-              <a:rPr lang="en" altLang="ko-Kore-KR" dirty="0">
-                <a:solidFill>
-                  <a:srgbClr val="FF0000"/>
-                </a:solidFill>
-                <a:latin typeface="DM Mono" panose="020B0509040201040103" pitchFamily="49" charset="0"/>
-              </a:rPr>
-              <a:t>{</a:t>
-            </a:r>
-          </a:p>
-          <a:p>
-            <a:r>
-              <a:rPr lang="en" altLang="ko-Kore-KR" dirty="0">
-                <a:solidFill>
-                  <a:srgbClr val="FF0000"/>
-                </a:solidFill>
-                <a:latin typeface="DM Mono" panose="020B0509040201040103" pitchFamily="49" charset="0"/>
-              </a:rPr>
-              <a:t>}</a:t>
-            </a:r>
-          </a:p>
-          <a:p>
-            <a:endParaRPr lang="ko-Kore-KR" altLang="en-US" dirty="0">
-              <a:latin typeface="DM Mono" panose="020B0509040201040103" pitchFamily="49" charset="0"/>
-            </a:endParaRPr>
-          </a:p>
-          <a:p>
-            <a:r>
-              <a:rPr lang="ko-Kore-KR" altLang="en-US" dirty="0">
-                <a:latin typeface="DM Mono" panose="020B0509040201040103" pitchFamily="49" charset="0"/>
-              </a:rPr>
-              <a:t>~User()</a:t>
-            </a:r>
-          </a:p>
-          <a:p>
-            <a:r>
-              <a:rPr lang="ko-Kore-KR" altLang="en-US" dirty="0">
-                <a:latin typeface="DM Mono" panose="020B0509040201040103" pitchFamily="49" charset="0"/>
-              </a:rPr>
-              <a:t>{</a:t>
-            </a:r>
-          </a:p>
-          <a:p>
-            <a:r>
-              <a:rPr lang="en-US" altLang="ko-Kore-KR" dirty="0">
-                <a:latin typeface="DM Mono" panose="020B0509040201040103" pitchFamily="49" charset="0"/>
-              </a:rPr>
-              <a:t>  </a:t>
-            </a:r>
-            <a:r>
-              <a:rPr lang="ko-Kore-KR" altLang="en-US" dirty="0">
-                <a:latin typeface="DM Mono" panose="020B0509040201040103" pitchFamily="49" charset="0"/>
-              </a:rPr>
-              <a:t>delete[] name;</a:t>
-            </a:r>
-          </a:p>
-          <a:p>
-            <a:r>
-              <a:rPr lang="ko-Kore-KR" altLang="en-US" dirty="0">
-                <a:latin typeface="DM Mono" panose="020B0509040201040103" pitchFamily="49" charset="0"/>
-              </a:rPr>
-              <a:t>}</a:t>
-            </a:r>
-          </a:p>
-        </p:txBody>
-      </p:sp>
-      <p:sp>
-        <p:nvSpPr>
-          <p:cNvPr id="7" name="TextBox 6">
-            <a:extLst>
-              <a:ext uri="{FF2B5EF4-FFF2-40B4-BE49-F238E27FC236}">
-                <a16:creationId xmlns:a16="http://schemas.microsoft.com/office/drawing/2014/main" id="{B055207C-16A6-67B9-03C1-59B54A446E67}"/>
-              </a:ext>
-            </a:extLst>
-          </p:cNvPr>
-          <p:cNvSpPr txBox="1"/>
-          <p:nvPr/>
-        </p:nvSpPr>
-        <p:spPr>
-          <a:xfrm>
-            <a:off x="291280" y="5470939"/>
-            <a:ext cx="6098458" cy="646331"/>
-          </a:xfrm>
-          <a:prstGeom prst="rect">
-            <a:avLst/>
-          </a:prstGeom>
-          <a:noFill/>
-        </p:spPr>
-        <p:txBody>
-          <a:bodyPr wrap="square">
-            <a:spAutoFit/>
-          </a:bodyPr>
-          <a:lstStyle/>
-          <a:p>
-            <a:r>
               <a:rPr lang="ko-Kore-KR" altLang="en-US" dirty="0">
                 <a:latin typeface="DM Mono" panose="020B0509040201040103" pitchFamily="49" charset="0"/>
               </a:rPr>
@@ -14694,7 +14525,7 @@
             <a:avLst/>
           </a:prstGeom>
           <a:solidFill>
-            <a:srgbClr val="FF0000"/>
+            <a:srgbClr val="FFFF00"/>
           </a:solidFill>
         </p:spPr>
         <p:style>
@@ -14748,7 +14579,7 @@
             <a:avLst/>
           </a:prstGeom>
           <a:solidFill>
-            <a:srgbClr val="FF0000"/>
+            <a:srgbClr val="FFFF00"/>
           </a:solidFill>
         </p:spPr>
         <p:style>
@@ -14921,14 +14752,14 @@
         </p:nvSpPr>
         <p:spPr>
           <a:xfrm>
-            <a:off x="10108282" y="1808586"/>
+            <a:off x="10108282" y="1167031"/>
             <a:ext cx="1277473" cy="355953"/>
           </a:xfrm>
           <a:prstGeom prst="rect">
             <a:avLst/>
           </a:prstGeom>
           <a:solidFill>
-            <a:srgbClr val="FF0000"/>
+            <a:srgbClr val="FFFF00"/>
           </a:solidFill>
         </p:spPr>
         <p:style>
@@ -14970,274 +14801,30 @@
           </a:p>
         </p:txBody>
       </p:sp>
-      <p:sp>
-        <p:nvSpPr>
-          <p:cNvPr id="2" name="직사각형 1">
-            <a:extLst>
-              <a:ext uri="{FF2B5EF4-FFF2-40B4-BE49-F238E27FC236}">
-                <a16:creationId xmlns:a16="http://schemas.microsoft.com/office/drawing/2014/main" id="{730A5245-1434-FC6C-7109-F092AC543036}"/>
-              </a:ext>
-            </a:extLst>
-          </p:cNvPr>
-          <p:cNvSpPr/>
-          <p:nvPr/>
-        </p:nvSpPr>
-        <p:spPr>
-          <a:xfrm>
-            <a:off x="7692003" y="3192609"/>
-            <a:ext cx="664577" cy="355953"/>
-          </a:xfrm>
-          <a:prstGeom prst="rect">
-            <a:avLst/>
-          </a:prstGeom>
-          <a:solidFill>
-            <a:srgbClr val="FFFF00"/>
-          </a:solidFill>
-        </p:spPr>
-        <p:style>
-          <a:lnRef idx="2">
-            <a:schemeClr val="accent1">
-              <a:shade val="50000"/>
-            </a:schemeClr>
-          </a:lnRef>
-          <a:fillRef idx="1">
-            <a:schemeClr val="accent1"/>
-          </a:fillRef>
-          <a:effectRef idx="0">
-            <a:schemeClr val="accent1"/>
-          </a:effectRef>
-          <a:fontRef idx="minor">
-            <a:schemeClr val="lt1"/>
-          </a:fontRef>
-        </p:style>
-        <p:txBody>
-          <a:bodyPr rtlCol="0" anchor="ctr"/>
-          <a:lstStyle/>
-          <a:p>
-            <a:pPr algn="ctr"/>
-            <a:endParaRPr kumimoji="1" lang="ko-Kore-KR" altLang="en-US" dirty="0">
-              <a:solidFill>
-                <a:schemeClr val="tx1"/>
-              </a:solidFill>
-              <a:latin typeface="DM Mono" panose="020B0509040201040103" pitchFamily="49" charset="0"/>
-            </a:endParaRPr>
-          </a:p>
-        </p:txBody>
-      </p:sp>
-      <p:sp>
-        <p:nvSpPr>
-          <p:cNvPr id="3" name="직사각형 2">
-            <a:extLst>
-              <a:ext uri="{FF2B5EF4-FFF2-40B4-BE49-F238E27FC236}">
-                <a16:creationId xmlns:a16="http://schemas.microsoft.com/office/drawing/2014/main" id="{E60FB895-C77A-8059-E311-BAA4E9DD8CA8}"/>
-              </a:ext>
-            </a:extLst>
-          </p:cNvPr>
-          <p:cNvSpPr/>
-          <p:nvPr/>
-        </p:nvSpPr>
-        <p:spPr>
-          <a:xfrm>
-            <a:off x="7692002" y="3548562"/>
-            <a:ext cx="664577" cy="355953"/>
-          </a:xfrm>
-          <a:prstGeom prst="rect">
-            <a:avLst/>
-          </a:prstGeom>
-          <a:solidFill>
-            <a:srgbClr val="FFFF00"/>
-          </a:solidFill>
-        </p:spPr>
-        <p:style>
-          <a:lnRef idx="2">
-            <a:schemeClr val="accent1">
-              <a:shade val="50000"/>
-            </a:schemeClr>
-          </a:lnRef>
-          <a:fillRef idx="1">
-            <a:schemeClr val="accent1"/>
-          </a:fillRef>
-          <a:effectRef idx="0">
-            <a:schemeClr val="accent1"/>
-          </a:effectRef>
-          <a:fontRef idx="minor">
-            <a:schemeClr val="lt1"/>
-          </a:fontRef>
-        </p:style>
-        <p:txBody>
-          <a:bodyPr rtlCol="0" anchor="ctr"/>
-          <a:lstStyle/>
-          <a:p>
-            <a:pPr algn="ctr"/>
-            <a:r>
-              <a:rPr kumimoji="1" lang="en-US" altLang="ko-Kore-KR" dirty="0">
-                <a:solidFill>
-                  <a:srgbClr val="FF0000"/>
-                </a:solidFill>
-                <a:latin typeface="DM Mono" panose="020B0509040201040103" pitchFamily="49" charset="0"/>
-              </a:rPr>
-              <a:t>42</a:t>
-            </a:r>
-            <a:endParaRPr kumimoji="1" lang="ko-Kore-KR" altLang="en-US" dirty="0">
-              <a:solidFill>
-                <a:srgbClr val="FF0000"/>
-              </a:solidFill>
-              <a:latin typeface="DM Mono" panose="020B0509040201040103" pitchFamily="49" charset="0"/>
-            </a:endParaRPr>
-          </a:p>
-        </p:txBody>
-      </p:sp>
-      <p:sp>
-        <p:nvSpPr>
-          <p:cNvPr id="4" name="TextBox 3">
-            <a:extLst>
-              <a:ext uri="{FF2B5EF4-FFF2-40B4-BE49-F238E27FC236}">
-                <a16:creationId xmlns:a16="http://schemas.microsoft.com/office/drawing/2014/main" id="{5233119F-AD81-7032-512D-C729CA988193}"/>
-              </a:ext>
-            </a:extLst>
-          </p:cNvPr>
-          <p:cNvSpPr txBox="1"/>
-          <p:nvPr/>
-        </p:nvSpPr>
-        <p:spPr>
-          <a:xfrm>
-            <a:off x="6666271" y="3185919"/>
-            <a:ext cx="1025730" cy="369332"/>
-          </a:xfrm>
-          <a:prstGeom prst="rect">
-            <a:avLst/>
-          </a:prstGeom>
-          <a:noFill/>
-        </p:spPr>
-        <p:txBody>
-          <a:bodyPr wrap="square">
-            <a:spAutoFit/>
-          </a:bodyPr>
-          <a:lstStyle/>
-          <a:p>
-            <a:pPr algn="r"/>
-            <a:r>
-              <a:rPr lang="en-US" altLang="ko-Kore-KR" dirty="0">
-                <a:latin typeface="DM Mono" panose="020B0509040201040103" pitchFamily="49" charset="0"/>
-              </a:rPr>
-              <a:t>name</a:t>
-            </a:r>
-            <a:endParaRPr lang="ko-Kore-KR" altLang="en-US" dirty="0"/>
-          </a:p>
-        </p:txBody>
-      </p:sp>
-      <p:sp>
-        <p:nvSpPr>
-          <p:cNvPr id="6" name="TextBox 5">
-            <a:extLst>
-              <a:ext uri="{FF2B5EF4-FFF2-40B4-BE49-F238E27FC236}">
-                <a16:creationId xmlns:a16="http://schemas.microsoft.com/office/drawing/2014/main" id="{E2A0B3AB-0706-39AA-6338-06D782F5B2AD}"/>
-              </a:ext>
-            </a:extLst>
-          </p:cNvPr>
-          <p:cNvSpPr txBox="1"/>
-          <p:nvPr/>
-        </p:nvSpPr>
-        <p:spPr>
-          <a:xfrm>
-            <a:off x="6666271" y="3549812"/>
-            <a:ext cx="1025730" cy="369332"/>
-          </a:xfrm>
-          <a:prstGeom prst="rect">
-            <a:avLst/>
-          </a:prstGeom>
-          <a:noFill/>
-        </p:spPr>
-        <p:txBody>
-          <a:bodyPr wrap="square">
-            <a:spAutoFit/>
-          </a:bodyPr>
-          <a:lstStyle/>
-          <a:p>
-            <a:pPr algn="r"/>
-            <a:r>
-              <a:rPr lang="en-US" altLang="ko-Kore-KR" dirty="0">
-                <a:latin typeface="DM Mono" panose="020B0509040201040103" pitchFamily="49" charset="0"/>
-              </a:rPr>
-              <a:t>age</a:t>
-            </a:r>
-            <a:endParaRPr lang="ko-Kore-KR" altLang="en-US" dirty="0"/>
-          </a:p>
-        </p:txBody>
-      </p:sp>
-      <p:sp>
-        <p:nvSpPr>
-          <p:cNvPr id="11" name="TextBox 10">
-            <a:extLst>
-              <a:ext uri="{FF2B5EF4-FFF2-40B4-BE49-F238E27FC236}">
-                <a16:creationId xmlns:a16="http://schemas.microsoft.com/office/drawing/2014/main" id="{F7EF1D1A-8905-4561-7D66-C269B67E5D13}"/>
-              </a:ext>
-            </a:extLst>
-          </p:cNvPr>
-          <p:cNvSpPr txBox="1"/>
-          <p:nvPr/>
-        </p:nvSpPr>
-        <p:spPr>
-          <a:xfrm>
-            <a:off x="7416099" y="2852302"/>
-            <a:ext cx="1216382" cy="369332"/>
-          </a:xfrm>
-          <a:prstGeom prst="rect">
-            <a:avLst/>
-          </a:prstGeom>
-          <a:noFill/>
-        </p:spPr>
-        <p:txBody>
-          <a:bodyPr wrap="square">
-            <a:spAutoFit/>
-          </a:bodyPr>
-          <a:lstStyle/>
-          <a:p>
-            <a:pPr algn="ctr"/>
-            <a:r>
-              <a:rPr lang="ko-Kore-KR" altLang="en-US" dirty="0">
-                <a:latin typeface="DM Mono" panose="020B0509040201040103" pitchFamily="49" charset="0"/>
-              </a:rPr>
-              <a:t>user</a:t>
-            </a:r>
-            <a:r>
-              <a:rPr lang="en-US" altLang="ko-Kore-KR" dirty="0">
-                <a:latin typeface="DM Mono" panose="020B0509040201040103" pitchFamily="49" charset="0"/>
-              </a:rPr>
-              <a:t>2</a:t>
-            </a:r>
-            <a:endParaRPr lang="ko-Kore-KR" altLang="en-US" dirty="0"/>
-          </a:p>
-        </p:txBody>
-      </p:sp>
       <p:cxnSp>
         <p:nvCxnSpPr>
-          <p:cNvPr id="13" name="구부러진 연결선[U] 12">
-            <a:extLst>
-              <a:ext uri="{FF2B5EF4-FFF2-40B4-BE49-F238E27FC236}">
-                <a16:creationId xmlns:a16="http://schemas.microsoft.com/office/drawing/2014/main" id="{CCBD8437-68E0-916B-5C1C-A93D6A325CD5}"/>
+          <p:cNvPr id="17" name="구부러진 연결선[U] 16">
+            <a:extLst>
+              <a:ext uri="{FF2B5EF4-FFF2-40B4-BE49-F238E27FC236}">
+                <a16:creationId xmlns:a16="http://schemas.microsoft.com/office/drawing/2014/main" id="{63421589-E197-DBB2-6F75-3AE72C204FEB}"/>
               </a:ext>
             </a:extLst>
           </p:cNvPr>
           <p:cNvCxnSpPr>
-            <a:cxnSpLocks/>
-            <a:stCxn id="2" idx="3"/>
+            <a:stCxn id="8" idx="3"/>
             <a:endCxn id="15" idx="1"/>
           </p:cNvCxnSpPr>
           <p:nvPr/>
         </p:nvCxnSpPr>
         <p:spPr>
-          <a:xfrm flipV="1">
-            <a:off x="8356580" y="1986563"/>
-            <a:ext cx="1751702" cy="1384023"/>
+          <a:xfrm>
+            <a:off x="8356581" y="1159092"/>
+            <a:ext cx="1751701" cy="185916"/>
           </a:xfrm>
           <a:prstGeom prst="curvedConnector3">
             <a:avLst/>
           </a:prstGeom>
           <a:ln w="12700">
-            <a:solidFill>
-              <a:schemeClr val="tx1"/>
-            </a:solidFill>
             <a:tailEnd type="triangle"/>
           </a:ln>
         </p:spPr>
@@ -15256,10 +14843,541 @@
           </a:fontRef>
         </p:style>
       </p:cxnSp>
+      <p:sp>
+        <p:nvSpPr>
+          <p:cNvPr id="2" name="직사각형 1">
+            <a:extLst>
+              <a:ext uri="{FF2B5EF4-FFF2-40B4-BE49-F238E27FC236}">
+                <a16:creationId xmlns:a16="http://schemas.microsoft.com/office/drawing/2014/main" id="{E5E899AD-2595-E2F4-B0FA-BA3832D8E56F}"/>
+              </a:ext>
+            </a:extLst>
+          </p:cNvPr>
+          <p:cNvSpPr/>
+          <p:nvPr/>
+        </p:nvSpPr>
+        <p:spPr>
+          <a:xfrm>
+            <a:off x="7748540" y="2593605"/>
+            <a:ext cx="664577" cy="355953"/>
+          </a:xfrm>
+          <a:prstGeom prst="rect">
+            <a:avLst/>
+          </a:prstGeom>
+          <a:solidFill>
+            <a:srgbClr val="FFFF00"/>
+          </a:solidFill>
+        </p:spPr>
+        <p:style>
+          <a:lnRef idx="2">
+            <a:schemeClr val="accent1">
+              <a:shade val="50000"/>
+            </a:schemeClr>
+          </a:lnRef>
+          <a:fillRef idx="1">
+            <a:schemeClr val="accent1"/>
+          </a:fillRef>
+          <a:effectRef idx="0">
+            <a:schemeClr val="accent1"/>
+          </a:effectRef>
+          <a:fontRef idx="minor">
+            <a:schemeClr val="lt1"/>
+          </a:fontRef>
+        </p:style>
+        <p:txBody>
+          <a:bodyPr rtlCol="0" anchor="ctr"/>
+          <a:lstStyle/>
+          <a:p>
+            <a:pPr algn="ctr"/>
+            <a:endParaRPr kumimoji="1" lang="ko-Kore-KR" altLang="en-US" dirty="0">
+              <a:solidFill>
+                <a:schemeClr val="tx1"/>
+              </a:solidFill>
+              <a:latin typeface="DM Mono" panose="020B0509040201040103" pitchFamily="49" charset="0"/>
+            </a:endParaRPr>
+          </a:p>
+        </p:txBody>
+      </p:sp>
+      <p:sp>
+        <p:nvSpPr>
+          <p:cNvPr id="3" name="직사각형 2">
+            <a:extLst>
+              <a:ext uri="{FF2B5EF4-FFF2-40B4-BE49-F238E27FC236}">
+                <a16:creationId xmlns:a16="http://schemas.microsoft.com/office/drawing/2014/main" id="{790CDE61-AEC2-177B-BF6F-86342A2ED6F2}"/>
+              </a:ext>
+            </a:extLst>
+          </p:cNvPr>
+          <p:cNvSpPr/>
+          <p:nvPr/>
+        </p:nvSpPr>
+        <p:spPr>
+          <a:xfrm>
+            <a:off x="7748539" y="2949558"/>
+            <a:ext cx="664577" cy="355953"/>
+          </a:xfrm>
+          <a:prstGeom prst="rect">
+            <a:avLst/>
+          </a:prstGeom>
+          <a:solidFill>
+            <a:srgbClr val="FFFF00"/>
+          </a:solidFill>
+        </p:spPr>
+        <p:style>
+          <a:lnRef idx="2">
+            <a:schemeClr val="accent1">
+              <a:shade val="50000"/>
+            </a:schemeClr>
+          </a:lnRef>
+          <a:fillRef idx="1">
+            <a:schemeClr val="accent1"/>
+          </a:fillRef>
+          <a:effectRef idx="0">
+            <a:schemeClr val="accent1"/>
+          </a:effectRef>
+          <a:fontRef idx="minor">
+            <a:schemeClr val="lt1"/>
+          </a:fontRef>
+        </p:style>
+        <p:txBody>
+          <a:bodyPr rtlCol="0" anchor="ctr"/>
+          <a:lstStyle/>
+          <a:p>
+            <a:pPr algn="ctr"/>
+            <a:r>
+              <a:rPr kumimoji="1" lang="en-US" altLang="ko-Kore-KR" dirty="0">
+                <a:solidFill>
+                  <a:schemeClr val="tx1"/>
+                </a:solidFill>
+                <a:latin typeface="DM Mono" panose="020B0509040201040103" pitchFamily="49" charset="0"/>
+              </a:rPr>
+              <a:t>42</a:t>
+            </a:r>
+            <a:endParaRPr kumimoji="1" lang="ko-Kore-KR" altLang="en-US" dirty="0">
+              <a:solidFill>
+                <a:schemeClr val="tx1"/>
+              </a:solidFill>
+              <a:latin typeface="DM Mono" panose="020B0509040201040103" pitchFamily="49" charset="0"/>
+            </a:endParaRPr>
+          </a:p>
+        </p:txBody>
+      </p:sp>
+      <p:sp>
+        <p:nvSpPr>
+          <p:cNvPr id="4" name="TextBox 3">
+            <a:extLst>
+              <a:ext uri="{FF2B5EF4-FFF2-40B4-BE49-F238E27FC236}">
+                <a16:creationId xmlns:a16="http://schemas.microsoft.com/office/drawing/2014/main" id="{753001C2-C58B-D1C1-8AF8-A64921F56512}"/>
+              </a:ext>
+            </a:extLst>
+          </p:cNvPr>
+          <p:cNvSpPr txBox="1"/>
+          <p:nvPr/>
+        </p:nvSpPr>
+        <p:spPr>
+          <a:xfrm>
+            <a:off x="6722808" y="2586915"/>
+            <a:ext cx="1025730" cy="369332"/>
+          </a:xfrm>
+          <a:prstGeom prst="rect">
+            <a:avLst/>
+          </a:prstGeom>
+          <a:noFill/>
+        </p:spPr>
+        <p:txBody>
+          <a:bodyPr wrap="square">
+            <a:spAutoFit/>
+          </a:bodyPr>
+          <a:lstStyle/>
+          <a:p>
+            <a:pPr algn="r"/>
+            <a:r>
+              <a:rPr lang="en-US" altLang="ko-Kore-KR" dirty="0">
+                <a:latin typeface="DM Mono" panose="020B0509040201040103" pitchFamily="49" charset="0"/>
+              </a:rPr>
+              <a:t>name</a:t>
+            </a:r>
+            <a:endParaRPr lang="ko-Kore-KR" altLang="en-US" dirty="0"/>
+          </a:p>
+        </p:txBody>
+      </p:sp>
+      <p:sp>
+        <p:nvSpPr>
+          <p:cNvPr id="6" name="TextBox 5">
+            <a:extLst>
+              <a:ext uri="{FF2B5EF4-FFF2-40B4-BE49-F238E27FC236}">
+                <a16:creationId xmlns:a16="http://schemas.microsoft.com/office/drawing/2014/main" id="{34FFAB5B-69F8-22E2-560B-0A119CA3AC2B}"/>
+              </a:ext>
+            </a:extLst>
+          </p:cNvPr>
+          <p:cNvSpPr txBox="1"/>
+          <p:nvPr/>
+        </p:nvSpPr>
+        <p:spPr>
+          <a:xfrm>
+            <a:off x="6722808" y="2950808"/>
+            <a:ext cx="1025730" cy="369332"/>
+          </a:xfrm>
+          <a:prstGeom prst="rect">
+            <a:avLst/>
+          </a:prstGeom>
+          <a:noFill/>
+        </p:spPr>
+        <p:txBody>
+          <a:bodyPr wrap="square">
+            <a:spAutoFit/>
+          </a:bodyPr>
+          <a:lstStyle/>
+          <a:p>
+            <a:pPr algn="r"/>
+            <a:r>
+              <a:rPr lang="en-US" altLang="ko-Kore-KR" dirty="0">
+                <a:latin typeface="DM Mono" panose="020B0509040201040103" pitchFamily="49" charset="0"/>
+              </a:rPr>
+              <a:t>age</a:t>
+            </a:r>
+            <a:endParaRPr lang="ko-Kore-KR" altLang="en-US" dirty="0"/>
+          </a:p>
+        </p:txBody>
+      </p:sp>
+      <p:sp>
+        <p:nvSpPr>
+          <p:cNvPr id="11" name="TextBox 10">
+            <a:extLst>
+              <a:ext uri="{FF2B5EF4-FFF2-40B4-BE49-F238E27FC236}">
+                <a16:creationId xmlns:a16="http://schemas.microsoft.com/office/drawing/2014/main" id="{71A781DD-3D78-4507-93D6-7042E33A3C06}"/>
+              </a:ext>
+            </a:extLst>
+          </p:cNvPr>
+          <p:cNvSpPr txBox="1"/>
+          <p:nvPr/>
+        </p:nvSpPr>
+        <p:spPr>
+          <a:xfrm>
+            <a:off x="7472636" y="2253298"/>
+            <a:ext cx="1216382" cy="369332"/>
+          </a:xfrm>
+          <a:prstGeom prst="rect">
+            <a:avLst/>
+          </a:prstGeom>
+          <a:noFill/>
+        </p:spPr>
+        <p:txBody>
+          <a:bodyPr wrap="square">
+            <a:spAutoFit/>
+          </a:bodyPr>
+          <a:lstStyle/>
+          <a:p>
+            <a:pPr algn="ctr"/>
+            <a:r>
+              <a:rPr lang="ko-Kore-KR" altLang="en-US" dirty="0">
+                <a:latin typeface="DM Mono" panose="020B0509040201040103" pitchFamily="49" charset="0"/>
+              </a:rPr>
+              <a:t>user</a:t>
+            </a:r>
+            <a:r>
+              <a:rPr lang="en-US" altLang="ko-Kore-KR" dirty="0">
+                <a:latin typeface="DM Mono" panose="020B0509040201040103" pitchFamily="49" charset="0"/>
+              </a:rPr>
+              <a:t>2</a:t>
+            </a:r>
+            <a:endParaRPr lang="ko-Kore-KR" altLang="en-US" dirty="0"/>
+          </a:p>
+        </p:txBody>
+      </p:sp>
+      <p:sp>
+        <p:nvSpPr>
+          <p:cNvPr id="13" name="직사각형 12">
+            <a:extLst>
+              <a:ext uri="{FF2B5EF4-FFF2-40B4-BE49-F238E27FC236}">
+                <a16:creationId xmlns:a16="http://schemas.microsoft.com/office/drawing/2014/main" id="{C989EE4E-78C2-7030-B4B6-C9164926830E}"/>
+              </a:ext>
+            </a:extLst>
+          </p:cNvPr>
+          <p:cNvSpPr/>
+          <p:nvPr/>
+        </p:nvSpPr>
+        <p:spPr>
+          <a:xfrm>
+            <a:off x="10108282" y="2528799"/>
+            <a:ext cx="1277473" cy="355953"/>
+          </a:xfrm>
+          <a:prstGeom prst="rect">
+            <a:avLst/>
+          </a:prstGeom>
+          <a:solidFill>
+            <a:srgbClr val="FFFF00"/>
+          </a:solidFill>
+        </p:spPr>
+        <p:style>
+          <a:lnRef idx="2">
+            <a:schemeClr val="accent1">
+              <a:shade val="50000"/>
+            </a:schemeClr>
+          </a:lnRef>
+          <a:fillRef idx="1">
+            <a:schemeClr val="accent1"/>
+          </a:fillRef>
+          <a:effectRef idx="0">
+            <a:schemeClr val="accent1"/>
+          </a:effectRef>
+          <a:fontRef idx="minor">
+            <a:schemeClr val="lt1"/>
+          </a:fontRef>
+        </p:style>
+        <p:txBody>
+          <a:bodyPr rtlCol="0" anchor="ctr"/>
+          <a:lstStyle/>
+          <a:p>
+            <a:pPr algn="ctr"/>
+            <a:r>
+              <a:rPr kumimoji="1" lang="en-US" altLang="ko-Kore-KR" dirty="0">
+                <a:solidFill>
+                  <a:schemeClr val="tx1"/>
+                </a:solidFill>
+                <a:latin typeface="DM Mono" panose="020B0509040201040103" pitchFamily="49" charset="0"/>
+              </a:rPr>
+              <a:t>“Tom”</a:t>
+            </a:r>
+            <a:endParaRPr kumimoji="1" lang="ko-Kore-KR" altLang="en-US" dirty="0">
+              <a:solidFill>
+                <a:schemeClr val="tx1"/>
+              </a:solidFill>
+              <a:latin typeface="DM Mono" panose="020B0509040201040103" pitchFamily="49" charset="0"/>
+            </a:endParaRPr>
+          </a:p>
+        </p:txBody>
+      </p:sp>
+      <p:cxnSp>
+        <p:nvCxnSpPr>
+          <p:cNvPr id="16" name="구부러진 연결선[U] 15">
+            <a:extLst>
+              <a:ext uri="{FF2B5EF4-FFF2-40B4-BE49-F238E27FC236}">
+                <a16:creationId xmlns:a16="http://schemas.microsoft.com/office/drawing/2014/main" id="{96E76AE3-02E9-959E-22A8-2AC9C1A6E864}"/>
+              </a:ext>
+            </a:extLst>
+          </p:cNvPr>
+          <p:cNvCxnSpPr>
+            <a:cxnSpLocks/>
+            <a:stCxn id="2" idx="3"/>
+            <a:endCxn id="13" idx="1"/>
+          </p:cNvCxnSpPr>
+          <p:nvPr/>
+        </p:nvCxnSpPr>
+        <p:spPr>
+          <a:xfrm flipV="1">
+            <a:off x="8413117" y="2706776"/>
+            <a:ext cx="1695165" cy="64806"/>
+          </a:xfrm>
+          <a:prstGeom prst="curvedConnector3">
+            <a:avLst/>
+          </a:prstGeom>
+          <a:ln w="12700">
+            <a:tailEnd type="triangle"/>
+          </a:ln>
+        </p:spPr>
+        <p:style>
+          <a:lnRef idx="1">
+            <a:schemeClr val="dk1"/>
+          </a:lnRef>
+          <a:fillRef idx="0">
+            <a:schemeClr val="dk1"/>
+          </a:fillRef>
+          <a:effectRef idx="0">
+            <a:schemeClr val="dk1"/>
+          </a:effectRef>
+          <a:fontRef idx="minor">
+            <a:schemeClr val="tx1"/>
+          </a:fontRef>
+        </p:style>
+      </p:cxnSp>
+      <p:sp>
+        <p:nvSpPr>
+          <p:cNvPr id="21" name="TextBox 20">
+            <a:extLst>
+              <a:ext uri="{FF2B5EF4-FFF2-40B4-BE49-F238E27FC236}">
+                <a16:creationId xmlns:a16="http://schemas.microsoft.com/office/drawing/2014/main" id="{F9F84749-686B-AA79-D767-EBFE5B04AFBF}"/>
+              </a:ext>
+            </a:extLst>
+          </p:cNvPr>
+          <p:cNvSpPr txBox="1"/>
+          <p:nvPr/>
+        </p:nvSpPr>
+        <p:spPr>
+          <a:xfrm>
+            <a:off x="-34412" y="531930"/>
+            <a:ext cx="5974713" cy="1754326"/>
+          </a:xfrm>
+          <a:prstGeom prst="rect">
+            <a:avLst/>
+          </a:prstGeom>
+          <a:noFill/>
+        </p:spPr>
+        <p:txBody>
+          <a:bodyPr wrap="none" rtlCol="0">
+            <a:spAutoFit/>
+          </a:bodyPr>
+          <a:lstStyle/>
+          <a:p>
+            <a:pPr algn="l"/>
+            <a:r>
+              <a:rPr kumimoji="1" lang="en" altLang="ko-Kore-KR" dirty="0">
+                <a:latin typeface="DM Mono" panose="020B0509040201040103" pitchFamily="49" charset="0"/>
+              </a:rPr>
+              <a:t> </a:t>
+            </a:r>
+            <a:r>
+              <a:rPr kumimoji="1" lang="ko-KR" altLang="en-US" dirty="0">
+                <a:latin typeface="DM Mono" panose="020B0509040201040103" pitchFamily="49" charset="0"/>
+              </a:rPr>
+              <a:t> </a:t>
+            </a:r>
+            <a:r>
+              <a:rPr kumimoji="1" lang="en" altLang="ko-Kore-KR" dirty="0">
+                <a:latin typeface="DM Mono" panose="020B0509040201040103" pitchFamily="49" charset="0"/>
+              </a:rPr>
+              <a:t>User(const User &amp;</a:t>
+            </a:r>
+            <a:r>
+              <a:rPr kumimoji="1" lang="en" altLang="ko-Kore-KR" dirty="0" err="1">
+                <a:latin typeface="DM Mono" panose="020B0509040201040103" pitchFamily="49" charset="0"/>
+              </a:rPr>
+              <a:t>rhs</a:t>
+            </a:r>
+            <a:r>
+              <a:rPr kumimoji="1" lang="en" altLang="ko-Kore-KR" dirty="0">
+                <a:latin typeface="DM Mono" panose="020B0509040201040103" pitchFamily="49" charset="0"/>
+              </a:rPr>
+              <a:t>)</a:t>
+            </a:r>
+          </a:p>
+          <a:p>
+            <a:pPr algn="l"/>
+            <a:r>
+              <a:rPr kumimoji="1" lang="en" altLang="ko-Kore-KR" dirty="0">
+                <a:latin typeface="DM Mono" panose="020B0509040201040103" pitchFamily="49" charset="0"/>
+              </a:rPr>
+              <a:t>      : age(</a:t>
+            </a:r>
+            <a:r>
+              <a:rPr kumimoji="1" lang="en" altLang="ko-Kore-KR" dirty="0" err="1">
+                <a:latin typeface="DM Mono" panose="020B0509040201040103" pitchFamily="49" charset="0"/>
+              </a:rPr>
+              <a:t>rhs.age</a:t>
+            </a:r>
+            <a:r>
+              <a:rPr kumimoji="1" lang="en" altLang="ko-Kore-KR" dirty="0">
+                <a:latin typeface="DM Mono" panose="020B0509040201040103" pitchFamily="49" charset="0"/>
+              </a:rPr>
+              <a:t>)</a:t>
+            </a:r>
+          </a:p>
+          <a:p>
+            <a:pPr algn="l"/>
+            <a:r>
+              <a:rPr kumimoji="1" lang="en" altLang="ko-Kore-KR" dirty="0">
+                <a:latin typeface="DM Mono" panose="020B0509040201040103" pitchFamily="49" charset="0"/>
+              </a:rPr>
+              <a:t>  {</a:t>
+            </a:r>
+          </a:p>
+          <a:p>
+            <a:pPr algn="l"/>
+            <a:r>
+              <a:rPr kumimoji="1" lang="en" altLang="ko-Kore-KR" dirty="0">
+                <a:solidFill>
+                  <a:srgbClr val="FF0000"/>
+                </a:solidFill>
+                <a:latin typeface="DM Mono" panose="020B0509040201040103" pitchFamily="49" charset="0"/>
+              </a:rPr>
+              <a:t>    name = new char[</a:t>
+            </a:r>
+            <a:r>
+              <a:rPr kumimoji="1" lang="en" altLang="ko-Kore-KR" dirty="0" err="1">
+                <a:solidFill>
+                  <a:srgbClr val="FF0000"/>
+                </a:solidFill>
+                <a:latin typeface="DM Mono" panose="020B0509040201040103" pitchFamily="49" charset="0"/>
+              </a:rPr>
+              <a:t>strlen</a:t>
+            </a:r>
+            <a:r>
+              <a:rPr kumimoji="1" lang="en" altLang="ko-Kore-KR" dirty="0">
+                <a:solidFill>
+                  <a:srgbClr val="FF0000"/>
+                </a:solidFill>
+                <a:latin typeface="DM Mono" panose="020B0509040201040103" pitchFamily="49" charset="0"/>
+              </a:rPr>
+              <a:t>(</a:t>
+            </a:r>
+            <a:r>
+              <a:rPr kumimoji="1" lang="en" altLang="ko-Kore-KR" dirty="0" err="1">
+                <a:solidFill>
+                  <a:srgbClr val="FF0000"/>
+                </a:solidFill>
+                <a:latin typeface="DM Mono" panose="020B0509040201040103" pitchFamily="49" charset="0"/>
+              </a:rPr>
+              <a:t>rhs.name</a:t>
+            </a:r>
+            <a:r>
+              <a:rPr kumimoji="1" lang="en" altLang="ko-Kore-KR" dirty="0">
+                <a:solidFill>
+                  <a:srgbClr val="FF0000"/>
+                </a:solidFill>
+                <a:latin typeface="DM Mono" panose="020B0509040201040103" pitchFamily="49" charset="0"/>
+              </a:rPr>
+              <a:t>) + 1];</a:t>
+            </a:r>
+          </a:p>
+          <a:p>
+            <a:pPr algn="l"/>
+            <a:r>
+              <a:rPr kumimoji="1" lang="en" altLang="ko-Kore-KR" dirty="0">
+                <a:latin typeface="DM Mono" panose="020B0509040201040103" pitchFamily="49" charset="0"/>
+              </a:rPr>
+              <a:t>    </a:t>
+            </a:r>
+            <a:r>
+              <a:rPr kumimoji="1" lang="en" altLang="ko-Kore-KR" dirty="0" err="1">
+                <a:latin typeface="DM Mono" panose="020B0509040201040103" pitchFamily="49" charset="0"/>
+              </a:rPr>
+              <a:t>strcpy</a:t>
+            </a:r>
+            <a:r>
+              <a:rPr kumimoji="1" lang="en" altLang="ko-Kore-KR" dirty="0">
+                <a:latin typeface="DM Mono" panose="020B0509040201040103" pitchFamily="49" charset="0"/>
+              </a:rPr>
+              <a:t>(name, </a:t>
+            </a:r>
+            <a:r>
+              <a:rPr kumimoji="1" lang="en" altLang="ko-Kore-KR" dirty="0" err="1">
+                <a:latin typeface="DM Mono" panose="020B0509040201040103" pitchFamily="49" charset="0"/>
+              </a:rPr>
+              <a:t>rhs.name</a:t>
+            </a:r>
+            <a:r>
+              <a:rPr kumimoji="1" lang="en" altLang="ko-Kore-KR" dirty="0">
+                <a:latin typeface="DM Mono" panose="020B0509040201040103" pitchFamily="49" charset="0"/>
+              </a:rPr>
+              <a:t>);</a:t>
+            </a:r>
+          </a:p>
+          <a:p>
+            <a:pPr algn="l"/>
+            <a:r>
+              <a:rPr kumimoji="1" lang="en" altLang="ko-Kore-KR" dirty="0">
+                <a:latin typeface="DM Mono" panose="020B0509040201040103" pitchFamily="49" charset="0"/>
+              </a:rPr>
+              <a:t>  }</a:t>
+            </a:r>
+            <a:endParaRPr kumimoji="1" lang="ko-Kore-KR" altLang="en-US" dirty="0">
+              <a:latin typeface="DM Mono" panose="020B0509040201040103" pitchFamily="49" charset="0"/>
+            </a:endParaRPr>
+          </a:p>
+        </p:txBody>
+      </p:sp>
     </p:spTree>
     <p:extLst>
       <p:ext uri="{BB962C8B-B14F-4D97-AF65-F5344CB8AC3E}">
-        <p14:creationId xmlns:p14="http://schemas.microsoft.com/office/powerpoint/2010/main" val="44776633"/>
+        <p14:creationId xmlns:p14="http://schemas.microsoft.com/office/powerpoint/2010/main" val="814605866"/>
       </p:ext>
     </p:extLst>
   </p:cSld>
@@ -15345,7 +15463,7 @@
         </p:nvSpPr>
         <p:spPr>
           <a:xfrm>
-            <a:off x="7692004" y="981115"/>
+            <a:off x="6748107" y="870502"/>
             <a:ext cx="664577" cy="355953"/>
           </a:xfrm>
           <a:prstGeom prst="rect">
@@ -15399,7 +15517,7 @@
         </p:nvSpPr>
         <p:spPr>
           <a:xfrm>
-            <a:off x="7692003" y="1337068"/>
+            <a:off x="6748106" y="1226455"/>
             <a:ext cx="664577" cy="355953"/>
           </a:xfrm>
           <a:prstGeom prst="rect">
@@ -15462,7 +15580,7 @@
         </p:nvSpPr>
         <p:spPr>
           <a:xfrm>
-            <a:off x="6666272" y="974425"/>
+            <a:off x="5722375" y="863812"/>
             <a:ext cx="1025730" cy="369332"/>
           </a:xfrm>
           <a:prstGeom prst="rect">
@@ -15501,7 +15619,7 @@
         </p:nvSpPr>
         <p:spPr>
           <a:xfrm>
-            <a:off x="6666272" y="1338318"/>
+            <a:off x="5722375" y="1227705"/>
             <a:ext cx="1025730" cy="369332"/>
           </a:xfrm>
           <a:prstGeom prst="rect">
@@ -15540,7 +15658,7 @@
         </p:nvSpPr>
         <p:spPr>
           <a:xfrm>
-            <a:off x="7416100" y="640808"/>
+            <a:off x="6472203" y="530195"/>
             <a:ext cx="1216382" cy="369332"/>
           </a:xfrm>
           <a:prstGeom prst="rect">
@@ -15579,7 +15697,7 @@
         </p:nvSpPr>
         <p:spPr>
           <a:xfrm>
-            <a:off x="10108282" y="1167031"/>
+            <a:off x="9164385" y="1056418"/>
             <a:ext cx="1277473" cy="355953"/>
           </a:xfrm>
           <a:prstGeom prst="rect">
@@ -15638,6 +15756,7 @@
             </a:extLst>
           </p:cNvPr>
           <p:cNvCxnSpPr>
+            <a:cxnSpLocks/>
             <a:stCxn id="8" idx="3"/>
             <a:endCxn id="15" idx="1"/>
           </p:cNvCxnSpPr>
@@ -15645,7 +15764,7 @@
         </p:nvCxnSpPr>
         <p:spPr>
           <a:xfrm>
-            <a:off x="8356581" y="1159092"/>
+            <a:off x="7412684" y="1048479"/>
             <a:ext cx="1751701" cy="185916"/>
           </a:xfrm>
           <a:prstGeom prst="curvedConnector3">
@@ -15672,10 +15791,10 @@
       </p:cxnSp>
       <p:sp>
         <p:nvSpPr>
-          <p:cNvPr id="2" name="직사각형 1">
-            <a:extLst>
-              <a:ext uri="{FF2B5EF4-FFF2-40B4-BE49-F238E27FC236}">
-                <a16:creationId xmlns:a16="http://schemas.microsoft.com/office/drawing/2014/main" id="{E5E899AD-2595-E2F4-B0FA-BA3832D8E56F}"/>
+          <p:cNvPr id="19" name="직사각형 18">
+            <a:extLst>
+              <a:ext uri="{FF2B5EF4-FFF2-40B4-BE49-F238E27FC236}">
+                <a16:creationId xmlns:a16="http://schemas.microsoft.com/office/drawing/2014/main" id="{E8510BD0-B26C-D17B-694E-349061FE1B4F}"/>
               </a:ext>
             </a:extLst>
           </p:cNvPr>
@@ -15684,7 +15803,7 @@
         </p:nvSpPr>
         <p:spPr>
           <a:xfrm>
-            <a:off x="7748540" y="2593605"/>
+            <a:off x="6748105" y="1575651"/>
             <a:ext cx="664577" cy="355953"/>
           </a:xfrm>
           <a:prstGeom prst="rect">
@@ -15726,10 +15845,49 @@
       </p:sp>
       <p:sp>
         <p:nvSpPr>
-          <p:cNvPr id="3" name="직사각형 2">
-            <a:extLst>
-              <a:ext uri="{FF2B5EF4-FFF2-40B4-BE49-F238E27FC236}">
-                <a16:creationId xmlns:a16="http://schemas.microsoft.com/office/drawing/2014/main" id="{790CDE61-AEC2-177B-BF6F-86342A2ED6F2}"/>
+          <p:cNvPr id="20" name="TextBox 19">
+            <a:extLst>
+              <a:ext uri="{FF2B5EF4-FFF2-40B4-BE49-F238E27FC236}">
+                <a16:creationId xmlns:a16="http://schemas.microsoft.com/office/drawing/2014/main" id="{E69B27CF-2AE4-FF0E-170B-C81BF9E98AEB}"/>
+              </a:ext>
+            </a:extLst>
+          </p:cNvPr>
+          <p:cNvSpPr txBox="1"/>
+          <p:nvPr/>
+        </p:nvSpPr>
+        <p:spPr>
+          <a:xfrm>
+            <a:off x="5722374" y="1569843"/>
+            <a:ext cx="1025730" cy="369332"/>
+          </a:xfrm>
+          <a:prstGeom prst="rect">
+            <a:avLst/>
+          </a:prstGeom>
+          <a:noFill/>
+        </p:spPr>
+        <p:txBody>
+          <a:bodyPr wrap="square">
+            <a:spAutoFit/>
+          </a:bodyPr>
+          <a:lstStyle/>
+          <a:p>
+            <a:pPr algn="r"/>
+            <a:r>
+              <a:rPr lang="en-US" altLang="ko-Kore-KR" dirty="0">
+                <a:latin typeface="DM Mono" panose="020B0509040201040103" pitchFamily="49" charset="0"/>
+              </a:rPr>
+              <a:t>ref</a:t>
+            </a:r>
+            <a:endParaRPr lang="ko-Kore-KR" altLang="en-US" dirty="0"/>
+          </a:p>
+        </p:txBody>
+      </p:sp>
+      <p:sp>
+        <p:nvSpPr>
+          <p:cNvPr id="22" name="직사각형 21">
+            <a:extLst>
+              <a:ext uri="{FF2B5EF4-FFF2-40B4-BE49-F238E27FC236}">
+                <a16:creationId xmlns:a16="http://schemas.microsoft.com/office/drawing/2014/main" id="{3F878A8C-BE4F-E9A6-DCFE-B6B1B90D8144}"/>
               </a:ext>
             </a:extLst>
           </p:cNvPr>
@@ -15738,7 +15896,7 @@
         </p:nvSpPr>
         <p:spPr>
           <a:xfrm>
-            <a:off x="7748539" y="2949558"/>
+            <a:off x="9164385" y="2022857"/>
             <a:ext cx="664577" cy="355953"/>
           </a:xfrm>
           <a:prstGeom prst="rect">
@@ -15776,7 +15934,7 @@
                 </a:solidFill>
                 <a:latin typeface="DM Mono" panose="020B0509040201040103" pitchFamily="49" charset="0"/>
               </a:rPr>
-              <a:t>42</a:t>
+              <a:t>1</a:t>
             </a:r>
             <a:endParaRPr kumimoji="1" lang="ko-Kore-KR" altLang="en-US" dirty="0">
               <a:solidFill>
@@ -15787,212 +15945,26 @@
           </a:p>
         </p:txBody>
       </p:sp>
-      <p:sp>
-        <p:nvSpPr>
-          <p:cNvPr id="4" name="TextBox 3">
-            <a:extLst>
-              <a:ext uri="{FF2B5EF4-FFF2-40B4-BE49-F238E27FC236}">
-                <a16:creationId xmlns:a16="http://schemas.microsoft.com/office/drawing/2014/main" id="{753001C2-C58B-D1C1-8AF8-A64921F56512}"/>
-              </a:ext>
-            </a:extLst>
-          </p:cNvPr>
-          <p:cNvSpPr txBox="1"/>
-          <p:nvPr/>
-        </p:nvSpPr>
-        <p:spPr>
-          <a:xfrm>
-            <a:off x="6722808" y="2586915"/>
-            <a:ext cx="1025730" cy="369332"/>
-          </a:xfrm>
-          <a:prstGeom prst="rect">
-            <a:avLst/>
-          </a:prstGeom>
-          <a:noFill/>
-        </p:spPr>
-        <p:txBody>
-          <a:bodyPr wrap="square">
-            <a:spAutoFit/>
-          </a:bodyPr>
-          <a:lstStyle/>
-          <a:p>
-            <a:pPr algn="r"/>
-            <a:r>
-              <a:rPr lang="en-US" altLang="ko-Kore-KR" dirty="0">
-                <a:latin typeface="DM Mono" panose="020B0509040201040103" pitchFamily="49" charset="0"/>
-              </a:rPr>
-              <a:t>name</a:t>
-            </a:r>
-            <a:endParaRPr lang="ko-Kore-KR" altLang="en-US" dirty="0"/>
-          </a:p>
-        </p:txBody>
-      </p:sp>
-      <p:sp>
-        <p:nvSpPr>
-          <p:cNvPr id="6" name="TextBox 5">
-            <a:extLst>
-              <a:ext uri="{FF2B5EF4-FFF2-40B4-BE49-F238E27FC236}">
-                <a16:creationId xmlns:a16="http://schemas.microsoft.com/office/drawing/2014/main" id="{34FFAB5B-69F8-22E2-560B-0A119CA3AC2B}"/>
-              </a:ext>
-            </a:extLst>
-          </p:cNvPr>
-          <p:cNvSpPr txBox="1"/>
-          <p:nvPr/>
-        </p:nvSpPr>
-        <p:spPr>
-          <a:xfrm>
-            <a:off x="6722808" y="2950808"/>
-            <a:ext cx="1025730" cy="369332"/>
-          </a:xfrm>
-          <a:prstGeom prst="rect">
-            <a:avLst/>
-          </a:prstGeom>
-          <a:noFill/>
-        </p:spPr>
-        <p:txBody>
-          <a:bodyPr wrap="square">
-            <a:spAutoFit/>
-          </a:bodyPr>
-          <a:lstStyle/>
-          <a:p>
-            <a:pPr algn="r"/>
-            <a:r>
-              <a:rPr lang="en-US" altLang="ko-Kore-KR" dirty="0">
-                <a:latin typeface="DM Mono" panose="020B0509040201040103" pitchFamily="49" charset="0"/>
-              </a:rPr>
-              <a:t>age</a:t>
-            </a:r>
-            <a:endParaRPr lang="ko-Kore-KR" altLang="en-US" dirty="0"/>
-          </a:p>
-        </p:txBody>
-      </p:sp>
-      <p:sp>
-        <p:nvSpPr>
-          <p:cNvPr id="11" name="TextBox 10">
-            <a:extLst>
-              <a:ext uri="{FF2B5EF4-FFF2-40B4-BE49-F238E27FC236}">
-                <a16:creationId xmlns:a16="http://schemas.microsoft.com/office/drawing/2014/main" id="{71A781DD-3D78-4507-93D6-7042E33A3C06}"/>
-              </a:ext>
-            </a:extLst>
-          </p:cNvPr>
-          <p:cNvSpPr txBox="1"/>
-          <p:nvPr/>
-        </p:nvSpPr>
-        <p:spPr>
-          <a:xfrm>
-            <a:off x="7472636" y="2253298"/>
-            <a:ext cx="1216382" cy="369332"/>
-          </a:xfrm>
-          <a:prstGeom prst="rect">
-            <a:avLst/>
-          </a:prstGeom>
-          <a:noFill/>
-        </p:spPr>
-        <p:txBody>
-          <a:bodyPr wrap="square">
-            <a:spAutoFit/>
-          </a:bodyPr>
-          <a:lstStyle/>
-          <a:p>
-            <a:pPr algn="ctr"/>
-            <a:r>
-              <a:rPr lang="ko-Kore-KR" altLang="en-US" dirty="0">
-                <a:latin typeface="DM Mono" panose="020B0509040201040103" pitchFamily="49" charset="0"/>
-              </a:rPr>
-              <a:t>user</a:t>
-            </a:r>
-            <a:r>
-              <a:rPr lang="en-US" altLang="ko-Kore-KR" dirty="0">
-                <a:latin typeface="DM Mono" panose="020B0509040201040103" pitchFamily="49" charset="0"/>
-              </a:rPr>
-              <a:t>2</a:t>
-            </a:r>
-            <a:endParaRPr lang="ko-Kore-KR" altLang="en-US" dirty="0"/>
-          </a:p>
-        </p:txBody>
-      </p:sp>
-      <p:sp>
-        <p:nvSpPr>
-          <p:cNvPr id="13" name="직사각형 12">
-            <a:extLst>
-              <a:ext uri="{FF2B5EF4-FFF2-40B4-BE49-F238E27FC236}">
-                <a16:creationId xmlns:a16="http://schemas.microsoft.com/office/drawing/2014/main" id="{C989EE4E-78C2-7030-B4B6-C9164926830E}"/>
-              </a:ext>
-            </a:extLst>
-          </p:cNvPr>
-          <p:cNvSpPr/>
-          <p:nvPr/>
-        </p:nvSpPr>
-        <p:spPr>
-          <a:xfrm>
-            <a:off x="10108282" y="2528799"/>
-            <a:ext cx="1277473" cy="355953"/>
-          </a:xfrm>
-          <a:prstGeom prst="rect">
-            <a:avLst/>
-          </a:prstGeom>
-          <a:solidFill>
-            <a:srgbClr val="FFFF00"/>
-          </a:solidFill>
-        </p:spPr>
-        <p:style>
-          <a:lnRef idx="2">
-            <a:schemeClr val="accent1">
-              <a:shade val="50000"/>
-            </a:schemeClr>
-          </a:lnRef>
-          <a:fillRef idx="1">
-            <a:schemeClr val="accent1"/>
-          </a:fillRef>
-          <a:effectRef idx="0">
-            <a:schemeClr val="accent1"/>
-          </a:effectRef>
-          <a:fontRef idx="minor">
-            <a:schemeClr val="lt1"/>
-          </a:fontRef>
-        </p:style>
-        <p:txBody>
-          <a:bodyPr rtlCol="0" anchor="ctr"/>
-          <a:lstStyle/>
-          <a:p>
-            <a:pPr algn="ctr"/>
-            <a:r>
-              <a:rPr kumimoji="1" lang="en-US" altLang="ko-Kore-KR" dirty="0">
-                <a:solidFill>
-                  <a:schemeClr val="tx1"/>
-                </a:solidFill>
-                <a:latin typeface="DM Mono" panose="020B0509040201040103" pitchFamily="49" charset="0"/>
-              </a:rPr>
-              <a:t>“Tom”</a:t>
-            </a:r>
-            <a:endParaRPr kumimoji="1" lang="ko-Kore-KR" altLang="en-US" dirty="0">
-              <a:solidFill>
-                <a:schemeClr val="tx1"/>
-              </a:solidFill>
-              <a:latin typeface="DM Mono" panose="020B0509040201040103" pitchFamily="49" charset="0"/>
-            </a:endParaRPr>
-          </a:p>
-        </p:txBody>
-      </p:sp>
       <p:cxnSp>
         <p:nvCxnSpPr>
-          <p:cNvPr id="16" name="구부러진 연결선[U] 15">
-            <a:extLst>
-              <a:ext uri="{FF2B5EF4-FFF2-40B4-BE49-F238E27FC236}">
-                <a16:creationId xmlns:a16="http://schemas.microsoft.com/office/drawing/2014/main" id="{96E76AE3-02E9-959E-22A8-2AC9C1A6E864}"/>
+          <p:cNvPr id="23" name="구부러진 연결선[U] 22">
+            <a:extLst>
+              <a:ext uri="{FF2B5EF4-FFF2-40B4-BE49-F238E27FC236}">
+                <a16:creationId xmlns:a16="http://schemas.microsoft.com/office/drawing/2014/main" id="{A42B5BD7-2A1C-DAB5-0461-16689B3819A2}"/>
               </a:ext>
             </a:extLst>
           </p:cNvPr>
           <p:cNvCxnSpPr>
             <a:cxnSpLocks/>
-            <a:stCxn id="2" idx="3"/>
-            <a:endCxn id="13" idx="1"/>
+            <a:stCxn id="19" idx="3"/>
+            <a:endCxn id="22" idx="1"/>
           </p:cNvCxnSpPr>
           <p:nvPr/>
         </p:nvCxnSpPr>
         <p:spPr>
-          <a:xfrm flipV="1">
-            <a:off x="8413117" y="2706776"/>
-            <a:ext cx="1695165" cy="64806"/>
+          <a:xfrm>
+            <a:off x="7412682" y="1753628"/>
+            <a:ext cx="1751703" cy="447206"/>
           </a:xfrm>
           <a:prstGeom prst="curvedConnector3">
             <a:avLst/>
@@ -16018,10 +15990,10 @@
       </p:cxnSp>
       <p:sp>
         <p:nvSpPr>
-          <p:cNvPr id="21" name="TextBox 20">
-            <a:extLst>
-              <a:ext uri="{FF2B5EF4-FFF2-40B4-BE49-F238E27FC236}">
-                <a16:creationId xmlns:a16="http://schemas.microsoft.com/office/drawing/2014/main" id="{F9F84749-686B-AA79-D767-EBFE5B04AFBF}"/>
+          <p:cNvPr id="27" name="TextBox 26">
+            <a:extLst>
+              <a:ext uri="{FF2B5EF4-FFF2-40B4-BE49-F238E27FC236}">
+                <a16:creationId xmlns:a16="http://schemas.microsoft.com/office/drawing/2014/main" id="{2CFA9D36-4658-80FC-1FEC-47216F49F7FB}"/>
               </a:ext>
             </a:extLst>
           </p:cNvPr>
@@ -16030,8 +16002,8 @@
         </p:nvSpPr>
         <p:spPr>
           <a:xfrm>
-            <a:off x="-34412" y="531930"/>
-            <a:ext cx="5974713" cy="1754326"/>
+            <a:off x="440831" y="258209"/>
+            <a:ext cx="4935641" cy="1815882"/>
           </a:xfrm>
           <a:prstGeom prst="rect">
             <a:avLst/>
@@ -16039,172 +16011,80 @@
           <a:noFill/>
         </p:spPr>
         <p:txBody>
-          <a:bodyPr wrap="none" rtlCol="0">
+          <a:bodyPr wrap="square">
             <a:spAutoFit/>
           </a:bodyPr>
           <a:lstStyle/>
           <a:p>
-            <a:pPr algn="l"/>
-            <a:r>
-              <a:rPr kumimoji="1" lang="en" altLang="ko-Kore-KR" dirty="0">
-                <a:latin typeface="DM Mono" panose="020B0509040201040103" pitchFamily="49" charset="0"/>
-              </a:rPr>
-              <a:t> </a:t>
-            </a:r>
-            <a:r>
-              <a:rPr kumimoji="1" lang="ko-KR" altLang="en-US" dirty="0">
-                <a:latin typeface="DM Mono" panose="020B0509040201040103" pitchFamily="49" charset="0"/>
-              </a:rPr>
-              <a:t> </a:t>
-            </a:r>
-            <a:r>
-              <a:rPr kumimoji="1" lang="en" altLang="ko-Kore-KR" dirty="0">
-                <a:latin typeface="DM Mono" panose="020B0509040201040103" pitchFamily="49" charset="0"/>
-              </a:rPr>
-              <a:t>User(const User &amp;</a:t>
-            </a:r>
-            <a:r>
-              <a:rPr kumimoji="1" lang="en" altLang="ko-Kore-KR" dirty="0" err="1">
-                <a:latin typeface="DM Mono" panose="020B0509040201040103" pitchFamily="49" charset="0"/>
-              </a:rPr>
-              <a:t>rhs</a:t>
-            </a:r>
-            <a:r>
-              <a:rPr kumimoji="1" lang="en" altLang="ko-Kore-KR" dirty="0">
-                <a:latin typeface="DM Mono" panose="020B0509040201040103" pitchFamily="49" charset="0"/>
-              </a:rPr>
-              <a:t>)</a:t>
-            </a:r>
-          </a:p>
-          <a:p>
-            <a:pPr algn="l"/>
-            <a:r>
-              <a:rPr kumimoji="1" lang="en" altLang="ko-Kore-KR" dirty="0">
-                <a:latin typeface="DM Mono" panose="020B0509040201040103" pitchFamily="49" charset="0"/>
-              </a:rPr>
-              <a:t>      : age(</a:t>
-            </a:r>
-            <a:r>
-              <a:rPr kumimoji="1" lang="en" altLang="ko-Kore-KR" dirty="0" err="1">
-                <a:latin typeface="DM Mono" panose="020B0509040201040103" pitchFamily="49" charset="0"/>
-              </a:rPr>
-              <a:t>rhs.age</a:t>
-            </a:r>
-            <a:r>
-              <a:rPr kumimoji="1" lang="en" altLang="ko-Kore-KR" dirty="0">
-                <a:latin typeface="DM Mono" panose="020B0509040201040103" pitchFamily="49" charset="0"/>
-              </a:rPr>
-              <a:t>)</a:t>
-            </a:r>
-          </a:p>
-          <a:p>
-            <a:pPr algn="l"/>
-            <a:r>
-              <a:rPr kumimoji="1" lang="en" altLang="ko-Kore-KR" dirty="0">
+            <a:r>
+              <a:rPr lang="ko-Kore-KR" altLang="en-US" sz="1400" dirty="0">
+                <a:latin typeface="DM Mono" panose="020B0509040201040103" pitchFamily="49" charset="0"/>
+              </a:rPr>
+              <a:t> User(const char *s, int n)</a:t>
+            </a:r>
+          </a:p>
+          <a:p>
+            <a:r>
+              <a:rPr lang="ko-Kore-KR" altLang="en-US" sz="1400" dirty="0">
+                <a:latin typeface="DM Mono" panose="020B0509040201040103" pitchFamily="49" charset="0"/>
+              </a:rPr>
+              <a:t>      : age(n)</a:t>
+            </a:r>
+          </a:p>
+          <a:p>
+            <a:r>
+              <a:rPr lang="ko-Kore-KR" altLang="en-US" sz="1400" dirty="0">
                 <a:latin typeface="DM Mono" panose="020B0509040201040103" pitchFamily="49" charset="0"/>
               </a:rPr>
               <a:t>  {</a:t>
             </a:r>
           </a:p>
           <a:p>
-            <a:pPr algn="l"/>
-            <a:r>
-              <a:rPr kumimoji="1" lang="en" altLang="ko-Kore-KR" dirty="0">
+            <a:r>
+              <a:rPr lang="ko-Kore-KR" altLang="en-US" sz="1400" dirty="0">
+                <a:latin typeface="DM Mono" panose="020B0509040201040103" pitchFamily="49" charset="0"/>
+              </a:rPr>
+              <a:t>    name = new char[strlen(s) + 1];</a:t>
+            </a:r>
+          </a:p>
+          <a:p>
+            <a:r>
+              <a:rPr lang="ko-Kore-KR" altLang="en-US" sz="1400" dirty="0">
+                <a:latin typeface="DM Mono" panose="020B0509040201040103" pitchFamily="49" charset="0"/>
+              </a:rPr>
+              <a:t>    strcpy(name, s);</a:t>
+            </a:r>
+          </a:p>
+          <a:p>
+            <a:endParaRPr lang="ko-Kore-KR" altLang="en-US" sz="1400" dirty="0">
+              <a:latin typeface="DM Mono" panose="020B0509040201040103" pitchFamily="49" charset="0"/>
+            </a:endParaRPr>
+          </a:p>
+          <a:p>
+            <a:r>
+              <a:rPr lang="ko-Kore-KR" altLang="en-US" sz="1400" dirty="0">
                 <a:solidFill>
                   <a:srgbClr val="FF0000"/>
                 </a:solidFill>
                 <a:latin typeface="DM Mono" panose="020B0509040201040103" pitchFamily="49" charset="0"/>
               </a:rPr>
-              <a:t>    name = new char[</a:t>
-            </a:r>
-            <a:r>
-              <a:rPr kumimoji="1" lang="en" altLang="ko-Kore-KR" dirty="0" err="1">
-                <a:solidFill>
-                  <a:srgbClr val="FF0000"/>
-                </a:solidFill>
-                <a:latin typeface="DM Mono" panose="020B0509040201040103" pitchFamily="49" charset="0"/>
-              </a:rPr>
-              <a:t>strlen</a:t>
-            </a:r>
-            <a:r>
-              <a:rPr kumimoji="1" lang="en" altLang="ko-Kore-KR" dirty="0">
-                <a:solidFill>
-                  <a:srgbClr val="FF0000"/>
-                </a:solidFill>
-                <a:latin typeface="DM Mono" panose="020B0509040201040103" pitchFamily="49" charset="0"/>
-              </a:rPr>
-              <a:t>(</a:t>
-            </a:r>
-            <a:r>
-              <a:rPr kumimoji="1" lang="en" altLang="ko-Kore-KR" dirty="0" err="1">
-                <a:solidFill>
-                  <a:srgbClr val="FF0000"/>
-                </a:solidFill>
-                <a:latin typeface="DM Mono" panose="020B0509040201040103" pitchFamily="49" charset="0"/>
-              </a:rPr>
-              <a:t>rhs.name</a:t>
-            </a:r>
-            <a:r>
-              <a:rPr kumimoji="1" lang="en" altLang="ko-Kore-KR" dirty="0">
-                <a:solidFill>
-                  <a:srgbClr val="FF0000"/>
-                </a:solidFill>
-                <a:latin typeface="DM Mono" panose="020B0509040201040103" pitchFamily="49" charset="0"/>
-              </a:rPr>
-              <a:t>) + 1];</a:t>
-            </a:r>
-          </a:p>
-          <a:p>
-            <a:pPr algn="l"/>
-            <a:r>
-              <a:rPr kumimoji="1" lang="en" altLang="ko-Kore-KR" dirty="0">
-                <a:latin typeface="DM Mono" panose="020B0509040201040103" pitchFamily="49" charset="0"/>
-              </a:rPr>
-              <a:t>    </a:t>
-            </a:r>
-            <a:r>
-              <a:rPr kumimoji="1" lang="en" altLang="ko-Kore-KR" dirty="0" err="1">
-                <a:latin typeface="DM Mono" panose="020B0509040201040103" pitchFamily="49" charset="0"/>
-              </a:rPr>
-              <a:t>strcpy</a:t>
-            </a:r>
-            <a:r>
-              <a:rPr kumimoji="1" lang="en" altLang="ko-Kore-KR" dirty="0">
-                <a:latin typeface="DM Mono" panose="020B0509040201040103" pitchFamily="49" charset="0"/>
-              </a:rPr>
-              <a:t>(name, </a:t>
-            </a:r>
-            <a:r>
-              <a:rPr kumimoji="1" lang="en" altLang="ko-Kore-KR" dirty="0" err="1">
-                <a:latin typeface="DM Mono" panose="020B0509040201040103" pitchFamily="49" charset="0"/>
-              </a:rPr>
-              <a:t>rhs.name</a:t>
-            </a:r>
-            <a:r>
-              <a:rPr kumimoji="1" lang="en" altLang="ko-Kore-KR" dirty="0">
-                <a:latin typeface="DM Mono" panose="020B0509040201040103" pitchFamily="49" charset="0"/>
-              </a:rPr>
-              <a:t>);</a:t>
-            </a:r>
-          </a:p>
-          <a:p>
-            <a:pPr algn="l"/>
-            <a:r>
-              <a:rPr kumimoji="1" lang="en" altLang="ko-Kore-KR" dirty="0">
+              <a:t>    ref = new int(1);</a:t>
+            </a:r>
+          </a:p>
+          <a:p>
+            <a:r>
+              <a:rPr lang="ko-Kore-KR" altLang="en-US" sz="1400" dirty="0">
                 <a:latin typeface="DM Mono" panose="020B0509040201040103" pitchFamily="49" charset="0"/>
               </a:rPr>
               <a:t>  }</a:t>
             </a:r>
-            <a:endParaRPr kumimoji="1" lang="ko-Kore-KR" altLang="en-US" dirty="0">
-              <a:latin typeface="DM Mono" panose="020B0509040201040103" pitchFamily="49" charset="0"/>
-            </a:endParaRPr>
           </a:p>
         </p:txBody>
       </p:sp>
     </p:spTree>
     <p:extLst>
       <p:ext uri="{BB962C8B-B14F-4D97-AF65-F5344CB8AC3E}">
-        <p14:creationId xmlns:p14="http://schemas.microsoft.com/office/powerpoint/2010/main" val="814605866"/>
+        <p14:creationId xmlns:p14="http://schemas.microsoft.com/office/powerpoint/2010/main" val="3544223997"/>
       </p:ext>
     </p:extLst>
   </p:cSld>
@@ -16269,6 +16149,9 @@
           <a:p>
             <a:r>
               <a:rPr lang="ko-Kore-KR" altLang="en-US" dirty="0">
+                <a:solidFill>
+                  <a:srgbClr val="FF0000"/>
+                </a:solidFill>
                 <a:latin typeface="DM Mono" panose="020B0509040201040103" pitchFamily="49" charset="0"/>
               </a:rPr>
               <a:t>User user2 = user1;</a:t>
@@ -16524,7 +16407,7 @@
         </p:nvSpPr>
         <p:spPr>
           <a:xfrm>
-            <a:off x="9164385" y="1056418"/>
+            <a:off x="9461771" y="2362286"/>
             <a:ext cx="1277473" cy="355953"/>
           </a:xfrm>
           <a:prstGeom prst="rect">
@@ -16592,7 +16475,7 @@
         <p:spPr>
           <a:xfrm>
             <a:off x="7412684" y="1048479"/>
-            <a:ext cx="1751701" cy="185916"/>
+            <a:ext cx="2049087" cy="1491784"/>
           </a:xfrm>
           <a:prstGeom prst="curvedConnector3">
             <a:avLst/>
@@ -16723,7 +16606,7 @@
         </p:nvSpPr>
         <p:spPr>
           <a:xfrm>
-            <a:off x="9164385" y="2022857"/>
+            <a:off x="9440289" y="2977230"/>
             <a:ext cx="664577" cy="355953"/>
           </a:xfrm>
           <a:prstGeom prst="rect">
@@ -16757,15 +16640,15 @@
             <a:r>
               <a:rPr kumimoji="1" lang="en-US" altLang="ko-Kore-KR" dirty="0">
                 <a:solidFill>
-                  <a:schemeClr val="tx1"/>
+                  <a:srgbClr val="FF0000"/>
                 </a:solidFill>
                 <a:latin typeface="DM Mono" panose="020B0509040201040103" pitchFamily="49" charset="0"/>
               </a:rPr>
-              <a:t>1</a:t>
+              <a:t>2</a:t>
             </a:r>
             <a:endParaRPr kumimoji="1" lang="ko-Kore-KR" altLang="en-US" dirty="0">
               <a:solidFill>
-                <a:schemeClr val="tx1"/>
+                <a:srgbClr val="FF0000"/>
               </a:solidFill>
               <a:latin typeface="DM Mono" panose="020B0509040201040103" pitchFamily="49" charset="0"/>
             </a:endParaRPr>
@@ -16791,7 +16674,7 @@
         <p:spPr>
           <a:xfrm>
             <a:off x="7412682" y="1753628"/>
-            <a:ext cx="1751703" cy="447206"/>
+            <a:ext cx="2027607" cy="1401579"/>
           </a:xfrm>
           <a:prstGeom prst="curvedConnector3">
             <a:avLst/>
@@ -16817,10 +16700,127 @@
       </p:cxnSp>
       <p:sp>
         <p:nvSpPr>
-          <p:cNvPr id="27" name="TextBox 26">
-            <a:extLst>
-              <a:ext uri="{FF2B5EF4-FFF2-40B4-BE49-F238E27FC236}">
-                <a16:creationId xmlns:a16="http://schemas.microsoft.com/office/drawing/2014/main" id="{2CFA9D36-4658-80FC-1FEC-47216F49F7FB}"/>
+          <p:cNvPr id="2" name="직사각형 1">
+            <a:extLst>
+              <a:ext uri="{FF2B5EF4-FFF2-40B4-BE49-F238E27FC236}">
+                <a16:creationId xmlns:a16="http://schemas.microsoft.com/office/drawing/2014/main" id="{83C1E0ED-32F6-CD2A-52CD-17CF9081F023}"/>
+              </a:ext>
+            </a:extLst>
+          </p:cNvPr>
+          <p:cNvSpPr/>
+          <p:nvPr/>
+        </p:nvSpPr>
+        <p:spPr>
+          <a:xfrm>
+            <a:off x="6748106" y="3043778"/>
+            <a:ext cx="664577" cy="355953"/>
+          </a:xfrm>
+          <a:prstGeom prst="rect">
+            <a:avLst/>
+          </a:prstGeom>
+          <a:solidFill>
+            <a:srgbClr val="FFFF00"/>
+          </a:solidFill>
+        </p:spPr>
+        <p:style>
+          <a:lnRef idx="2">
+            <a:schemeClr val="accent1">
+              <a:shade val="50000"/>
+            </a:schemeClr>
+          </a:lnRef>
+          <a:fillRef idx="1">
+            <a:schemeClr val="accent1"/>
+          </a:fillRef>
+          <a:effectRef idx="0">
+            <a:schemeClr val="accent1"/>
+          </a:effectRef>
+          <a:fontRef idx="minor">
+            <a:schemeClr val="lt1"/>
+          </a:fontRef>
+        </p:style>
+        <p:txBody>
+          <a:bodyPr rtlCol="0" anchor="ctr"/>
+          <a:lstStyle/>
+          <a:p>
+            <a:pPr algn="ctr"/>
+            <a:endParaRPr kumimoji="1" lang="ko-Kore-KR" altLang="en-US" dirty="0">
+              <a:solidFill>
+                <a:schemeClr val="tx1"/>
+              </a:solidFill>
+              <a:latin typeface="DM Mono" panose="020B0509040201040103" pitchFamily="49" charset="0"/>
+            </a:endParaRPr>
+          </a:p>
+        </p:txBody>
+      </p:sp>
+      <p:sp>
+        <p:nvSpPr>
+          <p:cNvPr id="3" name="직사각형 2">
+            <a:extLst>
+              <a:ext uri="{FF2B5EF4-FFF2-40B4-BE49-F238E27FC236}">
+                <a16:creationId xmlns:a16="http://schemas.microsoft.com/office/drawing/2014/main" id="{D4E8F6BB-37F4-DB3A-5771-1896803E5C79}"/>
+              </a:ext>
+            </a:extLst>
+          </p:cNvPr>
+          <p:cNvSpPr/>
+          <p:nvPr/>
+        </p:nvSpPr>
+        <p:spPr>
+          <a:xfrm>
+            <a:off x="6748105" y="3399731"/>
+            <a:ext cx="664577" cy="355953"/>
+          </a:xfrm>
+          <a:prstGeom prst="rect">
+            <a:avLst/>
+          </a:prstGeom>
+          <a:solidFill>
+            <a:srgbClr val="FFFF00"/>
+          </a:solidFill>
+        </p:spPr>
+        <p:style>
+          <a:lnRef idx="2">
+            <a:schemeClr val="accent1">
+              <a:shade val="50000"/>
+            </a:schemeClr>
+          </a:lnRef>
+          <a:fillRef idx="1">
+            <a:schemeClr val="accent1"/>
+          </a:fillRef>
+          <a:effectRef idx="0">
+            <a:schemeClr val="accent1"/>
+          </a:effectRef>
+          <a:fontRef idx="minor">
+            <a:schemeClr val="lt1"/>
+          </a:fontRef>
+        </p:style>
+        <p:txBody>
+          <a:bodyPr rtlCol="0" anchor="ctr"/>
+          <a:lstStyle/>
+          <a:p>
+            <a:pPr algn="ctr"/>
+            <a:r>
+              <a:rPr kumimoji="1" lang="en-US" altLang="ko-Kore-KR" dirty="0">
+                <a:solidFill>
+                  <a:schemeClr val="tx1"/>
+                </a:solidFill>
+                <a:latin typeface="DM Mono" panose="020B0509040201040103" pitchFamily="49" charset="0"/>
+              </a:rPr>
+              <a:t>42</a:t>
+            </a:r>
+            <a:endParaRPr kumimoji="1" lang="ko-Kore-KR" altLang="en-US" dirty="0">
+              <a:solidFill>
+                <a:schemeClr val="tx1"/>
+              </a:solidFill>
+              <a:latin typeface="DM Mono" panose="020B0509040201040103" pitchFamily="49" charset="0"/>
+            </a:endParaRPr>
+          </a:p>
+        </p:txBody>
+      </p:sp>
+      <p:sp>
+        <p:nvSpPr>
+          <p:cNvPr id="4" name="TextBox 3">
+            <a:extLst>
+              <a:ext uri="{FF2B5EF4-FFF2-40B4-BE49-F238E27FC236}">
+                <a16:creationId xmlns:a16="http://schemas.microsoft.com/office/drawing/2014/main" id="{3D79B373-179D-7F99-047C-909D59B04F4D}"/>
               </a:ext>
             </a:extLst>
           </p:cNvPr>
@@ -16829,8 +16829,8 @@
         </p:nvSpPr>
         <p:spPr>
           <a:xfrm>
-            <a:off x="440831" y="258209"/>
-            <a:ext cx="4935641" cy="1815882"/>
+            <a:off x="5722374" y="3037088"/>
+            <a:ext cx="1025730" cy="369332"/>
           </a:xfrm>
           <a:prstGeom prst="rect">
             <a:avLst/>
@@ -16843,64 +16843,345 @@
           </a:bodyPr>
           <a:lstStyle/>
           <a:p>
-            <a:r>
-              <a:rPr lang="ko-Kore-KR" altLang="en-US" sz="1400" dirty="0">
-                <a:latin typeface="DM Mono" panose="020B0509040201040103" pitchFamily="49" charset="0"/>
-              </a:rPr>
-              <a:t> User(const char *s, int n)</a:t>
-            </a:r>
-          </a:p>
-          <a:p>
-            <a:r>
-              <a:rPr lang="ko-Kore-KR" altLang="en-US" sz="1400" dirty="0">
-                <a:latin typeface="DM Mono" panose="020B0509040201040103" pitchFamily="49" charset="0"/>
-              </a:rPr>
-              <a:t>      : age(n)</a:t>
-            </a:r>
-          </a:p>
-          <a:p>
-            <a:r>
-              <a:rPr lang="ko-Kore-KR" altLang="en-US" sz="1400" dirty="0">
-                <a:latin typeface="DM Mono" panose="020B0509040201040103" pitchFamily="49" charset="0"/>
-              </a:rPr>
-              <a:t>  {</a:t>
-            </a:r>
-          </a:p>
-          <a:p>
-            <a:r>
-              <a:rPr lang="ko-Kore-KR" altLang="en-US" sz="1400" dirty="0">
-                <a:latin typeface="DM Mono" panose="020B0509040201040103" pitchFamily="49" charset="0"/>
-              </a:rPr>
-              <a:t>    name = new char[strlen(s) + 1];</a:t>
-            </a:r>
-          </a:p>
-          <a:p>
-            <a:r>
-              <a:rPr lang="ko-Kore-KR" altLang="en-US" sz="1400" dirty="0">
-                <a:latin typeface="DM Mono" panose="020B0509040201040103" pitchFamily="49" charset="0"/>
-              </a:rPr>
-              <a:t>    strcpy(name, s);</a:t>
-            </a:r>
-          </a:p>
-          <a:p>
-            <a:endParaRPr lang="ko-Kore-KR" altLang="en-US" sz="1400" dirty="0">
+            <a:pPr algn="r"/>
+            <a:r>
+              <a:rPr lang="en-US" altLang="ko-Kore-KR" dirty="0">
+                <a:latin typeface="DM Mono" panose="020B0509040201040103" pitchFamily="49" charset="0"/>
+              </a:rPr>
+              <a:t>name</a:t>
+            </a:r>
+            <a:endParaRPr lang="ko-Kore-KR" altLang="en-US" dirty="0"/>
+          </a:p>
+        </p:txBody>
+      </p:sp>
+      <p:sp>
+        <p:nvSpPr>
+          <p:cNvPr id="5" name="TextBox 4">
+            <a:extLst>
+              <a:ext uri="{FF2B5EF4-FFF2-40B4-BE49-F238E27FC236}">
+                <a16:creationId xmlns:a16="http://schemas.microsoft.com/office/drawing/2014/main" id="{654C2366-6EBD-7938-55E1-56AD4B16917E}"/>
+              </a:ext>
+            </a:extLst>
+          </p:cNvPr>
+          <p:cNvSpPr txBox="1"/>
+          <p:nvPr/>
+        </p:nvSpPr>
+        <p:spPr>
+          <a:xfrm>
+            <a:off x="5722374" y="3400981"/>
+            <a:ext cx="1025730" cy="369332"/>
+          </a:xfrm>
+          <a:prstGeom prst="rect">
+            <a:avLst/>
+          </a:prstGeom>
+          <a:noFill/>
+        </p:spPr>
+        <p:txBody>
+          <a:bodyPr wrap="square">
+            <a:spAutoFit/>
+          </a:bodyPr>
+          <a:lstStyle/>
+          <a:p>
+            <a:pPr algn="r"/>
+            <a:r>
+              <a:rPr lang="en-US" altLang="ko-Kore-KR" dirty="0">
+                <a:latin typeface="DM Mono" panose="020B0509040201040103" pitchFamily="49" charset="0"/>
+              </a:rPr>
+              <a:t>age</a:t>
+            </a:r>
+            <a:endParaRPr lang="ko-Kore-KR" altLang="en-US" dirty="0"/>
+          </a:p>
+        </p:txBody>
+      </p:sp>
+      <p:sp>
+        <p:nvSpPr>
+          <p:cNvPr id="6" name="TextBox 5">
+            <a:extLst>
+              <a:ext uri="{FF2B5EF4-FFF2-40B4-BE49-F238E27FC236}">
+                <a16:creationId xmlns:a16="http://schemas.microsoft.com/office/drawing/2014/main" id="{8C2FDF82-EA66-BC6A-98CF-45E1A7EE6BF1}"/>
+              </a:ext>
+            </a:extLst>
+          </p:cNvPr>
+          <p:cNvSpPr txBox="1"/>
+          <p:nvPr/>
+        </p:nvSpPr>
+        <p:spPr>
+          <a:xfrm>
+            <a:off x="6472202" y="2703471"/>
+            <a:ext cx="1216382" cy="369332"/>
+          </a:xfrm>
+          <a:prstGeom prst="rect">
+            <a:avLst/>
+          </a:prstGeom>
+          <a:noFill/>
+        </p:spPr>
+        <p:txBody>
+          <a:bodyPr wrap="square">
+            <a:spAutoFit/>
+          </a:bodyPr>
+          <a:lstStyle/>
+          <a:p>
+            <a:pPr algn="ctr"/>
+            <a:r>
+              <a:rPr lang="ko-Kore-KR" altLang="en-US" dirty="0">
+                <a:latin typeface="DM Mono" panose="020B0509040201040103" pitchFamily="49" charset="0"/>
+              </a:rPr>
+              <a:t>user</a:t>
+            </a:r>
+            <a:r>
+              <a:rPr lang="en-US" altLang="ko-Kore-KR" dirty="0">
+                <a:latin typeface="DM Mono" panose="020B0509040201040103" pitchFamily="49" charset="0"/>
+              </a:rPr>
+              <a:t>2</a:t>
+            </a:r>
+            <a:endParaRPr lang="ko-Kore-KR" altLang="en-US" dirty="0"/>
+          </a:p>
+        </p:txBody>
+      </p:sp>
+      <p:sp>
+        <p:nvSpPr>
+          <p:cNvPr id="11" name="직사각형 10">
+            <a:extLst>
+              <a:ext uri="{FF2B5EF4-FFF2-40B4-BE49-F238E27FC236}">
+                <a16:creationId xmlns:a16="http://schemas.microsoft.com/office/drawing/2014/main" id="{75BEF15A-57E7-D3FB-EA70-943BB80F192C}"/>
+              </a:ext>
+            </a:extLst>
+          </p:cNvPr>
+          <p:cNvSpPr/>
+          <p:nvPr/>
+        </p:nvSpPr>
+        <p:spPr>
+          <a:xfrm>
+            <a:off x="6748104" y="3748927"/>
+            <a:ext cx="664577" cy="355953"/>
+          </a:xfrm>
+          <a:prstGeom prst="rect">
+            <a:avLst/>
+          </a:prstGeom>
+          <a:solidFill>
+            <a:srgbClr val="FFFF00"/>
+          </a:solidFill>
+        </p:spPr>
+        <p:style>
+          <a:lnRef idx="2">
+            <a:schemeClr val="accent1">
+              <a:shade val="50000"/>
+            </a:schemeClr>
+          </a:lnRef>
+          <a:fillRef idx="1">
+            <a:schemeClr val="accent1"/>
+          </a:fillRef>
+          <a:effectRef idx="0">
+            <a:schemeClr val="accent1"/>
+          </a:effectRef>
+          <a:fontRef idx="minor">
+            <a:schemeClr val="lt1"/>
+          </a:fontRef>
+        </p:style>
+        <p:txBody>
+          <a:bodyPr rtlCol="0" anchor="ctr"/>
+          <a:lstStyle/>
+          <a:p>
+            <a:pPr algn="ctr"/>
+            <a:endParaRPr kumimoji="1" lang="ko-Kore-KR" altLang="en-US" dirty="0">
+              <a:solidFill>
+                <a:schemeClr val="tx1"/>
+              </a:solidFill>
               <a:latin typeface="DM Mono" panose="020B0509040201040103" pitchFamily="49" charset="0"/>
             </a:endParaRPr>
           </a:p>
-          <a:p>
-            <a:r>
-              <a:rPr lang="ko-Kore-KR" altLang="en-US" sz="1400" dirty="0">
+        </p:txBody>
+      </p:sp>
+      <p:sp>
+        <p:nvSpPr>
+          <p:cNvPr id="13" name="TextBox 12">
+            <a:extLst>
+              <a:ext uri="{FF2B5EF4-FFF2-40B4-BE49-F238E27FC236}">
+                <a16:creationId xmlns:a16="http://schemas.microsoft.com/office/drawing/2014/main" id="{1CB9C59C-D463-E002-6594-BC908EE897C4}"/>
+              </a:ext>
+            </a:extLst>
+          </p:cNvPr>
+          <p:cNvSpPr txBox="1"/>
+          <p:nvPr/>
+        </p:nvSpPr>
+        <p:spPr>
+          <a:xfrm>
+            <a:off x="5722373" y="3743119"/>
+            <a:ext cx="1025730" cy="369332"/>
+          </a:xfrm>
+          <a:prstGeom prst="rect">
+            <a:avLst/>
+          </a:prstGeom>
+          <a:noFill/>
+        </p:spPr>
+        <p:txBody>
+          <a:bodyPr wrap="square">
+            <a:spAutoFit/>
+          </a:bodyPr>
+          <a:lstStyle/>
+          <a:p>
+            <a:pPr algn="r"/>
+            <a:r>
+              <a:rPr lang="en-US" altLang="ko-Kore-KR" dirty="0">
+                <a:latin typeface="DM Mono" panose="020B0509040201040103" pitchFamily="49" charset="0"/>
+              </a:rPr>
+              <a:t>ref</a:t>
+            </a:r>
+            <a:endParaRPr lang="ko-Kore-KR" altLang="en-US" dirty="0"/>
+          </a:p>
+        </p:txBody>
+      </p:sp>
+      <p:cxnSp>
+        <p:nvCxnSpPr>
+          <p:cNvPr id="16" name="구부러진 연결선[U] 15">
+            <a:extLst>
+              <a:ext uri="{FF2B5EF4-FFF2-40B4-BE49-F238E27FC236}">
+                <a16:creationId xmlns:a16="http://schemas.microsoft.com/office/drawing/2014/main" id="{30304837-8EAF-3CD1-D269-005B29332E9A}"/>
+              </a:ext>
+            </a:extLst>
+          </p:cNvPr>
+          <p:cNvCxnSpPr>
+            <a:cxnSpLocks/>
+            <a:stCxn id="2" idx="3"/>
+            <a:endCxn id="15" idx="1"/>
+          </p:cNvCxnSpPr>
+          <p:nvPr/>
+        </p:nvCxnSpPr>
+        <p:spPr>
+          <a:xfrm flipV="1">
+            <a:off x="7412683" y="2540263"/>
+            <a:ext cx="2049088" cy="681492"/>
+          </a:xfrm>
+          <a:prstGeom prst="curvedConnector3">
+            <a:avLst/>
+          </a:prstGeom>
+          <a:ln w="12700">
+            <a:tailEnd type="triangle"/>
+          </a:ln>
+        </p:spPr>
+        <p:style>
+          <a:lnRef idx="1">
+            <a:schemeClr val="dk1"/>
+          </a:lnRef>
+          <a:fillRef idx="0">
+            <a:schemeClr val="dk1"/>
+          </a:fillRef>
+          <a:effectRef idx="0">
+            <a:schemeClr val="dk1"/>
+          </a:effectRef>
+          <a:fontRef idx="minor">
+            <a:schemeClr val="tx1"/>
+          </a:fontRef>
+        </p:style>
+      </p:cxnSp>
+      <p:cxnSp>
+        <p:nvCxnSpPr>
+          <p:cNvPr id="29" name="구부러진 연결선[U] 28">
+            <a:extLst>
+              <a:ext uri="{FF2B5EF4-FFF2-40B4-BE49-F238E27FC236}">
+                <a16:creationId xmlns:a16="http://schemas.microsoft.com/office/drawing/2014/main" id="{9D2F5490-3480-7D46-1E89-F9CDAD0139EF}"/>
+              </a:ext>
+            </a:extLst>
+          </p:cNvPr>
+          <p:cNvCxnSpPr>
+            <a:cxnSpLocks/>
+            <a:stCxn id="11" idx="3"/>
+            <a:endCxn id="22" idx="1"/>
+          </p:cNvCxnSpPr>
+          <p:nvPr/>
+        </p:nvCxnSpPr>
+        <p:spPr>
+          <a:xfrm flipV="1">
+            <a:off x="7412681" y="3155207"/>
+            <a:ext cx="2027608" cy="771697"/>
+          </a:xfrm>
+          <a:prstGeom prst="curvedConnector3">
+            <a:avLst/>
+          </a:prstGeom>
+          <a:ln w="12700">
+            <a:tailEnd type="triangle"/>
+          </a:ln>
+        </p:spPr>
+        <p:style>
+          <a:lnRef idx="1">
+            <a:schemeClr val="dk1"/>
+          </a:lnRef>
+          <a:fillRef idx="0">
+            <a:schemeClr val="dk1"/>
+          </a:fillRef>
+          <a:effectRef idx="0">
+            <a:schemeClr val="dk1"/>
+          </a:effectRef>
+          <a:fontRef idx="minor">
+            <a:schemeClr val="tx1"/>
+          </a:fontRef>
+        </p:style>
+      </p:cxnSp>
+      <p:sp>
+        <p:nvSpPr>
+          <p:cNvPr id="33" name="TextBox 32">
+            <a:extLst>
+              <a:ext uri="{FF2B5EF4-FFF2-40B4-BE49-F238E27FC236}">
+                <a16:creationId xmlns:a16="http://schemas.microsoft.com/office/drawing/2014/main" id="{7B8756E5-F22B-D9CF-CA34-343A3E385C31}"/>
+              </a:ext>
+            </a:extLst>
+          </p:cNvPr>
+          <p:cNvSpPr txBox="1"/>
+          <p:nvPr/>
+        </p:nvSpPr>
+        <p:spPr>
+          <a:xfrm>
+            <a:off x="189875" y="361473"/>
+            <a:ext cx="5151620" cy="1015663"/>
+          </a:xfrm>
+          <a:prstGeom prst="rect">
+            <a:avLst/>
+          </a:prstGeom>
+          <a:noFill/>
+        </p:spPr>
+        <p:txBody>
+          <a:bodyPr wrap="square">
+            <a:spAutoFit/>
+          </a:bodyPr>
+          <a:lstStyle/>
+          <a:p>
+            <a:r>
+              <a:rPr lang="ko-Kore-KR" altLang="en-US" sz="1200" dirty="0">
+                <a:latin typeface="DM Mono" panose="020B0509040201040103" pitchFamily="49" charset="0"/>
+              </a:rPr>
+              <a:t> User(const User &amp;rhs)</a:t>
+            </a:r>
+          </a:p>
+          <a:p>
+            <a:r>
+              <a:rPr lang="ko-Kore-KR" altLang="en-US" sz="1200" dirty="0">
+                <a:latin typeface="DM Mono" panose="020B0509040201040103" pitchFamily="49" charset="0"/>
+              </a:rPr>
+              <a:t>      : name(rhs.name), age(rhs.age), ref(rhs.ref)</a:t>
+            </a:r>
+          </a:p>
+          <a:p>
+            <a:r>
+              <a:rPr lang="ko-Kore-KR" altLang="en-US" sz="1200" dirty="0">
+                <a:latin typeface="DM Mono" panose="020B0509040201040103" pitchFamily="49" charset="0"/>
+              </a:rPr>
+              <a:t>  {</a:t>
+            </a:r>
+          </a:p>
+          <a:p>
+            <a:r>
+              <a:rPr lang="ko-Kore-KR" altLang="en-US" sz="1200" dirty="0">
                 <a:solidFill>
                   <a:srgbClr val="FF0000"/>
                 </a:solidFill>
                 <a:latin typeface="DM Mono" panose="020B0509040201040103" pitchFamily="49" charset="0"/>
               </a:rPr>
-              <a:t>    ref = new int(1);</a:t>
-            </a:r>
-          </a:p>
-          <a:p>
-            <a:r>
-              <a:rPr lang="ko-Kore-KR" altLang="en-US" sz="1400" dirty="0">
+              <a:t>    ++(*ref);</a:t>
+            </a:r>
+          </a:p>
+          <a:p>
+            <a:r>
+              <a:rPr lang="ko-Kore-KR" altLang="en-US" sz="1200" dirty="0">
                 <a:latin typeface="DM Mono" panose="020B0509040201040103" pitchFamily="49" charset="0"/>
               </a:rPr>
               <a:t>  }</a:t>
@@ -16911,7 +17192,7 @@
     </p:spTree>
     <p:extLst>
       <p:ext uri="{BB962C8B-B14F-4D97-AF65-F5344CB8AC3E}">
-        <p14:creationId xmlns:p14="http://schemas.microsoft.com/office/powerpoint/2010/main" val="3544223997"/>
+        <p14:creationId xmlns:p14="http://schemas.microsoft.com/office/powerpoint/2010/main" val="2270712487"/>
       </p:ext>
     </p:extLst>
   </p:cSld>
@@ -16953,7 +17234,7 @@
         <p:spPr>
           <a:xfrm>
             <a:off x="291280" y="5470939"/>
-            <a:ext cx="6098458" cy="646331"/>
+            <a:ext cx="6098458" cy="923330"/>
           </a:xfrm>
           <a:prstGeom prst="rect">
             <a:avLst/>
@@ -16976,13 +17257,30 @@
           <a:p>
             <a:r>
               <a:rPr lang="ko-Kore-KR" altLang="en-US" dirty="0">
+                <a:latin typeface="DM Mono" panose="020B0509040201040103" pitchFamily="49" charset="0"/>
+              </a:rPr>
+              <a:t>User user2 = user1;</a:t>
+            </a:r>
+            <a:endParaRPr lang="en-US" altLang="ko-Kore-KR" dirty="0">
+              <a:latin typeface="DM Mono" panose="020B0509040201040103" pitchFamily="49" charset="0"/>
+            </a:endParaRPr>
+          </a:p>
+          <a:p>
+            <a:r>
+              <a:rPr lang="en-US" altLang="ko-Kore-KR" dirty="0">
                 <a:solidFill>
                   <a:srgbClr val="FF0000"/>
                 </a:solidFill>
                 <a:latin typeface="DM Mono" panose="020B0509040201040103" pitchFamily="49" charset="0"/>
               </a:rPr>
-              <a:t>User user2 = user1;</a:t>
-            </a:r>
+              <a:t>User user3 = user1;</a:t>
+            </a:r>
+            <a:endParaRPr lang="ko-Kore-KR" altLang="en-US" dirty="0">
+              <a:solidFill>
+                <a:srgbClr val="FF0000"/>
+              </a:solidFill>
+              <a:latin typeface="DM Mono" panose="020B0509040201040103" pitchFamily="49" charset="0"/>
+            </a:endParaRPr>
           </a:p>
         </p:txBody>
       </p:sp>
@@ -17234,7 +17532,7 @@
         </p:nvSpPr>
         <p:spPr>
           <a:xfrm>
-            <a:off x="9461771" y="2362286"/>
+            <a:off x="9939961" y="2761970"/>
             <a:ext cx="1277473" cy="355953"/>
           </a:xfrm>
           <a:prstGeom prst="rect">
@@ -17302,7 +17600,7 @@
         <p:spPr>
           <a:xfrm>
             <a:off x="7412684" y="1048479"/>
-            <a:ext cx="2049087" cy="1491784"/>
+            <a:ext cx="2527277" cy="1891468"/>
           </a:xfrm>
           <a:prstGeom prst="curvedConnector3">
             <a:avLst/>
@@ -17433,7 +17731,7 @@
         </p:nvSpPr>
         <p:spPr>
           <a:xfrm>
-            <a:off x="9440289" y="2977230"/>
+            <a:off x="9939961" y="3592336"/>
             <a:ext cx="664577" cy="355953"/>
           </a:xfrm>
           <a:prstGeom prst="rect">
@@ -17471,7 +17769,7 @@
                 </a:solidFill>
                 <a:latin typeface="DM Mono" panose="020B0509040201040103" pitchFamily="49" charset="0"/>
               </a:rPr>
-              <a:t>2</a:t>
+              <a:t>3</a:t>
             </a:r>
             <a:endParaRPr kumimoji="1" lang="ko-Kore-KR" altLang="en-US" dirty="0">
               <a:solidFill>
@@ -17501,7 +17799,7 @@
         <p:spPr>
           <a:xfrm>
             <a:off x="7412682" y="1753628"/>
-            <a:ext cx="2027607" cy="1401579"/>
+            <a:ext cx="2527279" cy="2016685"/>
           </a:xfrm>
           <a:prstGeom prst="curvedConnector3">
             <a:avLst/>
@@ -17876,8 +18174,8 @@
         </p:nvCxnSpPr>
         <p:spPr>
           <a:xfrm flipV="1">
-            <a:off x="7412683" y="2540263"/>
-            <a:ext cx="2049088" cy="681492"/>
+            <a:off x="7412683" y="2939947"/>
+            <a:ext cx="2527278" cy="281808"/>
           </a:xfrm>
           <a:prstGeom prst="curvedConnector3">
             <a:avLst/>
@@ -17919,8 +18217,8 @@
         </p:nvCxnSpPr>
         <p:spPr>
           <a:xfrm flipV="1">
-            <a:off x="7412681" y="3155207"/>
-            <a:ext cx="2027608" cy="771697"/>
+            <a:off x="7412681" y="3770313"/>
+            <a:ext cx="2527280" cy="156591"/>
           </a:xfrm>
           <a:prstGeom prst="curvedConnector3">
             <a:avLst/>
@@ -17946,10 +18244,431 @@
       </p:cxnSp>
       <p:sp>
         <p:nvSpPr>
-          <p:cNvPr id="33" name="TextBox 32">
-            <a:extLst>
-              <a:ext uri="{FF2B5EF4-FFF2-40B4-BE49-F238E27FC236}">
-                <a16:creationId xmlns:a16="http://schemas.microsoft.com/office/drawing/2014/main" id="{7B8756E5-F22B-D9CF-CA34-343A3E385C31}"/>
+          <p:cNvPr id="18" name="직사각형 17">
+            <a:extLst>
+              <a:ext uri="{FF2B5EF4-FFF2-40B4-BE49-F238E27FC236}">
+                <a16:creationId xmlns:a16="http://schemas.microsoft.com/office/drawing/2014/main" id="{6A23A848-466B-1039-7E71-905294B445EE}"/>
+              </a:ext>
+            </a:extLst>
+          </p:cNvPr>
+          <p:cNvSpPr/>
+          <p:nvPr/>
+        </p:nvSpPr>
+        <p:spPr>
+          <a:xfrm>
+            <a:off x="6748106" y="4631104"/>
+            <a:ext cx="664577" cy="355953"/>
+          </a:xfrm>
+          <a:prstGeom prst="rect">
+            <a:avLst/>
+          </a:prstGeom>
+          <a:solidFill>
+            <a:srgbClr val="FFFF00"/>
+          </a:solidFill>
+        </p:spPr>
+        <p:style>
+          <a:lnRef idx="2">
+            <a:schemeClr val="accent1">
+              <a:shade val="50000"/>
+            </a:schemeClr>
+          </a:lnRef>
+          <a:fillRef idx="1">
+            <a:schemeClr val="accent1"/>
+          </a:fillRef>
+          <a:effectRef idx="0">
+            <a:schemeClr val="accent1"/>
+          </a:effectRef>
+          <a:fontRef idx="minor">
+            <a:schemeClr val="lt1"/>
+          </a:fontRef>
+        </p:style>
+        <p:txBody>
+          <a:bodyPr rtlCol="0" anchor="ctr"/>
+          <a:lstStyle/>
+          <a:p>
+            <a:pPr algn="ctr"/>
+            <a:endParaRPr kumimoji="1" lang="ko-Kore-KR" altLang="en-US" dirty="0">
+              <a:solidFill>
+                <a:schemeClr val="tx1"/>
+              </a:solidFill>
+              <a:latin typeface="DM Mono" panose="020B0509040201040103" pitchFamily="49" charset="0"/>
+            </a:endParaRPr>
+          </a:p>
+        </p:txBody>
+      </p:sp>
+      <p:sp>
+        <p:nvSpPr>
+          <p:cNvPr id="21" name="직사각형 20">
+            <a:extLst>
+              <a:ext uri="{FF2B5EF4-FFF2-40B4-BE49-F238E27FC236}">
+                <a16:creationId xmlns:a16="http://schemas.microsoft.com/office/drawing/2014/main" id="{7F99F61C-2E93-A945-C456-259D7F0BEAF2}"/>
+              </a:ext>
+            </a:extLst>
+          </p:cNvPr>
+          <p:cNvSpPr/>
+          <p:nvPr/>
+        </p:nvSpPr>
+        <p:spPr>
+          <a:xfrm>
+            <a:off x="6748105" y="4987057"/>
+            <a:ext cx="664577" cy="355953"/>
+          </a:xfrm>
+          <a:prstGeom prst="rect">
+            <a:avLst/>
+          </a:prstGeom>
+          <a:solidFill>
+            <a:srgbClr val="FFFF00"/>
+          </a:solidFill>
+        </p:spPr>
+        <p:style>
+          <a:lnRef idx="2">
+            <a:schemeClr val="accent1">
+              <a:shade val="50000"/>
+            </a:schemeClr>
+          </a:lnRef>
+          <a:fillRef idx="1">
+            <a:schemeClr val="accent1"/>
+          </a:fillRef>
+          <a:effectRef idx="0">
+            <a:schemeClr val="accent1"/>
+          </a:effectRef>
+          <a:fontRef idx="minor">
+            <a:schemeClr val="lt1"/>
+          </a:fontRef>
+        </p:style>
+        <p:txBody>
+          <a:bodyPr rtlCol="0" anchor="ctr"/>
+          <a:lstStyle/>
+          <a:p>
+            <a:pPr algn="ctr"/>
+            <a:r>
+              <a:rPr kumimoji="1" lang="en-US" altLang="ko-Kore-KR" dirty="0">
+                <a:solidFill>
+                  <a:schemeClr val="tx1"/>
+                </a:solidFill>
+                <a:latin typeface="DM Mono" panose="020B0509040201040103" pitchFamily="49" charset="0"/>
+              </a:rPr>
+              <a:t>42</a:t>
+            </a:r>
+            <a:endParaRPr kumimoji="1" lang="ko-Kore-KR" altLang="en-US" dirty="0">
+              <a:solidFill>
+                <a:schemeClr val="tx1"/>
+              </a:solidFill>
+              <a:latin typeface="DM Mono" panose="020B0509040201040103" pitchFamily="49" charset="0"/>
+            </a:endParaRPr>
+          </a:p>
+        </p:txBody>
+      </p:sp>
+      <p:sp>
+        <p:nvSpPr>
+          <p:cNvPr id="24" name="TextBox 23">
+            <a:extLst>
+              <a:ext uri="{FF2B5EF4-FFF2-40B4-BE49-F238E27FC236}">
+                <a16:creationId xmlns:a16="http://schemas.microsoft.com/office/drawing/2014/main" id="{58202D29-09EB-FEAB-D355-E90DE4E4734E}"/>
+              </a:ext>
+            </a:extLst>
+          </p:cNvPr>
+          <p:cNvSpPr txBox="1"/>
+          <p:nvPr/>
+        </p:nvSpPr>
+        <p:spPr>
+          <a:xfrm>
+            <a:off x="5722374" y="4624414"/>
+            <a:ext cx="1025730" cy="369332"/>
+          </a:xfrm>
+          <a:prstGeom prst="rect">
+            <a:avLst/>
+          </a:prstGeom>
+          <a:noFill/>
+        </p:spPr>
+        <p:txBody>
+          <a:bodyPr wrap="square">
+            <a:spAutoFit/>
+          </a:bodyPr>
+          <a:lstStyle/>
+          <a:p>
+            <a:pPr algn="r"/>
+            <a:r>
+              <a:rPr lang="en-US" altLang="ko-Kore-KR" dirty="0">
+                <a:latin typeface="DM Mono" panose="020B0509040201040103" pitchFamily="49" charset="0"/>
+              </a:rPr>
+              <a:t>name</a:t>
+            </a:r>
+            <a:endParaRPr lang="ko-Kore-KR" altLang="en-US" dirty="0"/>
+          </a:p>
+        </p:txBody>
+      </p:sp>
+      <p:sp>
+        <p:nvSpPr>
+          <p:cNvPr id="25" name="TextBox 24">
+            <a:extLst>
+              <a:ext uri="{FF2B5EF4-FFF2-40B4-BE49-F238E27FC236}">
+                <a16:creationId xmlns:a16="http://schemas.microsoft.com/office/drawing/2014/main" id="{912A9DDA-3398-6C19-2501-01EBE48D8884}"/>
+              </a:ext>
+            </a:extLst>
+          </p:cNvPr>
+          <p:cNvSpPr txBox="1"/>
+          <p:nvPr/>
+        </p:nvSpPr>
+        <p:spPr>
+          <a:xfrm>
+            <a:off x="5722374" y="4988307"/>
+            <a:ext cx="1025730" cy="369332"/>
+          </a:xfrm>
+          <a:prstGeom prst="rect">
+            <a:avLst/>
+          </a:prstGeom>
+          <a:noFill/>
+        </p:spPr>
+        <p:txBody>
+          <a:bodyPr wrap="square">
+            <a:spAutoFit/>
+          </a:bodyPr>
+          <a:lstStyle/>
+          <a:p>
+            <a:pPr algn="r"/>
+            <a:r>
+              <a:rPr lang="en-US" altLang="ko-Kore-KR" dirty="0">
+                <a:latin typeface="DM Mono" panose="020B0509040201040103" pitchFamily="49" charset="0"/>
+              </a:rPr>
+              <a:t>age</a:t>
+            </a:r>
+            <a:endParaRPr lang="ko-Kore-KR" altLang="en-US" dirty="0"/>
+          </a:p>
+        </p:txBody>
+      </p:sp>
+      <p:sp>
+        <p:nvSpPr>
+          <p:cNvPr id="26" name="TextBox 25">
+            <a:extLst>
+              <a:ext uri="{FF2B5EF4-FFF2-40B4-BE49-F238E27FC236}">
+                <a16:creationId xmlns:a16="http://schemas.microsoft.com/office/drawing/2014/main" id="{D2E58AAB-A130-24B3-4181-21F061BE0616}"/>
+              </a:ext>
+            </a:extLst>
+          </p:cNvPr>
+          <p:cNvSpPr txBox="1"/>
+          <p:nvPr/>
+        </p:nvSpPr>
+        <p:spPr>
+          <a:xfrm>
+            <a:off x="6472202" y="4290797"/>
+            <a:ext cx="1216382" cy="369332"/>
+          </a:xfrm>
+          <a:prstGeom prst="rect">
+            <a:avLst/>
+          </a:prstGeom>
+          <a:noFill/>
+        </p:spPr>
+        <p:txBody>
+          <a:bodyPr wrap="square">
+            <a:spAutoFit/>
+          </a:bodyPr>
+          <a:lstStyle/>
+          <a:p>
+            <a:pPr algn="ctr"/>
+            <a:r>
+              <a:rPr lang="ko-Kore-KR" altLang="en-US" dirty="0">
+                <a:latin typeface="DM Mono" panose="020B0509040201040103" pitchFamily="49" charset="0"/>
+              </a:rPr>
+              <a:t>user</a:t>
+            </a:r>
+            <a:r>
+              <a:rPr lang="en-US" altLang="ko-Kore-KR" dirty="0">
+                <a:latin typeface="DM Mono" panose="020B0509040201040103" pitchFamily="49" charset="0"/>
+              </a:rPr>
+              <a:t>3</a:t>
+            </a:r>
+            <a:endParaRPr lang="ko-Kore-KR" altLang="en-US" dirty="0"/>
+          </a:p>
+        </p:txBody>
+      </p:sp>
+      <p:sp>
+        <p:nvSpPr>
+          <p:cNvPr id="27" name="직사각형 26">
+            <a:extLst>
+              <a:ext uri="{FF2B5EF4-FFF2-40B4-BE49-F238E27FC236}">
+                <a16:creationId xmlns:a16="http://schemas.microsoft.com/office/drawing/2014/main" id="{07964D00-A68C-E04B-9545-9E8A80544B85}"/>
+              </a:ext>
+            </a:extLst>
+          </p:cNvPr>
+          <p:cNvSpPr/>
+          <p:nvPr/>
+        </p:nvSpPr>
+        <p:spPr>
+          <a:xfrm>
+            <a:off x="6748104" y="5336253"/>
+            <a:ext cx="664577" cy="355953"/>
+          </a:xfrm>
+          <a:prstGeom prst="rect">
+            <a:avLst/>
+          </a:prstGeom>
+          <a:solidFill>
+            <a:srgbClr val="FFFF00"/>
+          </a:solidFill>
+        </p:spPr>
+        <p:style>
+          <a:lnRef idx="2">
+            <a:schemeClr val="accent1">
+              <a:shade val="50000"/>
+            </a:schemeClr>
+          </a:lnRef>
+          <a:fillRef idx="1">
+            <a:schemeClr val="accent1"/>
+          </a:fillRef>
+          <a:effectRef idx="0">
+            <a:schemeClr val="accent1"/>
+          </a:effectRef>
+          <a:fontRef idx="minor">
+            <a:schemeClr val="lt1"/>
+          </a:fontRef>
+        </p:style>
+        <p:txBody>
+          <a:bodyPr rtlCol="0" anchor="ctr"/>
+          <a:lstStyle/>
+          <a:p>
+            <a:pPr algn="ctr"/>
+            <a:endParaRPr kumimoji="1" lang="ko-Kore-KR" altLang="en-US" dirty="0">
+              <a:solidFill>
+                <a:schemeClr val="tx1"/>
+              </a:solidFill>
+              <a:latin typeface="DM Mono" panose="020B0509040201040103" pitchFamily="49" charset="0"/>
+            </a:endParaRPr>
+          </a:p>
+        </p:txBody>
+      </p:sp>
+      <p:sp>
+        <p:nvSpPr>
+          <p:cNvPr id="28" name="TextBox 27">
+            <a:extLst>
+              <a:ext uri="{FF2B5EF4-FFF2-40B4-BE49-F238E27FC236}">
+                <a16:creationId xmlns:a16="http://schemas.microsoft.com/office/drawing/2014/main" id="{32B64DE9-EBAD-C269-E5C5-77289FD7155F}"/>
+              </a:ext>
+            </a:extLst>
+          </p:cNvPr>
+          <p:cNvSpPr txBox="1"/>
+          <p:nvPr/>
+        </p:nvSpPr>
+        <p:spPr>
+          <a:xfrm>
+            <a:off x="5722373" y="5330445"/>
+            <a:ext cx="1025730" cy="369332"/>
+          </a:xfrm>
+          <a:prstGeom prst="rect">
+            <a:avLst/>
+          </a:prstGeom>
+          <a:noFill/>
+        </p:spPr>
+        <p:txBody>
+          <a:bodyPr wrap="square">
+            <a:spAutoFit/>
+          </a:bodyPr>
+          <a:lstStyle/>
+          <a:p>
+            <a:pPr algn="r"/>
+            <a:r>
+              <a:rPr lang="en-US" altLang="ko-Kore-KR" dirty="0">
+                <a:latin typeface="DM Mono" panose="020B0509040201040103" pitchFamily="49" charset="0"/>
+              </a:rPr>
+              <a:t>ref</a:t>
+            </a:r>
+            <a:endParaRPr lang="ko-Kore-KR" altLang="en-US" dirty="0"/>
+          </a:p>
+        </p:txBody>
+      </p:sp>
+      <p:cxnSp>
+        <p:nvCxnSpPr>
+          <p:cNvPr id="30" name="구부러진 연결선[U] 29">
+            <a:extLst>
+              <a:ext uri="{FF2B5EF4-FFF2-40B4-BE49-F238E27FC236}">
+                <a16:creationId xmlns:a16="http://schemas.microsoft.com/office/drawing/2014/main" id="{20B03093-622B-F351-3553-11340F036B8E}"/>
+              </a:ext>
+            </a:extLst>
+          </p:cNvPr>
+          <p:cNvCxnSpPr>
+            <a:cxnSpLocks/>
+            <a:stCxn id="27" idx="3"/>
+            <a:endCxn id="22" idx="1"/>
+          </p:cNvCxnSpPr>
+          <p:nvPr/>
+        </p:nvCxnSpPr>
+        <p:spPr>
+          <a:xfrm flipV="1">
+            <a:off x="7412681" y="3770313"/>
+            <a:ext cx="2527280" cy="1743917"/>
+          </a:xfrm>
+          <a:prstGeom prst="curvedConnector3">
+            <a:avLst>
+              <a:gd name="adj1" fmla="val 50000"/>
+            </a:avLst>
+          </a:prstGeom>
+          <a:ln w="12700">
+            <a:tailEnd type="triangle"/>
+          </a:ln>
+        </p:spPr>
+        <p:style>
+          <a:lnRef idx="1">
+            <a:schemeClr val="dk1"/>
+          </a:lnRef>
+          <a:fillRef idx="0">
+            <a:schemeClr val="dk1"/>
+          </a:fillRef>
+          <a:effectRef idx="0">
+            <a:schemeClr val="dk1"/>
+          </a:effectRef>
+          <a:fontRef idx="minor">
+            <a:schemeClr val="tx1"/>
+          </a:fontRef>
+        </p:style>
+      </p:cxnSp>
+      <p:cxnSp>
+        <p:nvCxnSpPr>
+          <p:cNvPr id="33" name="구부러진 연결선[U] 32">
+            <a:extLst>
+              <a:ext uri="{FF2B5EF4-FFF2-40B4-BE49-F238E27FC236}">
+                <a16:creationId xmlns:a16="http://schemas.microsoft.com/office/drawing/2014/main" id="{B601103B-C318-B24C-C100-4FDE467FD557}"/>
+              </a:ext>
+            </a:extLst>
+          </p:cNvPr>
+          <p:cNvCxnSpPr>
+            <a:cxnSpLocks/>
+            <a:stCxn id="18" idx="3"/>
+            <a:endCxn id="15" idx="1"/>
+          </p:cNvCxnSpPr>
+          <p:nvPr/>
+        </p:nvCxnSpPr>
+        <p:spPr>
+          <a:xfrm flipV="1">
+            <a:off x="7412683" y="2939947"/>
+            <a:ext cx="2527278" cy="1869134"/>
+          </a:xfrm>
+          <a:prstGeom prst="curvedConnector3">
+            <a:avLst/>
+          </a:prstGeom>
+          <a:ln w="12700">
+            <a:tailEnd type="triangle"/>
+          </a:ln>
+        </p:spPr>
+        <p:style>
+          <a:lnRef idx="1">
+            <a:schemeClr val="dk1"/>
+          </a:lnRef>
+          <a:fillRef idx="0">
+            <a:schemeClr val="dk1"/>
+          </a:fillRef>
+          <a:effectRef idx="0">
+            <a:schemeClr val="dk1"/>
+          </a:effectRef>
+          <a:fontRef idx="minor">
+            <a:schemeClr val="tx1"/>
+          </a:fontRef>
+        </p:style>
+      </p:cxnSp>
+      <p:sp>
+        <p:nvSpPr>
+          <p:cNvPr id="42" name="TextBox 41">
+            <a:extLst>
+              <a:ext uri="{FF2B5EF4-FFF2-40B4-BE49-F238E27FC236}">
+                <a16:creationId xmlns:a16="http://schemas.microsoft.com/office/drawing/2014/main" id="{07DD01B5-4215-35DF-3A32-A0FF9BDB01FE}"/>
               </a:ext>
             </a:extLst>
           </p:cNvPr>
@@ -18019,7 +18738,7 @@
     </p:spTree>
     <p:extLst>
       <p:ext uri="{BB962C8B-B14F-4D97-AF65-F5344CB8AC3E}">
-        <p14:creationId xmlns:p14="http://schemas.microsoft.com/office/powerpoint/2010/main" val="2270712487"/>
+        <p14:creationId xmlns:p14="http://schemas.microsoft.com/office/powerpoint/2010/main" val="140488762"/>
       </p:ext>
     </p:extLst>
   </p:cSld>
@@ -18416,17 +19135,11 @@
           <a:p>
             <a:r>
               <a:rPr lang="en-US" altLang="ko-Kore-KR" dirty="0">
-                <a:solidFill>
-                  <a:srgbClr val="FF0000"/>
-                </a:solidFill>
                 <a:latin typeface="DM Mono" panose="020B0509040201040103" pitchFamily="49" charset="0"/>
               </a:rPr>
               <a:t>User user3 = user1;</a:t>
             </a:r>
             <a:endParaRPr lang="ko-Kore-KR" altLang="en-US" dirty="0">
-              <a:solidFill>
-                <a:srgbClr val="FF0000"/>
-              </a:solidFill>
               <a:latin typeface="DM Mono" panose="020B0509040201040103" pitchFamily="49" charset="0"/>
             </a:endParaRPr>
           </a:p>
@@ -18917,7 +19630,7 @@
                 </a:solidFill>
                 <a:latin typeface="DM Mono" panose="020B0509040201040103" pitchFamily="49" charset="0"/>
               </a:rPr>
-              <a:t>3</a:t>
+              <a:t>2</a:t>
             </a:r>
             <a:endParaRPr kumimoji="1" lang="ko-Kore-KR" altLang="en-US" dirty="0">
               <a:solidFill>
@@ -19411,7 +20124,7 @@
             <a:avLst/>
           </a:prstGeom>
           <a:solidFill>
-            <a:srgbClr val="FFFF00"/>
+            <a:srgbClr val="FF0000"/>
           </a:solidFill>
         </p:spPr>
         <p:style>
@@ -19465,7 +20178,7 @@
             <a:avLst/>
           </a:prstGeom>
           <a:solidFill>
-            <a:srgbClr val="FFFF00"/>
+            <a:srgbClr val="FF0000"/>
           </a:solidFill>
         </p:spPr>
         <p:style>
@@ -19651,7 +20364,7 @@
             <a:avLst/>
           </a:prstGeom>
           <a:solidFill>
-            <a:srgbClr val="FFFF00"/>
+            <a:srgbClr val="FF0000"/>
           </a:solidFill>
         </p:spPr>
         <p:style>
@@ -19723,100 +20436,12 @@
           </a:p>
         </p:txBody>
       </p:sp>
-      <p:cxnSp>
-        <p:nvCxnSpPr>
-          <p:cNvPr id="30" name="구부러진 연결선[U] 29">
-            <a:extLst>
-              <a:ext uri="{FF2B5EF4-FFF2-40B4-BE49-F238E27FC236}">
-                <a16:creationId xmlns:a16="http://schemas.microsoft.com/office/drawing/2014/main" id="{20B03093-622B-F351-3553-11340F036B8E}"/>
-              </a:ext>
-            </a:extLst>
-          </p:cNvPr>
-          <p:cNvCxnSpPr>
-            <a:cxnSpLocks/>
-            <a:stCxn id="27" idx="3"/>
-            <a:endCxn id="22" idx="1"/>
-          </p:cNvCxnSpPr>
-          <p:nvPr/>
-        </p:nvCxnSpPr>
-        <p:spPr>
-          <a:xfrm flipV="1">
-            <a:off x="7412681" y="3770313"/>
-            <a:ext cx="2527280" cy="1743917"/>
-          </a:xfrm>
-          <a:prstGeom prst="curvedConnector3">
-            <a:avLst>
-              <a:gd name="adj1" fmla="val 50000"/>
-            </a:avLst>
-          </a:prstGeom>
-          <a:ln w="12700">
-            <a:tailEnd type="triangle"/>
-          </a:ln>
-        </p:spPr>
-        <p:style>
-          <a:lnRef idx="1">
-            <a:schemeClr val="dk1"/>
-          </a:lnRef>
-          <a:fillRef idx="0">
-            <a:schemeClr val="dk1"/>
-          </a:fillRef>
-          <a:effectRef idx="0">
-            <a:schemeClr val="dk1"/>
-          </a:effectRef>
-          <a:fontRef idx="minor">
-            <a:schemeClr val="tx1"/>
-          </a:fontRef>
-        </p:style>
-      </p:cxnSp>
-      <p:cxnSp>
-        <p:nvCxnSpPr>
-          <p:cNvPr id="33" name="구부러진 연결선[U] 32">
-            <a:extLst>
-              <a:ext uri="{FF2B5EF4-FFF2-40B4-BE49-F238E27FC236}">
-                <a16:creationId xmlns:a16="http://schemas.microsoft.com/office/drawing/2014/main" id="{B601103B-C318-B24C-C100-4FDE467FD557}"/>
-              </a:ext>
-            </a:extLst>
-          </p:cNvPr>
-          <p:cNvCxnSpPr>
-            <a:cxnSpLocks/>
-            <a:stCxn id="18" idx="3"/>
-            <a:endCxn id="15" idx="1"/>
-          </p:cNvCxnSpPr>
-          <p:nvPr/>
-        </p:nvCxnSpPr>
-        <p:spPr>
-          <a:xfrm flipV="1">
-            <a:off x="7412683" y="2939947"/>
-            <a:ext cx="2527278" cy="1869134"/>
-          </a:xfrm>
-          <a:prstGeom prst="curvedConnector3">
-            <a:avLst/>
-          </a:prstGeom>
-          <a:ln w="12700">
-            <a:tailEnd type="triangle"/>
-          </a:ln>
-        </p:spPr>
-        <p:style>
-          <a:lnRef idx="1">
-            <a:schemeClr val="dk1"/>
-          </a:lnRef>
-          <a:fillRef idx="0">
-            <a:schemeClr val="dk1"/>
-          </a:fillRef>
-          <a:effectRef idx="0">
-            <a:schemeClr val="dk1"/>
-          </a:effectRef>
-          <a:fontRef idx="minor">
-            <a:schemeClr val="tx1"/>
-          </a:fontRef>
-        </p:style>
-      </p:cxnSp>
-      <p:sp>
-        <p:nvSpPr>
-          <p:cNvPr id="42" name="TextBox 41">
-            <a:extLst>
-              <a:ext uri="{FF2B5EF4-FFF2-40B4-BE49-F238E27FC236}">
-                <a16:creationId xmlns:a16="http://schemas.microsoft.com/office/drawing/2014/main" id="{07DD01B5-4215-35DF-3A32-A0FF9BDB01FE}"/>
+      <p:sp>
+        <p:nvSpPr>
+          <p:cNvPr id="32" name="TextBox 31">
+            <a:extLst>
+              <a:ext uri="{FF2B5EF4-FFF2-40B4-BE49-F238E27FC236}">
+                <a16:creationId xmlns:a16="http://schemas.microsoft.com/office/drawing/2014/main" id="{04E91AED-7733-054C-C5AE-488EF33A8F33}"/>
               </a:ext>
             </a:extLst>
           </p:cNvPr>
@@ -19825,8 +20450,8 @@
         </p:nvSpPr>
         <p:spPr>
           <a:xfrm>
-            <a:off x="189875" y="361473"/>
-            <a:ext cx="5151620" cy="1015663"/>
+            <a:off x="422997" y="394197"/>
+            <a:ext cx="4178983" cy="2308324"/>
           </a:xfrm>
           <a:prstGeom prst="rect">
             <a:avLst/>
@@ -19840,23 +20465,15 @@
           <a:lstStyle/>
           <a:p>
             <a:r>
-              <a:rPr lang="ko-Kore-KR" altLang="en-US" sz="1200" dirty="0">
-                <a:latin typeface="DM Mono" panose="020B0509040201040103" pitchFamily="49" charset="0"/>
-              </a:rPr>
-              <a:t> User(const User &amp;rhs)</a:t>
-            </a:r>
-          </a:p>
-          <a:p>
-            <a:r>
-              <a:rPr lang="ko-Kore-KR" altLang="en-US" sz="1200" dirty="0">
-                <a:latin typeface="DM Mono" panose="020B0509040201040103" pitchFamily="49" charset="0"/>
-              </a:rPr>
-              <a:t>      : name(rhs.name), age(rhs.age), ref(rhs.ref)</a:t>
-            </a:r>
-          </a:p>
-          <a:p>
-            <a:r>
-              <a:rPr lang="ko-Kore-KR" altLang="en-US" sz="1200" dirty="0">
+              <a:rPr lang="ko-Kore-KR" altLang="en-US" dirty="0">
+                <a:latin typeface="DM Mono" panose="020B0509040201040103" pitchFamily="49" charset="0"/>
+              </a:rPr>
+              <a:t> ~User()</a:t>
+            </a:r>
+          </a:p>
+          <a:p>
+            <a:r>
+              <a:rPr lang="ko-Kore-KR" altLang="en-US" dirty="0">
                 <a:latin typeface="DM Mono" panose="020B0509040201040103" pitchFamily="49" charset="0"/>
               </a:rPr>
               <a:t>  {</a:t>
@@ -19864,18 +20481,47 @@
           </a:p>
           <a:p>
             <a:r>
-              <a:rPr lang="ko-Kore-KR" altLang="en-US" sz="1200" dirty="0">
-                <a:solidFill>
-                  <a:srgbClr val="FF0000"/>
-                </a:solidFill>
-                <a:latin typeface="DM Mono" panose="020B0509040201040103" pitchFamily="49" charset="0"/>
-              </a:rPr>
-              <a:t>    ++(*ref);</a:t>
-            </a:r>
-          </a:p>
-          <a:p>
-            <a:r>
-              <a:rPr lang="ko-Kore-KR" altLang="en-US" sz="1200" dirty="0">
+              <a:rPr lang="ko-Kore-KR" altLang="en-US" dirty="0">
+                <a:latin typeface="DM Mono" panose="020B0509040201040103" pitchFamily="49" charset="0"/>
+              </a:rPr>
+              <a:t>    if (--(*ref) == 0)</a:t>
+            </a:r>
+          </a:p>
+          <a:p>
+            <a:r>
+              <a:rPr lang="ko-Kore-KR" altLang="en-US" dirty="0">
+                <a:latin typeface="DM Mono" panose="020B0509040201040103" pitchFamily="49" charset="0"/>
+              </a:rPr>
+              <a:t>    {</a:t>
+            </a:r>
+          </a:p>
+          <a:p>
+            <a:r>
+              <a:rPr lang="ko-Kore-KR" altLang="en-US" dirty="0">
+                <a:latin typeface="DM Mono" panose="020B0509040201040103" pitchFamily="49" charset="0"/>
+              </a:rPr>
+              <a:t>      delete[] name;</a:t>
+            </a:r>
+          </a:p>
+          <a:p>
+            <a:r>
+              <a:rPr lang="ko-Kore-KR" altLang="en-US" dirty="0">
+                <a:latin typeface="DM Mono" panose="020B0509040201040103" pitchFamily="49" charset="0"/>
+              </a:rPr>
+              <a:t>      delete ref;</a:t>
+            </a:r>
+          </a:p>
+          <a:p>
+            <a:r>
+              <a:rPr lang="ko-Kore-KR" altLang="en-US" dirty="0">
+                <a:latin typeface="DM Mono" panose="020B0509040201040103" pitchFamily="49" charset="0"/>
+              </a:rPr>
+              <a:t>    }</a:t>
+            </a:r>
+          </a:p>
+          <a:p>
+            <a:r>
+              <a:rPr lang="ko-Kore-KR" altLang="en-US" dirty="0">
                 <a:latin typeface="DM Mono" panose="020B0509040201040103" pitchFamily="49" charset="0"/>
               </a:rPr>
               <a:t>  }</a:t>
@@ -19886,7 +20532,7 @@
     </p:spTree>
     <p:extLst>
       <p:ext uri="{BB962C8B-B14F-4D97-AF65-F5344CB8AC3E}">
-        <p14:creationId xmlns:p14="http://schemas.microsoft.com/office/powerpoint/2010/main" val="140488762"/>
+        <p14:creationId xmlns:p14="http://schemas.microsoft.com/office/powerpoint/2010/main" val="2725016115"/>
       </p:ext>
     </p:extLst>
   </p:cSld>
@@ -20457,7 +21103,7 @@
                 </a:solidFill>
                 <a:latin typeface="DM Mono" panose="020B0509040201040103" pitchFamily="49" charset="0"/>
               </a:rPr>
-              <a:t>2</a:t>
+              <a:t>1</a:t>
             </a:r>
             <a:endParaRPr kumimoji="1" lang="ko-Kore-KR" altLang="en-US" dirty="0">
               <a:solidFill>
@@ -20532,7 +21178,7 @@
             <a:avLst/>
           </a:prstGeom>
           <a:solidFill>
-            <a:srgbClr val="FFFF00"/>
+            <a:srgbClr val="FF0000"/>
           </a:solidFill>
         </p:spPr>
         <p:style>
@@ -20586,7 +21232,7 @@
             <a:avLst/>
           </a:prstGeom>
           <a:solidFill>
-            <a:srgbClr val="FFFF00"/>
+            <a:srgbClr val="FF0000"/>
           </a:solidFill>
         </p:spPr>
         <p:style>
@@ -20772,7 +21418,7 @@
             <a:avLst/>
           </a:prstGeom>
           <a:solidFill>
-            <a:srgbClr val="FFFF00"/>
+            <a:srgbClr val="FF0000"/>
           </a:solidFill>
         </p:spPr>
         <p:style>
@@ -20844,215 +21490,12 @@
           </a:p>
         </p:txBody>
       </p:sp>
-      <p:cxnSp>
-        <p:nvCxnSpPr>
-          <p:cNvPr id="16" name="구부러진 연결선[U] 15">
-            <a:extLst>
-              <a:ext uri="{FF2B5EF4-FFF2-40B4-BE49-F238E27FC236}">
-                <a16:creationId xmlns:a16="http://schemas.microsoft.com/office/drawing/2014/main" id="{30304837-8EAF-3CD1-D269-005B29332E9A}"/>
-              </a:ext>
-            </a:extLst>
-          </p:cNvPr>
-          <p:cNvCxnSpPr>
-            <a:cxnSpLocks/>
-            <a:stCxn id="2" idx="3"/>
-            <a:endCxn id="15" idx="1"/>
-          </p:cNvCxnSpPr>
-          <p:nvPr/>
-        </p:nvCxnSpPr>
-        <p:spPr>
-          <a:xfrm flipV="1">
-            <a:off x="7412683" y="2939947"/>
-            <a:ext cx="2527278" cy="281808"/>
-          </a:xfrm>
-          <a:prstGeom prst="curvedConnector3">
-            <a:avLst/>
-          </a:prstGeom>
-          <a:ln w="12700">
-            <a:tailEnd type="triangle"/>
-          </a:ln>
-        </p:spPr>
-        <p:style>
-          <a:lnRef idx="1">
-            <a:schemeClr val="dk1"/>
-          </a:lnRef>
-          <a:fillRef idx="0">
-            <a:schemeClr val="dk1"/>
-          </a:fillRef>
-          <a:effectRef idx="0">
-            <a:schemeClr val="dk1"/>
-          </a:effectRef>
-          <a:fontRef idx="minor">
-            <a:schemeClr val="tx1"/>
-          </a:fontRef>
-        </p:style>
-      </p:cxnSp>
-      <p:cxnSp>
-        <p:nvCxnSpPr>
-          <p:cNvPr id="29" name="구부러진 연결선[U] 28">
-            <a:extLst>
-              <a:ext uri="{FF2B5EF4-FFF2-40B4-BE49-F238E27FC236}">
-                <a16:creationId xmlns:a16="http://schemas.microsoft.com/office/drawing/2014/main" id="{9D2F5490-3480-7D46-1E89-F9CDAD0139EF}"/>
-              </a:ext>
-            </a:extLst>
-          </p:cNvPr>
-          <p:cNvCxnSpPr>
-            <a:cxnSpLocks/>
-            <a:stCxn id="11" idx="3"/>
-            <a:endCxn id="22" idx="1"/>
-          </p:cNvCxnSpPr>
-          <p:nvPr/>
-        </p:nvCxnSpPr>
-        <p:spPr>
-          <a:xfrm flipV="1">
-            <a:off x="7412681" y="3770313"/>
-            <a:ext cx="2527280" cy="156591"/>
-          </a:xfrm>
-          <a:prstGeom prst="curvedConnector3">
-            <a:avLst/>
-          </a:prstGeom>
-          <a:ln w="12700">
-            <a:tailEnd type="triangle"/>
-          </a:ln>
-        </p:spPr>
-        <p:style>
-          <a:lnRef idx="1">
-            <a:schemeClr val="dk1"/>
-          </a:lnRef>
-          <a:fillRef idx="0">
-            <a:schemeClr val="dk1"/>
-          </a:fillRef>
-          <a:effectRef idx="0">
-            <a:schemeClr val="dk1"/>
-          </a:effectRef>
-          <a:fontRef idx="minor">
-            <a:schemeClr val="tx1"/>
-          </a:fontRef>
-        </p:style>
-      </p:cxnSp>
-      <p:sp>
-        <p:nvSpPr>
-          <p:cNvPr id="18" name="직사각형 17">
-            <a:extLst>
-              <a:ext uri="{FF2B5EF4-FFF2-40B4-BE49-F238E27FC236}">
-                <a16:creationId xmlns:a16="http://schemas.microsoft.com/office/drawing/2014/main" id="{6A23A848-466B-1039-7E71-905294B445EE}"/>
-              </a:ext>
-            </a:extLst>
-          </p:cNvPr>
-          <p:cNvSpPr/>
-          <p:nvPr/>
-        </p:nvSpPr>
-        <p:spPr>
-          <a:xfrm>
-            <a:off x="6748106" y="4631104"/>
-            <a:ext cx="664577" cy="355953"/>
-          </a:xfrm>
-          <a:prstGeom prst="rect">
-            <a:avLst/>
-          </a:prstGeom>
-          <a:solidFill>
-            <a:srgbClr val="FF0000"/>
-          </a:solidFill>
-        </p:spPr>
-        <p:style>
-          <a:lnRef idx="2">
-            <a:schemeClr val="accent1">
-              <a:shade val="50000"/>
-            </a:schemeClr>
-          </a:lnRef>
-          <a:fillRef idx="1">
-            <a:schemeClr val="accent1"/>
-          </a:fillRef>
-          <a:effectRef idx="0">
-            <a:schemeClr val="accent1"/>
-          </a:effectRef>
-          <a:fontRef idx="minor">
-            <a:schemeClr val="lt1"/>
-          </a:fontRef>
-        </p:style>
-        <p:txBody>
-          <a:bodyPr rtlCol="0" anchor="ctr"/>
-          <a:lstStyle/>
-          <a:p>
-            <a:pPr algn="ctr"/>
-            <a:endParaRPr kumimoji="1" lang="ko-Kore-KR" altLang="en-US" dirty="0">
-              <a:solidFill>
-                <a:schemeClr val="tx1"/>
-              </a:solidFill>
-              <a:latin typeface="DM Mono" panose="020B0509040201040103" pitchFamily="49" charset="0"/>
-            </a:endParaRPr>
-          </a:p>
-        </p:txBody>
-      </p:sp>
-      <p:sp>
-        <p:nvSpPr>
-          <p:cNvPr id="21" name="직사각형 20">
-            <a:extLst>
-              <a:ext uri="{FF2B5EF4-FFF2-40B4-BE49-F238E27FC236}">
-                <a16:creationId xmlns:a16="http://schemas.microsoft.com/office/drawing/2014/main" id="{7F99F61C-2E93-A945-C456-259D7F0BEAF2}"/>
-              </a:ext>
-            </a:extLst>
-          </p:cNvPr>
-          <p:cNvSpPr/>
-          <p:nvPr/>
-        </p:nvSpPr>
-        <p:spPr>
-          <a:xfrm>
-            <a:off x="6748105" y="4987057"/>
-            <a:ext cx="664577" cy="355953"/>
-          </a:xfrm>
-          <a:prstGeom prst="rect">
-            <a:avLst/>
-          </a:prstGeom>
-          <a:solidFill>
-            <a:srgbClr val="FF0000"/>
-          </a:solidFill>
-        </p:spPr>
-        <p:style>
-          <a:lnRef idx="2">
-            <a:schemeClr val="accent1">
-              <a:shade val="50000"/>
-            </a:schemeClr>
-          </a:lnRef>
-          <a:fillRef idx="1">
-            <a:schemeClr val="accent1"/>
-          </a:fillRef>
-          <a:effectRef idx="0">
-            <a:schemeClr val="accent1"/>
-          </a:effectRef>
-          <a:fontRef idx="minor">
-            <a:schemeClr val="lt1"/>
-          </a:fontRef>
-        </p:style>
-        <p:txBody>
-          <a:bodyPr rtlCol="0" anchor="ctr"/>
-          <a:lstStyle/>
-          <a:p>
-            <a:pPr algn="ctr"/>
-            <a:r>
-              <a:rPr kumimoji="1" lang="en-US" altLang="ko-Kore-KR" dirty="0">
-                <a:solidFill>
-                  <a:schemeClr val="tx1"/>
-                </a:solidFill>
-                <a:latin typeface="DM Mono" panose="020B0509040201040103" pitchFamily="49" charset="0"/>
-              </a:rPr>
-              <a:t>42</a:t>
-            </a:r>
-            <a:endParaRPr kumimoji="1" lang="ko-Kore-KR" altLang="en-US" dirty="0">
-              <a:solidFill>
-                <a:schemeClr val="tx1"/>
-              </a:solidFill>
-              <a:latin typeface="DM Mono" panose="020B0509040201040103" pitchFamily="49" charset="0"/>
-            </a:endParaRPr>
-          </a:p>
-        </p:txBody>
-      </p:sp>
-      <p:sp>
-        <p:nvSpPr>
-          <p:cNvPr id="24" name="TextBox 23">
-            <a:extLst>
-              <a:ext uri="{FF2B5EF4-FFF2-40B4-BE49-F238E27FC236}">
-                <a16:creationId xmlns:a16="http://schemas.microsoft.com/office/drawing/2014/main" id="{58202D29-09EB-FEAB-D355-E90DE4E4734E}"/>
+      <p:sp>
+        <p:nvSpPr>
+          <p:cNvPr id="30" name="TextBox 29">
+            <a:extLst>
+              <a:ext uri="{FF2B5EF4-FFF2-40B4-BE49-F238E27FC236}">
+                <a16:creationId xmlns:a16="http://schemas.microsoft.com/office/drawing/2014/main" id="{A64F064F-3FA3-6A21-C7BF-AED3D2BF22EE}"/>
               </a:ext>
             </a:extLst>
           </p:cNvPr>
@@ -21061,8 +21504,8 @@
         </p:nvSpPr>
         <p:spPr>
           <a:xfrm>
-            <a:off x="5722374" y="4624414"/>
-            <a:ext cx="1025730" cy="369332"/>
+            <a:off x="422997" y="394197"/>
+            <a:ext cx="4178983" cy="2308324"/>
           </a:xfrm>
           <a:prstGeom prst="rect">
             <a:avLst/>
@@ -21075,222 +21518,6 @@
           </a:bodyPr>
           <a:lstStyle/>
           <a:p>
-            <a:pPr algn="r"/>
-            <a:r>
-              <a:rPr lang="en-US" altLang="ko-Kore-KR" dirty="0">
-                <a:latin typeface="DM Mono" panose="020B0509040201040103" pitchFamily="49" charset="0"/>
-              </a:rPr>
-              <a:t>name</a:t>
-            </a:r>
-            <a:endParaRPr lang="ko-Kore-KR" altLang="en-US" dirty="0"/>
-          </a:p>
-        </p:txBody>
-      </p:sp>
-      <p:sp>
-        <p:nvSpPr>
-          <p:cNvPr id="25" name="TextBox 24">
-            <a:extLst>
-              <a:ext uri="{FF2B5EF4-FFF2-40B4-BE49-F238E27FC236}">
-                <a16:creationId xmlns:a16="http://schemas.microsoft.com/office/drawing/2014/main" id="{912A9DDA-3398-6C19-2501-01EBE48D8884}"/>
-              </a:ext>
-            </a:extLst>
-          </p:cNvPr>
-          <p:cNvSpPr txBox="1"/>
-          <p:nvPr/>
-        </p:nvSpPr>
-        <p:spPr>
-          <a:xfrm>
-            <a:off x="5722374" y="4988307"/>
-            <a:ext cx="1025730" cy="369332"/>
-          </a:xfrm>
-          <a:prstGeom prst="rect">
-            <a:avLst/>
-          </a:prstGeom>
-          <a:noFill/>
-        </p:spPr>
-        <p:txBody>
-          <a:bodyPr wrap="square">
-            <a:spAutoFit/>
-          </a:bodyPr>
-          <a:lstStyle/>
-          <a:p>
-            <a:pPr algn="r"/>
-            <a:r>
-              <a:rPr lang="en-US" altLang="ko-Kore-KR" dirty="0">
-                <a:latin typeface="DM Mono" panose="020B0509040201040103" pitchFamily="49" charset="0"/>
-              </a:rPr>
-              <a:t>age</a:t>
-            </a:r>
-            <a:endParaRPr lang="ko-Kore-KR" altLang="en-US" dirty="0"/>
-          </a:p>
-        </p:txBody>
-      </p:sp>
-      <p:sp>
-        <p:nvSpPr>
-          <p:cNvPr id="26" name="TextBox 25">
-            <a:extLst>
-              <a:ext uri="{FF2B5EF4-FFF2-40B4-BE49-F238E27FC236}">
-                <a16:creationId xmlns:a16="http://schemas.microsoft.com/office/drawing/2014/main" id="{D2E58AAB-A130-24B3-4181-21F061BE0616}"/>
-              </a:ext>
-            </a:extLst>
-          </p:cNvPr>
-          <p:cNvSpPr txBox="1"/>
-          <p:nvPr/>
-        </p:nvSpPr>
-        <p:spPr>
-          <a:xfrm>
-            <a:off x="6472202" y="4290797"/>
-            <a:ext cx="1216382" cy="369332"/>
-          </a:xfrm>
-          <a:prstGeom prst="rect">
-            <a:avLst/>
-          </a:prstGeom>
-          <a:noFill/>
-        </p:spPr>
-        <p:txBody>
-          <a:bodyPr wrap="square">
-            <a:spAutoFit/>
-          </a:bodyPr>
-          <a:lstStyle/>
-          <a:p>
-            <a:pPr algn="ctr"/>
-            <a:r>
-              <a:rPr lang="ko-Kore-KR" altLang="en-US" dirty="0">
-                <a:latin typeface="DM Mono" panose="020B0509040201040103" pitchFamily="49" charset="0"/>
-              </a:rPr>
-              <a:t>user</a:t>
-            </a:r>
-            <a:r>
-              <a:rPr lang="en-US" altLang="ko-Kore-KR" dirty="0">
-                <a:latin typeface="DM Mono" panose="020B0509040201040103" pitchFamily="49" charset="0"/>
-              </a:rPr>
-              <a:t>3</a:t>
-            </a:r>
-            <a:endParaRPr lang="ko-Kore-KR" altLang="en-US" dirty="0"/>
-          </a:p>
-        </p:txBody>
-      </p:sp>
-      <p:sp>
-        <p:nvSpPr>
-          <p:cNvPr id="27" name="직사각형 26">
-            <a:extLst>
-              <a:ext uri="{FF2B5EF4-FFF2-40B4-BE49-F238E27FC236}">
-                <a16:creationId xmlns:a16="http://schemas.microsoft.com/office/drawing/2014/main" id="{07964D00-A68C-E04B-9545-9E8A80544B85}"/>
-              </a:ext>
-            </a:extLst>
-          </p:cNvPr>
-          <p:cNvSpPr/>
-          <p:nvPr/>
-        </p:nvSpPr>
-        <p:spPr>
-          <a:xfrm>
-            <a:off x="6748104" y="5336253"/>
-            <a:ext cx="664577" cy="355953"/>
-          </a:xfrm>
-          <a:prstGeom prst="rect">
-            <a:avLst/>
-          </a:prstGeom>
-          <a:solidFill>
-            <a:srgbClr val="FF0000"/>
-          </a:solidFill>
-        </p:spPr>
-        <p:style>
-          <a:lnRef idx="2">
-            <a:schemeClr val="accent1">
-              <a:shade val="50000"/>
-            </a:schemeClr>
-          </a:lnRef>
-          <a:fillRef idx="1">
-            <a:schemeClr val="accent1"/>
-          </a:fillRef>
-          <a:effectRef idx="0">
-            <a:schemeClr val="accent1"/>
-          </a:effectRef>
-          <a:fontRef idx="minor">
-            <a:schemeClr val="lt1"/>
-          </a:fontRef>
-        </p:style>
-        <p:txBody>
-          <a:bodyPr rtlCol="0" anchor="ctr"/>
-          <a:lstStyle/>
-          <a:p>
-            <a:pPr algn="ctr"/>
-            <a:endParaRPr kumimoji="1" lang="ko-Kore-KR" altLang="en-US" dirty="0">
-              <a:solidFill>
-                <a:schemeClr val="tx1"/>
-              </a:solidFill>
-              <a:latin typeface="DM Mono" panose="020B0509040201040103" pitchFamily="49" charset="0"/>
-            </a:endParaRPr>
-          </a:p>
-        </p:txBody>
-      </p:sp>
-      <p:sp>
-        <p:nvSpPr>
-          <p:cNvPr id="28" name="TextBox 27">
-            <a:extLst>
-              <a:ext uri="{FF2B5EF4-FFF2-40B4-BE49-F238E27FC236}">
-                <a16:creationId xmlns:a16="http://schemas.microsoft.com/office/drawing/2014/main" id="{32B64DE9-EBAD-C269-E5C5-77289FD7155F}"/>
-              </a:ext>
-            </a:extLst>
-          </p:cNvPr>
-          <p:cNvSpPr txBox="1"/>
-          <p:nvPr/>
-        </p:nvSpPr>
-        <p:spPr>
-          <a:xfrm>
-            <a:off x="5722373" y="5330445"/>
-            <a:ext cx="1025730" cy="369332"/>
-          </a:xfrm>
-          <a:prstGeom prst="rect">
-            <a:avLst/>
-          </a:prstGeom>
-          <a:noFill/>
-        </p:spPr>
-        <p:txBody>
-          <a:bodyPr wrap="square">
-            <a:spAutoFit/>
-          </a:bodyPr>
-          <a:lstStyle/>
-          <a:p>
-            <a:pPr algn="r"/>
-            <a:r>
-              <a:rPr lang="en-US" altLang="ko-Kore-KR" dirty="0">
-                <a:latin typeface="DM Mono" panose="020B0509040201040103" pitchFamily="49" charset="0"/>
-              </a:rPr>
-              <a:t>ref</a:t>
-            </a:r>
-            <a:endParaRPr lang="ko-Kore-KR" altLang="en-US" dirty="0"/>
-          </a:p>
-        </p:txBody>
-      </p:sp>
-      <p:sp>
-        <p:nvSpPr>
-          <p:cNvPr id="32" name="TextBox 31">
-            <a:extLst>
-              <a:ext uri="{FF2B5EF4-FFF2-40B4-BE49-F238E27FC236}">
-                <a16:creationId xmlns:a16="http://schemas.microsoft.com/office/drawing/2014/main" id="{04E91AED-7733-054C-C5AE-488EF33A8F33}"/>
-              </a:ext>
-            </a:extLst>
-          </p:cNvPr>
-          <p:cNvSpPr txBox="1"/>
-          <p:nvPr/>
-        </p:nvSpPr>
-        <p:spPr>
-          <a:xfrm>
-            <a:off x="422997" y="394197"/>
-            <a:ext cx="4178983" cy="2308324"/>
-          </a:xfrm>
-          <a:prstGeom prst="rect">
-            <a:avLst/>
-          </a:prstGeom>
-          <a:noFill/>
-        </p:spPr>
-        <p:txBody>
-          <a:bodyPr wrap="square">
-            <a:spAutoFit/>
-          </a:bodyPr>
-          <a:lstStyle/>
-          <a:p>
             <a:r>
               <a:rPr lang="ko-Kore-KR" altLang="en-US" dirty="0">
                 <a:latin typeface="DM Mono" panose="020B0509040201040103" pitchFamily="49" charset="0"/>
@@ -21359,7 +21586,7 @@
     </p:spTree>
     <p:extLst>
       <p:ext uri="{BB962C8B-B14F-4D97-AF65-F5344CB8AC3E}">
-        <p14:creationId xmlns:p14="http://schemas.microsoft.com/office/powerpoint/2010/main" val="2725016115"/>
+        <p14:creationId xmlns:p14="http://schemas.microsoft.com/office/powerpoint/2010/main" val="345753880"/>
       </p:ext>
     </p:extLst>
   </p:cSld>
@@ -21466,7 +21693,7 @@
             <a:avLst/>
           </a:prstGeom>
           <a:solidFill>
-            <a:srgbClr val="FFFF00"/>
+            <a:srgbClr val="FF0000"/>
           </a:solidFill>
         </p:spPr>
         <p:style>
@@ -21520,7 +21747,7 @@
             <a:avLst/>
           </a:prstGeom>
           <a:solidFill>
-            <a:srgbClr val="FFFF00"/>
+            <a:srgbClr val="FF0000"/>
           </a:solidFill>
         </p:spPr>
         <p:style>
@@ -21700,7 +21927,7 @@
             <a:avLst/>
           </a:prstGeom>
           <a:solidFill>
-            <a:srgbClr val="FFFF00"/>
+            <a:srgbClr val="FF0000"/>
           </a:solidFill>
         </p:spPr>
         <p:style>
@@ -21727,7 +21954,7 @@
             <a:r>
               <a:rPr kumimoji="1" lang="en-US" altLang="ko-Kore-KR" dirty="0">
                 <a:solidFill>
-                  <a:schemeClr val="tx1"/>
+                  <a:schemeClr val="bg1"/>
                 </a:solidFill>
                 <a:latin typeface="DM Mono" panose="020B0509040201040103" pitchFamily="49" charset="0"/>
               </a:rPr>
@@ -21735,7 +21962,7 @@
             </a:r>
             <a:endParaRPr kumimoji="1" lang="ko-Kore-KR" altLang="en-US" dirty="0">
               <a:solidFill>
-                <a:schemeClr val="tx1"/>
+                <a:schemeClr val="bg1"/>
               </a:solidFill>
               <a:latin typeface="DM Mono" panose="020B0509040201040103" pitchFamily="49" charset="0"/>
             </a:endParaRPr>
@@ -21806,7 +22033,7 @@
             <a:avLst/>
           </a:prstGeom>
           <a:solidFill>
-            <a:srgbClr val="FFFF00"/>
+            <a:srgbClr val="FF0000"/>
           </a:solidFill>
         </p:spPr>
         <p:style>
@@ -21899,7 +22126,7 @@
             <a:avLst/>
           </a:prstGeom>
           <a:solidFill>
-            <a:srgbClr val="FFFF00"/>
+            <a:srgbClr val="FF0000"/>
           </a:solidFill>
         </p:spPr>
         <p:style>
@@ -21926,15 +22153,15 @@
             <a:r>
               <a:rPr kumimoji="1" lang="en-US" altLang="ko-Kore-KR" dirty="0">
                 <a:solidFill>
-                  <a:srgbClr val="FF0000"/>
+                  <a:schemeClr val="bg1"/>
                 </a:solidFill>
                 <a:latin typeface="DM Mono" panose="020B0509040201040103" pitchFamily="49" charset="0"/>
               </a:rPr>
-              <a:t>1</a:t>
+              <a:t>0</a:t>
             </a:r>
             <a:endParaRPr kumimoji="1" lang="ko-Kore-KR" altLang="en-US" dirty="0">
               <a:solidFill>
-                <a:srgbClr val="FF0000"/>
+                <a:schemeClr val="bg1"/>
               </a:solidFill>
               <a:latin typeface="DM Mono" panose="020B0509040201040103" pitchFamily="49" charset="0"/>
             </a:endParaRPr>
@@ -21986,127 +22213,10 @@
       </p:cxnSp>
       <p:sp>
         <p:nvSpPr>
-          <p:cNvPr id="2" name="직사각형 1">
-            <a:extLst>
-              <a:ext uri="{FF2B5EF4-FFF2-40B4-BE49-F238E27FC236}">
-                <a16:creationId xmlns:a16="http://schemas.microsoft.com/office/drawing/2014/main" id="{83C1E0ED-32F6-CD2A-52CD-17CF9081F023}"/>
-              </a:ext>
-            </a:extLst>
-          </p:cNvPr>
-          <p:cNvSpPr/>
-          <p:nvPr/>
-        </p:nvSpPr>
-        <p:spPr>
-          <a:xfrm>
-            <a:off x="6748106" y="3043778"/>
-            <a:ext cx="664577" cy="355953"/>
-          </a:xfrm>
-          <a:prstGeom prst="rect">
-            <a:avLst/>
-          </a:prstGeom>
-          <a:solidFill>
-            <a:srgbClr val="FF0000"/>
-          </a:solidFill>
-        </p:spPr>
-        <p:style>
-          <a:lnRef idx="2">
-            <a:schemeClr val="accent1">
-              <a:shade val="50000"/>
-            </a:schemeClr>
-          </a:lnRef>
-          <a:fillRef idx="1">
-            <a:schemeClr val="accent1"/>
-          </a:fillRef>
-          <a:effectRef idx="0">
-            <a:schemeClr val="accent1"/>
-          </a:effectRef>
-          <a:fontRef idx="minor">
-            <a:schemeClr val="lt1"/>
-          </a:fontRef>
-        </p:style>
-        <p:txBody>
-          <a:bodyPr rtlCol="0" anchor="ctr"/>
-          <a:lstStyle/>
-          <a:p>
-            <a:pPr algn="ctr"/>
-            <a:endParaRPr kumimoji="1" lang="ko-Kore-KR" altLang="en-US" dirty="0">
-              <a:solidFill>
-                <a:schemeClr val="tx1"/>
-              </a:solidFill>
-              <a:latin typeface="DM Mono" panose="020B0509040201040103" pitchFamily="49" charset="0"/>
-            </a:endParaRPr>
-          </a:p>
-        </p:txBody>
-      </p:sp>
-      <p:sp>
-        <p:nvSpPr>
-          <p:cNvPr id="3" name="직사각형 2">
-            <a:extLst>
-              <a:ext uri="{FF2B5EF4-FFF2-40B4-BE49-F238E27FC236}">
-                <a16:creationId xmlns:a16="http://schemas.microsoft.com/office/drawing/2014/main" id="{D4E8F6BB-37F4-DB3A-5771-1896803E5C79}"/>
-              </a:ext>
-            </a:extLst>
-          </p:cNvPr>
-          <p:cNvSpPr/>
-          <p:nvPr/>
-        </p:nvSpPr>
-        <p:spPr>
-          <a:xfrm>
-            <a:off x="6748105" y="3399731"/>
-            <a:ext cx="664577" cy="355953"/>
-          </a:xfrm>
-          <a:prstGeom prst="rect">
-            <a:avLst/>
-          </a:prstGeom>
-          <a:solidFill>
-            <a:srgbClr val="FF0000"/>
-          </a:solidFill>
-        </p:spPr>
-        <p:style>
-          <a:lnRef idx="2">
-            <a:schemeClr val="accent1">
-              <a:shade val="50000"/>
-            </a:schemeClr>
-          </a:lnRef>
-          <a:fillRef idx="1">
-            <a:schemeClr val="accent1"/>
-          </a:fillRef>
-          <a:effectRef idx="0">
-            <a:schemeClr val="accent1"/>
-          </a:effectRef>
-          <a:fontRef idx="minor">
-            <a:schemeClr val="lt1"/>
-          </a:fontRef>
-        </p:style>
-        <p:txBody>
-          <a:bodyPr rtlCol="0" anchor="ctr"/>
-          <a:lstStyle/>
-          <a:p>
-            <a:pPr algn="ctr"/>
-            <a:r>
-              <a:rPr kumimoji="1" lang="en-US" altLang="ko-Kore-KR" dirty="0">
-                <a:solidFill>
-                  <a:schemeClr val="tx1"/>
-                </a:solidFill>
-                <a:latin typeface="DM Mono" panose="020B0509040201040103" pitchFamily="49" charset="0"/>
-              </a:rPr>
-              <a:t>42</a:t>
-            </a:r>
-            <a:endParaRPr kumimoji="1" lang="ko-Kore-KR" altLang="en-US" dirty="0">
-              <a:solidFill>
-                <a:schemeClr val="tx1"/>
-              </a:solidFill>
-              <a:latin typeface="DM Mono" panose="020B0509040201040103" pitchFamily="49" charset="0"/>
-            </a:endParaRPr>
-          </a:p>
-        </p:txBody>
-      </p:sp>
-      <p:sp>
-        <p:nvSpPr>
-          <p:cNvPr id="4" name="TextBox 3">
-            <a:extLst>
-              <a:ext uri="{FF2B5EF4-FFF2-40B4-BE49-F238E27FC236}">
-                <a16:creationId xmlns:a16="http://schemas.microsoft.com/office/drawing/2014/main" id="{3D79B373-179D-7F99-047C-909D59B04F4D}"/>
+          <p:cNvPr id="16" name="TextBox 15">
+            <a:extLst>
+              <a:ext uri="{FF2B5EF4-FFF2-40B4-BE49-F238E27FC236}">
+                <a16:creationId xmlns:a16="http://schemas.microsoft.com/office/drawing/2014/main" id="{EC79B4E7-29D9-6607-7ED3-5D19F8A96935}"/>
               </a:ext>
             </a:extLst>
           </p:cNvPr>
@@ -22115,8 +22225,8 @@
         </p:nvSpPr>
         <p:spPr>
           <a:xfrm>
-            <a:off x="5722374" y="3037088"/>
-            <a:ext cx="1025730" cy="369332"/>
+            <a:off x="422997" y="394197"/>
+            <a:ext cx="4178983" cy="2308324"/>
           </a:xfrm>
           <a:prstGeom prst="rect">
             <a:avLst/>
@@ -22129,227 +22239,19 @@
           </a:bodyPr>
           <a:lstStyle/>
           <a:p>
-            <a:pPr algn="r"/>
-            <a:r>
-              <a:rPr lang="en-US" altLang="ko-Kore-KR" dirty="0">
-                <a:latin typeface="DM Mono" panose="020B0509040201040103" pitchFamily="49" charset="0"/>
-              </a:rPr>
-              <a:t>name</a:t>
-            </a:r>
-            <a:endParaRPr lang="ko-Kore-KR" altLang="en-US" dirty="0"/>
-          </a:p>
-        </p:txBody>
-      </p:sp>
-      <p:sp>
-        <p:nvSpPr>
-          <p:cNvPr id="5" name="TextBox 4">
-            <a:extLst>
-              <a:ext uri="{FF2B5EF4-FFF2-40B4-BE49-F238E27FC236}">
-                <a16:creationId xmlns:a16="http://schemas.microsoft.com/office/drawing/2014/main" id="{654C2366-6EBD-7938-55E1-56AD4B16917E}"/>
-              </a:ext>
-            </a:extLst>
-          </p:cNvPr>
-          <p:cNvSpPr txBox="1"/>
-          <p:nvPr/>
-        </p:nvSpPr>
-        <p:spPr>
-          <a:xfrm>
-            <a:off x="5722374" y="3400981"/>
-            <a:ext cx="1025730" cy="369332"/>
-          </a:xfrm>
-          <a:prstGeom prst="rect">
-            <a:avLst/>
-          </a:prstGeom>
-          <a:noFill/>
-        </p:spPr>
-        <p:txBody>
-          <a:bodyPr wrap="square">
-            <a:spAutoFit/>
-          </a:bodyPr>
-          <a:lstStyle/>
-          <a:p>
-            <a:pPr algn="r"/>
-            <a:r>
-              <a:rPr lang="en-US" altLang="ko-Kore-KR" dirty="0">
-                <a:latin typeface="DM Mono" panose="020B0509040201040103" pitchFamily="49" charset="0"/>
-              </a:rPr>
-              <a:t>age</a:t>
-            </a:r>
-            <a:endParaRPr lang="ko-Kore-KR" altLang="en-US" dirty="0"/>
-          </a:p>
-        </p:txBody>
-      </p:sp>
-      <p:sp>
-        <p:nvSpPr>
-          <p:cNvPr id="6" name="TextBox 5">
-            <a:extLst>
-              <a:ext uri="{FF2B5EF4-FFF2-40B4-BE49-F238E27FC236}">
-                <a16:creationId xmlns:a16="http://schemas.microsoft.com/office/drawing/2014/main" id="{8C2FDF82-EA66-BC6A-98CF-45E1A7EE6BF1}"/>
-              </a:ext>
-            </a:extLst>
-          </p:cNvPr>
-          <p:cNvSpPr txBox="1"/>
-          <p:nvPr/>
-        </p:nvSpPr>
-        <p:spPr>
-          <a:xfrm>
-            <a:off x="6472202" y="2703471"/>
-            <a:ext cx="1216382" cy="369332"/>
-          </a:xfrm>
-          <a:prstGeom prst="rect">
-            <a:avLst/>
-          </a:prstGeom>
-          <a:noFill/>
-        </p:spPr>
-        <p:txBody>
-          <a:bodyPr wrap="square">
-            <a:spAutoFit/>
-          </a:bodyPr>
-          <a:lstStyle/>
-          <a:p>
-            <a:pPr algn="ctr"/>
             <a:r>
               <a:rPr lang="ko-Kore-KR" altLang="en-US" dirty="0">
                 <a:latin typeface="DM Mono" panose="020B0509040201040103" pitchFamily="49" charset="0"/>
               </a:rPr>
-              <a:t>user</a:t>
-            </a:r>
-            <a:r>
-              <a:rPr lang="en-US" altLang="ko-Kore-KR" dirty="0">
-                <a:latin typeface="DM Mono" panose="020B0509040201040103" pitchFamily="49" charset="0"/>
-              </a:rPr>
-              <a:t>2</a:t>
-            </a:r>
-            <a:endParaRPr lang="ko-Kore-KR" altLang="en-US" dirty="0"/>
-          </a:p>
-        </p:txBody>
-      </p:sp>
-      <p:sp>
-        <p:nvSpPr>
-          <p:cNvPr id="11" name="직사각형 10">
-            <a:extLst>
-              <a:ext uri="{FF2B5EF4-FFF2-40B4-BE49-F238E27FC236}">
-                <a16:creationId xmlns:a16="http://schemas.microsoft.com/office/drawing/2014/main" id="{75BEF15A-57E7-D3FB-EA70-943BB80F192C}"/>
-              </a:ext>
-            </a:extLst>
-          </p:cNvPr>
-          <p:cNvSpPr/>
-          <p:nvPr/>
-        </p:nvSpPr>
-        <p:spPr>
-          <a:xfrm>
-            <a:off x="6748104" y="3748927"/>
-            <a:ext cx="664577" cy="355953"/>
-          </a:xfrm>
-          <a:prstGeom prst="rect">
-            <a:avLst/>
-          </a:prstGeom>
-          <a:solidFill>
-            <a:srgbClr val="FF0000"/>
-          </a:solidFill>
-        </p:spPr>
-        <p:style>
-          <a:lnRef idx="2">
-            <a:schemeClr val="accent1">
-              <a:shade val="50000"/>
-            </a:schemeClr>
-          </a:lnRef>
-          <a:fillRef idx="1">
-            <a:schemeClr val="accent1"/>
-          </a:fillRef>
-          <a:effectRef idx="0">
-            <a:schemeClr val="accent1"/>
-          </a:effectRef>
-          <a:fontRef idx="minor">
-            <a:schemeClr val="lt1"/>
-          </a:fontRef>
-        </p:style>
-        <p:txBody>
-          <a:bodyPr rtlCol="0" anchor="ctr"/>
-          <a:lstStyle/>
-          <a:p>
-            <a:pPr algn="ctr"/>
-            <a:endParaRPr kumimoji="1" lang="ko-Kore-KR" altLang="en-US" dirty="0">
-              <a:solidFill>
-                <a:schemeClr val="tx1"/>
-              </a:solidFill>
-              <a:latin typeface="DM Mono" panose="020B0509040201040103" pitchFamily="49" charset="0"/>
-            </a:endParaRPr>
-          </a:p>
-        </p:txBody>
-      </p:sp>
-      <p:sp>
-        <p:nvSpPr>
-          <p:cNvPr id="13" name="TextBox 12">
-            <a:extLst>
-              <a:ext uri="{FF2B5EF4-FFF2-40B4-BE49-F238E27FC236}">
-                <a16:creationId xmlns:a16="http://schemas.microsoft.com/office/drawing/2014/main" id="{1CB9C59C-D463-E002-6594-BC908EE897C4}"/>
-              </a:ext>
-            </a:extLst>
-          </p:cNvPr>
-          <p:cNvSpPr txBox="1"/>
-          <p:nvPr/>
-        </p:nvSpPr>
-        <p:spPr>
-          <a:xfrm>
-            <a:off x="5722373" y="3743119"/>
-            <a:ext cx="1025730" cy="369332"/>
-          </a:xfrm>
-          <a:prstGeom prst="rect">
-            <a:avLst/>
-          </a:prstGeom>
-          <a:noFill/>
-        </p:spPr>
-        <p:txBody>
-          <a:bodyPr wrap="square">
-            <a:spAutoFit/>
-          </a:bodyPr>
-          <a:lstStyle/>
-          <a:p>
-            <a:pPr algn="r"/>
-            <a:r>
-              <a:rPr lang="en-US" altLang="ko-Kore-KR" dirty="0">
-                <a:latin typeface="DM Mono" panose="020B0509040201040103" pitchFamily="49" charset="0"/>
-              </a:rPr>
-              <a:t>ref</a:t>
-            </a:r>
-            <a:endParaRPr lang="ko-Kore-KR" altLang="en-US" dirty="0"/>
-          </a:p>
-        </p:txBody>
-      </p:sp>
-      <p:sp>
-        <p:nvSpPr>
-          <p:cNvPr id="30" name="TextBox 29">
-            <a:extLst>
-              <a:ext uri="{FF2B5EF4-FFF2-40B4-BE49-F238E27FC236}">
-                <a16:creationId xmlns:a16="http://schemas.microsoft.com/office/drawing/2014/main" id="{A64F064F-3FA3-6A21-C7BF-AED3D2BF22EE}"/>
-              </a:ext>
-            </a:extLst>
-          </p:cNvPr>
-          <p:cNvSpPr txBox="1"/>
-          <p:nvPr/>
-        </p:nvSpPr>
-        <p:spPr>
-          <a:xfrm>
-            <a:off x="422997" y="394197"/>
-            <a:ext cx="4178983" cy="2308324"/>
-          </a:xfrm>
-          <a:prstGeom prst="rect">
-            <a:avLst/>
-          </a:prstGeom>
-          <a:noFill/>
-        </p:spPr>
-        <p:txBody>
-          <a:bodyPr wrap="square">
-            <a:spAutoFit/>
-          </a:bodyPr>
-          <a:lstStyle/>
+              <a:t> ~User()</a:t>
+            </a:r>
+          </a:p>
           <a:p>
             <a:r>
               <a:rPr lang="ko-Kore-KR" altLang="en-US" dirty="0">
                 <a:latin typeface="DM Mono" panose="020B0509040201040103" pitchFamily="49" charset="0"/>
               </a:rPr>
-              <a:t> ~User()</a:t>
+              <a:t>  {</a:t>
             </a:r>
           </a:p>
           <a:p>
@@ -22357,28 +22259,38 @@
               <a:rPr lang="ko-Kore-KR" altLang="en-US" dirty="0">
                 <a:latin typeface="DM Mono" panose="020B0509040201040103" pitchFamily="49" charset="0"/>
               </a:rPr>
-              <a:t>  {</a:t>
-            </a:r>
-          </a:p>
-          <a:p>
+              <a:t>    if (--(*ref) </a:t>
+            </a:r>
             <a:r>
               <a:rPr lang="ko-Kore-KR" altLang="en-US" dirty="0">
-                <a:latin typeface="DM Mono" panose="020B0509040201040103" pitchFamily="49" charset="0"/>
-              </a:rPr>
-              <a:t>    if (--(*ref) == 0)</a:t>
-            </a:r>
-          </a:p>
-          <a:p>
+                <a:solidFill>
+                  <a:srgbClr val="FF0000"/>
+                </a:solidFill>
+                <a:latin typeface="DM Mono" panose="020B0509040201040103" pitchFamily="49" charset="0"/>
+              </a:rPr>
+              <a:t>== 0</a:t>
+            </a:r>
             <a:r>
               <a:rPr lang="ko-Kore-KR" altLang="en-US" dirty="0">
                 <a:latin typeface="DM Mono" panose="020B0509040201040103" pitchFamily="49" charset="0"/>
               </a:rPr>
+              <a:t>)</a:t>
+            </a:r>
+          </a:p>
+          <a:p>
+            <a:r>
+              <a:rPr lang="ko-Kore-KR" altLang="en-US" dirty="0">
+                <a:latin typeface="DM Mono" panose="020B0509040201040103" pitchFamily="49" charset="0"/>
+              </a:rPr>
               <a:t>    {</a:t>
             </a:r>
           </a:p>
           <a:p>
             <a:r>
               <a:rPr lang="ko-Kore-KR" altLang="en-US" dirty="0">
+                <a:solidFill>
+                  <a:srgbClr val="FF0000"/>
+                </a:solidFill>
                 <a:latin typeface="DM Mono" panose="020B0509040201040103" pitchFamily="49" charset="0"/>
               </a:rPr>
               <a:t>      delete[] name;</a:t>
@@ -22387,6 +22299,9 @@
           <a:p>
             <a:r>
               <a:rPr lang="ko-Kore-KR" altLang="en-US" dirty="0">
+                <a:solidFill>
+                  <a:srgbClr val="FF0000"/>
+                </a:solidFill>
                 <a:latin typeface="DM Mono" panose="020B0509040201040103" pitchFamily="49" charset="0"/>
               </a:rPr>
               <a:t>      delete ref;</a:t>
@@ -22413,7 +22328,7 @@
     </p:spTree>
     <p:extLst>
       <p:ext uri="{BB962C8B-B14F-4D97-AF65-F5344CB8AC3E}">
-        <p14:creationId xmlns:p14="http://schemas.microsoft.com/office/powerpoint/2010/main" val="345753880"/>
+        <p14:creationId xmlns:p14="http://schemas.microsoft.com/office/powerpoint/2010/main" val="2381189931"/>
       </p:ext>
     </p:extLst>
   </p:cSld>
@@ -22442,65 +22357,6 @@
       </p:grpSpPr>
       <p:sp>
         <p:nvSpPr>
-          <p:cNvPr id="7" name="TextBox 6">
-            <a:extLst>
-              <a:ext uri="{FF2B5EF4-FFF2-40B4-BE49-F238E27FC236}">
-                <a16:creationId xmlns:a16="http://schemas.microsoft.com/office/drawing/2014/main" id="{B055207C-16A6-67B9-03C1-59B54A446E67}"/>
-              </a:ext>
-            </a:extLst>
-          </p:cNvPr>
-          <p:cNvSpPr txBox="1"/>
-          <p:nvPr/>
-        </p:nvSpPr>
-        <p:spPr>
-          <a:xfrm>
-            <a:off x="291280" y="5470939"/>
-            <a:ext cx="6098458" cy="923330"/>
-          </a:xfrm>
-          <a:prstGeom prst="rect">
-            <a:avLst/>
-          </a:prstGeom>
-          <a:noFill/>
-        </p:spPr>
-        <p:txBody>
-          <a:bodyPr wrap="square">
-            <a:spAutoFit/>
-          </a:bodyPr>
-          <a:lstStyle/>
-          <a:p>
-            <a:r>
-              <a:rPr lang="ko-Kore-KR" altLang="en-US" dirty="0">
-                <a:latin typeface="DM Mono" panose="020B0509040201040103" pitchFamily="49" charset="0"/>
-              </a:rPr>
-              <a:t>User user1("Tom", 42);</a:t>
-            </a:r>
-          </a:p>
-          <a:p>
-            <a:r>
-              <a:rPr lang="ko-Kore-KR" altLang="en-US" dirty="0">
-                <a:latin typeface="DM Mono" panose="020B0509040201040103" pitchFamily="49" charset="0"/>
-              </a:rPr>
-              <a:t>User user2 = user1;</a:t>
-            </a:r>
-            <a:endParaRPr lang="en-US" altLang="ko-Kore-KR" dirty="0">
-              <a:latin typeface="DM Mono" panose="020B0509040201040103" pitchFamily="49" charset="0"/>
-            </a:endParaRPr>
-          </a:p>
-          <a:p>
-            <a:r>
-              <a:rPr lang="en-US" altLang="ko-Kore-KR" dirty="0">
-                <a:latin typeface="DM Mono" panose="020B0509040201040103" pitchFamily="49" charset="0"/>
-              </a:rPr>
-              <a:t>User user3 = user1;</a:t>
-            </a:r>
-            <a:endParaRPr lang="ko-Kore-KR" altLang="en-US" dirty="0">
-              <a:latin typeface="DM Mono" panose="020B0509040201040103" pitchFamily="49" charset="0"/>
-            </a:endParaRPr>
-          </a:p>
-        </p:txBody>
-      </p:sp>
-      <p:sp>
-        <p:nvSpPr>
           <p:cNvPr id="8" name="직사각형 7">
             <a:extLst>
               <a:ext uri="{FF2B5EF4-FFF2-40B4-BE49-F238E27FC236}">
@@ -22513,14 +22369,14 @@
         </p:nvSpPr>
         <p:spPr>
           <a:xfrm>
-            <a:off x="6748107" y="870502"/>
+            <a:off x="7077407" y="1310898"/>
             <a:ext cx="664577" cy="355953"/>
           </a:xfrm>
           <a:prstGeom prst="rect">
             <a:avLst/>
           </a:prstGeom>
           <a:solidFill>
-            <a:srgbClr val="FF0000"/>
+            <a:srgbClr val="FFFF00"/>
           </a:solidFill>
         </p:spPr>
         <p:style>
@@ -22567,14 +22423,14 @@
         </p:nvSpPr>
         <p:spPr>
           <a:xfrm>
-            <a:off x="6748106" y="1226455"/>
+            <a:off x="7077406" y="1666851"/>
             <a:ext cx="664577" cy="355953"/>
           </a:xfrm>
           <a:prstGeom prst="rect">
             <a:avLst/>
           </a:prstGeom>
           <a:solidFill>
-            <a:srgbClr val="FF0000"/>
+            <a:srgbClr val="FFFF00"/>
           </a:solidFill>
         </p:spPr>
         <p:style>
@@ -22630,7 +22486,7 @@
         </p:nvSpPr>
         <p:spPr>
           <a:xfrm>
-            <a:off x="5722375" y="863812"/>
+            <a:off x="6051675" y="1304208"/>
             <a:ext cx="1025730" cy="369332"/>
           </a:xfrm>
           <a:prstGeom prst="rect">
@@ -22669,7 +22525,7 @@
         </p:nvSpPr>
         <p:spPr>
           <a:xfrm>
-            <a:off x="5722375" y="1227705"/>
+            <a:off x="6051675" y="1668101"/>
             <a:ext cx="1025730" cy="369332"/>
           </a:xfrm>
           <a:prstGeom prst="rect">
@@ -22696,45 +22552,6 @@
       </p:sp>
       <p:sp>
         <p:nvSpPr>
-          <p:cNvPr id="14" name="TextBox 13">
-            <a:extLst>
-              <a:ext uri="{FF2B5EF4-FFF2-40B4-BE49-F238E27FC236}">
-                <a16:creationId xmlns:a16="http://schemas.microsoft.com/office/drawing/2014/main" id="{3F5C2825-15C8-70FB-F0EE-B817E1E52405}"/>
-              </a:ext>
-            </a:extLst>
-          </p:cNvPr>
-          <p:cNvSpPr txBox="1"/>
-          <p:nvPr/>
-        </p:nvSpPr>
-        <p:spPr>
-          <a:xfrm>
-            <a:off x="6472203" y="530195"/>
-            <a:ext cx="1216382" cy="369332"/>
-          </a:xfrm>
-          <a:prstGeom prst="rect">
-            <a:avLst/>
-          </a:prstGeom>
-          <a:noFill/>
-        </p:spPr>
-        <p:txBody>
-          <a:bodyPr wrap="square">
-            <a:spAutoFit/>
-          </a:bodyPr>
-          <a:lstStyle/>
-          <a:p>
-            <a:pPr algn="ctr"/>
-            <a:r>
-              <a:rPr lang="ko-Kore-KR" altLang="en-US" dirty="0">
-                <a:latin typeface="DM Mono" panose="020B0509040201040103" pitchFamily="49" charset="0"/>
-              </a:rPr>
-              <a:t>user1</a:t>
-            </a:r>
-            <a:endParaRPr lang="ko-Kore-KR" altLang="en-US" dirty="0"/>
-          </a:p>
-        </p:txBody>
-      </p:sp>
-      <p:sp>
-        <p:nvSpPr>
           <p:cNvPr id="15" name="직사각형 14">
             <a:extLst>
               <a:ext uri="{FF2B5EF4-FFF2-40B4-BE49-F238E27FC236}">
@@ -22747,14 +22564,14 @@
         </p:nvSpPr>
         <p:spPr>
           <a:xfrm>
-            <a:off x="9939961" y="2761970"/>
+            <a:off x="9493685" y="1496814"/>
             <a:ext cx="1277473" cy="355953"/>
           </a:xfrm>
           <a:prstGeom prst="rect">
             <a:avLst/>
           </a:prstGeom>
           <a:solidFill>
-            <a:srgbClr val="FF0000"/>
+            <a:srgbClr val="FFFF00"/>
           </a:solidFill>
         </p:spPr>
         <p:style>
@@ -22781,7 +22598,7 @@
             <a:r>
               <a:rPr kumimoji="1" lang="en-US" altLang="ko-Kore-KR" dirty="0">
                 <a:solidFill>
-                  <a:schemeClr val="bg1"/>
+                  <a:schemeClr val="tx1"/>
                 </a:solidFill>
                 <a:latin typeface="DM Mono" panose="020B0509040201040103" pitchFamily="49" charset="0"/>
               </a:rPr>
@@ -22789,7 +22606,7 @@
             </a:r>
             <a:endParaRPr kumimoji="1" lang="ko-Kore-KR" altLang="en-US" dirty="0">
               <a:solidFill>
-                <a:schemeClr val="bg1"/>
+                <a:schemeClr val="tx1"/>
               </a:solidFill>
               <a:latin typeface="DM Mono" panose="020B0509040201040103" pitchFamily="49" charset="0"/>
             </a:endParaRPr>
@@ -22814,8 +22631,8 @@
         </p:nvCxnSpPr>
         <p:spPr>
           <a:xfrm>
-            <a:off x="7412684" y="1048479"/>
-            <a:ext cx="2527277" cy="1891468"/>
+            <a:off x="7741984" y="1488875"/>
+            <a:ext cx="1751701" cy="185916"/>
           </a:xfrm>
           <a:prstGeom prst="curvedConnector3">
             <a:avLst/>
@@ -22841,10 +22658,10 @@
       </p:cxnSp>
       <p:sp>
         <p:nvSpPr>
-          <p:cNvPr id="19" name="직사각형 18">
-            <a:extLst>
-              <a:ext uri="{FF2B5EF4-FFF2-40B4-BE49-F238E27FC236}">
-                <a16:creationId xmlns:a16="http://schemas.microsoft.com/office/drawing/2014/main" id="{E8510BD0-B26C-D17B-694E-349061FE1B4F}"/>
+          <p:cNvPr id="2" name="직사각형 1">
+            <a:extLst>
+              <a:ext uri="{FF2B5EF4-FFF2-40B4-BE49-F238E27FC236}">
+                <a16:creationId xmlns:a16="http://schemas.microsoft.com/office/drawing/2014/main" id="{AD96695B-28B9-EBFF-318A-4778DB0242E9}"/>
               </a:ext>
             </a:extLst>
           </p:cNvPr>
@@ -22853,14 +22670,14 @@
         </p:nvSpPr>
         <p:spPr>
           <a:xfrm>
-            <a:off x="6748105" y="1575651"/>
+            <a:off x="6954988" y="3272111"/>
             <a:ext cx="664577" cy="355953"/>
           </a:xfrm>
           <a:prstGeom prst="rect">
             <a:avLst/>
           </a:prstGeom>
           <a:solidFill>
-            <a:srgbClr val="FF0000"/>
+            <a:srgbClr val="FFFF00"/>
           </a:solidFill>
         </p:spPr>
         <p:style>
@@ -22895,49 +22712,10 @@
       </p:sp>
       <p:sp>
         <p:nvSpPr>
-          <p:cNvPr id="20" name="TextBox 19">
-            <a:extLst>
-              <a:ext uri="{FF2B5EF4-FFF2-40B4-BE49-F238E27FC236}">
-                <a16:creationId xmlns:a16="http://schemas.microsoft.com/office/drawing/2014/main" id="{E69B27CF-2AE4-FF0E-170B-C81BF9E98AEB}"/>
-              </a:ext>
-            </a:extLst>
-          </p:cNvPr>
-          <p:cNvSpPr txBox="1"/>
-          <p:nvPr/>
-        </p:nvSpPr>
-        <p:spPr>
-          <a:xfrm>
-            <a:off x="5722374" y="1569843"/>
-            <a:ext cx="1025730" cy="369332"/>
-          </a:xfrm>
-          <a:prstGeom prst="rect">
-            <a:avLst/>
-          </a:prstGeom>
-          <a:noFill/>
-        </p:spPr>
-        <p:txBody>
-          <a:bodyPr wrap="square">
-            <a:spAutoFit/>
-          </a:bodyPr>
-          <a:lstStyle/>
-          <a:p>
-            <a:pPr algn="r"/>
-            <a:r>
-              <a:rPr lang="en-US" altLang="ko-Kore-KR" dirty="0">
-                <a:latin typeface="DM Mono" panose="020B0509040201040103" pitchFamily="49" charset="0"/>
-              </a:rPr>
-              <a:t>ref</a:t>
-            </a:r>
-            <a:endParaRPr lang="ko-Kore-KR" altLang="en-US" dirty="0"/>
-          </a:p>
-        </p:txBody>
-      </p:sp>
-      <p:sp>
-        <p:nvSpPr>
-          <p:cNvPr id="22" name="직사각형 21">
-            <a:extLst>
-              <a:ext uri="{FF2B5EF4-FFF2-40B4-BE49-F238E27FC236}">
-                <a16:creationId xmlns:a16="http://schemas.microsoft.com/office/drawing/2014/main" id="{3F878A8C-BE4F-E9A6-DCFE-B6B1B90D8144}"/>
+          <p:cNvPr id="3" name="직사각형 2">
+            <a:extLst>
+              <a:ext uri="{FF2B5EF4-FFF2-40B4-BE49-F238E27FC236}">
+                <a16:creationId xmlns:a16="http://schemas.microsoft.com/office/drawing/2014/main" id="{77A4C80D-AD81-78C6-A4E1-167757C0DDF7}"/>
               </a:ext>
             </a:extLst>
           </p:cNvPr>
@@ -22946,14 +22724,14 @@
         </p:nvSpPr>
         <p:spPr>
           <a:xfrm>
-            <a:off x="9939961" y="3592336"/>
+            <a:off x="6954987" y="3628064"/>
             <a:ext cx="664577" cy="355953"/>
           </a:xfrm>
           <a:prstGeom prst="rect">
             <a:avLst/>
           </a:prstGeom>
           <a:solidFill>
-            <a:srgbClr val="FF0000"/>
+            <a:srgbClr val="FFFF00"/>
           </a:solidFill>
         </p:spPr>
         <p:style>
@@ -22980,41 +22758,410 @@
             <a:r>
               <a:rPr kumimoji="1" lang="en-US" altLang="ko-Kore-KR" dirty="0">
                 <a:solidFill>
-                  <a:schemeClr val="bg1"/>
+                  <a:schemeClr val="tx1"/>
                 </a:solidFill>
                 <a:latin typeface="DM Mono" panose="020B0509040201040103" pitchFamily="49" charset="0"/>
               </a:rPr>
-              <a:t>0</a:t>
+              <a:t>42</a:t>
             </a:r>
             <a:endParaRPr kumimoji="1" lang="ko-Kore-KR" altLang="en-US" dirty="0">
               <a:solidFill>
-                <a:schemeClr val="bg1"/>
+                <a:schemeClr val="tx1"/>
               </a:solidFill>
               <a:latin typeface="DM Mono" panose="020B0509040201040103" pitchFamily="49" charset="0"/>
             </a:endParaRPr>
           </a:p>
         </p:txBody>
       </p:sp>
+      <p:sp>
+        <p:nvSpPr>
+          <p:cNvPr id="4" name="TextBox 3">
+            <a:extLst>
+              <a:ext uri="{FF2B5EF4-FFF2-40B4-BE49-F238E27FC236}">
+                <a16:creationId xmlns:a16="http://schemas.microsoft.com/office/drawing/2014/main" id="{464A7624-0615-4887-0856-A559075B1586}"/>
+              </a:ext>
+            </a:extLst>
+          </p:cNvPr>
+          <p:cNvSpPr txBox="1"/>
+          <p:nvPr/>
+        </p:nvSpPr>
+        <p:spPr>
+          <a:xfrm>
+            <a:off x="5929256" y="3265421"/>
+            <a:ext cx="1025730" cy="369332"/>
+          </a:xfrm>
+          <a:prstGeom prst="rect">
+            <a:avLst/>
+          </a:prstGeom>
+          <a:noFill/>
+        </p:spPr>
+        <p:txBody>
+          <a:bodyPr wrap="square">
+            <a:spAutoFit/>
+          </a:bodyPr>
+          <a:lstStyle/>
+          <a:p>
+            <a:pPr algn="r"/>
+            <a:r>
+              <a:rPr lang="en-US" altLang="ko-Kore-KR" dirty="0">
+                <a:latin typeface="DM Mono" panose="020B0509040201040103" pitchFamily="49" charset="0"/>
+              </a:rPr>
+              <a:t>name</a:t>
+            </a:r>
+            <a:endParaRPr lang="ko-Kore-KR" altLang="en-US" dirty="0"/>
+          </a:p>
+        </p:txBody>
+      </p:sp>
+      <p:sp>
+        <p:nvSpPr>
+          <p:cNvPr id="6" name="TextBox 5">
+            <a:extLst>
+              <a:ext uri="{FF2B5EF4-FFF2-40B4-BE49-F238E27FC236}">
+                <a16:creationId xmlns:a16="http://schemas.microsoft.com/office/drawing/2014/main" id="{B1811E5B-9F1D-96B1-8678-9C8D3A95984A}"/>
+              </a:ext>
+            </a:extLst>
+          </p:cNvPr>
+          <p:cNvSpPr txBox="1"/>
+          <p:nvPr/>
+        </p:nvSpPr>
+        <p:spPr>
+          <a:xfrm>
+            <a:off x="5929256" y="3629314"/>
+            <a:ext cx="1025730" cy="369332"/>
+          </a:xfrm>
+          <a:prstGeom prst="rect">
+            <a:avLst/>
+          </a:prstGeom>
+          <a:noFill/>
+        </p:spPr>
+        <p:txBody>
+          <a:bodyPr wrap="square">
+            <a:spAutoFit/>
+          </a:bodyPr>
+          <a:lstStyle/>
+          <a:p>
+            <a:pPr algn="r"/>
+            <a:r>
+              <a:rPr lang="en-US" altLang="ko-Kore-KR" dirty="0">
+                <a:latin typeface="DM Mono" panose="020B0509040201040103" pitchFamily="49" charset="0"/>
+              </a:rPr>
+              <a:t>age</a:t>
+            </a:r>
+            <a:endParaRPr lang="ko-Kore-KR" altLang="en-US" dirty="0"/>
+          </a:p>
+        </p:txBody>
+      </p:sp>
+      <p:sp>
+        <p:nvSpPr>
+          <p:cNvPr id="11" name="TextBox 10">
+            <a:extLst>
+              <a:ext uri="{FF2B5EF4-FFF2-40B4-BE49-F238E27FC236}">
+                <a16:creationId xmlns:a16="http://schemas.microsoft.com/office/drawing/2014/main" id="{FDD13FC8-D56A-E81E-1B7E-5FE9EA20F940}"/>
+              </a:ext>
+            </a:extLst>
+          </p:cNvPr>
+          <p:cNvSpPr txBox="1"/>
+          <p:nvPr/>
+        </p:nvSpPr>
+        <p:spPr>
+          <a:xfrm>
+            <a:off x="6679084" y="2931804"/>
+            <a:ext cx="1216382" cy="369332"/>
+          </a:xfrm>
+          <a:prstGeom prst="rect">
+            <a:avLst/>
+          </a:prstGeom>
+          <a:noFill/>
+        </p:spPr>
+        <p:txBody>
+          <a:bodyPr wrap="square">
+            <a:spAutoFit/>
+          </a:bodyPr>
+          <a:lstStyle/>
+          <a:p>
+            <a:pPr algn="ctr"/>
+            <a:r>
+              <a:rPr lang="ko-Kore-KR" altLang="en-US" dirty="0">
+                <a:latin typeface="DM Mono" panose="020B0509040201040103" pitchFamily="49" charset="0"/>
+              </a:rPr>
+              <a:t>user</a:t>
+            </a:r>
+            <a:r>
+              <a:rPr lang="en-US" altLang="ko-Kore-KR" dirty="0">
+                <a:latin typeface="DM Mono" panose="020B0509040201040103" pitchFamily="49" charset="0"/>
+              </a:rPr>
+              <a:t>2</a:t>
+            </a:r>
+            <a:endParaRPr lang="ko-Kore-KR" altLang="en-US" dirty="0"/>
+          </a:p>
+        </p:txBody>
+      </p:sp>
+      <p:sp>
+        <p:nvSpPr>
+          <p:cNvPr id="7" name="TextBox 6">
+            <a:extLst>
+              <a:ext uri="{FF2B5EF4-FFF2-40B4-BE49-F238E27FC236}">
+                <a16:creationId xmlns:a16="http://schemas.microsoft.com/office/drawing/2014/main" id="{3B4F9374-C6E6-FD32-6546-50F034EC7B23}"/>
+              </a:ext>
+            </a:extLst>
+          </p:cNvPr>
+          <p:cNvSpPr txBox="1"/>
+          <p:nvPr/>
+        </p:nvSpPr>
+        <p:spPr>
+          <a:xfrm>
+            <a:off x="244840" y="238882"/>
+            <a:ext cx="6096000" cy="923330"/>
+          </a:xfrm>
+          <a:prstGeom prst="rect">
+            <a:avLst/>
+          </a:prstGeom>
+          <a:noFill/>
+        </p:spPr>
+        <p:txBody>
+          <a:bodyPr wrap="square">
+            <a:spAutoFit/>
+          </a:bodyPr>
+          <a:lstStyle/>
+          <a:p>
+            <a:r>
+              <a:rPr lang="en" altLang="ko-Kore-KR" dirty="0">
+                <a:latin typeface="DM Mono" panose="020B0509040201040103" pitchFamily="49" charset="0"/>
+              </a:rPr>
+              <a:t>User *user = new User("Tom", 42);</a:t>
+            </a:r>
+          </a:p>
+          <a:p>
+            <a:r>
+              <a:rPr lang="en" altLang="ko-Kore-KR" dirty="0">
+                <a:solidFill>
+                  <a:srgbClr val="FF0000"/>
+                </a:solidFill>
+                <a:latin typeface="DM Mono" panose="020B0509040201040103" pitchFamily="49" charset="0"/>
+              </a:rPr>
+              <a:t>User user2(*user);</a:t>
+            </a:r>
+          </a:p>
+          <a:p>
+            <a:r>
+              <a:rPr lang="en" altLang="ko-Kore-KR" dirty="0">
+                <a:latin typeface="DM Mono" panose="020B0509040201040103" pitchFamily="49" charset="0"/>
+              </a:rPr>
+              <a:t>delete user;</a:t>
+            </a:r>
+            <a:endParaRPr lang="ko-Kore-KR" altLang="en-US" dirty="0">
+              <a:latin typeface="DM Mono" panose="020B0509040201040103" pitchFamily="49" charset="0"/>
+            </a:endParaRPr>
+          </a:p>
+        </p:txBody>
+      </p:sp>
+      <p:sp>
+        <p:nvSpPr>
+          <p:cNvPr id="14" name="TextBox 13">
+            <a:extLst>
+              <a:ext uri="{FF2B5EF4-FFF2-40B4-BE49-F238E27FC236}">
+                <a16:creationId xmlns:a16="http://schemas.microsoft.com/office/drawing/2014/main" id="{92006C7B-8B22-8A9C-87A2-A91480A7A11E}"/>
+              </a:ext>
+            </a:extLst>
+          </p:cNvPr>
+          <p:cNvSpPr txBox="1"/>
+          <p:nvPr/>
+        </p:nvSpPr>
+        <p:spPr>
+          <a:xfrm>
+            <a:off x="208170" y="1579652"/>
+            <a:ext cx="6096000" cy="2031325"/>
+          </a:xfrm>
+          <a:prstGeom prst="rect">
+            <a:avLst/>
+          </a:prstGeom>
+          <a:noFill/>
+        </p:spPr>
+        <p:txBody>
+          <a:bodyPr wrap="square">
+            <a:spAutoFit/>
+          </a:bodyPr>
+          <a:lstStyle/>
+          <a:p>
+            <a:r>
+              <a:rPr lang="ko-Kore-KR" altLang="en-US" dirty="0">
+                <a:latin typeface="DM Mono" panose="020B0509040201040103" pitchFamily="49" charset="0"/>
+              </a:rPr>
+              <a:t> User(const User &amp;rhs)</a:t>
+            </a:r>
+          </a:p>
+          <a:p>
+            <a:r>
+              <a:rPr lang="ko-Kore-KR" altLang="en-US" dirty="0">
+                <a:latin typeface="DM Mono" panose="020B0509040201040103" pitchFamily="49" charset="0"/>
+              </a:rPr>
+              <a:t>      : age(rhs.age)</a:t>
+            </a:r>
+          </a:p>
+          <a:p>
+            <a:r>
+              <a:rPr lang="ko-Kore-KR" altLang="en-US" dirty="0">
+                <a:latin typeface="DM Mono" panose="020B0509040201040103" pitchFamily="49" charset="0"/>
+              </a:rPr>
+              <a:t>  {</a:t>
+            </a:r>
+          </a:p>
+          <a:p>
+            <a:r>
+              <a:rPr lang="ko-Kore-KR" altLang="en-US" dirty="0">
+                <a:latin typeface="DM Mono" panose="020B0509040201040103" pitchFamily="49" charset="0"/>
+              </a:rPr>
+              <a:t>    cout &lt;&lt; "복사" &lt;&lt; endl;</a:t>
+            </a:r>
+          </a:p>
+          <a:p>
+            <a:r>
+              <a:rPr lang="ko-Kore-KR" altLang="en-US" dirty="0">
+                <a:latin typeface="DM Mono" panose="020B0509040201040103" pitchFamily="49" charset="0"/>
+              </a:rPr>
+              <a:t>    name = new char[strlen(rhs.name) + 1];</a:t>
+            </a:r>
+          </a:p>
+          <a:p>
+            <a:r>
+              <a:rPr lang="ko-Kore-KR" altLang="en-US" dirty="0">
+                <a:latin typeface="DM Mono" panose="020B0509040201040103" pitchFamily="49" charset="0"/>
+              </a:rPr>
+              <a:t>    strcpy(name, rhs.name);</a:t>
+            </a:r>
+          </a:p>
+          <a:p>
+            <a:r>
+              <a:rPr lang="ko-Kore-KR" altLang="en-US" dirty="0">
+                <a:latin typeface="DM Mono" panose="020B0509040201040103" pitchFamily="49" charset="0"/>
+              </a:rPr>
+              <a:t>  }</a:t>
+            </a:r>
+          </a:p>
+        </p:txBody>
+      </p:sp>
+      <p:sp>
+        <p:nvSpPr>
+          <p:cNvPr id="18" name="TextBox 17">
+            <a:extLst>
+              <a:ext uri="{FF2B5EF4-FFF2-40B4-BE49-F238E27FC236}">
+                <a16:creationId xmlns:a16="http://schemas.microsoft.com/office/drawing/2014/main" id="{89F0F775-7E6D-5F3C-8843-B08ED8E595D6}"/>
+              </a:ext>
+            </a:extLst>
+          </p:cNvPr>
+          <p:cNvSpPr txBox="1"/>
+          <p:nvPr/>
+        </p:nvSpPr>
+        <p:spPr>
+          <a:xfrm>
+            <a:off x="6954986" y="920247"/>
+            <a:ext cx="854439" cy="369332"/>
+          </a:xfrm>
+          <a:prstGeom prst="rect">
+            <a:avLst/>
+          </a:prstGeom>
+          <a:noFill/>
+        </p:spPr>
+        <p:txBody>
+          <a:bodyPr wrap="square">
+            <a:spAutoFit/>
+          </a:bodyPr>
+          <a:lstStyle/>
+          <a:p>
+            <a:pPr algn="ctr"/>
+            <a:r>
+              <a:rPr lang="ko-Kore-KR" altLang="en-US" dirty="0">
+                <a:latin typeface="DM Mono" panose="020B0509040201040103" pitchFamily="49" charset="0"/>
+              </a:rPr>
+              <a:t>user</a:t>
+            </a:r>
+            <a:endParaRPr lang="ko-Kore-KR" altLang="en-US" dirty="0"/>
+          </a:p>
+        </p:txBody>
+      </p:sp>
+      <p:sp>
+        <p:nvSpPr>
+          <p:cNvPr id="22" name="직사각형 21">
+            <a:extLst>
+              <a:ext uri="{FF2B5EF4-FFF2-40B4-BE49-F238E27FC236}">
+                <a16:creationId xmlns:a16="http://schemas.microsoft.com/office/drawing/2014/main" id="{39B043A8-C8AC-6356-131A-466EFEB7BEEE}"/>
+              </a:ext>
+            </a:extLst>
+          </p:cNvPr>
+          <p:cNvSpPr/>
+          <p:nvPr/>
+        </p:nvSpPr>
+        <p:spPr>
+          <a:xfrm>
+            <a:off x="9493685" y="3378080"/>
+            <a:ext cx="1277473" cy="355953"/>
+          </a:xfrm>
+          <a:prstGeom prst="rect">
+            <a:avLst/>
+          </a:prstGeom>
+          <a:solidFill>
+            <a:srgbClr val="00B0F0"/>
+          </a:solidFill>
+        </p:spPr>
+        <p:style>
+          <a:lnRef idx="2">
+            <a:schemeClr val="accent1">
+              <a:shade val="50000"/>
+            </a:schemeClr>
+          </a:lnRef>
+          <a:fillRef idx="1">
+            <a:schemeClr val="accent1"/>
+          </a:fillRef>
+          <a:effectRef idx="0">
+            <a:schemeClr val="accent1"/>
+          </a:effectRef>
+          <a:fontRef idx="minor">
+            <a:schemeClr val="lt1"/>
+          </a:fontRef>
+        </p:style>
+        <p:txBody>
+          <a:bodyPr rtlCol="0" anchor="ctr"/>
+          <a:lstStyle/>
+          <a:p>
+            <a:pPr algn="ctr"/>
+            <a:r>
+              <a:rPr kumimoji="1" lang="en-US" altLang="ko-Kore-KR" dirty="0">
+                <a:solidFill>
+                  <a:schemeClr val="tx1"/>
+                </a:solidFill>
+                <a:latin typeface="DM Mono" panose="020B0509040201040103" pitchFamily="49" charset="0"/>
+              </a:rPr>
+              <a:t>“Tom”</a:t>
+            </a:r>
+            <a:endParaRPr kumimoji="1" lang="ko-Kore-KR" altLang="en-US" dirty="0">
+              <a:solidFill>
+                <a:schemeClr val="tx1"/>
+              </a:solidFill>
+              <a:latin typeface="DM Mono" panose="020B0509040201040103" pitchFamily="49" charset="0"/>
+            </a:endParaRPr>
+          </a:p>
+        </p:txBody>
+      </p:sp>
       <p:cxnSp>
         <p:nvCxnSpPr>
           <p:cNvPr id="23" name="구부러진 연결선[U] 22">
             <a:extLst>
               <a:ext uri="{FF2B5EF4-FFF2-40B4-BE49-F238E27FC236}">
-                <a16:creationId xmlns:a16="http://schemas.microsoft.com/office/drawing/2014/main" id="{A42B5BD7-2A1C-DAB5-0461-16689B3819A2}"/>
+                <a16:creationId xmlns:a16="http://schemas.microsoft.com/office/drawing/2014/main" id="{7F155F50-FBCE-77D8-A9FD-963F341F78A4}"/>
               </a:ext>
             </a:extLst>
           </p:cNvPr>
           <p:cNvCxnSpPr>
             <a:cxnSpLocks/>
-            <a:stCxn id="19" idx="3"/>
+            <a:stCxn id="2" idx="3"/>
             <a:endCxn id="22" idx="1"/>
           </p:cNvCxnSpPr>
           <p:nvPr/>
         </p:nvCxnSpPr>
         <p:spPr>
           <a:xfrm>
-            <a:off x="7412682" y="1753628"/>
-            <a:ext cx="2527279" cy="2016685"/>
+            <a:off x="7619565" y="3450088"/>
+            <a:ext cx="1874120" cy="105969"/>
           </a:xfrm>
           <a:prstGeom prst="curvedConnector3">
             <a:avLst/>
@@ -23038,124 +23185,10 @@
           </a:fontRef>
         </p:style>
       </p:cxnSp>
-      <p:sp>
-        <p:nvSpPr>
-          <p:cNvPr id="16" name="TextBox 15">
-            <a:extLst>
-              <a:ext uri="{FF2B5EF4-FFF2-40B4-BE49-F238E27FC236}">
-                <a16:creationId xmlns:a16="http://schemas.microsoft.com/office/drawing/2014/main" id="{EC79B4E7-29D9-6607-7ED3-5D19F8A96935}"/>
-              </a:ext>
-            </a:extLst>
-          </p:cNvPr>
-          <p:cNvSpPr txBox="1"/>
-          <p:nvPr/>
-        </p:nvSpPr>
-        <p:spPr>
-          <a:xfrm>
-            <a:off x="422997" y="394197"/>
-            <a:ext cx="4178983" cy="2308324"/>
-          </a:xfrm>
-          <a:prstGeom prst="rect">
-            <a:avLst/>
-          </a:prstGeom>
-          <a:noFill/>
-        </p:spPr>
-        <p:txBody>
-          <a:bodyPr wrap="square">
-            <a:spAutoFit/>
-          </a:bodyPr>
-          <a:lstStyle/>
-          <a:p>
-            <a:r>
-              <a:rPr lang="ko-Kore-KR" altLang="en-US" dirty="0">
-                <a:latin typeface="DM Mono" panose="020B0509040201040103" pitchFamily="49" charset="0"/>
-              </a:rPr>
-              <a:t> ~User()</a:t>
-            </a:r>
-          </a:p>
-          <a:p>
-            <a:r>
-              <a:rPr lang="ko-Kore-KR" altLang="en-US" dirty="0">
-                <a:latin typeface="DM Mono" panose="020B0509040201040103" pitchFamily="49" charset="0"/>
-              </a:rPr>
-              <a:t>  {</a:t>
-            </a:r>
-          </a:p>
-          <a:p>
-            <a:r>
-              <a:rPr lang="ko-Kore-KR" altLang="en-US" dirty="0">
-                <a:latin typeface="DM Mono" panose="020B0509040201040103" pitchFamily="49" charset="0"/>
-              </a:rPr>
-              <a:t>    if (--(*ref) </a:t>
-            </a:r>
-            <a:r>
-              <a:rPr lang="ko-Kore-KR" altLang="en-US" dirty="0">
-                <a:solidFill>
-                  <a:srgbClr val="FF0000"/>
-                </a:solidFill>
-                <a:latin typeface="DM Mono" panose="020B0509040201040103" pitchFamily="49" charset="0"/>
-              </a:rPr>
-              <a:t>== 0</a:t>
-            </a:r>
-            <a:r>
-              <a:rPr lang="ko-Kore-KR" altLang="en-US" dirty="0">
-                <a:latin typeface="DM Mono" panose="020B0509040201040103" pitchFamily="49" charset="0"/>
-              </a:rPr>
-              <a:t>)</a:t>
-            </a:r>
-          </a:p>
-          <a:p>
-            <a:r>
-              <a:rPr lang="ko-Kore-KR" altLang="en-US" dirty="0">
-                <a:latin typeface="DM Mono" panose="020B0509040201040103" pitchFamily="49" charset="0"/>
-              </a:rPr>
-              <a:t>    {</a:t>
-            </a:r>
-          </a:p>
-          <a:p>
-            <a:r>
-              <a:rPr lang="ko-Kore-KR" altLang="en-US" dirty="0">
-                <a:solidFill>
-                  <a:srgbClr val="FF0000"/>
-                </a:solidFill>
-                <a:latin typeface="DM Mono" panose="020B0509040201040103" pitchFamily="49" charset="0"/>
-              </a:rPr>
-              <a:t>      delete[] name;</a:t>
-            </a:r>
-          </a:p>
-          <a:p>
-            <a:r>
-              <a:rPr lang="ko-Kore-KR" altLang="en-US" dirty="0">
-                <a:solidFill>
-                  <a:srgbClr val="FF0000"/>
-                </a:solidFill>
-                <a:latin typeface="DM Mono" panose="020B0509040201040103" pitchFamily="49" charset="0"/>
-              </a:rPr>
-              <a:t>      delete ref;</a:t>
-            </a:r>
-          </a:p>
-          <a:p>
-            <a:r>
-              <a:rPr lang="ko-Kore-KR" altLang="en-US" dirty="0">
-                <a:latin typeface="DM Mono" panose="020B0509040201040103" pitchFamily="49" charset="0"/>
-              </a:rPr>
-              <a:t>    }</a:t>
-            </a:r>
-          </a:p>
-          <a:p>
-            <a:r>
-              <a:rPr lang="ko-Kore-KR" altLang="en-US" dirty="0">
-                <a:latin typeface="DM Mono" panose="020B0509040201040103" pitchFamily="49" charset="0"/>
-              </a:rPr>
-              <a:t>  }</a:t>
-            </a:r>
-          </a:p>
-        </p:txBody>
-      </p:sp>
     </p:spTree>
     <p:extLst>
       <p:ext uri="{BB962C8B-B14F-4D97-AF65-F5344CB8AC3E}">
-        <p14:creationId xmlns:p14="http://schemas.microsoft.com/office/powerpoint/2010/main" val="2381189931"/>
+        <p14:creationId xmlns:p14="http://schemas.microsoft.com/office/powerpoint/2010/main" val="2471088663"/>
       </p:ext>
     </p:extLst>
   </p:cSld>
@@ -23196,14 +23229,14 @@
         </p:nvSpPr>
         <p:spPr>
           <a:xfrm>
-            <a:off x="2495414" y="1156000"/>
+            <a:off x="7077407" y="1310898"/>
             <a:ext cx="664577" cy="355953"/>
           </a:xfrm>
           <a:prstGeom prst="rect">
             <a:avLst/>
           </a:prstGeom>
           <a:solidFill>
-            <a:srgbClr val="FFFF00"/>
+            <a:srgbClr val="FF0000"/>
           </a:solidFill>
         </p:spPr>
         <p:style>
@@ -23250,14 +23283,14 @@
         </p:nvSpPr>
         <p:spPr>
           <a:xfrm>
-            <a:off x="2495413" y="1511953"/>
+            <a:off x="7077406" y="1666851"/>
             <a:ext cx="664577" cy="355953"/>
           </a:xfrm>
           <a:prstGeom prst="rect">
             <a:avLst/>
           </a:prstGeom>
           <a:solidFill>
-            <a:srgbClr val="FFFF00"/>
+            <a:srgbClr val="FF0000"/>
           </a:solidFill>
         </p:spPr>
         <p:style>
@@ -23313,7 +23346,7 @@
         </p:nvSpPr>
         <p:spPr>
           <a:xfrm>
-            <a:off x="1469682" y="1149310"/>
+            <a:off x="6051675" y="1304208"/>
             <a:ext cx="1025730" cy="369332"/>
           </a:xfrm>
           <a:prstGeom prst="rect">
@@ -23352,7 +23385,7 @@
         </p:nvSpPr>
         <p:spPr>
           <a:xfrm>
-            <a:off x="1469682" y="1513203"/>
+            <a:off x="6051675" y="1668101"/>
             <a:ext cx="1025730" cy="369332"/>
           </a:xfrm>
           <a:prstGeom prst="rect">
@@ -23391,14 +23424,14 @@
         </p:nvSpPr>
         <p:spPr>
           <a:xfrm>
-            <a:off x="4911692" y="1341916"/>
+            <a:off x="9493685" y="1496814"/>
             <a:ext cx="1277473" cy="355953"/>
           </a:xfrm>
           <a:prstGeom prst="rect">
             <a:avLst/>
           </a:prstGeom>
           <a:solidFill>
-            <a:srgbClr val="FFFF00"/>
+            <a:srgbClr val="FF0000"/>
           </a:solidFill>
         </p:spPr>
         <p:style>
@@ -23451,15 +23484,15 @@
           </p:cNvPr>
           <p:cNvCxnSpPr>
             <a:cxnSpLocks/>
-            <a:stCxn id="2" idx="3"/>
+            <a:stCxn id="8" idx="3"/>
             <a:endCxn id="15" idx="1"/>
           </p:cNvCxnSpPr>
           <p:nvPr/>
         </p:nvCxnSpPr>
         <p:spPr>
-          <a:xfrm flipV="1">
-            <a:off x="3037572" y="1519893"/>
-            <a:ext cx="1874120" cy="1775297"/>
+          <a:xfrm>
+            <a:off x="7741984" y="1488875"/>
+            <a:ext cx="1751701" cy="185916"/>
           </a:xfrm>
           <a:prstGeom prst="curvedConnector3">
             <a:avLst/>
@@ -23497,7 +23530,7 @@
         </p:nvSpPr>
         <p:spPr>
           <a:xfrm>
-            <a:off x="2372995" y="3117213"/>
+            <a:off x="6954988" y="3272111"/>
             <a:ext cx="664577" cy="355953"/>
           </a:xfrm>
           <a:prstGeom prst="rect">
@@ -23551,7 +23584,7 @@
         </p:nvSpPr>
         <p:spPr>
           <a:xfrm>
-            <a:off x="2372994" y="3473166"/>
+            <a:off x="6954987" y="3628064"/>
             <a:ext cx="664577" cy="355953"/>
           </a:xfrm>
           <a:prstGeom prst="rect">
@@ -23614,7 +23647,7 @@
         </p:nvSpPr>
         <p:spPr>
           <a:xfrm>
-            <a:off x="1347263" y="3110523"/>
+            <a:off x="5929256" y="3265421"/>
             <a:ext cx="1025730" cy="369332"/>
           </a:xfrm>
           <a:prstGeom prst="rect">
@@ -23653,7 +23686,7 @@
         </p:nvSpPr>
         <p:spPr>
           <a:xfrm>
-            <a:off x="1347263" y="3474416"/>
+            <a:off x="5929256" y="3629314"/>
             <a:ext cx="1025730" cy="369332"/>
           </a:xfrm>
           <a:prstGeom prst="rect">
@@ -23692,7 +23725,7 @@
         </p:nvSpPr>
         <p:spPr>
           <a:xfrm>
-            <a:off x="2097091" y="2776906"/>
+            <a:off x="6679084" y="2931804"/>
             <a:ext cx="1216382" cy="369332"/>
           </a:xfrm>
           <a:prstGeom prst="rect">
@@ -23723,10 +23756,995 @@
           </a:p>
         </p:txBody>
       </p:sp>
+      <p:sp>
+        <p:nvSpPr>
+          <p:cNvPr id="7" name="TextBox 6">
+            <a:extLst>
+              <a:ext uri="{FF2B5EF4-FFF2-40B4-BE49-F238E27FC236}">
+                <a16:creationId xmlns:a16="http://schemas.microsoft.com/office/drawing/2014/main" id="{3B4F9374-C6E6-FD32-6546-50F034EC7B23}"/>
+              </a:ext>
+            </a:extLst>
+          </p:cNvPr>
+          <p:cNvSpPr txBox="1"/>
+          <p:nvPr/>
+        </p:nvSpPr>
+        <p:spPr>
+          <a:xfrm>
+            <a:off x="244840" y="238882"/>
+            <a:ext cx="6096000" cy="923330"/>
+          </a:xfrm>
+          <a:prstGeom prst="rect">
+            <a:avLst/>
+          </a:prstGeom>
+          <a:noFill/>
+        </p:spPr>
+        <p:txBody>
+          <a:bodyPr wrap="square">
+            <a:spAutoFit/>
+          </a:bodyPr>
+          <a:lstStyle/>
+          <a:p>
+            <a:r>
+              <a:rPr lang="en" altLang="ko-Kore-KR" dirty="0">
+                <a:latin typeface="DM Mono" panose="020B0509040201040103" pitchFamily="49" charset="0"/>
+              </a:rPr>
+              <a:t>User *user = new User("Tom", 42);</a:t>
+            </a:r>
+          </a:p>
+          <a:p>
+            <a:r>
+              <a:rPr lang="en" altLang="ko-Kore-KR" dirty="0">
+                <a:latin typeface="DM Mono" panose="020B0509040201040103" pitchFamily="49" charset="0"/>
+              </a:rPr>
+              <a:t>User user2(*user);</a:t>
+            </a:r>
+          </a:p>
+          <a:p>
+            <a:r>
+              <a:rPr lang="en" altLang="ko-Kore-KR" dirty="0">
+                <a:solidFill>
+                  <a:srgbClr val="FF0000"/>
+                </a:solidFill>
+                <a:latin typeface="DM Mono" panose="020B0509040201040103" pitchFamily="49" charset="0"/>
+              </a:rPr>
+              <a:t>delete user;</a:t>
+            </a:r>
+            <a:endParaRPr lang="ko-Kore-KR" altLang="en-US" dirty="0">
+              <a:solidFill>
+                <a:srgbClr val="FF0000"/>
+              </a:solidFill>
+              <a:latin typeface="DM Mono" panose="020B0509040201040103" pitchFamily="49" charset="0"/>
+            </a:endParaRPr>
+          </a:p>
+        </p:txBody>
+      </p:sp>
+      <p:sp>
+        <p:nvSpPr>
+          <p:cNvPr id="14" name="TextBox 13">
+            <a:extLst>
+              <a:ext uri="{FF2B5EF4-FFF2-40B4-BE49-F238E27FC236}">
+                <a16:creationId xmlns:a16="http://schemas.microsoft.com/office/drawing/2014/main" id="{92006C7B-8B22-8A9C-87A2-A91480A7A11E}"/>
+              </a:ext>
+            </a:extLst>
+          </p:cNvPr>
+          <p:cNvSpPr txBox="1"/>
+          <p:nvPr/>
+        </p:nvSpPr>
+        <p:spPr>
+          <a:xfrm>
+            <a:off x="208170" y="1579652"/>
+            <a:ext cx="6096000" cy="2031325"/>
+          </a:xfrm>
+          <a:prstGeom prst="rect">
+            <a:avLst/>
+          </a:prstGeom>
+          <a:noFill/>
+        </p:spPr>
+        <p:txBody>
+          <a:bodyPr wrap="square">
+            <a:spAutoFit/>
+          </a:bodyPr>
+          <a:lstStyle/>
+          <a:p>
+            <a:r>
+              <a:rPr lang="ko-Kore-KR" altLang="en-US" dirty="0">
+                <a:latin typeface="DM Mono" panose="020B0509040201040103" pitchFamily="49" charset="0"/>
+              </a:rPr>
+              <a:t> User(const User &amp;rhs)</a:t>
+            </a:r>
+          </a:p>
+          <a:p>
+            <a:r>
+              <a:rPr lang="ko-Kore-KR" altLang="en-US" dirty="0">
+                <a:latin typeface="DM Mono" panose="020B0509040201040103" pitchFamily="49" charset="0"/>
+              </a:rPr>
+              <a:t>      : age(rhs.age)</a:t>
+            </a:r>
+          </a:p>
+          <a:p>
+            <a:r>
+              <a:rPr lang="ko-Kore-KR" altLang="en-US" dirty="0">
+                <a:latin typeface="DM Mono" panose="020B0509040201040103" pitchFamily="49" charset="0"/>
+              </a:rPr>
+              <a:t>  {</a:t>
+            </a:r>
+          </a:p>
+          <a:p>
+            <a:r>
+              <a:rPr lang="ko-Kore-KR" altLang="en-US" dirty="0">
+                <a:latin typeface="DM Mono" panose="020B0509040201040103" pitchFamily="49" charset="0"/>
+              </a:rPr>
+              <a:t>    cout &lt;&lt; "복사" &lt;&lt; endl;</a:t>
+            </a:r>
+          </a:p>
+          <a:p>
+            <a:r>
+              <a:rPr lang="ko-Kore-KR" altLang="en-US" dirty="0">
+                <a:latin typeface="DM Mono" panose="020B0509040201040103" pitchFamily="49" charset="0"/>
+              </a:rPr>
+              <a:t>    name = new char[strlen(rhs.name) + 1];</a:t>
+            </a:r>
+          </a:p>
+          <a:p>
+            <a:r>
+              <a:rPr lang="ko-Kore-KR" altLang="en-US" dirty="0">
+                <a:latin typeface="DM Mono" panose="020B0509040201040103" pitchFamily="49" charset="0"/>
+              </a:rPr>
+              <a:t>    strcpy(name, rhs.name);</a:t>
+            </a:r>
+          </a:p>
+          <a:p>
+            <a:r>
+              <a:rPr lang="ko-Kore-KR" altLang="en-US" dirty="0">
+                <a:latin typeface="DM Mono" panose="020B0509040201040103" pitchFamily="49" charset="0"/>
+              </a:rPr>
+              <a:t>  }</a:t>
+            </a:r>
+          </a:p>
+        </p:txBody>
+      </p:sp>
+      <p:sp>
+        <p:nvSpPr>
+          <p:cNvPr id="18" name="TextBox 17">
+            <a:extLst>
+              <a:ext uri="{FF2B5EF4-FFF2-40B4-BE49-F238E27FC236}">
+                <a16:creationId xmlns:a16="http://schemas.microsoft.com/office/drawing/2014/main" id="{89F0F775-7E6D-5F3C-8843-B08ED8E595D6}"/>
+              </a:ext>
+            </a:extLst>
+          </p:cNvPr>
+          <p:cNvSpPr txBox="1"/>
+          <p:nvPr/>
+        </p:nvSpPr>
+        <p:spPr>
+          <a:xfrm>
+            <a:off x="6954986" y="920247"/>
+            <a:ext cx="854439" cy="369332"/>
+          </a:xfrm>
+          <a:prstGeom prst="rect">
+            <a:avLst/>
+          </a:prstGeom>
+          <a:noFill/>
+        </p:spPr>
+        <p:txBody>
+          <a:bodyPr wrap="square">
+            <a:spAutoFit/>
+          </a:bodyPr>
+          <a:lstStyle/>
+          <a:p>
+            <a:pPr algn="ctr"/>
+            <a:r>
+              <a:rPr lang="ko-Kore-KR" altLang="en-US" dirty="0">
+                <a:latin typeface="DM Mono" panose="020B0509040201040103" pitchFamily="49" charset="0"/>
+              </a:rPr>
+              <a:t>user</a:t>
+            </a:r>
+            <a:endParaRPr lang="ko-Kore-KR" altLang="en-US" dirty="0"/>
+          </a:p>
+        </p:txBody>
+      </p:sp>
+      <p:sp>
+        <p:nvSpPr>
+          <p:cNvPr id="22" name="직사각형 21">
+            <a:extLst>
+              <a:ext uri="{FF2B5EF4-FFF2-40B4-BE49-F238E27FC236}">
+                <a16:creationId xmlns:a16="http://schemas.microsoft.com/office/drawing/2014/main" id="{39B043A8-C8AC-6356-131A-466EFEB7BEEE}"/>
+              </a:ext>
+            </a:extLst>
+          </p:cNvPr>
+          <p:cNvSpPr/>
+          <p:nvPr/>
+        </p:nvSpPr>
+        <p:spPr>
+          <a:xfrm>
+            <a:off x="9493685" y="3378080"/>
+            <a:ext cx="1277473" cy="355953"/>
+          </a:xfrm>
+          <a:prstGeom prst="rect">
+            <a:avLst/>
+          </a:prstGeom>
+          <a:solidFill>
+            <a:srgbClr val="FFFF00"/>
+          </a:solidFill>
+        </p:spPr>
+        <p:style>
+          <a:lnRef idx="2">
+            <a:schemeClr val="accent1">
+              <a:shade val="50000"/>
+            </a:schemeClr>
+          </a:lnRef>
+          <a:fillRef idx="1">
+            <a:schemeClr val="accent1"/>
+          </a:fillRef>
+          <a:effectRef idx="0">
+            <a:schemeClr val="accent1"/>
+          </a:effectRef>
+          <a:fontRef idx="minor">
+            <a:schemeClr val="lt1"/>
+          </a:fontRef>
+        </p:style>
+        <p:txBody>
+          <a:bodyPr rtlCol="0" anchor="ctr"/>
+          <a:lstStyle/>
+          <a:p>
+            <a:pPr algn="ctr"/>
+            <a:r>
+              <a:rPr kumimoji="1" lang="en-US" altLang="ko-Kore-KR" dirty="0">
+                <a:solidFill>
+                  <a:schemeClr val="tx1"/>
+                </a:solidFill>
+                <a:latin typeface="DM Mono" panose="020B0509040201040103" pitchFamily="49" charset="0"/>
+              </a:rPr>
+              <a:t>“Tom”</a:t>
+            </a:r>
+            <a:endParaRPr kumimoji="1" lang="ko-Kore-KR" altLang="en-US" dirty="0">
+              <a:solidFill>
+                <a:schemeClr val="tx1"/>
+              </a:solidFill>
+              <a:latin typeface="DM Mono" panose="020B0509040201040103" pitchFamily="49" charset="0"/>
+            </a:endParaRPr>
+          </a:p>
+        </p:txBody>
+      </p:sp>
+      <p:cxnSp>
+        <p:nvCxnSpPr>
+          <p:cNvPr id="23" name="구부러진 연결선[U] 22">
+            <a:extLst>
+              <a:ext uri="{FF2B5EF4-FFF2-40B4-BE49-F238E27FC236}">
+                <a16:creationId xmlns:a16="http://schemas.microsoft.com/office/drawing/2014/main" id="{7F155F50-FBCE-77D8-A9FD-963F341F78A4}"/>
+              </a:ext>
+            </a:extLst>
+          </p:cNvPr>
+          <p:cNvCxnSpPr>
+            <a:cxnSpLocks/>
+            <a:stCxn id="2" idx="3"/>
+            <a:endCxn id="22" idx="1"/>
+          </p:cNvCxnSpPr>
+          <p:nvPr/>
+        </p:nvCxnSpPr>
+        <p:spPr>
+          <a:xfrm>
+            <a:off x="7619565" y="3450088"/>
+            <a:ext cx="1874120" cy="105969"/>
+          </a:xfrm>
+          <a:prstGeom prst="curvedConnector3">
+            <a:avLst/>
+          </a:prstGeom>
+          <a:ln w="12700">
+            <a:tailEnd type="triangle"/>
+          </a:ln>
+        </p:spPr>
+        <p:style>
+          <a:lnRef idx="1">
+            <a:schemeClr val="dk1"/>
+          </a:lnRef>
+          <a:fillRef idx="0">
+            <a:schemeClr val="dk1"/>
+          </a:fillRef>
+          <a:effectRef idx="0">
+            <a:schemeClr val="dk1"/>
+          </a:effectRef>
+          <a:fontRef idx="minor">
+            <a:schemeClr val="tx1"/>
+          </a:fontRef>
+        </p:style>
+      </p:cxnSp>
     </p:spTree>
     <p:extLst>
       <p:ext uri="{BB962C8B-B14F-4D97-AF65-F5344CB8AC3E}">
-        <p14:creationId xmlns:p14="http://schemas.microsoft.com/office/powerpoint/2010/main" val="2471088663"/>
+        <p14:creationId xmlns:p14="http://schemas.microsoft.com/office/powerpoint/2010/main" val="1986957246"/>
+      </p:ext>
+    </p:extLst>
+  </p:cSld>
+  <p:clrMapOvr>
+    <a:masterClrMapping/>
+  </p:clrMapOvr>
+</p:sld>
+</file>
+
+<file path=ppt/slides/slide35.xml><?xml version="1.0" encoding="utf-8"?>
+<p:sld xmlns:a="http://schemas.openxmlformats.org/drawingml/2006/main" xmlns:r="http://schemas.openxmlformats.org/officeDocument/2006/relationships" xmlns:p="http://schemas.openxmlformats.org/presentationml/2006/main">
+  <p:cSld>
+    <p:spTree>
+      <p:nvGrpSpPr>
+        <p:cNvPr id="1" name=""/>
+        <p:cNvGrpSpPr/>
+        <p:nvPr/>
+      </p:nvGrpSpPr>
+      <p:grpSpPr>
+        <a:xfrm>
+          <a:off x="0" y="0"/>
+          <a:ext cx="0" cy="0"/>
+          <a:chOff x="0" y="0"/>
+          <a:chExt cx="0" cy="0"/>
+        </a:xfrm>
+      </p:grpSpPr>
+      <p:sp>
+        <p:nvSpPr>
+          <p:cNvPr id="8" name="직사각형 7">
+            <a:extLst>
+              <a:ext uri="{FF2B5EF4-FFF2-40B4-BE49-F238E27FC236}">
+                <a16:creationId xmlns:a16="http://schemas.microsoft.com/office/drawing/2014/main" id="{8A41E5E3-1733-19EA-47D5-21BE914E1DC5}"/>
+              </a:ext>
+            </a:extLst>
+          </p:cNvPr>
+          <p:cNvSpPr/>
+          <p:nvPr/>
+        </p:nvSpPr>
+        <p:spPr>
+          <a:xfrm>
+            <a:off x="7077407" y="1310898"/>
+            <a:ext cx="664577" cy="355953"/>
+          </a:xfrm>
+          <a:prstGeom prst="rect">
+            <a:avLst/>
+          </a:prstGeom>
+          <a:solidFill>
+            <a:srgbClr val="FFFF00"/>
+          </a:solidFill>
+        </p:spPr>
+        <p:style>
+          <a:lnRef idx="2">
+            <a:schemeClr val="accent1">
+              <a:shade val="50000"/>
+            </a:schemeClr>
+          </a:lnRef>
+          <a:fillRef idx="1">
+            <a:schemeClr val="accent1"/>
+          </a:fillRef>
+          <a:effectRef idx="0">
+            <a:schemeClr val="accent1"/>
+          </a:effectRef>
+          <a:fontRef idx="minor">
+            <a:schemeClr val="lt1"/>
+          </a:fontRef>
+        </p:style>
+        <p:txBody>
+          <a:bodyPr rtlCol="0" anchor="ctr"/>
+          <a:lstStyle/>
+          <a:p>
+            <a:pPr algn="ctr"/>
+            <a:endParaRPr kumimoji="1" lang="ko-Kore-KR" altLang="en-US" dirty="0">
+              <a:solidFill>
+                <a:schemeClr val="tx1"/>
+              </a:solidFill>
+              <a:latin typeface="DM Mono" panose="020B0509040201040103" pitchFamily="49" charset="0"/>
+            </a:endParaRPr>
+          </a:p>
+        </p:txBody>
+      </p:sp>
+      <p:sp>
+        <p:nvSpPr>
+          <p:cNvPr id="9" name="직사각형 8">
+            <a:extLst>
+              <a:ext uri="{FF2B5EF4-FFF2-40B4-BE49-F238E27FC236}">
+                <a16:creationId xmlns:a16="http://schemas.microsoft.com/office/drawing/2014/main" id="{FDFB2798-A3AF-1AEE-8599-EBF7F679C7CE}"/>
+              </a:ext>
+            </a:extLst>
+          </p:cNvPr>
+          <p:cNvSpPr/>
+          <p:nvPr/>
+        </p:nvSpPr>
+        <p:spPr>
+          <a:xfrm>
+            <a:off x="7077406" y="1666851"/>
+            <a:ext cx="664577" cy="355953"/>
+          </a:xfrm>
+          <a:prstGeom prst="rect">
+            <a:avLst/>
+          </a:prstGeom>
+          <a:solidFill>
+            <a:srgbClr val="FFFF00"/>
+          </a:solidFill>
+        </p:spPr>
+        <p:style>
+          <a:lnRef idx="2">
+            <a:schemeClr val="accent1">
+              <a:shade val="50000"/>
+            </a:schemeClr>
+          </a:lnRef>
+          <a:fillRef idx="1">
+            <a:schemeClr val="accent1"/>
+          </a:fillRef>
+          <a:effectRef idx="0">
+            <a:schemeClr val="accent1"/>
+          </a:effectRef>
+          <a:fontRef idx="minor">
+            <a:schemeClr val="lt1"/>
+          </a:fontRef>
+        </p:style>
+        <p:txBody>
+          <a:bodyPr rtlCol="0" anchor="ctr"/>
+          <a:lstStyle/>
+          <a:p>
+            <a:pPr algn="ctr"/>
+            <a:r>
+              <a:rPr kumimoji="1" lang="en-US" altLang="ko-Kore-KR" dirty="0">
+                <a:solidFill>
+                  <a:schemeClr val="tx1"/>
+                </a:solidFill>
+                <a:latin typeface="DM Mono" panose="020B0509040201040103" pitchFamily="49" charset="0"/>
+              </a:rPr>
+              <a:t>42</a:t>
+            </a:r>
+            <a:endParaRPr kumimoji="1" lang="ko-Kore-KR" altLang="en-US" dirty="0">
+              <a:solidFill>
+                <a:schemeClr val="tx1"/>
+              </a:solidFill>
+              <a:latin typeface="DM Mono" panose="020B0509040201040103" pitchFamily="49" charset="0"/>
+            </a:endParaRPr>
+          </a:p>
+        </p:txBody>
+      </p:sp>
+      <p:sp>
+        <p:nvSpPr>
+          <p:cNvPr id="10" name="TextBox 9">
+            <a:extLst>
+              <a:ext uri="{FF2B5EF4-FFF2-40B4-BE49-F238E27FC236}">
+                <a16:creationId xmlns:a16="http://schemas.microsoft.com/office/drawing/2014/main" id="{DA762D66-0A34-464F-1138-57E97C93527A}"/>
+              </a:ext>
+            </a:extLst>
+          </p:cNvPr>
+          <p:cNvSpPr txBox="1"/>
+          <p:nvPr/>
+        </p:nvSpPr>
+        <p:spPr>
+          <a:xfrm>
+            <a:off x="6051675" y="1304208"/>
+            <a:ext cx="1025730" cy="369332"/>
+          </a:xfrm>
+          <a:prstGeom prst="rect">
+            <a:avLst/>
+          </a:prstGeom>
+          <a:noFill/>
+        </p:spPr>
+        <p:txBody>
+          <a:bodyPr wrap="square">
+            <a:spAutoFit/>
+          </a:bodyPr>
+          <a:lstStyle/>
+          <a:p>
+            <a:pPr algn="r"/>
+            <a:r>
+              <a:rPr lang="en-US" altLang="ko-Kore-KR" dirty="0">
+                <a:latin typeface="DM Mono" panose="020B0509040201040103" pitchFamily="49" charset="0"/>
+              </a:rPr>
+              <a:t>name</a:t>
+            </a:r>
+            <a:endParaRPr lang="ko-Kore-KR" altLang="en-US" dirty="0"/>
+          </a:p>
+        </p:txBody>
+      </p:sp>
+      <p:sp>
+        <p:nvSpPr>
+          <p:cNvPr id="12" name="TextBox 11">
+            <a:extLst>
+              <a:ext uri="{FF2B5EF4-FFF2-40B4-BE49-F238E27FC236}">
+                <a16:creationId xmlns:a16="http://schemas.microsoft.com/office/drawing/2014/main" id="{453F0A90-27EE-8312-7754-3ED420B6DB56}"/>
+              </a:ext>
+            </a:extLst>
+          </p:cNvPr>
+          <p:cNvSpPr txBox="1"/>
+          <p:nvPr/>
+        </p:nvSpPr>
+        <p:spPr>
+          <a:xfrm>
+            <a:off x="6051675" y="1668101"/>
+            <a:ext cx="1025730" cy="369332"/>
+          </a:xfrm>
+          <a:prstGeom prst="rect">
+            <a:avLst/>
+          </a:prstGeom>
+          <a:noFill/>
+        </p:spPr>
+        <p:txBody>
+          <a:bodyPr wrap="square">
+            <a:spAutoFit/>
+          </a:bodyPr>
+          <a:lstStyle/>
+          <a:p>
+            <a:pPr algn="r"/>
+            <a:r>
+              <a:rPr lang="en-US" altLang="ko-Kore-KR" dirty="0">
+                <a:latin typeface="DM Mono" panose="020B0509040201040103" pitchFamily="49" charset="0"/>
+              </a:rPr>
+              <a:t>age</a:t>
+            </a:r>
+            <a:endParaRPr lang="ko-Kore-KR" altLang="en-US" dirty="0"/>
+          </a:p>
+        </p:txBody>
+      </p:sp>
+      <p:sp>
+        <p:nvSpPr>
+          <p:cNvPr id="15" name="직사각형 14">
+            <a:extLst>
+              <a:ext uri="{FF2B5EF4-FFF2-40B4-BE49-F238E27FC236}">
+                <a16:creationId xmlns:a16="http://schemas.microsoft.com/office/drawing/2014/main" id="{7A16B02E-1A08-71E5-7962-609C44370CA0}"/>
+              </a:ext>
+            </a:extLst>
+          </p:cNvPr>
+          <p:cNvSpPr/>
+          <p:nvPr/>
+        </p:nvSpPr>
+        <p:spPr>
+          <a:xfrm>
+            <a:off x="9493685" y="1496814"/>
+            <a:ext cx="1277473" cy="355953"/>
+          </a:xfrm>
+          <a:prstGeom prst="rect">
+            <a:avLst/>
+          </a:prstGeom>
+          <a:solidFill>
+            <a:srgbClr val="FFFF00"/>
+          </a:solidFill>
+        </p:spPr>
+        <p:style>
+          <a:lnRef idx="2">
+            <a:schemeClr val="accent1">
+              <a:shade val="50000"/>
+            </a:schemeClr>
+          </a:lnRef>
+          <a:fillRef idx="1">
+            <a:schemeClr val="accent1"/>
+          </a:fillRef>
+          <a:effectRef idx="0">
+            <a:schemeClr val="accent1"/>
+          </a:effectRef>
+          <a:fontRef idx="minor">
+            <a:schemeClr val="lt1"/>
+          </a:fontRef>
+        </p:style>
+        <p:txBody>
+          <a:bodyPr rtlCol="0" anchor="ctr"/>
+          <a:lstStyle/>
+          <a:p>
+            <a:pPr algn="ctr"/>
+            <a:r>
+              <a:rPr kumimoji="1" lang="en-US" altLang="ko-Kore-KR" dirty="0">
+                <a:solidFill>
+                  <a:schemeClr val="tx1"/>
+                </a:solidFill>
+                <a:latin typeface="DM Mono" panose="020B0509040201040103" pitchFamily="49" charset="0"/>
+              </a:rPr>
+              <a:t>“Tom”</a:t>
+            </a:r>
+            <a:endParaRPr kumimoji="1" lang="ko-Kore-KR" altLang="en-US" dirty="0">
+              <a:solidFill>
+                <a:schemeClr val="tx1"/>
+              </a:solidFill>
+              <a:latin typeface="DM Mono" panose="020B0509040201040103" pitchFamily="49" charset="0"/>
+            </a:endParaRPr>
+          </a:p>
+        </p:txBody>
+      </p:sp>
+      <p:cxnSp>
+        <p:nvCxnSpPr>
+          <p:cNvPr id="17" name="구부러진 연결선[U] 16">
+            <a:extLst>
+              <a:ext uri="{FF2B5EF4-FFF2-40B4-BE49-F238E27FC236}">
+                <a16:creationId xmlns:a16="http://schemas.microsoft.com/office/drawing/2014/main" id="{63421589-E197-DBB2-6F75-3AE72C204FEB}"/>
+              </a:ext>
+            </a:extLst>
+          </p:cNvPr>
+          <p:cNvCxnSpPr>
+            <a:cxnSpLocks/>
+            <a:stCxn id="8" idx="3"/>
+            <a:endCxn id="15" idx="1"/>
+          </p:cNvCxnSpPr>
+          <p:nvPr/>
+        </p:nvCxnSpPr>
+        <p:spPr>
+          <a:xfrm>
+            <a:off x="7741984" y="1488875"/>
+            <a:ext cx="1751701" cy="185916"/>
+          </a:xfrm>
+          <a:prstGeom prst="curvedConnector3">
+            <a:avLst/>
+          </a:prstGeom>
+          <a:ln w="12700">
+            <a:solidFill>
+              <a:srgbClr val="FF0000"/>
+            </a:solidFill>
+            <a:tailEnd type="triangle"/>
+          </a:ln>
+        </p:spPr>
+        <p:style>
+          <a:lnRef idx="1">
+            <a:schemeClr val="dk1"/>
+          </a:lnRef>
+          <a:fillRef idx="0">
+            <a:schemeClr val="dk1"/>
+          </a:fillRef>
+          <a:effectRef idx="0">
+            <a:schemeClr val="dk1"/>
+          </a:effectRef>
+          <a:fontRef idx="minor">
+            <a:schemeClr val="tx1"/>
+          </a:fontRef>
+        </p:style>
+      </p:cxnSp>
+      <p:sp>
+        <p:nvSpPr>
+          <p:cNvPr id="2" name="직사각형 1">
+            <a:extLst>
+              <a:ext uri="{FF2B5EF4-FFF2-40B4-BE49-F238E27FC236}">
+                <a16:creationId xmlns:a16="http://schemas.microsoft.com/office/drawing/2014/main" id="{AD96695B-28B9-EBFF-318A-4778DB0242E9}"/>
+              </a:ext>
+            </a:extLst>
+          </p:cNvPr>
+          <p:cNvSpPr/>
+          <p:nvPr/>
+        </p:nvSpPr>
+        <p:spPr>
+          <a:xfrm>
+            <a:off x="6954988" y="3272111"/>
+            <a:ext cx="664577" cy="355953"/>
+          </a:xfrm>
+          <a:prstGeom prst="rect">
+            <a:avLst/>
+          </a:prstGeom>
+          <a:solidFill>
+            <a:srgbClr val="FFFF00"/>
+          </a:solidFill>
+        </p:spPr>
+        <p:style>
+          <a:lnRef idx="2">
+            <a:schemeClr val="accent1">
+              <a:shade val="50000"/>
+            </a:schemeClr>
+          </a:lnRef>
+          <a:fillRef idx="1">
+            <a:schemeClr val="accent1"/>
+          </a:fillRef>
+          <a:effectRef idx="0">
+            <a:schemeClr val="accent1"/>
+          </a:effectRef>
+          <a:fontRef idx="minor">
+            <a:schemeClr val="lt1"/>
+          </a:fontRef>
+        </p:style>
+        <p:txBody>
+          <a:bodyPr rtlCol="0" anchor="ctr"/>
+          <a:lstStyle/>
+          <a:p>
+            <a:pPr algn="ctr"/>
+            <a:endParaRPr kumimoji="1" lang="ko-Kore-KR" altLang="en-US" dirty="0">
+              <a:solidFill>
+                <a:schemeClr val="tx1"/>
+              </a:solidFill>
+              <a:latin typeface="DM Mono" panose="020B0509040201040103" pitchFamily="49" charset="0"/>
+            </a:endParaRPr>
+          </a:p>
+        </p:txBody>
+      </p:sp>
+      <p:sp>
+        <p:nvSpPr>
+          <p:cNvPr id="3" name="직사각형 2">
+            <a:extLst>
+              <a:ext uri="{FF2B5EF4-FFF2-40B4-BE49-F238E27FC236}">
+                <a16:creationId xmlns:a16="http://schemas.microsoft.com/office/drawing/2014/main" id="{77A4C80D-AD81-78C6-A4E1-167757C0DDF7}"/>
+              </a:ext>
+            </a:extLst>
+          </p:cNvPr>
+          <p:cNvSpPr/>
+          <p:nvPr/>
+        </p:nvSpPr>
+        <p:spPr>
+          <a:xfrm>
+            <a:off x="6954987" y="3628064"/>
+            <a:ext cx="664577" cy="355953"/>
+          </a:xfrm>
+          <a:prstGeom prst="rect">
+            <a:avLst/>
+          </a:prstGeom>
+          <a:solidFill>
+            <a:srgbClr val="FFFF00"/>
+          </a:solidFill>
+        </p:spPr>
+        <p:style>
+          <a:lnRef idx="2">
+            <a:schemeClr val="accent1">
+              <a:shade val="50000"/>
+            </a:schemeClr>
+          </a:lnRef>
+          <a:fillRef idx="1">
+            <a:schemeClr val="accent1"/>
+          </a:fillRef>
+          <a:effectRef idx="0">
+            <a:schemeClr val="accent1"/>
+          </a:effectRef>
+          <a:fontRef idx="minor">
+            <a:schemeClr val="lt1"/>
+          </a:fontRef>
+        </p:style>
+        <p:txBody>
+          <a:bodyPr rtlCol="0" anchor="ctr"/>
+          <a:lstStyle/>
+          <a:p>
+            <a:pPr algn="ctr"/>
+            <a:r>
+              <a:rPr kumimoji="1" lang="en-US" altLang="ko-Kore-KR" dirty="0">
+                <a:solidFill>
+                  <a:schemeClr val="tx1"/>
+                </a:solidFill>
+                <a:latin typeface="DM Mono" panose="020B0509040201040103" pitchFamily="49" charset="0"/>
+              </a:rPr>
+              <a:t>42</a:t>
+            </a:r>
+            <a:endParaRPr kumimoji="1" lang="ko-Kore-KR" altLang="en-US" dirty="0">
+              <a:solidFill>
+                <a:schemeClr val="tx1"/>
+              </a:solidFill>
+              <a:latin typeface="DM Mono" panose="020B0509040201040103" pitchFamily="49" charset="0"/>
+            </a:endParaRPr>
+          </a:p>
+        </p:txBody>
+      </p:sp>
+      <p:sp>
+        <p:nvSpPr>
+          <p:cNvPr id="4" name="TextBox 3">
+            <a:extLst>
+              <a:ext uri="{FF2B5EF4-FFF2-40B4-BE49-F238E27FC236}">
+                <a16:creationId xmlns:a16="http://schemas.microsoft.com/office/drawing/2014/main" id="{464A7624-0615-4887-0856-A559075B1586}"/>
+              </a:ext>
+            </a:extLst>
+          </p:cNvPr>
+          <p:cNvSpPr txBox="1"/>
+          <p:nvPr/>
+        </p:nvSpPr>
+        <p:spPr>
+          <a:xfrm>
+            <a:off x="5929256" y="3265421"/>
+            <a:ext cx="1025730" cy="369332"/>
+          </a:xfrm>
+          <a:prstGeom prst="rect">
+            <a:avLst/>
+          </a:prstGeom>
+          <a:noFill/>
+        </p:spPr>
+        <p:txBody>
+          <a:bodyPr wrap="square">
+            <a:spAutoFit/>
+          </a:bodyPr>
+          <a:lstStyle/>
+          <a:p>
+            <a:pPr algn="r"/>
+            <a:r>
+              <a:rPr lang="en-US" altLang="ko-Kore-KR" dirty="0">
+                <a:latin typeface="DM Mono" panose="020B0509040201040103" pitchFamily="49" charset="0"/>
+              </a:rPr>
+              <a:t>name</a:t>
+            </a:r>
+            <a:endParaRPr lang="ko-Kore-KR" altLang="en-US" dirty="0"/>
+          </a:p>
+        </p:txBody>
+      </p:sp>
+      <p:sp>
+        <p:nvSpPr>
+          <p:cNvPr id="6" name="TextBox 5">
+            <a:extLst>
+              <a:ext uri="{FF2B5EF4-FFF2-40B4-BE49-F238E27FC236}">
+                <a16:creationId xmlns:a16="http://schemas.microsoft.com/office/drawing/2014/main" id="{B1811E5B-9F1D-96B1-8678-9C8D3A95984A}"/>
+              </a:ext>
+            </a:extLst>
+          </p:cNvPr>
+          <p:cNvSpPr txBox="1"/>
+          <p:nvPr/>
+        </p:nvSpPr>
+        <p:spPr>
+          <a:xfrm>
+            <a:off x="5929256" y="3629314"/>
+            <a:ext cx="1025730" cy="369332"/>
+          </a:xfrm>
+          <a:prstGeom prst="rect">
+            <a:avLst/>
+          </a:prstGeom>
+          <a:noFill/>
+        </p:spPr>
+        <p:txBody>
+          <a:bodyPr wrap="square">
+            <a:spAutoFit/>
+          </a:bodyPr>
+          <a:lstStyle/>
+          <a:p>
+            <a:pPr algn="r"/>
+            <a:r>
+              <a:rPr lang="en-US" altLang="ko-Kore-KR" dirty="0">
+                <a:latin typeface="DM Mono" panose="020B0509040201040103" pitchFamily="49" charset="0"/>
+              </a:rPr>
+              <a:t>age</a:t>
+            </a:r>
+            <a:endParaRPr lang="ko-Kore-KR" altLang="en-US" dirty="0"/>
+          </a:p>
+        </p:txBody>
+      </p:sp>
+      <p:sp>
+        <p:nvSpPr>
+          <p:cNvPr id="11" name="TextBox 10">
+            <a:extLst>
+              <a:ext uri="{FF2B5EF4-FFF2-40B4-BE49-F238E27FC236}">
+                <a16:creationId xmlns:a16="http://schemas.microsoft.com/office/drawing/2014/main" id="{FDD13FC8-D56A-E81E-1B7E-5FE9EA20F940}"/>
+              </a:ext>
+            </a:extLst>
+          </p:cNvPr>
+          <p:cNvSpPr txBox="1"/>
+          <p:nvPr/>
+        </p:nvSpPr>
+        <p:spPr>
+          <a:xfrm>
+            <a:off x="6679084" y="2931804"/>
+            <a:ext cx="1216382" cy="369332"/>
+          </a:xfrm>
+          <a:prstGeom prst="rect">
+            <a:avLst/>
+          </a:prstGeom>
+          <a:noFill/>
+        </p:spPr>
+        <p:txBody>
+          <a:bodyPr wrap="square">
+            <a:spAutoFit/>
+          </a:bodyPr>
+          <a:lstStyle/>
+          <a:p>
+            <a:pPr algn="ctr"/>
+            <a:r>
+              <a:rPr lang="ko-Kore-KR" altLang="en-US" dirty="0">
+                <a:latin typeface="DM Mono" panose="020B0509040201040103" pitchFamily="49" charset="0"/>
+              </a:rPr>
+              <a:t>user</a:t>
+            </a:r>
+            <a:r>
+              <a:rPr lang="en-US" altLang="ko-Kore-KR" dirty="0">
+                <a:latin typeface="DM Mono" panose="020B0509040201040103" pitchFamily="49" charset="0"/>
+              </a:rPr>
+              <a:t>2</a:t>
+            </a:r>
+            <a:endParaRPr lang="ko-Kore-KR" altLang="en-US" dirty="0"/>
+          </a:p>
+        </p:txBody>
+      </p:sp>
+      <p:sp>
+        <p:nvSpPr>
+          <p:cNvPr id="7" name="TextBox 6">
+            <a:extLst>
+              <a:ext uri="{FF2B5EF4-FFF2-40B4-BE49-F238E27FC236}">
+                <a16:creationId xmlns:a16="http://schemas.microsoft.com/office/drawing/2014/main" id="{3B4F9374-C6E6-FD32-6546-50F034EC7B23}"/>
+              </a:ext>
+            </a:extLst>
+          </p:cNvPr>
+          <p:cNvSpPr txBox="1"/>
+          <p:nvPr/>
+        </p:nvSpPr>
+        <p:spPr>
+          <a:xfrm>
+            <a:off x="244840" y="238882"/>
+            <a:ext cx="6096000" cy="369332"/>
+          </a:xfrm>
+          <a:prstGeom prst="rect">
+            <a:avLst/>
+          </a:prstGeom>
+          <a:noFill/>
+        </p:spPr>
+        <p:txBody>
+          <a:bodyPr wrap="square">
+            <a:spAutoFit/>
+          </a:bodyPr>
+          <a:lstStyle/>
+          <a:p>
+            <a:r>
+              <a:rPr lang="en" altLang="ko-Kore-KR" dirty="0">
+                <a:latin typeface="DM Mono" panose="020B0509040201040103" pitchFamily="49" charset="0"/>
+              </a:rPr>
+              <a:t>User *user = new User("Tom", 42);</a:t>
+            </a:r>
+          </a:p>
+        </p:txBody>
+      </p:sp>
+      <p:sp>
+        <p:nvSpPr>
+          <p:cNvPr id="18" name="TextBox 17">
+            <a:extLst>
+              <a:ext uri="{FF2B5EF4-FFF2-40B4-BE49-F238E27FC236}">
+                <a16:creationId xmlns:a16="http://schemas.microsoft.com/office/drawing/2014/main" id="{89F0F775-7E6D-5F3C-8843-B08ED8E595D6}"/>
+              </a:ext>
+            </a:extLst>
+          </p:cNvPr>
+          <p:cNvSpPr txBox="1"/>
+          <p:nvPr/>
+        </p:nvSpPr>
+        <p:spPr>
+          <a:xfrm>
+            <a:off x="6954986" y="920247"/>
+            <a:ext cx="854439" cy="369332"/>
+          </a:xfrm>
+          <a:prstGeom prst="rect">
+            <a:avLst/>
+          </a:prstGeom>
+          <a:noFill/>
+        </p:spPr>
+        <p:txBody>
+          <a:bodyPr wrap="square">
+            <a:spAutoFit/>
+          </a:bodyPr>
+          <a:lstStyle/>
+          <a:p>
+            <a:pPr algn="ctr"/>
+            <a:r>
+              <a:rPr lang="ko-Kore-KR" altLang="en-US" dirty="0">
+                <a:latin typeface="DM Mono" panose="020B0509040201040103" pitchFamily="49" charset="0"/>
+              </a:rPr>
+              <a:t>user</a:t>
+            </a:r>
+            <a:endParaRPr lang="ko-Kore-KR" altLang="en-US" dirty="0"/>
+          </a:p>
+        </p:txBody>
+      </p:sp>
+      <p:cxnSp>
+        <p:nvCxnSpPr>
+          <p:cNvPr id="19" name="구부러진 연결선[U] 18">
+            <a:extLst>
+              <a:ext uri="{FF2B5EF4-FFF2-40B4-BE49-F238E27FC236}">
+                <a16:creationId xmlns:a16="http://schemas.microsoft.com/office/drawing/2014/main" id="{0E0641E0-4450-86DF-292E-EAC74D791E5E}"/>
+              </a:ext>
+            </a:extLst>
+          </p:cNvPr>
+          <p:cNvCxnSpPr>
+            <a:cxnSpLocks/>
+            <a:stCxn id="2" idx="3"/>
+            <a:endCxn id="15" idx="1"/>
+          </p:cNvCxnSpPr>
+          <p:nvPr/>
+        </p:nvCxnSpPr>
+        <p:spPr>
+          <a:xfrm flipV="1">
+            <a:off x="7619565" y="1674791"/>
+            <a:ext cx="1874120" cy="1775297"/>
+          </a:xfrm>
+          <a:prstGeom prst="curvedConnector3">
+            <a:avLst/>
+          </a:prstGeom>
+          <a:ln w="12700">
+            <a:tailEnd type="triangle"/>
+          </a:ln>
+        </p:spPr>
+        <p:style>
+          <a:lnRef idx="1">
+            <a:schemeClr val="dk1"/>
+          </a:lnRef>
+          <a:fillRef idx="0">
+            <a:schemeClr val="dk1"/>
+          </a:fillRef>
+          <a:effectRef idx="0">
+            <a:schemeClr val="dk1"/>
+          </a:effectRef>
+          <a:fontRef idx="minor">
+            <a:schemeClr val="tx1"/>
+          </a:fontRef>
+        </p:style>
+      </p:cxnSp>
+    </p:spTree>
+    <p:extLst>
+      <p:ext uri="{BB962C8B-B14F-4D97-AF65-F5344CB8AC3E}">
+        <p14:creationId xmlns:p14="http://schemas.microsoft.com/office/powerpoint/2010/main" val="3777400266"/>
       </p:ext>
     </p:extLst>
   </p:cSld>

--- a/221114.pptx
+++ b/221114.pptx
@@ -4,6 +4,9 @@
   <p:sldMasterIdLst>
     <p:sldMasterId id="2147483648" r:id="rId1"/>
   </p:sldMasterIdLst>
+  <p:notesMasterIdLst>
+    <p:notesMasterId r:id="rId40"/>
+  </p:notesMasterIdLst>
   <p:sldIdLst>
     <p:sldId id="256" r:id="rId2"/>
     <p:sldId id="257" r:id="rId3"/>
@@ -40,6 +43,9 @@
     <p:sldId id="290" r:id="rId34"/>
     <p:sldId id="291" r:id="rId35"/>
     <p:sldId id="292" r:id="rId36"/>
+    <p:sldId id="293" r:id="rId37"/>
+    <p:sldId id="294" r:id="rId38"/>
+    <p:sldId id="295" r:id="rId39"/>
   </p:sldIdLst>
   <p:sldSz cx="12192000" cy="6858000"/>
   <p:notesSz cx="6858000" cy="9144000"/>
@@ -144,6 +150,440 @@
     </p:ext>
   </p:extLst>
 </p:presentation>
+</file>
+
+<file path=ppt/notesMasters/notesMaster1.xml><?xml version="1.0" encoding="utf-8"?>
+<p:notesMaster xmlns:a="http://schemas.openxmlformats.org/drawingml/2006/main" xmlns:r="http://schemas.openxmlformats.org/officeDocument/2006/relationships" xmlns:p="http://schemas.openxmlformats.org/presentationml/2006/main">
+  <p:cSld>
+    <p:bg>
+      <p:bgRef idx="1001">
+        <a:schemeClr val="bg1"/>
+      </p:bgRef>
+    </p:bg>
+    <p:spTree>
+      <p:nvGrpSpPr>
+        <p:cNvPr id="1" name=""/>
+        <p:cNvGrpSpPr/>
+        <p:nvPr/>
+      </p:nvGrpSpPr>
+      <p:grpSpPr>
+        <a:xfrm>
+          <a:off x="0" y="0"/>
+          <a:ext cx="0" cy="0"/>
+          <a:chOff x="0" y="0"/>
+          <a:chExt cx="0" cy="0"/>
+        </a:xfrm>
+      </p:grpSpPr>
+      <p:sp>
+        <p:nvSpPr>
+          <p:cNvPr id="2" name="머리글 개체 틀 1"/>
+          <p:cNvSpPr>
+            <a:spLocks noGrp="1"/>
+          </p:cNvSpPr>
+          <p:nvPr>
+            <p:ph type="hdr" sz="quarter"/>
+          </p:nvPr>
+        </p:nvSpPr>
+        <p:spPr>
+          <a:xfrm>
+            <a:off x="0" y="0"/>
+            <a:ext cx="2971800" cy="458788"/>
+          </a:xfrm>
+          <a:prstGeom prst="rect">
+            <a:avLst/>
+          </a:prstGeom>
+        </p:spPr>
+        <p:txBody>
+          <a:bodyPr vert="horz" lIns="91440" tIns="45720" rIns="91440" bIns="45720" rtlCol="0"/>
+          <a:lstStyle>
+            <a:lvl1pPr algn="l">
+              <a:defRPr sz="1200"/>
+            </a:lvl1pPr>
+          </a:lstStyle>
+          <a:p>
+            <a:endParaRPr kumimoji="1" lang="ko-Kore-KR" altLang="en-US"/>
+          </a:p>
+        </p:txBody>
+      </p:sp>
+      <p:sp>
+        <p:nvSpPr>
+          <p:cNvPr id="3" name="날짜 개체 틀 2"/>
+          <p:cNvSpPr>
+            <a:spLocks noGrp="1"/>
+          </p:cNvSpPr>
+          <p:nvPr>
+            <p:ph type="dt" idx="1"/>
+          </p:nvPr>
+        </p:nvSpPr>
+        <p:spPr>
+          <a:xfrm>
+            <a:off x="3884613" y="0"/>
+            <a:ext cx="2971800" cy="458788"/>
+          </a:xfrm>
+          <a:prstGeom prst="rect">
+            <a:avLst/>
+          </a:prstGeom>
+        </p:spPr>
+        <p:txBody>
+          <a:bodyPr vert="horz" lIns="91440" tIns="45720" rIns="91440" bIns="45720" rtlCol="0"/>
+          <a:lstStyle>
+            <a:lvl1pPr algn="r">
+              <a:defRPr sz="1200"/>
+            </a:lvl1pPr>
+          </a:lstStyle>
+          <a:p>
+            <a:fld id="{6746506D-A062-7347-9044-9287F1C4EE64}" type="datetimeFigureOut">
+              <a:rPr kumimoji="1" lang="ko-Kore-KR" altLang="en-US" smtClean="0"/>
+              <a:t>2022. 11. 17.</a:t>
+            </a:fld>
+            <a:endParaRPr kumimoji="1" lang="ko-Kore-KR" altLang="en-US"/>
+          </a:p>
+        </p:txBody>
+      </p:sp>
+      <p:sp>
+        <p:nvSpPr>
+          <p:cNvPr id="4" name="슬라이드 이미지 개체 틀 3"/>
+          <p:cNvSpPr>
+            <a:spLocks noGrp="1" noRot="1" noChangeAspect="1"/>
+          </p:cNvSpPr>
+          <p:nvPr>
+            <p:ph type="sldImg" idx="2"/>
+          </p:nvPr>
+        </p:nvSpPr>
+        <p:spPr>
+          <a:xfrm>
+            <a:off x="685800" y="1143000"/>
+            <a:ext cx="5486400" cy="3086100"/>
+          </a:xfrm>
+          <a:prstGeom prst="rect">
+            <a:avLst/>
+          </a:prstGeom>
+          <a:noFill/>
+          <a:ln w="12700">
+            <a:solidFill>
+              <a:prstClr val="black"/>
+            </a:solidFill>
+          </a:ln>
+        </p:spPr>
+        <p:txBody>
+          <a:bodyPr vert="horz" lIns="91440" tIns="45720" rIns="91440" bIns="45720" rtlCol="0" anchor="ctr"/>
+          <a:lstStyle/>
+          <a:p>
+            <a:endParaRPr lang="ko-Kore-KR" altLang="en-US"/>
+          </a:p>
+        </p:txBody>
+      </p:sp>
+      <p:sp>
+        <p:nvSpPr>
+          <p:cNvPr id="5" name="슬라이드 노트 개체 틀 4"/>
+          <p:cNvSpPr>
+            <a:spLocks noGrp="1"/>
+          </p:cNvSpPr>
+          <p:nvPr>
+            <p:ph type="body" sz="quarter" idx="3"/>
+          </p:nvPr>
+        </p:nvSpPr>
+        <p:spPr>
+          <a:xfrm>
+            <a:off x="685800" y="4400550"/>
+            <a:ext cx="5486400" cy="3600450"/>
+          </a:xfrm>
+          <a:prstGeom prst="rect">
+            <a:avLst/>
+          </a:prstGeom>
+        </p:spPr>
+        <p:txBody>
+          <a:bodyPr vert="horz" lIns="91440" tIns="45720" rIns="91440" bIns="45720" rtlCol="0"/>
+          <a:lstStyle/>
+          <a:p>
+            <a:pPr lvl="0"/>
+            <a:r>
+              <a:rPr kumimoji="1" lang="ko-KR" altLang="en-US"/>
+              <a:t>마스터 텍스트 스타일을 편집하려면 클릭</a:t>
+            </a:r>
+          </a:p>
+          <a:p>
+            <a:pPr lvl="1"/>
+            <a:r>
+              <a:rPr kumimoji="1" lang="ko-KR" altLang="en-US"/>
+              <a:t>두 번째 수준</a:t>
+            </a:r>
+          </a:p>
+          <a:p>
+            <a:pPr lvl="2"/>
+            <a:r>
+              <a:rPr kumimoji="1" lang="ko-KR" altLang="en-US"/>
+              <a:t>세 번째 수준</a:t>
+            </a:r>
+          </a:p>
+          <a:p>
+            <a:pPr lvl="3"/>
+            <a:r>
+              <a:rPr kumimoji="1" lang="ko-KR" altLang="en-US"/>
+              <a:t>네 번째 수준</a:t>
+            </a:r>
+          </a:p>
+          <a:p>
+            <a:pPr lvl="4"/>
+            <a:r>
+              <a:rPr kumimoji="1" lang="ko-KR" altLang="en-US"/>
+              <a:t>다섯 번째 수준</a:t>
+            </a:r>
+            <a:endParaRPr kumimoji="1" lang="ko-Kore-KR" altLang="en-US"/>
+          </a:p>
+        </p:txBody>
+      </p:sp>
+      <p:sp>
+        <p:nvSpPr>
+          <p:cNvPr id="6" name="바닥글 개체 틀 5"/>
+          <p:cNvSpPr>
+            <a:spLocks noGrp="1"/>
+          </p:cNvSpPr>
+          <p:nvPr>
+            <p:ph type="ftr" sz="quarter" idx="4"/>
+          </p:nvPr>
+        </p:nvSpPr>
+        <p:spPr>
+          <a:xfrm>
+            <a:off x="0" y="8685213"/>
+            <a:ext cx="2971800" cy="458787"/>
+          </a:xfrm>
+          <a:prstGeom prst="rect">
+            <a:avLst/>
+          </a:prstGeom>
+        </p:spPr>
+        <p:txBody>
+          <a:bodyPr vert="horz" lIns="91440" tIns="45720" rIns="91440" bIns="45720" rtlCol="0" anchor="b"/>
+          <a:lstStyle>
+            <a:lvl1pPr algn="l">
+              <a:defRPr sz="1200"/>
+            </a:lvl1pPr>
+          </a:lstStyle>
+          <a:p>
+            <a:endParaRPr kumimoji="1" lang="ko-Kore-KR" altLang="en-US"/>
+          </a:p>
+        </p:txBody>
+      </p:sp>
+      <p:sp>
+        <p:nvSpPr>
+          <p:cNvPr id="7" name="슬라이드 번호 개체 틀 6"/>
+          <p:cNvSpPr>
+            <a:spLocks noGrp="1"/>
+          </p:cNvSpPr>
+          <p:nvPr>
+            <p:ph type="sldNum" sz="quarter" idx="5"/>
+          </p:nvPr>
+        </p:nvSpPr>
+        <p:spPr>
+          <a:xfrm>
+            <a:off x="3884613" y="8685213"/>
+            <a:ext cx="2971800" cy="458787"/>
+          </a:xfrm>
+          <a:prstGeom prst="rect">
+            <a:avLst/>
+          </a:prstGeom>
+        </p:spPr>
+        <p:txBody>
+          <a:bodyPr vert="horz" lIns="91440" tIns="45720" rIns="91440" bIns="45720" rtlCol="0" anchor="b"/>
+          <a:lstStyle>
+            <a:lvl1pPr algn="r">
+              <a:defRPr sz="1200"/>
+            </a:lvl1pPr>
+          </a:lstStyle>
+          <a:p>
+            <a:fld id="{295E6BD6-27D1-7442-BF33-A07592945104}" type="slidenum">
+              <a:rPr kumimoji="1" lang="ko-Kore-KR" altLang="en-US" smtClean="0"/>
+              <a:t>‹#›</a:t>
+            </a:fld>
+            <a:endParaRPr kumimoji="1" lang="ko-Kore-KR" altLang="en-US"/>
+          </a:p>
+        </p:txBody>
+      </p:sp>
+    </p:spTree>
+    <p:extLst>
+      <p:ext uri="{BB962C8B-B14F-4D97-AF65-F5344CB8AC3E}">
+        <p14:creationId xmlns:p14="http://schemas.microsoft.com/office/powerpoint/2010/main" val="2612216983"/>
+      </p:ext>
+    </p:extLst>
+  </p:cSld>
+  <p:clrMap bg1="lt1" tx1="dk1" bg2="lt2" tx2="dk2" accent1="accent1" accent2="accent2" accent3="accent3" accent4="accent4" accent5="accent5" accent6="accent6" hlink="hlink" folHlink="folHlink"/>
+  <p:notesStyle>
+    <a:lvl1pPr marL="0" algn="l" defTabSz="914400" rtl="0" eaLnBrk="1" latinLnBrk="0" hangingPunct="1">
+      <a:defRPr sz="1200" kern="1200">
+        <a:solidFill>
+          <a:schemeClr val="tx1"/>
+        </a:solidFill>
+        <a:latin typeface="+mn-lt"/>
+        <a:ea typeface="+mn-ea"/>
+        <a:cs typeface="+mn-cs"/>
+      </a:defRPr>
+    </a:lvl1pPr>
+    <a:lvl2pPr marL="457200" algn="l" defTabSz="914400" rtl="0" eaLnBrk="1" latinLnBrk="0" hangingPunct="1">
+      <a:defRPr sz="1200" kern="1200">
+        <a:solidFill>
+          <a:schemeClr val="tx1"/>
+        </a:solidFill>
+        <a:latin typeface="+mn-lt"/>
+        <a:ea typeface="+mn-ea"/>
+        <a:cs typeface="+mn-cs"/>
+      </a:defRPr>
+    </a:lvl2pPr>
+    <a:lvl3pPr marL="914400" algn="l" defTabSz="914400" rtl="0" eaLnBrk="1" latinLnBrk="0" hangingPunct="1">
+      <a:defRPr sz="1200" kern="1200">
+        <a:solidFill>
+          <a:schemeClr val="tx1"/>
+        </a:solidFill>
+        <a:latin typeface="+mn-lt"/>
+        <a:ea typeface="+mn-ea"/>
+        <a:cs typeface="+mn-cs"/>
+      </a:defRPr>
+    </a:lvl3pPr>
+    <a:lvl4pPr marL="1371600" algn="l" defTabSz="914400" rtl="0" eaLnBrk="1" latinLnBrk="0" hangingPunct="1">
+      <a:defRPr sz="1200" kern="1200">
+        <a:solidFill>
+          <a:schemeClr val="tx1"/>
+        </a:solidFill>
+        <a:latin typeface="+mn-lt"/>
+        <a:ea typeface="+mn-ea"/>
+        <a:cs typeface="+mn-cs"/>
+      </a:defRPr>
+    </a:lvl4pPr>
+    <a:lvl5pPr marL="1828800" algn="l" defTabSz="914400" rtl="0" eaLnBrk="1" latinLnBrk="0" hangingPunct="1">
+      <a:defRPr sz="1200" kern="1200">
+        <a:solidFill>
+          <a:schemeClr val="tx1"/>
+        </a:solidFill>
+        <a:latin typeface="+mn-lt"/>
+        <a:ea typeface="+mn-ea"/>
+        <a:cs typeface="+mn-cs"/>
+      </a:defRPr>
+    </a:lvl5pPr>
+    <a:lvl6pPr marL="2286000" algn="l" defTabSz="914400" rtl="0" eaLnBrk="1" latinLnBrk="0" hangingPunct="1">
+      <a:defRPr sz="1200" kern="1200">
+        <a:solidFill>
+          <a:schemeClr val="tx1"/>
+        </a:solidFill>
+        <a:latin typeface="+mn-lt"/>
+        <a:ea typeface="+mn-ea"/>
+        <a:cs typeface="+mn-cs"/>
+      </a:defRPr>
+    </a:lvl6pPr>
+    <a:lvl7pPr marL="2743200" algn="l" defTabSz="914400" rtl="0" eaLnBrk="1" latinLnBrk="0" hangingPunct="1">
+      <a:defRPr sz="1200" kern="1200">
+        <a:solidFill>
+          <a:schemeClr val="tx1"/>
+        </a:solidFill>
+        <a:latin typeface="+mn-lt"/>
+        <a:ea typeface="+mn-ea"/>
+        <a:cs typeface="+mn-cs"/>
+      </a:defRPr>
+    </a:lvl7pPr>
+    <a:lvl8pPr marL="3200400" algn="l" defTabSz="914400" rtl="0" eaLnBrk="1" latinLnBrk="0" hangingPunct="1">
+      <a:defRPr sz="1200" kern="1200">
+        <a:solidFill>
+          <a:schemeClr val="tx1"/>
+        </a:solidFill>
+        <a:latin typeface="+mn-lt"/>
+        <a:ea typeface="+mn-ea"/>
+        <a:cs typeface="+mn-cs"/>
+      </a:defRPr>
+    </a:lvl8pPr>
+    <a:lvl9pPr marL="3657600" algn="l" defTabSz="914400" rtl="0" eaLnBrk="1" latinLnBrk="0" hangingPunct="1">
+      <a:defRPr sz="1200" kern="1200">
+        <a:solidFill>
+          <a:schemeClr val="tx1"/>
+        </a:solidFill>
+        <a:latin typeface="+mn-lt"/>
+        <a:ea typeface="+mn-ea"/>
+        <a:cs typeface="+mn-cs"/>
+      </a:defRPr>
+    </a:lvl9pPr>
+  </p:notesStyle>
+</p:notesMaster>
+</file>
+
+<file path=ppt/notesSlides/notesSlide1.xml><?xml version="1.0" encoding="utf-8"?>
+<p:notes xmlns:a="http://schemas.openxmlformats.org/drawingml/2006/main" xmlns:r="http://schemas.openxmlformats.org/officeDocument/2006/relationships" xmlns:p="http://schemas.openxmlformats.org/presentationml/2006/main">
+  <p:cSld>
+    <p:spTree>
+      <p:nvGrpSpPr>
+        <p:cNvPr id="1" name=""/>
+        <p:cNvGrpSpPr/>
+        <p:nvPr/>
+      </p:nvGrpSpPr>
+      <p:grpSpPr>
+        <a:xfrm>
+          <a:off x="0" y="0"/>
+          <a:ext cx="0" cy="0"/>
+          <a:chOff x="0" y="0"/>
+          <a:chExt cx="0" cy="0"/>
+        </a:xfrm>
+      </p:grpSpPr>
+      <p:sp>
+        <p:nvSpPr>
+          <p:cNvPr id="2" name="슬라이드 이미지 개체 틀 1"/>
+          <p:cNvSpPr>
+            <a:spLocks noGrp="1" noRot="1" noChangeAspect="1"/>
+          </p:cNvSpPr>
+          <p:nvPr>
+            <p:ph type="sldImg"/>
+          </p:nvPr>
+        </p:nvSpPr>
+        <p:spPr/>
+      </p:sp>
+      <p:sp>
+        <p:nvSpPr>
+          <p:cNvPr id="3" name="슬라이드 노트 개체 틀 2"/>
+          <p:cNvSpPr>
+            <a:spLocks noGrp="1"/>
+          </p:cNvSpPr>
+          <p:nvPr>
+            <p:ph type="body" idx="1"/>
+          </p:nvPr>
+        </p:nvSpPr>
+        <p:spPr/>
+        <p:txBody>
+          <a:bodyPr/>
+          <a:lstStyle/>
+          <a:p>
+            <a:endParaRPr kumimoji="1" lang="ko-Kore-KR" altLang="en-US" dirty="0"/>
+          </a:p>
+        </p:txBody>
+      </p:sp>
+      <p:sp>
+        <p:nvSpPr>
+          <p:cNvPr id="4" name="슬라이드 번호 개체 틀 3"/>
+          <p:cNvSpPr>
+            <a:spLocks noGrp="1"/>
+          </p:cNvSpPr>
+          <p:nvPr>
+            <p:ph type="sldNum" sz="quarter" idx="5"/>
+          </p:nvPr>
+        </p:nvSpPr>
+        <p:spPr/>
+        <p:txBody>
+          <a:bodyPr/>
+          <a:lstStyle/>
+          <a:p>
+            <a:fld id="{295E6BD6-27D1-7442-BF33-A07592945104}" type="slidenum">
+              <a:rPr kumimoji="1" lang="ko-Kore-KR" altLang="en-US" smtClean="0"/>
+              <a:t>38</a:t>
+            </a:fld>
+            <a:endParaRPr kumimoji="1" lang="ko-Kore-KR" altLang="en-US"/>
+          </a:p>
+        </p:txBody>
+      </p:sp>
+    </p:spTree>
+    <p:extLst>
+      <p:ext uri="{BB962C8B-B14F-4D97-AF65-F5344CB8AC3E}">
+        <p14:creationId xmlns:p14="http://schemas.microsoft.com/office/powerpoint/2010/main" val="196433281"/>
+      </p:ext>
+    </p:extLst>
+  </p:cSld>
+  <p:clrMapOvr>
+    <a:masterClrMapping/>
+  </p:clrMapOvr>
+</p:notes>
 </file>
 
 <file path=ppt/slideLayouts/slideLayout1.xml><?xml version="1.0" encoding="utf-8"?>
@@ -24745,6 +25185,2657 @@
     <p:extLst>
       <p:ext uri="{BB962C8B-B14F-4D97-AF65-F5344CB8AC3E}">
         <p14:creationId xmlns:p14="http://schemas.microsoft.com/office/powerpoint/2010/main" val="3777400266"/>
+      </p:ext>
+    </p:extLst>
+  </p:cSld>
+  <p:clrMapOvr>
+    <a:masterClrMapping/>
+  </p:clrMapOvr>
+</p:sld>
+</file>
+
+<file path=ppt/slides/slide36.xml><?xml version="1.0" encoding="utf-8"?>
+<p:sld xmlns:a="http://schemas.openxmlformats.org/drawingml/2006/main" xmlns:r="http://schemas.openxmlformats.org/officeDocument/2006/relationships" xmlns:p="http://schemas.openxmlformats.org/presentationml/2006/main">
+  <p:cSld>
+    <p:spTree>
+      <p:nvGrpSpPr>
+        <p:cNvPr id="1" name=""/>
+        <p:cNvGrpSpPr/>
+        <p:nvPr/>
+      </p:nvGrpSpPr>
+      <p:grpSpPr>
+        <a:xfrm>
+          <a:off x="0" y="0"/>
+          <a:ext cx="0" cy="0"/>
+          <a:chOff x="0" y="0"/>
+          <a:chExt cx="0" cy="0"/>
+        </a:xfrm>
+      </p:grpSpPr>
+      <p:sp>
+        <p:nvSpPr>
+          <p:cNvPr id="4" name="직사각형 3">
+            <a:extLst>
+              <a:ext uri="{FF2B5EF4-FFF2-40B4-BE49-F238E27FC236}">
+                <a16:creationId xmlns:a16="http://schemas.microsoft.com/office/drawing/2014/main" id="{1C3ECA7A-247B-07DD-3775-D45944E10AA0}"/>
+              </a:ext>
+            </a:extLst>
+          </p:cNvPr>
+          <p:cNvSpPr/>
+          <p:nvPr/>
+        </p:nvSpPr>
+        <p:spPr>
+          <a:xfrm>
+            <a:off x="6748106" y="1226455"/>
+            <a:ext cx="664577" cy="355953"/>
+          </a:xfrm>
+          <a:prstGeom prst="rect">
+            <a:avLst/>
+          </a:prstGeom>
+          <a:solidFill>
+            <a:srgbClr val="FFFF00"/>
+          </a:solidFill>
+        </p:spPr>
+        <p:style>
+          <a:lnRef idx="2">
+            <a:schemeClr val="accent1">
+              <a:shade val="50000"/>
+            </a:schemeClr>
+          </a:lnRef>
+          <a:fillRef idx="1">
+            <a:schemeClr val="accent1"/>
+          </a:fillRef>
+          <a:effectRef idx="0">
+            <a:schemeClr val="accent1"/>
+          </a:effectRef>
+          <a:fontRef idx="minor">
+            <a:schemeClr val="lt1"/>
+          </a:fontRef>
+        </p:style>
+        <p:txBody>
+          <a:bodyPr rtlCol="0" anchor="ctr"/>
+          <a:lstStyle/>
+          <a:p>
+            <a:pPr algn="ctr"/>
+            <a:r>
+              <a:rPr kumimoji="1" lang="en-US" altLang="ko-Kore-KR" dirty="0">
+                <a:solidFill>
+                  <a:schemeClr val="tx1"/>
+                </a:solidFill>
+                <a:latin typeface="DM Mono" panose="020B0509040201040103" pitchFamily="49" charset="0"/>
+              </a:rPr>
+              <a:t>42</a:t>
+            </a:r>
+            <a:endParaRPr kumimoji="1" lang="ko-Kore-KR" altLang="en-US" dirty="0">
+              <a:solidFill>
+                <a:schemeClr val="tx1"/>
+              </a:solidFill>
+              <a:latin typeface="DM Mono" panose="020B0509040201040103" pitchFamily="49" charset="0"/>
+            </a:endParaRPr>
+          </a:p>
+        </p:txBody>
+      </p:sp>
+      <p:sp>
+        <p:nvSpPr>
+          <p:cNvPr id="5" name="TextBox 4">
+            <a:extLst>
+              <a:ext uri="{FF2B5EF4-FFF2-40B4-BE49-F238E27FC236}">
+                <a16:creationId xmlns:a16="http://schemas.microsoft.com/office/drawing/2014/main" id="{2EE5D61E-BF13-5C3E-14DA-34A32377E2F6}"/>
+              </a:ext>
+            </a:extLst>
+          </p:cNvPr>
+          <p:cNvSpPr txBox="1"/>
+          <p:nvPr/>
+        </p:nvSpPr>
+        <p:spPr>
+          <a:xfrm>
+            <a:off x="5722375" y="1227705"/>
+            <a:ext cx="1025730" cy="369332"/>
+          </a:xfrm>
+          <a:prstGeom prst="rect">
+            <a:avLst/>
+          </a:prstGeom>
+          <a:noFill/>
+        </p:spPr>
+        <p:txBody>
+          <a:bodyPr wrap="square">
+            <a:spAutoFit/>
+          </a:bodyPr>
+          <a:lstStyle/>
+          <a:p>
+            <a:pPr algn="r"/>
+            <a:r>
+              <a:rPr lang="en-US" altLang="ko-Kore-KR" dirty="0">
+                <a:latin typeface="DM Mono" panose="020B0509040201040103" pitchFamily="49" charset="0"/>
+              </a:rPr>
+              <a:t>next</a:t>
+            </a:r>
+            <a:endParaRPr lang="ko-Kore-KR" altLang="en-US" dirty="0"/>
+          </a:p>
+        </p:txBody>
+      </p:sp>
+      <p:sp>
+        <p:nvSpPr>
+          <p:cNvPr id="6" name="직사각형 5">
+            <a:extLst>
+              <a:ext uri="{FF2B5EF4-FFF2-40B4-BE49-F238E27FC236}">
+                <a16:creationId xmlns:a16="http://schemas.microsoft.com/office/drawing/2014/main" id="{4075DA5A-3370-115A-694C-89D5E576483A}"/>
+              </a:ext>
+            </a:extLst>
+          </p:cNvPr>
+          <p:cNvSpPr/>
+          <p:nvPr/>
+        </p:nvSpPr>
+        <p:spPr>
+          <a:xfrm>
+            <a:off x="6748105" y="1575651"/>
+            <a:ext cx="664577" cy="355953"/>
+          </a:xfrm>
+          <a:prstGeom prst="rect">
+            <a:avLst/>
+          </a:prstGeom>
+          <a:solidFill>
+            <a:srgbClr val="FFFF00"/>
+          </a:solidFill>
+        </p:spPr>
+        <p:style>
+          <a:lnRef idx="2">
+            <a:schemeClr val="accent1">
+              <a:shade val="50000"/>
+            </a:schemeClr>
+          </a:lnRef>
+          <a:fillRef idx="1">
+            <a:schemeClr val="accent1"/>
+          </a:fillRef>
+          <a:effectRef idx="0">
+            <a:schemeClr val="accent1"/>
+          </a:effectRef>
+          <a:fontRef idx="minor">
+            <a:schemeClr val="lt1"/>
+          </a:fontRef>
+        </p:style>
+        <p:txBody>
+          <a:bodyPr rtlCol="0" anchor="ctr"/>
+          <a:lstStyle/>
+          <a:p>
+            <a:pPr algn="ctr"/>
+            <a:r>
+              <a:rPr kumimoji="1" lang="en-US" altLang="ko-Kore-KR" dirty="0">
+                <a:solidFill>
+                  <a:schemeClr val="tx1"/>
+                </a:solidFill>
+                <a:latin typeface="DM Mono" panose="020B0509040201040103" pitchFamily="49" charset="0"/>
+              </a:rPr>
+              <a:t>1</a:t>
+            </a:r>
+            <a:endParaRPr kumimoji="1" lang="ko-Kore-KR" altLang="en-US" dirty="0">
+              <a:solidFill>
+                <a:schemeClr val="tx1"/>
+              </a:solidFill>
+              <a:latin typeface="DM Mono" panose="020B0509040201040103" pitchFamily="49" charset="0"/>
+            </a:endParaRPr>
+          </a:p>
+        </p:txBody>
+      </p:sp>
+      <p:sp>
+        <p:nvSpPr>
+          <p:cNvPr id="7" name="TextBox 6">
+            <a:extLst>
+              <a:ext uri="{FF2B5EF4-FFF2-40B4-BE49-F238E27FC236}">
+                <a16:creationId xmlns:a16="http://schemas.microsoft.com/office/drawing/2014/main" id="{70B6144F-8B8E-EF8D-65BC-FA73F9AFD635}"/>
+              </a:ext>
+            </a:extLst>
+          </p:cNvPr>
+          <p:cNvSpPr txBox="1"/>
+          <p:nvPr/>
+        </p:nvSpPr>
+        <p:spPr>
+          <a:xfrm>
+            <a:off x="5722374" y="1569843"/>
+            <a:ext cx="1025730" cy="369332"/>
+          </a:xfrm>
+          <a:prstGeom prst="rect">
+            <a:avLst/>
+          </a:prstGeom>
+          <a:noFill/>
+        </p:spPr>
+        <p:txBody>
+          <a:bodyPr wrap="square">
+            <a:spAutoFit/>
+          </a:bodyPr>
+          <a:lstStyle/>
+          <a:p>
+            <a:pPr algn="r"/>
+            <a:r>
+              <a:rPr lang="en-US" altLang="ko-Kore-KR" dirty="0">
+                <a:latin typeface="DM Mono" panose="020B0509040201040103" pitchFamily="49" charset="0"/>
+              </a:rPr>
+              <a:t>ref</a:t>
+            </a:r>
+            <a:endParaRPr lang="ko-Kore-KR" altLang="en-US" dirty="0"/>
+          </a:p>
+        </p:txBody>
+      </p:sp>
+      <p:sp>
+        <p:nvSpPr>
+          <p:cNvPr id="8" name="직사각형 7">
+            <a:extLst>
+              <a:ext uri="{FF2B5EF4-FFF2-40B4-BE49-F238E27FC236}">
+                <a16:creationId xmlns:a16="http://schemas.microsoft.com/office/drawing/2014/main" id="{0FE67A7A-BB57-EA6F-72DB-5CA89E5D28E1}"/>
+              </a:ext>
+            </a:extLst>
+          </p:cNvPr>
+          <p:cNvSpPr/>
+          <p:nvPr/>
+        </p:nvSpPr>
+        <p:spPr>
+          <a:xfrm>
+            <a:off x="6748105" y="3399731"/>
+            <a:ext cx="664577" cy="355953"/>
+          </a:xfrm>
+          <a:prstGeom prst="rect">
+            <a:avLst/>
+          </a:prstGeom>
+          <a:solidFill>
+            <a:srgbClr val="FFFF00"/>
+          </a:solidFill>
+        </p:spPr>
+        <p:style>
+          <a:lnRef idx="2">
+            <a:schemeClr val="accent1">
+              <a:shade val="50000"/>
+            </a:schemeClr>
+          </a:lnRef>
+          <a:fillRef idx="1">
+            <a:schemeClr val="accent1"/>
+          </a:fillRef>
+          <a:effectRef idx="0">
+            <a:schemeClr val="accent1"/>
+          </a:effectRef>
+          <a:fontRef idx="minor">
+            <a:schemeClr val="lt1"/>
+          </a:fontRef>
+        </p:style>
+        <p:txBody>
+          <a:bodyPr rtlCol="0" anchor="ctr"/>
+          <a:lstStyle/>
+          <a:p>
+            <a:pPr algn="ctr"/>
+            <a:r>
+              <a:rPr kumimoji="1" lang="en-US" altLang="ko-Kore-KR" dirty="0">
+                <a:solidFill>
+                  <a:schemeClr val="tx1"/>
+                </a:solidFill>
+                <a:latin typeface="DM Mono" panose="020B0509040201040103" pitchFamily="49" charset="0"/>
+              </a:rPr>
+              <a:t>42</a:t>
+            </a:r>
+            <a:endParaRPr kumimoji="1" lang="ko-Kore-KR" altLang="en-US" dirty="0">
+              <a:solidFill>
+                <a:schemeClr val="tx1"/>
+              </a:solidFill>
+              <a:latin typeface="DM Mono" panose="020B0509040201040103" pitchFamily="49" charset="0"/>
+            </a:endParaRPr>
+          </a:p>
+        </p:txBody>
+      </p:sp>
+      <p:sp>
+        <p:nvSpPr>
+          <p:cNvPr id="9" name="TextBox 8">
+            <a:extLst>
+              <a:ext uri="{FF2B5EF4-FFF2-40B4-BE49-F238E27FC236}">
+                <a16:creationId xmlns:a16="http://schemas.microsoft.com/office/drawing/2014/main" id="{F230229D-D593-F5F5-AF87-C71884393372}"/>
+              </a:ext>
+            </a:extLst>
+          </p:cNvPr>
+          <p:cNvSpPr txBox="1"/>
+          <p:nvPr/>
+        </p:nvSpPr>
+        <p:spPr>
+          <a:xfrm>
+            <a:off x="5722374" y="3400981"/>
+            <a:ext cx="1025730" cy="369332"/>
+          </a:xfrm>
+          <a:prstGeom prst="rect">
+            <a:avLst/>
+          </a:prstGeom>
+          <a:noFill/>
+        </p:spPr>
+        <p:txBody>
+          <a:bodyPr wrap="square">
+            <a:spAutoFit/>
+          </a:bodyPr>
+          <a:lstStyle/>
+          <a:p>
+            <a:pPr algn="r"/>
+            <a:r>
+              <a:rPr lang="en-US" altLang="ko-Kore-KR" dirty="0">
+                <a:latin typeface="DM Mono" panose="020B0509040201040103" pitchFamily="49" charset="0"/>
+              </a:rPr>
+              <a:t>next</a:t>
+            </a:r>
+            <a:endParaRPr lang="ko-Kore-KR" altLang="en-US" dirty="0"/>
+          </a:p>
+        </p:txBody>
+      </p:sp>
+      <p:sp>
+        <p:nvSpPr>
+          <p:cNvPr id="10" name="직사각형 9">
+            <a:extLst>
+              <a:ext uri="{FF2B5EF4-FFF2-40B4-BE49-F238E27FC236}">
+                <a16:creationId xmlns:a16="http://schemas.microsoft.com/office/drawing/2014/main" id="{EAC73AF5-8E62-929B-59F7-3007E0A7277E}"/>
+              </a:ext>
+            </a:extLst>
+          </p:cNvPr>
+          <p:cNvSpPr/>
+          <p:nvPr/>
+        </p:nvSpPr>
+        <p:spPr>
+          <a:xfrm>
+            <a:off x="6748104" y="3748927"/>
+            <a:ext cx="664577" cy="355953"/>
+          </a:xfrm>
+          <a:prstGeom prst="rect">
+            <a:avLst/>
+          </a:prstGeom>
+          <a:solidFill>
+            <a:srgbClr val="FFFF00"/>
+          </a:solidFill>
+        </p:spPr>
+        <p:style>
+          <a:lnRef idx="2">
+            <a:schemeClr val="accent1">
+              <a:shade val="50000"/>
+            </a:schemeClr>
+          </a:lnRef>
+          <a:fillRef idx="1">
+            <a:schemeClr val="accent1"/>
+          </a:fillRef>
+          <a:effectRef idx="0">
+            <a:schemeClr val="accent1"/>
+          </a:effectRef>
+          <a:fontRef idx="minor">
+            <a:schemeClr val="lt1"/>
+          </a:fontRef>
+        </p:style>
+        <p:txBody>
+          <a:bodyPr rtlCol="0" anchor="ctr"/>
+          <a:lstStyle/>
+          <a:p>
+            <a:pPr algn="ctr"/>
+            <a:r>
+              <a:rPr kumimoji="1" lang="en-US" altLang="ko-Kore-KR" dirty="0">
+                <a:solidFill>
+                  <a:schemeClr val="tx1"/>
+                </a:solidFill>
+                <a:latin typeface="DM Mono" panose="020B0509040201040103" pitchFamily="49" charset="0"/>
+              </a:rPr>
+              <a:t>2</a:t>
+            </a:r>
+            <a:endParaRPr kumimoji="1" lang="ko-Kore-KR" altLang="en-US" dirty="0">
+              <a:solidFill>
+                <a:schemeClr val="tx1"/>
+              </a:solidFill>
+              <a:latin typeface="DM Mono" panose="020B0509040201040103" pitchFamily="49" charset="0"/>
+            </a:endParaRPr>
+          </a:p>
+        </p:txBody>
+      </p:sp>
+      <p:sp>
+        <p:nvSpPr>
+          <p:cNvPr id="11" name="TextBox 10">
+            <a:extLst>
+              <a:ext uri="{FF2B5EF4-FFF2-40B4-BE49-F238E27FC236}">
+                <a16:creationId xmlns:a16="http://schemas.microsoft.com/office/drawing/2014/main" id="{D98528F2-085D-44CF-D671-F4815F1DC041}"/>
+              </a:ext>
+            </a:extLst>
+          </p:cNvPr>
+          <p:cNvSpPr txBox="1"/>
+          <p:nvPr/>
+        </p:nvSpPr>
+        <p:spPr>
+          <a:xfrm>
+            <a:off x="5722373" y="3743119"/>
+            <a:ext cx="1025730" cy="369332"/>
+          </a:xfrm>
+          <a:prstGeom prst="rect">
+            <a:avLst/>
+          </a:prstGeom>
+          <a:noFill/>
+        </p:spPr>
+        <p:txBody>
+          <a:bodyPr wrap="square">
+            <a:spAutoFit/>
+          </a:bodyPr>
+          <a:lstStyle/>
+          <a:p>
+            <a:pPr algn="r"/>
+            <a:r>
+              <a:rPr lang="en-US" altLang="ko-Kore-KR" dirty="0">
+                <a:latin typeface="DM Mono" panose="020B0509040201040103" pitchFamily="49" charset="0"/>
+              </a:rPr>
+              <a:t>ref</a:t>
+            </a:r>
+            <a:endParaRPr lang="ko-Kore-KR" altLang="en-US" dirty="0"/>
+          </a:p>
+        </p:txBody>
+      </p:sp>
+      <p:cxnSp>
+        <p:nvCxnSpPr>
+          <p:cNvPr id="13" name="구부러진 연결선[U] 12">
+            <a:extLst>
+              <a:ext uri="{FF2B5EF4-FFF2-40B4-BE49-F238E27FC236}">
+                <a16:creationId xmlns:a16="http://schemas.microsoft.com/office/drawing/2014/main" id="{9810B883-F6E7-3AAB-6671-B6C6DD13C19A}"/>
+              </a:ext>
+            </a:extLst>
+          </p:cNvPr>
+          <p:cNvCxnSpPr>
+            <a:stCxn id="6" idx="3"/>
+            <a:endCxn id="8" idx="0"/>
+          </p:cNvCxnSpPr>
+          <p:nvPr/>
+        </p:nvCxnSpPr>
+        <p:spPr>
+          <a:xfrm flipH="1">
+            <a:off x="7080394" y="1753628"/>
+            <a:ext cx="332288" cy="1646103"/>
+          </a:xfrm>
+          <a:prstGeom prst="curvedConnector4">
+            <a:avLst>
+              <a:gd name="adj1" fmla="val -68796"/>
+              <a:gd name="adj2" fmla="val 55406"/>
+            </a:avLst>
+          </a:prstGeom>
+          <a:ln w="12700">
+            <a:tailEnd type="triangle"/>
+          </a:ln>
+        </p:spPr>
+        <p:style>
+          <a:lnRef idx="1">
+            <a:schemeClr val="dk1"/>
+          </a:lnRef>
+          <a:fillRef idx="0">
+            <a:schemeClr val="dk1"/>
+          </a:fillRef>
+          <a:effectRef idx="0">
+            <a:schemeClr val="dk1"/>
+          </a:effectRef>
+          <a:fontRef idx="minor">
+            <a:schemeClr val="tx1"/>
+          </a:fontRef>
+        </p:style>
+      </p:cxnSp>
+      <p:cxnSp>
+        <p:nvCxnSpPr>
+          <p:cNvPr id="14" name="구부러진 연결선[U] 13">
+            <a:extLst>
+              <a:ext uri="{FF2B5EF4-FFF2-40B4-BE49-F238E27FC236}">
+                <a16:creationId xmlns:a16="http://schemas.microsoft.com/office/drawing/2014/main" id="{0E37C512-1979-4420-850C-F5B4D4C98D93}"/>
+              </a:ext>
+            </a:extLst>
+          </p:cNvPr>
+          <p:cNvCxnSpPr>
+            <a:cxnSpLocks/>
+            <a:endCxn id="8" idx="0"/>
+          </p:cNvCxnSpPr>
+          <p:nvPr/>
+        </p:nvCxnSpPr>
+        <p:spPr>
+          <a:xfrm>
+            <a:off x="3822492" y="2643266"/>
+            <a:ext cx="3257902" cy="756465"/>
+          </a:xfrm>
+          <a:prstGeom prst="curvedConnector2">
+            <a:avLst/>
+          </a:prstGeom>
+          <a:ln w="12700">
+            <a:tailEnd type="triangle"/>
+          </a:ln>
+        </p:spPr>
+        <p:style>
+          <a:lnRef idx="1">
+            <a:schemeClr val="dk1"/>
+          </a:lnRef>
+          <a:fillRef idx="0">
+            <a:schemeClr val="dk1"/>
+          </a:fillRef>
+          <a:effectRef idx="0">
+            <a:schemeClr val="dk1"/>
+          </a:effectRef>
+          <a:fontRef idx="minor">
+            <a:schemeClr val="tx1"/>
+          </a:fontRef>
+        </p:style>
+      </p:cxnSp>
+      <p:sp>
+        <p:nvSpPr>
+          <p:cNvPr id="18" name="TextBox 17">
+            <a:extLst>
+              <a:ext uri="{FF2B5EF4-FFF2-40B4-BE49-F238E27FC236}">
+                <a16:creationId xmlns:a16="http://schemas.microsoft.com/office/drawing/2014/main" id="{4A1105B2-A8CD-4C36-D199-B916DEC414DE}"/>
+              </a:ext>
+            </a:extLst>
+          </p:cNvPr>
+          <p:cNvSpPr txBox="1"/>
+          <p:nvPr/>
+        </p:nvSpPr>
+        <p:spPr>
+          <a:xfrm>
+            <a:off x="3437744" y="2457350"/>
+            <a:ext cx="664577" cy="369332"/>
+          </a:xfrm>
+          <a:prstGeom prst="rect">
+            <a:avLst/>
+          </a:prstGeom>
+          <a:noFill/>
+        </p:spPr>
+        <p:txBody>
+          <a:bodyPr wrap="square">
+            <a:spAutoFit/>
+          </a:bodyPr>
+          <a:lstStyle/>
+          <a:p>
+            <a:r>
+              <a:rPr lang="en-US" altLang="ko-Kore-KR" dirty="0">
+                <a:latin typeface="DM Mono" panose="020B0509040201040103" pitchFamily="49" charset="0"/>
+              </a:rPr>
+              <a:t>p1</a:t>
+            </a:r>
+            <a:endParaRPr lang="ko-Kore-KR" altLang="en-US" dirty="0"/>
+          </a:p>
+        </p:txBody>
+      </p:sp>
+      <p:cxnSp>
+        <p:nvCxnSpPr>
+          <p:cNvPr id="19" name="구부러진 연결선[U] 18">
+            <a:extLst>
+              <a:ext uri="{FF2B5EF4-FFF2-40B4-BE49-F238E27FC236}">
+                <a16:creationId xmlns:a16="http://schemas.microsoft.com/office/drawing/2014/main" id="{264B89E5-2B9E-6600-E27B-93C1A97A2694}"/>
+              </a:ext>
+            </a:extLst>
+          </p:cNvPr>
+          <p:cNvCxnSpPr>
+            <a:cxnSpLocks/>
+            <a:endCxn id="4" idx="0"/>
+          </p:cNvCxnSpPr>
+          <p:nvPr/>
+        </p:nvCxnSpPr>
+        <p:spPr>
+          <a:xfrm flipV="1">
+            <a:off x="2970551" y="1226455"/>
+            <a:ext cx="4109844" cy="17462"/>
+          </a:xfrm>
+          <a:prstGeom prst="curvedConnector4">
+            <a:avLst>
+              <a:gd name="adj1" fmla="val 45957"/>
+              <a:gd name="adj2" fmla="val 1409128"/>
+            </a:avLst>
+          </a:prstGeom>
+          <a:ln w="12700">
+            <a:tailEnd type="triangle"/>
+          </a:ln>
+        </p:spPr>
+        <p:style>
+          <a:lnRef idx="1">
+            <a:schemeClr val="dk1"/>
+          </a:lnRef>
+          <a:fillRef idx="0">
+            <a:schemeClr val="dk1"/>
+          </a:fillRef>
+          <a:effectRef idx="0">
+            <a:schemeClr val="dk1"/>
+          </a:effectRef>
+          <a:fontRef idx="minor">
+            <a:schemeClr val="tx1"/>
+          </a:fontRef>
+        </p:style>
+      </p:cxnSp>
+      <p:sp>
+        <p:nvSpPr>
+          <p:cNvPr id="20" name="TextBox 19">
+            <a:extLst>
+              <a:ext uri="{FF2B5EF4-FFF2-40B4-BE49-F238E27FC236}">
+                <a16:creationId xmlns:a16="http://schemas.microsoft.com/office/drawing/2014/main" id="{20992B8C-8C97-6A9B-5955-E7D215628661}"/>
+              </a:ext>
+            </a:extLst>
+          </p:cNvPr>
+          <p:cNvSpPr txBox="1"/>
+          <p:nvPr/>
+        </p:nvSpPr>
+        <p:spPr>
+          <a:xfrm>
+            <a:off x="2585803" y="1058001"/>
+            <a:ext cx="664577" cy="369332"/>
+          </a:xfrm>
+          <a:prstGeom prst="rect">
+            <a:avLst/>
+          </a:prstGeom>
+          <a:noFill/>
+        </p:spPr>
+        <p:txBody>
+          <a:bodyPr wrap="square">
+            <a:spAutoFit/>
+          </a:bodyPr>
+          <a:lstStyle/>
+          <a:p>
+            <a:r>
+              <a:rPr lang="en-US" altLang="ko-Kore-KR" dirty="0">
+                <a:latin typeface="DM Mono" panose="020B0509040201040103" pitchFamily="49" charset="0"/>
+              </a:rPr>
+              <a:t>p2</a:t>
+            </a:r>
+            <a:endParaRPr lang="ko-Kore-KR" altLang="en-US" dirty="0"/>
+          </a:p>
+        </p:txBody>
+      </p:sp>
+    </p:spTree>
+    <p:extLst>
+      <p:ext uri="{BB962C8B-B14F-4D97-AF65-F5344CB8AC3E}">
+        <p14:creationId xmlns:p14="http://schemas.microsoft.com/office/powerpoint/2010/main" val="972186349"/>
+      </p:ext>
+    </p:extLst>
+  </p:cSld>
+  <p:clrMapOvr>
+    <a:masterClrMapping/>
+  </p:clrMapOvr>
+</p:sld>
+</file>
+
+<file path=ppt/slides/slide37.xml><?xml version="1.0" encoding="utf-8"?>
+<p:sld xmlns:a="http://schemas.openxmlformats.org/drawingml/2006/main" xmlns:r="http://schemas.openxmlformats.org/officeDocument/2006/relationships" xmlns:p="http://schemas.openxmlformats.org/presentationml/2006/main">
+  <p:cSld>
+    <p:spTree>
+      <p:nvGrpSpPr>
+        <p:cNvPr id="1" name=""/>
+        <p:cNvGrpSpPr/>
+        <p:nvPr/>
+      </p:nvGrpSpPr>
+      <p:grpSpPr>
+        <a:xfrm>
+          <a:off x="0" y="0"/>
+          <a:ext cx="0" cy="0"/>
+          <a:chOff x="0" y="0"/>
+          <a:chExt cx="0" cy="0"/>
+        </a:xfrm>
+      </p:grpSpPr>
+      <p:sp>
+        <p:nvSpPr>
+          <p:cNvPr id="4" name="직사각형 3">
+            <a:extLst>
+              <a:ext uri="{FF2B5EF4-FFF2-40B4-BE49-F238E27FC236}">
+                <a16:creationId xmlns:a16="http://schemas.microsoft.com/office/drawing/2014/main" id="{1C3ECA7A-247B-07DD-3775-D45944E10AA0}"/>
+              </a:ext>
+            </a:extLst>
+          </p:cNvPr>
+          <p:cNvSpPr/>
+          <p:nvPr/>
+        </p:nvSpPr>
+        <p:spPr>
+          <a:xfrm>
+            <a:off x="6748106" y="1226455"/>
+            <a:ext cx="664577" cy="355953"/>
+          </a:xfrm>
+          <a:prstGeom prst="rect">
+            <a:avLst/>
+          </a:prstGeom>
+          <a:solidFill>
+            <a:srgbClr val="FFFF00"/>
+          </a:solidFill>
+        </p:spPr>
+        <p:style>
+          <a:lnRef idx="2">
+            <a:schemeClr val="accent1">
+              <a:shade val="50000"/>
+            </a:schemeClr>
+          </a:lnRef>
+          <a:fillRef idx="1">
+            <a:schemeClr val="accent1"/>
+          </a:fillRef>
+          <a:effectRef idx="0">
+            <a:schemeClr val="accent1"/>
+          </a:effectRef>
+          <a:fontRef idx="minor">
+            <a:schemeClr val="lt1"/>
+          </a:fontRef>
+        </p:style>
+        <p:txBody>
+          <a:bodyPr rtlCol="0" anchor="ctr"/>
+          <a:lstStyle/>
+          <a:p>
+            <a:pPr algn="ctr"/>
+            <a:endParaRPr kumimoji="1" lang="ko-Kore-KR" altLang="en-US" dirty="0">
+              <a:solidFill>
+                <a:schemeClr val="tx1"/>
+              </a:solidFill>
+              <a:latin typeface="DM Mono" panose="020B0509040201040103" pitchFamily="49" charset="0"/>
+            </a:endParaRPr>
+          </a:p>
+        </p:txBody>
+      </p:sp>
+      <p:sp>
+        <p:nvSpPr>
+          <p:cNvPr id="5" name="TextBox 4">
+            <a:extLst>
+              <a:ext uri="{FF2B5EF4-FFF2-40B4-BE49-F238E27FC236}">
+                <a16:creationId xmlns:a16="http://schemas.microsoft.com/office/drawing/2014/main" id="{2EE5D61E-BF13-5C3E-14DA-34A32377E2F6}"/>
+              </a:ext>
+            </a:extLst>
+          </p:cNvPr>
+          <p:cNvSpPr txBox="1"/>
+          <p:nvPr/>
+        </p:nvSpPr>
+        <p:spPr>
+          <a:xfrm>
+            <a:off x="5722375" y="1227705"/>
+            <a:ext cx="1025730" cy="369332"/>
+          </a:xfrm>
+          <a:prstGeom prst="rect">
+            <a:avLst/>
+          </a:prstGeom>
+          <a:noFill/>
+        </p:spPr>
+        <p:txBody>
+          <a:bodyPr wrap="square">
+            <a:spAutoFit/>
+          </a:bodyPr>
+          <a:lstStyle/>
+          <a:p>
+            <a:pPr algn="r"/>
+            <a:r>
+              <a:rPr lang="en-US" altLang="ko-Kore-KR" dirty="0">
+                <a:latin typeface="DM Mono" panose="020B0509040201040103" pitchFamily="49" charset="0"/>
+              </a:rPr>
+              <a:t>next</a:t>
+            </a:r>
+            <a:endParaRPr lang="ko-Kore-KR" altLang="en-US" dirty="0"/>
+          </a:p>
+        </p:txBody>
+      </p:sp>
+      <p:sp>
+        <p:nvSpPr>
+          <p:cNvPr id="6" name="직사각형 5">
+            <a:extLst>
+              <a:ext uri="{FF2B5EF4-FFF2-40B4-BE49-F238E27FC236}">
+                <a16:creationId xmlns:a16="http://schemas.microsoft.com/office/drawing/2014/main" id="{4075DA5A-3370-115A-694C-89D5E576483A}"/>
+              </a:ext>
+            </a:extLst>
+          </p:cNvPr>
+          <p:cNvSpPr/>
+          <p:nvPr/>
+        </p:nvSpPr>
+        <p:spPr>
+          <a:xfrm>
+            <a:off x="6748105" y="1575651"/>
+            <a:ext cx="664577" cy="355953"/>
+          </a:xfrm>
+          <a:prstGeom prst="rect">
+            <a:avLst/>
+          </a:prstGeom>
+          <a:solidFill>
+            <a:srgbClr val="FFFF00"/>
+          </a:solidFill>
+        </p:spPr>
+        <p:style>
+          <a:lnRef idx="2">
+            <a:schemeClr val="accent1">
+              <a:shade val="50000"/>
+            </a:schemeClr>
+          </a:lnRef>
+          <a:fillRef idx="1">
+            <a:schemeClr val="accent1"/>
+          </a:fillRef>
+          <a:effectRef idx="0">
+            <a:schemeClr val="accent1"/>
+          </a:effectRef>
+          <a:fontRef idx="minor">
+            <a:schemeClr val="lt1"/>
+          </a:fontRef>
+        </p:style>
+        <p:txBody>
+          <a:bodyPr rtlCol="0" anchor="ctr"/>
+          <a:lstStyle/>
+          <a:p>
+            <a:pPr algn="ctr"/>
+            <a:r>
+              <a:rPr kumimoji="1" lang="en-US" altLang="ko-Kore-KR" dirty="0">
+                <a:solidFill>
+                  <a:schemeClr val="tx1"/>
+                </a:solidFill>
+                <a:latin typeface="DM Mono" panose="020B0509040201040103" pitchFamily="49" charset="0"/>
+              </a:rPr>
+              <a:t>1</a:t>
+            </a:r>
+            <a:endParaRPr kumimoji="1" lang="ko-Kore-KR" altLang="en-US" dirty="0">
+              <a:solidFill>
+                <a:schemeClr val="tx1"/>
+              </a:solidFill>
+              <a:latin typeface="DM Mono" panose="020B0509040201040103" pitchFamily="49" charset="0"/>
+            </a:endParaRPr>
+          </a:p>
+        </p:txBody>
+      </p:sp>
+      <p:sp>
+        <p:nvSpPr>
+          <p:cNvPr id="7" name="TextBox 6">
+            <a:extLst>
+              <a:ext uri="{FF2B5EF4-FFF2-40B4-BE49-F238E27FC236}">
+                <a16:creationId xmlns:a16="http://schemas.microsoft.com/office/drawing/2014/main" id="{70B6144F-8B8E-EF8D-65BC-FA73F9AFD635}"/>
+              </a:ext>
+            </a:extLst>
+          </p:cNvPr>
+          <p:cNvSpPr txBox="1"/>
+          <p:nvPr/>
+        </p:nvSpPr>
+        <p:spPr>
+          <a:xfrm>
+            <a:off x="5722374" y="1569843"/>
+            <a:ext cx="1025730" cy="369332"/>
+          </a:xfrm>
+          <a:prstGeom prst="rect">
+            <a:avLst/>
+          </a:prstGeom>
+          <a:noFill/>
+        </p:spPr>
+        <p:txBody>
+          <a:bodyPr wrap="square">
+            <a:spAutoFit/>
+          </a:bodyPr>
+          <a:lstStyle/>
+          <a:p>
+            <a:pPr algn="r"/>
+            <a:r>
+              <a:rPr lang="en-US" altLang="ko-Kore-KR" dirty="0">
+                <a:latin typeface="DM Mono" panose="020B0509040201040103" pitchFamily="49" charset="0"/>
+              </a:rPr>
+              <a:t>ref</a:t>
+            </a:r>
+            <a:endParaRPr lang="ko-Kore-KR" altLang="en-US" dirty="0"/>
+          </a:p>
+        </p:txBody>
+      </p:sp>
+      <p:sp>
+        <p:nvSpPr>
+          <p:cNvPr id="8" name="직사각형 7">
+            <a:extLst>
+              <a:ext uri="{FF2B5EF4-FFF2-40B4-BE49-F238E27FC236}">
+                <a16:creationId xmlns:a16="http://schemas.microsoft.com/office/drawing/2014/main" id="{0FE67A7A-BB57-EA6F-72DB-5CA89E5D28E1}"/>
+              </a:ext>
+            </a:extLst>
+          </p:cNvPr>
+          <p:cNvSpPr/>
+          <p:nvPr/>
+        </p:nvSpPr>
+        <p:spPr>
+          <a:xfrm>
+            <a:off x="6748105" y="3399731"/>
+            <a:ext cx="664577" cy="355953"/>
+          </a:xfrm>
+          <a:prstGeom prst="rect">
+            <a:avLst/>
+          </a:prstGeom>
+          <a:solidFill>
+            <a:srgbClr val="FFFF00"/>
+          </a:solidFill>
+        </p:spPr>
+        <p:style>
+          <a:lnRef idx="2">
+            <a:schemeClr val="accent1">
+              <a:shade val="50000"/>
+            </a:schemeClr>
+          </a:lnRef>
+          <a:fillRef idx="1">
+            <a:schemeClr val="accent1"/>
+          </a:fillRef>
+          <a:effectRef idx="0">
+            <a:schemeClr val="accent1"/>
+          </a:effectRef>
+          <a:fontRef idx="minor">
+            <a:schemeClr val="lt1"/>
+          </a:fontRef>
+        </p:style>
+        <p:txBody>
+          <a:bodyPr rtlCol="0" anchor="ctr"/>
+          <a:lstStyle/>
+          <a:p>
+            <a:pPr algn="ctr"/>
+            <a:endParaRPr kumimoji="1" lang="ko-Kore-KR" altLang="en-US" dirty="0">
+              <a:solidFill>
+                <a:schemeClr val="tx1"/>
+              </a:solidFill>
+              <a:latin typeface="DM Mono" panose="020B0509040201040103" pitchFamily="49" charset="0"/>
+            </a:endParaRPr>
+          </a:p>
+        </p:txBody>
+      </p:sp>
+      <p:sp>
+        <p:nvSpPr>
+          <p:cNvPr id="9" name="TextBox 8">
+            <a:extLst>
+              <a:ext uri="{FF2B5EF4-FFF2-40B4-BE49-F238E27FC236}">
+                <a16:creationId xmlns:a16="http://schemas.microsoft.com/office/drawing/2014/main" id="{F230229D-D593-F5F5-AF87-C71884393372}"/>
+              </a:ext>
+            </a:extLst>
+          </p:cNvPr>
+          <p:cNvSpPr txBox="1"/>
+          <p:nvPr/>
+        </p:nvSpPr>
+        <p:spPr>
+          <a:xfrm>
+            <a:off x="5722374" y="3400981"/>
+            <a:ext cx="1025730" cy="369332"/>
+          </a:xfrm>
+          <a:prstGeom prst="rect">
+            <a:avLst/>
+          </a:prstGeom>
+          <a:noFill/>
+        </p:spPr>
+        <p:txBody>
+          <a:bodyPr wrap="square">
+            <a:spAutoFit/>
+          </a:bodyPr>
+          <a:lstStyle/>
+          <a:p>
+            <a:pPr algn="r"/>
+            <a:r>
+              <a:rPr lang="en-US" altLang="ko-Kore-KR" dirty="0">
+                <a:latin typeface="DM Mono" panose="020B0509040201040103" pitchFamily="49" charset="0"/>
+              </a:rPr>
+              <a:t>next</a:t>
+            </a:r>
+            <a:endParaRPr lang="ko-Kore-KR" altLang="en-US" dirty="0"/>
+          </a:p>
+        </p:txBody>
+      </p:sp>
+      <p:sp>
+        <p:nvSpPr>
+          <p:cNvPr id="10" name="직사각형 9">
+            <a:extLst>
+              <a:ext uri="{FF2B5EF4-FFF2-40B4-BE49-F238E27FC236}">
+                <a16:creationId xmlns:a16="http://schemas.microsoft.com/office/drawing/2014/main" id="{EAC73AF5-8E62-929B-59F7-3007E0A7277E}"/>
+              </a:ext>
+            </a:extLst>
+          </p:cNvPr>
+          <p:cNvSpPr/>
+          <p:nvPr/>
+        </p:nvSpPr>
+        <p:spPr>
+          <a:xfrm>
+            <a:off x="6748104" y="3748927"/>
+            <a:ext cx="664577" cy="355953"/>
+          </a:xfrm>
+          <a:prstGeom prst="rect">
+            <a:avLst/>
+          </a:prstGeom>
+          <a:solidFill>
+            <a:srgbClr val="FFFF00"/>
+          </a:solidFill>
+        </p:spPr>
+        <p:style>
+          <a:lnRef idx="2">
+            <a:schemeClr val="accent1">
+              <a:shade val="50000"/>
+            </a:schemeClr>
+          </a:lnRef>
+          <a:fillRef idx="1">
+            <a:schemeClr val="accent1"/>
+          </a:fillRef>
+          <a:effectRef idx="0">
+            <a:schemeClr val="accent1"/>
+          </a:effectRef>
+          <a:fontRef idx="minor">
+            <a:schemeClr val="lt1"/>
+          </a:fontRef>
+        </p:style>
+        <p:txBody>
+          <a:bodyPr rtlCol="0" anchor="ctr"/>
+          <a:lstStyle/>
+          <a:p>
+            <a:pPr algn="ctr"/>
+            <a:r>
+              <a:rPr kumimoji="1" lang="en-US" altLang="ko-Kore-KR" dirty="0">
+                <a:solidFill>
+                  <a:schemeClr val="tx1"/>
+                </a:solidFill>
+                <a:latin typeface="DM Mono" panose="020B0509040201040103" pitchFamily="49" charset="0"/>
+              </a:rPr>
+              <a:t>1</a:t>
+            </a:r>
+            <a:endParaRPr kumimoji="1" lang="ko-Kore-KR" altLang="en-US" dirty="0">
+              <a:solidFill>
+                <a:schemeClr val="tx1"/>
+              </a:solidFill>
+              <a:latin typeface="DM Mono" panose="020B0509040201040103" pitchFamily="49" charset="0"/>
+            </a:endParaRPr>
+          </a:p>
+        </p:txBody>
+      </p:sp>
+      <p:sp>
+        <p:nvSpPr>
+          <p:cNvPr id="11" name="TextBox 10">
+            <a:extLst>
+              <a:ext uri="{FF2B5EF4-FFF2-40B4-BE49-F238E27FC236}">
+                <a16:creationId xmlns:a16="http://schemas.microsoft.com/office/drawing/2014/main" id="{D98528F2-085D-44CF-D671-F4815F1DC041}"/>
+              </a:ext>
+            </a:extLst>
+          </p:cNvPr>
+          <p:cNvSpPr txBox="1"/>
+          <p:nvPr/>
+        </p:nvSpPr>
+        <p:spPr>
+          <a:xfrm>
+            <a:off x="5722373" y="3743119"/>
+            <a:ext cx="1025730" cy="369332"/>
+          </a:xfrm>
+          <a:prstGeom prst="rect">
+            <a:avLst/>
+          </a:prstGeom>
+          <a:noFill/>
+        </p:spPr>
+        <p:txBody>
+          <a:bodyPr wrap="square">
+            <a:spAutoFit/>
+          </a:bodyPr>
+          <a:lstStyle/>
+          <a:p>
+            <a:pPr algn="r"/>
+            <a:r>
+              <a:rPr lang="en-US" altLang="ko-Kore-KR" dirty="0">
+                <a:latin typeface="DM Mono" panose="020B0509040201040103" pitchFamily="49" charset="0"/>
+              </a:rPr>
+              <a:t>ref</a:t>
+            </a:r>
+            <a:endParaRPr lang="ko-Kore-KR" altLang="en-US" dirty="0"/>
+          </a:p>
+        </p:txBody>
+      </p:sp>
+      <p:cxnSp>
+        <p:nvCxnSpPr>
+          <p:cNvPr id="13" name="구부러진 연결선[U] 12">
+            <a:extLst>
+              <a:ext uri="{FF2B5EF4-FFF2-40B4-BE49-F238E27FC236}">
+                <a16:creationId xmlns:a16="http://schemas.microsoft.com/office/drawing/2014/main" id="{9810B883-F6E7-3AAB-6671-B6C6DD13C19A}"/>
+              </a:ext>
+            </a:extLst>
+          </p:cNvPr>
+          <p:cNvCxnSpPr>
+            <a:cxnSpLocks/>
+            <a:stCxn id="4" idx="3"/>
+            <a:endCxn id="8" idx="0"/>
+          </p:cNvCxnSpPr>
+          <p:nvPr/>
+        </p:nvCxnSpPr>
+        <p:spPr>
+          <a:xfrm flipH="1">
+            <a:off x="7080394" y="1404432"/>
+            <a:ext cx="332289" cy="1995299"/>
+          </a:xfrm>
+          <a:prstGeom prst="curvedConnector4">
+            <a:avLst>
+              <a:gd name="adj1" fmla="val -68796"/>
+              <a:gd name="adj2" fmla="val 47949"/>
+            </a:avLst>
+          </a:prstGeom>
+          <a:ln w="12700">
+            <a:tailEnd type="triangle"/>
+          </a:ln>
+        </p:spPr>
+        <p:style>
+          <a:lnRef idx="1">
+            <a:schemeClr val="dk1"/>
+          </a:lnRef>
+          <a:fillRef idx="0">
+            <a:schemeClr val="dk1"/>
+          </a:fillRef>
+          <a:effectRef idx="0">
+            <a:schemeClr val="dk1"/>
+          </a:effectRef>
+          <a:fontRef idx="minor">
+            <a:schemeClr val="tx1"/>
+          </a:fontRef>
+        </p:style>
+      </p:cxnSp>
+      <p:cxnSp>
+        <p:nvCxnSpPr>
+          <p:cNvPr id="12" name="구부러진 연결선[U] 11">
+            <a:extLst>
+              <a:ext uri="{FF2B5EF4-FFF2-40B4-BE49-F238E27FC236}">
+                <a16:creationId xmlns:a16="http://schemas.microsoft.com/office/drawing/2014/main" id="{7157D93A-C893-2453-4622-70ECEE03F81A}"/>
+              </a:ext>
+            </a:extLst>
+          </p:cNvPr>
+          <p:cNvCxnSpPr>
+            <a:cxnSpLocks/>
+            <a:stCxn id="8" idx="3"/>
+            <a:endCxn id="4" idx="0"/>
+          </p:cNvCxnSpPr>
+          <p:nvPr/>
+        </p:nvCxnSpPr>
+        <p:spPr>
+          <a:xfrm flipH="1" flipV="1">
+            <a:off x="7080395" y="1226455"/>
+            <a:ext cx="332287" cy="2351253"/>
+          </a:xfrm>
+          <a:prstGeom prst="curvedConnector4">
+            <a:avLst>
+              <a:gd name="adj1" fmla="val -363528"/>
+              <a:gd name="adj2" fmla="val 109722"/>
+            </a:avLst>
+          </a:prstGeom>
+          <a:ln w="12700">
+            <a:tailEnd type="triangle"/>
+          </a:ln>
+        </p:spPr>
+        <p:style>
+          <a:lnRef idx="1">
+            <a:schemeClr val="dk1"/>
+          </a:lnRef>
+          <a:fillRef idx="0">
+            <a:schemeClr val="dk1"/>
+          </a:fillRef>
+          <a:effectRef idx="0">
+            <a:schemeClr val="dk1"/>
+          </a:effectRef>
+          <a:fontRef idx="minor">
+            <a:schemeClr val="tx1"/>
+          </a:fontRef>
+        </p:style>
+      </p:cxnSp>
+    </p:spTree>
+    <p:extLst>
+      <p:ext uri="{BB962C8B-B14F-4D97-AF65-F5344CB8AC3E}">
+        <p14:creationId xmlns:p14="http://schemas.microsoft.com/office/powerpoint/2010/main" val="1417942778"/>
+      </p:ext>
+    </p:extLst>
+  </p:cSld>
+  <p:clrMapOvr>
+    <a:masterClrMapping/>
+  </p:clrMapOvr>
+</p:sld>
+</file>
+
+<file path=ppt/slides/slide38.xml><?xml version="1.0" encoding="utf-8"?>
+<p:sld xmlns:a="http://schemas.openxmlformats.org/drawingml/2006/main" xmlns:r="http://schemas.openxmlformats.org/officeDocument/2006/relationships" xmlns:p="http://schemas.openxmlformats.org/presentationml/2006/main">
+  <p:cSld>
+    <p:spTree>
+      <p:nvGrpSpPr>
+        <p:cNvPr id="1" name=""/>
+        <p:cNvGrpSpPr/>
+        <p:nvPr/>
+      </p:nvGrpSpPr>
+      <p:grpSpPr>
+        <a:xfrm>
+          <a:off x="0" y="0"/>
+          <a:ext cx="0" cy="0"/>
+          <a:chOff x="0" y="0"/>
+          <a:chExt cx="0" cy="0"/>
+        </a:xfrm>
+      </p:grpSpPr>
+      <p:sp>
+        <p:nvSpPr>
+          <p:cNvPr id="5" name="TextBox 4">
+            <a:extLst>
+              <a:ext uri="{FF2B5EF4-FFF2-40B4-BE49-F238E27FC236}">
+                <a16:creationId xmlns:a16="http://schemas.microsoft.com/office/drawing/2014/main" id="{0D324113-EB8D-DC5C-7F9E-AC6EE8276F49}"/>
+              </a:ext>
+            </a:extLst>
+          </p:cNvPr>
+          <p:cNvSpPr txBox="1"/>
+          <p:nvPr/>
+        </p:nvSpPr>
+        <p:spPr>
+          <a:xfrm>
+            <a:off x="394741" y="209492"/>
+            <a:ext cx="2883108" cy="2677656"/>
+          </a:xfrm>
+          <a:prstGeom prst="rect">
+            <a:avLst/>
+          </a:prstGeom>
+          <a:noFill/>
+        </p:spPr>
+        <p:txBody>
+          <a:bodyPr wrap="square">
+            <a:spAutoFit/>
+          </a:bodyPr>
+          <a:lstStyle/>
+          <a:p>
+            <a:r>
+              <a:rPr lang="ko-Kore-KR" altLang="en-US" sz="1400" dirty="0">
+                <a:latin typeface="DM Mono" panose="020B0509040201040103" pitchFamily="49" charset="0"/>
+              </a:rPr>
+              <a:t>class Dog</a:t>
+            </a:r>
+          </a:p>
+          <a:p>
+            <a:r>
+              <a:rPr lang="ko-Kore-KR" altLang="en-US" sz="1400" dirty="0">
+                <a:latin typeface="DM Mono" panose="020B0509040201040103" pitchFamily="49" charset="0"/>
+              </a:rPr>
+              <a:t>{</a:t>
+            </a:r>
+          </a:p>
+          <a:p>
+            <a:r>
+              <a:rPr lang="en-US" altLang="ko-Kore-KR" sz="1400" dirty="0">
+                <a:latin typeface="DM Mono" panose="020B0509040201040103" pitchFamily="49" charset="0"/>
+              </a:rPr>
+              <a:t>  </a:t>
+            </a:r>
+            <a:r>
+              <a:rPr lang="ko-Kore-KR" altLang="en-US" sz="1400" dirty="0">
+                <a:latin typeface="DM Mono" panose="020B0509040201040103" pitchFamily="49" charset="0"/>
+              </a:rPr>
+              <a:t>int age;</a:t>
+            </a:r>
+          </a:p>
+          <a:p>
+            <a:r>
+              <a:rPr lang="ko-Kore-KR" altLang="en-US" sz="1400" dirty="0">
+                <a:latin typeface="DM Mono" panose="020B0509040201040103" pitchFamily="49" charset="0"/>
+              </a:rPr>
+              <a:t>  int color;</a:t>
+            </a:r>
+          </a:p>
+          <a:p>
+            <a:r>
+              <a:rPr lang="ko-Kore-KR" altLang="en-US" sz="1400" dirty="0">
+                <a:latin typeface="DM Mono" panose="020B0509040201040103" pitchFamily="49" charset="0"/>
+              </a:rPr>
+              <a:t>};</a:t>
+            </a:r>
+          </a:p>
+          <a:p>
+            <a:endParaRPr lang="ko-Kore-KR" altLang="en-US" sz="1400" dirty="0">
+              <a:latin typeface="DM Mono" panose="020B0509040201040103" pitchFamily="49" charset="0"/>
+            </a:endParaRPr>
+          </a:p>
+          <a:p>
+            <a:r>
+              <a:rPr lang="ko-Kore-KR" altLang="en-US" sz="1400" dirty="0">
+                <a:latin typeface="DM Mono" panose="020B0509040201040103" pitchFamily="49" charset="0"/>
+              </a:rPr>
+              <a:t>class Cat</a:t>
+            </a:r>
+          </a:p>
+          <a:p>
+            <a:r>
+              <a:rPr lang="ko-Kore-KR" altLang="en-US" sz="1400" dirty="0">
+                <a:latin typeface="DM Mono" panose="020B0509040201040103" pitchFamily="49" charset="0"/>
+              </a:rPr>
+              <a:t>{</a:t>
+            </a:r>
+          </a:p>
+          <a:p>
+            <a:r>
+              <a:rPr lang="en-US" altLang="ko-Kore-KR" sz="1400" dirty="0">
+                <a:latin typeface="DM Mono" panose="020B0509040201040103" pitchFamily="49" charset="0"/>
+              </a:rPr>
+              <a:t>  </a:t>
+            </a:r>
+            <a:r>
+              <a:rPr lang="ko-Kore-KR" altLang="en-US" sz="1400" dirty="0">
+                <a:latin typeface="DM Mono" panose="020B0509040201040103" pitchFamily="49" charset="0"/>
+              </a:rPr>
+              <a:t>int age;</a:t>
+            </a:r>
+          </a:p>
+          <a:p>
+            <a:r>
+              <a:rPr lang="ko-Kore-KR" altLang="en-US" sz="1400" dirty="0">
+                <a:latin typeface="DM Mono" panose="020B0509040201040103" pitchFamily="49" charset="0"/>
+              </a:rPr>
+              <a:t>  int speed;</a:t>
+            </a:r>
+            <a:endParaRPr lang="en-US" altLang="ko-Kore-KR" sz="1400" dirty="0">
+              <a:latin typeface="DM Mono" panose="020B0509040201040103" pitchFamily="49" charset="0"/>
+            </a:endParaRPr>
+          </a:p>
+          <a:p>
+            <a:r>
+              <a:rPr lang="en-US" altLang="ko-Kore-KR" sz="1400" dirty="0">
+                <a:latin typeface="DM Mono" panose="020B0509040201040103" pitchFamily="49" charset="0"/>
+              </a:rPr>
+              <a:t>  string name;</a:t>
+            </a:r>
+            <a:endParaRPr lang="ko-Kore-KR" altLang="en-US" sz="1400" dirty="0">
+              <a:latin typeface="DM Mono" panose="020B0509040201040103" pitchFamily="49" charset="0"/>
+            </a:endParaRPr>
+          </a:p>
+          <a:p>
+            <a:r>
+              <a:rPr lang="ko-Kore-KR" altLang="en-US" sz="1400" dirty="0">
+                <a:latin typeface="DM Mono" panose="020B0509040201040103" pitchFamily="49" charset="0"/>
+              </a:rPr>
+              <a:t>};</a:t>
+            </a:r>
+          </a:p>
+        </p:txBody>
+      </p:sp>
+      <p:sp>
+        <p:nvSpPr>
+          <p:cNvPr id="6" name="직사각형 5">
+            <a:extLst>
+              <a:ext uri="{FF2B5EF4-FFF2-40B4-BE49-F238E27FC236}">
+                <a16:creationId xmlns:a16="http://schemas.microsoft.com/office/drawing/2014/main" id="{66E4E157-DA5D-04B4-2C86-3F5F30CDFE16}"/>
+              </a:ext>
+            </a:extLst>
+          </p:cNvPr>
+          <p:cNvSpPr/>
+          <p:nvPr/>
+        </p:nvSpPr>
+        <p:spPr>
+          <a:xfrm>
+            <a:off x="4969272" y="976320"/>
+            <a:ext cx="664577" cy="355953"/>
+          </a:xfrm>
+          <a:prstGeom prst="rect">
+            <a:avLst/>
+          </a:prstGeom>
+          <a:solidFill>
+            <a:srgbClr val="FFFF00"/>
+          </a:solidFill>
+        </p:spPr>
+        <p:style>
+          <a:lnRef idx="2">
+            <a:schemeClr val="accent1">
+              <a:shade val="50000"/>
+            </a:schemeClr>
+          </a:lnRef>
+          <a:fillRef idx="1">
+            <a:schemeClr val="accent1"/>
+          </a:fillRef>
+          <a:effectRef idx="0">
+            <a:schemeClr val="accent1"/>
+          </a:effectRef>
+          <a:fontRef idx="minor">
+            <a:schemeClr val="lt1"/>
+          </a:fontRef>
+        </p:style>
+        <p:txBody>
+          <a:bodyPr rtlCol="0" anchor="ctr"/>
+          <a:lstStyle/>
+          <a:p>
+            <a:pPr algn="ctr"/>
+            <a:endParaRPr kumimoji="1" lang="ko-Kore-KR" altLang="en-US" dirty="0">
+              <a:solidFill>
+                <a:schemeClr val="tx1"/>
+              </a:solidFill>
+              <a:latin typeface="DM Mono" panose="020B0509040201040103" pitchFamily="49" charset="0"/>
+            </a:endParaRPr>
+          </a:p>
+        </p:txBody>
+      </p:sp>
+      <p:sp>
+        <p:nvSpPr>
+          <p:cNvPr id="7" name="TextBox 6">
+            <a:extLst>
+              <a:ext uri="{FF2B5EF4-FFF2-40B4-BE49-F238E27FC236}">
+                <a16:creationId xmlns:a16="http://schemas.microsoft.com/office/drawing/2014/main" id="{A15ABDDC-90E6-0C1D-8CB4-C4856B8073E9}"/>
+              </a:ext>
+            </a:extLst>
+          </p:cNvPr>
+          <p:cNvSpPr txBox="1"/>
+          <p:nvPr/>
+        </p:nvSpPr>
+        <p:spPr>
+          <a:xfrm>
+            <a:off x="3943541" y="977570"/>
+            <a:ext cx="1025730" cy="369332"/>
+          </a:xfrm>
+          <a:prstGeom prst="rect">
+            <a:avLst/>
+          </a:prstGeom>
+          <a:noFill/>
+        </p:spPr>
+        <p:txBody>
+          <a:bodyPr wrap="square">
+            <a:spAutoFit/>
+          </a:bodyPr>
+          <a:lstStyle/>
+          <a:p>
+            <a:pPr algn="r"/>
+            <a:r>
+              <a:rPr lang="en-US" altLang="ko-Kore-KR" dirty="0">
+                <a:latin typeface="DM Mono" panose="020B0509040201040103" pitchFamily="49" charset="0"/>
+              </a:rPr>
+              <a:t>age</a:t>
+            </a:r>
+            <a:endParaRPr lang="ko-Kore-KR" altLang="en-US" dirty="0"/>
+          </a:p>
+        </p:txBody>
+      </p:sp>
+      <p:sp>
+        <p:nvSpPr>
+          <p:cNvPr id="8" name="직사각형 7">
+            <a:extLst>
+              <a:ext uri="{FF2B5EF4-FFF2-40B4-BE49-F238E27FC236}">
+                <a16:creationId xmlns:a16="http://schemas.microsoft.com/office/drawing/2014/main" id="{168100A3-434D-421D-8CFB-3F6B90608002}"/>
+              </a:ext>
+            </a:extLst>
+          </p:cNvPr>
+          <p:cNvSpPr/>
+          <p:nvPr/>
+        </p:nvSpPr>
+        <p:spPr>
+          <a:xfrm>
+            <a:off x="4969271" y="1325516"/>
+            <a:ext cx="664577" cy="355953"/>
+          </a:xfrm>
+          <a:prstGeom prst="rect">
+            <a:avLst/>
+          </a:prstGeom>
+          <a:solidFill>
+            <a:srgbClr val="FFFF00"/>
+          </a:solidFill>
+        </p:spPr>
+        <p:style>
+          <a:lnRef idx="2">
+            <a:schemeClr val="accent1">
+              <a:shade val="50000"/>
+            </a:schemeClr>
+          </a:lnRef>
+          <a:fillRef idx="1">
+            <a:schemeClr val="accent1"/>
+          </a:fillRef>
+          <a:effectRef idx="0">
+            <a:schemeClr val="accent1"/>
+          </a:effectRef>
+          <a:fontRef idx="minor">
+            <a:schemeClr val="lt1"/>
+          </a:fontRef>
+        </p:style>
+        <p:txBody>
+          <a:bodyPr rtlCol="0" anchor="ctr"/>
+          <a:lstStyle/>
+          <a:p>
+            <a:pPr algn="ctr"/>
+            <a:endParaRPr kumimoji="1" lang="ko-Kore-KR" altLang="en-US" dirty="0">
+              <a:solidFill>
+                <a:schemeClr val="tx1"/>
+              </a:solidFill>
+              <a:latin typeface="DM Mono" panose="020B0509040201040103" pitchFamily="49" charset="0"/>
+            </a:endParaRPr>
+          </a:p>
+        </p:txBody>
+      </p:sp>
+      <p:sp>
+        <p:nvSpPr>
+          <p:cNvPr id="9" name="TextBox 8">
+            <a:extLst>
+              <a:ext uri="{FF2B5EF4-FFF2-40B4-BE49-F238E27FC236}">
+                <a16:creationId xmlns:a16="http://schemas.microsoft.com/office/drawing/2014/main" id="{4884F021-71FD-209E-D3A5-A0E592C5D7D7}"/>
+              </a:ext>
+            </a:extLst>
+          </p:cNvPr>
+          <p:cNvSpPr txBox="1"/>
+          <p:nvPr/>
+        </p:nvSpPr>
+        <p:spPr>
+          <a:xfrm>
+            <a:off x="3943540" y="1319708"/>
+            <a:ext cx="1025730" cy="369332"/>
+          </a:xfrm>
+          <a:prstGeom prst="rect">
+            <a:avLst/>
+          </a:prstGeom>
+          <a:noFill/>
+        </p:spPr>
+        <p:txBody>
+          <a:bodyPr wrap="square">
+            <a:spAutoFit/>
+          </a:bodyPr>
+          <a:lstStyle/>
+          <a:p>
+            <a:pPr algn="r"/>
+            <a:r>
+              <a:rPr lang="en-US" altLang="ko-Kore-KR" dirty="0">
+                <a:latin typeface="DM Mono" panose="020B0509040201040103" pitchFamily="49" charset="0"/>
+              </a:rPr>
+              <a:t>color</a:t>
+            </a:r>
+            <a:endParaRPr lang="ko-Kore-KR" altLang="en-US" dirty="0"/>
+          </a:p>
+        </p:txBody>
+      </p:sp>
+      <p:sp>
+        <p:nvSpPr>
+          <p:cNvPr id="11" name="TextBox 10">
+            <a:extLst>
+              <a:ext uri="{FF2B5EF4-FFF2-40B4-BE49-F238E27FC236}">
+                <a16:creationId xmlns:a16="http://schemas.microsoft.com/office/drawing/2014/main" id="{07A3FBD6-7AEB-BD90-B486-306DF6E87DE5}"/>
+              </a:ext>
+            </a:extLst>
+          </p:cNvPr>
+          <p:cNvSpPr txBox="1"/>
+          <p:nvPr/>
+        </p:nvSpPr>
+        <p:spPr>
+          <a:xfrm>
+            <a:off x="4992989" y="585015"/>
+            <a:ext cx="617140" cy="369332"/>
+          </a:xfrm>
+          <a:prstGeom prst="rect">
+            <a:avLst/>
+          </a:prstGeom>
+          <a:noFill/>
+        </p:spPr>
+        <p:txBody>
+          <a:bodyPr wrap="square">
+            <a:spAutoFit/>
+          </a:bodyPr>
+          <a:lstStyle/>
+          <a:p>
+            <a:pPr algn="ctr"/>
+            <a:r>
+              <a:rPr lang="ko-Kore-KR" altLang="en-US" dirty="0">
+                <a:latin typeface="DM Mono" panose="020B0509040201040103" pitchFamily="49" charset="0"/>
+              </a:rPr>
+              <a:t>Dog</a:t>
+            </a:r>
+            <a:endParaRPr lang="ko-Kore-KR" altLang="en-US" dirty="0"/>
+          </a:p>
+        </p:txBody>
+      </p:sp>
+      <p:sp>
+        <p:nvSpPr>
+          <p:cNvPr id="12" name="직사각형 11">
+            <a:extLst>
+              <a:ext uri="{FF2B5EF4-FFF2-40B4-BE49-F238E27FC236}">
+                <a16:creationId xmlns:a16="http://schemas.microsoft.com/office/drawing/2014/main" id="{7A4FF2E9-A79C-3B3E-8FA3-9581AD40E258}"/>
+              </a:ext>
+            </a:extLst>
+          </p:cNvPr>
+          <p:cNvSpPr/>
+          <p:nvPr/>
+        </p:nvSpPr>
+        <p:spPr>
+          <a:xfrm>
+            <a:off x="7530091" y="883881"/>
+            <a:ext cx="664577" cy="355953"/>
+          </a:xfrm>
+          <a:prstGeom prst="rect">
+            <a:avLst/>
+          </a:prstGeom>
+          <a:solidFill>
+            <a:srgbClr val="FFFF00"/>
+          </a:solidFill>
+        </p:spPr>
+        <p:style>
+          <a:lnRef idx="2">
+            <a:schemeClr val="accent1">
+              <a:shade val="50000"/>
+            </a:schemeClr>
+          </a:lnRef>
+          <a:fillRef idx="1">
+            <a:schemeClr val="accent1"/>
+          </a:fillRef>
+          <a:effectRef idx="0">
+            <a:schemeClr val="accent1"/>
+          </a:effectRef>
+          <a:fontRef idx="minor">
+            <a:schemeClr val="lt1"/>
+          </a:fontRef>
+        </p:style>
+        <p:txBody>
+          <a:bodyPr rtlCol="0" anchor="ctr"/>
+          <a:lstStyle/>
+          <a:p>
+            <a:pPr algn="ctr"/>
+            <a:endParaRPr kumimoji="1" lang="ko-Kore-KR" altLang="en-US" dirty="0">
+              <a:solidFill>
+                <a:schemeClr val="tx1"/>
+              </a:solidFill>
+              <a:latin typeface="DM Mono" panose="020B0509040201040103" pitchFamily="49" charset="0"/>
+            </a:endParaRPr>
+          </a:p>
+        </p:txBody>
+      </p:sp>
+      <p:sp>
+        <p:nvSpPr>
+          <p:cNvPr id="13" name="TextBox 12">
+            <a:extLst>
+              <a:ext uri="{FF2B5EF4-FFF2-40B4-BE49-F238E27FC236}">
+                <a16:creationId xmlns:a16="http://schemas.microsoft.com/office/drawing/2014/main" id="{D4A970D3-5062-F5FD-DD28-70F4F9E548C8}"/>
+              </a:ext>
+            </a:extLst>
+          </p:cNvPr>
+          <p:cNvSpPr txBox="1"/>
+          <p:nvPr/>
+        </p:nvSpPr>
+        <p:spPr>
+          <a:xfrm>
+            <a:off x="6504360" y="885131"/>
+            <a:ext cx="1025730" cy="369332"/>
+          </a:xfrm>
+          <a:prstGeom prst="rect">
+            <a:avLst/>
+          </a:prstGeom>
+          <a:noFill/>
+        </p:spPr>
+        <p:txBody>
+          <a:bodyPr wrap="square">
+            <a:spAutoFit/>
+          </a:bodyPr>
+          <a:lstStyle/>
+          <a:p>
+            <a:pPr algn="r"/>
+            <a:r>
+              <a:rPr lang="en-US" altLang="ko-Kore-KR" dirty="0">
+                <a:latin typeface="DM Mono" panose="020B0509040201040103" pitchFamily="49" charset="0"/>
+              </a:rPr>
+              <a:t>age</a:t>
+            </a:r>
+            <a:endParaRPr lang="ko-Kore-KR" altLang="en-US" dirty="0"/>
+          </a:p>
+        </p:txBody>
+      </p:sp>
+      <p:sp>
+        <p:nvSpPr>
+          <p:cNvPr id="14" name="직사각형 13">
+            <a:extLst>
+              <a:ext uri="{FF2B5EF4-FFF2-40B4-BE49-F238E27FC236}">
+                <a16:creationId xmlns:a16="http://schemas.microsoft.com/office/drawing/2014/main" id="{2A6757F7-9D32-FBA5-4678-C92D3DD42E38}"/>
+              </a:ext>
+            </a:extLst>
+          </p:cNvPr>
+          <p:cNvSpPr/>
+          <p:nvPr/>
+        </p:nvSpPr>
+        <p:spPr>
+          <a:xfrm>
+            <a:off x="7530090" y="1233077"/>
+            <a:ext cx="664577" cy="355953"/>
+          </a:xfrm>
+          <a:prstGeom prst="rect">
+            <a:avLst/>
+          </a:prstGeom>
+          <a:solidFill>
+            <a:srgbClr val="FFFF00"/>
+          </a:solidFill>
+        </p:spPr>
+        <p:style>
+          <a:lnRef idx="2">
+            <a:schemeClr val="accent1">
+              <a:shade val="50000"/>
+            </a:schemeClr>
+          </a:lnRef>
+          <a:fillRef idx="1">
+            <a:schemeClr val="accent1"/>
+          </a:fillRef>
+          <a:effectRef idx="0">
+            <a:schemeClr val="accent1"/>
+          </a:effectRef>
+          <a:fontRef idx="minor">
+            <a:schemeClr val="lt1"/>
+          </a:fontRef>
+        </p:style>
+        <p:txBody>
+          <a:bodyPr rtlCol="0" anchor="ctr"/>
+          <a:lstStyle/>
+          <a:p>
+            <a:pPr algn="ctr"/>
+            <a:endParaRPr kumimoji="1" lang="ko-Kore-KR" altLang="en-US" dirty="0">
+              <a:solidFill>
+                <a:schemeClr val="tx1"/>
+              </a:solidFill>
+              <a:latin typeface="DM Mono" panose="020B0509040201040103" pitchFamily="49" charset="0"/>
+            </a:endParaRPr>
+          </a:p>
+        </p:txBody>
+      </p:sp>
+      <p:sp>
+        <p:nvSpPr>
+          <p:cNvPr id="15" name="TextBox 14">
+            <a:extLst>
+              <a:ext uri="{FF2B5EF4-FFF2-40B4-BE49-F238E27FC236}">
+                <a16:creationId xmlns:a16="http://schemas.microsoft.com/office/drawing/2014/main" id="{B0F0C345-24BC-926B-84E5-F8FED178492F}"/>
+              </a:ext>
+            </a:extLst>
+          </p:cNvPr>
+          <p:cNvSpPr txBox="1"/>
+          <p:nvPr/>
+        </p:nvSpPr>
+        <p:spPr>
+          <a:xfrm>
+            <a:off x="6504359" y="1227269"/>
+            <a:ext cx="1025730" cy="369332"/>
+          </a:xfrm>
+          <a:prstGeom prst="rect">
+            <a:avLst/>
+          </a:prstGeom>
+          <a:noFill/>
+        </p:spPr>
+        <p:txBody>
+          <a:bodyPr wrap="square">
+            <a:spAutoFit/>
+          </a:bodyPr>
+          <a:lstStyle/>
+          <a:p>
+            <a:pPr algn="r"/>
+            <a:r>
+              <a:rPr lang="en-US" altLang="ko-Kore-KR" dirty="0">
+                <a:latin typeface="DM Mono" panose="020B0509040201040103" pitchFamily="49" charset="0"/>
+              </a:rPr>
+              <a:t>speed</a:t>
+            </a:r>
+            <a:endParaRPr lang="ko-Kore-KR" altLang="en-US" dirty="0"/>
+          </a:p>
+        </p:txBody>
+      </p:sp>
+      <p:sp>
+        <p:nvSpPr>
+          <p:cNvPr id="16" name="TextBox 15">
+            <a:extLst>
+              <a:ext uri="{FF2B5EF4-FFF2-40B4-BE49-F238E27FC236}">
+                <a16:creationId xmlns:a16="http://schemas.microsoft.com/office/drawing/2014/main" id="{22FCDC74-2108-AABB-F95E-14AF20D8712C}"/>
+              </a:ext>
+            </a:extLst>
+          </p:cNvPr>
+          <p:cNvSpPr txBox="1"/>
+          <p:nvPr/>
+        </p:nvSpPr>
+        <p:spPr>
+          <a:xfrm>
+            <a:off x="7553808" y="492576"/>
+            <a:ext cx="617140" cy="369332"/>
+          </a:xfrm>
+          <a:prstGeom prst="rect">
+            <a:avLst/>
+          </a:prstGeom>
+          <a:noFill/>
+        </p:spPr>
+        <p:txBody>
+          <a:bodyPr wrap="square">
+            <a:spAutoFit/>
+          </a:bodyPr>
+          <a:lstStyle/>
+          <a:p>
+            <a:pPr algn="ctr"/>
+            <a:r>
+              <a:rPr lang="en-US" altLang="ko-Kore-KR" dirty="0">
+                <a:latin typeface="DM Mono" panose="020B0509040201040103" pitchFamily="49" charset="0"/>
+              </a:rPr>
+              <a:t>Cat</a:t>
+            </a:r>
+            <a:endParaRPr lang="ko-Kore-KR" altLang="en-US" dirty="0"/>
+          </a:p>
+        </p:txBody>
+      </p:sp>
+      <p:sp>
+        <p:nvSpPr>
+          <p:cNvPr id="17" name="직사각형 16">
+            <a:extLst>
+              <a:ext uri="{FF2B5EF4-FFF2-40B4-BE49-F238E27FC236}">
+                <a16:creationId xmlns:a16="http://schemas.microsoft.com/office/drawing/2014/main" id="{BCC58AE5-3570-7779-03CC-7DE77FD8F8DF}"/>
+              </a:ext>
+            </a:extLst>
+          </p:cNvPr>
+          <p:cNvSpPr/>
+          <p:nvPr/>
+        </p:nvSpPr>
+        <p:spPr>
+          <a:xfrm>
+            <a:off x="7530089" y="1588594"/>
+            <a:ext cx="664577" cy="355953"/>
+          </a:xfrm>
+          <a:prstGeom prst="rect">
+            <a:avLst/>
+          </a:prstGeom>
+          <a:solidFill>
+            <a:srgbClr val="FFFF00"/>
+          </a:solidFill>
+        </p:spPr>
+        <p:style>
+          <a:lnRef idx="2">
+            <a:schemeClr val="accent1">
+              <a:shade val="50000"/>
+            </a:schemeClr>
+          </a:lnRef>
+          <a:fillRef idx="1">
+            <a:schemeClr val="accent1"/>
+          </a:fillRef>
+          <a:effectRef idx="0">
+            <a:schemeClr val="accent1"/>
+          </a:effectRef>
+          <a:fontRef idx="minor">
+            <a:schemeClr val="lt1"/>
+          </a:fontRef>
+        </p:style>
+        <p:txBody>
+          <a:bodyPr rtlCol="0" anchor="ctr"/>
+          <a:lstStyle/>
+          <a:p>
+            <a:pPr algn="ctr"/>
+            <a:endParaRPr kumimoji="1" lang="ko-Kore-KR" altLang="en-US" dirty="0">
+              <a:solidFill>
+                <a:schemeClr val="tx1"/>
+              </a:solidFill>
+              <a:latin typeface="DM Mono" panose="020B0509040201040103" pitchFamily="49" charset="0"/>
+            </a:endParaRPr>
+          </a:p>
+        </p:txBody>
+      </p:sp>
+      <p:sp>
+        <p:nvSpPr>
+          <p:cNvPr id="20" name="TextBox 19">
+            <a:extLst>
+              <a:ext uri="{FF2B5EF4-FFF2-40B4-BE49-F238E27FC236}">
+                <a16:creationId xmlns:a16="http://schemas.microsoft.com/office/drawing/2014/main" id="{3319FC54-8827-622E-B311-5F395C625FC1}"/>
+              </a:ext>
+            </a:extLst>
+          </p:cNvPr>
+          <p:cNvSpPr txBox="1"/>
+          <p:nvPr/>
+        </p:nvSpPr>
+        <p:spPr>
+          <a:xfrm>
+            <a:off x="6504359" y="1581904"/>
+            <a:ext cx="1025730" cy="369332"/>
+          </a:xfrm>
+          <a:prstGeom prst="rect">
+            <a:avLst/>
+          </a:prstGeom>
+          <a:noFill/>
+        </p:spPr>
+        <p:txBody>
+          <a:bodyPr wrap="square">
+            <a:spAutoFit/>
+          </a:bodyPr>
+          <a:lstStyle/>
+          <a:p>
+            <a:pPr algn="r"/>
+            <a:r>
+              <a:rPr lang="en-US" altLang="ko-Kore-KR" dirty="0">
+                <a:latin typeface="DM Mono" panose="020B0509040201040103" pitchFamily="49" charset="0"/>
+              </a:rPr>
+              <a:t>name</a:t>
+            </a:r>
+            <a:endParaRPr lang="ko-Kore-KR" altLang="en-US" dirty="0"/>
+          </a:p>
+        </p:txBody>
+      </p:sp>
+      <p:sp>
+        <p:nvSpPr>
+          <p:cNvPr id="22" name="TextBox 21">
+            <a:extLst>
+              <a:ext uri="{FF2B5EF4-FFF2-40B4-BE49-F238E27FC236}">
+                <a16:creationId xmlns:a16="http://schemas.microsoft.com/office/drawing/2014/main" id="{DD9D1F92-A489-FF50-14E4-6398A0EFDDF6}"/>
+              </a:ext>
+            </a:extLst>
+          </p:cNvPr>
+          <p:cNvSpPr txBox="1"/>
+          <p:nvPr/>
+        </p:nvSpPr>
+        <p:spPr>
+          <a:xfrm>
+            <a:off x="296788" y="3324521"/>
+            <a:ext cx="3490727" cy="3323987"/>
+          </a:xfrm>
+          <a:prstGeom prst="rect">
+            <a:avLst/>
+          </a:prstGeom>
+          <a:noFill/>
+        </p:spPr>
+        <p:txBody>
+          <a:bodyPr wrap="square">
+            <a:spAutoFit/>
+          </a:bodyPr>
+          <a:lstStyle/>
+          <a:p>
+            <a:r>
+              <a:rPr lang="ko-Kore-KR" altLang="en-US" sz="1400" dirty="0">
+                <a:latin typeface="DM Mono" panose="020B0509040201040103" pitchFamily="49" charset="0"/>
+              </a:rPr>
+              <a:t>class Animal</a:t>
+            </a:r>
+          </a:p>
+          <a:p>
+            <a:r>
+              <a:rPr lang="ko-Kore-KR" altLang="en-US" sz="1400" dirty="0">
+                <a:latin typeface="DM Mono" panose="020B0509040201040103" pitchFamily="49" charset="0"/>
+              </a:rPr>
+              <a:t>{</a:t>
+            </a:r>
+          </a:p>
+          <a:p>
+            <a:r>
+              <a:rPr lang="en-US" altLang="ko-Kore-KR" sz="1400" dirty="0">
+                <a:latin typeface="DM Mono" panose="020B0509040201040103" pitchFamily="49" charset="0"/>
+              </a:rPr>
+              <a:t>  </a:t>
+            </a:r>
+            <a:r>
+              <a:rPr lang="ko-Kore-KR" altLang="en-US" sz="1400" dirty="0">
+                <a:latin typeface="DM Mono" panose="020B0509040201040103" pitchFamily="49" charset="0"/>
+              </a:rPr>
+              <a:t>int age;</a:t>
+            </a:r>
+          </a:p>
+          <a:p>
+            <a:r>
+              <a:rPr lang="ko-Kore-KR" altLang="en-US" sz="1400" dirty="0">
+                <a:latin typeface="DM Mono" panose="020B0509040201040103" pitchFamily="49" charset="0"/>
+              </a:rPr>
+              <a:t>};</a:t>
+            </a:r>
+          </a:p>
+          <a:p>
+            <a:endParaRPr lang="ko-Kore-KR" altLang="en-US" sz="1400" dirty="0">
+              <a:latin typeface="DM Mono" panose="020B0509040201040103" pitchFamily="49" charset="0"/>
+            </a:endParaRPr>
+          </a:p>
+          <a:p>
+            <a:r>
+              <a:rPr lang="ko-Kore-KR" altLang="en-US" sz="1400" dirty="0">
+                <a:latin typeface="DM Mono" panose="020B0509040201040103" pitchFamily="49" charset="0"/>
+              </a:rPr>
+              <a:t>class Dog : public Animal</a:t>
+            </a:r>
+          </a:p>
+          <a:p>
+            <a:r>
+              <a:rPr lang="ko-Kore-KR" altLang="en-US" sz="1400" dirty="0">
+                <a:latin typeface="DM Mono" panose="020B0509040201040103" pitchFamily="49" charset="0"/>
+              </a:rPr>
+              <a:t>{</a:t>
+            </a:r>
+          </a:p>
+          <a:p>
+            <a:r>
+              <a:rPr lang="en-US" altLang="ko-Kore-KR" sz="1400" dirty="0">
+                <a:latin typeface="DM Mono" panose="020B0509040201040103" pitchFamily="49" charset="0"/>
+              </a:rPr>
+              <a:t>  </a:t>
+            </a:r>
+            <a:r>
+              <a:rPr lang="ko-Kore-KR" altLang="en-US" sz="1400" dirty="0">
+                <a:latin typeface="DM Mono" panose="020B0509040201040103" pitchFamily="49" charset="0"/>
+              </a:rPr>
+              <a:t>int color;</a:t>
+            </a:r>
+          </a:p>
+          <a:p>
+            <a:r>
+              <a:rPr lang="ko-Kore-KR" altLang="en-US" sz="1400" dirty="0">
+                <a:latin typeface="DM Mono" panose="020B0509040201040103" pitchFamily="49" charset="0"/>
+              </a:rPr>
+              <a:t>};</a:t>
+            </a:r>
+          </a:p>
+          <a:p>
+            <a:endParaRPr lang="ko-Kore-KR" altLang="en-US" sz="1400" dirty="0">
+              <a:latin typeface="DM Mono" panose="020B0509040201040103" pitchFamily="49" charset="0"/>
+            </a:endParaRPr>
+          </a:p>
+          <a:p>
+            <a:r>
+              <a:rPr lang="ko-Kore-KR" altLang="en-US" sz="1400" dirty="0">
+                <a:latin typeface="DM Mono" panose="020B0509040201040103" pitchFamily="49" charset="0"/>
+              </a:rPr>
+              <a:t>class Cat : public Animal</a:t>
+            </a:r>
+          </a:p>
+          <a:p>
+            <a:r>
+              <a:rPr lang="ko-Kore-KR" altLang="en-US" sz="1400" dirty="0">
+                <a:latin typeface="DM Mono" panose="020B0509040201040103" pitchFamily="49" charset="0"/>
+              </a:rPr>
+              <a:t>{</a:t>
+            </a:r>
+          </a:p>
+          <a:p>
+            <a:r>
+              <a:rPr lang="en-US" altLang="ko-Kore-KR" sz="1400" dirty="0">
+                <a:latin typeface="DM Mono" panose="020B0509040201040103" pitchFamily="49" charset="0"/>
+              </a:rPr>
+              <a:t>  </a:t>
+            </a:r>
+            <a:r>
+              <a:rPr lang="ko-Kore-KR" altLang="en-US" sz="1400" dirty="0">
+                <a:latin typeface="DM Mono" panose="020B0509040201040103" pitchFamily="49" charset="0"/>
+              </a:rPr>
+              <a:t>int speed;</a:t>
+            </a:r>
+          </a:p>
+          <a:p>
+            <a:r>
+              <a:rPr lang="ko-Kore-KR" altLang="en-US" sz="1400" dirty="0">
+                <a:latin typeface="DM Mono" panose="020B0509040201040103" pitchFamily="49" charset="0"/>
+              </a:rPr>
+              <a:t>  string name;</a:t>
+            </a:r>
+          </a:p>
+          <a:p>
+            <a:r>
+              <a:rPr lang="ko-Kore-KR" altLang="en-US" sz="1400" dirty="0">
+                <a:latin typeface="DM Mono" panose="020B0509040201040103" pitchFamily="49" charset="0"/>
+              </a:rPr>
+              <a:t>};</a:t>
+            </a:r>
+          </a:p>
+        </p:txBody>
+      </p:sp>
+      <p:sp>
+        <p:nvSpPr>
+          <p:cNvPr id="26" name="직사각형 25">
+            <a:extLst>
+              <a:ext uri="{FF2B5EF4-FFF2-40B4-BE49-F238E27FC236}">
+                <a16:creationId xmlns:a16="http://schemas.microsoft.com/office/drawing/2014/main" id="{67E71BA5-59B4-C3EA-262D-7FC8C35B82FF}"/>
+              </a:ext>
+            </a:extLst>
+          </p:cNvPr>
+          <p:cNvSpPr/>
+          <p:nvPr/>
+        </p:nvSpPr>
+        <p:spPr>
+          <a:xfrm>
+            <a:off x="5031731" y="4241677"/>
+            <a:ext cx="664577" cy="355953"/>
+          </a:xfrm>
+          <a:prstGeom prst="rect">
+            <a:avLst/>
+          </a:prstGeom>
+          <a:solidFill>
+            <a:srgbClr val="00B0F0"/>
+          </a:solidFill>
+        </p:spPr>
+        <p:style>
+          <a:lnRef idx="2">
+            <a:schemeClr val="accent1">
+              <a:shade val="50000"/>
+            </a:schemeClr>
+          </a:lnRef>
+          <a:fillRef idx="1">
+            <a:schemeClr val="accent1"/>
+          </a:fillRef>
+          <a:effectRef idx="0">
+            <a:schemeClr val="accent1"/>
+          </a:effectRef>
+          <a:fontRef idx="minor">
+            <a:schemeClr val="lt1"/>
+          </a:fontRef>
+        </p:style>
+        <p:txBody>
+          <a:bodyPr rtlCol="0" anchor="ctr"/>
+          <a:lstStyle/>
+          <a:p>
+            <a:pPr algn="ctr"/>
+            <a:endParaRPr kumimoji="1" lang="ko-Kore-KR" altLang="en-US" dirty="0">
+              <a:solidFill>
+                <a:schemeClr val="tx1"/>
+              </a:solidFill>
+              <a:latin typeface="DM Mono" panose="020B0509040201040103" pitchFamily="49" charset="0"/>
+            </a:endParaRPr>
+          </a:p>
+        </p:txBody>
+      </p:sp>
+      <p:sp>
+        <p:nvSpPr>
+          <p:cNvPr id="27" name="TextBox 26">
+            <a:extLst>
+              <a:ext uri="{FF2B5EF4-FFF2-40B4-BE49-F238E27FC236}">
+                <a16:creationId xmlns:a16="http://schemas.microsoft.com/office/drawing/2014/main" id="{31155EFE-2D3D-E5AC-F867-55A3BBBC411E}"/>
+              </a:ext>
+            </a:extLst>
+          </p:cNvPr>
+          <p:cNvSpPr txBox="1"/>
+          <p:nvPr/>
+        </p:nvSpPr>
+        <p:spPr>
+          <a:xfrm>
+            <a:off x="4006000" y="4242927"/>
+            <a:ext cx="1025730" cy="369332"/>
+          </a:xfrm>
+          <a:prstGeom prst="rect">
+            <a:avLst/>
+          </a:prstGeom>
+          <a:noFill/>
+        </p:spPr>
+        <p:txBody>
+          <a:bodyPr wrap="square">
+            <a:spAutoFit/>
+          </a:bodyPr>
+          <a:lstStyle/>
+          <a:p>
+            <a:pPr algn="r"/>
+            <a:r>
+              <a:rPr lang="en-US" altLang="ko-Kore-KR" dirty="0">
+                <a:latin typeface="DM Mono" panose="020B0509040201040103" pitchFamily="49" charset="0"/>
+              </a:rPr>
+              <a:t>age</a:t>
+            </a:r>
+            <a:endParaRPr lang="ko-Kore-KR" altLang="en-US" dirty="0"/>
+          </a:p>
+        </p:txBody>
+      </p:sp>
+      <p:sp>
+        <p:nvSpPr>
+          <p:cNvPr id="28" name="직사각형 27">
+            <a:extLst>
+              <a:ext uri="{FF2B5EF4-FFF2-40B4-BE49-F238E27FC236}">
+                <a16:creationId xmlns:a16="http://schemas.microsoft.com/office/drawing/2014/main" id="{47D46424-C960-F3D8-006B-B960ABCB7987}"/>
+              </a:ext>
+            </a:extLst>
+          </p:cNvPr>
+          <p:cNvSpPr/>
+          <p:nvPr/>
+        </p:nvSpPr>
+        <p:spPr>
+          <a:xfrm>
+            <a:off x="5031730" y="4590873"/>
+            <a:ext cx="664577" cy="355953"/>
+          </a:xfrm>
+          <a:prstGeom prst="rect">
+            <a:avLst/>
+          </a:prstGeom>
+          <a:solidFill>
+            <a:srgbClr val="FFFF00"/>
+          </a:solidFill>
+        </p:spPr>
+        <p:style>
+          <a:lnRef idx="2">
+            <a:schemeClr val="accent1">
+              <a:shade val="50000"/>
+            </a:schemeClr>
+          </a:lnRef>
+          <a:fillRef idx="1">
+            <a:schemeClr val="accent1"/>
+          </a:fillRef>
+          <a:effectRef idx="0">
+            <a:schemeClr val="accent1"/>
+          </a:effectRef>
+          <a:fontRef idx="minor">
+            <a:schemeClr val="lt1"/>
+          </a:fontRef>
+        </p:style>
+        <p:txBody>
+          <a:bodyPr rtlCol="0" anchor="ctr"/>
+          <a:lstStyle/>
+          <a:p>
+            <a:pPr algn="ctr"/>
+            <a:endParaRPr kumimoji="1" lang="ko-Kore-KR" altLang="en-US" dirty="0">
+              <a:solidFill>
+                <a:schemeClr val="tx1"/>
+              </a:solidFill>
+              <a:latin typeface="DM Mono" panose="020B0509040201040103" pitchFamily="49" charset="0"/>
+            </a:endParaRPr>
+          </a:p>
+        </p:txBody>
+      </p:sp>
+      <p:sp>
+        <p:nvSpPr>
+          <p:cNvPr id="29" name="TextBox 28">
+            <a:extLst>
+              <a:ext uri="{FF2B5EF4-FFF2-40B4-BE49-F238E27FC236}">
+                <a16:creationId xmlns:a16="http://schemas.microsoft.com/office/drawing/2014/main" id="{A29B4CED-8243-1F03-8050-E8DB5F5C6169}"/>
+              </a:ext>
+            </a:extLst>
+          </p:cNvPr>
+          <p:cNvSpPr txBox="1"/>
+          <p:nvPr/>
+        </p:nvSpPr>
+        <p:spPr>
+          <a:xfrm>
+            <a:off x="4005999" y="4585065"/>
+            <a:ext cx="1025730" cy="369332"/>
+          </a:xfrm>
+          <a:prstGeom prst="rect">
+            <a:avLst/>
+          </a:prstGeom>
+          <a:noFill/>
+        </p:spPr>
+        <p:txBody>
+          <a:bodyPr wrap="square">
+            <a:spAutoFit/>
+          </a:bodyPr>
+          <a:lstStyle/>
+          <a:p>
+            <a:pPr algn="r"/>
+            <a:r>
+              <a:rPr lang="en-US" altLang="ko-Kore-KR" dirty="0">
+                <a:latin typeface="DM Mono" panose="020B0509040201040103" pitchFamily="49" charset="0"/>
+              </a:rPr>
+              <a:t>color</a:t>
+            </a:r>
+            <a:endParaRPr lang="ko-Kore-KR" altLang="en-US" dirty="0"/>
+          </a:p>
+        </p:txBody>
+      </p:sp>
+      <p:sp>
+        <p:nvSpPr>
+          <p:cNvPr id="30" name="TextBox 29">
+            <a:extLst>
+              <a:ext uri="{FF2B5EF4-FFF2-40B4-BE49-F238E27FC236}">
+                <a16:creationId xmlns:a16="http://schemas.microsoft.com/office/drawing/2014/main" id="{9C111E66-476D-0FBD-AA7A-9DC8815A7957}"/>
+              </a:ext>
+            </a:extLst>
+          </p:cNvPr>
+          <p:cNvSpPr txBox="1"/>
+          <p:nvPr/>
+        </p:nvSpPr>
+        <p:spPr>
+          <a:xfrm>
+            <a:off x="5055448" y="3850372"/>
+            <a:ext cx="617140" cy="369332"/>
+          </a:xfrm>
+          <a:prstGeom prst="rect">
+            <a:avLst/>
+          </a:prstGeom>
+          <a:noFill/>
+        </p:spPr>
+        <p:txBody>
+          <a:bodyPr wrap="square">
+            <a:spAutoFit/>
+          </a:bodyPr>
+          <a:lstStyle/>
+          <a:p>
+            <a:pPr algn="ctr"/>
+            <a:r>
+              <a:rPr lang="ko-Kore-KR" altLang="en-US" dirty="0">
+                <a:latin typeface="DM Mono" panose="020B0509040201040103" pitchFamily="49" charset="0"/>
+              </a:rPr>
+              <a:t>Dog</a:t>
+            </a:r>
+            <a:endParaRPr lang="ko-Kore-KR" altLang="en-US" dirty="0"/>
+          </a:p>
+        </p:txBody>
+      </p:sp>
+      <p:sp>
+        <p:nvSpPr>
+          <p:cNvPr id="31" name="직사각형 30">
+            <a:extLst>
+              <a:ext uri="{FF2B5EF4-FFF2-40B4-BE49-F238E27FC236}">
+                <a16:creationId xmlns:a16="http://schemas.microsoft.com/office/drawing/2014/main" id="{95B3FD2D-7EC5-DFBF-1824-22D716667B57}"/>
+              </a:ext>
+            </a:extLst>
+          </p:cNvPr>
+          <p:cNvSpPr/>
+          <p:nvPr/>
+        </p:nvSpPr>
+        <p:spPr>
+          <a:xfrm>
+            <a:off x="7739911" y="4124255"/>
+            <a:ext cx="664577" cy="355953"/>
+          </a:xfrm>
+          <a:prstGeom prst="rect">
+            <a:avLst/>
+          </a:prstGeom>
+          <a:solidFill>
+            <a:srgbClr val="00B0F0"/>
+          </a:solidFill>
+        </p:spPr>
+        <p:style>
+          <a:lnRef idx="2">
+            <a:schemeClr val="accent1">
+              <a:shade val="50000"/>
+            </a:schemeClr>
+          </a:lnRef>
+          <a:fillRef idx="1">
+            <a:schemeClr val="accent1"/>
+          </a:fillRef>
+          <a:effectRef idx="0">
+            <a:schemeClr val="accent1"/>
+          </a:effectRef>
+          <a:fontRef idx="minor">
+            <a:schemeClr val="lt1"/>
+          </a:fontRef>
+        </p:style>
+        <p:txBody>
+          <a:bodyPr rtlCol="0" anchor="ctr"/>
+          <a:lstStyle/>
+          <a:p>
+            <a:pPr algn="ctr"/>
+            <a:endParaRPr kumimoji="1" lang="ko-Kore-KR" altLang="en-US" dirty="0">
+              <a:solidFill>
+                <a:schemeClr val="tx1"/>
+              </a:solidFill>
+              <a:latin typeface="DM Mono" panose="020B0509040201040103" pitchFamily="49" charset="0"/>
+            </a:endParaRPr>
+          </a:p>
+        </p:txBody>
+      </p:sp>
+      <p:sp>
+        <p:nvSpPr>
+          <p:cNvPr id="32" name="TextBox 31">
+            <a:extLst>
+              <a:ext uri="{FF2B5EF4-FFF2-40B4-BE49-F238E27FC236}">
+                <a16:creationId xmlns:a16="http://schemas.microsoft.com/office/drawing/2014/main" id="{416A7135-A211-E67C-8140-1DFE240DD140}"/>
+              </a:ext>
+            </a:extLst>
+          </p:cNvPr>
+          <p:cNvSpPr txBox="1"/>
+          <p:nvPr/>
+        </p:nvSpPr>
+        <p:spPr>
+          <a:xfrm>
+            <a:off x="6714180" y="4125505"/>
+            <a:ext cx="1025730" cy="369332"/>
+          </a:xfrm>
+          <a:prstGeom prst="rect">
+            <a:avLst/>
+          </a:prstGeom>
+          <a:noFill/>
+        </p:spPr>
+        <p:txBody>
+          <a:bodyPr wrap="square">
+            <a:spAutoFit/>
+          </a:bodyPr>
+          <a:lstStyle/>
+          <a:p>
+            <a:pPr algn="r"/>
+            <a:r>
+              <a:rPr lang="en-US" altLang="ko-Kore-KR" dirty="0">
+                <a:latin typeface="DM Mono" panose="020B0509040201040103" pitchFamily="49" charset="0"/>
+              </a:rPr>
+              <a:t>age</a:t>
+            </a:r>
+            <a:endParaRPr lang="ko-Kore-KR" altLang="en-US" dirty="0"/>
+          </a:p>
+        </p:txBody>
+      </p:sp>
+      <p:sp>
+        <p:nvSpPr>
+          <p:cNvPr id="33" name="직사각형 32">
+            <a:extLst>
+              <a:ext uri="{FF2B5EF4-FFF2-40B4-BE49-F238E27FC236}">
+                <a16:creationId xmlns:a16="http://schemas.microsoft.com/office/drawing/2014/main" id="{BAF05F04-E64E-DA61-FB41-FDC4FA5BBF93}"/>
+              </a:ext>
+            </a:extLst>
+          </p:cNvPr>
+          <p:cNvSpPr/>
+          <p:nvPr/>
+        </p:nvSpPr>
+        <p:spPr>
+          <a:xfrm>
+            <a:off x="7739910" y="4473451"/>
+            <a:ext cx="664577" cy="355953"/>
+          </a:xfrm>
+          <a:prstGeom prst="rect">
+            <a:avLst/>
+          </a:prstGeom>
+          <a:solidFill>
+            <a:srgbClr val="FFFF00"/>
+          </a:solidFill>
+        </p:spPr>
+        <p:style>
+          <a:lnRef idx="2">
+            <a:schemeClr val="accent1">
+              <a:shade val="50000"/>
+            </a:schemeClr>
+          </a:lnRef>
+          <a:fillRef idx="1">
+            <a:schemeClr val="accent1"/>
+          </a:fillRef>
+          <a:effectRef idx="0">
+            <a:schemeClr val="accent1"/>
+          </a:effectRef>
+          <a:fontRef idx="minor">
+            <a:schemeClr val="lt1"/>
+          </a:fontRef>
+        </p:style>
+        <p:txBody>
+          <a:bodyPr rtlCol="0" anchor="ctr"/>
+          <a:lstStyle/>
+          <a:p>
+            <a:pPr algn="ctr"/>
+            <a:endParaRPr kumimoji="1" lang="ko-Kore-KR" altLang="en-US" dirty="0">
+              <a:solidFill>
+                <a:schemeClr val="tx1"/>
+              </a:solidFill>
+              <a:latin typeface="DM Mono" panose="020B0509040201040103" pitchFamily="49" charset="0"/>
+            </a:endParaRPr>
+          </a:p>
+        </p:txBody>
+      </p:sp>
+      <p:sp>
+        <p:nvSpPr>
+          <p:cNvPr id="34" name="TextBox 33">
+            <a:extLst>
+              <a:ext uri="{FF2B5EF4-FFF2-40B4-BE49-F238E27FC236}">
+                <a16:creationId xmlns:a16="http://schemas.microsoft.com/office/drawing/2014/main" id="{3BB2A896-0448-F22C-CC70-BF5F383791C4}"/>
+              </a:ext>
+            </a:extLst>
+          </p:cNvPr>
+          <p:cNvSpPr txBox="1"/>
+          <p:nvPr/>
+        </p:nvSpPr>
+        <p:spPr>
+          <a:xfrm>
+            <a:off x="6714179" y="4467643"/>
+            <a:ext cx="1025730" cy="369332"/>
+          </a:xfrm>
+          <a:prstGeom prst="rect">
+            <a:avLst/>
+          </a:prstGeom>
+          <a:noFill/>
+        </p:spPr>
+        <p:txBody>
+          <a:bodyPr wrap="square">
+            <a:spAutoFit/>
+          </a:bodyPr>
+          <a:lstStyle/>
+          <a:p>
+            <a:pPr algn="r"/>
+            <a:r>
+              <a:rPr lang="en-US" altLang="ko-Kore-KR" dirty="0">
+                <a:latin typeface="DM Mono" panose="020B0509040201040103" pitchFamily="49" charset="0"/>
+              </a:rPr>
+              <a:t>speed</a:t>
+            </a:r>
+            <a:endParaRPr lang="ko-Kore-KR" altLang="en-US" dirty="0"/>
+          </a:p>
+        </p:txBody>
+      </p:sp>
+      <p:sp>
+        <p:nvSpPr>
+          <p:cNvPr id="35" name="TextBox 34">
+            <a:extLst>
+              <a:ext uri="{FF2B5EF4-FFF2-40B4-BE49-F238E27FC236}">
+                <a16:creationId xmlns:a16="http://schemas.microsoft.com/office/drawing/2014/main" id="{3A5660D3-2B4E-8924-43B9-12E411C43DC7}"/>
+              </a:ext>
+            </a:extLst>
+          </p:cNvPr>
+          <p:cNvSpPr txBox="1"/>
+          <p:nvPr/>
+        </p:nvSpPr>
+        <p:spPr>
+          <a:xfrm>
+            <a:off x="7763628" y="3732950"/>
+            <a:ext cx="617140" cy="369332"/>
+          </a:xfrm>
+          <a:prstGeom prst="rect">
+            <a:avLst/>
+          </a:prstGeom>
+          <a:noFill/>
+        </p:spPr>
+        <p:txBody>
+          <a:bodyPr wrap="square">
+            <a:spAutoFit/>
+          </a:bodyPr>
+          <a:lstStyle/>
+          <a:p>
+            <a:pPr algn="ctr"/>
+            <a:r>
+              <a:rPr lang="en-US" altLang="ko-Kore-KR" dirty="0">
+                <a:latin typeface="DM Mono" panose="020B0509040201040103" pitchFamily="49" charset="0"/>
+              </a:rPr>
+              <a:t>Cat</a:t>
+            </a:r>
+            <a:endParaRPr lang="ko-Kore-KR" altLang="en-US" dirty="0"/>
+          </a:p>
+        </p:txBody>
+      </p:sp>
+      <p:sp>
+        <p:nvSpPr>
+          <p:cNvPr id="36" name="직사각형 35">
+            <a:extLst>
+              <a:ext uri="{FF2B5EF4-FFF2-40B4-BE49-F238E27FC236}">
+                <a16:creationId xmlns:a16="http://schemas.microsoft.com/office/drawing/2014/main" id="{B23576DA-1EC5-1B17-1DB7-7AC6BA0F5C92}"/>
+              </a:ext>
+            </a:extLst>
+          </p:cNvPr>
+          <p:cNvSpPr/>
+          <p:nvPr/>
+        </p:nvSpPr>
+        <p:spPr>
+          <a:xfrm>
+            <a:off x="7739909" y="4828968"/>
+            <a:ext cx="664577" cy="355953"/>
+          </a:xfrm>
+          <a:prstGeom prst="rect">
+            <a:avLst/>
+          </a:prstGeom>
+          <a:solidFill>
+            <a:srgbClr val="FFFF00"/>
+          </a:solidFill>
+        </p:spPr>
+        <p:style>
+          <a:lnRef idx="2">
+            <a:schemeClr val="accent1">
+              <a:shade val="50000"/>
+            </a:schemeClr>
+          </a:lnRef>
+          <a:fillRef idx="1">
+            <a:schemeClr val="accent1"/>
+          </a:fillRef>
+          <a:effectRef idx="0">
+            <a:schemeClr val="accent1"/>
+          </a:effectRef>
+          <a:fontRef idx="minor">
+            <a:schemeClr val="lt1"/>
+          </a:fontRef>
+        </p:style>
+        <p:txBody>
+          <a:bodyPr rtlCol="0" anchor="ctr"/>
+          <a:lstStyle/>
+          <a:p>
+            <a:pPr algn="ctr"/>
+            <a:endParaRPr kumimoji="1" lang="ko-Kore-KR" altLang="en-US" dirty="0">
+              <a:solidFill>
+                <a:schemeClr val="tx1"/>
+              </a:solidFill>
+              <a:latin typeface="DM Mono" panose="020B0509040201040103" pitchFamily="49" charset="0"/>
+            </a:endParaRPr>
+          </a:p>
+        </p:txBody>
+      </p:sp>
+      <p:sp>
+        <p:nvSpPr>
+          <p:cNvPr id="37" name="TextBox 36">
+            <a:extLst>
+              <a:ext uri="{FF2B5EF4-FFF2-40B4-BE49-F238E27FC236}">
+                <a16:creationId xmlns:a16="http://schemas.microsoft.com/office/drawing/2014/main" id="{540BAC8D-A3C1-61DC-6826-810AD2262ED0}"/>
+              </a:ext>
+            </a:extLst>
+          </p:cNvPr>
+          <p:cNvSpPr txBox="1"/>
+          <p:nvPr/>
+        </p:nvSpPr>
+        <p:spPr>
+          <a:xfrm>
+            <a:off x="6714179" y="4822278"/>
+            <a:ext cx="1025730" cy="369332"/>
+          </a:xfrm>
+          <a:prstGeom prst="rect">
+            <a:avLst/>
+          </a:prstGeom>
+          <a:noFill/>
+        </p:spPr>
+        <p:txBody>
+          <a:bodyPr wrap="square">
+            <a:spAutoFit/>
+          </a:bodyPr>
+          <a:lstStyle/>
+          <a:p>
+            <a:pPr algn="r"/>
+            <a:r>
+              <a:rPr lang="en-US" altLang="ko-Kore-KR" dirty="0">
+                <a:latin typeface="DM Mono" panose="020B0509040201040103" pitchFamily="49" charset="0"/>
+              </a:rPr>
+              <a:t>name</a:t>
+            </a:r>
+            <a:endParaRPr lang="ko-Kore-KR" altLang="en-US" dirty="0"/>
+          </a:p>
+        </p:txBody>
+      </p:sp>
+      <p:sp>
+        <p:nvSpPr>
+          <p:cNvPr id="39" name="TextBox 38">
+            <a:extLst>
+              <a:ext uri="{FF2B5EF4-FFF2-40B4-BE49-F238E27FC236}">
+                <a16:creationId xmlns:a16="http://schemas.microsoft.com/office/drawing/2014/main" id="{1B3EB9CA-D6FA-4DF6-4E08-33D8372F13A1}"/>
+              </a:ext>
+            </a:extLst>
+          </p:cNvPr>
+          <p:cNvSpPr txBox="1"/>
+          <p:nvPr/>
+        </p:nvSpPr>
+        <p:spPr>
+          <a:xfrm>
+            <a:off x="5672588" y="4277776"/>
+            <a:ext cx="961701" cy="276999"/>
+          </a:xfrm>
+          <a:prstGeom prst="rect">
+            <a:avLst/>
+          </a:prstGeom>
+          <a:noFill/>
+        </p:spPr>
+        <p:txBody>
+          <a:bodyPr wrap="square">
+            <a:spAutoFit/>
+          </a:bodyPr>
+          <a:lstStyle/>
+          <a:p>
+            <a:r>
+              <a:rPr lang="ko-Kore-KR" altLang="en-US" sz="1200" dirty="0">
+                <a:latin typeface="DM Mono" panose="020B0509040201040103" pitchFamily="49" charset="0"/>
+              </a:rPr>
+              <a:t>Animal</a:t>
+            </a:r>
+            <a:endParaRPr lang="ko-Kore-KR" altLang="en-US" sz="1200" dirty="0"/>
+          </a:p>
+        </p:txBody>
+      </p:sp>
+      <p:sp>
+        <p:nvSpPr>
+          <p:cNvPr id="40" name="TextBox 39">
+            <a:extLst>
+              <a:ext uri="{FF2B5EF4-FFF2-40B4-BE49-F238E27FC236}">
+                <a16:creationId xmlns:a16="http://schemas.microsoft.com/office/drawing/2014/main" id="{876094B9-087F-CD93-519C-F0E74FAA59A7}"/>
+              </a:ext>
+            </a:extLst>
+          </p:cNvPr>
+          <p:cNvSpPr txBox="1"/>
+          <p:nvPr/>
+        </p:nvSpPr>
+        <p:spPr>
+          <a:xfrm>
+            <a:off x="8404336" y="4150594"/>
+            <a:ext cx="961701" cy="276999"/>
+          </a:xfrm>
+          <a:prstGeom prst="rect">
+            <a:avLst/>
+          </a:prstGeom>
+          <a:noFill/>
+        </p:spPr>
+        <p:txBody>
+          <a:bodyPr wrap="square">
+            <a:spAutoFit/>
+          </a:bodyPr>
+          <a:lstStyle/>
+          <a:p>
+            <a:r>
+              <a:rPr lang="ko-Kore-KR" altLang="en-US" sz="1200" dirty="0">
+                <a:latin typeface="DM Mono" panose="020B0509040201040103" pitchFamily="49" charset="0"/>
+              </a:rPr>
+              <a:t>Animal</a:t>
+            </a:r>
+            <a:endParaRPr lang="ko-Kore-KR" altLang="en-US" sz="1200" dirty="0"/>
+          </a:p>
+        </p:txBody>
+      </p:sp>
+    </p:spTree>
+    <p:extLst>
+      <p:ext uri="{BB962C8B-B14F-4D97-AF65-F5344CB8AC3E}">
+        <p14:creationId xmlns:p14="http://schemas.microsoft.com/office/powerpoint/2010/main" val="1914831914"/>
       </p:ext>
     </p:extLst>
   </p:cSld>
@@ -28137,4 +31228,299 @@
     </a:ext>
   </a:extLst>
 </a:theme>
+</file>
+
+<file path=ppt/theme/theme2.xml><?xml version="1.0" encoding="utf-8"?>
+<a:theme xmlns:a="http://schemas.openxmlformats.org/drawingml/2006/main" name="Office 테마">
+  <a:themeElements>
+    <a:clrScheme name="Office">
+      <a:dk1>
+        <a:sysClr val="windowText" lastClr="000000"/>
+      </a:dk1>
+      <a:lt1>
+        <a:sysClr val="window" lastClr="FFFFFF"/>
+      </a:lt1>
+      <a:dk2>
+        <a:srgbClr val="44546A"/>
+      </a:dk2>
+      <a:lt2>
+        <a:srgbClr val="E7E6E6"/>
+      </a:lt2>
+      <a:accent1>
+        <a:srgbClr val="4472C4"/>
+      </a:accent1>
+      <a:accent2>
+        <a:srgbClr val="ED7D31"/>
+      </a:accent2>
+      <a:accent3>
+        <a:srgbClr val="A5A5A5"/>
+      </a:accent3>
+      <a:accent4>
+        <a:srgbClr val="FFC000"/>
+      </a:accent4>
+      <a:accent5>
+        <a:srgbClr val="5B9BD5"/>
+      </a:accent5>
+      <a:accent6>
+        <a:srgbClr val="70AD47"/>
+      </a:accent6>
+      <a:hlink>
+        <a:srgbClr val="0563C1"/>
+      </a:hlink>
+      <a:folHlink>
+        <a:srgbClr val="954F72"/>
+      </a:folHlink>
+    </a:clrScheme>
+    <a:fontScheme name="Office">
+      <a:majorFont>
+        <a:latin typeface="Calibri Light" panose="020F0302020204030204"/>
+        <a:ea typeface=""/>
+        <a:cs typeface=""/>
+        <a:font script="Jpan" typeface="游ゴシック Light"/>
+        <a:font script="Hang" typeface="맑은 고딕"/>
+        <a:font script="Hans" typeface="等线 Light"/>
+        <a:font script="Hant" typeface="新細明體"/>
+        <a:font script="Arab" typeface="Times New Roman"/>
+        <a:font script="Hebr" typeface="Times New Roman"/>
+        <a:font script="Thai" typeface="Angsana New"/>
+        <a:font script="Ethi" typeface="Nyala"/>
+        <a:font script="Beng" typeface="Vrinda"/>
+        <a:font script="Gujr" typeface="Shruti"/>
+        <a:font script="Khmr" typeface="MoolBoran"/>
+        <a:font script="Knda" typeface="Tunga"/>
+        <a:font script="Guru" typeface="Raavi"/>
+        <a:font script="Cans" typeface="Euphemia"/>
+        <a:font script="Cher" typeface="Plantagenet Cherokee"/>
+        <a:font script="Yiii" typeface="Microsoft Yi Baiti"/>
+        <a:font script="Tibt" typeface="Microsoft Himalaya"/>
+        <a:font script="Thaa" typeface="MV Boli"/>
+        <a:font script="Deva" typeface="Mangal"/>
+        <a:font script="Telu" typeface="Gautami"/>
+        <a:font script="Taml" typeface="Latha"/>
+        <a:font script="Syrc" typeface="Estrangelo Edessa"/>
+        <a:font script="Orya" typeface="Kalinga"/>
+        <a:font script="Mlym" typeface="Kartika"/>
+        <a:font script="Laoo" typeface="DokChampa"/>
+        <a:font script="Sinh" typeface="Iskoola Pota"/>
+        <a:font script="Mong" typeface="Mongolian Baiti"/>
+        <a:font script="Viet" typeface="Times New Roman"/>
+        <a:font script="Uigh" typeface="Microsoft Uighur"/>
+        <a:font script="Geor" typeface="Sylfaen"/>
+        <a:font script="Armn" typeface="Arial"/>
+        <a:font script="Bugi" typeface="Leelawadee UI"/>
+        <a:font script="Bopo" typeface="Microsoft JhengHei"/>
+        <a:font script="Java" typeface="Javanese Text"/>
+        <a:font script="Lisu" typeface="Segoe UI"/>
+        <a:font script="Mymr" typeface="Myanmar Text"/>
+        <a:font script="Nkoo" typeface="Ebrima"/>
+        <a:font script="Olck" typeface="Nirmala UI"/>
+        <a:font script="Osma" typeface="Ebrima"/>
+        <a:font script="Phag" typeface="Phagspa"/>
+        <a:font script="Syrn" typeface="Estrangelo Edessa"/>
+        <a:font script="Syrj" typeface="Estrangelo Edessa"/>
+        <a:font script="Syre" typeface="Estrangelo Edessa"/>
+        <a:font script="Sora" typeface="Nirmala UI"/>
+        <a:font script="Tale" typeface="Microsoft Tai Le"/>
+        <a:font script="Talu" typeface="Microsoft New Tai Lue"/>
+        <a:font script="Tfng" typeface="Ebrima"/>
+      </a:majorFont>
+      <a:minorFont>
+        <a:latin typeface="Calibri" panose="020F0502020204030204"/>
+        <a:ea typeface=""/>
+        <a:cs typeface=""/>
+        <a:font script="Jpan" typeface="游ゴシック"/>
+        <a:font script="Hang" typeface="맑은 고딕"/>
+        <a:font script="Hans" typeface="等线"/>
+        <a:font script="Hant" typeface="新細明體"/>
+        <a:font script="Arab" typeface="Arial"/>
+        <a:font script="Hebr" typeface="Arial"/>
+        <a:font script="Thai" typeface="Cordia New"/>
+        <a:font script="Ethi" typeface="Nyala"/>
+        <a:font script="Beng" typeface="Vrinda"/>
+        <a:font script="Gujr" typeface="Shruti"/>
+        <a:font script="Khmr" typeface="DaunPenh"/>
+        <a:font script="Knda" typeface="Tunga"/>
+        <a:font script="Guru" typeface="Raavi"/>
+        <a:font script="Cans" typeface="Euphemia"/>
+        <a:font script="Cher" typeface="Plantagenet Cherokee"/>
+        <a:font script="Yiii" typeface="Microsoft Yi Baiti"/>
+        <a:font script="Tibt" typeface="Microsoft Himalaya"/>
+        <a:font script="Thaa" typeface="MV Boli"/>
+        <a:font script="Deva" typeface="Mangal"/>
+        <a:font script="Telu" typeface="Gautami"/>
+        <a:font script="Taml" typeface="Latha"/>
+        <a:font script="Syrc" typeface="Estrangelo Edessa"/>
+        <a:font script="Orya" typeface="Kalinga"/>
+        <a:font script="Mlym" typeface="Kartika"/>
+        <a:font script="Laoo" typeface="DokChampa"/>
+        <a:font script="Sinh" typeface="Iskoola Pota"/>
+        <a:font script="Mong" typeface="Mongolian Baiti"/>
+        <a:font script="Viet" typeface="Arial"/>
+        <a:font script="Uigh" typeface="Microsoft Uighur"/>
+        <a:font script="Geor" typeface="Sylfaen"/>
+        <a:font script="Armn" typeface="Arial"/>
+        <a:font script="Bugi" typeface="Leelawadee UI"/>
+        <a:font script="Bopo" typeface="Microsoft JhengHei"/>
+        <a:font script="Java" typeface="Javanese Text"/>
+        <a:font script="Lisu" typeface="Segoe UI"/>
+        <a:font script="Mymr" typeface="Myanmar Text"/>
+        <a:font script="Nkoo" typeface="Ebrima"/>
+        <a:font script="Olck" typeface="Nirmala UI"/>
+        <a:font script="Osma" typeface="Ebrima"/>
+        <a:font script="Phag" typeface="Phagspa"/>
+        <a:font script="Syrn" typeface="Estrangelo Edessa"/>
+        <a:font script="Syrj" typeface="Estrangelo Edessa"/>
+        <a:font script="Syre" typeface="Estrangelo Edessa"/>
+        <a:font script="Sora" typeface="Nirmala UI"/>
+        <a:font script="Tale" typeface="Microsoft Tai Le"/>
+        <a:font script="Talu" typeface="Microsoft New Tai Lue"/>
+        <a:font script="Tfng" typeface="Ebrima"/>
+      </a:minorFont>
+    </a:fontScheme>
+    <a:fmtScheme name="Office">
+      <a:fillStyleLst>
+        <a:solidFill>
+          <a:schemeClr val="phClr"/>
+        </a:solidFill>
+        <a:gradFill rotWithShape="1">
+          <a:gsLst>
+            <a:gs pos="0">
+              <a:schemeClr val="phClr">
+                <a:lumMod val="110000"/>
+                <a:satMod val="105000"/>
+                <a:tint val="67000"/>
+              </a:schemeClr>
+            </a:gs>
+            <a:gs pos="50000">
+              <a:schemeClr val="phClr">
+                <a:lumMod val="105000"/>
+                <a:satMod val="103000"/>
+                <a:tint val="73000"/>
+              </a:schemeClr>
+            </a:gs>
+            <a:gs pos="100000">
+              <a:schemeClr val="phClr">
+                <a:lumMod val="105000"/>
+                <a:satMod val="109000"/>
+                <a:tint val="81000"/>
+              </a:schemeClr>
+            </a:gs>
+          </a:gsLst>
+          <a:lin ang="5400000" scaled="0"/>
+        </a:gradFill>
+        <a:gradFill rotWithShape="1">
+          <a:gsLst>
+            <a:gs pos="0">
+              <a:schemeClr val="phClr">
+                <a:satMod val="103000"/>
+                <a:lumMod val="102000"/>
+                <a:tint val="94000"/>
+              </a:schemeClr>
+            </a:gs>
+            <a:gs pos="50000">
+              <a:schemeClr val="phClr">
+                <a:satMod val="110000"/>
+                <a:lumMod val="100000"/>
+                <a:shade val="100000"/>
+              </a:schemeClr>
+            </a:gs>
+            <a:gs pos="100000">
+              <a:schemeClr val="phClr">
+                <a:lumMod val="99000"/>
+                <a:satMod val="120000"/>
+                <a:shade val="78000"/>
+              </a:schemeClr>
+            </a:gs>
+          </a:gsLst>
+          <a:lin ang="5400000" scaled="0"/>
+        </a:gradFill>
+      </a:fillStyleLst>
+      <a:lnStyleLst>
+        <a:ln w="6350" cap="flat" cmpd="sng" algn="ctr">
+          <a:solidFill>
+            <a:schemeClr val="phClr"/>
+          </a:solidFill>
+          <a:prstDash val="solid"/>
+          <a:miter lim="800000"/>
+        </a:ln>
+        <a:ln w="12700" cap="flat" cmpd="sng" algn="ctr">
+          <a:solidFill>
+            <a:schemeClr val="phClr"/>
+          </a:solidFill>
+          <a:prstDash val="solid"/>
+          <a:miter lim="800000"/>
+        </a:ln>
+        <a:ln w="19050" cap="flat" cmpd="sng" algn="ctr">
+          <a:solidFill>
+            <a:schemeClr val="phClr"/>
+          </a:solidFill>
+          <a:prstDash val="solid"/>
+          <a:miter lim="800000"/>
+        </a:ln>
+      </a:lnStyleLst>
+      <a:effectStyleLst>
+        <a:effectStyle>
+          <a:effectLst/>
+        </a:effectStyle>
+        <a:effectStyle>
+          <a:effectLst/>
+        </a:effectStyle>
+        <a:effectStyle>
+          <a:effectLst>
+            <a:outerShdw blurRad="57150" dist="19050" dir="5400000" algn="ctr" rotWithShape="0">
+              <a:srgbClr val="000000">
+                <a:alpha val="63000"/>
+              </a:srgbClr>
+            </a:outerShdw>
+          </a:effectLst>
+        </a:effectStyle>
+      </a:effectStyleLst>
+      <a:bgFillStyleLst>
+        <a:solidFill>
+          <a:schemeClr val="phClr"/>
+        </a:solidFill>
+        <a:solidFill>
+          <a:schemeClr val="phClr">
+            <a:tint val="95000"/>
+            <a:satMod val="170000"/>
+          </a:schemeClr>
+        </a:solidFill>
+        <a:gradFill rotWithShape="1">
+          <a:gsLst>
+            <a:gs pos="0">
+              <a:schemeClr val="phClr">
+                <a:tint val="93000"/>
+                <a:satMod val="150000"/>
+                <a:shade val="98000"/>
+                <a:lumMod val="102000"/>
+              </a:schemeClr>
+            </a:gs>
+            <a:gs pos="50000">
+              <a:schemeClr val="phClr">
+                <a:tint val="98000"/>
+                <a:satMod val="130000"/>
+                <a:shade val="90000"/>
+                <a:lumMod val="103000"/>
+              </a:schemeClr>
+            </a:gs>
+            <a:gs pos="100000">
+              <a:schemeClr val="phClr">
+                <a:shade val="63000"/>
+                <a:satMod val="120000"/>
+              </a:schemeClr>
+            </a:gs>
+          </a:gsLst>
+          <a:lin ang="5400000" scaled="0"/>
+        </a:gradFill>
+      </a:bgFillStyleLst>
+    </a:fmtScheme>
+  </a:themeElements>
+  <a:objectDefaults/>
+  <a:extraClrSchemeLst/>
+  <a:extLst>
+    <a:ext uri="{05A4C25C-085E-4340-85A3-A5531E510DB2}">
+      <thm15:themeFamily xmlns:thm15="http://schemas.microsoft.com/office/thememl/2012/main" name="Office Theme" id="{62F939B6-93AF-4DB8-9C6B-D6C7DFDC589F}" vid="{4A3C46E8-61CC-4603-A589-7422A47A8E4A}"/>
+    </a:ext>
+  </a:extLst>
+</a:theme>
 </file>
--- a/221114.pptx
+++ b/221114.pptx
@@ -5,7 +5,7 @@
     <p:sldMasterId id="2147483648" r:id="rId1"/>
   </p:sldMasterIdLst>
   <p:notesMasterIdLst>
-    <p:notesMasterId r:id="rId40"/>
+    <p:notesMasterId r:id="rId44"/>
   </p:notesMasterIdLst>
   <p:sldIdLst>
     <p:sldId id="256" r:id="rId2"/>
@@ -46,6 +46,10 @@
     <p:sldId id="293" r:id="rId37"/>
     <p:sldId id="294" r:id="rId38"/>
     <p:sldId id="295" r:id="rId39"/>
+    <p:sldId id="296" r:id="rId40"/>
+    <p:sldId id="297" r:id="rId41"/>
+    <p:sldId id="298" r:id="rId42"/>
+    <p:sldId id="299" r:id="rId43"/>
   </p:sldIdLst>
   <p:sldSz cx="12192000" cy="6858000"/>
   <p:notesSz cx="6858000" cy="9144000"/>
@@ -27845,6 +27849,592 @@
 </p:sld>
 </file>
 
+<file path=ppt/slides/slide39.xml><?xml version="1.0" encoding="utf-8"?>
+<p:sld xmlns:a="http://schemas.openxmlformats.org/drawingml/2006/main" xmlns:r="http://schemas.openxmlformats.org/officeDocument/2006/relationships" xmlns:p="http://schemas.openxmlformats.org/presentationml/2006/main">
+  <p:cSld>
+    <p:spTree>
+      <p:nvGrpSpPr>
+        <p:cNvPr id="1" name=""/>
+        <p:cNvGrpSpPr/>
+        <p:nvPr/>
+      </p:nvGrpSpPr>
+      <p:grpSpPr>
+        <a:xfrm>
+          <a:off x="0" y="0"/>
+          <a:ext cx="0" cy="0"/>
+          <a:chOff x="0" y="0"/>
+          <a:chExt cx="0" cy="0"/>
+        </a:xfrm>
+      </p:grpSpPr>
+      <p:sp>
+        <p:nvSpPr>
+          <p:cNvPr id="12" name="TextBox 11">
+            <a:extLst>
+              <a:ext uri="{FF2B5EF4-FFF2-40B4-BE49-F238E27FC236}">
+                <a16:creationId xmlns:a16="http://schemas.microsoft.com/office/drawing/2014/main" id="{5F25EAEF-DF91-27FB-007F-5E16D7BAD47D}"/>
+              </a:ext>
+            </a:extLst>
+          </p:cNvPr>
+          <p:cNvSpPr txBox="1"/>
+          <p:nvPr/>
+        </p:nvSpPr>
+        <p:spPr>
+          <a:xfrm>
+            <a:off x="379751" y="340177"/>
+            <a:ext cx="3997377" cy="2862322"/>
+          </a:xfrm>
+          <a:prstGeom prst="rect">
+            <a:avLst/>
+          </a:prstGeom>
+          <a:noFill/>
+        </p:spPr>
+        <p:txBody>
+          <a:bodyPr wrap="square">
+            <a:spAutoFit/>
+          </a:bodyPr>
+          <a:lstStyle/>
+          <a:p>
+            <a:r>
+              <a:rPr lang="ko-Kore-KR" altLang="en-US" dirty="0">
+                <a:latin typeface="DM Mono" panose="020B0509040201040103" pitchFamily="49" charset="0"/>
+              </a:rPr>
+              <a:t>class Animal</a:t>
+            </a:r>
+          </a:p>
+          <a:p>
+            <a:r>
+              <a:rPr lang="ko-Kore-KR" altLang="en-US" dirty="0">
+                <a:latin typeface="DM Mono" panose="020B0509040201040103" pitchFamily="49" charset="0"/>
+              </a:rPr>
+              <a:t>{</a:t>
+            </a:r>
+          </a:p>
+          <a:p>
+            <a:r>
+              <a:rPr lang="ko-Kore-KR" altLang="en-US" dirty="0">
+                <a:latin typeface="DM Mono" panose="020B0509040201040103" pitchFamily="49" charset="0"/>
+              </a:rPr>
+              <a:t>  int age;</a:t>
+            </a:r>
+          </a:p>
+          <a:p>
+            <a:r>
+              <a:rPr lang="ko-Kore-KR" altLang="en-US" dirty="0">
+                <a:latin typeface="DM Mono" panose="020B0509040201040103" pitchFamily="49" charset="0"/>
+              </a:rPr>
+              <a:t>};</a:t>
+            </a:r>
+          </a:p>
+          <a:p>
+            <a:endParaRPr lang="ko-Kore-KR" altLang="en-US" dirty="0">
+              <a:latin typeface="DM Mono" panose="020B0509040201040103" pitchFamily="49" charset="0"/>
+            </a:endParaRPr>
+          </a:p>
+          <a:p>
+            <a:r>
+              <a:rPr lang="ko-Kore-KR" altLang="en-US" dirty="0">
+                <a:latin typeface="DM Mono" panose="020B0509040201040103" pitchFamily="49" charset="0"/>
+              </a:rPr>
+              <a:t>class Dog : public Animal</a:t>
+            </a:r>
+          </a:p>
+          <a:p>
+            <a:r>
+              <a:rPr lang="ko-Kore-KR" altLang="en-US" dirty="0">
+                <a:latin typeface="DM Mono" panose="020B0509040201040103" pitchFamily="49" charset="0"/>
+              </a:rPr>
+              <a:t>{</a:t>
+            </a:r>
+          </a:p>
+          <a:p>
+            <a:r>
+              <a:rPr lang="ko-Kore-KR" altLang="en-US" dirty="0">
+                <a:latin typeface="DM Mono" panose="020B0509040201040103" pitchFamily="49" charset="0"/>
+              </a:rPr>
+              <a:t>  int color;</a:t>
+            </a:r>
+          </a:p>
+          <a:p>
+            <a:r>
+              <a:rPr lang="ko-Kore-KR" altLang="en-US" dirty="0">
+                <a:latin typeface="DM Mono" panose="020B0509040201040103" pitchFamily="49" charset="0"/>
+              </a:rPr>
+              <a:t>  double height;</a:t>
+            </a:r>
+          </a:p>
+          <a:p>
+            <a:r>
+              <a:rPr lang="ko-Kore-KR" altLang="en-US" dirty="0">
+                <a:latin typeface="DM Mono" panose="020B0509040201040103" pitchFamily="49" charset="0"/>
+              </a:rPr>
+              <a:t>};</a:t>
+            </a:r>
+          </a:p>
+        </p:txBody>
+      </p:sp>
+      <p:sp>
+        <p:nvSpPr>
+          <p:cNvPr id="13" name="직사각형 12">
+            <a:extLst>
+              <a:ext uri="{FF2B5EF4-FFF2-40B4-BE49-F238E27FC236}">
+                <a16:creationId xmlns:a16="http://schemas.microsoft.com/office/drawing/2014/main" id="{9C9F8E3B-FEBD-2EFB-801A-65FCF27E7D06}"/>
+              </a:ext>
+            </a:extLst>
+          </p:cNvPr>
+          <p:cNvSpPr/>
+          <p:nvPr/>
+        </p:nvSpPr>
+        <p:spPr>
+          <a:xfrm>
+            <a:off x="7077407" y="1310898"/>
+            <a:ext cx="664577" cy="355953"/>
+          </a:xfrm>
+          <a:prstGeom prst="rect">
+            <a:avLst/>
+          </a:prstGeom>
+          <a:solidFill>
+            <a:srgbClr val="FFFF00"/>
+          </a:solidFill>
+        </p:spPr>
+        <p:style>
+          <a:lnRef idx="2">
+            <a:schemeClr val="accent1">
+              <a:shade val="50000"/>
+            </a:schemeClr>
+          </a:lnRef>
+          <a:fillRef idx="1">
+            <a:schemeClr val="accent1"/>
+          </a:fillRef>
+          <a:effectRef idx="0">
+            <a:schemeClr val="accent1"/>
+          </a:effectRef>
+          <a:fontRef idx="minor">
+            <a:schemeClr val="lt1"/>
+          </a:fontRef>
+        </p:style>
+        <p:txBody>
+          <a:bodyPr rtlCol="0" anchor="ctr"/>
+          <a:lstStyle/>
+          <a:p>
+            <a:pPr algn="ctr"/>
+            <a:endParaRPr kumimoji="1" lang="ko-Kore-KR" altLang="en-US" dirty="0">
+              <a:solidFill>
+                <a:schemeClr val="tx1"/>
+              </a:solidFill>
+              <a:latin typeface="DM Mono" panose="020B0509040201040103" pitchFamily="49" charset="0"/>
+            </a:endParaRPr>
+          </a:p>
+        </p:txBody>
+      </p:sp>
+      <p:sp>
+        <p:nvSpPr>
+          <p:cNvPr id="15" name="TextBox 14">
+            <a:extLst>
+              <a:ext uri="{FF2B5EF4-FFF2-40B4-BE49-F238E27FC236}">
+                <a16:creationId xmlns:a16="http://schemas.microsoft.com/office/drawing/2014/main" id="{9E68841A-4511-E7E1-BDF1-0F579561BA38}"/>
+              </a:ext>
+            </a:extLst>
+          </p:cNvPr>
+          <p:cNvSpPr txBox="1"/>
+          <p:nvPr/>
+        </p:nvSpPr>
+        <p:spPr>
+          <a:xfrm>
+            <a:off x="6051675" y="1304208"/>
+            <a:ext cx="1025730" cy="369332"/>
+          </a:xfrm>
+          <a:prstGeom prst="rect">
+            <a:avLst/>
+          </a:prstGeom>
+          <a:noFill/>
+        </p:spPr>
+        <p:txBody>
+          <a:bodyPr wrap="square">
+            <a:spAutoFit/>
+          </a:bodyPr>
+          <a:lstStyle/>
+          <a:p>
+            <a:pPr algn="r"/>
+            <a:r>
+              <a:rPr lang="en-US" altLang="ko-Kore-KR" dirty="0">
+                <a:latin typeface="DM Mono" panose="020B0509040201040103" pitchFamily="49" charset="0"/>
+              </a:rPr>
+              <a:t>age</a:t>
+            </a:r>
+            <a:endParaRPr lang="ko-Kore-KR" altLang="en-US" dirty="0"/>
+          </a:p>
+        </p:txBody>
+      </p:sp>
+      <p:sp>
+        <p:nvSpPr>
+          <p:cNvPr id="17" name="TextBox 16">
+            <a:extLst>
+              <a:ext uri="{FF2B5EF4-FFF2-40B4-BE49-F238E27FC236}">
+                <a16:creationId xmlns:a16="http://schemas.microsoft.com/office/drawing/2014/main" id="{96F09D79-AE13-EDF8-DEA7-05B0948B8B86}"/>
+              </a:ext>
+            </a:extLst>
+          </p:cNvPr>
+          <p:cNvSpPr txBox="1"/>
+          <p:nvPr/>
+        </p:nvSpPr>
+        <p:spPr>
+          <a:xfrm>
+            <a:off x="6525049" y="940316"/>
+            <a:ext cx="1769289" cy="369332"/>
+          </a:xfrm>
+          <a:prstGeom prst="rect">
+            <a:avLst/>
+          </a:prstGeom>
+          <a:noFill/>
+        </p:spPr>
+        <p:txBody>
+          <a:bodyPr wrap="square">
+            <a:spAutoFit/>
+          </a:bodyPr>
+          <a:lstStyle/>
+          <a:p>
+            <a:pPr algn="ctr"/>
+            <a:r>
+              <a:rPr lang="en-US" altLang="ko-Kore-KR" dirty="0">
+                <a:latin typeface="DM Mono" panose="020B0509040201040103" pitchFamily="49" charset="0"/>
+              </a:rPr>
+              <a:t>Animal a</a:t>
+            </a:r>
+            <a:endParaRPr lang="ko-Kore-KR" altLang="en-US" dirty="0"/>
+          </a:p>
+        </p:txBody>
+      </p:sp>
+      <p:sp>
+        <p:nvSpPr>
+          <p:cNvPr id="18" name="직사각형 17">
+            <a:extLst>
+              <a:ext uri="{FF2B5EF4-FFF2-40B4-BE49-F238E27FC236}">
+                <a16:creationId xmlns:a16="http://schemas.microsoft.com/office/drawing/2014/main" id="{41B8ED92-8A05-D533-AAF1-236BC168342D}"/>
+              </a:ext>
+            </a:extLst>
+          </p:cNvPr>
+          <p:cNvSpPr/>
+          <p:nvPr/>
+        </p:nvSpPr>
+        <p:spPr>
+          <a:xfrm>
+            <a:off x="7077405" y="2797423"/>
+            <a:ext cx="664577" cy="355953"/>
+          </a:xfrm>
+          <a:prstGeom prst="rect">
+            <a:avLst/>
+          </a:prstGeom>
+          <a:solidFill>
+            <a:srgbClr val="FFFF00"/>
+          </a:solidFill>
+        </p:spPr>
+        <p:style>
+          <a:lnRef idx="2">
+            <a:schemeClr val="accent1">
+              <a:shade val="50000"/>
+            </a:schemeClr>
+          </a:lnRef>
+          <a:fillRef idx="1">
+            <a:schemeClr val="accent1"/>
+          </a:fillRef>
+          <a:effectRef idx="0">
+            <a:schemeClr val="accent1"/>
+          </a:effectRef>
+          <a:fontRef idx="minor">
+            <a:schemeClr val="lt1"/>
+          </a:fontRef>
+        </p:style>
+        <p:txBody>
+          <a:bodyPr rtlCol="0" anchor="ctr"/>
+          <a:lstStyle/>
+          <a:p>
+            <a:pPr algn="ctr"/>
+            <a:endParaRPr kumimoji="1" lang="ko-Kore-KR" altLang="en-US" dirty="0">
+              <a:solidFill>
+                <a:schemeClr val="tx1"/>
+              </a:solidFill>
+              <a:latin typeface="DM Mono" panose="020B0509040201040103" pitchFamily="49" charset="0"/>
+            </a:endParaRPr>
+          </a:p>
+        </p:txBody>
+      </p:sp>
+      <p:sp>
+        <p:nvSpPr>
+          <p:cNvPr id="19" name="TextBox 18">
+            <a:extLst>
+              <a:ext uri="{FF2B5EF4-FFF2-40B4-BE49-F238E27FC236}">
+                <a16:creationId xmlns:a16="http://schemas.microsoft.com/office/drawing/2014/main" id="{FA0FAA60-E568-EAD5-2C39-4C549E97567C}"/>
+              </a:ext>
+            </a:extLst>
+          </p:cNvPr>
+          <p:cNvSpPr txBox="1"/>
+          <p:nvPr/>
+        </p:nvSpPr>
+        <p:spPr>
+          <a:xfrm>
+            <a:off x="6051673" y="2790733"/>
+            <a:ext cx="1025730" cy="369332"/>
+          </a:xfrm>
+          <a:prstGeom prst="rect">
+            <a:avLst/>
+          </a:prstGeom>
+          <a:noFill/>
+        </p:spPr>
+        <p:txBody>
+          <a:bodyPr wrap="square">
+            <a:spAutoFit/>
+          </a:bodyPr>
+          <a:lstStyle/>
+          <a:p>
+            <a:pPr algn="r"/>
+            <a:r>
+              <a:rPr lang="en-US" altLang="ko-Kore-KR" dirty="0">
+                <a:latin typeface="DM Mono" panose="020B0509040201040103" pitchFamily="49" charset="0"/>
+              </a:rPr>
+              <a:t>age</a:t>
+            </a:r>
+            <a:endParaRPr lang="ko-Kore-KR" altLang="en-US" dirty="0"/>
+          </a:p>
+        </p:txBody>
+      </p:sp>
+      <p:sp>
+        <p:nvSpPr>
+          <p:cNvPr id="20" name="TextBox 19">
+            <a:extLst>
+              <a:ext uri="{FF2B5EF4-FFF2-40B4-BE49-F238E27FC236}">
+                <a16:creationId xmlns:a16="http://schemas.microsoft.com/office/drawing/2014/main" id="{1D4CBE01-6395-3CE1-4DB3-7D368B992203}"/>
+              </a:ext>
+            </a:extLst>
+          </p:cNvPr>
+          <p:cNvSpPr txBox="1"/>
+          <p:nvPr/>
+        </p:nvSpPr>
+        <p:spPr>
+          <a:xfrm>
+            <a:off x="6525047" y="2426841"/>
+            <a:ext cx="1769289" cy="369332"/>
+          </a:xfrm>
+          <a:prstGeom prst="rect">
+            <a:avLst/>
+          </a:prstGeom>
+          <a:noFill/>
+        </p:spPr>
+        <p:txBody>
+          <a:bodyPr wrap="square">
+            <a:spAutoFit/>
+          </a:bodyPr>
+          <a:lstStyle/>
+          <a:p>
+            <a:pPr algn="ctr"/>
+            <a:r>
+              <a:rPr lang="en-US" altLang="ko-Kore-KR" dirty="0">
+                <a:latin typeface="DM Mono" panose="020B0509040201040103" pitchFamily="49" charset="0"/>
+              </a:rPr>
+              <a:t>Dog d</a:t>
+            </a:r>
+            <a:endParaRPr lang="ko-Kore-KR" altLang="en-US" dirty="0"/>
+          </a:p>
+        </p:txBody>
+      </p:sp>
+      <p:sp>
+        <p:nvSpPr>
+          <p:cNvPr id="21" name="직사각형 20">
+            <a:extLst>
+              <a:ext uri="{FF2B5EF4-FFF2-40B4-BE49-F238E27FC236}">
+                <a16:creationId xmlns:a16="http://schemas.microsoft.com/office/drawing/2014/main" id="{30A25852-ADC4-CD9F-F6F9-942ABEB3AF11}"/>
+              </a:ext>
+            </a:extLst>
+          </p:cNvPr>
+          <p:cNvSpPr/>
+          <p:nvPr/>
+        </p:nvSpPr>
+        <p:spPr>
+          <a:xfrm>
+            <a:off x="7077403" y="3153376"/>
+            <a:ext cx="664577" cy="355953"/>
+          </a:xfrm>
+          <a:prstGeom prst="rect">
+            <a:avLst/>
+          </a:prstGeom>
+          <a:solidFill>
+            <a:srgbClr val="FFFF00"/>
+          </a:solidFill>
+        </p:spPr>
+        <p:style>
+          <a:lnRef idx="2">
+            <a:schemeClr val="accent1">
+              <a:shade val="50000"/>
+            </a:schemeClr>
+          </a:lnRef>
+          <a:fillRef idx="1">
+            <a:schemeClr val="accent1"/>
+          </a:fillRef>
+          <a:effectRef idx="0">
+            <a:schemeClr val="accent1"/>
+          </a:effectRef>
+          <a:fontRef idx="minor">
+            <a:schemeClr val="lt1"/>
+          </a:fontRef>
+        </p:style>
+        <p:txBody>
+          <a:bodyPr rtlCol="0" anchor="ctr"/>
+          <a:lstStyle/>
+          <a:p>
+            <a:pPr algn="ctr"/>
+            <a:endParaRPr kumimoji="1" lang="ko-Kore-KR" altLang="en-US" dirty="0">
+              <a:solidFill>
+                <a:schemeClr val="tx1"/>
+              </a:solidFill>
+              <a:latin typeface="DM Mono" panose="020B0509040201040103" pitchFamily="49" charset="0"/>
+            </a:endParaRPr>
+          </a:p>
+        </p:txBody>
+      </p:sp>
+      <p:sp>
+        <p:nvSpPr>
+          <p:cNvPr id="22" name="TextBox 21">
+            <a:extLst>
+              <a:ext uri="{FF2B5EF4-FFF2-40B4-BE49-F238E27FC236}">
+                <a16:creationId xmlns:a16="http://schemas.microsoft.com/office/drawing/2014/main" id="{2060AD5E-35E6-60E4-F59E-82D5846566D0}"/>
+              </a:ext>
+            </a:extLst>
+          </p:cNvPr>
+          <p:cNvSpPr txBox="1"/>
+          <p:nvPr/>
+        </p:nvSpPr>
+        <p:spPr>
+          <a:xfrm>
+            <a:off x="6051671" y="3146686"/>
+            <a:ext cx="1025730" cy="369332"/>
+          </a:xfrm>
+          <a:prstGeom prst="rect">
+            <a:avLst/>
+          </a:prstGeom>
+          <a:noFill/>
+        </p:spPr>
+        <p:txBody>
+          <a:bodyPr wrap="square">
+            <a:spAutoFit/>
+          </a:bodyPr>
+          <a:lstStyle/>
+          <a:p>
+            <a:pPr algn="r"/>
+            <a:r>
+              <a:rPr lang="en-US" altLang="ko-Kore-KR" dirty="0">
+                <a:latin typeface="DM Mono" panose="020B0509040201040103" pitchFamily="49" charset="0"/>
+              </a:rPr>
+              <a:t>color</a:t>
+            </a:r>
+            <a:endParaRPr lang="ko-Kore-KR" altLang="en-US" dirty="0"/>
+          </a:p>
+        </p:txBody>
+      </p:sp>
+      <p:sp>
+        <p:nvSpPr>
+          <p:cNvPr id="23" name="직사각형 22">
+            <a:extLst>
+              <a:ext uri="{FF2B5EF4-FFF2-40B4-BE49-F238E27FC236}">
+                <a16:creationId xmlns:a16="http://schemas.microsoft.com/office/drawing/2014/main" id="{AF2FE565-A265-438B-A72E-356B265239ED}"/>
+              </a:ext>
+            </a:extLst>
+          </p:cNvPr>
+          <p:cNvSpPr/>
+          <p:nvPr/>
+        </p:nvSpPr>
+        <p:spPr>
+          <a:xfrm>
+            <a:off x="7077401" y="3509329"/>
+            <a:ext cx="664577" cy="355953"/>
+          </a:xfrm>
+          <a:prstGeom prst="rect">
+            <a:avLst/>
+          </a:prstGeom>
+          <a:solidFill>
+            <a:srgbClr val="FFFF00"/>
+          </a:solidFill>
+        </p:spPr>
+        <p:style>
+          <a:lnRef idx="2">
+            <a:schemeClr val="accent1">
+              <a:shade val="50000"/>
+            </a:schemeClr>
+          </a:lnRef>
+          <a:fillRef idx="1">
+            <a:schemeClr val="accent1"/>
+          </a:fillRef>
+          <a:effectRef idx="0">
+            <a:schemeClr val="accent1"/>
+          </a:effectRef>
+          <a:fontRef idx="minor">
+            <a:schemeClr val="lt1"/>
+          </a:fontRef>
+        </p:style>
+        <p:txBody>
+          <a:bodyPr rtlCol="0" anchor="ctr"/>
+          <a:lstStyle/>
+          <a:p>
+            <a:pPr algn="ctr"/>
+            <a:endParaRPr kumimoji="1" lang="ko-Kore-KR" altLang="en-US" dirty="0">
+              <a:solidFill>
+                <a:schemeClr val="tx1"/>
+              </a:solidFill>
+              <a:latin typeface="DM Mono" panose="020B0509040201040103" pitchFamily="49" charset="0"/>
+            </a:endParaRPr>
+          </a:p>
+        </p:txBody>
+      </p:sp>
+      <p:sp>
+        <p:nvSpPr>
+          <p:cNvPr id="24" name="TextBox 23">
+            <a:extLst>
+              <a:ext uri="{FF2B5EF4-FFF2-40B4-BE49-F238E27FC236}">
+                <a16:creationId xmlns:a16="http://schemas.microsoft.com/office/drawing/2014/main" id="{AB7C225E-8881-3473-1E41-4B5A0251E29E}"/>
+              </a:ext>
+            </a:extLst>
+          </p:cNvPr>
+          <p:cNvSpPr txBox="1"/>
+          <p:nvPr/>
+        </p:nvSpPr>
+        <p:spPr>
+          <a:xfrm>
+            <a:off x="6051669" y="3502639"/>
+            <a:ext cx="1025730" cy="369332"/>
+          </a:xfrm>
+          <a:prstGeom prst="rect">
+            <a:avLst/>
+          </a:prstGeom>
+          <a:noFill/>
+        </p:spPr>
+        <p:txBody>
+          <a:bodyPr wrap="square">
+            <a:spAutoFit/>
+          </a:bodyPr>
+          <a:lstStyle/>
+          <a:p>
+            <a:pPr algn="r"/>
+            <a:r>
+              <a:rPr lang="en-US" altLang="ko-Kore-KR" dirty="0">
+                <a:latin typeface="DM Mono" panose="020B0509040201040103" pitchFamily="49" charset="0"/>
+              </a:rPr>
+              <a:t>height</a:t>
+            </a:r>
+            <a:endParaRPr lang="ko-Kore-KR" altLang="en-US" dirty="0"/>
+          </a:p>
+        </p:txBody>
+      </p:sp>
+    </p:spTree>
+    <p:extLst>
+      <p:ext uri="{BB962C8B-B14F-4D97-AF65-F5344CB8AC3E}">
+        <p14:creationId xmlns:p14="http://schemas.microsoft.com/office/powerpoint/2010/main" val="60444249"/>
+      </p:ext>
+    </p:extLst>
+  </p:cSld>
+  <p:clrMapOvr>
+    <a:masterClrMapping/>
+  </p:clrMapOvr>
+</p:sld>
+</file>
+
 <file path=ppt/slides/slide4.xml><?xml version="1.0" encoding="utf-8"?>
 <p:sld xmlns:a="http://schemas.openxmlformats.org/drawingml/2006/main" xmlns:r="http://schemas.openxmlformats.org/officeDocument/2006/relationships" xmlns:p="http://schemas.openxmlformats.org/presentationml/2006/main">
   <p:cSld>
@@ -28125,6 +28715,4589 @@
     <p:extLst>
       <p:ext uri="{BB962C8B-B14F-4D97-AF65-F5344CB8AC3E}">
         <p14:creationId xmlns:p14="http://schemas.microsoft.com/office/powerpoint/2010/main" val="1395930787"/>
+      </p:ext>
+    </p:extLst>
+  </p:cSld>
+  <p:clrMapOvr>
+    <a:masterClrMapping/>
+  </p:clrMapOvr>
+</p:sld>
+</file>
+
+<file path=ppt/slides/slide40.xml><?xml version="1.0" encoding="utf-8"?>
+<p:sld xmlns:a="http://schemas.openxmlformats.org/drawingml/2006/main" xmlns:r="http://schemas.openxmlformats.org/officeDocument/2006/relationships" xmlns:p="http://schemas.openxmlformats.org/presentationml/2006/main">
+  <p:cSld>
+    <p:spTree>
+      <p:nvGrpSpPr>
+        <p:cNvPr id="1" name=""/>
+        <p:cNvGrpSpPr/>
+        <p:nvPr/>
+      </p:nvGrpSpPr>
+      <p:grpSpPr>
+        <a:xfrm>
+          <a:off x="0" y="0"/>
+          <a:ext cx="0" cy="0"/>
+          <a:chOff x="0" y="0"/>
+          <a:chExt cx="0" cy="0"/>
+        </a:xfrm>
+      </p:grpSpPr>
+      <p:sp>
+        <p:nvSpPr>
+          <p:cNvPr id="12" name="TextBox 11">
+            <a:extLst>
+              <a:ext uri="{FF2B5EF4-FFF2-40B4-BE49-F238E27FC236}">
+                <a16:creationId xmlns:a16="http://schemas.microsoft.com/office/drawing/2014/main" id="{5F25EAEF-DF91-27FB-007F-5E16D7BAD47D}"/>
+              </a:ext>
+            </a:extLst>
+          </p:cNvPr>
+          <p:cNvSpPr txBox="1"/>
+          <p:nvPr/>
+        </p:nvSpPr>
+        <p:spPr>
+          <a:xfrm>
+            <a:off x="379751" y="340177"/>
+            <a:ext cx="3997377" cy="3416320"/>
+          </a:xfrm>
+          <a:prstGeom prst="rect">
+            <a:avLst/>
+          </a:prstGeom>
+          <a:noFill/>
+        </p:spPr>
+        <p:txBody>
+          <a:bodyPr wrap="square">
+            <a:spAutoFit/>
+          </a:bodyPr>
+          <a:lstStyle/>
+          <a:p>
+            <a:r>
+              <a:rPr lang="ko-Kore-KR" altLang="en-US" dirty="0">
+                <a:latin typeface="DM Mono" panose="020B0509040201040103" pitchFamily="49" charset="0"/>
+              </a:rPr>
+              <a:t>class Animal</a:t>
+            </a:r>
+          </a:p>
+          <a:p>
+            <a:r>
+              <a:rPr lang="ko-Kore-KR" altLang="en-US" dirty="0">
+                <a:latin typeface="DM Mono" panose="020B0509040201040103" pitchFamily="49" charset="0"/>
+              </a:rPr>
+              <a:t>{</a:t>
+            </a:r>
+          </a:p>
+          <a:p>
+            <a:r>
+              <a:rPr lang="ko-Kore-KR" altLang="en-US" dirty="0">
+                <a:latin typeface="DM Mono" panose="020B0509040201040103" pitchFamily="49" charset="0"/>
+              </a:rPr>
+              <a:t>  int age;</a:t>
+            </a:r>
+            <a:endParaRPr lang="en-US" altLang="ko-Kore-KR" dirty="0">
+              <a:latin typeface="DM Mono" panose="020B0509040201040103" pitchFamily="49" charset="0"/>
+            </a:endParaRPr>
+          </a:p>
+          <a:p>
+            <a:r>
+              <a:rPr lang="en-US" altLang="ko-Kore-KR" dirty="0">
+                <a:latin typeface="DM Mono" panose="020B0509040201040103" pitchFamily="49" charset="0"/>
+              </a:rPr>
+              <a:t>public:</a:t>
+            </a:r>
+          </a:p>
+          <a:p>
+            <a:r>
+              <a:rPr lang="en-US" altLang="ko-Kore-KR" dirty="0">
+                <a:solidFill>
+                  <a:srgbClr val="FF0000"/>
+                </a:solidFill>
+                <a:latin typeface="DM Mono" panose="020B0509040201040103" pitchFamily="49" charset="0"/>
+              </a:rPr>
+              <a:t>  virtual void Go() {}</a:t>
+            </a:r>
+            <a:endParaRPr lang="ko-Kore-KR" altLang="en-US" dirty="0">
+              <a:solidFill>
+                <a:srgbClr val="FF0000"/>
+              </a:solidFill>
+              <a:latin typeface="DM Mono" panose="020B0509040201040103" pitchFamily="49" charset="0"/>
+            </a:endParaRPr>
+          </a:p>
+          <a:p>
+            <a:r>
+              <a:rPr lang="ko-Kore-KR" altLang="en-US" dirty="0">
+                <a:latin typeface="DM Mono" panose="020B0509040201040103" pitchFamily="49" charset="0"/>
+              </a:rPr>
+              <a:t>};</a:t>
+            </a:r>
+          </a:p>
+          <a:p>
+            <a:endParaRPr lang="ko-Kore-KR" altLang="en-US" dirty="0">
+              <a:latin typeface="DM Mono" panose="020B0509040201040103" pitchFamily="49" charset="0"/>
+            </a:endParaRPr>
+          </a:p>
+          <a:p>
+            <a:r>
+              <a:rPr lang="ko-Kore-KR" altLang="en-US" dirty="0">
+                <a:latin typeface="DM Mono" panose="020B0509040201040103" pitchFamily="49" charset="0"/>
+              </a:rPr>
+              <a:t>class Dog : public Animal</a:t>
+            </a:r>
+          </a:p>
+          <a:p>
+            <a:r>
+              <a:rPr lang="ko-Kore-KR" altLang="en-US" dirty="0">
+                <a:latin typeface="DM Mono" panose="020B0509040201040103" pitchFamily="49" charset="0"/>
+              </a:rPr>
+              <a:t>{</a:t>
+            </a:r>
+          </a:p>
+          <a:p>
+            <a:r>
+              <a:rPr lang="ko-Kore-KR" altLang="en-US" dirty="0">
+                <a:latin typeface="DM Mono" panose="020B0509040201040103" pitchFamily="49" charset="0"/>
+              </a:rPr>
+              <a:t>  int color;</a:t>
+            </a:r>
+          </a:p>
+          <a:p>
+            <a:r>
+              <a:rPr lang="ko-Kore-KR" altLang="en-US" dirty="0">
+                <a:latin typeface="DM Mono" panose="020B0509040201040103" pitchFamily="49" charset="0"/>
+              </a:rPr>
+              <a:t>  double height;</a:t>
+            </a:r>
+          </a:p>
+          <a:p>
+            <a:r>
+              <a:rPr lang="ko-Kore-KR" altLang="en-US" dirty="0">
+                <a:latin typeface="DM Mono" panose="020B0509040201040103" pitchFamily="49" charset="0"/>
+              </a:rPr>
+              <a:t>};</a:t>
+            </a:r>
+          </a:p>
+        </p:txBody>
+      </p:sp>
+      <p:sp>
+        <p:nvSpPr>
+          <p:cNvPr id="13" name="직사각형 12">
+            <a:extLst>
+              <a:ext uri="{FF2B5EF4-FFF2-40B4-BE49-F238E27FC236}">
+                <a16:creationId xmlns:a16="http://schemas.microsoft.com/office/drawing/2014/main" id="{9C9F8E3B-FEBD-2EFB-801A-65FCF27E7D06}"/>
+              </a:ext>
+            </a:extLst>
+          </p:cNvPr>
+          <p:cNvSpPr/>
+          <p:nvPr/>
+        </p:nvSpPr>
+        <p:spPr>
+          <a:xfrm>
+            <a:off x="7077407" y="1310898"/>
+            <a:ext cx="664577" cy="355953"/>
+          </a:xfrm>
+          <a:prstGeom prst="rect">
+            <a:avLst/>
+          </a:prstGeom>
+          <a:solidFill>
+            <a:srgbClr val="00B0F0"/>
+          </a:solidFill>
+        </p:spPr>
+        <p:style>
+          <a:lnRef idx="2">
+            <a:schemeClr val="accent1">
+              <a:shade val="50000"/>
+            </a:schemeClr>
+          </a:lnRef>
+          <a:fillRef idx="1">
+            <a:schemeClr val="accent1"/>
+          </a:fillRef>
+          <a:effectRef idx="0">
+            <a:schemeClr val="accent1"/>
+          </a:effectRef>
+          <a:fontRef idx="minor">
+            <a:schemeClr val="lt1"/>
+          </a:fontRef>
+        </p:style>
+        <p:txBody>
+          <a:bodyPr rtlCol="0" anchor="ctr"/>
+          <a:lstStyle/>
+          <a:p>
+            <a:pPr algn="ctr"/>
+            <a:endParaRPr kumimoji="1" lang="ko-Kore-KR" altLang="en-US" dirty="0">
+              <a:solidFill>
+                <a:schemeClr val="tx1"/>
+              </a:solidFill>
+              <a:latin typeface="DM Mono" panose="020B0509040201040103" pitchFamily="49" charset="0"/>
+            </a:endParaRPr>
+          </a:p>
+        </p:txBody>
+      </p:sp>
+      <p:sp>
+        <p:nvSpPr>
+          <p:cNvPr id="15" name="TextBox 14">
+            <a:extLst>
+              <a:ext uri="{FF2B5EF4-FFF2-40B4-BE49-F238E27FC236}">
+                <a16:creationId xmlns:a16="http://schemas.microsoft.com/office/drawing/2014/main" id="{9E68841A-4511-E7E1-BDF1-0F579561BA38}"/>
+              </a:ext>
+            </a:extLst>
+          </p:cNvPr>
+          <p:cNvSpPr txBox="1"/>
+          <p:nvPr/>
+        </p:nvSpPr>
+        <p:spPr>
+          <a:xfrm>
+            <a:off x="6051675" y="1304208"/>
+            <a:ext cx="1025730" cy="369332"/>
+          </a:xfrm>
+          <a:prstGeom prst="rect">
+            <a:avLst/>
+          </a:prstGeom>
+          <a:noFill/>
+        </p:spPr>
+        <p:txBody>
+          <a:bodyPr wrap="square">
+            <a:spAutoFit/>
+          </a:bodyPr>
+          <a:lstStyle/>
+          <a:p>
+            <a:pPr algn="r"/>
+            <a:r>
+              <a:rPr lang="en-US" altLang="ko-Kore-KR" dirty="0" err="1">
+                <a:latin typeface="DM Mono" panose="020B0509040201040103" pitchFamily="49" charset="0"/>
+              </a:rPr>
+              <a:t>vftp</a:t>
+            </a:r>
+            <a:endParaRPr lang="ko-Kore-KR" altLang="en-US" dirty="0"/>
+          </a:p>
+        </p:txBody>
+      </p:sp>
+      <p:sp>
+        <p:nvSpPr>
+          <p:cNvPr id="17" name="TextBox 16">
+            <a:extLst>
+              <a:ext uri="{FF2B5EF4-FFF2-40B4-BE49-F238E27FC236}">
+                <a16:creationId xmlns:a16="http://schemas.microsoft.com/office/drawing/2014/main" id="{96F09D79-AE13-EDF8-DEA7-05B0948B8B86}"/>
+              </a:ext>
+            </a:extLst>
+          </p:cNvPr>
+          <p:cNvSpPr txBox="1"/>
+          <p:nvPr/>
+        </p:nvSpPr>
+        <p:spPr>
+          <a:xfrm>
+            <a:off x="6525049" y="940316"/>
+            <a:ext cx="1769289" cy="369332"/>
+          </a:xfrm>
+          <a:prstGeom prst="rect">
+            <a:avLst/>
+          </a:prstGeom>
+          <a:noFill/>
+        </p:spPr>
+        <p:txBody>
+          <a:bodyPr wrap="square">
+            <a:spAutoFit/>
+          </a:bodyPr>
+          <a:lstStyle/>
+          <a:p>
+            <a:pPr algn="ctr"/>
+            <a:r>
+              <a:rPr lang="en-US" altLang="ko-Kore-KR" dirty="0">
+                <a:latin typeface="DM Mono" panose="020B0509040201040103" pitchFamily="49" charset="0"/>
+              </a:rPr>
+              <a:t>Animal a</a:t>
+            </a:r>
+            <a:endParaRPr lang="ko-Kore-KR" altLang="en-US" dirty="0"/>
+          </a:p>
+        </p:txBody>
+      </p:sp>
+      <p:sp>
+        <p:nvSpPr>
+          <p:cNvPr id="18" name="직사각형 17">
+            <a:extLst>
+              <a:ext uri="{FF2B5EF4-FFF2-40B4-BE49-F238E27FC236}">
+                <a16:creationId xmlns:a16="http://schemas.microsoft.com/office/drawing/2014/main" id="{41B8ED92-8A05-D533-AAF1-236BC168342D}"/>
+              </a:ext>
+            </a:extLst>
+          </p:cNvPr>
+          <p:cNvSpPr/>
+          <p:nvPr/>
+        </p:nvSpPr>
+        <p:spPr>
+          <a:xfrm>
+            <a:off x="7077399" y="4107938"/>
+            <a:ext cx="664577" cy="355953"/>
+          </a:xfrm>
+          <a:prstGeom prst="rect">
+            <a:avLst/>
+          </a:prstGeom>
+          <a:solidFill>
+            <a:srgbClr val="FFFF00"/>
+          </a:solidFill>
+        </p:spPr>
+        <p:style>
+          <a:lnRef idx="2">
+            <a:schemeClr val="accent1">
+              <a:shade val="50000"/>
+            </a:schemeClr>
+          </a:lnRef>
+          <a:fillRef idx="1">
+            <a:schemeClr val="accent1"/>
+          </a:fillRef>
+          <a:effectRef idx="0">
+            <a:schemeClr val="accent1"/>
+          </a:effectRef>
+          <a:fontRef idx="minor">
+            <a:schemeClr val="lt1"/>
+          </a:fontRef>
+        </p:style>
+        <p:txBody>
+          <a:bodyPr rtlCol="0" anchor="ctr"/>
+          <a:lstStyle/>
+          <a:p>
+            <a:pPr algn="ctr"/>
+            <a:endParaRPr kumimoji="1" lang="ko-Kore-KR" altLang="en-US" dirty="0">
+              <a:solidFill>
+                <a:schemeClr val="tx1"/>
+              </a:solidFill>
+              <a:latin typeface="DM Mono" panose="020B0509040201040103" pitchFamily="49" charset="0"/>
+            </a:endParaRPr>
+          </a:p>
+        </p:txBody>
+      </p:sp>
+      <p:sp>
+        <p:nvSpPr>
+          <p:cNvPr id="19" name="TextBox 18">
+            <a:extLst>
+              <a:ext uri="{FF2B5EF4-FFF2-40B4-BE49-F238E27FC236}">
+                <a16:creationId xmlns:a16="http://schemas.microsoft.com/office/drawing/2014/main" id="{FA0FAA60-E568-EAD5-2C39-4C549E97567C}"/>
+              </a:ext>
+            </a:extLst>
+          </p:cNvPr>
+          <p:cNvSpPr txBox="1"/>
+          <p:nvPr/>
+        </p:nvSpPr>
+        <p:spPr>
+          <a:xfrm>
+            <a:off x="6051667" y="4101248"/>
+            <a:ext cx="1025730" cy="369332"/>
+          </a:xfrm>
+          <a:prstGeom prst="rect">
+            <a:avLst/>
+          </a:prstGeom>
+          <a:noFill/>
+        </p:spPr>
+        <p:txBody>
+          <a:bodyPr wrap="square">
+            <a:spAutoFit/>
+          </a:bodyPr>
+          <a:lstStyle/>
+          <a:p>
+            <a:pPr algn="r"/>
+            <a:r>
+              <a:rPr lang="en-US" altLang="ko-Kore-KR" dirty="0">
+                <a:latin typeface="DM Mono" panose="020B0509040201040103" pitchFamily="49" charset="0"/>
+              </a:rPr>
+              <a:t>age</a:t>
+            </a:r>
+            <a:endParaRPr lang="ko-Kore-KR" altLang="en-US" dirty="0"/>
+          </a:p>
+        </p:txBody>
+      </p:sp>
+      <p:sp>
+        <p:nvSpPr>
+          <p:cNvPr id="20" name="TextBox 19">
+            <a:extLst>
+              <a:ext uri="{FF2B5EF4-FFF2-40B4-BE49-F238E27FC236}">
+                <a16:creationId xmlns:a16="http://schemas.microsoft.com/office/drawing/2014/main" id="{1D4CBE01-6395-3CE1-4DB3-7D368B992203}"/>
+              </a:ext>
+            </a:extLst>
+          </p:cNvPr>
+          <p:cNvSpPr txBox="1"/>
+          <p:nvPr/>
+        </p:nvSpPr>
+        <p:spPr>
+          <a:xfrm>
+            <a:off x="6525049" y="3389343"/>
+            <a:ext cx="1769289" cy="369332"/>
+          </a:xfrm>
+          <a:prstGeom prst="rect">
+            <a:avLst/>
+          </a:prstGeom>
+          <a:noFill/>
+        </p:spPr>
+        <p:txBody>
+          <a:bodyPr wrap="square">
+            <a:spAutoFit/>
+          </a:bodyPr>
+          <a:lstStyle/>
+          <a:p>
+            <a:pPr algn="ctr"/>
+            <a:r>
+              <a:rPr lang="en-US" altLang="ko-Kore-KR" dirty="0">
+                <a:latin typeface="DM Mono" panose="020B0509040201040103" pitchFamily="49" charset="0"/>
+              </a:rPr>
+              <a:t>Dog d</a:t>
+            </a:r>
+            <a:endParaRPr lang="ko-Kore-KR" altLang="en-US" dirty="0"/>
+          </a:p>
+        </p:txBody>
+      </p:sp>
+      <p:sp>
+        <p:nvSpPr>
+          <p:cNvPr id="21" name="직사각형 20">
+            <a:extLst>
+              <a:ext uri="{FF2B5EF4-FFF2-40B4-BE49-F238E27FC236}">
+                <a16:creationId xmlns:a16="http://schemas.microsoft.com/office/drawing/2014/main" id="{30A25852-ADC4-CD9F-F6F9-942ABEB3AF11}"/>
+              </a:ext>
+            </a:extLst>
+          </p:cNvPr>
+          <p:cNvSpPr/>
+          <p:nvPr/>
+        </p:nvSpPr>
+        <p:spPr>
+          <a:xfrm>
+            <a:off x="7077397" y="4463891"/>
+            <a:ext cx="664577" cy="355953"/>
+          </a:xfrm>
+          <a:prstGeom prst="rect">
+            <a:avLst/>
+          </a:prstGeom>
+          <a:solidFill>
+            <a:srgbClr val="FFFF00"/>
+          </a:solidFill>
+        </p:spPr>
+        <p:style>
+          <a:lnRef idx="2">
+            <a:schemeClr val="accent1">
+              <a:shade val="50000"/>
+            </a:schemeClr>
+          </a:lnRef>
+          <a:fillRef idx="1">
+            <a:schemeClr val="accent1"/>
+          </a:fillRef>
+          <a:effectRef idx="0">
+            <a:schemeClr val="accent1"/>
+          </a:effectRef>
+          <a:fontRef idx="minor">
+            <a:schemeClr val="lt1"/>
+          </a:fontRef>
+        </p:style>
+        <p:txBody>
+          <a:bodyPr rtlCol="0" anchor="ctr"/>
+          <a:lstStyle/>
+          <a:p>
+            <a:pPr algn="ctr"/>
+            <a:endParaRPr kumimoji="1" lang="ko-Kore-KR" altLang="en-US" dirty="0">
+              <a:solidFill>
+                <a:schemeClr val="tx1"/>
+              </a:solidFill>
+              <a:latin typeface="DM Mono" panose="020B0509040201040103" pitchFamily="49" charset="0"/>
+            </a:endParaRPr>
+          </a:p>
+        </p:txBody>
+      </p:sp>
+      <p:sp>
+        <p:nvSpPr>
+          <p:cNvPr id="22" name="TextBox 21">
+            <a:extLst>
+              <a:ext uri="{FF2B5EF4-FFF2-40B4-BE49-F238E27FC236}">
+                <a16:creationId xmlns:a16="http://schemas.microsoft.com/office/drawing/2014/main" id="{2060AD5E-35E6-60E4-F59E-82D5846566D0}"/>
+              </a:ext>
+            </a:extLst>
+          </p:cNvPr>
+          <p:cNvSpPr txBox="1"/>
+          <p:nvPr/>
+        </p:nvSpPr>
+        <p:spPr>
+          <a:xfrm>
+            <a:off x="6051665" y="4457201"/>
+            <a:ext cx="1025730" cy="369332"/>
+          </a:xfrm>
+          <a:prstGeom prst="rect">
+            <a:avLst/>
+          </a:prstGeom>
+          <a:noFill/>
+        </p:spPr>
+        <p:txBody>
+          <a:bodyPr wrap="square">
+            <a:spAutoFit/>
+          </a:bodyPr>
+          <a:lstStyle/>
+          <a:p>
+            <a:pPr algn="r"/>
+            <a:r>
+              <a:rPr lang="en-US" altLang="ko-Kore-KR" dirty="0">
+                <a:latin typeface="DM Mono" panose="020B0509040201040103" pitchFamily="49" charset="0"/>
+              </a:rPr>
+              <a:t>color</a:t>
+            </a:r>
+            <a:endParaRPr lang="ko-Kore-KR" altLang="en-US" dirty="0"/>
+          </a:p>
+        </p:txBody>
+      </p:sp>
+      <p:sp>
+        <p:nvSpPr>
+          <p:cNvPr id="23" name="직사각형 22">
+            <a:extLst>
+              <a:ext uri="{FF2B5EF4-FFF2-40B4-BE49-F238E27FC236}">
+                <a16:creationId xmlns:a16="http://schemas.microsoft.com/office/drawing/2014/main" id="{AF2FE565-A265-438B-A72E-356B265239ED}"/>
+              </a:ext>
+            </a:extLst>
+          </p:cNvPr>
+          <p:cNvSpPr/>
+          <p:nvPr/>
+        </p:nvSpPr>
+        <p:spPr>
+          <a:xfrm>
+            <a:off x="7077395" y="4819844"/>
+            <a:ext cx="664577" cy="355953"/>
+          </a:xfrm>
+          <a:prstGeom prst="rect">
+            <a:avLst/>
+          </a:prstGeom>
+          <a:solidFill>
+            <a:srgbClr val="FFFF00"/>
+          </a:solidFill>
+        </p:spPr>
+        <p:style>
+          <a:lnRef idx="2">
+            <a:schemeClr val="accent1">
+              <a:shade val="50000"/>
+            </a:schemeClr>
+          </a:lnRef>
+          <a:fillRef idx="1">
+            <a:schemeClr val="accent1"/>
+          </a:fillRef>
+          <a:effectRef idx="0">
+            <a:schemeClr val="accent1"/>
+          </a:effectRef>
+          <a:fontRef idx="minor">
+            <a:schemeClr val="lt1"/>
+          </a:fontRef>
+        </p:style>
+        <p:txBody>
+          <a:bodyPr rtlCol="0" anchor="ctr"/>
+          <a:lstStyle/>
+          <a:p>
+            <a:pPr algn="ctr"/>
+            <a:endParaRPr kumimoji="1" lang="ko-Kore-KR" altLang="en-US" dirty="0">
+              <a:solidFill>
+                <a:schemeClr val="tx1"/>
+              </a:solidFill>
+              <a:latin typeface="DM Mono" panose="020B0509040201040103" pitchFamily="49" charset="0"/>
+            </a:endParaRPr>
+          </a:p>
+        </p:txBody>
+      </p:sp>
+      <p:sp>
+        <p:nvSpPr>
+          <p:cNvPr id="24" name="TextBox 23">
+            <a:extLst>
+              <a:ext uri="{FF2B5EF4-FFF2-40B4-BE49-F238E27FC236}">
+                <a16:creationId xmlns:a16="http://schemas.microsoft.com/office/drawing/2014/main" id="{AB7C225E-8881-3473-1E41-4B5A0251E29E}"/>
+              </a:ext>
+            </a:extLst>
+          </p:cNvPr>
+          <p:cNvSpPr txBox="1"/>
+          <p:nvPr/>
+        </p:nvSpPr>
+        <p:spPr>
+          <a:xfrm>
+            <a:off x="6051663" y="4813154"/>
+            <a:ext cx="1025730" cy="369332"/>
+          </a:xfrm>
+          <a:prstGeom prst="rect">
+            <a:avLst/>
+          </a:prstGeom>
+          <a:noFill/>
+        </p:spPr>
+        <p:txBody>
+          <a:bodyPr wrap="square">
+            <a:spAutoFit/>
+          </a:bodyPr>
+          <a:lstStyle/>
+          <a:p>
+            <a:pPr algn="r"/>
+            <a:r>
+              <a:rPr lang="en-US" altLang="ko-Kore-KR" dirty="0">
+                <a:latin typeface="DM Mono" panose="020B0509040201040103" pitchFamily="49" charset="0"/>
+              </a:rPr>
+              <a:t>height</a:t>
+            </a:r>
+            <a:endParaRPr lang="ko-Kore-KR" altLang="en-US" dirty="0"/>
+          </a:p>
+        </p:txBody>
+      </p:sp>
+      <p:sp>
+        <p:nvSpPr>
+          <p:cNvPr id="2" name="직사각형 1">
+            <a:extLst>
+              <a:ext uri="{FF2B5EF4-FFF2-40B4-BE49-F238E27FC236}">
+                <a16:creationId xmlns:a16="http://schemas.microsoft.com/office/drawing/2014/main" id="{9BD37063-DA88-C4B2-BBAC-AFFFFC2B8605}"/>
+              </a:ext>
+            </a:extLst>
+          </p:cNvPr>
+          <p:cNvSpPr/>
+          <p:nvPr/>
+        </p:nvSpPr>
+        <p:spPr>
+          <a:xfrm>
+            <a:off x="7077399" y="1658911"/>
+            <a:ext cx="664577" cy="355953"/>
+          </a:xfrm>
+          <a:prstGeom prst="rect">
+            <a:avLst/>
+          </a:prstGeom>
+          <a:solidFill>
+            <a:srgbClr val="FFFF00"/>
+          </a:solidFill>
+        </p:spPr>
+        <p:style>
+          <a:lnRef idx="2">
+            <a:schemeClr val="accent1">
+              <a:shade val="50000"/>
+            </a:schemeClr>
+          </a:lnRef>
+          <a:fillRef idx="1">
+            <a:schemeClr val="accent1"/>
+          </a:fillRef>
+          <a:effectRef idx="0">
+            <a:schemeClr val="accent1"/>
+          </a:effectRef>
+          <a:fontRef idx="minor">
+            <a:schemeClr val="lt1"/>
+          </a:fontRef>
+        </p:style>
+        <p:txBody>
+          <a:bodyPr rtlCol="0" anchor="ctr"/>
+          <a:lstStyle/>
+          <a:p>
+            <a:pPr algn="ctr"/>
+            <a:endParaRPr kumimoji="1" lang="ko-Kore-KR" altLang="en-US" dirty="0">
+              <a:solidFill>
+                <a:schemeClr val="tx1"/>
+              </a:solidFill>
+              <a:latin typeface="DM Mono" panose="020B0509040201040103" pitchFamily="49" charset="0"/>
+            </a:endParaRPr>
+          </a:p>
+        </p:txBody>
+      </p:sp>
+      <p:sp>
+        <p:nvSpPr>
+          <p:cNvPr id="3" name="TextBox 2">
+            <a:extLst>
+              <a:ext uri="{FF2B5EF4-FFF2-40B4-BE49-F238E27FC236}">
+                <a16:creationId xmlns:a16="http://schemas.microsoft.com/office/drawing/2014/main" id="{84E9E6E7-A4D6-F477-269B-8985788A0842}"/>
+              </a:ext>
+            </a:extLst>
+          </p:cNvPr>
+          <p:cNvSpPr txBox="1"/>
+          <p:nvPr/>
+        </p:nvSpPr>
+        <p:spPr>
+          <a:xfrm>
+            <a:off x="6051667" y="1652221"/>
+            <a:ext cx="1025730" cy="369332"/>
+          </a:xfrm>
+          <a:prstGeom prst="rect">
+            <a:avLst/>
+          </a:prstGeom>
+          <a:noFill/>
+        </p:spPr>
+        <p:txBody>
+          <a:bodyPr wrap="square">
+            <a:spAutoFit/>
+          </a:bodyPr>
+          <a:lstStyle/>
+          <a:p>
+            <a:pPr algn="r"/>
+            <a:r>
+              <a:rPr lang="en-US" altLang="ko-Kore-KR" dirty="0">
+                <a:latin typeface="DM Mono" panose="020B0509040201040103" pitchFamily="49" charset="0"/>
+              </a:rPr>
+              <a:t>age</a:t>
+            </a:r>
+            <a:endParaRPr lang="ko-Kore-KR" altLang="en-US" dirty="0"/>
+          </a:p>
+        </p:txBody>
+      </p:sp>
+      <p:sp>
+        <p:nvSpPr>
+          <p:cNvPr id="6" name="직사각형 5">
+            <a:extLst>
+              <a:ext uri="{FF2B5EF4-FFF2-40B4-BE49-F238E27FC236}">
+                <a16:creationId xmlns:a16="http://schemas.microsoft.com/office/drawing/2014/main" id="{4CE6EB93-F770-6D30-AB71-525EDAFE8C32}"/>
+              </a:ext>
+            </a:extLst>
+          </p:cNvPr>
+          <p:cNvSpPr/>
+          <p:nvPr/>
+        </p:nvSpPr>
+        <p:spPr>
+          <a:xfrm>
+            <a:off x="7077393" y="3756497"/>
+            <a:ext cx="664577" cy="355953"/>
+          </a:xfrm>
+          <a:prstGeom prst="rect">
+            <a:avLst/>
+          </a:prstGeom>
+          <a:solidFill>
+            <a:srgbClr val="00B0F0"/>
+          </a:solidFill>
+        </p:spPr>
+        <p:style>
+          <a:lnRef idx="2">
+            <a:schemeClr val="accent1">
+              <a:shade val="50000"/>
+            </a:schemeClr>
+          </a:lnRef>
+          <a:fillRef idx="1">
+            <a:schemeClr val="accent1"/>
+          </a:fillRef>
+          <a:effectRef idx="0">
+            <a:schemeClr val="accent1"/>
+          </a:effectRef>
+          <a:fontRef idx="minor">
+            <a:schemeClr val="lt1"/>
+          </a:fontRef>
+        </p:style>
+        <p:txBody>
+          <a:bodyPr rtlCol="0" anchor="ctr"/>
+          <a:lstStyle/>
+          <a:p>
+            <a:pPr algn="ctr"/>
+            <a:endParaRPr kumimoji="1" lang="ko-Kore-KR" altLang="en-US" dirty="0">
+              <a:solidFill>
+                <a:schemeClr val="tx1"/>
+              </a:solidFill>
+              <a:latin typeface="DM Mono" panose="020B0509040201040103" pitchFamily="49" charset="0"/>
+            </a:endParaRPr>
+          </a:p>
+        </p:txBody>
+      </p:sp>
+      <p:sp>
+        <p:nvSpPr>
+          <p:cNvPr id="7" name="TextBox 6">
+            <a:extLst>
+              <a:ext uri="{FF2B5EF4-FFF2-40B4-BE49-F238E27FC236}">
+                <a16:creationId xmlns:a16="http://schemas.microsoft.com/office/drawing/2014/main" id="{7AF716B2-435D-A7C7-7BA7-29624A2D6AE9}"/>
+              </a:ext>
+            </a:extLst>
+          </p:cNvPr>
+          <p:cNvSpPr txBox="1"/>
+          <p:nvPr/>
+        </p:nvSpPr>
+        <p:spPr>
+          <a:xfrm>
+            <a:off x="6051661" y="3749807"/>
+            <a:ext cx="1025730" cy="369332"/>
+          </a:xfrm>
+          <a:prstGeom prst="rect">
+            <a:avLst/>
+          </a:prstGeom>
+          <a:noFill/>
+        </p:spPr>
+        <p:txBody>
+          <a:bodyPr wrap="square">
+            <a:spAutoFit/>
+          </a:bodyPr>
+          <a:lstStyle/>
+          <a:p>
+            <a:pPr algn="r"/>
+            <a:r>
+              <a:rPr lang="en-US" altLang="ko-Kore-KR" dirty="0" err="1">
+                <a:latin typeface="DM Mono" panose="020B0509040201040103" pitchFamily="49" charset="0"/>
+              </a:rPr>
+              <a:t>vftp</a:t>
+            </a:r>
+            <a:endParaRPr lang="ko-Kore-KR" altLang="en-US" dirty="0"/>
+          </a:p>
+        </p:txBody>
+      </p:sp>
+      <p:sp>
+        <p:nvSpPr>
+          <p:cNvPr id="8" name="직사각형 7">
+            <a:extLst>
+              <a:ext uri="{FF2B5EF4-FFF2-40B4-BE49-F238E27FC236}">
+                <a16:creationId xmlns:a16="http://schemas.microsoft.com/office/drawing/2014/main" id="{C5B58F6C-CB5C-BC57-A0B5-FC334C8FEC3A}"/>
+              </a:ext>
+            </a:extLst>
+          </p:cNvPr>
+          <p:cNvSpPr/>
+          <p:nvPr/>
+        </p:nvSpPr>
+        <p:spPr>
+          <a:xfrm>
+            <a:off x="9777682" y="762339"/>
+            <a:ext cx="1754751" cy="355953"/>
+          </a:xfrm>
+          <a:prstGeom prst="rect">
+            <a:avLst/>
+          </a:prstGeom>
+          <a:solidFill>
+            <a:srgbClr val="FFFF00"/>
+          </a:solidFill>
+        </p:spPr>
+        <p:style>
+          <a:lnRef idx="2">
+            <a:schemeClr val="accent1">
+              <a:shade val="50000"/>
+            </a:schemeClr>
+          </a:lnRef>
+          <a:fillRef idx="1">
+            <a:schemeClr val="accent1"/>
+          </a:fillRef>
+          <a:effectRef idx="0">
+            <a:schemeClr val="accent1"/>
+          </a:effectRef>
+          <a:fontRef idx="minor">
+            <a:schemeClr val="lt1"/>
+          </a:fontRef>
+        </p:style>
+        <p:txBody>
+          <a:bodyPr rtlCol="0" anchor="ctr"/>
+          <a:lstStyle/>
+          <a:p>
+            <a:pPr algn="ctr"/>
+            <a:r>
+              <a:rPr kumimoji="1" lang="en-US" altLang="ko-Kore-KR" dirty="0">
+                <a:solidFill>
+                  <a:schemeClr val="tx1"/>
+                </a:solidFill>
+                <a:latin typeface="DM Mono" panose="020B0509040201040103" pitchFamily="49" charset="0"/>
+              </a:rPr>
+              <a:t>Animal::Go</a:t>
+            </a:r>
+            <a:endParaRPr kumimoji="1" lang="ko-Kore-KR" altLang="en-US" dirty="0">
+              <a:solidFill>
+                <a:schemeClr val="tx1"/>
+              </a:solidFill>
+              <a:latin typeface="DM Mono" panose="020B0509040201040103" pitchFamily="49" charset="0"/>
+            </a:endParaRPr>
+          </a:p>
+        </p:txBody>
+      </p:sp>
+      <p:sp>
+        <p:nvSpPr>
+          <p:cNvPr id="9" name="TextBox 8">
+            <a:extLst>
+              <a:ext uri="{FF2B5EF4-FFF2-40B4-BE49-F238E27FC236}">
+                <a16:creationId xmlns:a16="http://schemas.microsoft.com/office/drawing/2014/main" id="{8CF50B41-9586-D4F9-0BAB-5D3A237D7EB3}"/>
+              </a:ext>
+            </a:extLst>
+          </p:cNvPr>
+          <p:cNvSpPr txBox="1"/>
+          <p:nvPr/>
+        </p:nvSpPr>
+        <p:spPr>
+          <a:xfrm>
+            <a:off x="8751950" y="755649"/>
+            <a:ext cx="1025730" cy="369332"/>
+          </a:xfrm>
+          <a:prstGeom prst="rect">
+            <a:avLst/>
+          </a:prstGeom>
+          <a:noFill/>
+        </p:spPr>
+        <p:txBody>
+          <a:bodyPr wrap="square">
+            <a:spAutoFit/>
+          </a:bodyPr>
+          <a:lstStyle/>
+          <a:p>
+            <a:pPr algn="r"/>
+            <a:r>
+              <a:rPr lang="en-US" altLang="ko-Kore-KR" dirty="0">
+                <a:latin typeface="DM Mono" panose="020B0509040201040103" pitchFamily="49" charset="0"/>
+              </a:rPr>
+              <a:t>0</a:t>
+            </a:r>
+            <a:endParaRPr lang="ko-Kore-KR" altLang="en-US" dirty="0"/>
+          </a:p>
+        </p:txBody>
+      </p:sp>
+      <p:sp>
+        <p:nvSpPr>
+          <p:cNvPr id="32" name="TextBox 31">
+            <a:extLst>
+              <a:ext uri="{FF2B5EF4-FFF2-40B4-BE49-F238E27FC236}">
+                <a16:creationId xmlns:a16="http://schemas.microsoft.com/office/drawing/2014/main" id="{361EE031-3229-ECD7-0489-E34DACFCC51C}"/>
+              </a:ext>
+            </a:extLst>
+          </p:cNvPr>
+          <p:cNvSpPr txBox="1"/>
+          <p:nvPr/>
+        </p:nvSpPr>
+        <p:spPr>
+          <a:xfrm>
+            <a:off x="9594406" y="379628"/>
+            <a:ext cx="2121301" cy="369332"/>
+          </a:xfrm>
+          <a:prstGeom prst="rect">
+            <a:avLst/>
+          </a:prstGeom>
+          <a:noFill/>
+        </p:spPr>
+        <p:txBody>
+          <a:bodyPr wrap="square">
+            <a:spAutoFit/>
+          </a:bodyPr>
+          <a:lstStyle/>
+          <a:p>
+            <a:pPr algn="r"/>
+            <a:r>
+              <a:rPr lang="en-US" altLang="ko-Kore-KR" dirty="0">
+                <a:latin typeface="DM Mono" panose="020B0509040201040103" pitchFamily="49" charset="0"/>
+              </a:rPr>
+              <a:t>Animal</a:t>
+            </a:r>
+            <a:endParaRPr lang="ko-Kore-KR" altLang="en-US" dirty="0"/>
+          </a:p>
+        </p:txBody>
+      </p:sp>
+      <p:cxnSp>
+        <p:nvCxnSpPr>
+          <p:cNvPr id="34" name="구부러진 연결선[U] 33">
+            <a:extLst>
+              <a:ext uri="{FF2B5EF4-FFF2-40B4-BE49-F238E27FC236}">
+                <a16:creationId xmlns:a16="http://schemas.microsoft.com/office/drawing/2014/main" id="{79AA94D7-6E8C-8CAC-AF80-77E054B15D56}"/>
+              </a:ext>
+            </a:extLst>
+          </p:cNvPr>
+          <p:cNvCxnSpPr>
+            <a:stCxn id="13" idx="3"/>
+            <a:endCxn id="8" idx="0"/>
+          </p:cNvCxnSpPr>
+          <p:nvPr/>
+        </p:nvCxnSpPr>
+        <p:spPr>
+          <a:xfrm flipV="1">
+            <a:off x="7741984" y="762339"/>
+            <a:ext cx="2913074" cy="726536"/>
+          </a:xfrm>
+          <a:prstGeom prst="curvedConnector4">
+            <a:avLst>
+              <a:gd name="adj1" fmla="val 34941"/>
+              <a:gd name="adj2" fmla="val 131464"/>
+            </a:avLst>
+          </a:prstGeom>
+          <a:ln w="12700">
+            <a:tailEnd type="triangle"/>
+          </a:ln>
+        </p:spPr>
+        <p:style>
+          <a:lnRef idx="1">
+            <a:schemeClr val="dk1"/>
+          </a:lnRef>
+          <a:fillRef idx="0">
+            <a:schemeClr val="dk1"/>
+          </a:fillRef>
+          <a:effectRef idx="0">
+            <a:schemeClr val="dk1"/>
+          </a:effectRef>
+          <a:fontRef idx="minor">
+            <a:schemeClr val="tx1"/>
+          </a:fontRef>
+        </p:style>
+      </p:cxnSp>
+      <p:sp>
+        <p:nvSpPr>
+          <p:cNvPr id="35" name="직사각형 34">
+            <a:extLst>
+              <a:ext uri="{FF2B5EF4-FFF2-40B4-BE49-F238E27FC236}">
+                <a16:creationId xmlns:a16="http://schemas.microsoft.com/office/drawing/2014/main" id="{B27FBBFE-33CC-6C59-CE89-5983C92C1FEA}"/>
+              </a:ext>
+            </a:extLst>
+          </p:cNvPr>
+          <p:cNvSpPr/>
+          <p:nvPr/>
+        </p:nvSpPr>
+        <p:spPr>
+          <a:xfrm>
+            <a:off x="9710226" y="3400544"/>
+            <a:ext cx="1754751" cy="355953"/>
+          </a:xfrm>
+          <a:prstGeom prst="rect">
+            <a:avLst/>
+          </a:prstGeom>
+          <a:solidFill>
+            <a:srgbClr val="FFFF00"/>
+          </a:solidFill>
+        </p:spPr>
+        <p:style>
+          <a:lnRef idx="2">
+            <a:schemeClr val="accent1">
+              <a:shade val="50000"/>
+            </a:schemeClr>
+          </a:lnRef>
+          <a:fillRef idx="1">
+            <a:schemeClr val="accent1"/>
+          </a:fillRef>
+          <a:effectRef idx="0">
+            <a:schemeClr val="accent1"/>
+          </a:effectRef>
+          <a:fontRef idx="minor">
+            <a:schemeClr val="lt1"/>
+          </a:fontRef>
+        </p:style>
+        <p:txBody>
+          <a:bodyPr rtlCol="0" anchor="ctr"/>
+          <a:lstStyle/>
+          <a:p>
+            <a:pPr algn="ctr"/>
+            <a:r>
+              <a:rPr kumimoji="1" lang="en-US" altLang="ko-Kore-KR" dirty="0">
+                <a:solidFill>
+                  <a:schemeClr val="tx1"/>
+                </a:solidFill>
+                <a:latin typeface="DM Mono" panose="020B0509040201040103" pitchFamily="49" charset="0"/>
+              </a:rPr>
+              <a:t>Animal::Go</a:t>
+            </a:r>
+            <a:endParaRPr kumimoji="1" lang="ko-Kore-KR" altLang="en-US" dirty="0">
+              <a:solidFill>
+                <a:schemeClr val="tx1"/>
+              </a:solidFill>
+              <a:latin typeface="DM Mono" panose="020B0509040201040103" pitchFamily="49" charset="0"/>
+            </a:endParaRPr>
+          </a:p>
+        </p:txBody>
+      </p:sp>
+      <p:sp>
+        <p:nvSpPr>
+          <p:cNvPr id="36" name="TextBox 35">
+            <a:extLst>
+              <a:ext uri="{FF2B5EF4-FFF2-40B4-BE49-F238E27FC236}">
+                <a16:creationId xmlns:a16="http://schemas.microsoft.com/office/drawing/2014/main" id="{BC3DF531-BA17-814A-AFF3-8817B3842960}"/>
+              </a:ext>
+            </a:extLst>
+          </p:cNvPr>
+          <p:cNvSpPr txBox="1"/>
+          <p:nvPr/>
+        </p:nvSpPr>
+        <p:spPr>
+          <a:xfrm>
+            <a:off x="8684494" y="3393854"/>
+            <a:ext cx="1025730" cy="369332"/>
+          </a:xfrm>
+          <a:prstGeom prst="rect">
+            <a:avLst/>
+          </a:prstGeom>
+          <a:noFill/>
+        </p:spPr>
+        <p:txBody>
+          <a:bodyPr wrap="square">
+            <a:spAutoFit/>
+          </a:bodyPr>
+          <a:lstStyle/>
+          <a:p>
+            <a:pPr algn="r"/>
+            <a:r>
+              <a:rPr lang="en-US" altLang="ko-Kore-KR" dirty="0">
+                <a:latin typeface="DM Mono" panose="020B0509040201040103" pitchFamily="49" charset="0"/>
+              </a:rPr>
+              <a:t>0</a:t>
+            </a:r>
+            <a:endParaRPr lang="ko-Kore-KR" altLang="en-US" dirty="0"/>
+          </a:p>
+        </p:txBody>
+      </p:sp>
+      <p:sp>
+        <p:nvSpPr>
+          <p:cNvPr id="37" name="TextBox 36">
+            <a:extLst>
+              <a:ext uri="{FF2B5EF4-FFF2-40B4-BE49-F238E27FC236}">
+                <a16:creationId xmlns:a16="http://schemas.microsoft.com/office/drawing/2014/main" id="{AEBFD3E7-BAB2-231D-A761-6D69D4A86525}"/>
+              </a:ext>
+            </a:extLst>
+          </p:cNvPr>
+          <p:cNvSpPr txBox="1"/>
+          <p:nvPr/>
+        </p:nvSpPr>
+        <p:spPr>
+          <a:xfrm>
+            <a:off x="9526950" y="3017833"/>
+            <a:ext cx="2121301" cy="369332"/>
+          </a:xfrm>
+          <a:prstGeom prst="rect">
+            <a:avLst/>
+          </a:prstGeom>
+          <a:noFill/>
+        </p:spPr>
+        <p:txBody>
+          <a:bodyPr wrap="square">
+            <a:spAutoFit/>
+          </a:bodyPr>
+          <a:lstStyle/>
+          <a:p>
+            <a:pPr algn="r"/>
+            <a:r>
+              <a:rPr lang="en-US" altLang="ko-Kore-KR" dirty="0">
+                <a:latin typeface="DM Mono" panose="020B0509040201040103" pitchFamily="49" charset="0"/>
+              </a:rPr>
+              <a:t>Dog</a:t>
+            </a:r>
+            <a:endParaRPr lang="ko-Kore-KR" altLang="en-US" dirty="0"/>
+          </a:p>
+        </p:txBody>
+      </p:sp>
+      <p:cxnSp>
+        <p:nvCxnSpPr>
+          <p:cNvPr id="38" name="구부러진 연결선[U] 37">
+            <a:extLst>
+              <a:ext uri="{FF2B5EF4-FFF2-40B4-BE49-F238E27FC236}">
+                <a16:creationId xmlns:a16="http://schemas.microsoft.com/office/drawing/2014/main" id="{9B095572-FB4A-F6B5-A3DA-3B09C0733BE7}"/>
+              </a:ext>
+            </a:extLst>
+          </p:cNvPr>
+          <p:cNvCxnSpPr>
+            <a:cxnSpLocks/>
+            <a:stCxn id="6" idx="3"/>
+            <a:endCxn id="35" idx="0"/>
+          </p:cNvCxnSpPr>
+          <p:nvPr/>
+        </p:nvCxnSpPr>
+        <p:spPr>
+          <a:xfrm flipV="1">
+            <a:off x="7741970" y="3400544"/>
+            <a:ext cx="2845632" cy="533930"/>
+          </a:xfrm>
+          <a:prstGeom prst="curvedConnector4">
+            <a:avLst>
+              <a:gd name="adj1" fmla="val 34584"/>
+              <a:gd name="adj2" fmla="val 142815"/>
+            </a:avLst>
+          </a:prstGeom>
+          <a:ln w="12700">
+            <a:tailEnd type="triangle"/>
+          </a:ln>
+        </p:spPr>
+        <p:style>
+          <a:lnRef idx="1">
+            <a:schemeClr val="dk1"/>
+          </a:lnRef>
+          <a:fillRef idx="0">
+            <a:schemeClr val="dk1"/>
+          </a:fillRef>
+          <a:effectRef idx="0">
+            <a:schemeClr val="dk1"/>
+          </a:effectRef>
+          <a:fontRef idx="minor">
+            <a:schemeClr val="tx1"/>
+          </a:fontRef>
+        </p:style>
+      </p:cxnSp>
+      <p:sp>
+        <p:nvSpPr>
+          <p:cNvPr id="41" name="직사각형 40">
+            <a:extLst>
+              <a:ext uri="{FF2B5EF4-FFF2-40B4-BE49-F238E27FC236}">
+                <a16:creationId xmlns:a16="http://schemas.microsoft.com/office/drawing/2014/main" id="{4382546F-3589-EE62-EFC1-A86F3616B150}"/>
+              </a:ext>
+            </a:extLst>
+          </p:cNvPr>
+          <p:cNvSpPr/>
+          <p:nvPr/>
+        </p:nvSpPr>
+        <p:spPr>
+          <a:xfrm>
+            <a:off x="7103802" y="2407705"/>
+            <a:ext cx="664577" cy="355953"/>
+          </a:xfrm>
+          <a:prstGeom prst="rect">
+            <a:avLst/>
+          </a:prstGeom>
+          <a:solidFill>
+            <a:srgbClr val="00B0F0"/>
+          </a:solidFill>
+        </p:spPr>
+        <p:style>
+          <a:lnRef idx="2">
+            <a:schemeClr val="accent1">
+              <a:shade val="50000"/>
+            </a:schemeClr>
+          </a:lnRef>
+          <a:fillRef idx="1">
+            <a:schemeClr val="accent1"/>
+          </a:fillRef>
+          <a:effectRef idx="0">
+            <a:schemeClr val="accent1"/>
+          </a:effectRef>
+          <a:fontRef idx="minor">
+            <a:schemeClr val="lt1"/>
+          </a:fontRef>
+        </p:style>
+        <p:txBody>
+          <a:bodyPr rtlCol="0" anchor="ctr"/>
+          <a:lstStyle/>
+          <a:p>
+            <a:pPr algn="ctr"/>
+            <a:endParaRPr kumimoji="1" lang="ko-Kore-KR" altLang="en-US" dirty="0">
+              <a:solidFill>
+                <a:schemeClr val="tx1"/>
+              </a:solidFill>
+              <a:latin typeface="DM Mono" panose="020B0509040201040103" pitchFamily="49" charset="0"/>
+            </a:endParaRPr>
+          </a:p>
+        </p:txBody>
+      </p:sp>
+      <p:sp>
+        <p:nvSpPr>
+          <p:cNvPr id="42" name="TextBox 41">
+            <a:extLst>
+              <a:ext uri="{FF2B5EF4-FFF2-40B4-BE49-F238E27FC236}">
+                <a16:creationId xmlns:a16="http://schemas.microsoft.com/office/drawing/2014/main" id="{6D0BBAC4-321E-22E4-8B18-0C644E486471}"/>
+              </a:ext>
+            </a:extLst>
+          </p:cNvPr>
+          <p:cNvSpPr txBox="1"/>
+          <p:nvPr/>
+        </p:nvSpPr>
+        <p:spPr>
+          <a:xfrm>
+            <a:off x="6078070" y="2401015"/>
+            <a:ext cx="1025730" cy="369332"/>
+          </a:xfrm>
+          <a:prstGeom prst="rect">
+            <a:avLst/>
+          </a:prstGeom>
+          <a:noFill/>
+        </p:spPr>
+        <p:txBody>
+          <a:bodyPr wrap="square">
+            <a:spAutoFit/>
+          </a:bodyPr>
+          <a:lstStyle/>
+          <a:p>
+            <a:pPr algn="r"/>
+            <a:r>
+              <a:rPr lang="en-US" altLang="ko-Kore-KR" dirty="0" err="1">
+                <a:latin typeface="DM Mono" panose="020B0509040201040103" pitchFamily="49" charset="0"/>
+              </a:rPr>
+              <a:t>vftp</a:t>
+            </a:r>
+            <a:endParaRPr lang="ko-Kore-KR" altLang="en-US" dirty="0"/>
+          </a:p>
+        </p:txBody>
+      </p:sp>
+      <p:sp>
+        <p:nvSpPr>
+          <p:cNvPr id="44" name="직사각형 43">
+            <a:extLst>
+              <a:ext uri="{FF2B5EF4-FFF2-40B4-BE49-F238E27FC236}">
+                <a16:creationId xmlns:a16="http://schemas.microsoft.com/office/drawing/2014/main" id="{DD912682-5296-9B40-870A-BF4E5A86856E}"/>
+              </a:ext>
+            </a:extLst>
+          </p:cNvPr>
+          <p:cNvSpPr/>
+          <p:nvPr/>
+        </p:nvSpPr>
+        <p:spPr>
+          <a:xfrm>
+            <a:off x="7103794" y="2755718"/>
+            <a:ext cx="664577" cy="355953"/>
+          </a:xfrm>
+          <a:prstGeom prst="rect">
+            <a:avLst/>
+          </a:prstGeom>
+          <a:solidFill>
+            <a:srgbClr val="FFFF00"/>
+          </a:solidFill>
+        </p:spPr>
+        <p:style>
+          <a:lnRef idx="2">
+            <a:schemeClr val="accent1">
+              <a:shade val="50000"/>
+            </a:schemeClr>
+          </a:lnRef>
+          <a:fillRef idx="1">
+            <a:schemeClr val="accent1"/>
+          </a:fillRef>
+          <a:effectRef idx="0">
+            <a:schemeClr val="accent1"/>
+          </a:effectRef>
+          <a:fontRef idx="minor">
+            <a:schemeClr val="lt1"/>
+          </a:fontRef>
+        </p:style>
+        <p:txBody>
+          <a:bodyPr rtlCol="0" anchor="ctr"/>
+          <a:lstStyle/>
+          <a:p>
+            <a:pPr algn="ctr"/>
+            <a:endParaRPr kumimoji="1" lang="ko-Kore-KR" altLang="en-US" dirty="0">
+              <a:solidFill>
+                <a:schemeClr val="tx1"/>
+              </a:solidFill>
+              <a:latin typeface="DM Mono" panose="020B0509040201040103" pitchFamily="49" charset="0"/>
+            </a:endParaRPr>
+          </a:p>
+        </p:txBody>
+      </p:sp>
+      <p:sp>
+        <p:nvSpPr>
+          <p:cNvPr id="45" name="TextBox 44">
+            <a:extLst>
+              <a:ext uri="{FF2B5EF4-FFF2-40B4-BE49-F238E27FC236}">
+                <a16:creationId xmlns:a16="http://schemas.microsoft.com/office/drawing/2014/main" id="{7152F823-CA55-67C8-893D-7E36AA614F8C}"/>
+              </a:ext>
+            </a:extLst>
+          </p:cNvPr>
+          <p:cNvSpPr txBox="1"/>
+          <p:nvPr/>
+        </p:nvSpPr>
+        <p:spPr>
+          <a:xfrm>
+            <a:off x="6078062" y="2749028"/>
+            <a:ext cx="1025730" cy="369332"/>
+          </a:xfrm>
+          <a:prstGeom prst="rect">
+            <a:avLst/>
+          </a:prstGeom>
+          <a:noFill/>
+        </p:spPr>
+        <p:txBody>
+          <a:bodyPr wrap="square">
+            <a:spAutoFit/>
+          </a:bodyPr>
+          <a:lstStyle/>
+          <a:p>
+            <a:pPr algn="r"/>
+            <a:r>
+              <a:rPr lang="en-US" altLang="ko-Kore-KR" dirty="0">
+                <a:latin typeface="DM Mono" panose="020B0509040201040103" pitchFamily="49" charset="0"/>
+              </a:rPr>
+              <a:t>age</a:t>
+            </a:r>
+            <a:endParaRPr lang="ko-Kore-KR" altLang="en-US" dirty="0"/>
+          </a:p>
+        </p:txBody>
+      </p:sp>
+      <p:cxnSp>
+        <p:nvCxnSpPr>
+          <p:cNvPr id="46" name="구부러진 연결선[U] 45">
+            <a:extLst>
+              <a:ext uri="{FF2B5EF4-FFF2-40B4-BE49-F238E27FC236}">
+                <a16:creationId xmlns:a16="http://schemas.microsoft.com/office/drawing/2014/main" id="{C638B171-F42F-EB97-E812-B9FBE7FBF939}"/>
+              </a:ext>
+            </a:extLst>
+          </p:cNvPr>
+          <p:cNvCxnSpPr>
+            <a:cxnSpLocks/>
+            <a:stCxn id="41" idx="3"/>
+            <a:endCxn id="8" idx="0"/>
+          </p:cNvCxnSpPr>
+          <p:nvPr/>
+        </p:nvCxnSpPr>
+        <p:spPr>
+          <a:xfrm flipV="1">
+            <a:off x="7768379" y="762339"/>
+            <a:ext cx="2886679" cy="1823343"/>
+          </a:xfrm>
+          <a:prstGeom prst="curvedConnector4">
+            <a:avLst>
+              <a:gd name="adj1" fmla="val 34803"/>
+              <a:gd name="adj2" fmla="val 112537"/>
+            </a:avLst>
+          </a:prstGeom>
+          <a:ln w="12700">
+            <a:tailEnd type="triangle"/>
+          </a:ln>
+        </p:spPr>
+        <p:style>
+          <a:lnRef idx="1">
+            <a:schemeClr val="dk1"/>
+          </a:lnRef>
+          <a:fillRef idx="0">
+            <a:schemeClr val="dk1"/>
+          </a:fillRef>
+          <a:effectRef idx="0">
+            <a:schemeClr val="dk1"/>
+          </a:effectRef>
+          <a:fontRef idx="minor">
+            <a:schemeClr val="tx1"/>
+          </a:fontRef>
+        </p:style>
+      </p:cxnSp>
+    </p:spTree>
+    <p:extLst>
+      <p:ext uri="{BB962C8B-B14F-4D97-AF65-F5344CB8AC3E}">
+        <p14:creationId xmlns:p14="http://schemas.microsoft.com/office/powerpoint/2010/main" val="2656876738"/>
+      </p:ext>
+    </p:extLst>
+  </p:cSld>
+  <p:clrMapOvr>
+    <a:masterClrMapping/>
+  </p:clrMapOvr>
+</p:sld>
+</file>
+
+<file path=ppt/slides/slide41.xml><?xml version="1.0" encoding="utf-8"?>
+<p:sld xmlns:a="http://schemas.openxmlformats.org/drawingml/2006/main" xmlns:r="http://schemas.openxmlformats.org/officeDocument/2006/relationships" xmlns:p="http://schemas.openxmlformats.org/presentationml/2006/main">
+  <p:cSld>
+    <p:spTree>
+      <p:nvGrpSpPr>
+        <p:cNvPr id="1" name=""/>
+        <p:cNvGrpSpPr/>
+        <p:nvPr/>
+      </p:nvGrpSpPr>
+      <p:grpSpPr>
+        <a:xfrm>
+          <a:off x="0" y="0"/>
+          <a:ext cx="0" cy="0"/>
+          <a:chOff x="0" y="0"/>
+          <a:chExt cx="0" cy="0"/>
+        </a:xfrm>
+      </p:grpSpPr>
+      <p:sp>
+        <p:nvSpPr>
+          <p:cNvPr id="12" name="TextBox 11">
+            <a:extLst>
+              <a:ext uri="{FF2B5EF4-FFF2-40B4-BE49-F238E27FC236}">
+                <a16:creationId xmlns:a16="http://schemas.microsoft.com/office/drawing/2014/main" id="{5F25EAEF-DF91-27FB-007F-5E16D7BAD47D}"/>
+              </a:ext>
+            </a:extLst>
+          </p:cNvPr>
+          <p:cNvSpPr txBox="1"/>
+          <p:nvPr/>
+        </p:nvSpPr>
+        <p:spPr>
+          <a:xfrm>
+            <a:off x="379751" y="340177"/>
+            <a:ext cx="3997377" cy="3693319"/>
+          </a:xfrm>
+          <a:prstGeom prst="rect">
+            <a:avLst/>
+          </a:prstGeom>
+          <a:noFill/>
+        </p:spPr>
+        <p:txBody>
+          <a:bodyPr wrap="square">
+            <a:spAutoFit/>
+          </a:bodyPr>
+          <a:lstStyle/>
+          <a:p>
+            <a:r>
+              <a:rPr lang="ko-Kore-KR" altLang="en-US" dirty="0">
+                <a:latin typeface="DM Mono" panose="020B0509040201040103" pitchFamily="49" charset="0"/>
+              </a:rPr>
+              <a:t>class Animal</a:t>
+            </a:r>
+          </a:p>
+          <a:p>
+            <a:r>
+              <a:rPr lang="ko-Kore-KR" altLang="en-US" dirty="0">
+                <a:latin typeface="DM Mono" panose="020B0509040201040103" pitchFamily="49" charset="0"/>
+              </a:rPr>
+              <a:t>{</a:t>
+            </a:r>
+          </a:p>
+          <a:p>
+            <a:r>
+              <a:rPr lang="ko-Kore-KR" altLang="en-US" dirty="0">
+                <a:latin typeface="DM Mono" panose="020B0509040201040103" pitchFamily="49" charset="0"/>
+              </a:rPr>
+              <a:t>  int age;</a:t>
+            </a:r>
+            <a:endParaRPr lang="en-US" altLang="ko-Kore-KR" dirty="0">
+              <a:latin typeface="DM Mono" panose="020B0509040201040103" pitchFamily="49" charset="0"/>
+            </a:endParaRPr>
+          </a:p>
+          <a:p>
+            <a:r>
+              <a:rPr lang="en-US" altLang="ko-Kore-KR" dirty="0">
+                <a:latin typeface="DM Mono" panose="020B0509040201040103" pitchFamily="49" charset="0"/>
+              </a:rPr>
+              <a:t>public:</a:t>
+            </a:r>
+          </a:p>
+          <a:p>
+            <a:r>
+              <a:rPr lang="en-US" altLang="ko-Kore-KR" dirty="0">
+                <a:latin typeface="DM Mono" panose="020B0509040201040103" pitchFamily="49" charset="0"/>
+              </a:rPr>
+              <a:t>  virtual void Go() {}</a:t>
+            </a:r>
+          </a:p>
+          <a:p>
+            <a:r>
+              <a:rPr lang="en-US" altLang="ko-Kore-KR" dirty="0">
+                <a:solidFill>
+                  <a:srgbClr val="FF0000"/>
+                </a:solidFill>
+                <a:latin typeface="DM Mono" panose="020B0509040201040103" pitchFamily="49" charset="0"/>
+              </a:rPr>
+              <a:t>  virtual void Cry() {}</a:t>
+            </a:r>
+            <a:endParaRPr lang="ko-Kore-KR" altLang="en-US" dirty="0">
+              <a:solidFill>
+                <a:srgbClr val="FF0000"/>
+              </a:solidFill>
+              <a:latin typeface="DM Mono" panose="020B0509040201040103" pitchFamily="49" charset="0"/>
+            </a:endParaRPr>
+          </a:p>
+          <a:p>
+            <a:r>
+              <a:rPr lang="ko-Kore-KR" altLang="en-US" dirty="0">
+                <a:latin typeface="DM Mono" panose="020B0509040201040103" pitchFamily="49" charset="0"/>
+              </a:rPr>
+              <a:t>};</a:t>
+            </a:r>
+          </a:p>
+          <a:p>
+            <a:endParaRPr lang="ko-Kore-KR" altLang="en-US" dirty="0">
+              <a:latin typeface="DM Mono" panose="020B0509040201040103" pitchFamily="49" charset="0"/>
+            </a:endParaRPr>
+          </a:p>
+          <a:p>
+            <a:r>
+              <a:rPr lang="ko-Kore-KR" altLang="en-US" dirty="0">
+                <a:latin typeface="DM Mono" panose="020B0509040201040103" pitchFamily="49" charset="0"/>
+              </a:rPr>
+              <a:t>class Dog : public Animal</a:t>
+            </a:r>
+          </a:p>
+          <a:p>
+            <a:r>
+              <a:rPr lang="ko-Kore-KR" altLang="en-US" dirty="0">
+                <a:latin typeface="DM Mono" panose="020B0509040201040103" pitchFamily="49" charset="0"/>
+              </a:rPr>
+              <a:t>{</a:t>
+            </a:r>
+          </a:p>
+          <a:p>
+            <a:r>
+              <a:rPr lang="ko-Kore-KR" altLang="en-US" dirty="0">
+                <a:latin typeface="DM Mono" panose="020B0509040201040103" pitchFamily="49" charset="0"/>
+              </a:rPr>
+              <a:t>  int color;</a:t>
+            </a:r>
+          </a:p>
+          <a:p>
+            <a:r>
+              <a:rPr lang="ko-Kore-KR" altLang="en-US" dirty="0">
+                <a:latin typeface="DM Mono" panose="020B0509040201040103" pitchFamily="49" charset="0"/>
+              </a:rPr>
+              <a:t>  double height;</a:t>
+            </a:r>
+          </a:p>
+          <a:p>
+            <a:r>
+              <a:rPr lang="ko-Kore-KR" altLang="en-US" dirty="0">
+                <a:latin typeface="DM Mono" panose="020B0509040201040103" pitchFamily="49" charset="0"/>
+              </a:rPr>
+              <a:t>};</a:t>
+            </a:r>
+          </a:p>
+        </p:txBody>
+      </p:sp>
+      <p:sp>
+        <p:nvSpPr>
+          <p:cNvPr id="13" name="직사각형 12">
+            <a:extLst>
+              <a:ext uri="{FF2B5EF4-FFF2-40B4-BE49-F238E27FC236}">
+                <a16:creationId xmlns:a16="http://schemas.microsoft.com/office/drawing/2014/main" id="{9C9F8E3B-FEBD-2EFB-801A-65FCF27E7D06}"/>
+              </a:ext>
+            </a:extLst>
+          </p:cNvPr>
+          <p:cNvSpPr/>
+          <p:nvPr/>
+        </p:nvSpPr>
+        <p:spPr>
+          <a:xfrm>
+            <a:off x="7077407" y="1310898"/>
+            <a:ext cx="664577" cy="355953"/>
+          </a:xfrm>
+          <a:prstGeom prst="rect">
+            <a:avLst/>
+          </a:prstGeom>
+          <a:solidFill>
+            <a:srgbClr val="00B0F0"/>
+          </a:solidFill>
+        </p:spPr>
+        <p:style>
+          <a:lnRef idx="2">
+            <a:schemeClr val="accent1">
+              <a:shade val="50000"/>
+            </a:schemeClr>
+          </a:lnRef>
+          <a:fillRef idx="1">
+            <a:schemeClr val="accent1"/>
+          </a:fillRef>
+          <a:effectRef idx="0">
+            <a:schemeClr val="accent1"/>
+          </a:effectRef>
+          <a:fontRef idx="minor">
+            <a:schemeClr val="lt1"/>
+          </a:fontRef>
+        </p:style>
+        <p:txBody>
+          <a:bodyPr rtlCol="0" anchor="ctr"/>
+          <a:lstStyle/>
+          <a:p>
+            <a:pPr algn="ctr"/>
+            <a:endParaRPr kumimoji="1" lang="ko-Kore-KR" altLang="en-US" dirty="0">
+              <a:solidFill>
+                <a:schemeClr val="tx1"/>
+              </a:solidFill>
+              <a:latin typeface="DM Mono" panose="020B0509040201040103" pitchFamily="49" charset="0"/>
+            </a:endParaRPr>
+          </a:p>
+        </p:txBody>
+      </p:sp>
+      <p:sp>
+        <p:nvSpPr>
+          <p:cNvPr id="15" name="TextBox 14">
+            <a:extLst>
+              <a:ext uri="{FF2B5EF4-FFF2-40B4-BE49-F238E27FC236}">
+                <a16:creationId xmlns:a16="http://schemas.microsoft.com/office/drawing/2014/main" id="{9E68841A-4511-E7E1-BDF1-0F579561BA38}"/>
+              </a:ext>
+            </a:extLst>
+          </p:cNvPr>
+          <p:cNvSpPr txBox="1"/>
+          <p:nvPr/>
+        </p:nvSpPr>
+        <p:spPr>
+          <a:xfrm>
+            <a:off x="6051675" y="1304208"/>
+            <a:ext cx="1025730" cy="369332"/>
+          </a:xfrm>
+          <a:prstGeom prst="rect">
+            <a:avLst/>
+          </a:prstGeom>
+          <a:noFill/>
+        </p:spPr>
+        <p:txBody>
+          <a:bodyPr wrap="square">
+            <a:spAutoFit/>
+          </a:bodyPr>
+          <a:lstStyle/>
+          <a:p>
+            <a:pPr algn="r"/>
+            <a:r>
+              <a:rPr lang="en-US" altLang="ko-Kore-KR" dirty="0" err="1">
+                <a:latin typeface="DM Mono" panose="020B0509040201040103" pitchFamily="49" charset="0"/>
+              </a:rPr>
+              <a:t>vftp</a:t>
+            </a:r>
+            <a:endParaRPr lang="ko-Kore-KR" altLang="en-US" dirty="0"/>
+          </a:p>
+        </p:txBody>
+      </p:sp>
+      <p:sp>
+        <p:nvSpPr>
+          <p:cNvPr id="17" name="TextBox 16">
+            <a:extLst>
+              <a:ext uri="{FF2B5EF4-FFF2-40B4-BE49-F238E27FC236}">
+                <a16:creationId xmlns:a16="http://schemas.microsoft.com/office/drawing/2014/main" id="{96F09D79-AE13-EDF8-DEA7-05B0948B8B86}"/>
+              </a:ext>
+            </a:extLst>
+          </p:cNvPr>
+          <p:cNvSpPr txBox="1"/>
+          <p:nvPr/>
+        </p:nvSpPr>
+        <p:spPr>
+          <a:xfrm>
+            <a:off x="6525049" y="940316"/>
+            <a:ext cx="1769289" cy="369332"/>
+          </a:xfrm>
+          <a:prstGeom prst="rect">
+            <a:avLst/>
+          </a:prstGeom>
+          <a:noFill/>
+        </p:spPr>
+        <p:txBody>
+          <a:bodyPr wrap="square">
+            <a:spAutoFit/>
+          </a:bodyPr>
+          <a:lstStyle/>
+          <a:p>
+            <a:pPr algn="ctr"/>
+            <a:r>
+              <a:rPr lang="en-US" altLang="ko-Kore-KR" dirty="0">
+                <a:latin typeface="DM Mono" panose="020B0509040201040103" pitchFamily="49" charset="0"/>
+              </a:rPr>
+              <a:t>Animal a</a:t>
+            </a:r>
+            <a:endParaRPr lang="ko-Kore-KR" altLang="en-US" dirty="0"/>
+          </a:p>
+        </p:txBody>
+      </p:sp>
+      <p:sp>
+        <p:nvSpPr>
+          <p:cNvPr id="18" name="직사각형 17">
+            <a:extLst>
+              <a:ext uri="{FF2B5EF4-FFF2-40B4-BE49-F238E27FC236}">
+                <a16:creationId xmlns:a16="http://schemas.microsoft.com/office/drawing/2014/main" id="{41B8ED92-8A05-D533-AAF1-236BC168342D}"/>
+              </a:ext>
+            </a:extLst>
+          </p:cNvPr>
+          <p:cNvSpPr/>
+          <p:nvPr/>
+        </p:nvSpPr>
+        <p:spPr>
+          <a:xfrm>
+            <a:off x="7077399" y="4107938"/>
+            <a:ext cx="664577" cy="355953"/>
+          </a:xfrm>
+          <a:prstGeom prst="rect">
+            <a:avLst/>
+          </a:prstGeom>
+          <a:solidFill>
+            <a:srgbClr val="FFFF00"/>
+          </a:solidFill>
+        </p:spPr>
+        <p:style>
+          <a:lnRef idx="2">
+            <a:schemeClr val="accent1">
+              <a:shade val="50000"/>
+            </a:schemeClr>
+          </a:lnRef>
+          <a:fillRef idx="1">
+            <a:schemeClr val="accent1"/>
+          </a:fillRef>
+          <a:effectRef idx="0">
+            <a:schemeClr val="accent1"/>
+          </a:effectRef>
+          <a:fontRef idx="minor">
+            <a:schemeClr val="lt1"/>
+          </a:fontRef>
+        </p:style>
+        <p:txBody>
+          <a:bodyPr rtlCol="0" anchor="ctr"/>
+          <a:lstStyle/>
+          <a:p>
+            <a:pPr algn="ctr"/>
+            <a:endParaRPr kumimoji="1" lang="ko-Kore-KR" altLang="en-US" dirty="0">
+              <a:solidFill>
+                <a:schemeClr val="tx1"/>
+              </a:solidFill>
+              <a:latin typeface="DM Mono" panose="020B0509040201040103" pitchFamily="49" charset="0"/>
+            </a:endParaRPr>
+          </a:p>
+        </p:txBody>
+      </p:sp>
+      <p:sp>
+        <p:nvSpPr>
+          <p:cNvPr id="19" name="TextBox 18">
+            <a:extLst>
+              <a:ext uri="{FF2B5EF4-FFF2-40B4-BE49-F238E27FC236}">
+                <a16:creationId xmlns:a16="http://schemas.microsoft.com/office/drawing/2014/main" id="{FA0FAA60-E568-EAD5-2C39-4C549E97567C}"/>
+              </a:ext>
+            </a:extLst>
+          </p:cNvPr>
+          <p:cNvSpPr txBox="1"/>
+          <p:nvPr/>
+        </p:nvSpPr>
+        <p:spPr>
+          <a:xfrm>
+            <a:off x="6051667" y="4101248"/>
+            <a:ext cx="1025730" cy="369332"/>
+          </a:xfrm>
+          <a:prstGeom prst="rect">
+            <a:avLst/>
+          </a:prstGeom>
+          <a:noFill/>
+        </p:spPr>
+        <p:txBody>
+          <a:bodyPr wrap="square">
+            <a:spAutoFit/>
+          </a:bodyPr>
+          <a:lstStyle/>
+          <a:p>
+            <a:pPr algn="r"/>
+            <a:r>
+              <a:rPr lang="en-US" altLang="ko-Kore-KR" dirty="0">
+                <a:latin typeface="DM Mono" panose="020B0509040201040103" pitchFamily="49" charset="0"/>
+              </a:rPr>
+              <a:t>age</a:t>
+            </a:r>
+            <a:endParaRPr lang="ko-Kore-KR" altLang="en-US" dirty="0"/>
+          </a:p>
+        </p:txBody>
+      </p:sp>
+      <p:sp>
+        <p:nvSpPr>
+          <p:cNvPr id="20" name="TextBox 19">
+            <a:extLst>
+              <a:ext uri="{FF2B5EF4-FFF2-40B4-BE49-F238E27FC236}">
+                <a16:creationId xmlns:a16="http://schemas.microsoft.com/office/drawing/2014/main" id="{1D4CBE01-6395-3CE1-4DB3-7D368B992203}"/>
+              </a:ext>
+            </a:extLst>
+          </p:cNvPr>
+          <p:cNvSpPr txBox="1"/>
+          <p:nvPr/>
+        </p:nvSpPr>
+        <p:spPr>
+          <a:xfrm>
+            <a:off x="6525049" y="3389343"/>
+            <a:ext cx="1769289" cy="369332"/>
+          </a:xfrm>
+          <a:prstGeom prst="rect">
+            <a:avLst/>
+          </a:prstGeom>
+          <a:noFill/>
+        </p:spPr>
+        <p:txBody>
+          <a:bodyPr wrap="square">
+            <a:spAutoFit/>
+          </a:bodyPr>
+          <a:lstStyle/>
+          <a:p>
+            <a:pPr algn="ctr"/>
+            <a:r>
+              <a:rPr lang="en-US" altLang="ko-Kore-KR" dirty="0">
+                <a:latin typeface="DM Mono" panose="020B0509040201040103" pitchFamily="49" charset="0"/>
+              </a:rPr>
+              <a:t>Dog d</a:t>
+            </a:r>
+            <a:endParaRPr lang="ko-Kore-KR" altLang="en-US" dirty="0"/>
+          </a:p>
+        </p:txBody>
+      </p:sp>
+      <p:sp>
+        <p:nvSpPr>
+          <p:cNvPr id="21" name="직사각형 20">
+            <a:extLst>
+              <a:ext uri="{FF2B5EF4-FFF2-40B4-BE49-F238E27FC236}">
+                <a16:creationId xmlns:a16="http://schemas.microsoft.com/office/drawing/2014/main" id="{30A25852-ADC4-CD9F-F6F9-942ABEB3AF11}"/>
+              </a:ext>
+            </a:extLst>
+          </p:cNvPr>
+          <p:cNvSpPr/>
+          <p:nvPr/>
+        </p:nvSpPr>
+        <p:spPr>
+          <a:xfrm>
+            <a:off x="7077397" y="4463891"/>
+            <a:ext cx="664577" cy="355953"/>
+          </a:xfrm>
+          <a:prstGeom prst="rect">
+            <a:avLst/>
+          </a:prstGeom>
+          <a:solidFill>
+            <a:srgbClr val="FFFF00"/>
+          </a:solidFill>
+        </p:spPr>
+        <p:style>
+          <a:lnRef idx="2">
+            <a:schemeClr val="accent1">
+              <a:shade val="50000"/>
+            </a:schemeClr>
+          </a:lnRef>
+          <a:fillRef idx="1">
+            <a:schemeClr val="accent1"/>
+          </a:fillRef>
+          <a:effectRef idx="0">
+            <a:schemeClr val="accent1"/>
+          </a:effectRef>
+          <a:fontRef idx="minor">
+            <a:schemeClr val="lt1"/>
+          </a:fontRef>
+        </p:style>
+        <p:txBody>
+          <a:bodyPr rtlCol="0" anchor="ctr"/>
+          <a:lstStyle/>
+          <a:p>
+            <a:pPr algn="ctr"/>
+            <a:endParaRPr kumimoji="1" lang="ko-Kore-KR" altLang="en-US" dirty="0">
+              <a:solidFill>
+                <a:schemeClr val="tx1"/>
+              </a:solidFill>
+              <a:latin typeface="DM Mono" panose="020B0509040201040103" pitchFamily="49" charset="0"/>
+            </a:endParaRPr>
+          </a:p>
+        </p:txBody>
+      </p:sp>
+      <p:sp>
+        <p:nvSpPr>
+          <p:cNvPr id="22" name="TextBox 21">
+            <a:extLst>
+              <a:ext uri="{FF2B5EF4-FFF2-40B4-BE49-F238E27FC236}">
+                <a16:creationId xmlns:a16="http://schemas.microsoft.com/office/drawing/2014/main" id="{2060AD5E-35E6-60E4-F59E-82D5846566D0}"/>
+              </a:ext>
+            </a:extLst>
+          </p:cNvPr>
+          <p:cNvSpPr txBox="1"/>
+          <p:nvPr/>
+        </p:nvSpPr>
+        <p:spPr>
+          <a:xfrm>
+            <a:off x="6051665" y="4457201"/>
+            <a:ext cx="1025730" cy="369332"/>
+          </a:xfrm>
+          <a:prstGeom prst="rect">
+            <a:avLst/>
+          </a:prstGeom>
+          <a:noFill/>
+        </p:spPr>
+        <p:txBody>
+          <a:bodyPr wrap="square">
+            <a:spAutoFit/>
+          </a:bodyPr>
+          <a:lstStyle/>
+          <a:p>
+            <a:pPr algn="r"/>
+            <a:r>
+              <a:rPr lang="en-US" altLang="ko-Kore-KR" dirty="0">
+                <a:latin typeface="DM Mono" panose="020B0509040201040103" pitchFamily="49" charset="0"/>
+              </a:rPr>
+              <a:t>color</a:t>
+            </a:r>
+            <a:endParaRPr lang="ko-Kore-KR" altLang="en-US" dirty="0"/>
+          </a:p>
+        </p:txBody>
+      </p:sp>
+      <p:sp>
+        <p:nvSpPr>
+          <p:cNvPr id="23" name="직사각형 22">
+            <a:extLst>
+              <a:ext uri="{FF2B5EF4-FFF2-40B4-BE49-F238E27FC236}">
+                <a16:creationId xmlns:a16="http://schemas.microsoft.com/office/drawing/2014/main" id="{AF2FE565-A265-438B-A72E-356B265239ED}"/>
+              </a:ext>
+            </a:extLst>
+          </p:cNvPr>
+          <p:cNvSpPr/>
+          <p:nvPr/>
+        </p:nvSpPr>
+        <p:spPr>
+          <a:xfrm>
+            <a:off x="7077395" y="4819844"/>
+            <a:ext cx="664577" cy="355953"/>
+          </a:xfrm>
+          <a:prstGeom prst="rect">
+            <a:avLst/>
+          </a:prstGeom>
+          <a:solidFill>
+            <a:srgbClr val="FFFF00"/>
+          </a:solidFill>
+        </p:spPr>
+        <p:style>
+          <a:lnRef idx="2">
+            <a:schemeClr val="accent1">
+              <a:shade val="50000"/>
+            </a:schemeClr>
+          </a:lnRef>
+          <a:fillRef idx="1">
+            <a:schemeClr val="accent1"/>
+          </a:fillRef>
+          <a:effectRef idx="0">
+            <a:schemeClr val="accent1"/>
+          </a:effectRef>
+          <a:fontRef idx="minor">
+            <a:schemeClr val="lt1"/>
+          </a:fontRef>
+        </p:style>
+        <p:txBody>
+          <a:bodyPr rtlCol="0" anchor="ctr"/>
+          <a:lstStyle/>
+          <a:p>
+            <a:pPr algn="ctr"/>
+            <a:endParaRPr kumimoji="1" lang="ko-Kore-KR" altLang="en-US" dirty="0">
+              <a:solidFill>
+                <a:schemeClr val="tx1"/>
+              </a:solidFill>
+              <a:latin typeface="DM Mono" panose="020B0509040201040103" pitchFamily="49" charset="0"/>
+            </a:endParaRPr>
+          </a:p>
+        </p:txBody>
+      </p:sp>
+      <p:sp>
+        <p:nvSpPr>
+          <p:cNvPr id="24" name="TextBox 23">
+            <a:extLst>
+              <a:ext uri="{FF2B5EF4-FFF2-40B4-BE49-F238E27FC236}">
+                <a16:creationId xmlns:a16="http://schemas.microsoft.com/office/drawing/2014/main" id="{AB7C225E-8881-3473-1E41-4B5A0251E29E}"/>
+              </a:ext>
+            </a:extLst>
+          </p:cNvPr>
+          <p:cNvSpPr txBox="1"/>
+          <p:nvPr/>
+        </p:nvSpPr>
+        <p:spPr>
+          <a:xfrm>
+            <a:off x="6051663" y="4813154"/>
+            <a:ext cx="1025730" cy="369332"/>
+          </a:xfrm>
+          <a:prstGeom prst="rect">
+            <a:avLst/>
+          </a:prstGeom>
+          <a:noFill/>
+        </p:spPr>
+        <p:txBody>
+          <a:bodyPr wrap="square">
+            <a:spAutoFit/>
+          </a:bodyPr>
+          <a:lstStyle/>
+          <a:p>
+            <a:pPr algn="r"/>
+            <a:r>
+              <a:rPr lang="en-US" altLang="ko-Kore-KR" dirty="0">
+                <a:latin typeface="DM Mono" panose="020B0509040201040103" pitchFamily="49" charset="0"/>
+              </a:rPr>
+              <a:t>height</a:t>
+            </a:r>
+            <a:endParaRPr lang="ko-Kore-KR" altLang="en-US" dirty="0"/>
+          </a:p>
+        </p:txBody>
+      </p:sp>
+      <p:sp>
+        <p:nvSpPr>
+          <p:cNvPr id="2" name="직사각형 1">
+            <a:extLst>
+              <a:ext uri="{FF2B5EF4-FFF2-40B4-BE49-F238E27FC236}">
+                <a16:creationId xmlns:a16="http://schemas.microsoft.com/office/drawing/2014/main" id="{9BD37063-DA88-C4B2-BBAC-AFFFFC2B8605}"/>
+              </a:ext>
+            </a:extLst>
+          </p:cNvPr>
+          <p:cNvSpPr/>
+          <p:nvPr/>
+        </p:nvSpPr>
+        <p:spPr>
+          <a:xfrm>
+            <a:off x="7077399" y="1658911"/>
+            <a:ext cx="664577" cy="355953"/>
+          </a:xfrm>
+          <a:prstGeom prst="rect">
+            <a:avLst/>
+          </a:prstGeom>
+          <a:solidFill>
+            <a:srgbClr val="FFFF00"/>
+          </a:solidFill>
+        </p:spPr>
+        <p:style>
+          <a:lnRef idx="2">
+            <a:schemeClr val="accent1">
+              <a:shade val="50000"/>
+            </a:schemeClr>
+          </a:lnRef>
+          <a:fillRef idx="1">
+            <a:schemeClr val="accent1"/>
+          </a:fillRef>
+          <a:effectRef idx="0">
+            <a:schemeClr val="accent1"/>
+          </a:effectRef>
+          <a:fontRef idx="minor">
+            <a:schemeClr val="lt1"/>
+          </a:fontRef>
+        </p:style>
+        <p:txBody>
+          <a:bodyPr rtlCol="0" anchor="ctr"/>
+          <a:lstStyle/>
+          <a:p>
+            <a:pPr algn="ctr"/>
+            <a:endParaRPr kumimoji="1" lang="ko-Kore-KR" altLang="en-US" dirty="0">
+              <a:solidFill>
+                <a:schemeClr val="tx1"/>
+              </a:solidFill>
+              <a:latin typeface="DM Mono" panose="020B0509040201040103" pitchFamily="49" charset="0"/>
+            </a:endParaRPr>
+          </a:p>
+        </p:txBody>
+      </p:sp>
+      <p:sp>
+        <p:nvSpPr>
+          <p:cNvPr id="3" name="TextBox 2">
+            <a:extLst>
+              <a:ext uri="{FF2B5EF4-FFF2-40B4-BE49-F238E27FC236}">
+                <a16:creationId xmlns:a16="http://schemas.microsoft.com/office/drawing/2014/main" id="{84E9E6E7-A4D6-F477-269B-8985788A0842}"/>
+              </a:ext>
+            </a:extLst>
+          </p:cNvPr>
+          <p:cNvSpPr txBox="1"/>
+          <p:nvPr/>
+        </p:nvSpPr>
+        <p:spPr>
+          <a:xfrm>
+            <a:off x="6051667" y="1652221"/>
+            <a:ext cx="1025730" cy="369332"/>
+          </a:xfrm>
+          <a:prstGeom prst="rect">
+            <a:avLst/>
+          </a:prstGeom>
+          <a:noFill/>
+        </p:spPr>
+        <p:txBody>
+          <a:bodyPr wrap="square">
+            <a:spAutoFit/>
+          </a:bodyPr>
+          <a:lstStyle/>
+          <a:p>
+            <a:pPr algn="r"/>
+            <a:r>
+              <a:rPr lang="en-US" altLang="ko-Kore-KR" dirty="0">
+                <a:latin typeface="DM Mono" panose="020B0509040201040103" pitchFamily="49" charset="0"/>
+              </a:rPr>
+              <a:t>age</a:t>
+            </a:r>
+            <a:endParaRPr lang="ko-Kore-KR" altLang="en-US" dirty="0"/>
+          </a:p>
+        </p:txBody>
+      </p:sp>
+      <p:sp>
+        <p:nvSpPr>
+          <p:cNvPr id="6" name="직사각형 5">
+            <a:extLst>
+              <a:ext uri="{FF2B5EF4-FFF2-40B4-BE49-F238E27FC236}">
+                <a16:creationId xmlns:a16="http://schemas.microsoft.com/office/drawing/2014/main" id="{4CE6EB93-F770-6D30-AB71-525EDAFE8C32}"/>
+              </a:ext>
+            </a:extLst>
+          </p:cNvPr>
+          <p:cNvSpPr/>
+          <p:nvPr/>
+        </p:nvSpPr>
+        <p:spPr>
+          <a:xfrm>
+            <a:off x="7077393" y="3756497"/>
+            <a:ext cx="664577" cy="355953"/>
+          </a:xfrm>
+          <a:prstGeom prst="rect">
+            <a:avLst/>
+          </a:prstGeom>
+          <a:solidFill>
+            <a:srgbClr val="00B0F0"/>
+          </a:solidFill>
+        </p:spPr>
+        <p:style>
+          <a:lnRef idx="2">
+            <a:schemeClr val="accent1">
+              <a:shade val="50000"/>
+            </a:schemeClr>
+          </a:lnRef>
+          <a:fillRef idx="1">
+            <a:schemeClr val="accent1"/>
+          </a:fillRef>
+          <a:effectRef idx="0">
+            <a:schemeClr val="accent1"/>
+          </a:effectRef>
+          <a:fontRef idx="minor">
+            <a:schemeClr val="lt1"/>
+          </a:fontRef>
+        </p:style>
+        <p:txBody>
+          <a:bodyPr rtlCol="0" anchor="ctr"/>
+          <a:lstStyle/>
+          <a:p>
+            <a:pPr algn="ctr"/>
+            <a:endParaRPr kumimoji="1" lang="ko-Kore-KR" altLang="en-US" dirty="0">
+              <a:solidFill>
+                <a:schemeClr val="tx1"/>
+              </a:solidFill>
+              <a:latin typeface="DM Mono" panose="020B0509040201040103" pitchFamily="49" charset="0"/>
+            </a:endParaRPr>
+          </a:p>
+        </p:txBody>
+      </p:sp>
+      <p:sp>
+        <p:nvSpPr>
+          <p:cNvPr id="7" name="TextBox 6">
+            <a:extLst>
+              <a:ext uri="{FF2B5EF4-FFF2-40B4-BE49-F238E27FC236}">
+                <a16:creationId xmlns:a16="http://schemas.microsoft.com/office/drawing/2014/main" id="{7AF716B2-435D-A7C7-7BA7-29624A2D6AE9}"/>
+              </a:ext>
+            </a:extLst>
+          </p:cNvPr>
+          <p:cNvSpPr txBox="1"/>
+          <p:nvPr/>
+        </p:nvSpPr>
+        <p:spPr>
+          <a:xfrm>
+            <a:off x="6051661" y="3749807"/>
+            <a:ext cx="1025730" cy="369332"/>
+          </a:xfrm>
+          <a:prstGeom prst="rect">
+            <a:avLst/>
+          </a:prstGeom>
+          <a:noFill/>
+        </p:spPr>
+        <p:txBody>
+          <a:bodyPr wrap="square">
+            <a:spAutoFit/>
+          </a:bodyPr>
+          <a:lstStyle/>
+          <a:p>
+            <a:pPr algn="r"/>
+            <a:r>
+              <a:rPr lang="en-US" altLang="ko-Kore-KR" dirty="0" err="1">
+                <a:latin typeface="DM Mono" panose="020B0509040201040103" pitchFamily="49" charset="0"/>
+              </a:rPr>
+              <a:t>vftp</a:t>
+            </a:r>
+            <a:endParaRPr lang="ko-Kore-KR" altLang="en-US" dirty="0"/>
+          </a:p>
+        </p:txBody>
+      </p:sp>
+      <p:sp>
+        <p:nvSpPr>
+          <p:cNvPr id="8" name="직사각형 7">
+            <a:extLst>
+              <a:ext uri="{FF2B5EF4-FFF2-40B4-BE49-F238E27FC236}">
+                <a16:creationId xmlns:a16="http://schemas.microsoft.com/office/drawing/2014/main" id="{C5B58F6C-CB5C-BC57-A0B5-FC334C8FEC3A}"/>
+              </a:ext>
+            </a:extLst>
+          </p:cNvPr>
+          <p:cNvSpPr/>
+          <p:nvPr/>
+        </p:nvSpPr>
+        <p:spPr>
+          <a:xfrm>
+            <a:off x="9777682" y="762339"/>
+            <a:ext cx="1754751" cy="355953"/>
+          </a:xfrm>
+          <a:prstGeom prst="rect">
+            <a:avLst/>
+          </a:prstGeom>
+          <a:solidFill>
+            <a:srgbClr val="FFFF00"/>
+          </a:solidFill>
+        </p:spPr>
+        <p:style>
+          <a:lnRef idx="2">
+            <a:schemeClr val="accent1">
+              <a:shade val="50000"/>
+            </a:schemeClr>
+          </a:lnRef>
+          <a:fillRef idx="1">
+            <a:schemeClr val="accent1"/>
+          </a:fillRef>
+          <a:effectRef idx="0">
+            <a:schemeClr val="accent1"/>
+          </a:effectRef>
+          <a:fontRef idx="minor">
+            <a:schemeClr val="lt1"/>
+          </a:fontRef>
+        </p:style>
+        <p:txBody>
+          <a:bodyPr rtlCol="0" anchor="ctr"/>
+          <a:lstStyle/>
+          <a:p>
+            <a:pPr algn="ctr"/>
+            <a:r>
+              <a:rPr kumimoji="1" lang="en-US" altLang="ko-Kore-KR" dirty="0">
+                <a:solidFill>
+                  <a:schemeClr val="tx1"/>
+                </a:solidFill>
+                <a:latin typeface="DM Mono" panose="020B0509040201040103" pitchFamily="49" charset="0"/>
+              </a:rPr>
+              <a:t>Animal::Go</a:t>
+            </a:r>
+            <a:endParaRPr kumimoji="1" lang="ko-Kore-KR" altLang="en-US" dirty="0">
+              <a:solidFill>
+                <a:schemeClr val="tx1"/>
+              </a:solidFill>
+              <a:latin typeface="DM Mono" panose="020B0509040201040103" pitchFamily="49" charset="0"/>
+            </a:endParaRPr>
+          </a:p>
+        </p:txBody>
+      </p:sp>
+      <p:sp>
+        <p:nvSpPr>
+          <p:cNvPr id="9" name="TextBox 8">
+            <a:extLst>
+              <a:ext uri="{FF2B5EF4-FFF2-40B4-BE49-F238E27FC236}">
+                <a16:creationId xmlns:a16="http://schemas.microsoft.com/office/drawing/2014/main" id="{8CF50B41-9586-D4F9-0BAB-5D3A237D7EB3}"/>
+              </a:ext>
+            </a:extLst>
+          </p:cNvPr>
+          <p:cNvSpPr txBox="1"/>
+          <p:nvPr/>
+        </p:nvSpPr>
+        <p:spPr>
+          <a:xfrm>
+            <a:off x="8751950" y="755649"/>
+            <a:ext cx="1025730" cy="369332"/>
+          </a:xfrm>
+          <a:prstGeom prst="rect">
+            <a:avLst/>
+          </a:prstGeom>
+          <a:noFill/>
+        </p:spPr>
+        <p:txBody>
+          <a:bodyPr wrap="square">
+            <a:spAutoFit/>
+          </a:bodyPr>
+          <a:lstStyle/>
+          <a:p>
+            <a:pPr algn="r"/>
+            <a:r>
+              <a:rPr lang="en-US" altLang="ko-Kore-KR" dirty="0">
+                <a:latin typeface="DM Mono" panose="020B0509040201040103" pitchFamily="49" charset="0"/>
+              </a:rPr>
+              <a:t>0</a:t>
+            </a:r>
+            <a:endParaRPr lang="ko-Kore-KR" altLang="en-US" dirty="0"/>
+          </a:p>
+        </p:txBody>
+      </p:sp>
+      <p:sp>
+        <p:nvSpPr>
+          <p:cNvPr id="32" name="TextBox 31">
+            <a:extLst>
+              <a:ext uri="{FF2B5EF4-FFF2-40B4-BE49-F238E27FC236}">
+                <a16:creationId xmlns:a16="http://schemas.microsoft.com/office/drawing/2014/main" id="{361EE031-3229-ECD7-0489-E34DACFCC51C}"/>
+              </a:ext>
+            </a:extLst>
+          </p:cNvPr>
+          <p:cNvSpPr txBox="1"/>
+          <p:nvPr/>
+        </p:nvSpPr>
+        <p:spPr>
+          <a:xfrm>
+            <a:off x="9594406" y="379628"/>
+            <a:ext cx="2121301" cy="369332"/>
+          </a:xfrm>
+          <a:prstGeom prst="rect">
+            <a:avLst/>
+          </a:prstGeom>
+          <a:noFill/>
+        </p:spPr>
+        <p:txBody>
+          <a:bodyPr wrap="square">
+            <a:spAutoFit/>
+          </a:bodyPr>
+          <a:lstStyle/>
+          <a:p>
+            <a:pPr algn="r"/>
+            <a:r>
+              <a:rPr lang="en-US" altLang="ko-Kore-KR" dirty="0">
+                <a:latin typeface="DM Mono" panose="020B0509040201040103" pitchFamily="49" charset="0"/>
+              </a:rPr>
+              <a:t>Animal</a:t>
+            </a:r>
+            <a:endParaRPr lang="ko-Kore-KR" altLang="en-US" dirty="0"/>
+          </a:p>
+        </p:txBody>
+      </p:sp>
+      <p:cxnSp>
+        <p:nvCxnSpPr>
+          <p:cNvPr id="34" name="구부러진 연결선[U] 33">
+            <a:extLst>
+              <a:ext uri="{FF2B5EF4-FFF2-40B4-BE49-F238E27FC236}">
+                <a16:creationId xmlns:a16="http://schemas.microsoft.com/office/drawing/2014/main" id="{79AA94D7-6E8C-8CAC-AF80-77E054B15D56}"/>
+              </a:ext>
+            </a:extLst>
+          </p:cNvPr>
+          <p:cNvCxnSpPr>
+            <a:stCxn id="13" idx="3"/>
+            <a:endCxn id="8" idx="0"/>
+          </p:cNvCxnSpPr>
+          <p:nvPr/>
+        </p:nvCxnSpPr>
+        <p:spPr>
+          <a:xfrm flipV="1">
+            <a:off x="7741984" y="762339"/>
+            <a:ext cx="2913074" cy="726536"/>
+          </a:xfrm>
+          <a:prstGeom prst="curvedConnector4">
+            <a:avLst>
+              <a:gd name="adj1" fmla="val 34941"/>
+              <a:gd name="adj2" fmla="val 131464"/>
+            </a:avLst>
+          </a:prstGeom>
+          <a:ln w="12700">
+            <a:tailEnd type="triangle"/>
+          </a:ln>
+        </p:spPr>
+        <p:style>
+          <a:lnRef idx="1">
+            <a:schemeClr val="dk1"/>
+          </a:lnRef>
+          <a:fillRef idx="0">
+            <a:schemeClr val="dk1"/>
+          </a:fillRef>
+          <a:effectRef idx="0">
+            <a:schemeClr val="dk1"/>
+          </a:effectRef>
+          <a:fontRef idx="minor">
+            <a:schemeClr val="tx1"/>
+          </a:fontRef>
+        </p:style>
+      </p:cxnSp>
+      <p:sp>
+        <p:nvSpPr>
+          <p:cNvPr id="35" name="직사각형 34">
+            <a:extLst>
+              <a:ext uri="{FF2B5EF4-FFF2-40B4-BE49-F238E27FC236}">
+                <a16:creationId xmlns:a16="http://schemas.microsoft.com/office/drawing/2014/main" id="{B27FBBFE-33CC-6C59-CE89-5983C92C1FEA}"/>
+              </a:ext>
+            </a:extLst>
+          </p:cNvPr>
+          <p:cNvSpPr/>
+          <p:nvPr/>
+        </p:nvSpPr>
+        <p:spPr>
+          <a:xfrm>
+            <a:off x="9710226" y="3400544"/>
+            <a:ext cx="1754751" cy="355953"/>
+          </a:xfrm>
+          <a:prstGeom prst="rect">
+            <a:avLst/>
+          </a:prstGeom>
+          <a:solidFill>
+            <a:srgbClr val="FFFF00"/>
+          </a:solidFill>
+        </p:spPr>
+        <p:style>
+          <a:lnRef idx="2">
+            <a:schemeClr val="accent1">
+              <a:shade val="50000"/>
+            </a:schemeClr>
+          </a:lnRef>
+          <a:fillRef idx="1">
+            <a:schemeClr val="accent1"/>
+          </a:fillRef>
+          <a:effectRef idx="0">
+            <a:schemeClr val="accent1"/>
+          </a:effectRef>
+          <a:fontRef idx="minor">
+            <a:schemeClr val="lt1"/>
+          </a:fontRef>
+        </p:style>
+        <p:txBody>
+          <a:bodyPr rtlCol="0" anchor="ctr"/>
+          <a:lstStyle/>
+          <a:p>
+            <a:pPr algn="ctr"/>
+            <a:r>
+              <a:rPr kumimoji="1" lang="en-US" altLang="ko-Kore-KR" dirty="0">
+                <a:solidFill>
+                  <a:schemeClr val="tx1"/>
+                </a:solidFill>
+                <a:latin typeface="DM Mono" panose="020B0509040201040103" pitchFamily="49" charset="0"/>
+              </a:rPr>
+              <a:t>Animal::Go</a:t>
+            </a:r>
+            <a:endParaRPr kumimoji="1" lang="ko-Kore-KR" altLang="en-US" dirty="0">
+              <a:solidFill>
+                <a:schemeClr val="tx1"/>
+              </a:solidFill>
+              <a:latin typeface="DM Mono" panose="020B0509040201040103" pitchFamily="49" charset="0"/>
+            </a:endParaRPr>
+          </a:p>
+        </p:txBody>
+      </p:sp>
+      <p:sp>
+        <p:nvSpPr>
+          <p:cNvPr id="36" name="TextBox 35">
+            <a:extLst>
+              <a:ext uri="{FF2B5EF4-FFF2-40B4-BE49-F238E27FC236}">
+                <a16:creationId xmlns:a16="http://schemas.microsoft.com/office/drawing/2014/main" id="{BC3DF531-BA17-814A-AFF3-8817B3842960}"/>
+              </a:ext>
+            </a:extLst>
+          </p:cNvPr>
+          <p:cNvSpPr txBox="1"/>
+          <p:nvPr/>
+        </p:nvSpPr>
+        <p:spPr>
+          <a:xfrm>
+            <a:off x="8684494" y="3393854"/>
+            <a:ext cx="1025730" cy="369332"/>
+          </a:xfrm>
+          <a:prstGeom prst="rect">
+            <a:avLst/>
+          </a:prstGeom>
+          <a:noFill/>
+        </p:spPr>
+        <p:txBody>
+          <a:bodyPr wrap="square">
+            <a:spAutoFit/>
+          </a:bodyPr>
+          <a:lstStyle/>
+          <a:p>
+            <a:pPr algn="r"/>
+            <a:r>
+              <a:rPr lang="en-US" altLang="ko-Kore-KR" dirty="0">
+                <a:latin typeface="DM Mono" panose="020B0509040201040103" pitchFamily="49" charset="0"/>
+              </a:rPr>
+              <a:t>0</a:t>
+            </a:r>
+            <a:endParaRPr lang="ko-Kore-KR" altLang="en-US" dirty="0"/>
+          </a:p>
+        </p:txBody>
+      </p:sp>
+      <p:sp>
+        <p:nvSpPr>
+          <p:cNvPr id="37" name="TextBox 36">
+            <a:extLst>
+              <a:ext uri="{FF2B5EF4-FFF2-40B4-BE49-F238E27FC236}">
+                <a16:creationId xmlns:a16="http://schemas.microsoft.com/office/drawing/2014/main" id="{AEBFD3E7-BAB2-231D-A761-6D69D4A86525}"/>
+              </a:ext>
+            </a:extLst>
+          </p:cNvPr>
+          <p:cNvSpPr txBox="1"/>
+          <p:nvPr/>
+        </p:nvSpPr>
+        <p:spPr>
+          <a:xfrm>
+            <a:off x="9526950" y="3017833"/>
+            <a:ext cx="2121301" cy="369332"/>
+          </a:xfrm>
+          <a:prstGeom prst="rect">
+            <a:avLst/>
+          </a:prstGeom>
+          <a:noFill/>
+        </p:spPr>
+        <p:txBody>
+          <a:bodyPr wrap="square">
+            <a:spAutoFit/>
+          </a:bodyPr>
+          <a:lstStyle/>
+          <a:p>
+            <a:pPr algn="r"/>
+            <a:r>
+              <a:rPr lang="en-US" altLang="ko-Kore-KR" dirty="0">
+                <a:latin typeface="DM Mono" panose="020B0509040201040103" pitchFamily="49" charset="0"/>
+              </a:rPr>
+              <a:t>Dog</a:t>
+            </a:r>
+            <a:endParaRPr lang="ko-Kore-KR" altLang="en-US" dirty="0"/>
+          </a:p>
+        </p:txBody>
+      </p:sp>
+      <p:cxnSp>
+        <p:nvCxnSpPr>
+          <p:cNvPr id="38" name="구부러진 연결선[U] 37">
+            <a:extLst>
+              <a:ext uri="{FF2B5EF4-FFF2-40B4-BE49-F238E27FC236}">
+                <a16:creationId xmlns:a16="http://schemas.microsoft.com/office/drawing/2014/main" id="{9B095572-FB4A-F6B5-A3DA-3B09C0733BE7}"/>
+              </a:ext>
+            </a:extLst>
+          </p:cNvPr>
+          <p:cNvCxnSpPr>
+            <a:cxnSpLocks/>
+            <a:stCxn id="6" idx="3"/>
+            <a:endCxn id="35" idx="0"/>
+          </p:cNvCxnSpPr>
+          <p:nvPr/>
+        </p:nvCxnSpPr>
+        <p:spPr>
+          <a:xfrm flipV="1">
+            <a:off x="7741970" y="3400544"/>
+            <a:ext cx="2845632" cy="533930"/>
+          </a:xfrm>
+          <a:prstGeom prst="curvedConnector4">
+            <a:avLst>
+              <a:gd name="adj1" fmla="val 34584"/>
+              <a:gd name="adj2" fmla="val 142815"/>
+            </a:avLst>
+          </a:prstGeom>
+          <a:ln w="12700">
+            <a:tailEnd type="triangle"/>
+          </a:ln>
+        </p:spPr>
+        <p:style>
+          <a:lnRef idx="1">
+            <a:schemeClr val="dk1"/>
+          </a:lnRef>
+          <a:fillRef idx="0">
+            <a:schemeClr val="dk1"/>
+          </a:fillRef>
+          <a:effectRef idx="0">
+            <a:schemeClr val="dk1"/>
+          </a:effectRef>
+          <a:fontRef idx="minor">
+            <a:schemeClr val="tx1"/>
+          </a:fontRef>
+        </p:style>
+      </p:cxnSp>
+      <p:sp>
+        <p:nvSpPr>
+          <p:cNvPr id="41" name="직사각형 40">
+            <a:extLst>
+              <a:ext uri="{FF2B5EF4-FFF2-40B4-BE49-F238E27FC236}">
+                <a16:creationId xmlns:a16="http://schemas.microsoft.com/office/drawing/2014/main" id="{4382546F-3589-EE62-EFC1-A86F3616B150}"/>
+              </a:ext>
+            </a:extLst>
+          </p:cNvPr>
+          <p:cNvSpPr/>
+          <p:nvPr/>
+        </p:nvSpPr>
+        <p:spPr>
+          <a:xfrm>
+            <a:off x="7103802" y="2407705"/>
+            <a:ext cx="664577" cy="355953"/>
+          </a:xfrm>
+          <a:prstGeom prst="rect">
+            <a:avLst/>
+          </a:prstGeom>
+          <a:solidFill>
+            <a:srgbClr val="00B0F0"/>
+          </a:solidFill>
+        </p:spPr>
+        <p:style>
+          <a:lnRef idx="2">
+            <a:schemeClr val="accent1">
+              <a:shade val="50000"/>
+            </a:schemeClr>
+          </a:lnRef>
+          <a:fillRef idx="1">
+            <a:schemeClr val="accent1"/>
+          </a:fillRef>
+          <a:effectRef idx="0">
+            <a:schemeClr val="accent1"/>
+          </a:effectRef>
+          <a:fontRef idx="minor">
+            <a:schemeClr val="lt1"/>
+          </a:fontRef>
+        </p:style>
+        <p:txBody>
+          <a:bodyPr rtlCol="0" anchor="ctr"/>
+          <a:lstStyle/>
+          <a:p>
+            <a:pPr algn="ctr"/>
+            <a:endParaRPr kumimoji="1" lang="ko-Kore-KR" altLang="en-US" dirty="0">
+              <a:solidFill>
+                <a:schemeClr val="tx1"/>
+              </a:solidFill>
+              <a:latin typeface="DM Mono" panose="020B0509040201040103" pitchFamily="49" charset="0"/>
+            </a:endParaRPr>
+          </a:p>
+        </p:txBody>
+      </p:sp>
+      <p:sp>
+        <p:nvSpPr>
+          <p:cNvPr id="42" name="TextBox 41">
+            <a:extLst>
+              <a:ext uri="{FF2B5EF4-FFF2-40B4-BE49-F238E27FC236}">
+                <a16:creationId xmlns:a16="http://schemas.microsoft.com/office/drawing/2014/main" id="{6D0BBAC4-321E-22E4-8B18-0C644E486471}"/>
+              </a:ext>
+            </a:extLst>
+          </p:cNvPr>
+          <p:cNvSpPr txBox="1"/>
+          <p:nvPr/>
+        </p:nvSpPr>
+        <p:spPr>
+          <a:xfrm>
+            <a:off x="6078070" y="2401015"/>
+            <a:ext cx="1025730" cy="369332"/>
+          </a:xfrm>
+          <a:prstGeom prst="rect">
+            <a:avLst/>
+          </a:prstGeom>
+          <a:noFill/>
+        </p:spPr>
+        <p:txBody>
+          <a:bodyPr wrap="square">
+            <a:spAutoFit/>
+          </a:bodyPr>
+          <a:lstStyle/>
+          <a:p>
+            <a:pPr algn="r"/>
+            <a:r>
+              <a:rPr lang="en-US" altLang="ko-Kore-KR" dirty="0" err="1">
+                <a:latin typeface="DM Mono" panose="020B0509040201040103" pitchFamily="49" charset="0"/>
+              </a:rPr>
+              <a:t>vftp</a:t>
+            </a:r>
+            <a:endParaRPr lang="ko-Kore-KR" altLang="en-US" dirty="0"/>
+          </a:p>
+        </p:txBody>
+      </p:sp>
+      <p:sp>
+        <p:nvSpPr>
+          <p:cNvPr id="44" name="직사각형 43">
+            <a:extLst>
+              <a:ext uri="{FF2B5EF4-FFF2-40B4-BE49-F238E27FC236}">
+                <a16:creationId xmlns:a16="http://schemas.microsoft.com/office/drawing/2014/main" id="{DD912682-5296-9B40-870A-BF4E5A86856E}"/>
+              </a:ext>
+            </a:extLst>
+          </p:cNvPr>
+          <p:cNvSpPr/>
+          <p:nvPr/>
+        </p:nvSpPr>
+        <p:spPr>
+          <a:xfrm>
+            <a:off x="7103794" y="2755718"/>
+            <a:ext cx="664577" cy="355953"/>
+          </a:xfrm>
+          <a:prstGeom prst="rect">
+            <a:avLst/>
+          </a:prstGeom>
+          <a:solidFill>
+            <a:srgbClr val="FFFF00"/>
+          </a:solidFill>
+        </p:spPr>
+        <p:style>
+          <a:lnRef idx="2">
+            <a:schemeClr val="accent1">
+              <a:shade val="50000"/>
+            </a:schemeClr>
+          </a:lnRef>
+          <a:fillRef idx="1">
+            <a:schemeClr val="accent1"/>
+          </a:fillRef>
+          <a:effectRef idx="0">
+            <a:schemeClr val="accent1"/>
+          </a:effectRef>
+          <a:fontRef idx="minor">
+            <a:schemeClr val="lt1"/>
+          </a:fontRef>
+        </p:style>
+        <p:txBody>
+          <a:bodyPr rtlCol="0" anchor="ctr"/>
+          <a:lstStyle/>
+          <a:p>
+            <a:pPr algn="ctr"/>
+            <a:endParaRPr kumimoji="1" lang="ko-Kore-KR" altLang="en-US" dirty="0">
+              <a:solidFill>
+                <a:schemeClr val="tx1"/>
+              </a:solidFill>
+              <a:latin typeface="DM Mono" panose="020B0509040201040103" pitchFamily="49" charset="0"/>
+            </a:endParaRPr>
+          </a:p>
+        </p:txBody>
+      </p:sp>
+      <p:sp>
+        <p:nvSpPr>
+          <p:cNvPr id="45" name="TextBox 44">
+            <a:extLst>
+              <a:ext uri="{FF2B5EF4-FFF2-40B4-BE49-F238E27FC236}">
+                <a16:creationId xmlns:a16="http://schemas.microsoft.com/office/drawing/2014/main" id="{7152F823-CA55-67C8-893D-7E36AA614F8C}"/>
+              </a:ext>
+            </a:extLst>
+          </p:cNvPr>
+          <p:cNvSpPr txBox="1"/>
+          <p:nvPr/>
+        </p:nvSpPr>
+        <p:spPr>
+          <a:xfrm>
+            <a:off x="6078062" y="2749028"/>
+            <a:ext cx="1025730" cy="369332"/>
+          </a:xfrm>
+          <a:prstGeom prst="rect">
+            <a:avLst/>
+          </a:prstGeom>
+          <a:noFill/>
+        </p:spPr>
+        <p:txBody>
+          <a:bodyPr wrap="square">
+            <a:spAutoFit/>
+          </a:bodyPr>
+          <a:lstStyle/>
+          <a:p>
+            <a:pPr algn="r"/>
+            <a:r>
+              <a:rPr lang="en-US" altLang="ko-Kore-KR" dirty="0">
+                <a:latin typeface="DM Mono" panose="020B0509040201040103" pitchFamily="49" charset="0"/>
+              </a:rPr>
+              <a:t>age</a:t>
+            </a:r>
+            <a:endParaRPr lang="ko-Kore-KR" altLang="en-US" dirty="0"/>
+          </a:p>
+        </p:txBody>
+      </p:sp>
+      <p:cxnSp>
+        <p:nvCxnSpPr>
+          <p:cNvPr id="46" name="구부러진 연결선[U] 45">
+            <a:extLst>
+              <a:ext uri="{FF2B5EF4-FFF2-40B4-BE49-F238E27FC236}">
+                <a16:creationId xmlns:a16="http://schemas.microsoft.com/office/drawing/2014/main" id="{C638B171-F42F-EB97-E812-B9FBE7FBF939}"/>
+              </a:ext>
+            </a:extLst>
+          </p:cNvPr>
+          <p:cNvCxnSpPr>
+            <a:cxnSpLocks/>
+            <a:stCxn id="41" idx="3"/>
+            <a:endCxn id="8" idx="0"/>
+          </p:cNvCxnSpPr>
+          <p:nvPr/>
+        </p:nvCxnSpPr>
+        <p:spPr>
+          <a:xfrm flipV="1">
+            <a:off x="7768379" y="762339"/>
+            <a:ext cx="2886679" cy="1823343"/>
+          </a:xfrm>
+          <a:prstGeom prst="curvedConnector4">
+            <a:avLst>
+              <a:gd name="adj1" fmla="val 34803"/>
+              <a:gd name="adj2" fmla="val 112537"/>
+            </a:avLst>
+          </a:prstGeom>
+          <a:ln w="12700">
+            <a:tailEnd type="triangle"/>
+          </a:ln>
+        </p:spPr>
+        <p:style>
+          <a:lnRef idx="1">
+            <a:schemeClr val="dk1"/>
+          </a:lnRef>
+          <a:fillRef idx="0">
+            <a:schemeClr val="dk1"/>
+          </a:fillRef>
+          <a:effectRef idx="0">
+            <a:schemeClr val="dk1"/>
+          </a:effectRef>
+          <a:fontRef idx="minor">
+            <a:schemeClr val="tx1"/>
+          </a:fontRef>
+        </p:style>
+      </p:cxnSp>
+      <p:sp>
+        <p:nvSpPr>
+          <p:cNvPr id="4" name="직사각형 3">
+            <a:extLst>
+              <a:ext uri="{FF2B5EF4-FFF2-40B4-BE49-F238E27FC236}">
+                <a16:creationId xmlns:a16="http://schemas.microsoft.com/office/drawing/2014/main" id="{A66E0C1A-B2E5-0BD2-3B1E-18072DE24508}"/>
+              </a:ext>
+            </a:extLst>
+          </p:cNvPr>
+          <p:cNvSpPr/>
+          <p:nvPr/>
+        </p:nvSpPr>
+        <p:spPr>
+          <a:xfrm>
+            <a:off x="9777682" y="1112697"/>
+            <a:ext cx="1754751" cy="355953"/>
+          </a:xfrm>
+          <a:prstGeom prst="rect">
+            <a:avLst/>
+          </a:prstGeom>
+          <a:solidFill>
+            <a:srgbClr val="FFFF00"/>
+          </a:solidFill>
+        </p:spPr>
+        <p:style>
+          <a:lnRef idx="2">
+            <a:schemeClr val="accent1">
+              <a:shade val="50000"/>
+            </a:schemeClr>
+          </a:lnRef>
+          <a:fillRef idx="1">
+            <a:schemeClr val="accent1"/>
+          </a:fillRef>
+          <a:effectRef idx="0">
+            <a:schemeClr val="accent1"/>
+          </a:effectRef>
+          <a:fontRef idx="minor">
+            <a:schemeClr val="lt1"/>
+          </a:fontRef>
+        </p:style>
+        <p:txBody>
+          <a:bodyPr rtlCol="0" anchor="ctr"/>
+          <a:lstStyle/>
+          <a:p>
+            <a:pPr algn="ctr"/>
+            <a:r>
+              <a:rPr kumimoji="1" lang="en-US" altLang="ko-Kore-KR" dirty="0">
+                <a:solidFill>
+                  <a:schemeClr val="tx1"/>
+                </a:solidFill>
+                <a:latin typeface="DM Mono" panose="020B0509040201040103" pitchFamily="49" charset="0"/>
+              </a:rPr>
+              <a:t>Animal::Cry</a:t>
+            </a:r>
+            <a:endParaRPr kumimoji="1" lang="ko-Kore-KR" altLang="en-US" dirty="0">
+              <a:solidFill>
+                <a:schemeClr val="tx1"/>
+              </a:solidFill>
+              <a:latin typeface="DM Mono" panose="020B0509040201040103" pitchFamily="49" charset="0"/>
+            </a:endParaRPr>
+          </a:p>
+        </p:txBody>
+      </p:sp>
+      <p:sp>
+        <p:nvSpPr>
+          <p:cNvPr id="5" name="TextBox 4">
+            <a:extLst>
+              <a:ext uri="{FF2B5EF4-FFF2-40B4-BE49-F238E27FC236}">
+                <a16:creationId xmlns:a16="http://schemas.microsoft.com/office/drawing/2014/main" id="{D278739C-3F88-9A79-6289-0296F7BBBEA0}"/>
+              </a:ext>
+            </a:extLst>
+          </p:cNvPr>
+          <p:cNvSpPr txBox="1"/>
+          <p:nvPr/>
+        </p:nvSpPr>
+        <p:spPr>
+          <a:xfrm>
+            <a:off x="8751950" y="1106007"/>
+            <a:ext cx="1025730" cy="369332"/>
+          </a:xfrm>
+          <a:prstGeom prst="rect">
+            <a:avLst/>
+          </a:prstGeom>
+          <a:noFill/>
+        </p:spPr>
+        <p:txBody>
+          <a:bodyPr wrap="square">
+            <a:spAutoFit/>
+          </a:bodyPr>
+          <a:lstStyle/>
+          <a:p>
+            <a:pPr algn="r"/>
+            <a:r>
+              <a:rPr lang="en-US" altLang="ko-Kore-KR" dirty="0">
+                <a:latin typeface="DM Mono" panose="020B0509040201040103" pitchFamily="49" charset="0"/>
+              </a:rPr>
+              <a:t>1</a:t>
+            </a:r>
+            <a:endParaRPr lang="ko-Kore-KR" altLang="en-US" dirty="0"/>
+          </a:p>
+        </p:txBody>
+      </p:sp>
+      <p:sp>
+        <p:nvSpPr>
+          <p:cNvPr id="10" name="직사각형 9">
+            <a:extLst>
+              <a:ext uri="{FF2B5EF4-FFF2-40B4-BE49-F238E27FC236}">
+                <a16:creationId xmlns:a16="http://schemas.microsoft.com/office/drawing/2014/main" id="{5D74C438-327C-D721-020E-8DF5419B9D0F}"/>
+              </a:ext>
+            </a:extLst>
+          </p:cNvPr>
+          <p:cNvSpPr/>
+          <p:nvPr/>
+        </p:nvSpPr>
+        <p:spPr>
+          <a:xfrm>
+            <a:off x="9710226" y="3763215"/>
+            <a:ext cx="1754751" cy="355953"/>
+          </a:xfrm>
+          <a:prstGeom prst="rect">
+            <a:avLst/>
+          </a:prstGeom>
+          <a:solidFill>
+            <a:srgbClr val="FFFF00"/>
+          </a:solidFill>
+        </p:spPr>
+        <p:style>
+          <a:lnRef idx="2">
+            <a:schemeClr val="accent1">
+              <a:shade val="50000"/>
+            </a:schemeClr>
+          </a:lnRef>
+          <a:fillRef idx="1">
+            <a:schemeClr val="accent1"/>
+          </a:fillRef>
+          <a:effectRef idx="0">
+            <a:schemeClr val="accent1"/>
+          </a:effectRef>
+          <a:fontRef idx="minor">
+            <a:schemeClr val="lt1"/>
+          </a:fontRef>
+        </p:style>
+        <p:txBody>
+          <a:bodyPr rtlCol="0" anchor="ctr"/>
+          <a:lstStyle/>
+          <a:p>
+            <a:pPr algn="ctr"/>
+            <a:r>
+              <a:rPr kumimoji="1" lang="en-US" altLang="ko-Kore-KR" dirty="0">
+                <a:solidFill>
+                  <a:schemeClr val="tx1"/>
+                </a:solidFill>
+                <a:latin typeface="DM Mono" panose="020B0509040201040103" pitchFamily="49" charset="0"/>
+              </a:rPr>
+              <a:t>Animal::Cry</a:t>
+            </a:r>
+            <a:endParaRPr kumimoji="1" lang="ko-Kore-KR" altLang="en-US" dirty="0">
+              <a:solidFill>
+                <a:schemeClr val="tx1"/>
+              </a:solidFill>
+              <a:latin typeface="DM Mono" panose="020B0509040201040103" pitchFamily="49" charset="0"/>
+            </a:endParaRPr>
+          </a:p>
+        </p:txBody>
+      </p:sp>
+    </p:spTree>
+    <p:extLst>
+      <p:ext uri="{BB962C8B-B14F-4D97-AF65-F5344CB8AC3E}">
+        <p14:creationId xmlns:p14="http://schemas.microsoft.com/office/powerpoint/2010/main" val="1824811104"/>
+      </p:ext>
+    </p:extLst>
+  </p:cSld>
+  <p:clrMapOvr>
+    <a:masterClrMapping/>
+  </p:clrMapOvr>
+</p:sld>
+</file>
+
+<file path=ppt/slides/slide42.xml><?xml version="1.0" encoding="utf-8"?>
+<p:sld xmlns:a="http://schemas.openxmlformats.org/drawingml/2006/main" xmlns:r="http://schemas.openxmlformats.org/officeDocument/2006/relationships" xmlns:p="http://schemas.openxmlformats.org/presentationml/2006/main">
+  <p:cSld>
+    <p:spTree>
+      <p:nvGrpSpPr>
+        <p:cNvPr id="1" name=""/>
+        <p:cNvGrpSpPr/>
+        <p:nvPr/>
+      </p:nvGrpSpPr>
+      <p:grpSpPr>
+        <a:xfrm>
+          <a:off x="0" y="0"/>
+          <a:ext cx="0" cy="0"/>
+          <a:chOff x="0" y="0"/>
+          <a:chExt cx="0" cy="0"/>
+        </a:xfrm>
+      </p:grpSpPr>
+      <p:sp>
+        <p:nvSpPr>
+          <p:cNvPr id="12" name="TextBox 11">
+            <a:extLst>
+              <a:ext uri="{FF2B5EF4-FFF2-40B4-BE49-F238E27FC236}">
+                <a16:creationId xmlns:a16="http://schemas.microsoft.com/office/drawing/2014/main" id="{5F25EAEF-DF91-27FB-007F-5E16D7BAD47D}"/>
+              </a:ext>
+            </a:extLst>
+          </p:cNvPr>
+          <p:cNvSpPr txBox="1"/>
+          <p:nvPr/>
+        </p:nvSpPr>
+        <p:spPr>
+          <a:xfrm>
+            <a:off x="379751" y="340177"/>
+            <a:ext cx="3997377" cy="4247317"/>
+          </a:xfrm>
+          <a:prstGeom prst="rect">
+            <a:avLst/>
+          </a:prstGeom>
+          <a:noFill/>
+        </p:spPr>
+        <p:txBody>
+          <a:bodyPr wrap="square">
+            <a:spAutoFit/>
+          </a:bodyPr>
+          <a:lstStyle/>
+          <a:p>
+            <a:r>
+              <a:rPr lang="ko-Kore-KR" altLang="en-US" dirty="0">
+                <a:latin typeface="DM Mono" panose="020B0509040201040103" pitchFamily="49" charset="0"/>
+              </a:rPr>
+              <a:t>class Animal</a:t>
+            </a:r>
+          </a:p>
+          <a:p>
+            <a:r>
+              <a:rPr lang="ko-Kore-KR" altLang="en-US" dirty="0">
+                <a:latin typeface="DM Mono" panose="020B0509040201040103" pitchFamily="49" charset="0"/>
+              </a:rPr>
+              <a:t>{</a:t>
+            </a:r>
+          </a:p>
+          <a:p>
+            <a:r>
+              <a:rPr lang="ko-Kore-KR" altLang="en-US" dirty="0">
+                <a:latin typeface="DM Mono" panose="020B0509040201040103" pitchFamily="49" charset="0"/>
+              </a:rPr>
+              <a:t>  int age;</a:t>
+            </a:r>
+            <a:endParaRPr lang="en-US" altLang="ko-Kore-KR" dirty="0">
+              <a:latin typeface="DM Mono" panose="020B0509040201040103" pitchFamily="49" charset="0"/>
+            </a:endParaRPr>
+          </a:p>
+          <a:p>
+            <a:r>
+              <a:rPr lang="en-US" altLang="ko-Kore-KR" dirty="0">
+                <a:latin typeface="DM Mono" panose="020B0509040201040103" pitchFamily="49" charset="0"/>
+              </a:rPr>
+              <a:t>public:</a:t>
+            </a:r>
+          </a:p>
+          <a:p>
+            <a:r>
+              <a:rPr lang="en-US" altLang="ko-Kore-KR" dirty="0">
+                <a:latin typeface="DM Mono" panose="020B0509040201040103" pitchFamily="49" charset="0"/>
+              </a:rPr>
+              <a:t>  virtual void Go() {}</a:t>
+            </a:r>
+          </a:p>
+          <a:p>
+            <a:r>
+              <a:rPr lang="en-US" altLang="ko-Kore-KR" dirty="0">
+                <a:latin typeface="DM Mono" panose="020B0509040201040103" pitchFamily="49" charset="0"/>
+              </a:rPr>
+              <a:t>  virtual void Cry() {}</a:t>
+            </a:r>
+            <a:endParaRPr lang="ko-Kore-KR" altLang="en-US" dirty="0">
+              <a:latin typeface="DM Mono" panose="020B0509040201040103" pitchFamily="49" charset="0"/>
+            </a:endParaRPr>
+          </a:p>
+          <a:p>
+            <a:r>
+              <a:rPr lang="ko-Kore-KR" altLang="en-US" dirty="0">
+                <a:latin typeface="DM Mono" panose="020B0509040201040103" pitchFamily="49" charset="0"/>
+              </a:rPr>
+              <a:t>};</a:t>
+            </a:r>
+          </a:p>
+          <a:p>
+            <a:endParaRPr lang="ko-Kore-KR" altLang="en-US" dirty="0">
+              <a:latin typeface="DM Mono" panose="020B0509040201040103" pitchFamily="49" charset="0"/>
+            </a:endParaRPr>
+          </a:p>
+          <a:p>
+            <a:r>
+              <a:rPr lang="ko-Kore-KR" altLang="en-US" dirty="0">
+                <a:latin typeface="DM Mono" panose="020B0509040201040103" pitchFamily="49" charset="0"/>
+              </a:rPr>
+              <a:t>class Dog : public Animal</a:t>
+            </a:r>
+          </a:p>
+          <a:p>
+            <a:r>
+              <a:rPr lang="ko-Kore-KR" altLang="en-US" dirty="0">
+                <a:latin typeface="DM Mono" panose="020B0509040201040103" pitchFamily="49" charset="0"/>
+              </a:rPr>
+              <a:t>{</a:t>
+            </a:r>
+          </a:p>
+          <a:p>
+            <a:r>
+              <a:rPr lang="ko-Kore-KR" altLang="en-US" dirty="0">
+                <a:latin typeface="DM Mono" panose="020B0509040201040103" pitchFamily="49" charset="0"/>
+              </a:rPr>
+              <a:t>  int color;</a:t>
+            </a:r>
+          </a:p>
+          <a:p>
+            <a:r>
+              <a:rPr lang="ko-Kore-KR" altLang="en-US" dirty="0">
+                <a:latin typeface="DM Mono" panose="020B0509040201040103" pitchFamily="49" charset="0"/>
+              </a:rPr>
+              <a:t>  double height;</a:t>
+            </a:r>
+            <a:endParaRPr lang="en-US" altLang="ko-Kore-KR" dirty="0">
+              <a:latin typeface="DM Mono" panose="020B0509040201040103" pitchFamily="49" charset="0"/>
+            </a:endParaRPr>
+          </a:p>
+          <a:p>
+            <a:r>
+              <a:rPr lang="en-US" altLang="ko-Kore-KR" dirty="0">
+                <a:latin typeface="DM Mono" panose="020B0509040201040103" pitchFamily="49" charset="0"/>
+              </a:rPr>
+              <a:t>public:</a:t>
+            </a:r>
+          </a:p>
+          <a:p>
+            <a:r>
+              <a:rPr lang="en-US" altLang="ko-Kore-KR" dirty="0">
+                <a:solidFill>
+                  <a:srgbClr val="FF0000"/>
+                </a:solidFill>
+                <a:latin typeface="DM Mono" panose="020B0509040201040103" pitchFamily="49" charset="0"/>
+              </a:rPr>
+              <a:t>  void Go() override {}</a:t>
+            </a:r>
+            <a:endParaRPr lang="ko-Kore-KR" altLang="en-US" dirty="0">
+              <a:solidFill>
+                <a:srgbClr val="FF0000"/>
+              </a:solidFill>
+              <a:latin typeface="DM Mono" panose="020B0509040201040103" pitchFamily="49" charset="0"/>
+            </a:endParaRPr>
+          </a:p>
+          <a:p>
+            <a:r>
+              <a:rPr lang="ko-Kore-KR" altLang="en-US" dirty="0">
+                <a:latin typeface="DM Mono" panose="020B0509040201040103" pitchFamily="49" charset="0"/>
+              </a:rPr>
+              <a:t>};</a:t>
+            </a:r>
+          </a:p>
+        </p:txBody>
+      </p:sp>
+      <p:sp>
+        <p:nvSpPr>
+          <p:cNvPr id="13" name="직사각형 12">
+            <a:extLst>
+              <a:ext uri="{FF2B5EF4-FFF2-40B4-BE49-F238E27FC236}">
+                <a16:creationId xmlns:a16="http://schemas.microsoft.com/office/drawing/2014/main" id="{9C9F8E3B-FEBD-2EFB-801A-65FCF27E7D06}"/>
+              </a:ext>
+            </a:extLst>
+          </p:cNvPr>
+          <p:cNvSpPr/>
+          <p:nvPr/>
+        </p:nvSpPr>
+        <p:spPr>
+          <a:xfrm>
+            <a:off x="7077407" y="1310898"/>
+            <a:ext cx="664577" cy="355953"/>
+          </a:xfrm>
+          <a:prstGeom prst="rect">
+            <a:avLst/>
+          </a:prstGeom>
+          <a:solidFill>
+            <a:srgbClr val="00B0F0"/>
+          </a:solidFill>
+        </p:spPr>
+        <p:style>
+          <a:lnRef idx="2">
+            <a:schemeClr val="accent1">
+              <a:shade val="50000"/>
+            </a:schemeClr>
+          </a:lnRef>
+          <a:fillRef idx="1">
+            <a:schemeClr val="accent1"/>
+          </a:fillRef>
+          <a:effectRef idx="0">
+            <a:schemeClr val="accent1"/>
+          </a:effectRef>
+          <a:fontRef idx="minor">
+            <a:schemeClr val="lt1"/>
+          </a:fontRef>
+        </p:style>
+        <p:txBody>
+          <a:bodyPr rtlCol="0" anchor="ctr"/>
+          <a:lstStyle/>
+          <a:p>
+            <a:pPr algn="ctr"/>
+            <a:endParaRPr kumimoji="1" lang="ko-Kore-KR" altLang="en-US" dirty="0">
+              <a:solidFill>
+                <a:schemeClr val="tx1"/>
+              </a:solidFill>
+              <a:latin typeface="DM Mono" panose="020B0509040201040103" pitchFamily="49" charset="0"/>
+            </a:endParaRPr>
+          </a:p>
+        </p:txBody>
+      </p:sp>
+      <p:sp>
+        <p:nvSpPr>
+          <p:cNvPr id="15" name="TextBox 14">
+            <a:extLst>
+              <a:ext uri="{FF2B5EF4-FFF2-40B4-BE49-F238E27FC236}">
+                <a16:creationId xmlns:a16="http://schemas.microsoft.com/office/drawing/2014/main" id="{9E68841A-4511-E7E1-BDF1-0F579561BA38}"/>
+              </a:ext>
+            </a:extLst>
+          </p:cNvPr>
+          <p:cNvSpPr txBox="1"/>
+          <p:nvPr/>
+        </p:nvSpPr>
+        <p:spPr>
+          <a:xfrm>
+            <a:off x="6051675" y="1304208"/>
+            <a:ext cx="1025730" cy="369332"/>
+          </a:xfrm>
+          <a:prstGeom prst="rect">
+            <a:avLst/>
+          </a:prstGeom>
+          <a:noFill/>
+        </p:spPr>
+        <p:txBody>
+          <a:bodyPr wrap="square">
+            <a:spAutoFit/>
+          </a:bodyPr>
+          <a:lstStyle/>
+          <a:p>
+            <a:pPr algn="r"/>
+            <a:r>
+              <a:rPr lang="en-US" altLang="ko-Kore-KR" dirty="0" err="1">
+                <a:latin typeface="DM Mono" panose="020B0509040201040103" pitchFamily="49" charset="0"/>
+              </a:rPr>
+              <a:t>vftp</a:t>
+            </a:r>
+            <a:endParaRPr lang="ko-Kore-KR" altLang="en-US" dirty="0"/>
+          </a:p>
+        </p:txBody>
+      </p:sp>
+      <p:sp>
+        <p:nvSpPr>
+          <p:cNvPr id="17" name="TextBox 16">
+            <a:extLst>
+              <a:ext uri="{FF2B5EF4-FFF2-40B4-BE49-F238E27FC236}">
+                <a16:creationId xmlns:a16="http://schemas.microsoft.com/office/drawing/2014/main" id="{96F09D79-AE13-EDF8-DEA7-05B0948B8B86}"/>
+              </a:ext>
+            </a:extLst>
+          </p:cNvPr>
+          <p:cNvSpPr txBox="1"/>
+          <p:nvPr/>
+        </p:nvSpPr>
+        <p:spPr>
+          <a:xfrm>
+            <a:off x="6525049" y="940316"/>
+            <a:ext cx="1769289" cy="369332"/>
+          </a:xfrm>
+          <a:prstGeom prst="rect">
+            <a:avLst/>
+          </a:prstGeom>
+          <a:noFill/>
+        </p:spPr>
+        <p:txBody>
+          <a:bodyPr wrap="square">
+            <a:spAutoFit/>
+          </a:bodyPr>
+          <a:lstStyle/>
+          <a:p>
+            <a:pPr algn="ctr"/>
+            <a:r>
+              <a:rPr lang="en-US" altLang="ko-Kore-KR" dirty="0">
+                <a:latin typeface="DM Mono" panose="020B0509040201040103" pitchFamily="49" charset="0"/>
+              </a:rPr>
+              <a:t>Animal a</a:t>
+            </a:r>
+            <a:endParaRPr lang="ko-Kore-KR" altLang="en-US" dirty="0"/>
+          </a:p>
+        </p:txBody>
+      </p:sp>
+      <p:sp>
+        <p:nvSpPr>
+          <p:cNvPr id="18" name="직사각형 17">
+            <a:extLst>
+              <a:ext uri="{FF2B5EF4-FFF2-40B4-BE49-F238E27FC236}">
+                <a16:creationId xmlns:a16="http://schemas.microsoft.com/office/drawing/2014/main" id="{41B8ED92-8A05-D533-AAF1-236BC168342D}"/>
+              </a:ext>
+            </a:extLst>
+          </p:cNvPr>
+          <p:cNvSpPr/>
+          <p:nvPr/>
+        </p:nvSpPr>
+        <p:spPr>
+          <a:xfrm>
+            <a:off x="7077399" y="4107938"/>
+            <a:ext cx="664577" cy="355953"/>
+          </a:xfrm>
+          <a:prstGeom prst="rect">
+            <a:avLst/>
+          </a:prstGeom>
+          <a:solidFill>
+            <a:srgbClr val="FFFF00"/>
+          </a:solidFill>
+        </p:spPr>
+        <p:style>
+          <a:lnRef idx="2">
+            <a:schemeClr val="accent1">
+              <a:shade val="50000"/>
+            </a:schemeClr>
+          </a:lnRef>
+          <a:fillRef idx="1">
+            <a:schemeClr val="accent1"/>
+          </a:fillRef>
+          <a:effectRef idx="0">
+            <a:schemeClr val="accent1"/>
+          </a:effectRef>
+          <a:fontRef idx="minor">
+            <a:schemeClr val="lt1"/>
+          </a:fontRef>
+        </p:style>
+        <p:txBody>
+          <a:bodyPr rtlCol="0" anchor="ctr"/>
+          <a:lstStyle/>
+          <a:p>
+            <a:pPr algn="ctr"/>
+            <a:endParaRPr kumimoji="1" lang="ko-Kore-KR" altLang="en-US" dirty="0">
+              <a:solidFill>
+                <a:schemeClr val="tx1"/>
+              </a:solidFill>
+              <a:latin typeface="DM Mono" panose="020B0509040201040103" pitchFamily="49" charset="0"/>
+            </a:endParaRPr>
+          </a:p>
+        </p:txBody>
+      </p:sp>
+      <p:sp>
+        <p:nvSpPr>
+          <p:cNvPr id="19" name="TextBox 18">
+            <a:extLst>
+              <a:ext uri="{FF2B5EF4-FFF2-40B4-BE49-F238E27FC236}">
+                <a16:creationId xmlns:a16="http://schemas.microsoft.com/office/drawing/2014/main" id="{FA0FAA60-E568-EAD5-2C39-4C549E97567C}"/>
+              </a:ext>
+            </a:extLst>
+          </p:cNvPr>
+          <p:cNvSpPr txBox="1"/>
+          <p:nvPr/>
+        </p:nvSpPr>
+        <p:spPr>
+          <a:xfrm>
+            <a:off x="6051667" y="4101248"/>
+            <a:ext cx="1025730" cy="369332"/>
+          </a:xfrm>
+          <a:prstGeom prst="rect">
+            <a:avLst/>
+          </a:prstGeom>
+          <a:noFill/>
+        </p:spPr>
+        <p:txBody>
+          <a:bodyPr wrap="square">
+            <a:spAutoFit/>
+          </a:bodyPr>
+          <a:lstStyle/>
+          <a:p>
+            <a:pPr algn="r"/>
+            <a:r>
+              <a:rPr lang="en-US" altLang="ko-Kore-KR" dirty="0">
+                <a:latin typeface="DM Mono" panose="020B0509040201040103" pitchFamily="49" charset="0"/>
+              </a:rPr>
+              <a:t>age</a:t>
+            </a:r>
+            <a:endParaRPr lang="ko-Kore-KR" altLang="en-US" dirty="0"/>
+          </a:p>
+        </p:txBody>
+      </p:sp>
+      <p:sp>
+        <p:nvSpPr>
+          <p:cNvPr id="20" name="TextBox 19">
+            <a:extLst>
+              <a:ext uri="{FF2B5EF4-FFF2-40B4-BE49-F238E27FC236}">
+                <a16:creationId xmlns:a16="http://schemas.microsoft.com/office/drawing/2014/main" id="{1D4CBE01-6395-3CE1-4DB3-7D368B992203}"/>
+              </a:ext>
+            </a:extLst>
+          </p:cNvPr>
+          <p:cNvSpPr txBox="1"/>
+          <p:nvPr/>
+        </p:nvSpPr>
+        <p:spPr>
+          <a:xfrm>
+            <a:off x="6525049" y="3389343"/>
+            <a:ext cx="1769289" cy="369332"/>
+          </a:xfrm>
+          <a:prstGeom prst="rect">
+            <a:avLst/>
+          </a:prstGeom>
+          <a:noFill/>
+        </p:spPr>
+        <p:txBody>
+          <a:bodyPr wrap="square">
+            <a:spAutoFit/>
+          </a:bodyPr>
+          <a:lstStyle/>
+          <a:p>
+            <a:pPr algn="ctr"/>
+            <a:r>
+              <a:rPr lang="en-US" altLang="ko-Kore-KR" dirty="0">
+                <a:latin typeface="DM Mono" panose="020B0509040201040103" pitchFamily="49" charset="0"/>
+              </a:rPr>
+              <a:t>Dog d</a:t>
+            </a:r>
+            <a:endParaRPr lang="ko-Kore-KR" altLang="en-US" dirty="0"/>
+          </a:p>
+        </p:txBody>
+      </p:sp>
+      <p:sp>
+        <p:nvSpPr>
+          <p:cNvPr id="21" name="직사각형 20">
+            <a:extLst>
+              <a:ext uri="{FF2B5EF4-FFF2-40B4-BE49-F238E27FC236}">
+                <a16:creationId xmlns:a16="http://schemas.microsoft.com/office/drawing/2014/main" id="{30A25852-ADC4-CD9F-F6F9-942ABEB3AF11}"/>
+              </a:ext>
+            </a:extLst>
+          </p:cNvPr>
+          <p:cNvSpPr/>
+          <p:nvPr/>
+        </p:nvSpPr>
+        <p:spPr>
+          <a:xfrm>
+            <a:off x="7077397" y="4463891"/>
+            <a:ext cx="664577" cy="355953"/>
+          </a:xfrm>
+          <a:prstGeom prst="rect">
+            <a:avLst/>
+          </a:prstGeom>
+          <a:solidFill>
+            <a:srgbClr val="FFFF00"/>
+          </a:solidFill>
+        </p:spPr>
+        <p:style>
+          <a:lnRef idx="2">
+            <a:schemeClr val="accent1">
+              <a:shade val="50000"/>
+            </a:schemeClr>
+          </a:lnRef>
+          <a:fillRef idx="1">
+            <a:schemeClr val="accent1"/>
+          </a:fillRef>
+          <a:effectRef idx="0">
+            <a:schemeClr val="accent1"/>
+          </a:effectRef>
+          <a:fontRef idx="minor">
+            <a:schemeClr val="lt1"/>
+          </a:fontRef>
+        </p:style>
+        <p:txBody>
+          <a:bodyPr rtlCol="0" anchor="ctr"/>
+          <a:lstStyle/>
+          <a:p>
+            <a:pPr algn="ctr"/>
+            <a:endParaRPr kumimoji="1" lang="ko-Kore-KR" altLang="en-US" dirty="0">
+              <a:solidFill>
+                <a:schemeClr val="tx1"/>
+              </a:solidFill>
+              <a:latin typeface="DM Mono" panose="020B0509040201040103" pitchFamily="49" charset="0"/>
+            </a:endParaRPr>
+          </a:p>
+        </p:txBody>
+      </p:sp>
+      <p:sp>
+        <p:nvSpPr>
+          <p:cNvPr id="22" name="TextBox 21">
+            <a:extLst>
+              <a:ext uri="{FF2B5EF4-FFF2-40B4-BE49-F238E27FC236}">
+                <a16:creationId xmlns:a16="http://schemas.microsoft.com/office/drawing/2014/main" id="{2060AD5E-35E6-60E4-F59E-82D5846566D0}"/>
+              </a:ext>
+            </a:extLst>
+          </p:cNvPr>
+          <p:cNvSpPr txBox="1"/>
+          <p:nvPr/>
+        </p:nvSpPr>
+        <p:spPr>
+          <a:xfrm>
+            <a:off x="6051665" y="4457201"/>
+            <a:ext cx="1025730" cy="369332"/>
+          </a:xfrm>
+          <a:prstGeom prst="rect">
+            <a:avLst/>
+          </a:prstGeom>
+          <a:noFill/>
+        </p:spPr>
+        <p:txBody>
+          <a:bodyPr wrap="square">
+            <a:spAutoFit/>
+          </a:bodyPr>
+          <a:lstStyle/>
+          <a:p>
+            <a:pPr algn="r"/>
+            <a:r>
+              <a:rPr lang="en-US" altLang="ko-Kore-KR" dirty="0">
+                <a:latin typeface="DM Mono" panose="020B0509040201040103" pitchFamily="49" charset="0"/>
+              </a:rPr>
+              <a:t>color</a:t>
+            </a:r>
+            <a:endParaRPr lang="ko-Kore-KR" altLang="en-US" dirty="0"/>
+          </a:p>
+        </p:txBody>
+      </p:sp>
+      <p:sp>
+        <p:nvSpPr>
+          <p:cNvPr id="23" name="직사각형 22">
+            <a:extLst>
+              <a:ext uri="{FF2B5EF4-FFF2-40B4-BE49-F238E27FC236}">
+                <a16:creationId xmlns:a16="http://schemas.microsoft.com/office/drawing/2014/main" id="{AF2FE565-A265-438B-A72E-356B265239ED}"/>
+              </a:ext>
+            </a:extLst>
+          </p:cNvPr>
+          <p:cNvSpPr/>
+          <p:nvPr/>
+        </p:nvSpPr>
+        <p:spPr>
+          <a:xfrm>
+            <a:off x="7077395" y="4819844"/>
+            <a:ext cx="664577" cy="355953"/>
+          </a:xfrm>
+          <a:prstGeom prst="rect">
+            <a:avLst/>
+          </a:prstGeom>
+          <a:solidFill>
+            <a:srgbClr val="FFFF00"/>
+          </a:solidFill>
+        </p:spPr>
+        <p:style>
+          <a:lnRef idx="2">
+            <a:schemeClr val="accent1">
+              <a:shade val="50000"/>
+            </a:schemeClr>
+          </a:lnRef>
+          <a:fillRef idx="1">
+            <a:schemeClr val="accent1"/>
+          </a:fillRef>
+          <a:effectRef idx="0">
+            <a:schemeClr val="accent1"/>
+          </a:effectRef>
+          <a:fontRef idx="minor">
+            <a:schemeClr val="lt1"/>
+          </a:fontRef>
+        </p:style>
+        <p:txBody>
+          <a:bodyPr rtlCol="0" anchor="ctr"/>
+          <a:lstStyle/>
+          <a:p>
+            <a:pPr algn="ctr"/>
+            <a:endParaRPr kumimoji="1" lang="ko-Kore-KR" altLang="en-US" dirty="0">
+              <a:solidFill>
+                <a:schemeClr val="tx1"/>
+              </a:solidFill>
+              <a:latin typeface="DM Mono" panose="020B0509040201040103" pitchFamily="49" charset="0"/>
+            </a:endParaRPr>
+          </a:p>
+        </p:txBody>
+      </p:sp>
+      <p:sp>
+        <p:nvSpPr>
+          <p:cNvPr id="24" name="TextBox 23">
+            <a:extLst>
+              <a:ext uri="{FF2B5EF4-FFF2-40B4-BE49-F238E27FC236}">
+                <a16:creationId xmlns:a16="http://schemas.microsoft.com/office/drawing/2014/main" id="{AB7C225E-8881-3473-1E41-4B5A0251E29E}"/>
+              </a:ext>
+            </a:extLst>
+          </p:cNvPr>
+          <p:cNvSpPr txBox="1"/>
+          <p:nvPr/>
+        </p:nvSpPr>
+        <p:spPr>
+          <a:xfrm>
+            <a:off x="6051663" y="4813154"/>
+            <a:ext cx="1025730" cy="369332"/>
+          </a:xfrm>
+          <a:prstGeom prst="rect">
+            <a:avLst/>
+          </a:prstGeom>
+          <a:noFill/>
+        </p:spPr>
+        <p:txBody>
+          <a:bodyPr wrap="square">
+            <a:spAutoFit/>
+          </a:bodyPr>
+          <a:lstStyle/>
+          <a:p>
+            <a:pPr algn="r"/>
+            <a:r>
+              <a:rPr lang="en-US" altLang="ko-Kore-KR" dirty="0">
+                <a:latin typeface="DM Mono" panose="020B0509040201040103" pitchFamily="49" charset="0"/>
+              </a:rPr>
+              <a:t>height</a:t>
+            </a:r>
+            <a:endParaRPr lang="ko-Kore-KR" altLang="en-US" dirty="0"/>
+          </a:p>
+        </p:txBody>
+      </p:sp>
+      <p:sp>
+        <p:nvSpPr>
+          <p:cNvPr id="2" name="직사각형 1">
+            <a:extLst>
+              <a:ext uri="{FF2B5EF4-FFF2-40B4-BE49-F238E27FC236}">
+                <a16:creationId xmlns:a16="http://schemas.microsoft.com/office/drawing/2014/main" id="{9BD37063-DA88-C4B2-BBAC-AFFFFC2B8605}"/>
+              </a:ext>
+            </a:extLst>
+          </p:cNvPr>
+          <p:cNvSpPr/>
+          <p:nvPr/>
+        </p:nvSpPr>
+        <p:spPr>
+          <a:xfrm>
+            <a:off x="7077399" y="1658911"/>
+            <a:ext cx="664577" cy="355953"/>
+          </a:xfrm>
+          <a:prstGeom prst="rect">
+            <a:avLst/>
+          </a:prstGeom>
+          <a:solidFill>
+            <a:srgbClr val="FFFF00"/>
+          </a:solidFill>
+        </p:spPr>
+        <p:style>
+          <a:lnRef idx="2">
+            <a:schemeClr val="accent1">
+              <a:shade val="50000"/>
+            </a:schemeClr>
+          </a:lnRef>
+          <a:fillRef idx="1">
+            <a:schemeClr val="accent1"/>
+          </a:fillRef>
+          <a:effectRef idx="0">
+            <a:schemeClr val="accent1"/>
+          </a:effectRef>
+          <a:fontRef idx="minor">
+            <a:schemeClr val="lt1"/>
+          </a:fontRef>
+        </p:style>
+        <p:txBody>
+          <a:bodyPr rtlCol="0" anchor="ctr"/>
+          <a:lstStyle/>
+          <a:p>
+            <a:pPr algn="ctr"/>
+            <a:endParaRPr kumimoji="1" lang="ko-Kore-KR" altLang="en-US" dirty="0">
+              <a:solidFill>
+                <a:schemeClr val="tx1"/>
+              </a:solidFill>
+              <a:latin typeface="DM Mono" panose="020B0509040201040103" pitchFamily="49" charset="0"/>
+            </a:endParaRPr>
+          </a:p>
+        </p:txBody>
+      </p:sp>
+      <p:sp>
+        <p:nvSpPr>
+          <p:cNvPr id="3" name="TextBox 2">
+            <a:extLst>
+              <a:ext uri="{FF2B5EF4-FFF2-40B4-BE49-F238E27FC236}">
+                <a16:creationId xmlns:a16="http://schemas.microsoft.com/office/drawing/2014/main" id="{84E9E6E7-A4D6-F477-269B-8985788A0842}"/>
+              </a:ext>
+            </a:extLst>
+          </p:cNvPr>
+          <p:cNvSpPr txBox="1"/>
+          <p:nvPr/>
+        </p:nvSpPr>
+        <p:spPr>
+          <a:xfrm>
+            <a:off x="6051667" y="1652221"/>
+            <a:ext cx="1025730" cy="369332"/>
+          </a:xfrm>
+          <a:prstGeom prst="rect">
+            <a:avLst/>
+          </a:prstGeom>
+          <a:noFill/>
+        </p:spPr>
+        <p:txBody>
+          <a:bodyPr wrap="square">
+            <a:spAutoFit/>
+          </a:bodyPr>
+          <a:lstStyle/>
+          <a:p>
+            <a:pPr algn="r"/>
+            <a:r>
+              <a:rPr lang="en-US" altLang="ko-Kore-KR" dirty="0">
+                <a:latin typeface="DM Mono" panose="020B0509040201040103" pitchFamily="49" charset="0"/>
+              </a:rPr>
+              <a:t>age</a:t>
+            </a:r>
+            <a:endParaRPr lang="ko-Kore-KR" altLang="en-US" dirty="0"/>
+          </a:p>
+        </p:txBody>
+      </p:sp>
+      <p:sp>
+        <p:nvSpPr>
+          <p:cNvPr id="6" name="직사각형 5">
+            <a:extLst>
+              <a:ext uri="{FF2B5EF4-FFF2-40B4-BE49-F238E27FC236}">
+                <a16:creationId xmlns:a16="http://schemas.microsoft.com/office/drawing/2014/main" id="{4CE6EB93-F770-6D30-AB71-525EDAFE8C32}"/>
+              </a:ext>
+            </a:extLst>
+          </p:cNvPr>
+          <p:cNvSpPr/>
+          <p:nvPr/>
+        </p:nvSpPr>
+        <p:spPr>
+          <a:xfrm>
+            <a:off x="7077393" y="3756497"/>
+            <a:ext cx="664577" cy="355953"/>
+          </a:xfrm>
+          <a:prstGeom prst="rect">
+            <a:avLst/>
+          </a:prstGeom>
+          <a:solidFill>
+            <a:srgbClr val="00B0F0"/>
+          </a:solidFill>
+        </p:spPr>
+        <p:style>
+          <a:lnRef idx="2">
+            <a:schemeClr val="accent1">
+              <a:shade val="50000"/>
+            </a:schemeClr>
+          </a:lnRef>
+          <a:fillRef idx="1">
+            <a:schemeClr val="accent1"/>
+          </a:fillRef>
+          <a:effectRef idx="0">
+            <a:schemeClr val="accent1"/>
+          </a:effectRef>
+          <a:fontRef idx="minor">
+            <a:schemeClr val="lt1"/>
+          </a:fontRef>
+        </p:style>
+        <p:txBody>
+          <a:bodyPr rtlCol="0" anchor="ctr"/>
+          <a:lstStyle/>
+          <a:p>
+            <a:pPr algn="ctr"/>
+            <a:endParaRPr kumimoji="1" lang="ko-Kore-KR" altLang="en-US" dirty="0">
+              <a:solidFill>
+                <a:schemeClr val="tx1"/>
+              </a:solidFill>
+              <a:latin typeface="DM Mono" panose="020B0509040201040103" pitchFamily="49" charset="0"/>
+            </a:endParaRPr>
+          </a:p>
+        </p:txBody>
+      </p:sp>
+      <p:sp>
+        <p:nvSpPr>
+          <p:cNvPr id="7" name="TextBox 6">
+            <a:extLst>
+              <a:ext uri="{FF2B5EF4-FFF2-40B4-BE49-F238E27FC236}">
+                <a16:creationId xmlns:a16="http://schemas.microsoft.com/office/drawing/2014/main" id="{7AF716B2-435D-A7C7-7BA7-29624A2D6AE9}"/>
+              </a:ext>
+            </a:extLst>
+          </p:cNvPr>
+          <p:cNvSpPr txBox="1"/>
+          <p:nvPr/>
+        </p:nvSpPr>
+        <p:spPr>
+          <a:xfrm>
+            <a:off x="6051661" y="3749807"/>
+            <a:ext cx="1025730" cy="369332"/>
+          </a:xfrm>
+          <a:prstGeom prst="rect">
+            <a:avLst/>
+          </a:prstGeom>
+          <a:noFill/>
+        </p:spPr>
+        <p:txBody>
+          <a:bodyPr wrap="square">
+            <a:spAutoFit/>
+          </a:bodyPr>
+          <a:lstStyle/>
+          <a:p>
+            <a:pPr algn="r"/>
+            <a:r>
+              <a:rPr lang="en-US" altLang="ko-Kore-KR" dirty="0" err="1">
+                <a:latin typeface="DM Mono" panose="020B0509040201040103" pitchFamily="49" charset="0"/>
+              </a:rPr>
+              <a:t>vftp</a:t>
+            </a:r>
+            <a:endParaRPr lang="ko-Kore-KR" altLang="en-US" dirty="0"/>
+          </a:p>
+        </p:txBody>
+      </p:sp>
+      <p:sp>
+        <p:nvSpPr>
+          <p:cNvPr id="8" name="직사각형 7">
+            <a:extLst>
+              <a:ext uri="{FF2B5EF4-FFF2-40B4-BE49-F238E27FC236}">
+                <a16:creationId xmlns:a16="http://schemas.microsoft.com/office/drawing/2014/main" id="{C5B58F6C-CB5C-BC57-A0B5-FC334C8FEC3A}"/>
+              </a:ext>
+            </a:extLst>
+          </p:cNvPr>
+          <p:cNvSpPr/>
+          <p:nvPr/>
+        </p:nvSpPr>
+        <p:spPr>
+          <a:xfrm>
+            <a:off x="9777682" y="762339"/>
+            <a:ext cx="1754751" cy="355953"/>
+          </a:xfrm>
+          <a:prstGeom prst="rect">
+            <a:avLst/>
+          </a:prstGeom>
+          <a:solidFill>
+            <a:srgbClr val="FFFF00"/>
+          </a:solidFill>
+        </p:spPr>
+        <p:style>
+          <a:lnRef idx="2">
+            <a:schemeClr val="accent1">
+              <a:shade val="50000"/>
+            </a:schemeClr>
+          </a:lnRef>
+          <a:fillRef idx="1">
+            <a:schemeClr val="accent1"/>
+          </a:fillRef>
+          <a:effectRef idx="0">
+            <a:schemeClr val="accent1"/>
+          </a:effectRef>
+          <a:fontRef idx="minor">
+            <a:schemeClr val="lt1"/>
+          </a:fontRef>
+        </p:style>
+        <p:txBody>
+          <a:bodyPr rtlCol="0" anchor="ctr"/>
+          <a:lstStyle/>
+          <a:p>
+            <a:pPr algn="ctr"/>
+            <a:r>
+              <a:rPr kumimoji="1" lang="en-US" altLang="ko-Kore-KR" dirty="0">
+                <a:solidFill>
+                  <a:schemeClr val="tx1"/>
+                </a:solidFill>
+                <a:latin typeface="DM Mono" panose="020B0509040201040103" pitchFamily="49" charset="0"/>
+              </a:rPr>
+              <a:t>Animal::Go</a:t>
+            </a:r>
+            <a:endParaRPr kumimoji="1" lang="ko-Kore-KR" altLang="en-US" dirty="0">
+              <a:solidFill>
+                <a:schemeClr val="tx1"/>
+              </a:solidFill>
+              <a:latin typeface="DM Mono" panose="020B0509040201040103" pitchFamily="49" charset="0"/>
+            </a:endParaRPr>
+          </a:p>
+        </p:txBody>
+      </p:sp>
+      <p:sp>
+        <p:nvSpPr>
+          <p:cNvPr id="9" name="TextBox 8">
+            <a:extLst>
+              <a:ext uri="{FF2B5EF4-FFF2-40B4-BE49-F238E27FC236}">
+                <a16:creationId xmlns:a16="http://schemas.microsoft.com/office/drawing/2014/main" id="{8CF50B41-9586-D4F9-0BAB-5D3A237D7EB3}"/>
+              </a:ext>
+            </a:extLst>
+          </p:cNvPr>
+          <p:cNvSpPr txBox="1"/>
+          <p:nvPr/>
+        </p:nvSpPr>
+        <p:spPr>
+          <a:xfrm>
+            <a:off x="8751950" y="755649"/>
+            <a:ext cx="1025730" cy="369332"/>
+          </a:xfrm>
+          <a:prstGeom prst="rect">
+            <a:avLst/>
+          </a:prstGeom>
+          <a:noFill/>
+        </p:spPr>
+        <p:txBody>
+          <a:bodyPr wrap="square">
+            <a:spAutoFit/>
+          </a:bodyPr>
+          <a:lstStyle/>
+          <a:p>
+            <a:pPr algn="r"/>
+            <a:r>
+              <a:rPr lang="en-US" altLang="ko-Kore-KR" dirty="0">
+                <a:latin typeface="DM Mono" panose="020B0509040201040103" pitchFamily="49" charset="0"/>
+              </a:rPr>
+              <a:t>0</a:t>
+            </a:r>
+            <a:endParaRPr lang="ko-Kore-KR" altLang="en-US" dirty="0"/>
+          </a:p>
+        </p:txBody>
+      </p:sp>
+      <p:sp>
+        <p:nvSpPr>
+          <p:cNvPr id="32" name="TextBox 31">
+            <a:extLst>
+              <a:ext uri="{FF2B5EF4-FFF2-40B4-BE49-F238E27FC236}">
+                <a16:creationId xmlns:a16="http://schemas.microsoft.com/office/drawing/2014/main" id="{361EE031-3229-ECD7-0489-E34DACFCC51C}"/>
+              </a:ext>
+            </a:extLst>
+          </p:cNvPr>
+          <p:cNvSpPr txBox="1"/>
+          <p:nvPr/>
+        </p:nvSpPr>
+        <p:spPr>
+          <a:xfrm>
+            <a:off x="9594406" y="379628"/>
+            <a:ext cx="2121301" cy="369332"/>
+          </a:xfrm>
+          <a:prstGeom prst="rect">
+            <a:avLst/>
+          </a:prstGeom>
+          <a:noFill/>
+        </p:spPr>
+        <p:txBody>
+          <a:bodyPr wrap="square">
+            <a:spAutoFit/>
+          </a:bodyPr>
+          <a:lstStyle/>
+          <a:p>
+            <a:pPr algn="r"/>
+            <a:r>
+              <a:rPr lang="en-US" altLang="ko-Kore-KR" dirty="0">
+                <a:latin typeface="DM Mono" panose="020B0509040201040103" pitchFamily="49" charset="0"/>
+              </a:rPr>
+              <a:t>Animal</a:t>
+            </a:r>
+            <a:endParaRPr lang="ko-Kore-KR" altLang="en-US" dirty="0"/>
+          </a:p>
+        </p:txBody>
+      </p:sp>
+      <p:cxnSp>
+        <p:nvCxnSpPr>
+          <p:cNvPr id="34" name="구부러진 연결선[U] 33">
+            <a:extLst>
+              <a:ext uri="{FF2B5EF4-FFF2-40B4-BE49-F238E27FC236}">
+                <a16:creationId xmlns:a16="http://schemas.microsoft.com/office/drawing/2014/main" id="{79AA94D7-6E8C-8CAC-AF80-77E054B15D56}"/>
+              </a:ext>
+            </a:extLst>
+          </p:cNvPr>
+          <p:cNvCxnSpPr>
+            <a:stCxn id="13" idx="3"/>
+            <a:endCxn id="8" idx="0"/>
+          </p:cNvCxnSpPr>
+          <p:nvPr/>
+        </p:nvCxnSpPr>
+        <p:spPr>
+          <a:xfrm flipV="1">
+            <a:off x="7741984" y="762339"/>
+            <a:ext cx="2913074" cy="726536"/>
+          </a:xfrm>
+          <a:prstGeom prst="curvedConnector4">
+            <a:avLst>
+              <a:gd name="adj1" fmla="val 34941"/>
+              <a:gd name="adj2" fmla="val 131464"/>
+            </a:avLst>
+          </a:prstGeom>
+          <a:ln w="12700">
+            <a:tailEnd type="triangle"/>
+          </a:ln>
+        </p:spPr>
+        <p:style>
+          <a:lnRef idx="1">
+            <a:schemeClr val="dk1"/>
+          </a:lnRef>
+          <a:fillRef idx="0">
+            <a:schemeClr val="dk1"/>
+          </a:fillRef>
+          <a:effectRef idx="0">
+            <a:schemeClr val="dk1"/>
+          </a:effectRef>
+          <a:fontRef idx="minor">
+            <a:schemeClr val="tx1"/>
+          </a:fontRef>
+        </p:style>
+      </p:cxnSp>
+      <p:sp>
+        <p:nvSpPr>
+          <p:cNvPr id="35" name="직사각형 34">
+            <a:extLst>
+              <a:ext uri="{FF2B5EF4-FFF2-40B4-BE49-F238E27FC236}">
+                <a16:creationId xmlns:a16="http://schemas.microsoft.com/office/drawing/2014/main" id="{B27FBBFE-33CC-6C59-CE89-5983C92C1FEA}"/>
+              </a:ext>
+            </a:extLst>
+          </p:cNvPr>
+          <p:cNvSpPr/>
+          <p:nvPr/>
+        </p:nvSpPr>
+        <p:spPr>
+          <a:xfrm>
+            <a:off x="9710226" y="3400544"/>
+            <a:ext cx="1754751" cy="355953"/>
+          </a:xfrm>
+          <a:prstGeom prst="rect">
+            <a:avLst/>
+          </a:prstGeom>
+          <a:solidFill>
+            <a:srgbClr val="FFFF00"/>
+          </a:solidFill>
+        </p:spPr>
+        <p:style>
+          <a:lnRef idx="2">
+            <a:schemeClr val="accent1">
+              <a:shade val="50000"/>
+            </a:schemeClr>
+          </a:lnRef>
+          <a:fillRef idx="1">
+            <a:schemeClr val="accent1"/>
+          </a:fillRef>
+          <a:effectRef idx="0">
+            <a:schemeClr val="accent1"/>
+          </a:effectRef>
+          <a:fontRef idx="minor">
+            <a:schemeClr val="lt1"/>
+          </a:fontRef>
+        </p:style>
+        <p:txBody>
+          <a:bodyPr rtlCol="0" anchor="ctr"/>
+          <a:lstStyle/>
+          <a:p>
+            <a:pPr algn="ctr"/>
+            <a:r>
+              <a:rPr kumimoji="1" lang="en-US" altLang="ko-Kore-KR" dirty="0">
+                <a:solidFill>
+                  <a:srgbClr val="FF0000"/>
+                </a:solidFill>
+                <a:latin typeface="DM Mono" panose="020B0509040201040103" pitchFamily="49" charset="0"/>
+              </a:rPr>
+              <a:t>Dog::Go</a:t>
+            </a:r>
+            <a:endParaRPr kumimoji="1" lang="ko-Kore-KR" altLang="en-US" dirty="0">
+              <a:solidFill>
+                <a:srgbClr val="FF0000"/>
+              </a:solidFill>
+              <a:latin typeface="DM Mono" panose="020B0509040201040103" pitchFamily="49" charset="0"/>
+            </a:endParaRPr>
+          </a:p>
+        </p:txBody>
+      </p:sp>
+      <p:sp>
+        <p:nvSpPr>
+          <p:cNvPr id="36" name="TextBox 35">
+            <a:extLst>
+              <a:ext uri="{FF2B5EF4-FFF2-40B4-BE49-F238E27FC236}">
+                <a16:creationId xmlns:a16="http://schemas.microsoft.com/office/drawing/2014/main" id="{BC3DF531-BA17-814A-AFF3-8817B3842960}"/>
+              </a:ext>
+            </a:extLst>
+          </p:cNvPr>
+          <p:cNvSpPr txBox="1"/>
+          <p:nvPr/>
+        </p:nvSpPr>
+        <p:spPr>
+          <a:xfrm>
+            <a:off x="8684494" y="3393854"/>
+            <a:ext cx="1025730" cy="369332"/>
+          </a:xfrm>
+          <a:prstGeom prst="rect">
+            <a:avLst/>
+          </a:prstGeom>
+          <a:noFill/>
+        </p:spPr>
+        <p:txBody>
+          <a:bodyPr wrap="square">
+            <a:spAutoFit/>
+          </a:bodyPr>
+          <a:lstStyle/>
+          <a:p>
+            <a:pPr algn="r"/>
+            <a:r>
+              <a:rPr lang="en-US" altLang="ko-Kore-KR" dirty="0">
+                <a:latin typeface="DM Mono" panose="020B0509040201040103" pitchFamily="49" charset="0"/>
+              </a:rPr>
+              <a:t>0</a:t>
+            </a:r>
+            <a:endParaRPr lang="ko-Kore-KR" altLang="en-US" dirty="0"/>
+          </a:p>
+        </p:txBody>
+      </p:sp>
+      <p:sp>
+        <p:nvSpPr>
+          <p:cNvPr id="37" name="TextBox 36">
+            <a:extLst>
+              <a:ext uri="{FF2B5EF4-FFF2-40B4-BE49-F238E27FC236}">
+                <a16:creationId xmlns:a16="http://schemas.microsoft.com/office/drawing/2014/main" id="{AEBFD3E7-BAB2-231D-A761-6D69D4A86525}"/>
+              </a:ext>
+            </a:extLst>
+          </p:cNvPr>
+          <p:cNvSpPr txBox="1"/>
+          <p:nvPr/>
+        </p:nvSpPr>
+        <p:spPr>
+          <a:xfrm>
+            <a:off x="9526950" y="3017833"/>
+            <a:ext cx="2121301" cy="369332"/>
+          </a:xfrm>
+          <a:prstGeom prst="rect">
+            <a:avLst/>
+          </a:prstGeom>
+          <a:noFill/>
+        </p:spPr>
+        <p:txBody>
+          <a:bodyPr wrap="square">
+            <a:spAutoFit/>
+          </a:bodyPr>
+          <a:lstStyle/>
+          <a:p>
+            <a:pPr algn="r"/>
+            <a:r>
+              <a:rPr lang="en-US" altLang="ko-Kore-KR" dirty="0">
+                <a:latin typeface="DM Mono" panose="020B0509040201040103" pitchFamily="49" charset="0"/>
+              </a:rPr>
+              <a:t>Dog</a:t>
+            </a:r>
+            <a:endParaRPr lang="ko-Kore-KR" altLang="en-US" dirty="0"/>
+          </a:p>
+        </p:txBody>
+      </p:sp>
+      <p:cxnSp>
+        <p:nvCxnSpPr>
+          <p:cNvPr id="38" name="구부러진 연결선[U] 37">
+            <a:extLst>
+              <a:ext uri="{FF2B5EF4-FFF2-40B4-BE49-F238E27FC236}">
+                <a16:creationId xmlns:a16="http://schemas.microsoft.com/office/drawing/2014/main" id="{9B095572-FB4A-F6B5-A3DA-3B09C0733BE7}"/>
+              </a:ext>
+            </a:extLst>
+          </p:cNvPr>
+          <p:cNvCxnSpPr>
+            <a:cxnSpLocks/>
+            <a:stCxn id="6" idx="3"/>
+            <a:endCxn id="35" idx="0"/>
+          </p:cNvCxnSpPr>
+          <p:nvPr/>
+        </p:nvCxnSpPr>
+        <p:spPr>
+          <a:xfrm flipV="1">
+            <a:off x="7741970" y="3400544"/>
+            <a:ext cx="2845632" cy="533930"/>
+          </a:xfrm>
+          <a:prstGeom prst="curvedConnector4">
+            <a:avLst>
+              <a:gd name="adj1" fmla="val 34584"/>
+              <a:gd name="adj2" fmla="val 142815"/>
+            </a:avLst>
+          </a:prstGeom>
+          <a:ln w="12700">
+            <a:tailEnd type="triangle"/>
+          </a:ln>
+        </p:spPr>
+        <p:style>
+          <a:lnRef idx="1">
+            <a:schemeClr val="dk1"/>
+          </a:lnRef>
+          <a:fillRef idx="0">
+            <a:schemeClr val="dk1"/>
+          </a:fillRef>
+          <a:effectRef idx="0">
+            <a:schemeClr val="dk1"/>
+          </a:effectRef>
+          <a:fontRef idx="minor">
+            <a:schemeClr val="tx1"/>
+          </a:fontRef>
+        </p:style>
+      </p:cxnSp>
+      <p:sp>
+        <p:nvSpPr>
+          <p:cNvPr id="41" name="직사각형 40">
+            <a:extLst>
+              <a:ext uri="{FF2B5EF4-FFF2-40B4-BE49-F238E27FC236}">
+                <a16:creationId xmlns:a16="http://schemas.microsoft.com/office/drawing/2014/main" id="{4382546F-3589-EE62-EFC1-A86F3616B150}"/>
+              </a:ext>
+            </a:extLst>
+          </p:cNvPr>
+          <p:cNvSpPr/>
+          <p:nvPr/>
+        </p:nvSpPr>
+        <p:spPr>
+          <a:xfrm>
+            <a:off x="7103802" y="2407705"/>
+            <a:ext cx="664577" cy="355953"/>
+          </a:xfrm>
+          <a:prstGeom prst="rect">
+            <a:avLst/>
+          </a:prstGeom>
+          <a:solidFill>
+            <a:srgbClr val="00B0F0"/>
+          </a:solidFill>
+        </p:spPr>
+        <p:style>
+          <a:lnRef idx="2">
+            <a:schemeClr val="accent1">
+              <a:shade val="50000"/>
+            </a:schemeClr>
+          </a:lnRef>
+          <a:fillRef idx="1">
+            <a:schemeClr val="accent1"/>
+          </a:fillRef>
+          <a:effectRef idx="0">
+            <a:schemeClr val="accent1"/>
+          </a:effectRef>
+          <a:fontRef idx="minor">
+            <a:schemeClr val="lt1"/>
+          </a:fontRef>
+        </p:style>
+        <p:txBody>
+          <a:bodyPr rtlCol="0" anchor="ctr"/>
+          <a:lstStyle/>
+          <a:p>
+            <a:pPr algn="ctr"/>
+            <a:endParaRPr kumimoji="1" lang="ko-Kore-KR" altLang="en-US" dirty="0">
+              <a:solidFill>
+                <a:schemeClr val="tx1"/>
+              </a:solidFill>
+              <a:latin typeface="DM Mono" panose="020B0509040201040103" pitchFamily="49" charset="0"/>
+            </a:endParaRPr>
+          </a:p>
+        </p:txBody>
+      </p:sp>
+      <p:sp>
+        <p:nvSpPr>
+          <p:cNvPr id="42" name="TextBox 41">
+            <a:extLst>
+              <a:ext uri="{FF2B5EF4-FFF2-40B4-BE49-F238E27FC236}">
+                <a16:creationId xmlns:a16="http://schemas.microsoft.com/office/drawing/2014/main" id="{6D0BBAC4-321E-22E4-8B18-0C644E486471}"/>
+              </a:ext>
+            </a:extLst>
+          </p:cNvPr>
+          <p:cNvSpPr txBox="1"/>
+          <p:nvPr/>
+        </p:nvSpPr>
+        <p:spPr>
+          <a:xfrm>
+            <a:off x="6078070" y="2401015"/>
+            <a:ext cx="1025730" cy="369332"/>
+          </a:xfrm>
+          <a:prstGeom prst="rect">
+            <a:avLst/>
+          </a:prstGeom>
+          <a:noFill/>
+        </p:spPr>
+        <p:txBody>
+          <a:bodyPr wrap="square">
+            <a:spAutoFit/>
+          </a:bodyPr>
+          <a:lstStyle/>
+          <a:p>
+            <a:pPr algn="r"/>
+            <a:r>
+              <a:rPr lang="en-US" altLang="ko-Kore-KR" dirty="0" err="1">
+                <a:latin typeface="DM Mono" panose="020B0509040201040103" pitchFamily="49" charset="0"/>
+              </a:rPr>
+              <a:t>vftp</a:t>
+            </a:r>
+            <a:endParaRPr lang="ko-Kore-KR" altLang="en-US" dirty="0"/>
+          </a:p>
+        </p:txBody>
+      </p:sp>
+      <p:sp>
+        <p:nvSpPr>
+          <p:cNvPr id="44" name="직사각형 43">
+            <a:extLst>
+              <a:ext uri="{FF2B5EF4-FFF2-40B4-BE49-F238E27FC236}">
+                <a16:creationId xmlns:a16="http://schemas.microsoft.com/office/drawing/2014/main" id="{DD912682-5296-9B40-870A-BF4E5A86856E}"/>
+              </a:ext>
+            </a:extLst>
+          </p:cNvPr>
+          <p:cNvSpPr/>
+          <p:nvPr/>
+        </p:nvSpPr>
+        <p:spPr>
+          <a:xfrm>
+            <a:off x="7103794" y="2755718"/>
+            <a:ext cx="664577" cy="355953"/>
+          </a:xfrm>
+          <a:prstGeom prst="rect">
+            <a:avLst/>
+          </a:prstGeom>
+          <a:solidFill>
+            <a:srgbClr val="FFFF00"/>
+          </a:solidFill>
+        </p:spPr>
+        <p:style>
+          <a:lnRef idx="2">
+            <a:schemeClr val="accent1">
+              <a:shade val="50000"/>
+            </a:schemeClr>
+          </a:lnRef>
+          <a:fillRef idx="1">
+            <a:schemeClr val="accent1"/>
+          </a:fillRef>
+          <a:effectRef idx="0">
+            <a:schemeClr val="accent1"/>
+          </a:effectRef>
+          <a:fontRef idx="minor">
+            <a:schemeClr val="lt1"/>
+          </a:fontRef>
+        </p:style>
+        <p:txBody>
+          <a:bodyPr rtlCol="0" anchor="ctr"/>
+          <a:lstStyle/>
+          <a:p>
+            <a:pPr algn="ctr"/>
+            <a:endParaRPr kumimoji="1" lang="ko-Kore-KR" altLang="en-US" dirty="0">
+              <a:solidFill>
+                <a:schemeClr val="tx1"/>
+              </a:solidFill>
+              <a:latin typeface="DM Mono" panose="020B0509040201040103" pitchFamily="49" charset="0"/>
+            </a:endParaRPr>
+          </a:p>
+        </p:txBody>
+      </p:sp>
+      <p:sp>
+        <p:nvSpPr>
+          <p:cNvPr id="45" name="TextBox 44">
+            <a:extLst>
+              <a:ext uri="{FF2B5EF4-FFF2-40B4-BE49-F238E27FC236}">
+                <a16:creationId xmlns:a16="http://schemas.microsoft.com/office/drawing/2014/main" id="{7152F823-CA55-67C8-893D-7E36AA614F8C}"/>
+              </a:ext>
+            </a:extLst>
+          </p:cNvPr>
+          <p:cNvSpPr txBox="1"/>
+          <p:nvPr/>
+        </p:nvSpPr>
+        <p:spPr>
+          <a:xfrm>
+            <a:off x="6078062" y="2749028"/>
+            <a:ext cx="1025730" cy="369332"/>
+          </a:xfrm>
+          <a:prstGeom prst="rect">
+            <a:avLst/>
+          </a:prstGeom>
+          <a:noFill/>
+        </p:spPr>
+        <p:txBody>
+          <a:bodyPr wrap="square">
+            <a:spAutoFit/>
+          </a:bodyPr>
+          <a:lstStyle/>
+          <a:p>
+            <a:pPr algn="r"/>
+            <a:r>
+              <a:rPr lang="en-US" altLang="ko-Kore-KR" dirty="0">
+                <a:latin typeface="DM Mono" panose="020B0509040201040103" pitchFamily="49" charset="0"/>
+              </a:rPr>
+              <a:t>age</a:t>
+            </a:r>
+            <a:endParaRPr lang="ko-Kore-KR" altLang="en-US" dirty="0"/>
+          </a:p>
+        </p:txBody>
+      </p:sp>
+      <p:cxnSp>
+        <p:nvCxnSpPr>
+          <p:cNvPr id="46" name="구부러진 연결선[U] 45">
+            <a:extLst>
+              <a:ext uri="{FF2B5EF4-FFF2-40B4-BE49-F238E27FC236}">
+                <a16:creationId xmlns:a16="http://schemas.microsoft.com/office/drawing/2014/main" id="{C638B171-F42F-EB97-E812-B9FBE7FBF939}"/>
+              </a:ext>
+            </a:extLst>
+          </p:cNvPr>
+          <p:cNvCxnSpPr>
+            <a:cxnSpLocks/>
+            <a:stCxn id="41" idx="3"/>
+            <a:endCxn id="8" idx="0"/>
+          </p:cNvCxnSpPr>
+          <p:nvPr/>
+        </p:nvCxnSpPr>
+        <p:spPr>
+          <a:xfrm flipV="1">
+            <a:off x="7768379" y="762339"/>
+            <a:ext cx="2886679" cy="1823343"/>
+          </a:xfrm>
+          <a:prstGeom prst="curvedConnector4">
+            <a:avLst>
+              <a:gd name="adj1" fmla="val 34803"/>
+              <a:gd name="adj2" fmla="val 112537"/>
+            </a:avLst>
+          </a:prstGeom>
+          <a:ln w="12700">
+            <a:tailEnd type="triangle"/>
+          </a:ln>
+        </p:spPr>
+        <p:style>
+          <a:lnRef idx="1">
+            <a:schemeClr val="dk1"/>
+          </a:lnRef>
+          <a:fillRef idx="0">
+            <a:schemeClr val="dk1"/>
+          </a:fillRef>
+          <a:effectRef idx="0">
+            <a:schemeClr val="dk1"/>
+          </a:effectRef>
+          <a:fontRef idx="minor">
+            <a:schemeClr val="tx1"/>
+          </a:fontRef>
+        </p:style>
+      </p:cxnSp>
+      <p:sp>
+        <p:nvSpPr>
+          <p:cNvPr id="4" name="직사각형 3">
+            <a:extLst>
+              <a:ext uri="{FF2B5EF4-FFF2-40B4-BE49-F238E27FC236}">
+                <a16:creationId xmlns:a16="http://schemas.microsoft.com/office/drawing/2014/main" id="{A66E0C1A-B2E5-0BD2-3B1E-18072DE24508}"/>
+              </a:ext>
+            </a:extLst>
+          </p:cNvPr>
+          <p:cNvSpPr/>
+          <p:nvPr/>
+        </p:nvSpPr>
+        <p:spPr>
+          <a:xfrm>
+            <a:off x="9777682" y="1112697"/>
+            <a:ext cx="1754751" cy="355953"/>
+          </a:xfrm>
+          <a:prstGeom prst="rect">
+            <a:avLst/>
+          </a:prstGeom>
+          <a:solidFill>
+            <a:srgbClr val="FFFF00"/>
+          </a:solidFill>
+        </p:spPr>
+        <p:style>
+          <a:lnRef idx="2">
+            <a:schemeClr val="accent1">
+              <a:shade val="50000"/>
+            </a:schemeClr>
+          </a:lnRef>
+          <a:fillRef idx="1">
+            <a:schemeClr val="accent1"/>
+          </a:fillRef>
+          <a:effectRef idx="0">
+            <a:schemeClr val="accent1"/>
+          </a:effectRef>
+          <a:fontRef idx="minor">
+            <a:schemeClr val="lt1"/>
+          </a:fontRef>
+        </p:style>
+        <p:txBody>
+          <a:bodyPr rtlCol="0" anchor="ctr"/>
+          <a:lstStyle/>
+          <a:p>
+            <a:pPr algn="ctr"/>
+            <a:r>
+              <a:rPr kumimoji="1" lang="en-US" altLang="ko-Kore-KR" dirty="0">
+                <a:solidFill>
+                  <a:schemeClr val="tx1"/>
+                </a:solidFill>
+                <a:latin typeface="DM Mono" panose="020B0509040201040103" pitchFamily="49" charset="0"/>
+              </a:rPr>
+              <a:t>Animal::Cry</a:t>
+            </a:r>
+            <a:endParaRPr kumimoji="1" lang="ko-Kore-KR" altLang="en-US" dirty="0">
+              <a:solidFill>
+                <a:schemeClr val="tx1"/>
+              </a:solidFill>
+              <a:latin typeface="DM Mono" panose="020B0509040201040103" pitchFamily="49" charset="0"/>
+            </a:endParaRPr>
+          </a:p>
+        </p:txBody>
+      </p:sp>
+      <p:sp>
+        <p:nvSpPr>
+          <p:cNvPr id="5" name="TextBox 4">
+            <a:extLst>
+              <a:ext uri="{FF2B5EF4-FFF2-40B4-BE49-F238E27FC236}">
+                <a16:creationId xmlns:a16="http://schemas.microsoft.com/office/drawing/2014/main" id="{D278739C-3F88-9A79-6289-0296F7BBBEA0}"/>
+              </a:ext>
+            </a:extLst>
+          </p:cNvPr>
+          <p:cNvSpPr txBox="1"/>
+          <p:nvPr/>
+        </p:nvSpPr>
+        <p:spPr>
+          <a:xfrm>
+            <a:off x="8751950" y="1106007"/>
+            <a:ext cx="1025730" cy="369332"/>
+          </a:xfrm>
+          <a:prstGeom prst="rect">
+            <a:avLst/>
+          </a:prstGeom>
+          <a:noFill/>
+        </p:spPr>
+        <p:txBody>
+          <a:bodyPr wrap="square">
+            <a:spAutoFit/>
+          </a:bodyPr>
+          <a:lstStyle/>
+          <a:p>
+            <a:pPr algn="r"/>
+            <a:r>
+              <a:rPr lang="en-US" altLang="ko-Kore-KR" dirty="0">
+                <a:latin typeface="DM Mono" panose="020B0509040201040103" pitchFamily="49" charset="0"/>
+              </a:rPr>
+              <a:t>1</a:t>
+            </a:r>
+            <a:endParaRPr lang="ko-Kore-KR" altLang="en-US" dirty="0"/>
+          </a:p>
+        </p:txBody>
+      </p:sp>
+      <p:sp>
+        <p:nvSpPr>
+          <p:cNvPr id="10" name="직사각형 9">
+            <a:extLst>
+              <a:ext uri="{FF2B5EF4-FFF2-40B4-BE49-F238E27FC236}">
+                <a16:creationId xmlns:a16="http://schemas.microsoft.com/office/drawing/2014/main" id="{5D74C438-327C-D721-020E-8DF5419B9D0F}"/>
+              </a:ext>
+            </a:extLst>
+          </p:cNvPr>
+          <p:cNvSpPr/>
+          <p:nvPr/>
+        </p:nvSpPr>
+        <p:spPr>
+          <a:xfrm>
+            <a:off x="9710226" y="3763215"/>
+            <a:ext cx="1754751" cy="355953"/>
+          </a:xfrm>
+          <a:prstGeom prst="rect">
+            <a:avLst/>
+          </a:prstGeom>
+          <a:solidFill>
+            <a:srgbClr val="FFFF00"/>
+          </a:solidFill>
+        </p:spPr>
+        <p:style>
+          <a:lnRef idx="2">
+            <a:schemeClr val="accent1">
+              <a:shade val="50000"/>
+            </a:schemeClr>
+          </a:lnRef>
+          <a:fillRef idx="1">
+            <a:schemeClr val="accent1"/>
+          </a:fillRef>
+          <a:effectRef idx="0">
+            <a:schemeClr val="accent1"/>
+          </a:effectRef>
+          <a:fontRef idx="minor">
+            <a:schemeClr val="lt1"/>
+          </a:fontRef>
+        </p:style>
+        <p:txBody>
+          <a:bodyPr rtlCol="0" anchor="ctr"/>
+          <a:lstStyle/>
+          <a:p>
+            <a:pPr algn="ctr"/>
+            <a:r>
+              <a:rPr kumimoji="1" lang="en-US" altLang="ko-Kore-KR" dirty="0">
+                <a:solidFill>
+                  <a:schemeClr val="tx1"/>
+                </a:solidFill>
+                <a:latin typeface="DM Mono" panose="020B0509040201040103" pitchFamily="49" charset="0"/>
+              </a:rPr>
+              <a:t>Animal::Cry</a:t>
+            </a:r>
+            <a:endParaRPr kumimoji="1" lang="ko-Kore-KR" altLang="en-US" dirty="0">
+              <a:solidFill>
+                <a:schemeClr val="tx1"/>
+              </a:solidFill>
+              <a:latin typeface="DM Mono" panose="020B0509040201040103" pitchFamily="49" charset="0"/>
+            </a:endParaRPr>
+          </a:p>
+        </p:txBody>
+      </p:sp>
+    </p:spTree>
+    <p:extLst>
+      <p:ext uri="{BB962C8B-B14F-4D97-AF65-F5344CB8AC3E}">
+        <p14:creationId xmlns:p14="http://schemas.microsoft.com/office/powerpoint/2010/main" val="981783120"/>
       </p:ext>
     </p:extLst>
   </p:cSld>

--- a/221114.pptx
+++ b/221114.pptx
@@ -30116,6 +30116,43 @@
           </a:fontRef>
         </p:style>
       </p:cxnSp>
+      <p:sp>
+        <p:nvSpPr>
+          <p:cNvPr id="50" name="TextBox 49">
+            <a:extLst>
+              <a:ext uri="{FF2B5EF4-FFF2-40B4-BE49-F238E27FC236}">
+                <a16:creationId xmlns:a16="http://schemas.microsoft.com/office/drawing/2014/main" id="{949D2D73-F7F1-0809-C765-9E806A9901F7}"/>
+              </a:ext>
+            </a:extLst>
+          </p:cNvPr>
+          <p:cNvSpPr txBox="1"/>
+          <p:nvPr/>
+        </p:nvSpPr>
+        <p:spPr>
+          <a:xfrm>
+            <a:off x="429049" y="4435958"/>
+            <a:ext cx="4217902" cy="369332"/>
+          </a:xfrm>
+          <a:prstGeom prst="rect">
+            <a:avLst/>
+          </a:prstGeom>
+          <a:noFill/>
+        </p:spPr>
+        <p:txBody>
+          <a:bodyPr wrap="square">
+            <a:spAutoFit/>
+          </a:bodyPr>
+          <a:lstStyle/>
+          <a:p>
+            <a:r>
+              <a:rPr lang="ko-Kore-KR" altLang="en-US" dirty="0">
+                <a:latin typeface="DM Mono" panose="020B0509040201040103" pitchFamily="49" charset="0"/>
+              </a:rPr>
+              <a:t>p-&gt;Go(); // (p-&gt;vftp)[0](p);</a:t>
+            </a:r>
+          </a:p>
+        </p:txBody>
+      </p:sp>
     </p:spTree>
     <p:extLst>
       <p:ext uri="{BB962C8B-B14F-4D97-AF65-F5344CB8AC3E}">
@@ -33291,6 +33328,43 @@
               </a:solidFill>
               <a:latin typeface="DM Mono" panose="020B0509040201040103" pitchFamily="49" charset="0"/>
             </a:endParaRPr>
+          </a:p>
+        </p:txBody>
+      </p:sp>
+      <p:sp>
+        <p:nvSpPr>
+          <p:cNvPr id="16" name="TextBox 15">
+            <a:extLst>
+              <a:ext uri="{FF2B5EF4-FFF2-40B4-BE49-F238E27FC236}">
+                <a16:creationId xmlns:a16="http://schemas.microsoft.com/office/drawing/2014/main" id="{44A716F3-4A00-3D5F-6C8B-8A1016332EB6}"/>
+              </a:ext>
+            </a:extLst>
+          </p:cNvPr>
+          <p:cNvSpPr txBox="1"/>
+          <p:nvPr/>
+        </p:nvSpPr>
+        <p:spPr>
+          <a:xfrm>
+            <a:off x="379751" y="4819844"/>
+            <a:ext cx="4217902" cy="369332"/>
+          </a:xfrm>
+          <a:prstGeom prst="rect">
+            <a:avLst/>
+          </a:prstGeom>
+          <a:noFill/>
+        </p:spPr>
+        <p:txBody>
+          <a:bodyPr wrap="square">
+            <a:spAutoFit/>
+          </a:bodyPr>
+          <a:lstStyle/>
+          <a:p>
+            <a:r>
+              <a:rPr lang="ko-Kore-KR" altLang="en-US" dirty="0">
+                <a:latin typeface="DM Mono" panose="020B0509040201040103" pitchFamily="49" charset="0"/>
+              </a:rPr>
+              <a:t>p-&gt;Go(); // (p-&gt;vftp)[0](p);</a:t>
+            </a:r>
           </a:p>
         </p:txBody>
       </p:sp>
